--- a/Report, presentation and related stuff/Knapsack_problem.pptx
+++ b/Report, presentation and related stuff/Knapsack_problem.pptx
@@ -11,17 +11,19 @@
     <p:sldId id="258" r:id="rId5"/>
     <p:sldId id="259" r:id="rId6"/>
     <p:sldId id="262" r:id="rId7"/>
-    <p:sldId id="261" r:id="rId8"/>
-    <p:sldId id="263" r:id="rId9"/>
-    <p:sldId id="264" r:id="rId10"/>
-    <p:sldId id="265" r:id="rId11"/>
-    <p:sldId id="271" r:id="rId12"/>
-    <p:sldId id="273" r:id="rId13"/>
-    <p:sldId id="266" r:id="rId14"/>
-    <p:sldId id="267" r:id="rId15"/>
-    <p:sldId id="268" r:id="rId16"/>
-    <p:sldId id="269" r:id="rId17"/>
-    <p:sldId id="270" r:id="rId18"/>
+    <p:sldId id="274" r:id="rId8"/>
+    <p:sldId id="275" r:id="rId9"/>
+    <p:sldId id="276" r:id="rId10"/>
+    <p:sldId id="261" r:id="rId11"/>
+    <p:sldId id="263" r:id="rId12"/>
+    <p:sldId id="264" r:id="rId13"/>
+    <p:sldId id="265" r:id="rId14"/>
+    <p:sldId id="271" r:id="rId15"/>
+    <p:sldId id="273" r:id="rId16"/>
+    <p:sldId id="267" r:id="rId17"/>
+    <p:sldId id="268" r:id="rId18"/>
+    <p:sldId id="269" r:id="rId19"/>
+    <p:sldId id="270" r:id="rId20"/>
   </p:sldIdLst>
   <p:sldSz cx="12192000" cy="6858000"/>
   <p:notesSz cx="6858000" cy="9144000"/>
@@ -850,7 +852,7 @@
           <a:p>
             <a:fld id="{1838F80B-A628-425D-B3A1-2B0695012D5D}" type="datetimeFigureOut">
               <a:rPr lang="et-EE" smtClean="0"/>
-              <a:t>14.01.2016</a:t>
+              <a:t>15.01.2016</a:t>
             </a:fld>
             <a:endParaRPr lang="et-EE"/>
           </a:p>
@@ -1101,7 +1103,7 @@
           <a:p>
             <a:fld id="{1838F80B-A628-425D-B3A1-2B0695012D5D}" type="datetimeFigureOut">
               <a:rPr lang="et-EE" smtClean="0"/>
-              <a:t>14.01.2016</a:t>
+              <a:t>15.01.2016</a:t>
             </a:fld>
             <a:endParaRPr lang="et-EE"/>
           </a:p>
@@ -1415,7 +1417,7 @@
           <a:p>
             <a:fld id="{1838F80B-A628-425D-B3A1-2B0695012D5D}" type="datetimeFigureOut">
               <a:rPr lang="et-EE" smtClean="0"/>
-              <a:t>14.01.2016</a:t>
+              <a:t>15.01.2016</a:t>
             </a:fld>
             <a:endParaRPr lang="et-EE"/>
           </a:p>
@@ -1756,7 +1758,7 @@
           <a:p>
             <a:fld id="{1838F80B-A628-425D-B3A1-2B0695012D5D}" type="datetimeFigureOut">
               <a:rPr lang="et-EE" smtClean="0"/>
-              <a:t>14.01.2016</a:t>
+              <a:t>15.01.2016</a:t>
             </a:fld>
             <a:endParaRPr lang="et-EE"/>
           </a:p>
@@ -2070,7 +2072,7 @@
           <a:p>
             <a:fld id="{1838F80B-A628-425D-B3A1-2B0695012D5D}" type="datetimeFigureOut">
               <a:rPr lang="et-EE" smtClean="0"/>
-              <a:t>14.01.2016</a:t>
+              <a:t>15.01.2016</a:t>
             </a:fld>
             <a:endParaRPr lang="et-EE"/>
           </a:p>
@@ -2463,7 +2465,7 @@
           <a:p>
             <a:fld id="{1838F80B-A628-425D-B3A1-2B0695012D5D}" type="datetimeFigureOut">
               <a:rPr lang="et-EE" smtClean="0"/>
-              <a:t>14.01.2016</a:t>
+              <a:t>15.01.2016</a:t>
             </a:fld>
             <a:endParaRPr lang="et-EE"/>
           </a:p>
@@ -2633,7 +2635,7 @@
           <a:p>
             <a:fld id="{1838F80B-A628-425D-B3A1-2B0695012D5D}" type="datetimeFigureOut">
               <a:rPr lang="et-EE" smtClean="0"/>
-              <a:t>14.01.2016</a:t>
+              <a:t>15.01.2016</a:t>
             </a:fld>
             <a:endParaRPr lang="et-EE"/>
           </a:p>
@@ -2813,7 +2815,7 @@
           <a:p>
             <a:fld id="{1838F80B-A628-425D-B3A1-2B0695012D5D}" type="datetimeFigureOut">
               <a:rPr lang="et-EE" smtClean="0"/>
-              <a:t>14.01.2016</a:t>
+              <a:t>15.01.2016</a:t>
             </a:fld>
             <a:endParaRPr lang="et-EE"/>
           </a:p>
@@ -2989,7 +2991,7 @@
           <a:p>
             <a:fld id="{1838F80B-A628-425D-B3A1-2B0695012D5D}" type="datetimeFigureOut">
               <a:rPr lang="et-EE" smtClean="0"/>
-              <a:t>14.01.2016</a:t>
+              <a:t>15.01.2016</a:t>
             </a:fld>
             <a:endParaRPr lang="et-EE"/>
           </a:p>
@@ -3236,7 +3238,7 @@
           <a:p>
             <a:fld id="{1838F80B-A628-425D-B3A1-2B0695012D5D}" type="datetimeFigureOut">
               <a:rPr lang="et-EE" smtClean="0"/>
-              <a:t>14.01.2016</a:t>
+              <a:t>15.01.2016</a:t>
             </a:fld>
             <a:endParaRPr lang="et-EE"/>
           </a:p>
@@ -3468,7 +3470,7 @@
           <a:p>
             <a:fld id="{1838F80B-A628-425D-B3A1-2B0695012D5D}" type="datetimeFigureOut">
               <a:rPr lang="et-EE" smtClean="0"/>
-              <a:t>14.01.2016</a:t>
+              <a:t>15.01.2016</a:t>
             </a:fld>
             <a:endParaRPr lang="et-EE"/>
           </a:p>
@@ -3842,7 +3844,7 @@
           <a:p>
             <a:fld id="{1838F80B-A628-425D-B3A1-2B0695012D5D}" type="datetimeFigureOut">
               <a:rPr lang="et-EE" smtClean="0"/>
-              <a:t>14.01.2016</a:t>
+              <a:t>15.01.2016</a:t>
             </a:fld>
             <a:endParaRPr lang="et-EE"/>
           </a:p>
@@ -3965,7 +3967,7 @@
           <a:p>
             <a:fld id="{1838F80B-A628-425D-B3A1-2B0695012D5D}" type="datetimeFigureOut">
               <a:rPr lang="et-EE" smtClean="0"/>
-              <a:t>14.01.2016</a:t>
+              <a:t>15.01.2016</a:t>
             </a:fld>
             <a:endParaRPr lang="et-EE"/>
           </a:p>
@@ -4060,7 +4062,7 @@
           <a:p>
             <a:fld id="{1838F80B-A628-425D-B3A1-2B0695012D5D}" type="datetimeFigureOut">
               <a:rPr lang="et-EE" smtClean="0"/>
-              <a:t>14.01.2016</a:t>
+              <a:t>15.01.2016</a:t>
             </a:fld>
             <a:endParaRPr lang="et-EE"/>
           </a:p>
@@ -4315,7 +4317,7 @@
           <a:p>
             <a:fld id="{1838F80B-A628-425D-B3A1-2B0695012D5D}" type="datetimeFigureOut">
               <a:rPr lang="et-EE" smtClean="0"/>
-              <a:t>14.01.2016</a:t>
+              <a:t>15.01.2016</a:t>
             </a:fld>
             <a:endParaRPr lang="et-EE"/>
           </a:p>
@@ -4578,7 +4580,7 @@
           <a:p>
             <a:fld id="{1838F80B-A628-425D-B3A1-2B0695012D5D}" type="datetimeFigureOut">
               <a:rPr lang="et-EE" smtClean="0"/>
-              <a:t>14.01.2016</a:t>
+              <a:t>15.01.2016</a:t>
             </a:fld>
             <a:endParaRPr lang="et-EE"/>
           </a:p>
@@ -5321,7 +5323,7 @@
           <a:p>
             <a:fld id="{1838F80B-A628-425D-B3A1-2B0695012D5D}" type="datetimeFigureOut">
               <a:rPr lang="et-EE" smtClean="0"/>
-              <a:t>14.01.2016</a:t>
+              <a:t>15.01.2016</a:t>
             </a:fld>
             <a:endParaRPr lang="et-EE"/>
           </a:p>
@@ -5871,14 +5873,7 @@
                 <a:latin typeface="Arial" panose="020B0604020202020204" pitchFamily="34" charset="0"/>
                 <a:cs typeface="Arial" panose="020B0604020202020204" pitchFamily="34" charset="0"/>
               </a:rPr>
-              <a:t>The k</a:t>
-            </a:r>
-            <a:r>
-              <a:rPr lang="en-US" dirty="0" smtClean="0">
-                <a:latin typeface="Arial" panose="020B0604020202020204" pitchFamily="34" charset="0"/>
-                <a:cs typeface="Arial" panose="020B0604020202020204" pitchFamily="34" charset="0"/>
-              </a:rPr>
-              <a:t>napsack problem</a:t>
+              <a:t>The knapsack problem</a:t>
             </a:r>
             <a:br>
               <a:rPr lang="en-US" dirty="0" smtClean="0">
@@ -6093,7 +6088,7 @@
         </p:nvSpPr>
         <p:spPr>
           <a:xfrm>
-            <a:off x="3024749" y="3011606"/>
+            <a:off x="2942862" y="3120788"/>
             <a:ext cx="8596668" cy="1320800"/>
           </a:xfrm>
         </p:spPr>
@@ -6102,23 +6097,17 @@
           <a:lstStyle/>
           <a:p>
             <a:r>
-              <a:rPr lang="en-US" dirty="0" smtClean="0">
-                <a:latin typeface="Arial" panose="020B0604020202020204" pitchFamily="34" charset="0"/>
-                <a:cs typeface="Arial" panose="020B0604020202020204" pitchFamily="34" charset="0"/>
-              </a:rPr>
-              <a:t>GENETIC ALGORITHM</a:t>
-            </a:r>
-            <a:endParaRPr lang="et-EE" dirty="0">
-              <a:latin typeface="Arial" panose="020B0604020202020204" pitchFamily="34" charset="0"/>
-              <a:cs typeface="Arial" panose="020B0604020202020204" pitchFamily="34" charset="0"/>
-            </a:endParaRPr>
+              <a:rPr lang="en-US" dirty="0" smtClean="0"/>
+              <a:t>HILL CLIMBING ALGORITHM</a:t>
+            </a:r>
+            <a:endParaRPr lang="et-EE" dirty="0"/>
           </a:p>
         </p:txBody>
       </p:sp>
     </p:spTree>
     <p:extLst>
       <p:ext uri="{BB962C8B-B14F-4D97-AF65-F5344CB8AC3E}">
-        <p14:creationId xmlns:p14="http://schemas.microsoft.com/office/powerpoint/2010/main" val="4268301284"/>
+        <p14:creationId xmlns:p14="http://schemas.microsoft.com/office/powerpoint/2010/main" val="1141711639"/>
       </p:ext>
     </p:extLst>
   </p:cSld>
@@ -6164,7 +6153,9 @@
         </p:nvSpPr>
         <p:spPr/>
         <p:txBody>
-          <a:bodyPr/>
+          <a:bodyPr>
+            <a:normAutofit/>
+          </a:bodyPr>
           <a:lstStyle/>
           <a:p>
             <a:r>
@@ -6181,100 +6172,111 @@
           </a:p>
         </p:txBody>
       </p:sp>
-      <p:sp>
-        <p:nvSpPr>
-          <p:cNvPr id="3" name="Content Placeholder 2"/>
-          <p:cNvSpPr>
-            <a:spLocks noGrp="1"/>
-          </p:cNvSpPr>
+      <p:pic>
+        <p:nvPicPr>
+          <p:cNvPr id="4" name="Content Placeholder 3"/>
+          <p:cNvPicPr>
+            <a:picLocks noGrp="1" noChangeAspect="1"/>
+          </p:cNvPicPr>
           <p:nvPr>
             <p:ph idx="1"/>
           </p:nvPr>
-        </p:nvSpPr>
-        <p:spPr/>
-        <p:txBody>
-          <a:bodyPr/>
-          <a:lstStyle/>
-          <a:p>
-            <a:pPr>
-              <a:buClr>
-                <a:schemeClr val="tx1"/>
-              </a:buClr>
+        </p:nvPicPr>
+        <p:blipFill>
+          <a:blip r:embed="rId2">
+            <a:extLst>
+              <a:ext uri="{28A0092B-C50C-407E-A947-70E740481C1C}">
+                <a14:useLocalDpi xmlns:a14="http://schemas.microsoft.com/office/drawing/2010/main" val="0"/>
+              </a:ext>
+            </a:extLst>
+          </a:blip>
+          <a:stretch>
+            <a:fillRect/>
+          </a:stretch>
+        </p:blipFill>
+        <p:spPr>
+          <a:xfrm>
+            <a:off x="1973500" y="3597760"/>
+            <a:ext cx="6233354" cy="2673386"/>
+          </a:xfrm>
+        </p:spPr>
+      </p:pic>
+      <p:sp>
+        <p:nvSpPr>
+          <p:cNvPr id="6" name="TextBox 5"/>
+          <p:cNvSpPr txBox="1"/>
+          <p:nvPr/>
+        </p:nvSpPr>
+        <p:spPr>
+          <a:xfrm>
+            <a:off x="677334" y="1930400"/>
+            <a:ext cx="10745842" cy="1200329"/>
+          </a:xfrm>
+          <a:prstGeom prst="rect">
+            <a:avLst/>
+          </a:prstGeom>
+          <a:noFill/>
+        </p:spPr>
+        <p:txBody>
+          <a:bodyPr wrap="square" rtlCol="0">
+            <a:spAutoFit/>
+          </a:bodyPr>
+          <a:lstStyle/>
+          <a:p>
+            <a:pPr marL="285750" indent="-285750">
               <a:buFont typeface="Arial" panose="020B0604020202020204" pitchFamily="34" charset="0"/>
               <a:buChar char="•"/>
             </a:pPr>
             <a:r>
-              <a:rPr lang="en-US" dirty="0" smtClean="0">
-                <a:solidFill>
-                  <a:schemeClr val="tx1"/>
-                </a:solidFill>
-                <a:latin typeface="Arial" panose="020B0604020202020204" pitchFamily="34" charset="0"/>
-                <a:cs typeface="Arial" panose="020B0604020202020204" pitchFamily="34" charset="0"/>
-              </a:rPr>
-              <a:t>Chromosomes</a:t>
-            </a:r>
-            <a:r>
-              <a:rPr lang="en-US" dirty="0">
-                <a:solidFill>
-                  <a:schemeClr val="tx1"/>
-                </a:solidFill>
-                <a:latin typeface="Arial" panose="020B0604020202020204" pitchFamily="34" charset="0"/>
-                <a:cs typeface="Arial" panose="020B0604020202020204" pitchFamily="34" charset="0"/>
-              </a:rPr>
-              <a:t> (an array consisting of 0’s and 1’s</a:t>
-            </a:r>
-            <a:r>
-              <a:rPr lang="en-US" dirty="0" smtClean="0">
-                <a:solidFill>
-                  <a:schemeClr val="tx1"/>
-                </a:solidFill>
-                <a:latin typeface="Arial" panose="020B0604020202020204" pitchFamily="34" charset="0"/>
-                <a:cs typeface="Arial" panose="020B0604020202020204" pitchFamily="34" charset="0"/>
-              </a:rPr>
-              <a:t>)  of each individual are generated randomly for the initial population.</a:t>
-            </a:r>
-          </a:p>
-          <a:p>
-            <a:pPr>
-              <a:buClr>
-                <a:schemeClr val="tx1"/>
-              </a:buClr>
+              <a:rPr lang="en-US" dirty="0" smtClean="0"/>
+              <a:t>Start with an arbitrary solution</a:t>
+            </a:r>
+          </a:p>
+          <a:p>
+            <a:pPr marL="285750" indent="-285750">
               <a:buFont typeface="Arial" panose="020B0604020202020204" pitchFamily="34" charset="0"/>
               <a:buChar char="•"/>
             </a:pPr>
             <a:r>
-              <a:rPr lang="en-US" dirty="0" smtClean="0">
-                <a:solidFill>
-                  <a:schemeClr val="tx1"/>
-                </a:solidFill>
-                <a:latin typeface="Arial" panose="020B0604020202020204" pitchFamily="34" charset="0"/>
-                <a:cs typeface="Arial" panose="020B0604020202020204" pitchFamily="34" charset="0"/>
-              </a:rPr>
-              <a:t>These “genes” decide if a certain package in a certain state is included in the solution.</a:t>
-            </a:r>
-          </a:p>
-          <a:p>
-            <a:pPr>
-              <a:buClr>
-                <a:schemeClr val="tx1"/>
-              </a:buClr>
+              <a:rPr lang="en-US" dirty="0" smtClean="0"/>
+              <a:t>Create </a:t>
+            </a:r>
+            <a:r>
+              <a:rPr lang="en-US" dirty="0" err="1" smtClean="0"/>
+              <a:t>neighbouring</a:t>
+            </a:r>
+            <a:r>
+              <a:rPr lang="en-US" dirty="0" smtClean="0"/>
+              <a:t> solutions(change random package and fill the remaining empty space)</a:t>
+            </a:r>
+          </a:p>
+          <a:p>
+            <a:pPr marL="285750" indent="-285750">
               <a:buFont typeface="Arial" panose="020B0604020202020204" pitchFamily="34" charset="0"/>
               <a:buChar char="•"/>
             </a:pPr>
-            <a:endParaRPr lang="et-EE" dirty="0">
-              <a:solidFill>
-                <a:schemeClr val="tx1"/>
-              </a:solidFill>
-              <a:latin typeface="Arial" panose="020B0604020202020204" pitchFamily="34" charset="0"/>
-              <a:cs typeface="Arial" panose="020B0604020202020204" pitchFamily="34" charset="0"/>
-            </a:endParaRPr>
+            <a:r>
+              <a:rPr lang="en-US" dirty="0" smtClean="0"/>
+              <a:t>Choose the best next solution based on an objective function (maximizing the value of a packing)</a:t>
+            </a:r>
+          </a:p>
+          <a:p>
+            <a:pPr marL="285750" indent="-285750">
+              <a:buFont typeface="Arial" panose="020B0604020202020204" pitchFamily="34" charset="0"/>
+              <a:buChar char="•"/>
+            </a:pPr>
+            <a:r>
+              <a:rPr lang="en-US" dirty="0" smtClean="0"/>
+              <a:t>Repeat until no further improvements can be made</a:t>
+            </a:r>
+            <a:endParaRPr lang="et-EE" dirty="0"/>
           </a:p>
         </p:txBody>
       </p:sp>
     </p:spTree>
     <p:extLst>
       <p:ext uri="{BB962C8B-B14F-4D97-AF65-F5344CB8AC3E}">
-        <p14:creationId xmlns:p14="http://schemas.microsoft.com/office/powerpoint/2010/main" val="614935636"/>
+        <p14:creationId xmlns:p14="http://schemas.microsoft.com/office/powerpoint/2010/main" val="2958339159"/>
       </p:ext>
     </p:extLst>
   </p:cSld>
@@ -6324,16 +6326,10 @@
           <a:lstStyle/>
           <a:p>
             <a:r>
-              <a:rPr lang="en-US" dirty="0" smtClean="0">
-                <a:latin typeface="Arial" panose="020B0604020202020204" pitchFamily="34" charset="0"/>
-                <a:cs typeface="Arial" panose="020B0604020202020204" pitchFamily="34" charset="0"/>
-              </a:rPr>
+              <a:rPr lang="en-US" dirty="0" smtClean="0"/>
               <a:t>Experiments and results</a:t>
             </a:r>
-            <a:endParaRPr lang="et-EE" dirty="0">
-              <a:latin typeface="Arial" panose="020B0604020202020204" pitchFamily="34" charset="0"/>
-              <a:cs typeface="Arial" panose="020B0604020202020204" pitchFamily="34" charset="0"/>
-            </a:endParaRPr>
+            <a:endParaRPr lang="et-EE" dirty="0"/>
           </a:p>
         </p:txBody>
       </p:sp>
@@ -6352,14 +6348,14 @@
           <a:bodyPr/>
           <a:lstStyle/>
           <a:p>
-            <a:endParaRPr lang="et-EE"/>
+            <a:endParaRPr lang="et-EE" dirty="0"/>
           </a:p>
         </p:txBody>
       </p:sp>
     </p:spTree>
     <p:extLst>
       <p:ext uri="{BB962C8B-B14F-4D97-AF65-F5344CB8AC3E}">
-        <p14:creationId xmlns:p14="http://schemas.microsoft.com/office/powerpoint/2010/main" val="2405103384"/>
+        <p14:creationId xmlns:p14="http://schemas.microsoft.com/office/powerpoint/2010/main" val="3675406741"/>
       </p:ext>
     </p:extLst>
   </p:cSld>
@@ -6403,7 +6399,12 @@
             <p:ph type="title"/>
           </p:nvPr>
         </p:nvSpPr>
-        <p:spPr/>
+        <p:spPr>
+          <a:xfrm>
+            <a:off x="3024749" y="3011606"/>
+            <a:ext cx="8596668" cy="1320800"/>
+          </a:xfrm>
+        </p:spPr>
         <p:txBody>
           <a:bodyPr/>
           <a:lstStyle/>
@@ -6413,14 +6414,7 @@
                 <a:latin typeface="Arial" panose="020B0604020202020204" pitchFamily="34" charset="0"/>
                 <a:cs typeface="Arial" panose="020B0604020202020204" pitchFamily="34" charset="0"/>
               </a:rPr>
-              <a:t>3D </a:t>
-            </a:r>
-            <a:r>
-              <a:rPr lang="en-US" dirty="0" smtClean="0">
-                <a:latin typeface="Arial" panose="020B0604020202020204" pitchFamily="34" charset="0"/>
-                <a:cs typeface="Arial" panose="020B0604020202020204" pitchFamily="34" charset="0"/>
-              </a:rPr>
-              <a:t>representation</a:t>
+              <a:t>GENETIC ALGORITHM</a:t>
             </a:r>
             <a:endParaRPr lang="et-EE" dirty="0">
               <a:latin typeface="Arial" panose="020B0604020202020204" pitchFamily="34" charset="0"/>
@@ -6429,29 +6423,10 @@
           </a:p>
         </p:txBody>
       </p:sp>
-      <p:sp>
-        <p:nvSpPr>
-          <p:cNvPr id="3" name="Content Placeholder 2"/>
-          <p:cNvSpPr>
-            <a:spLocks noGrp="1"/>
-          </p:cNvSpPr>
-          <p:nvPr>
-            <p:ph idx="1"/>
-          </p:nvPr>
-        </p:nvSpPr>
-        <p:spPr/>
-        <p:txBody>
-          <a:bodyPr/>
-          <a:lstStyle/>
-          <a:p>
-            <a:endParaRPr lang="et-EE"/>
-          </a:p>
-        </p:txBody>
-      </p:sp>
     </p:spTree>
     <p:extLst>
       <p:ext uri="{BB962C8B-B14F-4D97-AF65-F5344CB8AC3E}">
-        <p14:creationId xmlns:p14="http://schemas.microsoft.com/office/powerpoint/2010/main" val="2013306306"/>
+        <p14:creationId xmlns:p14="http://schemas.microsoft.com/office/powerpoint/2010/main" val="4268301284"/>
       </p:ext>
     </p:extLst>
   </p:cSld>
@@ -6505,7 +6480,7 @@
                 <a:latin typeface="Arial" panose="020B0604020202020204" pitchFamily="34" charset="0"/>
                 <a:cs typeface="Arial" panose="020B0604020202020204" pitchFamily="34" charset="0"/>
               </a:rPr>
-              <a:t>Comparison between algorithms</a:t>
+              <a:t>Implementation</a:t>
             </a:r>
             <a:endParaRPr lang="et-EE" dirty="0">
               <a:latin typeface="Arial" panose="020B0604020202020204" pitchFamily="34" charset="0"/>
@@ -6530,7 +6505,9 @@
           <a:lstStyle/>
           <a:p>
             <a:pPr>
-              <a:buClrTx/>
+              <a:buClr>
+                <a:schemeClr val="tx1"/>
+              </a:buClr>
               <a:buFont typeface="Arial" panose="020B0604020202020204" pitchFamily="34" charset="0"/>
               <a:buChar char="•"/>
             </a:pPr>
@@ -6542,12 +6519,34 @@
                 <a:latin typeface="Arial" panose="020B0604020202020204" pitchFamily="34" charset="0"/>
                 <a:cs typeface="Arial" panose="020B0604020202020204" pitchFamily="34" charset="0"/>
               </a:rPr>
-              <a:t>Greedy algorithm is the fastest but does not perform as well as other algorithms in finding an optimal solution</a:t>
+              <a:t>Chromosomes</a:t>
+            </a:r>
+            <a:r>
+              <a:rPr lang="en-US" dirty="0">
+                <a:solidFill>
+                  <a:schemeClr val="tx1"/>
+                </a:solidFill>
+                <a:latin typeface="Arial" panose="020B0604020202020204" pitchFamily="34" charset="0"/>
+                <a:cs typeface="Arial" panose="020B0604020202020204" pitchFamily="34" charset="0"/>
+              </a:rPr>
+              <a:t> (an array consisting of 0’s and 1’s</a:t>
+            </a:r>
+            <a:r>
+              <a:rPr lang="en-US" dirty="0" smtClean="0">
+                <a:solidFill>
+                  <a:schemeClr val="tx1"/>
+                </a:solidFill>
+                <a:latin typeface="Arial" panose="020B0604020202020204" pitchFamily="34" charset="0"/>
+                <a:cs typeface="Arial" panose="020B0604020202020204" pitchFamily="34" charset="0"/>
+              </a:rPr>
+              <a:t>)  of each individual are generated randomly for the initial population.</a:t>
             </a:r>
           </a:p>
           <a:p>
             <a:pPr>
-              <a:buClrTx/>
+              <a:buClr>
+                <a:schemeClr val="tx1"/>
+              </a:buClr>
               <a:buFont typeface="Arial" panose="020B0604020202020204" pitchFamily="34" charset="0"/>
               <a:buChar char="•"/>
             </a:pPr>
@@ -6559,12 +6558,14 @@
                 <a:latin typeface="Arial" panose="020B0604020202020204" pitchFamily="34" charset="0"/>
                 <a:cs typeface="Arial" panose="020B0604020202020204" pitchFamily="34" charset="0"/>
               </a:rPr>
-              <a:t>Hill climbing algorithm might get stuck</a:t>
+              <a:t>These “genes” decide if a certain package in a certain state is included in the solution.</a:t>
             </a:r>
           </a:p>
           <a:p>
             <a:pPr>
-              <a:buClrTx/>
+              <a:buClr>
+                <a:schemeClr val="tx1"/>
+              </a:buClr>
               <a:buFont typeface="Arial" panose="020B0604020202020204" pitchFamily="34" charset="0"/>
               <a:buChar char="•"/>
             </a:pPr>
@@ -6576,35 +6577,33 @@
                 <a:latin typeface="Arial" panose="020B0604020202020204" pitchFamily="34" charset="0"/>
                 <a:cs typeface="Arial" panose="020B0604020202020204" pitchFamily="34" charset="0"/>
               </a:rPr>
-              <a:t>Genetic algorithm is time consuming and has a lot of parameters that need to be taken into account </a:t>
-            </a:r>
-            <a:r>
-              <a:rPr lang="en-US" dirty="0" smtClean="0">
-                <a:solidFill>
-                  <a:schemeClr val="tx1"/>
-                </a:solidFill>
-                <a:latin typeface="Arial" panose="020B0604020202020204" pitchFamily="34" charset="0"/>
-                <a:cs typeface="Arial" panose="020B0604020202020204" pitchFamily="34" charset="0"/>
-              </a:rPr>
-              <a:t>(difficult to implement)</a:t>
+              <a:t>The binary string is converted into a packing to evaluate the fitness of an individual</a:t>
             </a:r>
           </a:p>
           <a:p>
             <a:pPr>
-              <a:buClrTx/>
+              <a:buClr>
+                <a:schemeClr val="tx1"/>
+              </a:buClr>
               <a:buFont typeface="Arial" panose="020B0604020202020204" pitchFamily="34" charset="0"/>
               <a:buChar char="•"/>
             </a:pPr>
-            <a:r>
-              <a:rPr lang="en-US" dirty="0" smtClean="0">
-                <a:solidFill>
-                  <a:schemeClr val="tx1"/>
-                </a:solidFill>
-                <a:latin typeface="Arial" panose="020B0604020202020204" pitchFamily="34" charset="0"/>
-                <a:cs typeface="Arial" panose="020B0604020202020204" pitchFamily="34" charset="0"/>
-              </a:rPr>
-              <a:t>Which one has the best result using the same number of packages?</a:t>
-            </a:r>
+            <a:endParaRPr lang="en-US" dirty="0" smtClean="0">
+              <a:solidFill>
+                <a:schemeClr val="tx1"/>
+              </a:solidFill>
+              <a:latin typeface="Arial" panose="020B0604020202020204" pitchFamily="34" charset="0"/>
+              <a:cs typeface="Arial" panose="020B0604020202020204" pitchFamily="34" charset="0"/>
+            </a:endParaRPr>
+          </a:p>
+          <a:p>
+            <a:pPr>
+              <a:buClr>
+                <a:schemeClr val="tx1"/>
+              </a:buClr>
+              <a:buFont typeface="Arial" panose="020B0604020202020204" pitchFamily="34" charset="0"/>
+              <a:buChar char="•"/>
+            </a:pPr>
             <a:endParaRPr lang="et-EE" dirty="0">
               <a:solidFill>
                 <a:schemeClr val="tx1"/>
@@ -6618,7 +6617,7 @@
     </p:spTree>
     <p:extLst>
       <p:ext uri="{BB962C8B-B14F-4D97-AF65-F5344CB8AC3E}">
-        <p14:creationId xmlns:p14="http://schemas.microsoft.com/office/powerpoint/2010/main" val="1840586329"/>
+        <p14:creationId xmlns:p14="http://schemas.microsoft.com/office/powerpoint/2010/main" val="614935636"/>
       </p:ext>
     </p:extLst>
   </p:cSld>
@@ -6662,28 +6661,48 @@
             <p:ph type="title"/>
           </p:nvPr>
         </p:nvSpPr>
-        <p:spPr>
-          <a:xfrm>
-            <a:off x="3229466" y="2997958"/>
-            <a:ext cx="8596668" cy="1320800"/>
-          </a:xfrm>
-        </p:spPr>
+        <p:spPr/>
         <p:txBody>
           <a:bodyPr/>
           <a:lstStyle/>
           <a:p>
             <a:r>
-              <a:rPr lang="en-US" dirty="0" smtClean="0"/>
-              <a:t>ASSIGNMENT RESULTS</a:t>
-            </a:r>
-            <a:endParaRPr lang="et-EE" dirty="0"/>
+              <a:rPr lang="en-US" dirty="0" smtClean="0">
+                <a:latin typeface="Arial" panose="020B0604020202020204" pitchFamily="34" charset="0"/>
+                <a:cs typeface="Arial" panose="020B0604020202020204" pitchFamily="34" charset="0"/>
+              </a:rPr>
+              <a:t>Experiments and results</a:t>
+            </a:r>
+            <a:endParaRPr lang="et-EE" dirty="0">
+              <a:latin typeface="Arial" panose="020B0604020202020204" pitchFamily="34" charset="0"/>
+              <a:cs typeface="Arial" panose="020B0604020202020204" pitchFamily="34" charset="0"/>
+            </a:endParaRPr>
+          </a:p>
+        </p:txBody>
+      </p:sp>
+      <p:sp>
+        <p:nvSpPr>
+          <p:cNvPr id="3" name="Content Placeholder 2"/>
+          <p:cNvSpPr>
+            <a:spLocks noGrp="1"/>
+          </p:cNvSpPr>
+          <p:nvPr>
+            <p:ph idx="1"/>
+          </p:nvPr>
+        </p:nvSpPr>
+        <p:spPr/>
+        <p:txBody>
+          <a:bodyPr/>
+          <a:lstStyle/>
+          <a:p>
+            <a:endParaRPr lang="et-EE"/>
           </a:p>
         </p:txBody>
       </p:sp>
     </p:spTree>
     <p:extLst>
       <p:ext uri="{BB962C8B-B14F-4D97-AF65-F5344CB8AC3E}">
-        <p14:creationId xmlns:p14="http://schemas.microsoft.com/office/powerpoint/2010/main" val="3788528713"/>
+        <p14:creationId xmlns:p14="http://schemas.microsoft.com/office/powerpoint/2010/main" val="2405103384"/>
       </p:ext>
     </p:extLst>
   </p:cSld>
@@ -6737,7 +6756,7 @@
                 <a:latin typeface="Arial" panose="020B0604020202020204" pitchFamily="34" charset="0"/>
                 <a:cs typeface="Arial" panose="020B0604020202020204" pitchFamily="34" charset="0"/>
               </a:rPr>
-              <a:t>Using rectangular packages</a:t>
+              <a:t>Comparison between algorithms</a:t>
             </a:r>
             <a:endParaRPr lang="et-EE" dirty="0">
               <a:latin typeface="Arial" panose="020B0604020202020204" pitchFamily="34" charset="0"/>
@@ -6761,51 +6780,86 @@
           <a:bodyPr/>
           <a:lstStyle/>
           <a:p>
-            <a:r>
-              <a:rPr lang="en-US" dirty="0"/>
-              <a:t>N</a:t>
-            </a:r>
-            <a:r>
-              <a:rPr lang="en-US" dirty="0" smtClean="0"/>
-              <a:t>o solution </a:t>
-            </a:r>
-            <a:r>
-              <a:rPr lang="en-US" dirty="0" smtClean="0"/>
-              <a:t>to filling the entire </a:t>
-            </a:r>
-            <a:r>
-              <a:rPr lang="en-US" dirty="0" err="1" smtClean="0"/>
-              <a:t>cargospace</a:t>
-            </a:r>
-            <a:r>
-              <a:rPr lang="en-US" dirty="0" smtClean="0"/>
-              <a:t> with A,B and/or C packages </a:t>
-            </a:r>
-            <a:r>
-              <a:rPr lang="en-US" dirty="0" smtClean="0"/>
-              <a:t>has been found yet</a:t>
-            </a:r>
-            <a:r>
-              <a:rPr lang="en-US" dirty="0" smtClean="0"/>
-              <a:t>.</a:t>
-            </a:r>
-            <a:endParaRPr lang="en-US" dirty="0" smtClean="0"/>
-          </a:p>
-          <a:p>
-            <a:r>
-              <a:rPr lang="en-US" dirty="0" smtClean="0"/>
-              <a:t>Best result found so far for maximizing a single packing: XXX</a:t>
-            </a:r>
-          </a:p>
-          <a:p>
-            <a:endParaRPr lang="et-EE" dirty="0"/>
+            <a:pPr>
+              <a:buClrTx/>
+              <a:buFont typeface="Arial" panose="020B0604020202020204" pitchFamily="34" charset="0"/>
+              <a:buChar char="•"/>
+            </a:pPr>
+            <a:r>
+              <a:rPr lang="en-US" dirty="0" smtClean="0">
+                <a:solidFill>
+                  <a:schemeClr val="tx1"/>
+                </a:solidFill>
+                <a:latin typeface="Arial" panose="020B0604020202020204" pitchFamily="34" charset="0"/>
+                <a:cs typeface="Arial" panose="020B0604020202020204" pitchFamily="34" charset="0"/>
+              </a:rPr>
+              <a:t>Greedy algorithm is the fastest but does not perform as well as other algorithms </a:t>
+            </a:r>
+          </a:p>
+          <a:p>
+            <a:pPr>
+              <a:buClrTx/>
+              <a:buFont typeface="Arial" panose="020B0604020202020204" pitchFamily="34" charset="0"/>
+              <a:buChar char="•"/>
+            </a:pPr>
+            <a:r>
+              <a:rPr lang="en-US" dirty="0" smtClean="0">
+                <a:solidFill>
+                  <a:schemeClr val="tx1"/>
+                </a:solidFill>
+                <a:latin typeface="Arial" panose="020B0604020202020204" pitchFamily="34" charset="0"/>
+                <a:cs typeface="Arial" panose="020B0604020202020204" pitchFamily="34" charset="0"/>
+              </a:rPr>
+              <a:t>Hill climbing algorithm might get stuck</a:t>
+            </a:r>
+          </a:p>
+          <a:p>
+            <a:pPr>
+              <a:buClrTx/>
+              <a:buFont typeface="Arial" panose="020B0604020202020204" pitchFamily="34" charset="0"/>
+              <a:buChar char="•"/>
+            </a:pPr>
+            <a:r>
+              <a:rPr lang="en-US" dirty="0" smtClean="0">
+                <a:solidFill>
+                  <a:schemeClr val="tx1"/>
+                </a:solidFill>
+                <a:latin typeface="Arial" panose="020B0604020202020204" pitchFamily="34" charset="0"/>
+                <a:cs typeface="Arial" panose="020B0604020202020204" pitchFamily="34" charset="0"/>
+              </a:rPr>
+              <a:t>Genetic algorithm is time consuming and has a lot of parameters that need to be taken into account (difficult to implement) but it is the most likely to find the optimal solution.</a:t>
+            </a:r>
+          </a:p>
+          <a:p>
+            <a:pPr>
+              <a:buClrTx/>
+              <a:buFont typeface="Arial" panose="020B0604020202020204" pitchFamily="34" charset="0"/>
+              <a:buChar char="•"/>
+            </a:pPr>
+            <a:r>
+              <a:rPr lang="en-US" dirty="0" smtClean="0">
+                <a:solidFill>
+                  <a:schemeClr val="tx1"/>
+                </a:solidFill>
+                <a:latin typeface="Arial" panose="020B0604020202020204" pitchFamily="34" charset="0"/>
+                <a:cs typeface="Arial" panose="020B0604020202020204" pitchFamily="34" charset="0"/>
+              </a:rPr>
+              <a:t>Which one has the best result using the same number of packages?</a:t>
+            </a:r>
+            <a:endParaRPr lang="et-EE" dirty="0">
+              <a:solidFill>
+                <a:schemeClr val="tx1"/>
+              </a:solidFill>
+              <a:latin typeface="Arial" panose="020B0604020202020204" pitchFamily="34" charset="0"/>
+              <a:cs typeface="Arial" panose="020B0604020202020204" pitchFamily="34" charset="0"/>
+            </a:endParaRPr>
           </a:p>
         </p:txBody>
       </p:sp>
     </p:spTree>
     <p:extLst>
       <p:ext uri="{BB962C8B-B14F-4D97-AF65-F5344CB8AC3E}">
-        <p14:creationId xmlns:p14="http://schemas.microsoft.com/office/powerpoint/2010/main" val="2928455462"/>
+        <p14:creationId xmlns:p14="http://schemas.microsoft.com/office/powerpoint/2010/main" val="1840586329"/>
       </p:ext>
     </p:extLst>
   </p:cSld>
@@ -6849,6 +6903,224 @@
             <p:ph type="title"/>
           </p:nvPr>
         </p:nvSpPr>
+        <p:spPr>
+          <a:xfrm>
+            <a:off x="3229466" y="2997958"/>
+            <a:ext cx="8596668" cy="1320800"/>
+          </a:xfrm>
+        </p:spPr>
+        <p:txBody>
+          <a:bodyPr/>
+          <a:lstStyle/>
+          <a:p>
+            <a:r>
+              <a:rPr lang="en-US" dirty="0" smtClean="0"/>
+              <a:t>ASSIGNMENT RESULTS</a:t>
+            </a:r>
+            <a:endParaRPr lang="et-EE" dirty="0"/>
+          </a:p>
+        </p:txBody>
+      </p:sp>
+    </p:spTree>
+    <p:extLst>
+      <p:ext uri="{BB962C8B-B14F-4D97-AF65-F5344CB8AC3E}">
+        <p14:creationId xmlns:p14="http://schemas.microsoft.com/office/powerpoint/2010/main" val="3788528713"/>
+      </p:ext>
+    </p:extLst>
+  </p:cSld>
+  <p:clrMapOvr>
+    <a:masterClrMapping/>
+  </p:clrMapOvr>
+  <p:timing>
+    <p:tnLst>
+      <p:par>
+        <p:cTn id="1" dur="indefinite" restart="never" nodeType="tmRoot"/>
+      </p:par>
+    </p:tnLst>
+  </p:timing>
+</p:sld>
+</file>
+
+<file path=ppt/slides/slide18.xml><?xml version="1.0" encoding="utf-8"?>
+<p:sld xmlns:a="http://schemas.openxmlformats.org/drawingml/2006/main" xmlns:r="http://schemas.openxmlformats.org/officeDocument/2006/relationships" xmlns:p="http://schemas.openxmlformats.org/presentationml/2006/main">
+  <p:cSld>
+    <p:spTree>
+      <p:nvGrpSpPr>
+        <p:cNvPr id="1" name=""/>
+        <p:cNvGrpSpPr/>
+        <p:nvPr/>
+      </p:nvGrpSpPr>
+      <p:grpSpPr>
+        <a:xfrm>
+          <a:off x="0" y="0"/>
+          <a:ext cx="0" cy="0"/>
+          <a:chOff x="0" y="0"/>
+          <a:chExt cx="0" cy="0"/>
+        </a:xfrm>
+      </p:grpSpPr>
+      <p:sp>
+        <p:nvSpPr>
+          <p:cNvPr id="2" name="Title 1"/>
+          <p:cNvSpPr>
+            <a:spLocks noGrp="1"/>
+          </p:cNvSpPr>
+          <p:nvPr>
+            <p:ph type="title"/>
+          </p:nvPr>
+        </p:nvSpPr>
+        <p:spPr/>
+        <p:txBody>
+          <a:bodyPr/>
+          <a:lstStyle/>
+          <a:p>
+            <a:r>
+              <a:rPr lang="en-US" dirty="0" smtClean="0">
+                <a:latin typeface="Arial" panose="020B0604020202020204" pitchFamily="34" charset="0"/>
+                <a:cs typeface="Arial" panose="020B0604020202020204" pitchFamily="34" charset="0"/>
+              </a:rPr>
+              <a:t>Using rectangular packages</a:t>
+            </a:r>
+            <a:endParaRPr lang="et-EE" dirty="0">
+              <a:latin typeface="Arial" panose="020B0604020202020204" pitchFamily="34" charset="0"/>
+              <a:cs typeface="Arial" panose="020B0604020202020204" pitchFamily="34" charset="0"/>
+            </a:endParaRPr>
+          </a:p>
+        </p:txBody>
+      </p:sp>
+      <p:sp>
+        <p:nvSpPr>
+          <p:cNvPr id="3" name="Content Placeholder 2"/>
+          <p:cNvSpPr>
+            <a:spLocks noGrp="1"/>
+          </p:cNvSpPr>
+          <p:nvPr>
+            <p:ph idx="1"/>
+          </p:nvPr>
+        </p:nvSpPr>
+        <p:spPr/>
+        <p:txBody>
+          <a:bodyPr/>
+          <a:lstStyle/>
+          <a:p>
+            <a:pPr>
+              <a:buClr>
+                <a:schemeClr val="tx1"/>
+              </a:buClr>
+              <a:buFont typeface="Arial" panose="020B0604020202020204" pitchFamily="34" charset="0"/>
+              <a:buChar char="•"/>
+            </a:pPr>
+            <a:r>
+              <a:rPr lang="en-US" dirty="0">
+                <a:solidFill>
+                  <a:schemeClr val="tx1"/>
+                </a:solidFill>
+                <a:latin typeface="Arial" panose="020B0604020202020204" pitchFamily="34" charset="0"/>
+                <a:cs typeface="Arial" panose="020B0604020202020204" pitchFamily="34" charset="0"/>
+              </a:rPr>
+              <a:t>N</a:t>
+            </a:r>
+            <a:r>
+              <a:rPr lang="en-US" dirty="0" smtClean="0">
+                <a:solidFill>
+                  <a:schemeClr val="tx1"/>
+                </a:solidFill>
+                <a:latin typeface="Arial" panose="020B0604020202020204" pitchFamily="34" charset="0"/>
+                <a:cs typeface="Arial" panose="020B0604020202020204" pitchFamily="34" charset="0"/>
+              </a:rPr>
+              <a:t>o solution to filling the entire </a:t>
+            </a:r>
+            <a:r>
+              <a:rPr lang="en-US" dirty="0" err="1" smtClean="0">
+                <a:solidFill>
+                  <a:schemeClr val="tx1"/>
+                </a:solidFill>
+                <a:latin typeface="Arial" panose="020B0604020202020204" pitchFamily="34" charset="0"/>
+                <a:cs typeface="Arial" panose="020B0604020202020204" pitchFamily="34" charset="0"/>
+              </a:rPr>
+              <a:t>cargospace</a:t>
+            </a:r>
+            <a:r>
+              <a:rPr lang="en-US" dirty="0" smtClean="0">
+                <a:solidFill>
+                  <a:schemeClr val="tx1"/>
+                </a:solidFill>
+                <a:latin typeface="Arial" panose="020B0604020202020204" pitchFamily="34" charset="0"/>
+                <a:cs typeface="Arial" panose="020B0604020202020204" pitchFamily="34" charset="0"/>
+              </a:rPr>
+              <a:t> with A,B and/or C packages has been found yet.</a:t>
+            </a:r>
+          </a:p>
+          <a:p>
+            <a:pPr>
+              <a:buClr>
+                <a:schemeClr val="tx1"/>
+              </a:buClr>
+              <a:buFont typeface="Arial" panose="020B0604020202020204" pitchFamily="34" charset="0"/>
+              <a:buChar char="•"/>
+            </a:pPr>
+            <a:r>
+              <a:rPr lang="en-US" dirty="0" smtClean="0">
+                <a:solidFill>
+                  <a:schemeClr val="tx1"/>
+                </a:solidFill>
+                <a:latin typeface="Arial" panose="020B0604020202020204" pitchFamily="34" charset="0"/>
+                <a:cs typeface="Arial" panose="020B0604020202020204" pitchFamily="34" charset="0"/>
+              </a:rPr>
+              <a:t>Best result found so far for maximizing a single packing: XXX</a:t>
+            </a:r>
+          </a:p>
+          <a:p>
+            <a:endParaRPr lang="et-EE" dirty="0"/>
+          </a:p>
+        </p:txBody>
+      </p:sp>
+    </p:spTree>
+    <p:extLst>
+      <p:ext uri="{BB962C8B-B14F-4D97-AF65-F5344CB8AC3E}">
+        <p14:creationId xmlns:p14="http://schemas.microsoft.com/office/powerpoint/2010/main" val="2928455462"/>
+      </p:ext>
+    </p:extLst>
+  </p:cSld>
+  <p:clrMapOvr>
+    <a:masterClrMapping/>
+  </p:clrMapOvr>
+  <p:timing>
+    <p:tnLst>
+      <p:par>
+        <p:cTn id="1" dur="indefinite" restart="never" nodeType="tmRoot"/>
+      </p:par>
+    </p:tnLst>
+  </p:timing>
+</p:sld>
+</file>
+
+<file path=ppt/slides/slide19.xml><?xml version="1.0" encoding="utf-8"?>
+<p:sld xmlns:a="http://schemas.openxmlformats.org/drawingml/2006/main" xmlns:r="http://schemas.openxmlformats.org/officeDocument/2006/relationships" xmlns:p="http://schemas.openxmlformats.org/presentationml/2006/main">
+  <p:cSld>
+    <p:spTree>
+      <p:nvGrpSpPr>
+        <p:cNvPr id="1" name=""/>
+        <p:cNvGrpSpPr/>
+        <p:nvPr/>
+      </p:nvGrpSpPr>
+      <p:grpSpPr>
+        <a:xfrm>
+          <a:off x="0" y="0"/>
+          <a:ext cx="0" cy="0"/>
+          <a:chOff x="0" y="0"/>
+          <a:chExt cx="0" cy="0"/>
+        </a:xfrm>
+      </p:grpSpPr>
+      <p:sp>
+        <p:nvSpPr>
+          <p:cNvPr id="2" name="Title 1"/>
+          <p:cNvSpPr>
+            <a:spLocks noGrp="1"/>
+          </p:cNvSpPr>
+          <p:nvPr>
+            <p:ph type="title"/>
+          </p:nvPr>
+        </p:nvSpPr>
         <p:spPr/>
         <p:txBody>
           <a:bodyPr/>
@@ -6897,56 +7169,137 @@
           <a:bodyPr/>
           <a:lstStyle/>
           <a:p>
-            <a:r>
-              <a:rPr lang="en-US" dirty="0" smtClean="0"/>
+            <a:pPr>
+              <a:buClr>
+                <a:schemeClr val="tx1"/>
+              </a:buClr>
+              <a:buFont typeface="Arial" panose="020B0604020202020204" pitchFamily="34" charset="0"/>
+              <a:buChar char="•"/>
+            </a:pPr>
+            <a:r>
+              <a:rPr lang="en-US" dirty="0" smtClean="0">
+                <a:solidFill>
+                  <a:schemeClr val="tx1"/>
+                </a:solidFill>
+                <a:latin typeface="Arial" panose="020B0604020202020204" pitchFamily="34" charset="0"/>
+                <a:cs typeface="Arial" panose="020B0604020202020204" pitchFamily="34" charset="0"/>
+              </a:rPr>
               <a:t>It is possible to fill the entire </a:t>
             </a:r>
             <a:r>
-              <a:rPr lang="en-US" dirty="0" err="1" smtClean="0"/>
+              <a:rPr lang="en-US" dirty="0" err="1" smtClean="0">
+                <a:solidFill>
+                  <a:schemeClr val="tx1"/>
+                </a:solidFill>
+                <a:latin typeface="Arial" panose="020B0604020202020204" pitchFamily="34" charset="0"/>
+                <a:cs typeface="Arial" panose="020B0604020202020204" pitchFamily="34" charset="0"/>
+              </a:rPr>
               <a:t>cargospace</a:t>
             </a:r>
             <a:r>
-              <a:rPr lang="en-US" dirty="0" smtClean="0"/>
+              <a:rPr lang="en-US" dirty="0" smtClean="0">
+                <a:solidFill>
+                  <a:schemeClr val="tx1"/>
+                </a:solidFill>
+                <a:latin typeface="Arial" panose="020B0604020202020204" pitchFamily="34" charset="0"/>
+                <a:cs typeface="Arial" panose="020B0604020202020204" pitchFamily="34" charset="0"/>
+              </a:rPr>
               <a:t> with L,P and/or T packages.</a:t>
             </a:r>
           </a:p>
           <a:p>
-            <a:endParaRPr lang="en-US" dirty="0" smtClean="0"/>
-          </a:p>
-          <a:p>
-            <a:endParaRPr lang="en-US" dirty="0"/>
-          </a:p>
-          <a:p>
-            <a:endParaRPr lang="en-US" dirty="0" smtClean="0"/>
-          </a:p>
-          <a:p>
-            <a:endParaRPr lang="en-US" dirty="0"/>
-          </a:p>
-          <a:p>
-            <a:endParaRPr lang="en-US" dirty="0" smtClean="0"/>
+            <a:endParaRPr lang="en-US" dirty="0" smtClean="0">
+              <a:latin typeface="Arial" panose="020B0604020202020204" pitchFamily="34" charset="0"/>
+              <a:cs typeface="Arial" panose="020B0604020202020204" pitchFamily="34" charset="0"/>
+            </a:endParaRPr>
+          </a:p>
+          <a:p>
+            <a:endParaRPr lang="en-US" dirty="0">
+              <a:latin typeface="Arial" panose="020B0604020202020204" pitchFamily="34" charset="0"/>
+              <a:cs typeface="Arial" panose="020B0604020202020204" pitchFamily="34" charset="0"/>
+            </a:endParaRPr>
+          </a:p>
+          <a:p>
+            <a:endParaRPr lang="en-US" dirty="0" smtClean="0">
+              <a:latin typeface="Arial" panose="020B0604020202020204" pitchFamily="34" charset="0"/>
+              <a:cs typeface="Arial" panose="020B0604020202020204" pitchFamily="34" charset="0"/>
+            </a:endParaRPr>
+          </a:p>
+          <a:p>
+            <a:endParaRPr lang="en-US" dirty="0">
+              <a:latin typeface="Arial" panose="020B0604020202020204" pitchFamily="34" charset="0"/>
+              <a:cs typeface="Arial" panose="020B0604020202020204" pitchFamily="34" charset="0"/>
+            </a:endParaRPr>
+          </a:p>
+          <a:p>
+            <a:endParaRPr lang="en-US" dirty="0" smtClean="0">
+              <a:latin typeface="Arial" panose="020B0604020202020204" pitchFamily="34" charset="0"/>
+              <a:cs typeface="Arial" panose="020B0604020202020204" pitchFamily="34" charset="0"/>
+            </a:endParaRPr>
           </a:p>
           <a:p>
             <a:pPr marL="0" indent="0">
               <a:buNone/>
             </a:pPr>
-            <a:endParaRPr lang="en-US" dirty="0" smtClean="0"/>
+            <a:endParaRPr lang="en-US" dirty="0" smtClean="0">
+              <a:latin typeface="Arial" panose="020B0604020202020204" pitchFamily="34" charset="0"/>
+              <a:cs typeface="Arial" panose="020B0604020202020204" pitchFamily="34" charset="0"/>
+            </a:endParaRPr>
           </a:p>
           <a:p>
             <a:pPr marL="0" indent="0">
               <a:buNone/>
             </a:pPr>
-            <a:endParaRPr lang="en-US" dirty="0"/>
-          </a:p>
-          <a:p>
-            <a:r>
-              <a:rPr lang="en-US" dirty="0" smtClean="0"/>
-              <a:t>Best </a:t>
-            </a:r>
-            <a:r>
-              <a:rPr lang="en-US" dirty="0" smtClean="0"/>
-              <a:t>result found so far for maximizing a single packing: 960 </a:t>
-            </a:r>
-            <a:endParaRPr lang="et-EE" dirty="0"/>
+            <a:endParaRPr lang="en-US" dirty="0">
+              <a:latin typeface="Arial" panose="020B0604020202020204" pitchFamily="34" charset="0"/>
+              <a:cs typeface="Arial" panose="020B0604020202020204" pitchFamily="34" charset="0"/>
+            </a:endParaRPr>
+          </a:p>
+          <a:p>
+            <a:pPr>
+              <a:buClr>
+                <a:schemeClr val="tx1"/>
+              </a:buClr>
+              <a:buFont typeface="Arial" panose="020B0604020202020204" pitchFamily="34" charset="0"/>
+              <a:buChar char="•"/>
+            </a:pPr>
+            <a:r>
+              <a:rPr lang="en-US" dirty="0" smtClean="0">
+                <a:solidFill>
+                  <a:schemeClr val="tx1"/>
+                </a:solidFill>
+                <a:latin typeface="Arial" panose="020B0604020202020204" pitchFamily="34" charset="0"/>
+                <a:cs typeface="Arial" panose="020B0604020202020204" pitchFamily="34" charset="0"/>
+              </a:rPr>
+              <a:t>Best result found so far for maximizing a single packing: </a:t>
+            </a:r>
+            <a:r>
+              <a:rPr lang="en-US" b="1" dirty="0" smtClean="0">
+                <a:solidFill>
+                  <a:schemeClr val="tx1"/>
+                </a:solidFill>
+                <a:latin typeface="Arial" panose="020B0604020202020204" pitchFamily="34" charset="0"/>
+                <a:cs typeface="Arial" panose="020B0604020202020204" pitchFamily="34" charset="0"/>
+              </a:rPr>
+              <a:t>960</a:t>
+            </a:r>
+            <a:r>
+              <a:rPr lang="en-US" dirty="0" smtClean="0">
+                <a:solidFill>
+                  <a:schemeClr val="tx1"/>
+                </a:solidFill>
+                <a:latin typeface="Arial" panose="020B0604020202020204" pitchFamily="34" charset="0"/>
+                <a:cs typeface="Arial" panose="020B0604020202020204" pitchFamily="34" charset="0"/>
+              </a:rPr>
+              <a:t> </a:t>
+            </a:r>
+            <a:endParaRPr lang="et-EE" dirty="0">
+              <a:solidFill>
+                <a:schemeClr val="tx1"/>
+              </a:solidFill>
+              <a:latin typeface="Arial" panose="020B0604020202020204" pitchFamily="34" charset="0"/>
+              <a:cs typeface="Arial" panose="020B0604020202020204" pitchFamily="34" charset="0"/>
+            </a:endParaRPr>
           </a:p>
         </p:txBody>
       </p:sp>
@@ -7092,29 +7445,64 @@
               <a:buNone/>
             </a:pPr>
             <a:r>
-              <a:rPr lang="en-US" sz="1500" dirty="0" smtClean="0">
+              <a:rPr lang="en-US" dirty="0" smtClean="0">
                 <a:solidFill>
                   <a:schemeClr val="tx1"/>
                 </a:solidFill>
                 <a:latin typeface="Arial" panose="020B0604020202020204" pitchFamily="34" charset="0"/>
                 <a:cs typeface="Arial" panose="020B0604020202020204" pitchFamily="34" charset="0"/>
               </a:rPr>
-              <a:t>	1.1 The placement method</a:t>
-            </a:r>
-          </a:p>
-          <a:p>
-            <a:pPr marL="0" indent="0">
-              <a:buNone/>
-            </a:pPr>
-            <a:r>
-              <a:rPr lang="en-US" sz="1500" dirty="0" smtClean="0">
+              <a:t>	</a:t>
+            </a:r>
+            <a:r>
+              <a:rPr lang="en-US" sz="1400" dirty="0" smtClean="0">
                 <a:solidFill>
                   <a:schemeClr val="tx1"/>
                 </a:solidFill>
                 <a:latin typeface="Arial" panose="020B0604020202020204" pitchFamily="34" charset="0"/>
                 <a:cs typeface="Arial" panose="020B0604020202020204" pitchFamily="34" charset="0"/>
               </a:rPr>
-              <a:t>	1.2 Experiments and results</a:t>
+              <a:t>1.1 </a:t>
+            </a:r>
+            <a:r>
+              <a:rPr lang="en-US" sz="1500" dirty="0" smtClean="0">
+                <a:solidFill>
+                  <a:schemeClr val="tx1"/>
+                </a:solidFill>
+                <a:latin typeface="Arial" panose="020B0604020202020204" pitchFamily="34" charset="0"/>
+                <a:cs typeface="Arial" panose="020B0604020202020204" pitchFamily="34" charset="0"/>
+              </a:rPr>
+              <a:t>Implementation</a:t>
+            </a:r>
+          </a:p>
+          <a:p>
+            <a:pPr marL="0" indent="0">
+              <a:buNone/>
+            </a:pPr>
+            <a:r>
+              <a:rPr lang="en-US" sz="1500" dirty="0" smtClean="0">
+                <a:solidFill>
+                  <a:schemeClr val="tx1"/>
+                </a:solidFill>
+                <a:latin typeface="Arial" panose="020B0604020202020204" pitchFamily="34" charset="0"/>
+                <a:cs typeface="Arial" panose="020B0604020202020204" pitchFamily="34" charset="0"/>
+              </a:rPr>
+              <a:t>	1.2 The placement method</a:t>
+            </a:r>
+          </a:p>
+          <a:p>
+            <a:pPr marL="0" indent="0">
+              <a:buNone/>
+            </a:pPr>
+            <a:r>
+              <a:rPr lang="en-US" sz="1500" dirty="0" smtClean="0">
+                <a:solidFill>
+                  <a:schemeClr val="tx1"/>
+                </a:solidFill>
+                <a:latin typeface="Arial" panose="020B0604020202020204" pitchFamily="34" charset="0"/>
+                <a:cs typeface="Arial" panose="020B0604020202020204" pitchFamily="34" charset="0"/>
+              </a:rPr>
+              <a:t>	1.3 Experiments and results</a:t>
             </a:r>
           </a:p>
           <a:p>
@@ -7199,25 +7587,8 @@
                 <a:latin typeface="Arial" panose="020B0604020202020204" pitchFamily="34" charset="0"/>
                 <a:cs typeface="Arial" panose="020B0604020202020204" pitchFamily="34" charset="0"/>
               </a:rPr>
-              <a:t>3.1 </a:t>
-            </a:r>
-            <a:r>
-              <a:rPr lang="en-US" sz="1500" dirty="0" smtClean="0">
-                <a:solidFill>
-                  <a:schemeClr val="tx1"/>
-                </a:solidFill>
-                <a:latin typeface="Arial" panose="020B0604020202020204" pitchFamily="34" charset="0"/>
-                <a:cs typeface="Arial" panose="020B0604020202020204" pitchFamily="34" charset="0"/>
-              </a:rPr>
-              <a:t>Implementation</a:t>
-            </a:r>
-            <a:endParaRPr lang="en-US" sz="1500" dirty="0" smtClean="0">
-              <a:solidFill>
-                <a:schemeClr val="tx1"/>
-              </a:solidFill>
-              <a:latin typeface="Arial" panose="020B0604020202020204" pitchFamily="34" charset="0"/>
-              <a:cs typeface="Arial" panose="020B0604020202020204" pitchFamily="34" charset="0"/>
-            </a:endParaRPr>
+              <a:t>3.1 Implementation</a:t>
+            </a:r>
           </a:p>
           <a:p>
             <a:pPr marL="0" indent="0">
@@ -7258,31 +7629,6 @@
               </a:rPr>
               <a:t>4. Comparison between algorithms</a:t>
             </a:r>
-          </a:p>
-          <a:p>
-            <a:pPr marL="0" indent="0">
-              <a:buNone/>
-            </a:pPr>
-            <a:r>
-              <a:rPr lang="en-US" dirty="0" smtClean="0">
-                <a:solidFill>
-                  <a:schemeClr val="tx1"/>
-                </a:solidFill>
-                <a:latin typeface="Arial" panose="020B0604020202020204" pitchFamily="34" charset="0"/>
-                <a:cs typeface="Arial" panose="020B0604020202020204" pitchFamily="34" charset="0"/>
-              </a:rPr>
-              <a:t>5. 3D </a:t>
-            </a:r>
-            <a:r>
-              <a:rPr lang="en-US" dirty="0" smtClean="0">
-                <a:solidFill>
-                  <a:schemeClr val="tx1"/>
-                </a:solidFill>
-                <a:latin typeface="Arial" panose="020B0604020202020204" pitchFamily="34" charset="0"/>
-                <a:cs typeface="Arial" panose="020B0604020202020204" pitchFamily="34" charset="0"/>
-              </a:rPr>
-              <a:t>representation</a:t>
-            </a:r>
             <a:r>
               <a:rPr lang="en-US" sz="1500" dirty="0" smtClean="0">
                 <a:solidFill>
@@ -7299,64 +7645,74 @@
               <a:buNone/>
             </a:pPr>
             <a:r>
-              <a:rPr lang="en-US" dirty="0" smtClean="0">
+              <a:rPr lang="en-US" dirty="0">
                 <a:solidFill>
                   <a:schemeClr val="tx1"/>
                 </a:solidFill>
                 <a:latin typeface="Arial" panose="020B0604020202020204" pitchFamily="34" charset="0"/>
                 <a:cs typeface="Arial" panose="020B0604020202020204" pitchFamily="34" charset="0"/>
               </a:rPr>
-              <a:t>6. Assignment results</a:t>
-            </a:r>
-          </a:p>
-          <a:p>
-            <a:pPr marL="0" indent="0">
-              <a:buNone/>
-            </a:pPr>
-            <a:r>
-              <a:rPr lang="en-US" sz="1500" dirty="0">
+              <a:t>5</a:t>
+            </a:r>
+            <a:r>
+              <a:rPr lang="en-US" dirty="0" smtClean="0">
                 <a:solidFill>
                   <a:schemeClr val="tx1"/>
                 </a:solidFill>
                 <a:latin typeface="Arial" panose="020B0604020202020204" pitchFamily="34" charset="0"/>
                 <a:cs typeface="Arial" panose="020B0604020202020204" pitchFamily="34" charset="0"/>
               </a:rPr>
-              <a:t>	</a:t>
-            </a:r>
-            <a:r>
-              <a:rPr lang="en-US" sz="1500" dirty="0" smtClean="0">
+              <a:t>. Assignment results</a:t>
+            </a:r>
+          </a:p>
+          <a:p>
+            <a:pPr marL="0" indent="0">
+              <a:buNone/>
+            </a:pPr>
+            <a:r>
+              <a:rPr lang="en-US" sz="1500" dirty="0">
                 <a:solidFill>
                   <a:schemeClr val="tx1"/>
                 </a:solidFill>
                 <a:latin typeface="Arial" panose="020B0604020202020204" pitchFamily="34" charset="0"/>
                 <a:cs typeface="Arial" panose="020B0604020202020204" pitchFamily="34" charset="0"/>
               </a:rPr>
-              <a:t>6.1 Using rectangular packages</a:t>
-            </a:r>
-          </a:p>
-          <a:p>
-            <a:pPr marL="0" indent="0">
-              <a:buNone/>
-            </a:pPr>
-            <a:r>
-              <a:rPr lang="en-US" sz="1500" dirty="0">
+              <a:t>	5</a:t>
+            </a:r>
+            <a:r>
+              <a:rPr lang="en-US" sz="1500" dirty="0" smtClean="0">
                 <a:solidFill>
                   <a:schemeClr val="tx1"/>
                 </a:solidFill>
                 <a:latin typeface="Arial" panose="020B0604020202020204" pitchFamily="34" charset="0"/>
                 <a:cs typeface="Arial" panose="020B0604020202020204" pitchFamily="34" charset="0"/>
               </a:rPr>
-              <a:t>	</a:t>
-            </a:r>
-            <a:r>
-              <a:rPr lang="en-US" sz="1500" dirty="0" smtClean="0">
+              <a:t>.1 Using rectangular packages</a:t>
+            </a:r>
+          </a:p>
+          <a:p>
+            <a:pPr marL="0" indent="0">
+              <a:buNone/>
+            </a:pPr>
+            <a:r>
+              <a:rPr lang="en-US" sz="1500" dirty="0">
                 <a:solidFill>
                   <a:schemeClr val="tx1"/>
                 </a:solidFill>
                 <a:latin typeface="Arial" panose="020B0604020202020204" pitchFamily="34" charset="0"/>
                 <a:cs typeface="Arial" panose="020B0604020202020204" pitchFamily="34" charset="0"/>
               </a:rPr>
-              <a:t>6.2 Using </a:t>
+              <a:t>	5</a:t>
+            </a:r>
+            <a:r>
+              <a:rPr lang="en-US" sz="1500" dirty="0" smtClean="0">
+                <a:solidFill>
+                  <a:schemeClr val="tx1"/>
+                </a:solidFill>
+                <a:latin typeface="Arial" panose="020B0604020202020204" pitchFamily="34" charset="0"/>
+                <a:cs typeface="Arial" panose="020B0604020202020204" pitchFamily="34" charset="0"/>
+              </a:rPr>
+              <a:t>.2 Using </a:t>
             </a:r>
             <a:r>
               <a:rPr lang="en-US" sz="1500" dirty="0" err="1" smtClean="0">
@@ -7399,7 +7755,10 @@
           </a:p>
           <a:p>
             <a:pPr lvl="1"/>
-            <a:endParaRPr lang="en-US" dirty="0" smtClean="0"/>
+            <a:endParaRPr lang="en-US" dirty="0" smtClean="0">
+              <a:latin typeface="Arial" panose="020B0604020202020204" pitchFamily="34" charset="0"/>
+              <a:cs typeface="Arial" panose="020B0604020202020204" pitchFamily="34" charset="0"/>
+            </a:endParaRPr>
           </a:p>
         </p:txBody>
       </p:sp>
@@ -7564,14 +7923,52 @@
         </p:blipFill>
         <p:spPr>
           <a:xfrm>
-            <a:off x="2270884" y="-22601"/>
-            <a:ext cx="5409567" cy="6880601"/>
+            <a:off x="4072388" y="60076"/>
+            <a:ext cx="5344567" cy="6654624"/>
           </a:xfrm>
           <a:prstGeom prst="rect">
             <a:avLst/>
           </a:prstGeom>
         </p:spPr>
       </p:pic>
+      <p:sp>
+        <p:nvSpPr>
+          <p:cNvPr id="2" name="TextBox 1"/>
+          <p:cNvSpPr txBox="1"/>
+          <p:nvPr/>
+        </p:nvSpPr>
+        <p:spPr>
+          <a:xfrm>
+            <a:off x="280839" y="787167"/>
+            <a:ext cx="4694829" cy="646331"/>
+          </a:xfrm>
+          <a:prstGeom prst="rect">
+            <a:avLst/>
+          </a:prstGeom>
+          <a:noFill/>
+        </p:spPr>
+        <p:txBody>
+          <a:bodyPr wrap="square" rtlCol="0">
+            <a:spAutoFit/>
+          </a:bodyPr>
+          <a:lstStyle/>
+          <a:p>
+            <a:r>
+              <a:rPr lang="en-US" sz="3600" dirty="0" smtClean="0">
+                <a:solidFill>
+                  <a:srgbClr val="92D050"/>
+                </a:solidFill>
+              </a:rPr>
+              <a:t>Implementation</a:t>
+            </a:r>
+            <a:endParaRPr lang="et-EE" sz="3600" dirty="0">
+              <a:solidFill>
+                <a:srgbClr val="92D050"/>
+              </a:solidFill>
+            </a:endParaRPr>
+          </a:p>
+        </p:txBody>
+      </p:sp>
     </p:spTree>
     <p:extLst>
       <p:ext uri="{BB962C8B-B14F-4D97-AF65-F5344CB8AC3E}">
@@ -7670,7 +8067,7 @@
         <p:spPr>
           <a:xfrm>
             <a:off x="464024" y="1842448"/>
-            <a:ext cx="11423176" cy="1200329"/>
+            <a:ext cx="11423176" cy="923330"/>
           </a:xfrm>
           <a:prstGeom prst="rect">
             <a:avLst/>
@@ -7692,7 +8089,7 @@
                 <a:latin typeface="Arial" panose="020B0604020202020204" pitchFamily="34" charset="0"/>
                 <a:cs typeface="Arial" panose="020B0604020202020204" pitchFamily="34" charset="0"/>
               </a:rPr>
-              <a:t>Initial position is at the top right front corner of the cargo space</a:t>
+              <a:t>Initial position </a:t>
             </a:r>
           </a:p>
           <a:p>
@@ -7705,7 +8102,7 @@
                 <a:latin typeface="Arial" panose="020B0604020202020204" pitchFamily="34" charset="0"/>
                 <a:cs typeface="Arial" panose="020B0604020202020204" pitchFamily="34" charset="0"/>
               </a:rPr>
-              <a:t>If there exists an overlap at the initial position, take the next package </a:t>
+              <a:t>Is there an overlap at the initial position?</a:t>
             </a:r>
           </a:p>
           <a:p>
@@ -7718,7 +8115,7 @@
                 <a:latin typeface="Arial" panose="020B0604020202020204" pitchFamily="34" charset="0"/>
                 <a:cs typeface="Arial" panose="020B0604020202020204" pitchFamily="34" charset="0"/>
               </a:rPr>
-              <a:t>Move package as far to the back (y-axis), then as far to left (x-axis) and finally as far down (z-axis) as possible</a:t>
+              <a:t>Move package as far to the back (y-axis), then as far to left (x-axis) and as far down (z-axis) as possible</a:t>
             </a:r>
           </a:p>
         </p:txBody>
@@ -7793,7 +8190,12 @@
             <p:ph idx="1"/>
           </p:nvPr>
         </p:nvSpPr>
-        <p:spPr/>
+        <p:spPr>
+          <a:xfrm>
+            <a:off x="677334" y="2283419"/>
+            <a:ext cx="8596668" cy="3880773"/>
+          </a:xfrm>
+        </p:spPr>
         <p:txBody>
           <a:bodyPr>
             <a:normAutofit/>
@@ -7826,6 +8228,117 @@
               <a:solidFill>
                 <a:schemeClr val="tx1"/>
               </a:solidFill>
+              <a:latin typeface="Arial" panose="020B0604020202020204" pitchFamily="34" charset="0"/>
+              <a:cs typeface="Arial" panose="020B0604020202020204" pitchFamily="34" charset="0"/>
+            </a:endParaRPr>
+          </a:p>
+        </p:txBody>
+      </p:sp>
+      <p:pic>
+        <p:nvPicPr>
+          <p:cNvPr id="4" name="Picture 3"/>
+          <p:cNvPicPr>
+            <a:picLocks noChangeAspect="1"/>
+          </p:cNvPicPr>
+          <p:nvPr/>
+        </p:nvPicPr>
+        <p:blipFill>
+          <a:blip r:embed="rId2">
+            <a:extLst>
+              <a:ext uri="{28A0092B-C50C-407E-A947-70E740481C1C}">
+                <a14:useLocalDpi xmlns:a14="http://schemas.microsoft.com/office/drawing/2010/main" val="0"/>
+              </a:ext>
+            </a:extLst>
+          </a:blip>
+          <a:stretch>
+            <a:fillRect/>
+          </a:stretch>
+        </p:blipFill>
+        <p:spPr>
+          <a:xfrm>
+            <a:off x="1123415" y="1270000"/>
+            <a:ext cx="7484028" cy="5502962"/>
+          </a:xfrm>
+          <a:prstGeom prst="rect">
+            <a:avLst/>
+          </a:prstGeom>
+        </p:spPr>
+      </p:pic>
+      <p:sp>
+        <p:nvSpPr>
+          <p:cNvPr id="5" name="TextBox 4"/>
+          <p:cNvSpPr txBox="1"/>
+          <p:nvPr/>
+        </p:nvSpPr>
+        <p:spPr>
+          <a:xfrm>
+            <a:off x="8669205" y="3143138"/>
+            <a:ext cx="2101755" cy="646331"/>
+          </a:xfrm>
+          <a:prstGeom prst="rect">
+            <a:avLst/>
+          </a:prstGeom>
+          <a:noFill/>
+        </p:spPr>
+        <p:txBody>
+          <a:bodyPr wrap="square" rtlCol="0">
+            <a:spAutoFit/>
+          </a:bodyPr>
+          <a:lstStyle/>
+          <a:p>
+            <a:r>
+              <a:rPr lang="en-US" dirty="0" smtClean="0">
+                <a:latin typeface="Arial" panose="020B0604020202020204" pitchFamily="34" charset="0"/>
+                <a:cs typeface="Arial" panose="020B0604020202020204" pitchFamily="34" charset="0"/>
+              </a:rPr>
+              <a:t>10 packages</a:t>
+            </a:r>
+          </a:p>
+          <a:p>
+            <a:r>
+              <a:rPr lang="en-US" dirty="0" smtClean="0">
+                <a:latin typeface="Arial" panose="020B0604020202020204" pitchFamily="34" charset="0"/>
+                <a:cs typeface="Arial" panose="020B0604020202020204" pitchFamily="34" charset="0"/>
+              </a:rPr>
+              <a:t>100000 runs</a:t>
+            </a:r>
+            <a:endParaRPr lang="et-EE" dirty="0">
+              <a:latin typeface="Arial" panose="020B0604020202020204" pitchFamily="34" charset="0"/>
+              <a:cs typeface="Arial" panose="020B0604020202020204" pitchFamily="34" charset="0"/>
+            </a:endParaRPr>
+          </a:p>
+        </p:txBody>
+      </p:sp>
+      <p:sp>
+        <p:nvSpPr>
+          <p:cNvPr id="6" name="TextBox 5"/>
+          <p:cNvSpPr txBox="1"/>
+          <p:nvPr/>
+        </p:nvSpPr>
+        <p:spPr>
+          <a:xfrm>
+            <a:off x="3767841" y="1927007"/>
+            <a:ext cx="2715904" cy="307777"/>
+          </a:xfrm>
+          <a:prstGeom prst="rect">
+            <a:avLst/>
+          </a:prstGeom>
+          <a:noFill/>
+        </p:spPr>
+        <p:txBody>
+          <a:bodyPr wrap="square" rtlCol="0">
+            <a:spAutoFit/>
+          </a:bodyPr>
+          <a:lstStyle/>
+          <a:p>
+            <a:r>
+              <a:rPr lang="en-US" sz="1400" b="1" dirty="0" smtClean="0">
+                <a:latin typeface="Arial" panose="020B0604020202020204" pitchFamily="34" charset="0"/>
+                <a:cs typeface="Arial" panose="020B0604020202020204" pitchFamily="34" charset="0"/>
+              </a:rPr>
+              <a:t>Finding the best total value</a:t>
+            </a:r>
+            <a:endParaRPr lang="et-EE" sz="1400" b="1" dirty="0">
               <a:latin typeface="Arial" panose="020B0604020202020204" pitchFamily="34" charset="0"/>
               <a:cs typeface="Arial" panose="020B0604020202020204" pitchFamily="34" charset="0"/>
             </a:endParaRPr>
@@ -7869,38 +8382,126 @@
           <a:chExt cx="0" cy="0"/>
         </a:xfrm>
       </p:grpSpPr>
-      <p:sp>
-        <p:nvSpPr>
-          <p:cNvPr id="2" name="Title 1"/>
-          <p:cNvSpPr>
-            <a:spLocks noGrp="1"/>
-          </p:cNvSpPr>
-          <p:nvPr>
-            <p:ph type="title"/>
-          </p:nvPr>
-        </p:nvSpPr>
+      <p:pic>
+        <p:nvPicPr>
+          <p:cNvPr id="4" name="Content Placeholder 3"/>
+          <p:cNvPicPr>
+            <a:picLocks noGrp="1" noChangeAspect="1"/>
+          </p:cNvPicPr>
+          <p:nvPr>
+            <p:ph idx="1"/>
+          </p:nvPr>
+        </p:nvPicPr>
+        <p:blipFill>
+          <a:blip r:embed="rId2">
+            <a:extLst>
+              <a:ext uri="{28A0092B-C50C-407E-A947-70E740481C1C}">
+                <a14:useLocalDpi xmlns:a14="http://schemas.microsoft.com/office/drawing/2010/main" val="0"/>
+              </a:ext>
+            </a:extLst>
+          </a:blip>
+          <a:stretch>
+            <a:fillRect/>
+          </a:stretch>
+        </p:blipFill>
         <p:spPr>
           <a:xfrm>
-            <a:off x="2942862" y="3120788"/>
-            <a:ext cx="8596668" cy="1320800"/>
+            <a:off x="948038" y="1187355"/>
+            <a:ext cx="7712078" cy="5670645"/>
           </a:xfrm>
         </p:spPr>
-        <p:txBody>
-          <a:bodyPr/>
-          <a:lstStyle/>
-          <a:p>
-            <a:r>
-              <a:rPr lang="en-US" dirty="0" smtClean="0"/>
-              <a:t>HILL CLIMBING ALGORITHM</a:t>
-            </a:r>
+      </p:pic>
+      <p:sp>
+        <p:nvSpPr>
+          <p:cNvPr id="5" name="TextBox 4"/>
+          <p:cNvSpPr txBox="1"/>
+          <p:nvPr/>
+        </p:nvSpPr>
+        <p:spPr>
+          <a:xfrm>
+            <a:off x="8660116" y="3293449"/>
+            <a:ext cx="1937982" cy="923330"/>
+          </a:xfrm>
+          <a:prstGeom prst="rect">
+            <a:avLst/>
+          </a:prstGeom>
+          <a:noFill/>
+        </p:spPr>
+        <p:txBody>
+          <a:bodyPr wrap="square" rtlCol="0">
+            <a:spAutoFit/>
+          </a:bodyPr>
+          <a:lstStyle/>
+          <a:p>
+            <a:r>
+              <a:rPr lang="en-US" dirty="0">
+                <a:latin typeface="Arial" panose="020B0604020202020204" pitchFamily="34" charset="0"/>
+                <a:cs typeface="Arial" panose="020B0604020202020204" pitchFamily="34" charset="0"/>
+              </a:rPr>
+              <a:t>1</a:t>
+            </a:r>
+            <a:r>
+              <a:rPr lang="en-US" dirty="0" smtClean="0">
+                <a:latin typeface="Arial" panose="020B0604020202020204" pitchFamily="34" charset="0"/>
+                <a:cs typeface="Arial" panose="020B0604020202020204" pitchFamily="34" charset="0"/>
+              </a:rPr>
+              <a:t>0 packages</a:t>
+            </a:r>
+          </a:p>
+          <a:p>
+            <a:r>
+              <a:rPr lang="en-US" dirty="0" smtClean="0">
+                <a:latin typeface="Arial" panose="020B0604020202020204" pitchFamily="34" charset="0"/>
+                <a:cs typeface="Arial" panose="020B0604020202020204" pitchFamily="34" charset="0"/>
+              </a:rPr>
+              <a:t>100000 runs</a:t>
+            </a:r>
+          </a:p>
+          <a:p>
             <a:endParaRPr lang="et-EE" dirty="0"/>
+          </a:p>
+        </p:txBody>
+      </p:sp>
+      <p:sp>
+        <p:nvSpPr>
+          <p:cNvPr id="6" name="TextBox 5"/>
+          <p:cNvSpPr txBox="1"/>
+          <p:nvPr/>
+        </p:nvSpPr>
+        <p:spPr>
+          <a:xfrm>
+            <a:off x="3511973" y="2051102"/>
+            <a:ext cx="2861532" cy="307777"/>
+          </a:xfrm>
+          <a:prstGeom prst="rect">
+            <a:avLst/>
+          </a:prstGeom>
+          <a:noFill/>
+        </p:spPr>
+        <p:txBody>
+          <a:bodyPr wrap="square" rtlCol="0">
+            <a:spAutoFit/>
+          </a:bodyPr>
+          <a:lstStyle/>
+          <a:p>
+            <a:r>
+              <a:rPr lang="en-US" sz="1400" b="1" dirty="0" smtClean="0">
+                <a:latin typeface="Arial" panose="020B0604020202020204" pitchFamily="34" charset="0"/>
+                <a:cs typeface="Arial" panose="020B0604020202020204" pitchFamily="34" charset="0"/>
+              </a:rPr>
+              <a:t>Packages that remain unused</a:t>
+            </a:r>
+            <a:endParaRPr lang="et-EE" sz="1400" b="1" dirty="0">
+              <a:latin typeface="Arial" panose="020B0604020202020204" pitchFamily="34" charset="0"/>
+              <a:cs typeface="Arial" panose="020B0604020202020204" pitchFamily="34" charset="0"/>
+            </a:endParaRPr>
           </a:p>
         </p:txBody>
       </p:sp>
     </p:spTree>
     <p:extLst>
       <p:ext uri="{BB962C8B-B14F-4D97-AF65-F5344CB8AC3E}">
-        <p14:creationId xmlns:p14="http://schemas.microsoft.com/office/powerpoint/2010/main" val="1141711639"/>
+        <p14:creationId xmlns:p14="http://schemas.microsoft.com/office/powerpoint/2010/main" val="4283857054"/>
       </p:ext>
     </p:extLst>
   </p:cSld>
@@ -7934,37 +8535,6 @@
           <a:chExt cx="0" cy="0"/>
         </a:xfrm>
       </p:grpSpPr>
-      <p:sp>
-        <p:nvSpPr>
-          <p:cNvPr id="2" name="Title 1"/>
-          <p:cNvSpPr>
-            <a:spLocks noGrp="1"/>
-          </p:cNvSpPr>
-          <p:nvPr>
-            <p:ph type="title"/>
-          </p:nvPr>
-        </p:nvSpPr>
-        <p:spPr/>
-        <p:txBody>
-          <a:bodyPr>
-            <a:normAutofit/>
-          </a:bodyPr>
-          <a:lstStyle/>
-          <a:p>
-            <a:r>
-              <a:rPr lang="en-US" dirty="0" smtClean="0">
-                <a:latin typeface="Arial" panose="020B0604020202020204" pitchFamily="34" charset="0"/>
-                <a:cs typeface="Arial" panose="020B0604020202020204" pitchFamily="34" charset="0"/>
-              </a:rPr>
-              <a:t>Implementation</a:t>
-            </a:r>
-            <a:endParaRPr lang="et-EE" dirty="0">
-              <a:latin typeface="Arial" panose="020B0604020202020204" pitchFamily="34" charset="0"/>
-              <a:cs typeface="Arial" panose="020B0604020202020204" pitchFamily="34" charset="0"/>
-            </a:endParaRPr>
-          </a:p>
-        </p:txBody>
-      </p:sp>
       <p:pic>
         <p:nvPicPr>
           <p:cNvPr id="4" name="Content Placeholder 3"/>
@@ -7989,21 +8559,21 @@
         </p:blipFill>
         <p:spPr>
           <a:xfrm>
-            <a:off x="1973500" y="3597760"/>
-            <a:ext cx="6233354" cy="2673386"/>
+            <a:off x="672562" y="1201002"/>
+            <a:ext cx="7693516" cy="5656997"/>
           </a:xfrm>
         </p:spPr>
       </p:pic>
       <p:sp>
         <p:nvSpPr>
-          <p:cNvPr id="6" name="TextBox 5"/>
+          <p:cNvPr id="5" name="TextBox 4"/>
           <p:cNvSpPr txBox="1"/>
           <p:nvPr/>
         </p:nvSpPr>
         <p:spPr>
           <a:xfrm>
-            <a:off x="677334" y="1930400"/>
-            <a:ext cx="10745842" cy="1200329"/>
+            <a:off x="3193576" y="2060812"/>
+            <a:ext cx="2593074" cy="307777"/>
           </a:xfrm>
           <a:prstGeom prst="rect">
             <a:avLst/>
@@ -8016,60 +8586,69 @@
           </a:bodyPr>
           <a:lstStyle/>
           <a:p>
-            <a:pPr marL="285750" indent="-285750">
-              <a:buFont typeface="Arial" panose="020B0604020202020204" pitchFamily="34" charset="0"/>
-              <a:buChar char="•"/>
-            </a:pPr>
-            <a:r>
-              <a:rPr lang="en-US" dirty="0" smtClean="0"/>
-              <a:t>Start with an arbitrary solution</a:t>
-            </a:r>
-          </a:p>
-          <a:p>
-            <a:pPr marL="285750" indent="-285750">
-              <a:buFont typeface="Arial" panose="020B0604020202020204" pitchFamily="34" charset="0"/>
-              <a:buChar char="•"/>
-            </a:pPr>
-            <a:r>
-              <a:rPr lang="en-US" dirty="0" smtClean="0"/>
-              <a:t>Create </a:t>
-            </a:r>
-            <a:r>
-              <a:rPr lang="en-US" dirty="0" err="1" smtClean="0"/>
-              <a:t>neighbouring</a:t>
-            </a:r>
-            <a:r>
-              <a:rPr lang="en-US" dirty="0" smtClean="0"/>
-              <a:t> solutions(change random package and fill the remaining empty space)</a:t>
-            </a:r>
-          </a:p>
-          <a:p>
-            <a:pPr marL="285750" indent="-285750">
-              <a:buFont typeface="Arial" panose="020B0604020202020204" pitchFamily="34" charset="0"/>
-              <a:buChar char="•"/>
-            </a:pPr>
-            <a:r>
-              <a:rPr lang="en-US" dirty="0" smtClean="0"/>
-              <a:t>Choose the best next solution based on an objective function (maximizing the value of a packing)</a:t>
-            </a:r>
-          </a:p>
-          <a:p>
-            <a:pPr marL="285750" indent="-285750">
-              <a:buFont typeface="Arial" panose="020B0604020202020204" pitchFamily="34" charset="0"/>
-              <a:buChar char="•"/>
-            </a:pPr>
-            <a:r>
-              <a:rPr lang="en-US" dirty="0" smtClean="0"/>
-              <a:t>Repeat until no further improvements can be made</a:t>
-            </a:r>
-            <a:endParaRPr lang="et-EE" dirty="0"/>
+            <a:r>
+              <a:rPr lang="en-US" sz="1400" b="1" dirty="0" smtClean="0">
+                <a:latin typeface="Arial" panose="020B0604020202020204" pitchFamily="34" charset="0"/>
+                <a:cs typeface="Arial" panose="020B0604020202020204" pitchFamily="34" charset="0"/>
+              </a:rPr>
+              <a:t>Finding the best total value</a:t>
+            </a:r>
+            <a:endParaRPr lang="et-EE" sz="1400" b="1" dirty="0">
+              <a:latin typeface="Arial" panose="020B0604020202020204" pitchFamily="34" charset="0"/>
+              <a:cs typeface="Arial" panose="020B0604020202020204" pitchFamily="34" charset="0"/>
+            </a:endParaRPr>
+          </a:p>
+        </p:txBody>
+      </p:sp>
+      <p:sp>
+        <p:nvSpPr>
+          <p:cNvPr id="6" name="TextBox 5"/>
+          <p:cNvSpPr txBox="1"/>
+          <p:nvPr/>
+        </p:nvSpPr>
+        <p:spPr>
+          <a:xfrm>
+            <a:off x="8366078" y="3383170"/>
+            <a:ext cx="2893325" cy="646331"/>
+          </a:xfrm>
+          <a:prstGeom prst="rect">
+            <a:avLst/>
+          </a:prstGeom>
+          <a:noFill/>
+        </p:spPr>
+        <p:txBody>
+          <a:bodyPr wrap="square" rtlCol="0">
+            <a:spAutoFit/>
+          </a:bodyPr>
+          <a:lstStyle/>
+          <a:p>
+            <a:r>
+              <a:rPr lang="en-US" dirty="0" smtClean="0">
+                <a:latin typeface="Arial" panose="020B0604020202020204" pitchFamily="34" charset="0"/>
+                <a:cs typeface="Arial" panose="020B0604020202020204" pitchFamily="34" charset="0"/>
+              </a:rPr>
+              <a:t>30 packages</a:t>
+            </a:r>
+          </a:p>
+          <a:p>
+            <a:r>
+              <a:rPr lang="en-US" dirty="0" smtClean="0">
+                <a:latin typeface="Arial" panose="020B0604020202020204" pitchFamily="34" charset="0"/>
+                <a:cs typeface="Arial" panose="020B0604020202020204" pitchFamily="34" charset="0"/>
+              </a:rPr>
+              <a:t>1000 runs</a:t>
+            </a:r>
+            <a:endParaRPr lang="et-EE" dirty="0">
+              <a:latin typeface="Arial" panose="020B0604020202020204" pitchFamily="34" charset="0"/>
+              <a:cs typeface="Arial" panose="020B0604020202020204" pitchFamily="34" charset="0"/>
+            </a:endParaRPr>
           </a:p>
         </p:txBody>
       </p:sp>
     </p:spTree>
     <p:extLst>
       <p:ext uri="{BB962C8B-B14F-4D97-AF65-F5344CB8AC3E}">
-        <p14:creationId xmlns:p14="http://schemas.microsoft.com/office/powerpoint/2010/main" val="2958339159"/>
+        <p14:creationId xmlns:p14="http://schemas.microsoft.com/office/powerpoint/2010/main" val="3628074858"/>
       </p:ext>
     </p:extLst>
   </p:cSld>
@@ -8103,52 +8682,120 @@
           <a:chExt cx="0" cy="0"/>
         </a:xfrm>
       </p:grpSpPr>
-      <p:sp>
-        <p:nvSpPr>
-          <p:cNvPr id="2" name="Title 1"/>
-          <p:cNvSpPr>
-            <a:spLocks noGrp="1"/>
-          </p:cNvSpPr>
-          <p:nvPr>
-            <p:ph type="title"/>
-          </p:nvPr>
-        </p:nvSpPr>
-        <p:spPr/>
-        <p:txBody>
-          <a:bodyPr/>
-          <a:lstStyle/>
-          <a:p>
-            <a:r>
-              <a:rPr lang="en-US" dirty="0" smtClean="0"/>
-              <a:t>Experiments and results</a:t>
-            </a:r>
-            <a:endParaRPr lang="et-EE" dirty="0"/>
-          </a:p>
-        </p:txBody>
-      </p:sp>
-      <p:sp>
-        <p:nvSpPr>
-          <p:cNvPr id="3" name="Content Placeholder 2"/>
-          <p:cNvSpPr>
-            <a:spLocks noGrp="1"/>
-          </p:cNvSpPr>
+      <p:pic>
+        <p:nvPicPr>
+          <p:cNvPr id="4" name="Content Placeholder 3"/>
+          <p:cNvPicPr>
+            <a:picLocks noGrp="1" noChangeAspect="1"/>
+          </p:cNvPicPr>
           <p:nvPr>
             <p:ph idx="1"/>
           </p:nvPr>
-        </p:nvSpPr>
-        <p:spPr/>
-        <p:txBody>
-          <a:bodyPr/>
-          <a:lstStyle/>
-          <a:p>
-            <a:endParaRPr lang="et-EE" dirty="0"/>
+        </p:nvPicPr>
+        <p:blipFill>
+          <a:blip r:embed="rId2">
+            <a:extLst>
+              <a:ext uri="{28A0092B-C50C-407E-A947-70E740481C1C}">
+                <a14:useLocalDpi xmlns:a14="http://schemas.microsoft.com/office/drawing/2010/main" val="0"/>
+              </a:ext>
+            </a:extLst>
+          </a:blip>
+          <a:stretch>
+            <a:fillRect/>
+          </a:stretch>
+        </p:blipFill>
+        <p:spPr>
+          <a:xfrm>
+            <a:off x="545909" y="1003726"/>
+            <a:ext cx="7961813" cy="5854274"/>
+          </a:xfrm>
+        </p:spPr>
+      </p:pic>
+      <p:sp>
+        <p:nvSpPr>
+          <p:cNvPr id="5" name="TextBox 4"/>
+          <p:cNvSpPr txBox="1"/>
+          <p:nvPr/>
+        </p:nvSpPr>
+        <p:spPr>
+          <a:xfrm>
+            <a:off x="8412188" y="3284532"/>
+            <a:ext cx="3125337" cy="646331"/>
+          </a:xfrm>
+          <a:prstGeom prst="rect">
+            <a:avLst/>
+          </a:prstGeom>
+          <a:noFill/>
+        </p:spPr>
+        <p:txBody>
+          <a:bodyPr wrap="square" rtlCol="0">
+            <a:spAutoFit/>
+          </a:bodyPr>
+          <a:lstStyle/>
+          <a:p>
+            <a:r>
+              <a:rPr lang="en-US" dirty="0" smtClean="0">
+                <a:latin typeface="Arial" panose="020B0604020202020204" pitchFamily="34" charset="0"/>
+                <a:cs typeface="Arial" panose="020B0604020202020204" pitchFamily="34" charset="0"/>
+              </a:rPr>
+              <a:t>100 packages</a:t>
+            </a:r>
+          </a:p>
+          <a:p>
+            <a:r>
+              <a:rPr lang="en-US" dirty="0" smtClean="0">
+                <a:latin typeface="Arial" panose="020B0604020202020204" pitchFamily="34" charset="0"/>
+                <a:cs typeface="Arial" panose="020B0604020202020204" pitchFamily="34" charset="0"/>
+              </a:rPr>
+              <a:t>1000 runs</a:t>
+            </a:r>
+            <a:endParaRPr lang="et-EE" dirty="0">
+              <a:latin typeface="Arial" panose="020B0604020202020204" pitchFamily="34" charset="0"/>
+              <a:cs typeface="Arial" panose="020B0604020202020204" pitchFamily="34" charset="0"/>
+            </a:endParaRPr>
+          </a:p>
+        </p:txBody>
+      </p:sp>
+      <p:sp>
+        <p:nvSpPr>
+          <p:cNvPr id="6" name="TextBox 5"/>
+          <p:cNvSpPr txBox="1"/>
+          <p:nvPr/>
+        </p:nvSpPr>
+        <p:spPr>
+          <a:xfrm>
+            <a:off x="3312165" y="1776511"/>
+            <a:ext cx="2729553" cy="307777"/>
+          </a:xfrm>
+          <a:prstGeom prst="rect">
+            <a:avLst/>
+          </a:prstGeom>
+          <a:noFill/>
+        </p:spPr>
+        <p:txBody>
+          <a:bodyPr wrap="square" rtlCol="0">
+            <a:spAutoFit/>
+          </a:bodyPr>
+          <a:lstStyle/>
+          <a:p>
+            <a:r>
+              <a:rPr lang="en-US" sz="1400" b="1" dirty="0" smtClean="0">
+                <a:latin typeface="Arial" panose="020B0604020202020204" pitchFamily="34" charset="0"/>
+                <a:cs typeface="Arial" panose="020B0604020202020204" pitchFamily="34" charset="0"/>
+              </a:rPr>
+              <a:t>Finding the best total value</a:t>
+            </a:r>
+            <a:endParaRPr lang="et-EE" sz="1400" b="1" dirty="0">
+              <a:latin typeface="Arial" panose="020B0604020202020204" pitchFamily="34" charset="0"/>
+              <a:cs typeface="Arial" panose="020B0604020202020204" pitchFamily="34" charset="0"/>
+            </a:endParaRPr>
           </a:p>
         </p:txBody>
       </p:sp>
     </p:spTree>
     <p:extLst>
       <p:ext uri="{BB962C8B-B14F-4D97-AF65-F5344CB8AC3E}">
-        <p14:creationId xmlns:p14="http://schemas.microsoft.com/office/powerpoint/2010/main" val="3675406741"/>
+        <p14:creationId xmlns:p14="http://schemas.microsoft.com/office/powerpoint/2010/main" val="3764604283"/>
       </p:ext>
     </p:extLst>
   </p:cSld>

--- a/Report, presentation and related stuff/Knapsack_problem.pptx
+++ b/Report, presentation and related stuff/Knapsack_problem.pptx
@@ -894,7 +894,7 @@
           <a:p>
             <a:fld id="{348CCCA5-816C-4E2B-9087-5AA4BDC9BCA4}" type="slidenum">
               <a:rPr lang="et-EE" smtClean="0"/>
-              <a:t>‹#›</a:t>
+              <a:t>‹Nr.›</a:t>
             </a:fld>
             <a:endParaRPr lang="et-EE"/>
           </a:p>
@@ -1145,7 +1145,7 @@
           <a:p>
             <a:fld id="{348CCCA5-816C-4E2B-9087-5AA4BDC9BCA4}" type="slidenum">
               <a:rPr lang="et-EE" smtClean="0"/>
-              <a:t>‹#›</a:t>
+              <a:t>‹Nr.›</a:t>
             </a:fld>
             <a:endParaRPr lang="et-EE"/>
           </a:p>
@@ -1459,7 +1459,7 @@
           <a:p>
             <a:fld id="{348CCCA5-816C-4E2B-9087-5AA4BDC9BCA4}" type="slidenum">
               <a:rPr lang="et-EE" smtClean="0"/>
-              <a:t>‹#›</a:t>
+              <a:t>‹Nr.›</a:t>
             </a:fld>
             <a:endParaRPr lang="et-EE"/>
           </a:p>
@@ -1800,7 +1800,7 @@
           <a:p>
             <a:fld id="{348CCCA5-816C-4E2B-9087-5AA4BDC9BCA4}" type="slidenum">
               <a:rPr lang="et-EE" smtClean="0"/>
-              <a:t>‹#›</a:t>
+              <a:t>‹Nr.›</a:t>
             </a:fld>
             <a:endParaRPr lang="et-EE"/>
           </a:p>
@@ -2114,7 +2114,7 @@
           <a:p>
             <a:fld id="{348CCCA5-816C-4E2B-9087-5AA4BDC9BCA4}" type="slidenum">
               <a:rPr lang="et-EE" smtClean="0"/>
-              <a:t>‹#›</a:t>
+              <a:t>‹Nr.›</a:t>
             </a:fld>
             <a:endParaRPr lang="et-EE"/>
           </a:p>
@@ -2507,7 +2507,7 @@
           <a:p>
             <a:fld id="{348CCCA5-816C-4E2B-9087-5AA4BDC9BCA4}" type="slidenum">
               <a:rPr lang="et-EE" smtClean="0"/>
-              <a:t>‹#›</a:t>
+              <a:t>‹Nr.›</a:t>
             </a:fld>
             <a:endParaRPr lang="et-EE"/>
           </a:p>
@@ -2677,7 +2677,7 @@
           <a:p>
             <a:fld id="{348CCCA5-816C-4E2B-9087-5AA4BDC9BCA4}" type="slidenum">
               <a:rPr lang="et-EE" smtClean="0"/>
-              <a:t>‹#›</a:t>
+              <a:t>‹Nr.›</a:t>
             </a:fld>
             <a:endParaRPr lang="et-EE"/>
           </a:p>
@@ -2857,7 +2857,7 @@
           <a:p>
             <a:fld id="{348CCCA5-816C-4E2B-9087-5AA4BDC9BCA4}" type="slidenum">
               <a:rPr lang="et-EE" smtClean="0"/>
-              <a:t>‹#›</a:t>
+              <a:t>‹Nr.›</a:t>
             </a:fld>
             <a:endParaRPr lang="et-EE"/>
           </a:p>
@@ -3033,7 +3033,7 @@
           <a:p>
             <a:fld id="{348CCCA5-816C-4E2B-9087-5AA4BDC9BCA4}" type="slidenum">
               <a:rPr lang="et-EE" smtClean="0"/>
-              <a:t>‹#›</a:t>
+              <a:t>‹Nr.›</a:t>
             </a:fld>
             <a:endParaRPr lang="et-EE"/>
           </a:p>
@@ -3280,7 +3280,7 @@
           <a:p>
             <a:fld id="{348CCCA5-816C-4E2B-9087-5AA4BDC9BCA4}" type="slidenum">
               <a:rPr lang="et-EE" smtClean="0"/>
-              <a:t>‹#›</a:t>
+              <a:t>‹Nr.›</a:t>
             </a:fld>
             <a:endParaRPr lang="et-EE"/>
           </a:p>
@@ -3512,7 +3512,7 @@
           <a:p>
             <a:fld id="{348CCCA5-816C-4E2B-9087-5AA4BDC9BCA4}" type="slidenum">
               <a:rPr lang="et-EE" smtClean="0"/>
-              <a:t>‹#›</a:t>
+              <a:t>‹Nr.›</a:t>
             </a:fld>
             <a:endParaRPr lang="et-EE"/>
           </a:p>
@@ -3886,7 +3886,7 @@
           <a:p>
             <a:fld id="{348CCCA5-816C-4E2B-9087-5AA4BDC9BCA4}" type="slidenum">
               <a:rPr lang="et-EE" smtClean="0"/>
-              <a:t>‹#›</a:t>
+              <a:t>‹Nr.›</a:t>
             </a:fld>
             <a:endParaRPr lang="et-EE"/>
           </a:p>
@@ -4009,7 +4009,7 @@
           <a:p>
             <a:fld id="{348CCCA5-816C-4E2B-9087-5AA4BDC9BCA4}" type="slidenum">
               <a:rPr lang="et-EE" smtClean="0"/>
-              <a:t>‹#›</a:t>
+              <a:t>‹Nr.›</a:t>
             </a:fld>
             <a:endParaRPr lang="et-EE"/>
           </a:p>
@@ -4104,7 +4104,7 @@
           <a:p>
             <a:fld id="{348CCCA5-816C-4E2B-9087-5AA4BDC9BCA4}" type="slidenum">
               <a:rPr lang="et-EE" smtClean="0"/>
-              <a:t>‹#›</a:t>
+              <a:t>‹Nr.›</a:t>
             </a:fld>
             <a:endParaRPr lang="et-EE"/>
           </a:p>
@@ -4359,7 +4359,7 @@
           <a:p>
             <a:fld id="{348CCCA5-816C-4E2B-9087-5AA4BDC9BCA4}" type="slidenum">
               <a:rPr lang="et-EE" smtClean="0"/>
-              <a:t>‹#›</a:t>
+              <a:t>‹Nr.›</a:t>
             </a:fld>
             <a:endParaRPr lang="et-EE"/>
           </a:p>
@@ -4622,7 +4622,7 @@
           <a:p>
             <a:fld id="{348CCCA5-816C-4E2B-9087-5AA4BDC9BCA4}" type="slidenum">
               <a:rPr lang="et-EE" smtClean="0"/>
-              <a:t>‹#›</a:t>
+              <a:t>‹Nr.›</a:t>
             </a:fld>
             <a:endParaRPr lang="et-EE"/>
           </a:p>
@@ -5399,7 +5399,7 @@
           <a:p>
             <a:fld id="{348CCCA5-816C-4E2B-9087-5AA4BDC9BCA4}" type="slidenum">
               <a:rPr lang="et-EE" smtClean="0"/>
-              <a:t>‹#›</a:t>
+              <a:t>‹Nr.›</a:t>
             </a:fld>
             <a:endParaRPr lang="et-EE"/>
           </a:p>
@@ -5979,8 +5979,35 @@
                 <a:latin typeface="Arial" panose="020B0604020202020204" pitchFamily="34" charset="0"/>
                 <a:cs typeface="Arial" panose="020B0604020202020204" pitchFamily="34" charset="0"/>
               </a:rPr>
-              <a:t>Kästner</a:t>
-            </a:r>
+              <a:t>K</a:t>
+            </a:r>
+            <a:r>
+              <a:rPr lang="de-DE" dirty="0" err="1" smtClean="0">
+                <a:solidFill>
+                  <a:schemeClr val="tx1"/>
+                </a:solidFill>
+                <a:latin typeface="Arial" panose="020B0604020202020204" pitchFamily="34" charset="0"/>
+                <a:cs typeface="Arial" panose="020B0604020202020204" pitchFamily="34" charset="0"/>
+              </a:rPr>
+              <a:t>ae</a:t>
+            </a:r>
+            <a:r>
+              <a:rPr lang="et-EE" dirty="0" smtClean="0">
+                <a:solidFill>
+                  <a:schemeClr val="tx1"/>
+                </a:solidFill>
+                <a:latin typeface="Arial" panose="020B0604020202020204" pitchFamily="34" charset="0"/>
+                <a:cs typeface="Arial" panose="020B0604020202020204" pitchFamily="34" charset="0"/>
+              </a:rPr>
+              <a:t>stner</a:t>
+            </a:r>
+            <a:endParaRPr lang="et-EE" dirty="0" smtClean="0">
+              <a:solidFill>
+                <a:schemeClr val="tx1"/>
+              </a:solidFill>
+              <a:latin typeface="Arial" panose="020B0604020202020204" pitchFamily="34" charset="0"/>
+              <a:cs typeface="Arial" panose="020B0604020202020204" pitchFamily="34" charset="0"/>
+            </a:endParaRPr>
           </a:p>
           <a:p>
             <a:pPr algn="ctr"/>

--- a/Report, presentation and related stuff/Knapsack_problem.pptx
+++ b/Report, presentation and related stuff/Knapsack_problem.pptx
@@ -6001,13 +6001,6 @@
               </a:rPr>
               <a:t>stner</a:t>
             </a:r>
-            <a:endParaRPr lang="et-EE" dirty="0" smtClean="0">
-              <a:solidFill>
-                <a:schemeClr val="tx1"/>
-              </a:solidFill>
-              <a:latin typeface="Arial" panose="020B0604020202020204" pitchFamily="34" charset="0"/>
-              <a:cs typeface="Arial" panose="020B0604020202020204" pitchFamily="34" charset="0"/>
-            </a:endParaRPr>
           </a:p>
           <a:p>
             <a:pPr algn="ctr"/>
@@ -6274,7 +6267,15 @@
             </a:r>
             <a:r>
               <a:rPr lang="en-US" dirty="0" smtClean="0"/>
-              <a:t> solutions(change random package and fill the remaining empty space)</a:t>
+              <a:t> </a:t>
+            </a:r>
+            <a:r>
+              <a:rPr lang="en-US" dirty="0" smtClean="0"/>
+              <a:t>solutions (change </a:t>
+            </a:r>
+            <a:r>
+              <a:rPr lang="en-US" dirty="0" smtClean="0"/>
+              <a:t>random package and fill the remaining empty space)</a:t>
             </a:r>
           </a:p>
           <a:p>
@@ -7057,14 +7058,14 @@
               <a:t>o solution to filling the entire </a:t>
             </a:r>
             <a:r>
-              <a:rPr lang="en-US" dirty="0" err="1" smtClean="0">
+              <a:rPr lang="en-US" dirty="0" smtClean="0">
                 <a:solidFill>
                   <a:schemeClr val="tx1"/>
                 </a:solidFill>
                 <a:latin typeface="Arial" panose="020B0604020202020204" pitchFamily="34" charset="0"/>
                 <a:cs typeface="Arial" panose="020B0604020202020204" pitchFamily="34" charset="0"/>
               </a:rPr>
-              <a:t>cargospace</a:t>
+              <a:t>cargo space </a:t>
             </a:r>
             <a:r>
               <a:rPr lang="en-US" dirty="0" smtClean="0">
@@ -7074,7 +7075,7 @@
                 <a:latin typeface="Arial" panose="020B0604020202020204" pitchFamily="34" charset="0"/>
                 <a:cs typeface="Arial" panose="020B0604020202020204" pitchFamily="34" charset="0"/>
               </a:rPr>
-              <a:t> with A,B and/or C packages has been found yet.</a:t>
+              <a:t>with A,B and/or C packages has been found yet.</a:t>
             </a:r>
           </a:p>
           <a:p>
@@ -7093,8 +7094,25 @@
                 <a:latin typeface="Arial" panose="020B0604020202020204" pitchFamily="34" charset="0"/>
                 <a:cs typeface="Arial" panose="020B0604020202020204" pitchFamily="34" charset="0"/>
               </a:rPr>
-              <a:t>Best result found so far for maximizing a single packing: XXX</a:t>
-            </a:r>
+              <a:t>Best result found so far for maximizing a single packing: </a:t>
+            </a:r>
+            <a:r>
+              <a:rPr lang="en-US" dirty="0" smtClean="0">
+                <a:solidFill>
+                  <a:schemeClr val="tx1"/>
+                </a:solidFill>
+                <a:latin typeface="Arial" panose="020B0604020202020204" pitchFamily="34" charset="0"/>
+                <a:cs typeface="Arial" panose="020B0604020202020204" pitchFamily="34" charset="0"/>
+              </a:rPr>
+              <a:t>324</a:t>
+            </a:r>
+            <a:endParaRPr lang="en-US" dirty="0" smtClean="0">
+              <a:solidFill>
+                <a:schemeClr val="tx1"/>
+              </a:solidFill>
+              <a:latin typeface="Arial" panose="020B0604020202020204" pitchFamily="34" charset="0"/>
+              <a:cs typeface="Arial" panose="020B0604020202020204" pitchFamily="34" charset="0"/>
+            </a:endParaRPr>
           </a:p>
           <a:p>
             <a:endParaRPr lang="et-EE" dirty="0"/>
@@ -7214,14 +7232,14 @@
               <a:t>It is possible to fill the entire </a:t>
             </a:r>
             <a:r>
-              <a:rPr lang="en-US" dirty="0" err="1" smtClean="0">
+              <a:rPr lang="en-US" dirty="0" smtClean="0">
                 <a:solidFill>
                   <a:schemeClr val="tx1"/>
                 </a:solidFill>
                 <a:latin typeface="Arial" panose="020B0604020202020204" pitchFamily="34" charset="0"/>
                 <a:cs typeface="Arial" panose="020B0604020202020204" pitchFamily="34" charset="0"/>
               </a:rPr>
-              <a:t>cargospace</a:t>
+              <a:t>cargo space </a:t>
             </a:r>
             <a:r>
               <a:rPr lang="en-US" dirty="0" smtClean="0">
@@ -7231,7 +7249,7 @@
                 <a:latin typeface="Arial" panose="020B0604020202020204" pitchFamily="34" charset="0"/>
                 <a:cs typeface="Arial" panose="020B0604020202020204" pitchFamily="34" charset="0"/>
               </a:rPr>
-              <a:t> with L,P and/or T packages.</a:t>
+              <a:t>with L,P and/or T packages.</a:t>
             </a:r>
           </a:p>
           <a:p>
@@ -7298,20 +7316,30 @@
                 <a:latin typeface="Arial" panose="020B0604020202020204" pitchFamily="34" charset="0"/>
                 <a:cs typeface="Arial" panose="020B0604020202020204" pitchFamily="34" charset="0"/>
               </a:rPr>
-              <a:t>Best result found so far for maximizing a single packing: </a:t>
-            </a:r>
-            <a:r>
-              <a:rPr lang="en-US" b="1" dirty="0" smtClean="0">
+              <a:t>Best result found so far for maximizing a single packing</a:t>
+            </a:r>
+            <a:r>
+              <a:rPr lang="en-US" smtClean="0">
                 <a:solidFill>
                   <a:schemeClr val="tx1"/>
                 </a:solidFill>
                 <a:latin typeface="Arial" panose="020B0604020202020204" pitchFamily="34" charset="0"/>
                 <a:cs typeface="Arial" panose="020B0604020202020204" pitchFamily="34" charset="0"/>
               </a:rPr>
-              <a:t>960</a:t>
-            </a:r>
-            <a:r>
-              <a:rPr lang="en-US" dirty="0" smtClean="0">
+              <a:t>: </a:t>
+            </a:r>
+            <a:r>
+              <a:rPr lang="en-US" b="1" smtClean="0">
+                <a:solidFill>
+                  <a:schemeClr val="tx1"/>
+                </a:solidFill>
+                <a:latin typeface="Arial" panose="020B0604020202020204" pitchFamily="34" charset="0"/>
+                <a:cs typeface="Arial" panose="020B0604020202020204" pitchFamily="34" charset="0"/>
+              </a:rPr>
+              <a:t>9720</a:t>
+            </a:r>
+            <a:r>
+              <a:rPr lang="en-US" smtClean="0">
                 <a:solidFill>
                   <a:schemeClr val="tx1"/>
                 </a:solidFill>

--- a/Report, presentation and related stuff/Knapsack_problem.pptx
+++ b/Report, presentation and related stuff/Knapsack_problem.pptx
@@ -6216,7 +6216,7 @@
         </p:blipFill>
         <p:spPr>
           <a:xfrm>
-            <a:off x="1973500" y="3597760"/>
+            <a:off x="1973500" y="3978760"/>
             <a:ext cx="6233354" cy="2673386"/>
           </a:xfrm>
         </p:spPr>
@@ -6229,8 +6229,8 @@
         </p:nvSpPr>
         <p:spPr>
           <a:xfrm>
-            <a:off x="677334" y="1930400"/>
-            <a:ext cx="10745842" cy="1200329"/>
+            <a:off x="677334" y="1803400"/>
+            <a:ext cx="9419703" cy="1938992"/>
           </a:xfrm>
           <a:prstGeom prst="rect">
             <a:avLst/>
@@ -6248,7 +6248,10 @@
               <a:buChar char="•"/>
             </a:pPr>
             <a:r>
-              <a:rPr lang="en-US" dirty="0" smtClean="0"/>
+              <a:rPr lang="en-US" sz="2000" dirty="0" smtClean="0">
+                <a:latin typeface="Arial" panose="020B0604020202020204" pitchFamily="34" charset="0"/>
+                <a:cs typeface="Arial" panose="020B0604020202020204" pitchFamily="34" charset="0"/>
+              </a:rPr>
               <a:t>Start with an arbitrary solution</a:t>
             </a:r>
           </a:p>
@@ -6258,24 +6261,39 @@
               <a:buChar char="•"/>
             </a:pPr>
             <a:r>
-              <a:rPr lang="en-US" dirty="0" smtClean="0"/>
+              <a:rPr lang="en-US" sz="2000" dirty="0" smtClean="0">
+                <a:latin typeface="Arial" panose="020B0604020202020204" pitchFamily="34" charset="0"/>
+                <a:cs typeface="Arial" panose="020B0604020202020204" pitchFamily="34" charset="0"/>
+              </a:rPr>
               <a:t>Create </a:t>
             </a:r>
             <a:r>
-              <a:rPr lang="en-US" dirty="0" err="1" smtClean="0"/>
+              <a:rPr lang="en-US" sz="2000" dirty="0" err="1" smtClean="0">
+                <a:latin typeface="Arial" panose="020B0604020202020204" pitchFamily="34" charset="0"/>
+                <a:cs typeface="Arial" panose="020B0604020202020204" pitchFamily="34" charset="0"/>
+              </a:rPr>
               <a:t>neighbouring</a:t>
             </a:r>
             <a:r>
-              <a:rPr lang="en-US" dirty="0" smtClean="0"/>
-              <a:t> </a:t>
-            </a:r>
-            <a:r>
-              <a:rPr lang="en-US" dirty="0" smtClean="0"/>
-              <a:t>solutions (change </a:t>
-            </a:r>
-            <a:r>
-              <a:rPr lang="en-US" dirty="0" smtClean="0"/>
-              <a:t>random package and fill the remaining empty space)</a:t>
+              <a:rPr lang="en-US" sz="2000" dirty="0" smtClean="0">
+                <a:latin typeface="Arial" panose="020B0604020202020204" pitchFamily="34" charset="0"/>
+                <a:cs typeface="Arial" panose="020B0604020202020204" pitchFamily="34" charset="0"/>
+              </a:rPr>
+              <a:t> solutions (change </a:t>
+            </a:r>
+            <a:r>
+              <a:rPr lang="en-US" sz="2000" dirty="0" smtClean="0">
+                <a:latin typeface="Arial" panose="020B0604020202020204" pitchFamily="34" charset="0"/>
+                <a:cs typeface="Arial" panose="020B0604020202020204" pitchFamily="34" charset="0"/>
+              </a:rPr>
+              <a:t>n random packages </a:t>
+            </a:r>
+            <a:r>
+              <a:rPr lang="en-US" sz="2000" dirty="0" smtClean="0">
+                <a:latin typeface="Arial" panose="020B0604020202020204" pitchFamily="34" charset="0"/>
+                <a:cs typeface="Arial" panose="020B0604020202020204" pitchFamily="34" charset="0"/>
+              </a:rPr>
+              <a:t>and fill the remaining empty space)</a:t>
             </a:r>
           </a:p>
           <a:p>
@@ -6284,7 +6302,10 @@
               <a:buChar char="•"/>
             </a:pPr>
             <a:r>
-              <a:rPr lang="en-US" dirty="0" smtClean="0"/>
+              <a:rPr lang="en-US" sz="2000" dirty="0" smtClean="0">
+                <a:latin typeface="Arial" panose="020B0604020202020204" pitchFamily="34" charset="0"/>
+                <a:cs typeface="Arial" panose="020B0604020202020204" pitchFamily="34" charset="0"/>
+              </a:rPr>
               <a:t>Choose the best next solution based on an objective function (maximizing the value of a packing)</a:t>
             </a:r>
           </a:p>
@@ -6294,10 +6315,16 @@
               <a:buChar char="•"/>
             </a:pPr>
             <a:r>
-              <a:rPr lang="en-US" dirty="0" smtClean="0"/>
+              <a:rPr lang="en-US" sz="2000" dirty="0" smtClean="0">
+                <a:latin typeface="Arial" panose="020B0604020202020204" pitchFamily="34" charset="0"/>
+                <a:cs typeface="Arial" panose="020B0604020202020204" pitchFamily="34" charset="0"/>
+              </a:rPr>
               <a:t>Repeat until no further improvements can be made</a:t>
             </a:r>
-            <a:endParaRPr lang="et-EE" dirty="0"/>
+            <a:endParaRPr lang="et-EE" sz="2000" dirty="0">
+              <a:latin typeface="Arial" panose="020B0604020202020204" pitchFamily="34" charset="0"/>
+              <a:cs typeface="Arial" panose="020B0604020202020204" pitchFamily="34" charset="0"/>
+            </a:endParaRPr>
           </a:p>
         </p:txBody>
       </p:sp>
@@ -6529,7 +6556,9 @@
         </p:nvSpPr>
         <p:spPr/>
         <p:txBody>
-          <a:bodyPr/>
+          <a:bodyPr>
+            <a:normAutofit/>
+          </a:bodyPr>
           <a:lstStyle/>
           <a:p>
             <a:pPr>
@@ -6540,7 +6569,7 @@
               <a:buChar char="•"/>
             </a:pPr>
             <a:r>
-              <a:rPr lang="en-US" dirty="0" smtClean="0">
+              <a:rPr lang="en-US" sz="2400" dirty="0" smtClean="0">
                 <a:solidFill>
                   <a:schemeClr val="tx1"/>
                 </a:solidFill>
@@ -6550,7 +6579,7 @@
               <a:t>Chromosomes</a:t>
             </a:r>
             <a:r>
-              <a:rPr lang="en-US" dirty="0">
+              <a:rPr lang="en-US" sz="2400" dirty="0">
                 <a:solidFill>
                   <a:schemeClr val="tx1"/>
                 </a:solidFill>
@@ -6560,7 +6589,7 @@
               <a:t> (an array consisting of 0’s and 1’s</a:t>
             </a:r>
             <a:r>
-              <a:rPr lang="en-US" dirty="0" smtClean="0">
+              <a:rPr lang="en-US" sz="2400" dirty="0" smtClean="0">
                 <a:solidFill>
                   <a:schemeClr val="tx1"/>
                 </a:solidFill>
@@ -6579,7 +6608,7 @@
               <a:buChar char="•"/>
             </a:pPr>
             <a:r>
-              <a:rPr lang="en-US" dirty="0" smtClean="0">
+              <a:rPr lang="en-US" sz="2400" dirty="0" smtClean="0">
                 <a:solidFill>
                   <a:schemeClr val="tx1"/>
                 </a:solidFill>
@@ -6598,7 +6627,7 @@
               <a:buChar char="•"/>
             </a:pPr>
             <a:r>
-              <a:rPr lang="en-US" dirty="0" smtClean="0">
+              <a:rPr lang="en-US" sz="2400" dirty="0" smtClean="0">
                 <a:solidFill>
                   <a:schemeClr val="tx1"/>
                 </a:solidFill>
@@ -6616,7 +6645,7 @@
               <a:buFont typeface="Arial" panose="020B0604020202020204" pitchFamily="34" charset="0"/>
               <a:buChar char="•"/>
             </a:pPr>
-            <a:endParaRPr lang="en-US" dirty="0" smtClean="0">
+            <a:endParaRPr lang="en-US" sz="2400" dirty="0" smtClean="0">
               <a:solidFill>
                 <a:schemeClr val="tx1"/>
               </a:solidFill>
@@ -6632,7 +6661,7 @@
               <a:buFont typeface="Arial" panose="020B0604020202020204" pitchFamily="34" charset="0"/>
               <a:buChar char="•"/>
             </a:pPr>
-            <a:endParaRPr lang="et-EE" dirty="0">
+            <a:endParaRPr lang="et-EE" sz="2400" dirty="0">
               <a:solidFill>
                 <a:schemeClr val="tx1"/>
               </a:solidFill>
@@ -6805,7 +6834,9 @@
         </p:nvSpPr>
         <p:spPr/>
         <p:txBody>
-          <a:bodyPr/>
+          <a:bodyPr>
+            <a:normAutofit/>
+          </a:bodyPr>
           <a:lstStyle/>
           <a:p>
             <a:pPr>
@@ -6814,7 +6845,7 @@
               <a:buChar char="•"/>
             </a:pPr>
             <a:r>
-              <a:rPr lang="en-US" dirty="0" smtClean="0">
+              <a:rPr lang="en-US" sz="2400" dirty="0" smtClean="0">
                 <a:solidFill>
                   <a:schemeClr val="tx1"/>
                 </a:solidFill>
@@ -6831,7 +6862,7 @@
               <a:buChar char="•"/>
             </a:pPr>
             <a:r>
-              <a:rPr lang="en-US" dirty="0" smtClean="0">
+              <a:rPr lang="en-US" sz="2400" dirty="0" smtClean="0">
                 <a:solidFill>
                   <a:schemeClr val="tx1"/>
                 </a:solidFill>
@@ -6848,33 +6879,26 @@
               <a:buChar char="•"/>
             </a:pPr>
             <a:r>
-              <a:rPr lang="en-US" dirty="0" smtClean="0">
+              <a:rPr lang="en-US" sz="2400" dirty="0" smtClean="0">
                 <a:solidFill>
                   <a:schemeClr val="tx1"/>
                 </a:solidFill>
                 <a:latin typeface="Arial" panose="020B0604020202020204" pitchFamily="34" charset="0"/>
                 <a:cs typeface="Arial" panose="020B0604020202020204" pitchFamily="34" charset="0"/>
               </a:rPr>
-              <a:t>Genetic algorithm is time consuming and has a lot of parameters that need to be taken into account (difficult to implement) but it is the most likely to find the optimal solution.</a:t>
-            </a:r>
-          </a:p>
-          <a:p>
-            <a:pPr>
-              <a:buClrTx/>
-              <a:buFont typeface="Arial" panose="020B0604020202020204" pitchFamily="34" charset="0"/>
-              <a:buChar char="•"/>
-            </a:pPr>
-            <a:r>
-              <a:rPr lang="en-US" dirty="0" smtClean="0">
+              <a:t>Genetic algorithm is time consuming and has a lot of parameters that need to be taken into account (difficult to implement) but it is the most likely to find the optimal solution</a:t>
+            </a:r>
+            <a:r>
+              <a:rPr lang="en-US" sz="2400" dirty="0" smtClean="0">
                 <a:solidFill>
                   <a:schemeClr val="tx1"/>
                 </a:solidFill>
                 <a:latin typeface="Arial" panose="020B0604020202020204" pitchFamily="34" charset="0"/>
                 <a:cs typeface="Arial" panose="020B0604020202020204" pitchFamily="34" charset="0"/>
               </a:rPr>
-              <a:t>Which one has the best result using the same number of packages?</a:t>
-            </a:r>
-            <a:endParaRPr lang="et-EE" dirty="0">
+              <a:t>.</a:t>
+            </a:r>
+            <a:endParaRPr lang="et-EE" sz="2400" dirty="0">
               <a:solidFill>
                 <a:schemeClr val="tx1"/>
               </a:solidFill>
@@ -7027,7 +7051,9 @@
         </p:nvSpPr>
         <p:spPr/>
         <p:txBody>
-          <a:bodyPr/>
+          <a:bodyPr>
+            <a:normAutofit/>
+          </a:bodyPr>
           <a:lstStyle/>
           <a:p>
             <a:pPr>
@@ -7038,7 +7064,7 @@
               <a:buChar char="•"/>
             </a:pPr>
             <a:r>
-              <a:rPr lang="en-US" dirty="0">
+              <a:rPr lang="en-US" sz="2800" dirty="0">
                 <a:solidFill>
                   <a:schemeClr val="tx1"/>
                 </a:solidFill>
@@ -7048,34 +7074,14 @@
               <a:t>N</a:t>
             </a:r>
             <a:r>
-              <a:rPr lang="en-US" dirty="0" smtClean="0">
+              <a:rPr lang="en-US" sz="2800" dirty="0" smtClean="0">
                 <a:solidFill>
                   <a:schemeClr val="tx1"/>
                 </a:solidFill>
                 <a:latin typeface="Arial" panose="020B0604020202020204" pitchFamily="34" charset="0"/>
                 <a:cs typeface="Arial" panose="020B0604020202020204" pitchFamily="34" charset="0"/>
               </a:rPr>
-              <a:t>o solution to filling the entire </a:t>
-            </a:r>
-            <a:r>
-              <a:rPr lang="en-US" dirty="0" smtClean="0">
-                <a:solidFill>
-                  <a:schemeClr val="tx1"/>
-                </a:solidFill>
-                <a:latin typeface="Arial" panose="020B0604020202020204" pitchFamily="34" charset="0"/>
-                <a:cs typeface="Arial" panose="020B0604020202020204" pitchFamily="34" charset="0"/>
-              </a:rPr>
-              <a:t>cargo space </a:t>
-            </a:r>
-            <a:r>
-              <a:rPr lang="en-US" dirty="0" smtClean="0">
-                <a:solidFill>
-                  <a:schemeClr val="tx1"/>
-                </a:solidFill>
-                <a:latin typeface="Arial" panose="020B0604020202020204" pitchFamily="34" charset="0"/>
-                <a:cs typeface="Arial" panose="020B0604020202020204" pitchFamily="34" charset="0"/>
-              </a:rPr>
-              <a:t>with A,B and/or C packages has been found yet.</a:t>
+              <a:t>o solution to filling the entire cargo space with A,B and/or C packages has been found yet.</a:t>
             </a:r>
           </a:p>
           <a:p>
@@ -7087,35 +7093,18 @@
               <a:buChar char="•"/>
             </a:pPr>
             <a:r>
-              <a:rPr lang="en-US" dirty="0" smtClean="0">
+              <a:rPr lang="en-US" sz="2800" dirty="0" smtClean="0">
                 <a:solidFill>
                   <a:schemeClr val="tx1"/>
                 </a:solidFill>
                 <a:latin typeface="Arial" panose="020B0604020202020204" pitchFamily="34" charset="0"/>
                 <a:cs typeface="Arial" panose="020B0604020202020204" pitchFamily="34" charset="0"/>
               </a:rPr>
-              <a:t>Best result found so far for maximizing a single packing: </a:t>
-            </a:r>
-            <a:r>
-              <a:rPr lang="en-US" dirty="0" smtClean="0">
-                <a:solidFill>
-                  <a:schemeClr val="tx1"/>
-                </a:solidFill>
-                <a:latin typeface="Arial" panose="020B0604020202020204" pitchFamily="34" charset="0"/>
-                <a:cs typeface="Arial" panose="020B0604020202020204" pitchFamily="34" charset="0"/>
-              </a:rPr>
-              <a:t>324</a:t>
-            </a:r>
-            <a:endParaRPr lang="en-US" dirty="0" smtClean="0">
-              <a:solidFill>
-                <a:schemeClr val="tx1"/>
-              </a:solidFill>
-              <a:latin typeface="Arial" panose="020B0604020202020204" pitchFamily="34" charset="0"/>
-              <a:cs typeface="Arial" panose="020B0604020202020204" pitchFamily="34" charset="0"/>
-            </a:endParaRPr>
-          </a:p>
-          <a:p>
-            <a:endParaRPr lang="et-EE" dirty="0"/>
+              <a:t>Best result found so far for maximizing a single packing: 324</a:t>
+            </a:r>
+          </a:p>
+          <a:p>
+            <a:endParaRPr lang="et-EE" sz="2800" dirty="0"/>
           </a:p>
         </p:txBody>
       </p:sp>
@@ -7211,7 +7200,9 @@
         </p:nvSpPr>
         <p:spPr/>
         <p:txBody>
-          <a:bodyPr/>
+          <a:bodyPr>
+            <a:normAutofit/>
+          </a:bodyPr>
           <a:lstStyle/>
           <a:p>
             <a:pPr>
@@ -7222,62 +7213,42 @@
               <a:buChar char="•"/>
             </a:pPr>
             <a:r>
-              <a:rPr lang="en-US" dirty="0" smtClean="0">
+              <a:rPr lang="en-US" sz="2000" dirty="0" smtClean="0">
                 <a:solidFill>
                   <a:schemeClr val="tx1"/>
                 </a:solidFill>
                 <a:latin typeface="Arial" panose="020B0604020202020204" pitchFamily="34" charset="0"/>
                 <a:cs typeface="Arial" panose="020B0604020202020204" pitchFamily="34" charset="0"/>
               </a:rPr>
-              <a:t>It is possible to fill the entire </a:t>
-            </a:r>
-            <a:r>
-              <a:rPr lang="en-US" dirty="0" smtClean="0">
-                <a:solidFill>
-                  <a:schemeClr val="tx1"/>
-                </a:solidFill>
-                <a:latin typeface="Arial" panose="020B0604020202020204" pitchFamily="34" charset="0"/>
-                <a:cs typeface="Arial" panose="020B0604020202020204" pitchFamily="34" charset="0"/>
-              </a:rPr>
-              <a:t>cargo space </a:t>
-            </a:r>
-            <a:r>
-              <a:rPr lang="en-US" dirty="0" smtClean="0">
-                <a:solidFill>
-                  <a:schemeClr val="tx1"/>
-                </a:solidFill>
-                <a:latin typeface="Arial" panose="020B0604020202020204" pitchFamily="34" charset="0"/>
-                <a:cs typeface="Arial" panose="020B0604020202020204" pitchFamily="34" charset="0"/>
-              </a:rPr>
-              <a:t>with L,P and/or T packages.</a:t>
-            </a:r>
-          </a:p>
-          <a:p>
-            <a:endParaRPr lang="en-US" dirty="0" smtClean="0">
+              <a:t>It is possible to fill the entire cargo space with L,P and/or T packages.</a:t>
+            </a:r>
+          </a:p>
+          <a:p>
+            <a:endParaRPr lang="en-US" sz="2000" dirty="0" smtClean="0">
               <a:latin typeface="Arial" panose="020B0604020202020204" pitchFamily="34" charset="0"/>
               <a:cs typeface="Arial" panose="020B0604020202020204" pitchFamily="34" charset="0"/>
             </a:endParaRPr>
           </a:p>
           <a:p>
-            <a:endParaRPr lang="en-US" dirty="0">
+            <a:endParaRPr lang="en-US" sz="2000" dirty="0">
               <a:latin typeface="Arial" panose="020B0604020202020204" pitchFamily="34" charset="0"/>
               <a:cs typeface="Arial" panose="020B0604020202020204" pitchFamily="34" charset="0"/>
             </a:endParaRPr>
           </a:p>
           <a:p>
-            <a:endParaRPr lang="en-US" dirty="0" smtClean="0">
+            <a:endParaRPr lang="en-US" sz="2000" dirty="0" smtClean="0">
               <a:latin typeface="Arial" panose="020B0604020202020204" pitchFamily="34" charset="0"/>
               <a:cs typeface="Arial" panose="020B0604020202020204" pitchFamily="34" charset="0"/>
             </a:endParaRPr>
           </a:p>
           <a:p>
-            <a:endParaRPr lang="en-US" dirty="0">
+            <a:endParaRPr lang="en-US" sz="2000" dirty="0">
               <a:latin typeface="Arial" panose="020B0604020202020204" pitchFamily="34" charset="0"/>
               <a:cs typeface="Arial" panose="020B0604020202020204" pitchFamily="34" charset="0"/>
             </a:endParaRPr>
           </a:p>
           <a:p>
-            <a:endParaRPr lang="en-US" dirty="0" smtClean="0">
+            <a:endParaRPr lang="en-US" sz="2000" dirty="0" smtClean="0">
               <a:latin typeface="Arial" panose="020B0604020202020204" pitchFamily="34" charset="0"/>
               <a:cs typeface="Arial" panose="020B0604020202020204" pitchFamily="34" charset="0"/>
             </a:endParaRPr>
@@ -7286,7 +7257,7 @@
             <a:pPr marL="0" indent="0">
               <a:buNone/>
             </a:pPr>
-            <a:endParaRPr lang="en-US" dirty="0" smtClean="0">
+            <a:endParaRPr lang="en-US" sz="2000" dirty="0" smtClean="0">
               <a:latin typeface="Arial" panose="020B0604020202020204" pitchFamily="34" charset="0"/>
               <a:cs typeface="Arial" panose="020B0604020202020204" pitchFamily="34" charset="0"/>
             </a:endParaRPr>
@@ -7295,7 +7266,7 @@
             <a:pPr marL="0" indent="0">
               <a:buNone/>
             </a:pPr>
-            <a:endParaRPr lang="en-US" dirty="0">
+            <a:endParaRPr lang="en-US" sz="2000" dirty="0">
               <a:latin typeface="Arial" panose="020B0604020202020204" pitchFamily="34" charset="0"/>
               <a:cs typeface="Arial" panose="020B0604020202020204" pitchFamily="34" charset="0"/>
             </a:endParaRPr>
@@ -7309,46 +7280,36 @@
               <a:buChar char="•"/>
             </a:pPr>
             <a:r>
-              <a:rPr lang="en-US" dirty="0" smtClean="0">
+              <a:rPr lang="en-US" sz="2000" dirty="0" smtClean="0">
                 <a:solidFill>
                   <a:schemeClr val="tx1"/>
                 </a:solidFill>
                 <a:latin typeface="Arial" panose="020B0604020202020204" pitchFamily="34" charset="0"/>
                 <a:cs typeface="Arial" panose="020B0604020202020204" pitchFamily="34" charset="0"/>
               </a:rPr>
-              <a:t>Best result found so far for maximizing a single packing</a:t>
-            </a:r>
-            <a:r>
-              <a:rPr lang="en-US" smtClean="0">
+              <a:t>Best result found so far for maximizing a single packing: </a:t>
+            </a:r>
+            <a:r>
+              <a:rPr lang="en-US" sz="2000" b="1" dirty="0" smtClean="0">
                 <a:solidFill>
                   <a:schemeClr val="tx1"/>
                 </a:solidFill>
                 <a:latin typeface="Arial" panose="020B0604020202020204" pitchFamily="34" charset="0"/>
                 <a:cs typeface="Arial" panose="020B0604020202020204" pitchFamily="34" charset="0"/>
               </a:rPr>
-              <a:t>: </a:t>
-            </a:r>
-            <a:r>
-              <a:rPr lang="en-US" b="1" smtClean="0">
+              <a:t>9720</a:t>
+            </a:r>
+            <a:r>
+              <a:rPr lang="en-US" sz="2000" dirty="0" smtClean="0">
                 <a:solidFill>
                   <a:schemeClr val="tx1"/>
                 </a:solidFill>
                 <a:latin typeface="Arial" panose="020B0604020202020204" pitchFamily="34" charset="0"/>
                 <a:cs typeface="Arial" panose="020B0604020202020204" pitchFamily="34" charset="0"/>
               </a:rPr>
-              <a:t>9720</a:t>
-            </a:r>
-            <a:r>
-              <a:rPr lang="en-US" smtClean="0">
-                <a:solidFill>
-                  <a:schemeClr val="tx1"/>
-                </a:solidFill>
-                <a:latin typeface="Arial" panose="020B0604020202020204" pitchFamily="34" charset="0"/>
-                <a:cs typeface="Arial" panose="020B0604020202020204" pitchFamily="34" charset="0"/>
-              </a:rPr>
               <a:t> </a:t>
             </a:r>
-            <a:endParaRPr lang="et-EE" dirty="0">
+            <a:endParaRPr lang="et-EE" sz="2000" dirty="0">
               <a:solidFill>
                 <a:schemeClr val="tx1"/>
               </a:solidFill>
@@ -8108,7 +8069,7 @@
         </p:blipFill>
         <p:spPr>
           <a:xfrm>
-            <a:off x="4549996" y="3163248"/>
+            <a:off x="4549996" y="3417248"/>
             <a:ext cx="5956308" cy="3170195"/>
           </a:xfrm>
         </p:spPr>
@@ -8121,8 +8082,8 @@
         </p:nvSpPr>
         <p:spPr>
           <a:xfrm>
-            <a:off x="464024" y="1842448"/>
-            <a:ext cx="11423176" cy="923330"/>
+            <a:off x="464024" y="1588448"/>
+            <a:ext cx="7920122" cy="1569660"/>
           </a:xfrm>
           <a:prstGeom prst="rect">
             <a:avLst/>
@@ -8140,7 +8101,7 @@
               <a:buChar char="•"/>
             </a:pPr>
             <a:r>
-              <a:rPr lang="en-US" dirty="0" smtClean="0">
+              <a:rPr lang="en-US" sz="2400" dirty="0" smtClean="0">
                 <a:latin typeface="Arial" panose="020B0604020202020204" pitchFamily="34" charset="0"/>
                 <a:cs typeface="Arial" panose="020B0604020202020204" pitchFamily="34" charset="0"/>
               </a:rPr>
@@ -8153,7 +8114,7 @@
               <a:buChar char="•"/>
             </a:pPr>
             <a:r>
-              <a:rPr lang="en-US" dirty="0" smtClean="0">
+              <a:rPr lang="en-US" sz="2400" dirty="0" smtClean="0">
                 <a:latin typeface="Arial" panose="020B0604020202020204" pitchFamily="34" charset="0"/>
                 <a:cs typeface="Arial" panose="020B0604020202020204" pitchFamily="34" charset="0"/>
               </a:rPr>
@@ -8166,7 +8127,7 @@
               <a:buChar char="•"/>
             </a:pPr>
             <a:r>
-              <a:rPr lang="en-US" dirty="0" smtClean="0">
+              <a:rPr lang="en-US" sz="2400" dirty="0" smtClean="0">
                 <a:latin typeface="Arial" panose="020B0604020202020204" pitchFamily="34" charset="0"/>
                 <a:cs typeface="Arial" panose="020B0604020202020204" pitchFamily="34" charset="0"/>
               </a:rPr>

--- a/Report, presentation and related stuff/Knapsack_problem.pptx
+++ b/Report, presentation and related stuff/Knapsack_problem.pptx
@@ -2,7 +2,7 @@
 <file path=ppt/presentation.xml><?xml version="1.0" encoding="utf-8"?>
 <p:presentation xmlns:a="http://schemas.openxmlformats.org/drawingml/2006/main" xmlns:r="http://schemas.openxmlformats.org/officeDocument/2006/relationships" xmlns:p="http://schemas.openxmlformats.org/presentationml/2006/main" saveSubsetFonts="1">
   <p:sldMasterIdLst>
-    <p:sldMasterId id="2147483660" r:id="rId1"/>
+    <p:sldMasterId id="2147483728" r:id="rId1"/>
   </p:sldMasterIdLst>
   <p:sldIdLst>
     <p:sldId id="256" r:id="rId2"/>
@@ -16,14 +16,12 @@
     <p:sldId id="276" r:id="rId10"/>
     <p:sldId id="261" r:id="rId11"/>
     <p:sldId id="263" r:id="rId12"/>
-    <p:sldId id="264" r:id="rId13"/>
-    <p:sldId id="265" r:id="rId14"/>
-    <p:sldId id="271" r:id="rId15"/>
-    <p:sldId id="273" r:id="rId16"/>
-    <p:sldId id="267" r:id="rId17"/>
-    <p:sldId id="268" r:id="rId18"/>
-    <p:sldId id="269" r:id="rId19"/>
-    <p:sldId id="270" r:id="rId20"/>
+    <p:sldId id="265" r:id="rId13"/>
+    <p:sldId id="271" r:id="rId14"/>
+    <p:sldId id="267" r:id="rId15"/>
+    <p:sldId id="268" r:id="rId16"/>
+    <p:sldId id="269" r:id="rId17"/>
+    <p:sldId id="270" r:id="rId18"/>
   </p:sldIdLst>
   <p:sldSz cx="12192000" cy="6858000"/>
   <p:notesSz cx="6858000" cy="9144000"/>
@@ -132,7 +130,7 @@
 
 <file path=ppt/slideLayouts/slideLayout1.xml><?xml version="1.0" encoding="utf-8"?>
 <p:sldLayout xmlns:a="http://schemas.openxmlformats.org/drawingml/2006/main" xmlns:r="http://schemas.openxmlformats.org/officeDocument/2006/relationships" xmlns:p="http://schemas.openxmlformats.org/presentationml/2006/main" showMasterSp="0" type="title" preserve="1">
-  <p:cSld name="Title Slide">
+  <p:cSld name="Titelfolie">
     <p:spTree>
       <p:nvGrpSpPr>
         <p:cNvPr id="1" name=""/>
@@ -149,7 +147,7 @@
       </p:grpSpPr>
       <p:grpSp>
         <p:nvGrpSpPr>
-          <p:cNvPr id="7" name="Group 6"/>
+          <p:cNvPr id="16" name="Group 15"/>
           <p:cNvGrpSpPr/>
           <p:nvPr/>
         </p:nvGrpSpPr>
@@ -161,9 +159,72 @@
             <a:chExt cx="12192000" cy="6866467"/>
           </a:xfrm>
         </p:grpSpPr>
+        <p:sp>
+          <p:nvSpPr>
+            <p:cNvPr id="15" name="Freeform 14"/>
+            <p:cNvSpPr/>
+            <p:nvPr/>
+          </p:nvSpPr>
+          <p:spPr>
+            <a:xfrm>
+              <a:off x="0" y="-7862"/>
+              <a:ext cx="863600" cy="5698067"/>
+            </a:xfrm>
+            <a:custGeom>
+              <a:avLst/>
+              <a:gdLst/>
+              <a:ahLst/>
+              <a:cxnLst/>
+              <a:rect l="l" t="t" r="r" b="b"/>
+              <a:pathLst>
+                <a:path w="863600" h="5698067">
+                  <a:moveTo>
+                    <a:pt x="0" y="8467"/>
+                  </a:moveTo>
+                  <a:lnTo>
+                    <a:pt x="863600" y="0"/>
+                  </a:lnTo>
+                  <a:lnTo>
+                    <a:pt x="863600" y="16934"/>
+                  </a:lnTo>
+                  <a:lnTo>
+                    <a:pt x="0" y="5698067"/>
+                  </a:lnTo>
+                  <a:lnTo>
+                    <a:pt x="0" y="8467"/>
+                  </a:lnTo>
+                  <a:close/>
+                </a:path>
+              </a:pathLst>
+            </a:custGeom>
+            <a:solidFill>
+              <a:schemeClr val="accent1">
+                <a:alpha val="70000"/>
+              </a:schemeClr>
+            </a:solidFill>
+            <a:ln>
+              <a:noFill/>
+            </a:ln>
+            <a:effectLst/>
+          </p:spPr>
+          <p:style>
+            <a:lnRef idx="1">
+              <a:schemeClr val="accent1"/>
+            </a:lnRef>
+            <a:fillRef idx="3">
+              <a:schemeClr val="accent1"/>
+            </a:fillRef>
+            <a:effectRef idx="2">
+              <a:schemeClr val="accent1"/>
+            </a:effectRef>
+            <a:fontRef idx="minor">
+              <a:schemeClr val="lt1"/>
+            </a:fontRef>
+          </p:style>
+        </p:sp>
         <p:cxnSp>
           <p:nvCxnSpPr>
-            <p:cNvPr id="32" name="Straight Connector 31"/>
+            <p:cNvPr id="19" name="Straight Connector 18"/>
             <p:cNvCxnSpPr/>
             <p:nvPr/>
           </p:nvCxnSpPr>
@@ -177,8 +238,8 @@
             </a:prstGeom>
             <a:ln w="9525">
               <a:solidFill>
-                <a:schemeClr val="bg1">
-                  <a:lumMod val="75000"/>
+                <a:schemeClr val="accent1">
+                  <a:alpha val="70000"/>
                 </a:schemeClr>
               </a:solidFill>
             </a:ln>
@@ -200,7 +261,7 @@
         </p:cxnSp>
         <p:cxnSp>
           <p:nvCxnSpPr>
-            <p:cNvPr id="21" name="Straight Connector 20"/>
+            <p:cNvPr id="20" name="Straight Connector 19"/>
             <p:cNvCxnSpPr/>
             <p:nvPr/>
           </p:nvCxnSpPr>
@@ -214,8 +275,8 @@
             </a:prstGeom>
             <a:ln w="9525">
               <a:solidFill>
-                <a:schemeClr val="bg1">
-                  <a:lumMod val="85000"/>
+                <a:schemeClr val="accent1">
+                  <a:alpha val="70000"/>
                 </a:schemeClr>
               </a:solidFill>
             </a:ln>
@@ -237,7 +298,7 @@
         </p:cxnSp>
         <p:sp>
           <p:nvSpPr>
-            <p:cNvPr id="24" name="Rectangle 23"/>
+            <p:cNvPr id="21" name="Rectangle 23"/>
             <p:cNvSpPr/>
             <p:nvPr/>
           </p:nvSpPr>
@@ -275,7 +336,7 @@
             </a:custGeom>
             <a:solidFill>
               <a:schemeClr val="accent1">
-                <a:alpha val="30000"/>
+                <a:alpha val="36000"/>
               </a:schemeClr>
             </a:solidFill>
             <a:ln>
@@ -300,7 +361,7 @@
         </p:sp>
         <p:sp>
           <p:nvSpPr>
-            <p:cNvPr id="26" name="Rectangle 25"/>
+            <p:cNvPr id="22" name="Rectangle 25"/>
             <p:cNvSpPr/>
             <p:nvPr/>
           </p:nvSpPr>
@@ -363,7 +424,7 @@
         </p:sp>
         <p:sp>
           <p:nvSpPr>
-            <p:cNvPr id="27" name="Isosceles Triangle 26"/>
+            <p:cNvPr id="23" name="Isosceles Triangle 22"/>
             <p:cNvSpPr/>
             <p:nvPr/>
           </p:nvSpPr>
@@ -378,8 +439,9 @@
               </a:avLst>
             </a:prstGeom>
             <a:solidFill>
-              <a:schemeClr val="accent2">
-                <a:alpha val="72000"/>
+              <a:schemeClr val="accent1">
+                <a:lumMod val="75000"/>
+                <a:alpha val="66000"/>
               </a:schemeClr>
             </a:solidFill>
             <a:ln>
@@ -404,7 +466,7 @@
         </p:sp>
         <p:sp>
           <p:nvSpPr>
-            <p:cNvPr id="28" name="Rectangle 27"/>
+            <p:cNvPr id="24" name="Rectangle 27"/>
             <p:cNvSpPr/>
             <p:nvPr/>
           </p:nvSpPr>
@@ -441,9 +503,9 @@
               </a:pathLst>
             </a:custGeom>
             <a:solidFill>
-              <a:schemeClr val="accent2">
+              <a:schemeClr val="accent1">
                 <a:lumMod val="75000"/>
-                <a:alpha val="70000"/>
+                <a:alpha val="50000"/>
               </a:schemeClr>
             </a:solidFill>
             <a:ln>
@@ -468,7 +530,7 @@
         </p:sp>
         <p:sp>
           <p:nvSpPr>
-            <p:cNvPr id="29" name="Rectangle 28"/>
+            <p:cNvPr id="25" name="Rectangle 28"/>
             <p:cNvSpPr/>
             <p:nvPr/>
           </p:nvSpPr>
@@ -505,9 +567,7 @@
               </a:pathLst>
             </a:custGeom>
             <a:solidFill>
-              <a:schemeClr val="accent1">
-                <a:lumMod val="60000"/>
-                <a:lumOff val="40000"/>
+              <a:schemeClr val="accent2">
                 <a:alpha val="70000"/>
               </a:schemeClr>
             </a:solidFill>
@@ -533,7 +593,7 @@
         </p:sp>
         <p:sp>
           <p:nvSpPr>
-            <p:cNvPr id="30" name="Rectangle 29"/>
+            <p:cNvPr id="26" name="Rectangle 29"/>
             <p:cNvSpPr/>
             <p:nvPr/>
           </p:nvSpPr>
@@ -570,48 +630,8 @@
               </a:pathLst>
             </a:custGeom>
             <a:solidFill>
-              <a:schemeClr val="accent1">
-                <a:alpha val="65000"/>
-              </a:schemeClr>
-            </a:solidFill>
-            <a:ln>
-              <a:noFill/>
-            </a:ln>
-            <a:effectLst/>
-          </p:spPr>
-          <p:style>
-            <a:lnRef idx="1">
-              <a:schemeClr val="accent1"/>
-            </a:lnRef>
-            <a:fillRef idx="3">
-              <a:schemeClr val="accent1"/>
-            </a:fillRef>
-            <a:effectRef idx="2">
-              <a:schemeClr val="accent1"/>
-            </a:effectRef>
-            <a:fontRef idx="minor">
-              <a:schemeClr val="lt1"/>
-            </a:fontRef>
-          </p:style>
-        </p:sp>
-        <p:sp>
-          <p:nvSpPr>
-            <p:cNvPr id="31" name="Isosceles Triangle 30"/>
-            <p:cNvSpPr/>
-            <p:nvPr/>
-          </p:nvSpPr>
-          <p:spPr>
-            <a:xfrm>
-              <a:off x="10371666" y="3589867"/>
-              <a:ext cx="1817159" cy="3268133"/>
-            </a:xfrm>
-            <a:prstGeom prst="triangle">
-              <a:avLst>
-                <a:gd name="adj" fmla="val 100000"/>
-              </a:avLst>
-            </a:prstGeom>
-            <a:solidFill>
-              <a:schemeClr val="accent1">
+              <a:schemeClr val="accent2">
+                <a:lumMod val="75000"/>
                 <a:alpha val="80000"/>
               </a:schemeClr>
             </a:solidFill>
@@ -637,14 +657,14 @@
         </p:sp>
         <p:sp>
           <p:nvSpPr>
-            <p:cNvPr id="19" name="Isosceles Triangle 18"/>
+            <p:cNvPr id="27" name="Isosceles Triangle 26"/>
             <p:cNvSpPr/>
             <p:nvPr/>
           </p:nvSpPr>
           <p:spPr>
-            <a:xfrm rot="10800000">
-              <a:off x="0" y="0"/>
-              <a:ext cx="842596" cy="5666154"/>
+            <a:xfrm>
+              <a:off x="10371666" y="3589867"/>
+              <a:ext cx="1817159" cy="3268133"/>
             </a:xfrm>
             <a:prstGeom prst="triangle">
               <a:avLst>
@@ -653,7 +673,8 @@
             </a:prstGeom>
             <a:solidFill>
               <a:schemeClr val="accent1">
-                <a:alpha val="85000"/>
+                <a:lumMod val="75000"/>
+                <a:alpha val="66000"/>
               </a:schemeClr>
             </a:solidFill>
             <a:ln>
@@ -708,8 +729,8 @@
           </a:lstStyle>
           <a:p>
             <a:r>
-              <a:rPr lang="en-US" smtClean="0"/>
-              <a:t>Click to edit Master title style</a:t>
+              <a:rPr lang="de-DE" smtClean="0"/>
+              <a:t>Titelmasterformat durch Klicken bearbeiten</a:t>
             </a:r>
             <a:endParaRPr lang="en-US" dirty="0"/>
           </a:p>
@@ -828,8 +849,8 @@
           </a:lstStyle>
           <a:p>
             <a:r>
-              <a:rPr lang="en-US" smtClean="0"/>
-              <a:t>Click to edit Master subtitle style</a:t>
+              <a:rPr lang="de-DE" smtClean="0"/>
+              <a:t>Formatvorlage des Untertitelmasters durch Klicken bearbeiten</a:t>
             </a:r>
             <a:endParaRPr lang="en-US" dirty="0"/>
           </a:p>
@@ -903,7 +924,7 @@
     </p:spTree>
     <p:extLst>
       <p:ext uri="{BB962C8B-B14F-4D97-AF65-F5344CB8AC3E}">
-        <p14:creationId xmlns:p14="http://schemas.microsoft.com/office/powerpoint/2010/main" val="2679377424"/>
+        <p14:creationId xmlns:p14="http://schemas.microsoft.com/office/powerpoint/2010/main" val="2301344580"/>
       </p:ext>
     </p:extLst>
   </p:cSld>
@@ -915,7 +936,7 @@
 
 <file path=ppt/slideLayouts/slideLayout10.xml><?xml version="1.0" encoding="utf-8"?>
 <p:sldLayout xmlns:a="http://schemas.openxmlformats.org/drawingml/2006/main" xmlns:r="http://schemas.openxmlformats.org/officeDocument/2006/relationships" xmlns:p="http://schemas.openxmlformats.org/presentationml/2006/main" preserve="1">
-  <p:cSld name="Title and Caption">
+  <p:cSld name="Titel und Beschriftung">
     <p:spTree>
       <p:nvGrpSpPr>
         <p:cNvPr id="1" name=""/>
@@ -957,8 +978,8 @@
           </a:lstStyle>
           <a:p>
             <a:r>
-              <a:rPr lang="en-US" smtClean="0"/>
-              <a:t>Click to edit Master title style</a:t>
+              <a:rPr lang="de-DE" smtClean="0"/>
+              <a:t>Titelmasterformat durch Klicken bearbeiten</a:t>
             </a:r>
             <a:endParaRPr lang="en-US" dirty="0"/>
           </a:p>
@@ -1080,8 +1101,8 @@
           <a:p>
             <a:pPr lvl="0"/>
             <a:r>
-              <a:rPr lang="en-US" smtClean="0"/>
-              <a:t>Click to edit Master text styles</a:t>
+              <a:rPr lang="de-DE" smtClean="0"/>
+              <a:t>Textmasterformat bearbeiten</a:t>
             </a:r>
           </a:p>
         </p:txBody>
@@ -1154,7 +1175,7 @@
     </p:spTree>
     <p:extLst>
       <p:ext uri="{BB962C8B-B14F-4D97-AF65-F5344CB8AC3E}">
-        <p14:creationId xmlns:p14="http://schemas.microsoft.com/office/powerpoint/2010/main" val="514135814"/>
+        <p14:creationId xmlns:p14="http://schemas.microsoft.com/office/powerpoint/2010/main" val="3177055964"/>
       </p:ext>
     </p:extLst>
   </p:cSld>
@@ -1166,7 +1187,7 @@
 
 <file path=ppt/slideLayouts/slideLayout11.xml><?xml version="1.0" encoding="utf-8"?>
 <p:sldLayout xmlns:a="http://schemas.openxmlformats.org/drawingml/2006/main" xmlns:r="http://schemas.openxmlformats.org/officeDocument/2006/relationships" xmlns:p="http://schemas.openxmlformats.org/presentationml/2006/main" preserve="1">
-  <p:cSld name="Quote with Caption">
+  <p:cSld name="Zitat mit Beschriftung">
     <p:spTree>
       <p:nvGrpSpPr>
         <p:cNvPr id="1" name=""/>
@@ -1208,8 +1229,8 @@
           </a:lstStyle>
           <a:p>
             <a:r>
-              <a:rPr lang="en-US" smtClean="0"/>
-              <a:t>Click to edit Master title style</a:t>
+              <a:rPr lang="de-DE" smtClean="0"/>
+              <a:t>Titelmasterformat durch Klicken bearbeiten</a:t>
             </a:r>
             <a:endParaRPr lang="en-US" dirty="0"/>
           </a:p>
@@ -1272,8 +1293,8 @@
           <a:p>
             <a:pPr lvl="0"/>
             <a:r>
-              <a:rPr lang="en-US" smtClean="0"/>
-              <a:t>Click to edit Master text styles</a:t>
+              <a:rPr lang="de-DE" smtClean="0"/>
+              <a:t>Textmasterformat bearbeiten</a:t>
             </a:r>
           </a:p>
         </p:txBody>
@@ -1394,8 +1415,8 @@
           <a:p>
             <a:pPr lvl="0"/>
             <a:r>
-              <a:rPr lang="en-US" smtClean="0"/>
-              <a:t>Click to edit Master text styles</a:t>
+              <a:rPr lang="de-DE" smtClean="0"/>
+              <a:t>Textmasterformat bearbeiten</a:t>
             </a:r>
           </a:p>
         </p:txBody>
@@ -1467,7 +1488,7 @@
       </p:sp>
       <p:sp>
         <p:nvSpPr>
-          <p:cNvPr id="20" name="TextBox 19"/>
+          <p:cNvPr id="24" name="TextBox 23"/>
           <p:cNvSpPr txBox="1"/>
           <p:nvPr/>
         </p:nvSpPr>
@@ -1508,7 +1529,7 @@
       </p:sp>
       <p:sp>
         <p:nvSpPr>
-          <p:cNvPr id="22" name="TextBox 21"/>
+          <p:cNvPr id="25" name="TextBox 24"/>
           <p:cNvSpPr txBox="1"/>
           <p:nvPr/>
         </p:nvSpPr>
@@ -1539,26 +1560,18 @@
                     <a:lumOff val="40000"/>
                   </a:schemeClr>
                 </a:solidFill>
+                <a:effectLst/>
                 <a:latin typeface="Arial"/>
               </a:rPr>
               <a:t>”</a:t>
             </a:r>
-            <a:endParaRPr lang="en-US" dirty="0">
-              <a:solidFill>
-                <a:schemeClr val="accent1">
-                  <a:lumMod val="60000"/>
-                  <a:lumOff val="40000"/>
-                </a:schemeClr>
-              </a:solidFill>
-              <a:latin typeface="Arial"/>
-            </a:endParaRPr>
           </a:p>
         </p:txBody>
       </p:sp>
     </p:spTree>
     <p:extLst>
       <p:ext uri="{BB962C8B-B14F-4D97-AF65-F5344CB8AC3E}">
-        <p14:creationId xmlns:p14="http://schemas.microsoft.com/office/powerpoint/2010/main" val="3986387516"/>
+        <p14:creationId xmlns:p14="http://schemas.microsoft.com/office/powerpoint/2010/main" val="3049790961"/>
       </p:ext>
     </p:extLst>
   </p:cSld>
@@ -1570,7 +1583,7 @@
 
 <file path=ppt/slideLayouts/slideLayout12.xml><?xml version="1.0" encoding="utf-8"?>
 <p:sldLayout xmlns:a="http://schemas.openxmlformats.org/drawingml/2006/main" xmlns:r="http://schemas.openxmlformats.org/officeDocument/2006/relationships" xmlns:p="http://schemas.openxmlformats.org/presentationml/2006/main" preserve="1">
-  <p:cSld name="Name Card">
+  <p:cSld name="Namenskarte">
     <p:spTree>
       <p:nvGrpSpPr>
         <p:cNvPr id="1" name=""/>
@@ -1612,8 +1625,8 @@
           </a:lstStyle>
           <a:p>
             <a:r>
-              <a:rPr lang="en-US" smtClean="0"/>
-              <a:t>Click to edit Master title style</a:t>
+              <a:rPr lang="de-DE" smtClean="0"/>
+              <a:t>Titelmasterformat durch Klicken bearbeiten</a:t>
             </a:r>
             <a:endParaRPr lang="en-US" dirty="0"/>
           </a:p>
@@ -1735,8 +1748,8 @@
           <a:p>
             <a:pPr lvl="0"/>
             <a:r>
-              <a:rPr lang="en-US" smtClean="0"/>
-              <a:t>Click to edit Master text styles</a:t>
+              <a:rPr lang="de-DE" smtClean="0"/>
+              <a:t>Textmasterformat bearbeiten</a:t>
             </a:r>
           </a:p>
         </p:txBody>
@@ -1809,7 +1822,7 @@
     </p:spTree>
     <p:extLst>
       <p:ext uri="{BB962C8B-B14F-4D97-AF65-F5344CB8AC3E}">
-        <p14:creationId xmlns:p14="http://schemas.microsoft.com/office/powerpoint/2010/main" val="349832170"/>
+        <p14:creationId xmlns:p14="http://schemas.microsoft.com/office/powerpoint/2010/main" val="784884513"/>
       </p:ext>
     </p:extLst>
   </p:cSld>
@@ -1821,7 +1834,7 @@
 
 <file path=ppt/slideLayouts/slideLayout13.xml><?xml version="1.0" encoding="utf-8"?>
 <p:sldLayout xmlns:a="http://schemas.openxmlformats.org/drawingml/2006/main" xmlns:r="http://schemas.openxmlformats.org/officeDocument/2006/relationships" xmlns:p="http://schemas.openxmlformats.org/presentationml/2006/main" preserve="1">
-  <p:cSld name="Quote Name Card">
+  <p:cSld name="Namenskarte für Zitat">
     <p:spTree>
       <p:nvGrpSpPr>
         <p:cNvPr id="1" name=""/>
@@ -1863,8 +1876,8 @@
           </a:lstStyle>
           <a:p>
             <a:r>
-              <a:rPr lang="en-US" smtClean="0"/>
-              <a:t>Click to edit Master title style</a:t>
+              <a:rPr lang="de-DE" smtClean="0"/>
+              <a:t>Titelmasterformat durch Klicken bearbeiten</a:t>
             </a:r>
             <a:endParaRPr lang="en-US" dirty="0"/>
           </a:p>
@@ -1927,8 +1940,8 @@
           <a:p>
             <a:pPr lvl="0"/>
             <a:r>
-              <a:rPr lang="en-US" smtClean="0"/>
-              <a:t>Click to edit Master text styles</a:t>
+              <a:rPr lang="de-DE" smtClean="0"/>
+              <a:t>Textmasterformat bearbeiten</a:t>
             </a:r>
           </a:p>
         </p:txBody>
@@ -2049,8 +2062,8 @@
           <a:p>
             <a:pPr lvl="0"/>
             <a:r>
-              <a:rPr lang="en-US" smtClean="0"/>
-              <a:t>Click to edit Master text styles</a:t>
+              <a:rPr lang="de-DE" smtClean="0"/>
+              <a:t>Textmasterformat bearbeiten</a:t>
             </a:r>
           </a:p>
         </p:txBody>
@@ -2205,7 +2218,7 @@
     </p:spTree>
     <p:extLst>
       <p:ext uri="{BB962C8B-B14F-4D97-AF65-F5344CB8AC3E}">
-        <p14:creationId xmlns:p14="http://schemas.microsoft.com/office/powerpoint/2010/main" val="576407632"/>
+        <p14:creationId xmlns:p14="http://schemas.microsoft.com/office/powerpoint/2010/main" val="1481155508"/>
       </p:ext>
     </p:extLst>
   </p:cSld>
@@ -2217,7 +2230,7 @@
 
 <file path=ppt/slideLayouts/slideLayout14.xml><?xml version="1.0" encoding="utf-8"?>
 <p:sldLayout xmlns:a="http://schemas.openxmlformats.org/drawingml/2006/main" xmlns:r="http://schemas.openxmlformats.org/officeDocument/2006/relationships" xmlns:p="http://schemas.openxmlformats.org/presentationml/2006/main" preserve="1">
-  <p:cSld name="True or False">
+  <p:cSld name="Wahr oder Falsch">
     <p:spTree>
       <p:nvGrpSpPr>
         <p:cNvPr id="1" name=""/>
@@ -2259,8 +2272,8 @@
           </a:lstStyle>
           <a:p>
             <a:r>
-              <a:rPr lang="en-US" smtClean="0"/>
-              <a:t>Click to edit Master title style</a:t>
+              <a:rPr lang="de-DE" smtClean="0"/>
+              <a:t>Titelmasterformat durch Klicken bearbeiten</a:t>
             </a:r>
             <a:endParaRPr lang="en-US" dirty="0"/>
           </a:p>
@@ -2320,8 +2333,8 @@
           <a:p>
             <a:pPr lvl="0"/>
             <a:r>
-              <a:rPr lang="en-US" smtClean="0"/>
-              <a:t>Click to edit Master text styles</a:t>
+              <a:rPr lang="de-DE" smtClean="0"/>
+              <a:t>Textmasterformat bearbeiten</a:t>
             </a:r>
           </a:p>
         </p:txBody>
@@ -2442,8 +2455,8 @@
           <a:p>
             <a:pPr lvl="0"/>
             <a:r>
-              <a:rPr lang="en-US" smtClean="0"/>
-              <a:t>Click to edit Master text styles</a:t>
+              <a:rPr lang="de-DE" smtClean="0"/>
+              <a:t>Textmasterformat bearbeiten</a:t>
             </a:r>
           </a:p>
         </p:txBody>
@@ -2516,7 +2529,7 @@
     </p:spTree>
     <p:extLst>
       <p:ext uri="{BB962C8B-B14F-4D97-AF65-F5344CB8AC3E}">
-        <p14:creationId xmlns:p14="http://schemas.microsoft.com/office/powerpoint/2010/main" val="3134462203"/>
+        <p14:creationId xmlns:p14="http://schemas.microsoft.com/office/powerpoint/2010/main" val="1016664252"/>
       </p:ext>
     </p:extLst>
   </p:cSld>
@@ -2528,7 +2541,7 @@
 
 <file path=ppt/slideLayouts/slideLayout15.xml><?xml version="1.0" encoding="utf-8"?>
 <p:sldLayout xmlns:a="http://schemas.openxmlformats.org/drawingml/2006/main" xmlns:r="http://schemas.openxmlformats.org/officeDocument/2006/relationships" xmlns:p="http://schemas.openxmlformats.org/presentationml/2006/main" type="vertTx" preserve="1">
-  <p:cSld name="Title and Vertical Text">
+  <p:cSld name="Titel und vertikaler Text">
     <p:spTree>
       <p:nvGrpSpPr>
         <p:cNvPr id="1" name=""/>
@@ -2559,8 +2572,8 @@
           <a:lstStyle/>
           <a:p>
             <a:r>
-              <a:rPr lang="en-US" smtClean="0"/>
-              <a:t>Click to edit Master title style</a:t>
+              <a:rPr lang="de-DE" smtClean="0"/>
+              <a:t>Titelmasterformat durch Klicken bearbeiten</a:t>
             </a:r>
             <a:endParaRPr lang="en-US" dirty="0"/>
           </a:p>
@@ -2583,36 +2596,36 @@
           <a:p>
             <a:pPr lvl="0"/>
             <a:r>
-              <a:rPr lang="en-US" smtClean="0"/>
-              <a:t>Click to edit Master text styles</a:t>
+              <a:rPr lang="de-DE" smtClean="0"/>
+              <a:t>Textmasterformat bearbeiten</a:t>
             </a:r>
           </a:p>
           <a:p>
             <a:pPr lvl="1"/>
             <a:r>
-              <a:rPr lang="en-US" smtClean="0"/>
-              <a:t>Second level</a:t>
+              <a:rPr lang="de-DE" smtClean="0"/>
+              <a:t>Zweite Ebene</a:t>
             </a:r>
           </a:p>
           <a:p>
             <a:pPr lvl="2"/>
             <a:r>
-              <a:rPr lang="en-US" smtClean="0"/>
-              <a:t>Third level</a:t>
+              <a:rPr lang="de-DE" smtClean="0"/>
+              <a:t>Dritte Ebene</a:t>
             </a:r>
           </a:p>
           <a:p>
             <a:pPr lvl="3"/>
             <a:r>
-              <a:rPr lang="en-US" smtClean="0"/>
-              <a:t>Fourth level</a:t>
+              <a:rPr lang="de-DE" smtClean="0"/>
+              <a:t>Vierte Ebene</a:t>
             </a:r>
           </a:p>
           <a:p>
             <a:pPr lvl="4"/>
             <a:r>
-              <a:rPr lang="en-US" smtClean="0"/>
-              <a:t>Fifth level</a:t>
+              <a:rPr lang="de-DE" smtClean="0"/>
+              <a:t>Fünfte Ebene</a:t>
             </a:r>
             <a:endParaRPr lang="en-US" dirty="0"/>
           </a:p>
@@ -2686,7 +2699,7 @@
     </p:spTree>
     <p:extLst>
       <p:ext uri="{BB962C8B-B14F-4D97-AF65-F5344CB8AC3E}">
-        <p14:creationId xmlns:p14="http://schemas.microsoft.com/office/powerpoint/2010/main" val="3683478588"/>
+        <p14:creationId xmlns:p14="http://schemas.microsoft.com/office/powerpoint/2010/main" val="104202685"/>
       </p:ext>
     </p:extLst>
   </p:cSld>
@@ -2698,7 +2711,7 @@
 
 <file path=ppt/slideLayouts/slideLayout16.xml><?xml version="1.0" encoding="utf-8"?>
 <p:sldLayout xmlns:a="http://schemas.openxmlformats.org/drawingml/2006/main" xmlns:r="http://schemas.openxmlformats.org/officeDocument/2006/relationships" xmlns:p="http://schemas.openxmlformats.org/presentationml/2006/main" type="vertTitleAndTx" preserve="1">
-  <p:cSld name="Vertical Title and Text">
+  <p:cSld name="Vertikaler Titel und Text">
     <p:spTree>
       <p:nvGrpSpPr>
         <p:cNvPr id="1" name=""/>
@@ -2734,8 +2747,8 @@
           <a:lstStyle/>
           <a:p>
             <a:r>
-              <a:rPr lang="en-US" smtClean="0"/>
-              <a:t>Click to edit Master title style</a:t>
+              <a:rPr lang="de-DE" smtClean="0"/>
+              <a:t>Titelmasterformat durch Klicken bearbeiten</a:t>
             </a:r>
             <a:endParaRPr lang="en-US" dirty="0"/>
           </a:p>
@@ -2763,36 +2776,36 @@
           <a:p>
             <a:pPr lvl="0"/>
             <a:r>
-              <a:rPr lang="en-US" smtClean="0"/>
-              <a:t>Click to edit Master text styles</a:t>
+              <a:rPr lang="de-DE" smtClean="0"/>
+              <a:t>Textmasterformat bearbeiten</a:t>
             </a:r>
           </a:p>
           <a:p>
             <a:pPr lvl="1"/>
             <a:r>
-              <a:rPr lang="en-US" smtClean="0"/>
-              <a:t>Second level</a:t>
+              <a:rPr lang="de-DE" smtClean="0"/>
+              <a:t>Zweite Ebene</a:t>
             </a:r>
           </a:p>
           <a:p>
             <a:pPr lvl="2"/>
             <a:r>
-              <a:rPr lang="en-US" smtClean="0"/>
-              <a:t>Third level</a:t>
+              <a:rPr lang="de-DE" smtClean="0"/>
+              <a:t>Dritte Ebene</a:t>
             </a:r>
           </a:p>
           <a:p>
             <a:pPr lvl="3"/>
             <a:r>
-              <a:rPr lang="en-US" smtClean="0"/>
-              <a:t>Fourth level</a:t>
+              <a:rPr lang="de-DE" smtClean="0"/>
+              <a:t>Vierte Ebene</a:t>
             </a:r>
           </a:p>
           <a:p>
             <a:pPr lvl="4"/>
             <a:r>
-              <a:rPr lang="en-US" smtClean="0"/>
-              <a:t>Fifth level</a:t>
+              <a:rPr lang="de-DE" smtClean="0"/>
+              <a:t>Fünfte Ebene</a:t>
             </a:r>
             <a:endParaRPr lang="en-US" dirty="0"/>
           </a:p>
@@ -2866,7 +2879,7 @@
     </p:spTree>
     <p:extLst>
       <p:ext uri="{BB962C8B-B14F-4D97-AF65-F5344CB8AC3E}">
-        <p14:creationId xmlns:p14="http://schemas.microsoft.com/office/powerpoint/2010/main" val="2043481464"/>
+        <p14:creationId xmlns:p14="http://schemas.microsoft.com/office/powerpoint/2010/main" val="1033130726"/>
       </p:ext>
     </p:extLst>
   </p:cSld>
@@ -2878,7 +2891,7 @@
 
 <file path=ppt/slideLayouts/slideLayout2.xml><?xml version="1.0" encoding="utf-8"?>
 <p:sldLayout xmlns:a="http://schemas.openxmlformats.org/drawingml/2006/main" xmlns:r="http://schemas.openxmlformats.org/officeDocument/2006/relationships" xmlns:p="http://schemas.openxmlformats.org/presentationml/2006/main" type="obj" preserve="1">
-  <p:cSld name="Title and Content">
+  <p:cSld name="Titel und Inhalt">
     <p:spTree>
       <p:nvGrpSpPr>
         <p:cNvPr id="1" name=""/>
@@ -2905,18 +2918,12 @@
         </p:nvSpPr>
         <p:spPr/>
         <p:txBody>
-          <a:bodyPr>
-            <a:normAutofit/>
-          </a:bodyPr>
-          <a:lstStyle>
-            <a:lvl1pPr>
-              <a:defRPr sz="3600"/>
-            </a:lvl1pPr>
-          </a:lstStyle>
-          <a:p>
-            <a:r>
-              <a:rPr lang="en-US" smtClean="0"/>
-              <a:t>Click to edit Master title style</a:t>
+          <a:bodyPr/>
+          <a:lstStyle/>
+          <a:p>
+            <a:r>
+              <a:rPr lang="de-DE" smtClean="0"/>
+              <a:t>Titelmasterformat durch Klicken bearbeiten</a:t>
             </a:r>
             <a:endParaRPr lang="en-US" dirty="0"/>
           </a:p>
@@ -2939,36 +2946,36 @@
           <a:p>
             <a:pPr lvl="0"/>
             <a:r>
-              <a:rPr lang="en-US" smtClean="0"/>
-              <a:t>Click to edit Master text styles</a:t>
+              <a:rPr lang="de-DE" smtClean="0"/>
+              <a:t>Textmasterformat bearbeiten</a:t>
             </a:r>
           </a:p>
           <a:p>
             <a:pPr lvl="1"/>
             <a:r>
-              <a:rPr lang="en-US" smtClean="0"/>
-              <a:t>Second level</a:t>
+              <a:rPr lang="de-DE" smtClean="0"/>
+              <a:t>Zweite Ebene</a:t>
             </a:r>
           </a:p>
           <a:p>
             <a:pPr lvl="2"/>
             <a:r>
-              <a:rPr lang="en-US" smtClean="0"/>
-              <a:t>Third level</a:t>
+              <a:rPr lang="de-DE" smtClean="0"/>
+              <a:t>Dritte Ebene</a:t>
             </a:r>
           </a:p>
           <a:p>
             <a:pPr lvl="3"/>
             <a:r>
-              <a:rPr lang="en-US" smtClean="0"/>
-              <a:t>Fourth level</a:t>
+              <a:rPr lang="de-DE" smtClean="0"/>
+              <a:t>Vierte Ebene</a:t>
             </a:r>
           </a:p>
           <a:p>
             <a:pPr lvl="4"/>
             <a:r>
-              <a:rPr lang="en-US" smtClean="0"/>
-              <a:t>Fifth level</a:t>
+              <a:rPr lang="de-DE" smtClean="0"/>
+              <a:t>Fünfte Ebene</a:t>
             </a:r>
             <a:endParaRPr lang="en-US" dirty="0"/>
           </a:p>
@@ -3042,7 +3049,7 @@
     </p:spTree>
     <p:extLst>
       <p:ext uri="{BB962C8B-B14F-4D97-AF65-F5344CB8AC3E}">
-        <p14:creationId xmlns:p14="http://schemas.microsoft.com/office/powerpoint/2010/main" val="255359658"/>
+        <p14:creationId xmlns:p14="http://schemas.microsoft.com/office/powerpoint/2010/main" val="3817401373"/>
       </p:ext>
     </p:extLst>
   </p:cSld>
@@ -3054,7 +3061,7 @@
 
 <file path=ppt/slideLayouts/slideLayout3.xml><?xml version="1.0" encoding="utf-8"?>
 <p:sldLayout xmlns:a="http://schemas.openxmlformats.org/drawingml/2006/main" xmlns:r="http://schemas.openxmlformats.org/officeDocument/2006/relationships" xmlns:p="http://schemas.openxmlformats.org/presentationml/2006/main" type="secHead" preserve="1">
-  <p:cSld name="Section Header">
+  <p:cSld name="Abschnitts-&#10;überschrift">
     <p:spTree>
       <p:nvGrpSpPr>
         <p:cNvPr id="1" name=""/>
@@ -3094,8 +3101,8 @@
           </a:lstStyle>
           <a:p>
             <a:r>
-              <a:rPr lang="en-US" smtClean="0"/>
-              <a:t>Click to edit Master title style</a:t>
+              <a:rPr lang="de-DE" smtClean="0"/>
+              <a:t>Titelmasterformat durch Klicken bearbeiten</a:t>
             </a:r>
             <a:endParaRPr lang="en-US" dirty="0"/>
           </a:p>
@@ -3215,8 +3222,8 @@
           <a:p>
             <a:pPr lvl="0"/>
             <a:r>
-              <a:rPr lang="en-US" smtClean="0"/>
-              <a:t>Click to edit Master text styles</a:t>
+              <a:rPr lang="de-DE" smtClean="0"/>
+              <a:t>Textmasterformat bearbeiten</a:t>
             </a:r>
           </a:p>
         </p:txBody>
@@ -3289,7 +3296,7 @@
     </p:spTree>
     <p:extLst>
       <p:ext uri="{BB962C8B-B14F-4D97-AF65-F5344CB8AC3E}">
-        <p14:creationId xmlns:p14="http://schemas.microsoft.com/office/powerpoint/2010/main" val="3217002102"/>
+        <p14:creationId xmlns:p14="http://schemas.microsoft.com/office/powerpoint/2010/main" val="4137403115"/>
       </p:ext>
     </p:extLst>
   </p:cSld>
@@ -3301,7 +3308,7 @@
 
 <file path=ppt/slideLayouts/slideLayout4.xml><?xml version="1.0" encoding="utf-8"?>
 <p:sldLayout xmlns:a="http://schemas.openxmlformats.org/drawingml/2006/main" xmlns:r="http://schemas.openxmlformats.org/officeDocument/2006/relationships" xmlns:p="http://schemas.openxmlformats.org/presentationml/2006/main" type="twoObj" preserve="1">
-  <p:cSld name="Two Content">
+  <p:cSld name="Zwei Inhalte">
     <p:spTree>
       <p:nvGrpSpPr>
         <p:cNvPr id="1" name=""/>
@@ -3332,8 +3339,8 @@
           <a:lstStyle/>
           <a:p>
             <a:r>
-              <a:rPr lang="en-US" smtClean="0"/>
-              <a:t>Click to edit Master title style</a:t>
+              <a:rPr lang="de-DE" smtClean="0"/>
+              <a:t>Titelmasterformat durch Klicken bearbeiten</a:t>
             </a:r>
             <a:endParaRPr lang="en-US" dirty="0"/>
           </a:p>
@@ -3361,36 +3368,36 @@
           <a:p>
             <a:pPr lvl="0"/>
             <a:r>
-              <a:rPr lang="en-US" smtClean="0"/>
-              <a:t>Click to edit Master text styles</a:t>
+              <a:rPr lang="de-DE" smtClean="0"/>
+              <a:t>Textmasterformat bearbeiten</a:t>
             </a:r>
           </a:p>
           <a:p>
             <a:pPr lvl="1"/>
             <a:r>
-              <a:rPr lang="en-US" smtClean="0"/>
-              <a:t>Second level</a:t>
+              <a:rPr lang="de-DE" smtClean="0"/>
+              <a:t>Zweite Ebene</a:t>
             </a:r>
           </a:p>
           <a:p>
             <a:pPr lvl="2"/>
             <a:r>
-              <a:rPr lang="en-US" smtClean="0"/>
-              <a:t>Third level</a:t>
+              <a:rPr lang="de-DE" smtClean="0"/>
+              <a:t>Dritte Ebene</a:t>
             </a:r>
           </a:p>
           <a:p>
             <a:pPr lvl="3"/>
             <a:r>
-              <a:rPr lang="en-US" smtClean="0"/>
-              <a:t>Fourth level</a:t>
+              <a:rPr lang="de-DE" smtClean="0"/>
+              <a:t>Vierte Ebene</a:t>
             </a:r>
           </a:p>
           <a:p>
             <a:pPr lvl="4"/>
             <a:r>
-              <a:rPr lang="en-US" smtClean="0"/>
-              <a:t>Fifth level</a:t>
+              <a:rPr lang="de-DE" smtClean="0"/>
+              <a:t>Fünfte Ebene</a:t>
             </a:r>
             <a:endParaRPr lang="en-US" dirty="0"/>
           </a:p>
@@ -3418,36 +3425,36 @@
           <a:p>
             <a:pPr lvl="0"/>
             <a:r>
-              <a:rPr lang="en-US" smtClean="0"/>
-              <a:t>Click to edit Master text styles</a:t>
+              <a:rPr lang="de-DE" smtClean="0"/>
+              <a:t>Textmasterformat bearbeiten</a:t>
             </a:r>
           </a:p>
           <a:p>
             <a:pPr lvl="1"/>
             <a:r>
-              <a:rPr lang="en-US" smtClean="0"/>
-              <a:t>Second level</a:t>
+              <a:rPr lang="de-DE" smtClean="0"/>
+              <a:t>Zweite Ebene</a:t>
             </a:r>
           </a:p>
           <a:p>
             <a:pPr lvl="2"/>
             <a:r>
-              <a:rPr lang="en-US" smtClean="0"/>
-              <a:t>Third level</a:t>
+              <a:rPr lang="de-DE" smtClean="0"/>
+              <a:t>Dritte Ebene</a:t>
             </a:r>
           </a:p>
           <a:p>
             <a:pPr lvl="3"/>
             <a:r>
-              <a:rPr lang="en-US" smtClean="0"/>
-              <a:t>Fourth level</a:t>
+              <a:rPr lang="de-DE" smtClean="0"/>
+              <a:t>Vierte Ebene</a:t>
             </a:r>
           </a:p>
           <a:p>
             <a:pPr lvl="4"/>
             <a:r>
-              <a:rPr lang="en-US" smtClean="0"/>
-              <a:t>Fifth level</a:t>
+              <a:rPr lang="de-DE" smtClean="0"/>
+              <a:t>Fünfte Ebene</a:t>
             </a:r>
             <a:endParaRPr lang="en-US" dirty="0"/>
           </a:p>
@@ -3521,7 +3528,7 @@
     </p:spTree>
     <p:extLst>
       <p:ext uri="{BB962C8B-B14F-4D97-AF65-F5344CB8AC3E}">
-        <p14:creationId xmlns:p14="http://schemas.microsoft.com/office/powerpoint/2010/main" val="2693714966"/>
+        <p14:creationId xmlns:p14="http://schemas.microsoft.com/office/powerpoint/2010/main" val="3688491946"/>
       </p:ext>
     </p:extLst>
   </p:cSld>
@@ -3533,7 +3540,7 @@
 
 <file path=ppt/slideLayouts/slideLayout5.xml><?xml version="1.0" encoding="utf-8"?>
 <p:sldLayout xmlns:a="http://schemas.openxmlformats.org/drawingml/2006/main" xmlns:r="http://schemas.openxmlformats.org/officeDocument/2006/relationships" xmlns:p="http://schemas.openxmlformats.org/presentationml/2006/main" type="twoTxTwoObj" preserve="1">
-  <p:cSld name="Comparison">
+  <p:cSld name="Vergleich">
     <p:spTree>
       <p:nvGrpSpPr>
         <p:cNvPr id="1" name=""/>
@@ -3568,8 +3575,8 @@
           </a:lstStyle>
           <a:p>
             <a:r>
-              <a:rPr lang="en-US" smtClean="0"/>
-              <a:t>Click to edit Master title style</a:t>
+              <a:rPr lang="de-DE" smtClean="0"/>
+              <a:t>Titelmasterformat durch Klicken bearbeiten</a:t>
             </a:r>
             <a:endParaRPr lang="en-US" dirty="0"/>
           </a:p>
@@ -3636,8 +3643,8 @@
           <a:p>
             <a:pPr lvl="0"/>
             <a:r>
-              <a:rPr lang="en-US" smtClean="0"/>
-              <a:t>Click to edit Master text styles</a:t>
+              <a:rPr lang="de-DE" smtClean="0"/>
+              <a:t>Textmasterformat bearbeiten</a:t>
             </a:r>
           </a:p>
         </p:txBody>
@@ -3666,36 +3673,36 @@
           <a:p>
             <a:pPr lvl="0"/>
             <a:r>
-              <a:rPr lang="en-US" smtClean="0"/>
-              <a:t>Click to edit Master text styles</a:t>
+              <a:rPr lang="de-DE" smtClean="0"/>
+              <a:t>Textmasterformat bearbeiten</a:t>
             </a:r>
           </a:p>
           <a:p>
             <a:pPr lvl="1"/>
             <a:r>
-              <a:rPr lang="en-US" smtClean="0"/>
-              <a:t>Second level</a:t>
+              <a:rPr lang="de-DE" smtClean="0"/>
+              <a:t>Zweite Ebene</a:t>
             </a:r>
           </a:p>
           <a:p>
             <a:pPr lvl="2"/>
             <a:r>
-              <a:rPr lang="en-US" smtClean="0"/>
-              <a:t>Third level</a:t>
+              <a:rPr lang="de-DE" smtClean="0"/>
+              <a:t>Dritte Ebene</a:t>
             </a:r>
           </a:p>
           <a:p>
             <a:pPr lvl="3"/>
             <a:r>
-              <a:rPr lang="en-US" smtClean="0"/>
-              <a:t>Fourth level</a:t>
+              <a:rPr lang="de-DE" smtClean="0"/>
+              <a:t>Vierte Ebene</a:t>
             </a:r>
           </a:p>
           <a:p>
             <a:pPr lvl="4"/>
             <a:r>
-              <a:rPr lang="en-US" smtClean="0"/>
-              <a:t>Fifth level</a:t>
+              <a:rPr lang="de-DE" smtClean="0"/>
+              <a:t>Fünfte Ebene</a:t>
             </a:r>
             <a:endParaRPr lang="en-US" dirty="0"/>
           </a:p>
@@ -3762,8 +3769,8 @@
           <a:p>
             <a:pPr lvl="0"/>
             <a:r>
-              <a:rPr lang="en-US" smtClean="0"/>
-              <a:t>Click to edit Master text styles</a:t>
+              <a:rPr lang="de-DE" smtClean="0"/>
+              <a:t>Textmasterformat bearbeiten</a:t>
             </a:r>
           </a:p>
         </p:txBody>
@@ -3792,36 +3799,36 @@
           <a:p>
             <a:pPr lvl="0"/>
             <a:r>
-              <a:rPr lang="en-US" smtClean="0"/>
-              <a:t>Click to edit Master text styles</a:t>
+              <a:rPr lang="de-DE" smtClean="0"/>
+              <a:t>Textmasterformat bearbeiten</a:t>
             </a:r>
           </a:p>
           <a:p>
             <a:pPr lvl="1"/>
             <a:r>
-              <a:rPr lang="en-US" smtClean="0"/>
-              <a:t>Second level</a:t>
+              <a:rPr lang="de-DE" smtClean="0"/>
+              <a:t>Zweite Ebene</a:t>
             </a:r>
           </a:p>
           <a:p>
             <a:pPr lvl="2"/>
             <a:r>
-              <a:rPr lang="en-US" smtClean="0"/>
-              <a:t>Third level</a:t>
+              <a:rPr lang="de-DE" smtClean="0"/>
+              <a:t>Dritte Ebene</a:t>
             </a:r>
           </a:p>
           <a:p>
             <a:pPr lvl="3"/>
             <a:r>
-              <a:rPr lang="en-US" smtClean="0"/>
-              <a:t>Fourth level</a:t>
+              <a:rPr lang="de-DE" smtClean="0"/>
+              <a:t>Vierte Ebene</a:t>
             </a:r>
           </a:p>
           <a:p>
             <a:pPr lvl="4"/>
             <a:r>
-              <a:rPr lang="en-US" smtClean="0"/>
-              <a:t>Fifth level</a:t>
+              <a:rPr lang="de-DE" smtClean="0"/>
+              <a:t>Fünfte Ebene</a:t>
             </a:r>
             <a:endParaRPr lang="en-US" dirty="0"/>
           </a:p>
@@ -3895,7 +3902,7 @@
     </p:spTree>
     <p:extLst>
       <p:ext uri="{BB962C8B-B14F-4D97-AF65-F5344CB8AC3E}">
-        <p14:creationId xmlns:p14="http://schemas.microsoft.com/office/powerpoint/2010/main" val="2362077175"/>
+        <p14:creationId xmlns:p14="http://schemas.microsoft.com/office/powerpoint/2010/main" val="987362882"/>
       </p:ext>
     </p:extLst>
   </p:cSld>
@@ -3907,7 +3914,7 @@
 
 <file path=ppt/slideLayouts/slideLayout6.xml><?xml version="1.0" encoding="utf-8"?>
 <p:sldLayout xmlns:a="http://schemas.openxmlformats.org/drawingml/2006/main" xmlns:r="http://schemas.openxmlformats.org/officeDocument/2006/relationships" xmlns:p="http://schemas.openxmlformats.org/presentationml/2006/main" type="titleOnly" preserve="1">
-  <p:cSld name="Title Only">
+  <p:cSld name="Nur Titel">
     <p:spTree>
       <p:nvGrpSpPr>
         <p:cNvPr id="1" name=""/>
@@ -3943,8 +3950,8 @@
           <a:lstStyle/>
           <a:p>
             <a:r>
-              <a:rPr lang="en-US" smtClean="0"/>
-              <a:t>Click to edit Master title style</a:t>
+              <a:rPr lang="de-DE" smtClean="0"/>
+              <a:t>Titelmasterformat durch Klicken bearbeiten</a:t>
             </a:r>
             <a:endParaRPr lang="en-US" dirty="0"/>
           </a:p>
@@ -4018,7 +4025,7 @@
     </p:spTree>
     <p:extLst>
       <p:ext uri="{BB962C8B-B14F-4D97-AF65-F5344CB8AC3E}">
-        <p14:creationId xmlns:p14="http://schemas.microsoft.com/office/powerpoint/2010/main" val="3687165739"/>
+        <p14:creationId xmlns:p14="http://schemas.microsoft.com/office/powerpoint/2010/main" val="615275386"/>
       </p:ext>
     </p:extLst>
   </p:cSld>
@@ -4030,7 +4037,7 @@
 
 <file path=ppt/slideLayouts/slideLayout7.xml><?xml version="1.0" encoding="utf-8"?>
 <p:sldLayout xmlns:a="http://schemas.openxmlformats.org/drawingml/2006/main" xmlns:r="http://schemas.openxmlformats.org/officeDocument/2006/relationships" xmlns:p="http://schemas.openxmlformats.org/presentationml/2006/main" type="blank" preserve="1">
-  <p:cSld name="Blank">
+  <p:cSld name="Leer">
     <p:spTree>
       <p:nvGrpSpPr>
         <p:cNvPr id="1" name=""/>
@@ -4113,7 +4120,7 @@
     </p:spTree>
     <p:extLst>
       <p:ext uri="{BB962C8B-B14F-4D97-AF65-F5344CB8AC3E}">
-        <p14:creationId xmlns:p14="http://schemas.microsoft.com/office/powerpoint/2010/main" val="797816676"/>
+        <p14:creationId xmlns:p14="http://schemas.microsoft.com/office/powerpoint/2010/main" val="3945861378"/>
       </p:ext>
     </p:extLst>
   </p:cSld>
@@ -4125,7 +4132,7 @@
 
 <file path=ppt/slideLayouts/slideLayout8.xml><?xml version="1.0" encoding="utf-8"?>
 <p:sldLayout xmlns:a="http://schemas.openxmlformats.org/drawingml/2006/main" xmlns:r="http://schemas.openxmlformats.org/officeDocument/2006/relationships" xmlns:p="http://schemas.openxmlformats.org/presentationml/2006/main" type="objTx" preserve="1">
-  <p:cSld name="Content with Caption">
+  <p:cSld name="Inhalt mit Überschrift">
     <p:spTree>
       <p:nvGrpSpPr>
         <p:cNvPr id="1" name=""/>
@@ -4167,8 +4174,8 @@
           </a:lstStyle>
           <a:p>
             <a:r>
-              <a:rPr lang="en-US" smtClean="0"/>
-              <a:t>Click to edit Master title style</a:t>
+              <a:rPr lang="de-DE" smtClean="0"/>
+              <a:t>Titelmasterformat durch Klicken bearbeiten</a:t>
             </a:r>
             <a:endParaRPr lang="en-US" dirty="0"/>
           </a:p>
@@ -4198,36 +4205,36 @@
           <a:p>
             <a:pPr lvl="0"/>
             <a:r>
-              <a:rPr lang="en-US" smtClean="0"/>
-              <a:t>Click to edit Master text styles</a:t>
+              <a:rPr lang="de-DE" smtClean="0"/>
+              <a:t>Textmasterformat bearbeiten</a:t>
             </a:r>
           </a:p>
           <a:p>
             <a:pPr lvl="1"/>
             <a:r>
-              <a:rPr lang="en-US" smtClean="0"/>
-              <a:t>Second level</a:t>
+              <a:rPr lang="de-DE" smtClean="0"/>
+              <a:t>Zweite Ebene</a:t>
             </a:r>
           </a:p>
           <a:p>
             <a:pPr lvl="2"/>
             <a:r>
-              <a:rPr lang="en-US" smtClean="0"/>
-              <a:t>Third level</a:t>
+              <a:rPr lang="de-DE" smtClean="0"/>
+              <a:t>Dritte Ebene</a:t>
             </a:r>
           </a:p>
           <a:p>
             <a:pPr lvl="3"/>
             <a:r>
-              <a:rPr lang="en-US" smtClean="0"/>
-              <a:t>Fourth level</a:t>
+              <a:rPr lang="de-DE" smtClean="0"/>
+              <a:t>Vierte Ebene</a:t>
             </a:r>
           </a:p>
           <a:p>
             <a:pPr lvl="4"/>
             <a:r>
-              <a:rPr lang="en-US" smtClean="0"/>
-              <a:t>Fifth level</a:t>
+              <a:rPr lang="de-DE" smtClean="0"/>
+              <a:t>Fünfte Ebene</a:t>
             </a:r>
             <a:endParaRPr lang="en-US" dirty="0"/>
           </a:p>
@@ -4294,8 +4301,8 @@
           <a:p>
             <a:pPr lvl="0"/>
             <a:r>
-              <a:rPr lang="en-US" smtClean="0"/>
-              <a:t>Click to edit Master text styles</a:t>
+              <a:rPr lang="de-DE" smtClean="0"/>
+              <a:t>Textmasterformat bearbeiten</a:t>
             </a:r>
           </a:p>
         </p:txBody>
@@ -4368,7 +4375,7 @@
     </p:spTree>
     <p:extLst>
       <p:ext uri="{BB962C8B-B14F-4D97-AF65-F5344CB8AC3E}">
-        <p14:creationId xmlns:p14="http://schemas.microsoft.com/office/powerpoint/2010/main" val="4067675895"/>
+        <p14:creationId xmlns:p14="http://schemas.microsoft.com/office/powerpoint/2010/main" val="2030153257"/>
       </p:ext>
     </p:extLst>
   </p:cSld>
@@ -4380,7 +4387,7 @@
 
 <file path=ppt/slideLayouts/slideLayout9.xml><?xml version="1.0" encoding="utf-8"?>
 <p:sldLayout xmlns:a="http://schemas.openxmlformats.org/drawingml/2006/main" xmlns:r="http://schemas.openxmlformats.org/officeDocument/2006/relationships" xmlns:p="http://schemas.openxmlformats.org/presentationml/2006/main" type="picTx" preserve="1">
-  <p:cSld name="Picture with Caption">
+  <p:cSld name="Bild mit Überschrift">
     <p:spTree>
       <p:nvGrpSpPr>
         <p:cNvPr id="1" name=""/>
@@ -4422,8 +4429,8 @@
           </a:lstStyle>
           <a:p>
             <a:r>
-              <a:rPr lang="en-US" smtClean="0"/>
-              <a:t>Click to edit Master title style</a:t>
+              <a:rPr lang="de-DE" smtClean="0"/>
+              <a:t>Titelmasterformat durch Klicken bearbeiten</a:t>
             </a:r>
             <a:endParaRPr lang="en-US" dirty="0"/>
           </a:p>
@@ -4489,8 +4496,8 @@
           </a:lstStyle>
           <a:p>
             <a:r>
-              <a:rPr lang="en-US" smtClean="0"/>
-              <a:t>Click icon to add picture</a:t>
+              <a:rPr lang="de-DE" smtClean="0"/>
+              <a:t>Bild durch Klicken auf Symbol hinzufügen</a:t>
             </a:r>
             <a:endParaRPr lang="en-US" dirty="0"/>
           </a:p>
@@ -4557,9 +4564,51 @@
           <a:p>
             <a:pPr lvl="0"/>
             <a:r>
-              <a:rPr lang="en-US" smtClean="0"/>
-              <a:t>Click to edit Master text styles</a:t>
-            </a:r>
+              <a:rPr lang="de-DE" smtClean="0"/>
+              <a:t>Textmasterformat bearbeiten</a:t>
+            </a:r>
+          </a:p>
+        </p:txBody>
+      </p:sp>
+      <p:sp>
+        <p:nvSpPr>
+          <p:cNvPr id="6" name="Footer Placeholder 5"/>
+          <p:cNvSpPr>
+            <a:spLocks noGrp="1"/>
+          </p:cNvSpPr>
+          <p:nvPr>
+            <p:ph type="ftr" sz="quarter" idx="11"/>
+          </p:nvPr>
+        </p:nvSpPr>
+        <p:spPr/>
+        <p:txBody>
+          <a:bodyPr/>
+          <a:lstStyle/>
+          <a:p>
+            <a:endParaRPr lang="et-EE"/>
+          </a:p>
+        </p:txBody>
+      </p:sp>
+      <p:sp>
+        <p:nvSpPr>
+          <p:cNvPr id="7" name="Slide Number Placeholder 6"/>
+          <p:cNvSpPr>
+            <a:spLocks noGrp="1"/>
+          </p:cNvSpPr>
+          <p:nvPr>
+            <p:ph type="sldNum" sz="quarter" idx="12"/>
+          </p:nvPr>
+        </p:nvSpPr>
+        <p:spPr/>
+        <p:txBody>
+          <a:bodyPr/>
+          <a:lstStyle/>
+          <a:p>
+            <a:fld id="{348CCCA5-816C-4E2B-9087-5AA4BDC9BCA4}" type="slidenum">
+              <a:rPr lang="et-EE" smtClean="0"/>
+              <a:t>‹Nr.›</a:t>
+            </a:fld>
+            <a:endParaRPr lang="et-EE"/>
           </a:p>
         </p:txBody>
       </p:sp>
@@ -4586,52 +4635,10 @@
           </a:p>
         </p:txBody>
       </p:sp>
-      <p:sp>
-        <p:nvSpPr>
-          <p:cNvPr id="6" name="Footer Placeholder 5"/>
-          <p:cNvSpPr>
-            <a:spLocks noGrp="1"/>
-          </p:cNvSpPr>
-          <p:nvPr>
-            <p:ph type="ftr" sz="quarter" idx="11"/>
-          </p:nvPr>
-        </p:nvSpPr>
-        <p:spPr/>
-        <p:txBody>
-          <a:bodyPr/>
-          <a:lstStyle/>
-          <a:p>
-            <a:endParaRPr lang="et-EE"/>
-          </a:p>
-        </p:txBody>
-      </p:sp>
-      <p:sp>
-        <p:nvSpPr>
-          <p:cNvPr id="7" name="Slide Number Placeholder 6"/>
-          <p:cNvSpPr>
-            <a:spLocks noGrp="1"/>
-          </p:cNvSpPr>
-          <p:nvPr>
-            <p:ph type="sldNum" sz="quarter" idx="12"/>
-          </p:nvPr>
-        </p:nvSpPr>
-        <p:spPr/>
-        <p:txBody>
-          <a:bodyPr/>
-          <a:lstStyle/>
-          <a:p>
-            <a:fld id="{348CCCA5-816C-4E2B-9087-5AA4BDC9BCA4}" type="slidenum">
-              <a:rPr lang="et-EE" smtClean="0"/>
-              <a:t>‹Nr.›</a:t>
-            </a:fld>
-            <a:endParaRPr lang="et-EE"/>
-          </a:p>
-        </p:txBody>
-      </p:sp>
     </p:spTree>
     <p:extLst>
       <p:ext uri="{BB962C8B-B14F-4D97-AF65-F5344CB8AC3E}">
-        <p14:creationId xmlns:p14="http://schemas.microsoft.com/office/powerpoint/2010/main" val="3195137122"/>
+        <p14:creationId xmlns:p14="http://schemas.microsoft.com/office/powerpoint/2010/main" val="2417477126"/>
       </p:ext>
     </p:extLst>
   </p:cSld>
@@ -4665,7 +4672,7 @@
       </p:grpSpPr>
       <p:grpSp>
         <p:nvGrpSpPr>
-          <p:cNvPr id="7" name="Group 6"/>
+          <p:cNvPr id="44" name="Group 43"/>
           <p:cNvGrpSpPr/>
           <p:nvPr/>
         </p:nvGrpSpPr>
@@ -4693,8 +4700,8 @@
             </a:prstGeom>
             <a:ln w="9525">
               <a:solidFill>
-                <a:schemeClr val="bg1">
-                  <a:lumMod val="75000"/>
+                <a:schemeClr val="accent1">
+                  <a:alpha val="70000"/>
                 </a:schemeClr>
               </a:solidFill>
             </a:ln>
@@ -4730,8 +4737,8 @@
             </a:prstGeom>
             <a:ln w="9525">
               <a:solidFill>
-                <a:schemeClr val="bg1">
-                  <a:lumMod val="85000"/>
+                <a:schemeClr val="accent1">
+                  <a:alpha val="70000"/>
                 </a:schemeClr>
               </a:solidFill>
             </a:ln>
@@ -4791,7 +4798,7 @@
             </a:custGeom>
             <a:solidFill>
               <a:schemeClr val="accent1">
-                <a:alpha val="30000"/>
+                <a:alpha val="36000"/>
               </a:schemeClr>
             </a:solidFill>
             <a:ln>
@@ -4894,8 +4901,9 @@
               </a:avLst>
             </a:prstGeom>
             <a:solidFill>
-              <a:schemeClr val="accent2">
-                <a:alpha val="72000"/>
+              <a:schemeClr val="accent1">
+                <a:lumMod val="75000"/>
+                <a:alpha val="66000"/>
               </a:schemeClr>
             </a:solidFill>
             <a:ln>
@@ -4957,9 +4965,9 @@
               </a:pathLst>
             </a:custGeom>
             <a:solidFill>
-              <a:schemeClr val="accent2">
+              <a:schemeClr val="accent1">
                 <a:lumMod val="75000"/>
-                <a:alpha val="70000"/>
+                <a:alpha val="50000"/>
               </a:schemeClr>
             </a:solidFill>
             <a:ln>
@@ -5021,9 +5029,7 @@
               </a:pathLst>
             </a:custGeom>
             <a:solidFill>
-              <a:schemeClr val="accent1">
-                <a:lumMod val="60000"/>
-                <a:lumOff val="40000"/>
+              <a:schemeClr val="accent2">
                 <a:alpha val="70000"/>
               </a:schemeClr>
             </a:solidFill>
@@ -5086,8 +5092,9 @@
               </a:pathLst>
             </a:custGeom>
             <a:solidFill>
-              <a:schemeClr val="accent1">
-                <a:alpha val="65000"/>
+              <a:schemeClr val="accent2">
+                <a:lumMod val="75000"/>
+                <a:alpha val="80000"/>
               </a:schemeClr>
             </a:solidFill>
             <a:ln>
@@ -5128,7 +5135,8 @@
             </a:prstGeom>
             <a:solidFill>
               <a:schemeClr val="accent1">
-                <a:alpha val="80000"/>
+                <a:lumMod val="75000"/>
+                <a:alpha val="66000"/>
               </a:schemeClr>
             </a:solidFill>
             <a:ln>
@@ -5153,7 +5161,7 @@
         </p:sp>
         <p:sp>
           <p:nvSpPr>
-            <p:cNvPr id="29" name="Isosceles Triangle 28"/>
+            <p:cNvPr id="19" name="Isosceles Triangle 18"/>
             <p:cNvSpPr/>
             <p:nvPr/>
           </p:nvSpPr>
@@ -5169,7 +5177,7 @@
             </a:prstGeom>
             <a:solidFill>
               <a:schemeClr val="accent1">
-                <a:alpha val="85000"/>
+                <a:alpha val="70000"/>
               </a:schemeClr>
             </a:solidFill>
             <a:ln>
@@ -5219,8 +5227,8 @@
           <a:lstStyle/>
           <a:p>
             <a:r>
-              <a:rPr lang="en-US" smtClean="0"/>
-              <a:t>Click to edit Master title style</a:t>
+              <a:rPr lang="de-DE" smtClean="0"/>
+              <a:t>Titelmasterformat durch Klicken bearbeiten</a:t>
             </a:r>
             <a:endParaRPr lang="en-US" dirty="0"/>
           </a:p>
@@ -5253,36 +5261,36 @@
           <a:p>
             <a:pPr lvl="0"/>
             <a:r>
-              <a:rPr lang="en-US" smtClean="0"/>
-              <a:t>Click to edit Master text styles</a:t>
+              <a:rPr lang="de-DE" smtClean="0"/>
+              <a:t>Textmasterformat bearbeiten</a:t>
             </a:r>
           </a:p>
           <a:p>
             <a:pPr lvl="1"/>
             <a:r>
-              <a:rPr lang="en-US" smtClean="0"/>
-              <a:t>Second level</a:t>
+              <a:rPr lang="de-DE" smtClean="0"/>
+              <a:t>Zweite Ebene</a:t>
             </a:r>
           </a:p>
           <a:p>
             <a:pPr lvl="2"/>
             <a:r>
-              <a:rPr lang="en-US" smtClean="0"/>
-              <a:t>Third level</a:t>
+              <a:rPr lang="de-DE" smtClean="0"/>
+              <a:t>Dritte Ebene</a:t>
             </a:r>
           </a:p>
           <a:p>
             <a:pPr lvl="3"/>
             <a:r>
-              <a:rPr lang="en-US" smtClean="0"/>
-              <a:t>Fourth level</a:t>
+              <a:rPr lang="de-DE" smtClean="0"/>
+              <a:t>Vierte Ebene</a:t>
             </a:r>
           </a:p>
           <a:p>
             <a:pPr lvl="4"/>
             <a:r>
-              <a:rPr lang="en-US" smtClean="0"/>
-              <a:t>Fifth level</a:t>
+              <a:rPr lang="de-DE" smtClean="0"/>
+              <a:t>Fünfte Ebene</a:t>
             </a:r>
             <a:endParaRPr lang="en-US" dirty="0"/>
           </a:p>
@@ -5408,28 +5416,28 @@
     </p:spTree>
     <p:extLst>
       <p:ext uri="{BB962C8B-B14F-4D97-AF65-F5344CB8AC3E}">
-        <p14:creationId xmlns:p14="http://schemas.microsoft.com/office/powerpoint/2010/main" val="611670136"/>
+        <p14:creationId xmlns:p14="http://schemas.microsoft.com/office/powerpoint/2010/main" val="2683340600"/>
       </p:ext>
     </p:extLst>
   </p:cSld>
   <p:clrMap bg1="lt1" tx1="dk1" bg2="lt2" tx2="dk2" accent1="accent1" accent2="accent2" accent3="accent3" accent4="accent4" accent5="accent5" accent6="accent6" hlink="hlink" folHlink="folHlink"/>
   <p:sldLayoutIdLst>
-    <p:sldLayoutId id="2147483661" r:id="rId1"/>
-    <p:sldLayoutId id="2147483662" r:id="rId2"/>
-    <p:sldLayoutId id="2147483663" r:id="rId3"/>
-    <p:sldLayoutId id="2147483664" r:id="rId4"/>
-    <p:sldLayoutId id="2147483665" r:id="rId5"/>
-    <p:sldLayoutId id="2147483666" r:id="rId6"/>
-    <p:sldLayoutId id="2147483667" r:id="rId7"/>
-    <p:sldLayoutId id="2147483668" r:id="rId8"/>
-    <p:sldLayoutId id="2147483669" r:id="rId9"/>
-    <p:sldLayoutId id="2147483670" r:id="rId10"/>
-    <p:sldLayoutId id="2147483671" r:id="rId11"/>
-    <p:sldLayoutId id="2147483672" r:id="rId12"/>
-    <p:sldLayoutId id="2147483673" r:id="rId13"/>
-    <p:sldLayoutId id="2147483674" r:id="rId14"/>
-    <p:sldLayoutId id="2147483675" r:id="rId15"/>
-    <p:sldLayoutId id="2147483676" r:id="rId16"/>
+    <p:sldLayoutId id="2147483729" r:id="rId1"/>
+    <p:sldLayoutId id="2147483730" r:id="rId2"/>
+    <p:sldLayoutId id="2147483731" r:id="rId3"/>
+    <p:sldLayoutId id="2147483732" r:id="rId4"/>
+    <p:sldLayoutId id="2147483733" r:id="rId5"/>
+    <p:sldLayoutId id="2147483734" r:id="rId6"/>
+    <p:sldLayoutId id="2147483735" r:id="rId7"/>
+    <p:sldLayoutId id="2147483736" r:id="rId8"/>
+    <p:sldLayoutId id="2147483737" r:id="rId9"/>
+    <p:sldLayoutId id="2147483738" r:id="rId10"/>
+    <p:sldLayoutId id="2147483739" r:id="rId11"/>
+    <p:sldLayoutId id="2147483740" r:id="rId12"/>
+    <p:sldLayoutId id="2147483741" r:id="rId13"/>
+    <p:sldLayoutId id="2147483742" r:id="rId14"/>
+    <p:sldLayoutId id="2147483743" r:id="rId15"/>
+    <p:sldLayoutId id="2147483744" r:id="rId16"/>
   </p:sldLayoutIdLst>
   <p:txStyles>
     <p:titleStyle>
@@ -5859,7 +5867,7 @@
         </p:nvSpPr>
         <p:spPr>
           <a:xfrm>
-            <a:off x="1315998" y="1940510"/>
+            <a:off x="1315998" y="797510"/>
             <a:ext cx="7766936" cy="1646302"/>
           </a:xfrm>
         </p:spPr>
@@ -5907,19 +5915,19 @@
         </p:nvSpPr>
         <p:spPr>
           <a:xfrm>
-            <a:off x="627466" y="4050836"/>
-            <a:ext cx="9144000" cy="2321090"/>
+            <a:off x="627466" y="2987899"/>
+            <a:ext cx="9144000" cy="3384027"/>
           </a:xfrm>
         </p:spPr>
         <p:txBody>
           <a:bodyPr>
-            <a:normAutofit fontScale="77500" lnSpcReduction="20000"/>
+            <a:normAutofit fontScale="85000" lnSpcReduction="20000"/>
           </a:bodyPr>
           <a:lstStyle/>
           <a:p>
             <a:pPr algn="ctr"/>
             <a:r>
-              <a:rPr lang="en-US" sz="3900" dirty="0" smtClean="0">
+              <a:rPr lang="en-US" sz="5700" dirty="0" smtClean="0">
                 <a:solidFill>
                   <a:schemeClr val="tx1"/>
                 </a:solidFill>
@@ -5932,7 +5940,7 @@
           <a:p>
             <a:pPr algn="ctr"/>
             <a:r>
-              <a:rPr lang="en-US" dirty="0" smtClean="0">
+              <a:rPr lang="en-US" sz="2900" dirty="0" smtClean="0">
                 <a:solidFill>
                   <a:schemeClr val="tx1"/>
                 </a:solidFill>
@@ -5942,7 +5950,7 @@
               <a:t>Adam </a:t>
             </a:r>
             <a:r>
-              <a:rPr lang="en-US" dirty="0" err="1" smtClean="0">
+              <a:rPr lang="en-US" sz="2900" dirty="0" err="1" smtClean="0">
                 <a:solidFill>
                   <a:schemeClr val="tx1"/>
                 </a:solidFill>
@@ -5951,7 +5959,7 @@
               </a:rPr>
               <a:t>Eljasiak</a:t>
             </a:r>
-            <a:endParaRPr lang="en-US" dirty="0" smtClean="0">
+            <a:endParaRPr lang="en-US" sz="2900" dirty="0" smtClean="0">
               <a:solidFill>
                 <a:schemeClr val="tx1"/>
               </a:solidFill>
@@ -5962,7 +5970,7 @@
           <a:p>
             <a:pPr algn="ctr"/>
             <a:r>
-              <a:rPr lang="en-US" dirty="0" smtClean="0">
+              <a:rPr lang="en-US" sz="2900" dirty="0" smtClean="0">
                 <a:solidFill>
                   <a:schemeClr val="tx1"/>
                 </a:solidFill>
@@ -5972,7 +5980,7 @@
               <a:t>Daniel </a:t>
             </a:r>
             <a:r>
-              <a:rPr lang="et-EE" dirty="0" smtClean="0">
+              <a:rPr lang="et-EE" sz="2900" dirty="0" smtClean="0">
                 <a:solidFill>
                   <a:schemeClr val="tx1"/>
                 </a:solidFill>
@@ -5982,7 +5990,7 @@
               <a:t>K</a:t>
             </a:r>
             <a:r>
-              <a:rPr lang="de-DE" dirty="0" err="1" smtClean="0">
+              <a:rPr lang="de-DE" sz="2900" dirty="0" err="1" smtClean="0">
                 <a:solidFill>
                   <a:schemeClr val="tx1"/>
                 </a:solidFill>
@@ -5992,7 +6000,7 @@
               <a:t>ae</a:t>
             </a:r>
             <a:r>
-              <a:rPr lang="et-EE" dirty="0" smtClean="0">
+              <a:rPr lang="et-EE" sz="2900" dirty="0" smtClean="0">
                 <a:solidFill>
                   <a:schemeClr val="tx1"/>
                 </a:solidFill>
@@ -6005,7 +6013,7 @@
           <a:p>
             <a:pPr algn="ctr"/>
             <a:r>
-              <a:rPr lang="et-EE" dirty="0" smtClean="0">
+              <a:rPr lang="et-EE" sz="2900" dirty="0" smtClean="0">
                 <a:solidFill>
                   <a:schemeClr val="tx1"/>
                 </a:solidFill>
@@ -6018,7 +6026,7 @@
           <a:p>
             <a:pPr algn="ctr"/>
             <a:r>
-              <a:rPr lang="et-EE" dirty="0" smtClean="0">
+              <a:rPr lang="et-EE" sz="2900" dirty="0" smtClean="0">
                 <a:solidFill>
                   <a:schemeClr val="tx1"/>
                 </a:solidFill>
@@ -6031,7 +6039,7 @@
           <a:p>
             <a:pPr algn="ctr"/>
             <a:r>
-              <a:rPr lang="et-EE" dirty="0" smtClean="0">
+              <a:rPr lang="et-EE" sz="2900" dirty="0" smtClean="0">
                 <a:solidFill>
                   <a:schemeClr val="tx1"/>
                 </a:solidFill>
@@ -6044,7 +6052,7 @@
           <a:p>
             <a:pPr algn="ctr"/>
             <a:r>
-              <a:rPr lang="et-EE" dirty="0" smtClean="0">
+              <a:rPr lang="et-EE" sz="2900" dirty="0" smtClean="0">
                 <a:solidFill>
                   <a:schemeClr val="tx1"/>
                 </a:solidFill>
@@ -6216,8 +6224,8 @@
         </p:blipFill>
         <p:spPr>
           <a:xfrm>
-            <a:off x="1973500" y="3978760"/>
-            <a:ext cx="6233354" cy="2673386"/>
+            <a:off x="1487420" y="4069724"/>
+            <a:ext cx="5793501" cy="2484740"/>
           </a:xfrm>
         </p:spPr>
       </p:pic>
@@ -6279,21 +6287,7 @@
                 <a:latin typeface="Arial" panose="020B0604020202020204" pitchFamily="34" charset="0"/>
                 <a:cs typeface="Arial" panose="020B0604020202020204" pitchFamily="34" charset="0"/>
               </a:rPr>
-              <a:t> solutions (change </a:t>
-            </a:r>
-            <a:r>
-              <a:rPr lang="en-US" sz="2000" dirty="0" smtClean="0">
-                <a:latin typeface="Arial" panose="020B0604020202020204" pitchFamily="34" charset="0"/>
-                <a:cs typeface="Arial" panose="020B0604020202020204" pitchFamily="34" charset="0"/>
-              </a:rPr>
-              <a:t>n random packages </a:t>
-            </a:r>
-            <a:r>
-              <a:rPr lang="en-US" sz="2000" dirty="0" smtClean="0">
-                <a:latin typeface="Arial" panose="020B0604020202020204" pitchFamily="34" charset="0"/>
-                <a:cs typeface="Arial" panose="020B0604020202020204" pitchFamily="34" charset="0"/>
-              </a:rPr>
-              <a:t>and fill the remaining empty space)</a:t>
+              <a:t> solutions (change n random packages and fill the remaining empty space)</a:t>
             </a:r>
           </a:p>
           <a:p>
@@ -6375,42 +6369,34 @@
             <p:ph type="title"/>
           </p:nvPr>
         </p:nvSpPr>
-        <p:spPr/>
+        <p:spPr>
+          <a:xfrm>
+            <a:off x="3024749" y="3011606"/>
+            <a:ext cx="8596668" cy="1320800"/>
+          </a:xfrm>
+        </p:spPr>
         <p:txBody>
           <a:bodyPr/>
           <a:lstStyle/>
           <a:p>
             <a:r>
-              <a:rPr lang="en-US" dirty="0" smtClean="0"/>
-              <a:t>Experiments and results</a:t>
-            </a:r>
-            <a:endParaRPr lang="et-EE" dirty="0"/>
-          </a:p>
-        </p:txBody>
-      </p:sp>
-      <p:sp>
-        <p:nvSpPr>
-          <p:cNvPr id="3" name="Content Placeholder 2"/>
-          <p:cNvSpPr>
-            <a:spLocks noGrp="1"/>
-          </p:cNvSpPr>
-          <p:nvPr>
-            <p:ph idx="1"/>
-          </p:nvPr>
-        </p:nvSpPr>
-        <p:spPr/>
-        <p:txBody>
-          <a:bodyPr/>
-          <a:lstStyle/>
-          <a:p>
-            <a:endParaRPr lang="et-EE" dirty="0"/>
+              <a:rPr lang="en-US" dirty="0" smtClean="0">
+                <a:latin typeface="Arial" panose="020B0604020202020204" pitchFamily="34" charset="0"/>
+                <a:cs typeface="Arial" panose="020B0604020202020204" pitchFamily="34" charset="0"/>
+              </a:rPr>
+              <a:t>GENETIC ALGORITHM</a:t>
+            </a:r>
+            <a:endParaRPr lang="et-EE" dirty="0">
+              <a:latin typeface="Arial" panose="020B0604020202020204" pitchFamily="34" charset="0"/>
+              <a:cs typeface="Arial" panose="020B0604020202020204" pitchFamily="34" charset="0"/>
+            </a:endParaRPr>
           </a:p>
         </p:txBody>
       </p:sp>
     </p:spTree>
     <p:extLst>
       <p:ext uri="{BB962C8B-B14F-4D97-AF65-F5344CB8AC3E}">
-        <p14:creationId xmlns:p14="http://schemas.microsoft.com/office/powerpoint/2010/main" val="3675406741"/>
+        <p14:creationId xmlns:p14="http://schemas.microsoft.com/office/powerpoint/2010/main" val="4268301284"/>
       </p:ext>
     </p:extLst>
   </p:cSld>
@@ -6454,12 +6440,7 @@
             <p:ph type="title"/>
           </p:nvPr>
         </p:nvSpPr>
-        <p:spPr>
-          <a:xfrm>
-            <a:off x="3024749" y="3011606"/>
-            <a:ext cx="8596668" cy="1320800"/>
-          </a:xfrm>
-        </p:spPr>
+        <p:spPr/>
         <p:txBody>
           <a:bodyPr/>
           <a:lstStyle/>
@@ -6469,7 +6450,7 @@
                 <a:latin typeface="Arial" panose="020B0604020202020204" pitchFamily="34" charset="0"/>
                 <a:cs typeface="Arial" panose="020B0604020202020204" pitchFamily="34" charset="0"/>
               </a:rPr>
-              <a:t>GENETIC ALGORITHM</a:t>
+              <a:t>Implementation</a:t>
             </a:r>
             <a:endParaRPr lang="et-EE" dirty="0">
               <a:latin typeface="Arial" panose="020B0604020202020204" pitchFamily="34" charset="0"/>
@@ -6478,10 +6459,137 @@
           </a:p>
         </p:txBody>
       </p:sp>
+      <p:sp>
+        <p:nvSpPr>
+          <p:cNvPr id="3" name="Content Placeholder 2"/>
+          <p:cNvSpPr>
+            <a:spLocks noGrp="1"/>
+          </p:cNvSpPr>
+          <p:nvPr>
+            <p:ph idx="1"/>
+          </p:nvPr>
+        </p:nvSpPr>
+        <p:spPr/>
+        <p:txBody>
+          <a:bodyPr>
+            <a:normAutofit/>
+          </a:bodyPr>
+          <a:lstStyle/>
+          <a:p>
+            <a:pPr>
+              <a:buClr>
+                <a:schemeClr val="tx1"/>
+              </a:buClr>
+              <a:buFont typeface="Arial" panose="020B0604020202020204" pitchFamily="34" charset="0"/>
+              <a:buChar char="•"/>
+            </a:pPr>
+            <a:r>
+              <a:rPr lang="en-US" sz="2400" dirty="0" smtClean="0">
+                <a:solidFill>
+                  <a:schemeClr val="tx1"/>
+                </a:solidFill>
+                <a:latin typeface="Arial" panose="020B0604020202020204" pitchFamily="34" charset="0"/>
+                <a:cs typeface="Arial" panose="020B0604020202020204" pitchFamily="34" charset="0"/>
+              </a:rPr>
+              <a:t>Chromosomes</a:t>
+            </a:r>
+            <a:r>
+              <a:rPr lang="en-US" sz="2400" dirty="0">
+                <a:solidFill>
+                  <a:schemeClr val="tx1"/>
+                </a:solidFill>
+                <a:latin typeface="Arial" panose="020B0604020202020204" pitchFamily="34" charset="0"/>
+                <a:cs typeface="Arial" panose="020B0604020202020204" pitchFamily="34" charset="0"/>
+              </a:rPr>
+              <a:t> (an array consisting of 0’s and 1’s</a:t>
+            </a:r>
+            <a:r>
+              <a:rPr lang="en-US" sz="2400" dirty="0" smtClean="0">
+                <a:solidFill>
+                  <a:schemeClr val="tx1"/>
+                </a:solidFill>
+                <a:latin typeface="Arial" panose="020B0604020202020204" pitchFamily="34" charset="0"/>
+                <a:cs typeface="Arial" panose="020B0604020202020204" pitchFamily="34" charset="0"/>
+              </a:rPr>
+              <a:t>)  of each individual are generated randomly for the initial population.</a:t>
+            </a:r>
+          </a:p>
+          <a:p>
+            <a:pPr>
+              <a:buClr>
+                <a:schemeClr val="tx1"/>
+              </a:buClr>
+              <a:buFont typeface="Arial" panose="020B0604020202020204" pitchFamily="34" charset="0"/>
+              <a:buChar char="•"/>
+            </a:pPr>
+            <a:r>
+              <a:rPr lang="en-US" sz="2400" dirty="0" smtClean="0">
+                <a:solidFill>
+                  <a:schemeClr val="tx1"/>
+                </a:solidFill>
+                <a:latin typeface="Arial" panose="020B0604020202020204" pitchFamily="34" charset="0"/>
+                <a:cs typeface="Arial" panose="020B0604020202020204" pitchFamily="34" charset="0"/>
+              </a:rPr>
+              <a:t>These “genes” decide if a certain package in a certain state is included in the solution.</a:t>
+            </a:r>
+          </a:p>
+          <a:p>
+            <a:pPr>
+              <a:buClr>
+                <a:schemeClr val="tx1"/>
+              </a:buClr>
+              <a:buFont typeface="Arial" panose="020B0604020202020204" pitchFamily="34" charset="0"/>
+              <a:buChar char="•"/>
+            </a:pPr>
+            <a:r>
+              <a:rPr lang="en-US" sz="2400" dirty="0" smtClean="0">
+                <a:solidFill>
+                  <a:schemeClr val="tx1"/>
+                </a:solidFill>
+                <a:latin typeface="Arial" panose="020B0604020202020204" pitchFamily="34" charset="0"/>
+                <a:cs typeface="Arial" panose="020B0604020202020204" pitchFamily="34" charset="0"/>
+              </a:rPr>
+              <a:t>The binary string is converted into a packing to evaluate the fitness of an individual</a:t>
+            </a:r>
+          </a:p>
+          <a:p>
+            <a:pPr>
+              <a:buClr>
+                <a:schemeClr val="tx1"/>
+              </a:buClr>
+              <a:buFont typeface="Arial" panose="020B0604020202020204" pitchFamily="34" charset="0"/>
+              <a:buChar char="•"/>
+            </a:pPr>
+            <a:endParaRPr lang="en-US" sz="2400" dirty="0" smtClean="0">
+              <a:solidFill>
+                <a:schemeClr val="tx1"/>
+              </a:solidFill>
+              <a:latin typeface="Arial" panose="020B0604020202020204" pitchFamily="34" charset="0"/>
+              <a:cs typeface="Arial" panose="020B0604020202020204" pitchFamily="34" charset="0"/>
+            </a:endParaRPr>
+          </a:p>
+          <a:p>
+            <a:pPr>
+              <a:buClr>
+                <a:schemeClr val="tx1"/>
+              </a:buClr>
+              <a:buFont typeface="Arial" panose="020B0604020202020204" pitchFamily="34" charset="0"/>
+              <a:buChar char="•"/>
+            </a:pPr>
+            <a:endParaRPr lang="et-EE" sz="2400" dirty="0">
+              <a:solidFill>
+                <a:schemeClr val="tx1"/>
+              </a:solidFill>
+              <a:latin typeface="Arial" panose="020B0604020202020204" pitchFamily="34" charset="0"/>
+              <a:cs typeface="Arial" panose="020B0604020202020204" pitchFamily="34" charset="0"/>
+            </a:endParaRPr>
+          </a:p>
+        </p:txBody>
+      </p:sp>
     </p:spTree>
     <p:extLst>
       <p:ext uri="{BB962C8B-B14F-4D97-AF65-F5344CB8AC3E}">
-        <p14:creationId xmlns:p14="http://schemas.microsoft.com/office/powerpoint/2010/main" val="4268301284"/>
+        <p14:creationId xmlns:p14="http://schemas.microsoft.com/office/powerpoint/2010/main" val="614935636"/>
       </p:ext>
     </p:extLst>
   </p:cSld>
@@ -6535,7 +6643,7 @@
                 <a:latin typeface="Arial" panose="020B0604020202020204" pitchFamily="34" charset="0"/>
                 <a:cs typeface="Arial" panose="020B0604020202020204" pitchFamily="34" charset="0"/>
               </a:rPr>
-              <a:t>Implementation</a:t>
+              <a:t>Comparison between algorithms</a:t>
             </a:r>
             <a:endParaRPr lang="et-EE" dirty="0">
               <a:latin typeface="Arial" panose="020B0604020202020204" pitchFamily="34" charset="0"/>
@@ -6562,9 +6670,7 @@
           <a:lstStyle/>
           <a:p>
             <a:pPr>
-              <a:buClr>
-                <a:schemeClr val="tx1"/>
-              </a:buClr>
+              <a:buClrTx/>
               <a:buFont typeface="Arial" panose="020B0604020202020204" pitchFamily="34" charset="0"/>
               <a:buChar char="•"/>
             </a:pPr>
@@ -6576,34 +6682,12 @@
                 <a:latin typeface="Arial" panose="020B0604020202020204" pitchFamily="34" charset="0"/>
                 <a:cs typeface="Arial" panose="020B0604020202020204" pitchFamily="34" charset="0"/>
               </a:rPr>
-              <a:t>Chromosomes</a:t>
-            </a:r>
-            <a:r>
-              <a:rPr lang="en-US" sz="2400" dirty="0">
-                <a:solidFill>
-                  <a:schemeClr val="tx1"/>
-                </a:solidFill>
-                <a:latin typeface="Arial" panose="020B0604020202020204" pitchFamily="34" charset="0"/>
-                <a:cs typeface="Arial" panose="020B0604020202020204" pitchFamily="34" charset="0"/>
-              </a:rPr>
-              <a:t> (an array consisting of 0’s and 1’s</a:t>
-            </a:r>
-            <a:r>
-              <a:rPr lang="en-US" sz="2400" dirty="0" smtClean="0">
-                <a:solidFill>
-                  <a:schemeClr val="tx1"/>
-                </a:solidFill>
-                <a:latin typeface="Arial" panose="020B0604020202020204" pitchFamily="34" charset="0"/>
-                <a:cs typeface="Arial" panose="020B0604020202020204" pitchFamily="34" charset="0"/>
-              </a:rPr>
-              <a:t>)  of each individual are generated randomly for the initial population.</a:t>
+              <a:t>Greedy algorithm is the fastest but does not perform as well as other algorithms </a:t>
             </a:r>
           </a:p>
           <a:p>
             <a:pPr>
-              <a:buClr>
-                <a:schemeClr val="tx1"/>
-              </a:buClr>
+              <a:buClrTx/>
               <a:buFont typeface="Arial" panose="020B0604020202020204" pitchFamily="34" charset="0"/>
               <a:buChar char="•"/>
             </a:pPr>
@@ -6615,14 +6699,12 @@
                 <a:latin typeface="Arial" panose="020B0604020202020204" pitchFamily="34" charset="0"/>
                 <a:cs typeface="Arial" panose="020B0604020202020204" pitchFamily="34" charset="0"/>
               </a:rPr>
-              <a:t>These “genes” decide if a certain package in a certain state is included in the solution.</a:t>
+              <a:t>Hill climbing algorithm might get stuck</a:t>
             </a:r>
           </a:p>
           <a:p>
             <a:pPr>
-              <a:buClr>
-                <a:schemeClr val="tx1"/>
-              </a:buClr>
+              <a:buClrTx/>
               <a:buFont typeface="Arial" panose="020B0604020202020204" pitchFamily="34" charset="0"/>
               <a:buChar char="•"/>
             </a:pPr>
@@ -6634,33 +6716,8 @@
                 <a:latin typeface="Arial" panose="020B0604020202020204" pitchFamily="34" charset="0"/>
                 <a:cs typeface="Arial" panose="020B0604020202020204" pitchFamily="34" charset="0"/>
               </a:rPr>
-              <a:t>The binary string is converted into a packing to evaluate the fitness of an individual</a:t>
-            </a:r>
-          </a:p>
-          <a:p>
-            <a:pPr>
-              <a:buClr>
-                <a:schemeClr val="tx1"/>
-              </a:buClr>
-              <a:buFont typeface="Arial" panose="020B0604020202020204" pitchFamily="34" charset="0"/>
-              <a:buChar char="•"/>
-            </a:pPr>
-            <a:endParaRPr lang="en-US" sz="2400" dirty="0" smtClean="0">
-              <a:solidFill>
-                <a:schemeClr val="tx1"/>
-              </a:solidFill>
-              <a:latin typeface="Arial" panose="020B0604020202020204" pitchFamily="34" charset="0"/>
-              <a:cs typeface="Arial" panose="020B0604020202020204" pitchFamily="34" charset="0"/>
-            </a:endParaRPr>
-          </a:p>
-          <a:p>
-            <a:pPr>
-              <a:buClr>
-                <a:schemeClr val="tx1"/>
-              </a:buClr>
-              <a:buFont typeface="Arial" panose="020B0604020202020204" pitchFamily="34" charset="0"/>
-              <a:buChar char="•"/>
-            </a:pPr>
+              <a:t>Genetic algorithm is time consuming and has a lot of parameters that need to be taken into account (difficult to implement) but it is the most likely to find the optimal solution.</a:t>
+            </a:r>
             <a:endParaRPr lang="et-EE" sz="2400" dirty="0">
               <a:solidFill>
                 <a:schemeClr val="tx1"/>
@@ -6674,7 +6731,7 @@
     </p:spTree>
     <p:extLst>
       <p:ext uri="{BB962C8B-B14F-4D97-AF65-F5344CB8AC3E}">
-        <p14:creationId xmlns:p14="http://schemas.microsoft.com/office/powerpoint/2010/main" val="614935636"/>
+        <p14:creationId xmlns:p14="http://schemas.microsoft.com/office/powerpoint/2010/main" val="1840586329"/>
       </p:ext>
     </p:extLst>
   </p:cSld>
@@ -6718,48 +6775,28 @@
             <p:ph type="title"/>
           </p:nvPr>
         </p:nvSpPr>
-        <p:spPr/>
+        <p:spPr>
+          <a:xfrm>
+            <a:off x="3229466" y="2997958"/>
+            <a:ext cx="8596668" cy="1320800"/>
+          </a:xfrm>
+        </p:spPr>
         <p:txBody>
           <a:bodyPr/>
           <a:lstStyle/>
           <a:p>
             <a:r>
-              <a:rPr lang="en-US" dirty="0" smtClean="0">
-                <a:latin typeface="Arial" panose="020B0604020202020204" pitchFamily="34" charset="0"/>
-                <a:cs typeface="Arial" panose="020B0604020202020204" pitchFamily="34" charset="0"/>
-              </a:rPr>
-              <a:t>Experiments and results</a:t>
-            </a:r>
-            <a:endParaRPr lang="et-EE" dirty="0">
-              <a:latin typeface="Arial" panose="020B0604020202020204" pitchFamily="34" charset="0"/>
-              <a:cs typeface="Arial" panose="020B0604020202020204" pitchFamily="34" charset="0"/>
-            </a:endParaRPr>
-          </a:p>
-        </p:txBody>
-      </p:sp>
-      <p:sp>
-        <p:nvSpPr>
-          <p:cNvPr id="3" name="Content Placeholder 2"/>
-          <p:cNvSpPr>
-            <a:spLocks noGrp="1"/>
-          </p:cNvSpPr>
-          <p:nvPr>
-            <p:ph idx="1"/>
-          </p:nvPr>
-        </p:nvSpPr>
-        <p:spPr/>
-        <p:txBody>
-          <a:bodyPr/>
-          <a:lstStyle/>
-          <a:p>
-            <a:endParaRPr lang="et-EE"/>
+              <a:rPr lang="en-US" dirty="0" smtClean="0"/>
+              <a:t>ASSIGNMENT RESULTS</a:t>
+            </a:r>
+            <a:endParaRPr lang="et-EE" dirty="0"/>
           </a:p>
         </p:txBody>
       </p:sp>
     </p:spTree>
     <p:extLst>
       <p:ext uri="{BB962C8B-B14F-4D97-AF65-F5344CB8AC3E}">
-        <p14:creationId xmlns:p14="http://schemas.microsoft.com/office/powerpoint/2010/main" val="2405103384"/>
+        <p14:creationId xmlns:p14="http://schemas.microsoft.com/office/powerpoint/2010/main" val="3788528713"/>
       </p:ext>
     </p:extLst>
   </p:cSld>
@@ -6813,7 +6850,7 @@
                 <a:latin typeface="Arial" panose="020B0604020202020204" pitchFamily="34" charset="0"/>
                 <a:cs typeface="Arial" panose="020B0604020202020204" pitchFamily="34" charset="0"/>
               </a:rPr>
-              <a:t>Comparison between algorithms</a:t>
+              <a:t>Using rectangular packages</a:t>
             </a:r>
             <a:endParaRPr lang="et-EE" dirty="0">
               <a:latin typeface="Arial" panose="020B0604020202020204" pitchFamily="34" charset="0"/>
@@ -6840,78 +6877,61 @@
           <a:lstStyle/>
           <a:p>
             <a:pPr>
-              <a:buClrTx/>
+              <a:buClr>
+                <a:schemeClr val="tx1"/>
+              </a:buClr>
               <a:buFont typeface="Arial" panose="020B0604020202020204" pitchFamily="34" charset="0"/>
               <a:buChar char="•"/>
             </a:pPr>
             <a:r>
-              <a:rPr lang="en-US" sz="2400" dirty="0" smtClean="0">
+              <a:rPr lang="en-US" sz="2800" dirty="0">
                 <a:solidFill>
                   <a:schemeClr val="tx1"/>
                 </a:solidFill>
                 <a:latin typeface="Arial" panose="020B0604020202020204" pitchFamily="34" charset="0"/>
                 <a:cs typeface="Arial" panose="020B0604020202020204" pitchFamily="34" charset="0"/>
               </a:rPr>
-              <a:t>Greedy algorithm is the fastest but does not perform as well as other algorithms </a:t>
+              <a:t>N</a:t>
+            </a:r>
+            <a:r>
+              <a:rPr lang="en-US" sz="2800" dirty="0" smtClean="0">
+                <a:solidFill>
+                  <a:schemeClr val="tx1"/>
+                </a:solidFill>
+                <a:latin typeface="Arial" panose="020B0604020202020204" pitchFamily="34" charset="0"/>
+                <a:cs typeface="Arial" panose="020B0604020202020204" pitchFamily="34" charset="0"/>
+              </a:rPr>
+              <a:t>o solution to filling the entire cargo space with A,B and/or C packages has been found yet.</a:t>
             </a:r>
           </a:p>
           <a:p>
             <a:pPr>
-              <a:buClrTx/>
+              <a:buClr>
+                <a:schemeClr val="tx1"/>
+              </a:buClr>
               <a:buFont typeface="Arial" panose="020B0604020202020204" pitchFamily="34" charset="0"/>
               <a:buChar char="•"/>
             </a:pPr>
             <a:r>
-              <a:rPr lang="en-US" sz="2400" dirty="0" smtClean="0">
+              <a:rPr lang="en-US" sz="2800" dirty="0" smtClean="0">
                 <a:solidFill>
                   <a:schemeClr val="tx1"/>
                 </a:solidFill>
                 <a:latin typeface="Arial" panose="020B0604020202020204" pitchFamily="34" charset="0"/>
                 <a:cs typeface="Arial" panose="020B0604020202020204" pitchFamily="34" charset="0"/>
               </a:rPr>
-              <a:t>Hill climbing algorithm might get stuck</a:t>
-            </a:r>
-          </a:p>
-          <a:p>
-            <a:pPr>
-              <a:buClrTx/>
-              <a:buFont typeface="Arial" panose="020B0604020202020204" pitchFamily="34" charset="0"/>
-              <a:buChar char="•"/>
-            </a:pPr>
-            <a:r>
-              <a:rPr lang="en-US" sz="2400" dirty="0" smtClean="0">
-                <a:solidFill>
-                  <a:schemeClr val="tx1"/>
-                </a:solidFill>
-                <a:latin typeface="Arial" panose="020B0604020202020204" pitchFamily="34" charset="0"/>
-                <a:cs typeface="Arial" panose="020B0604020202020204" pitchFamily="34" charset="0"/>
-              </a:rPr>
-              <a:t>Genetic algorithm is time consuming and has a lot of parameters that need to be taken into account (difficult to implement) but it is the most likely to find the optimal solution</a:t>
-            </a:r>
-            <a:r>
-              <a:rPr lang="en-US" sz="2400" dirty="0" smtClean="0">
-                <a:solidFill>
-                  <a:schemeClr val="tx1"/>
-                </a:solidFill>
-                <a:latin typeface="Arial" panose="020B0604020202020204" pitchFamily="34" charset="0"/>
-                <a:cs typeface="Arial" panose="020B0604020202020204" pitchFamily="34" charset="0"/>
-              </a:rPr>
-              <a:t>.</a:t>
-            </a:r>
-            <a:endParaRPr lang="et-EE" sz="2400" dirty="0">
-              <a:solidFill>
-                <a:schemeClr val="tx1"/>
-              </a:solidFill>
-              <a:latin typeface="Arial" panose="020B0604020202020204" pitchFamily="34" charset="0"/>
-              <a:cs typeface="Arial" panose="020B0604020202020204" pitchFamily="34" charset="0"/>
-            </a:endParaRPr>
+              <a:t>Best result found so far for maximizing a single packing: 324</a:t>
+            </a:r>
+          </a:p>
+          <a:p>
+            <a:endParaRPr lang="et-EE" sz="2800" dirty="0"/>
           </a:p>
         </p:txBody>
       </p:sp>
     </p:spTree>
     <p:extLst>
       <p:ext uri="{BB962C8B-B14F-4D97-AF65-F5344CB8AC3E}">
-        <p14:creationId xmlns:p14="http://schemas.microsoft.com/office/powerpoint/2010/main" val="1840586329"/>
+        <p14:creationId xmlns:p14="http://schemas.microsoft.com/office/powerpoint/2010/main" val="2928455462"/>
       </p:ext>
     </p:extLst>
   </p:cSld>
@@ -6955,71 +6975,6 @@
             <p:ph type="title"/>
           </p:nvPr>
         </p:nvSpPr>
-        <p:spPr>
-          <a:xfrm>
-            <a:off x="3229466" y="2997958"/>
-            <a:ext cx="8596668" cy="1320800"/>
-          </a:xfrm>
-        </p:spPr>
-        <p:txBody>
-          <a:bodyPr/>
-          <a:lstStyle/>
-          <a:p>
-            <a:r>
-              <a:rPr lang="en-US" dirty="0" smtClean="0"/>
-              <a:t>ASSIGNMENT RESULTS</a:t>
-            </a:r>
-            <a:endParaRPr lang="et-EE" dirty="0"/>
-          </a:p>
-        </p:txBody>
-      </p:sp>
-    </p:spTree>
-    <p:extLst>
-      <p:ext uri="{BB962C8B-B14F-4D97-AF65-F5344CB8AC3E}">
-        <p14:creationId xmlns:p14="http://schemas.microsoft.com/office/powerpoint/2010/main" val="3788528713"/>
-      </p:ext>
-    </p:extLst>
-  </p:cSld>
-  <p:clrMapOvr>
-    <a:masterClrMapping/>
-  </p:clrMapOvr>
-  <p:timing>
-    <p:tnLst>
-      <p:par>
-        <p:cTn id="1" dur="indefinite" restart="never" nodeType="tmRoot"/>
-      </p:par>
-    </p:tnLst>
-  </p:timing>
-</p:sld>
-</file>
-
-<file path=ppt/slides/slide18.xml><?xml version="1.0" encoding="utf-8"?>
-<p:sld xmlns:a="http://schemas.openxmlformats.org/drawingml/2006/main" xmlns:r="http://schemas.openxmlformats.org/officeDocument/2006/relationships" xmlns:p="http://schemas.openxmlformats.org/presentationml/2006/main">
-  <p:cSld>
-    <p:spTree>
-      <p:nvGrpSpPr>
-        <p:cNvPr id="1" name=""/>
-        <p:cNvGrpSpPr/>
-        <p:nvPr/>
-      </p:nvGrpSpPr>
-      <p:grpSpPr>
-        <a:xfrm>
-          <a:off x="0" y="0"/>
-          <a:ext cx="0" cy="0"/>
-          <a:chOff x="0" y="0"/>
-          <a:chExt cx="0" cy="0"/>
-        </a:xfrm>
-      </p:grpSpPr>
-      <p:sp>
-        <p:nvSpPr>
-          <p:cNvPr id="2" name="Title 1"/>
-          <p:cNvSpPr>
-            <a:spLocks noGrp="1"/>
-          </p:cNvSpPr>
-          <p:nvPr>
-            <p:ph type="title"/>
-          </p:nvPr>
-        </p:nvSpPr>
         <p:spPr/>
         <p:txBody>
           <a:bodyPr/>
@@ -7030,7 +6985,21 @@
                 <a:latin typeface="Arial" panose="020B0604020202020204" pitchFamily="34" charset="0"/>
                 <a:cs typeface="Arial" panose="020B0604020202020204" pitchFamily="34" charset="0"/>
               </a:rPr>
-              <a:t>Using rectangular packages</a:t>
+              <a:t>Using </a:t>
+            </a:r>
+            <a:r>
+              <a:rPr lang="en-US" dirty="0" err="1" smtClean="0">
+                <a:latin typeface="Arial" panose="020B0604020202020204" pitchFamily="34" charset="0"/>
+                <a:cs typeface="Arial" panose="020B0604020202020204" pitchFamily="34" charset="0"/>
+              </a:rPr>
+              <a:t>pentomino</a:t>
+            </a:r>
+            <a:r>
+              <a:rPr lang="en-US" dirty="0" smtClean="0">
+                <a:latin typeface="Arial" panose="020B0604020202020204" pitchFamily="34" charset="0"/>
+                <a:cs typeface="Arial" panose="020B0604020202020204" pitchFamily="34" charset="0"/>
+              </a:rPr>
+              <a:t>-shaped packages</a:t>
             </a:r>
             <a:endParaRPr lang="et-EE" dirty="0">
               <a:latin typeface="Arial" panose="020B0604020202020204" pitchFamily="34" charset="0"/>
@@ -7064,25 +7033,63 @@
               <a:buChar char="•"/>
             </a:pPr>
             <a:r>
-              <a:rPr lang="en-US" sz="2800" dirty="0">
+              <a:rPr lang="en-US" sz="2000" dirty="0" smtClean="0">
                 <a:solidFill>
                   <a:schemeClr val="tx1"/>
                 </a:solidFill>
                 <a:latin typeface="Arial" panose="020B0604020202020204" pitchFamily="34" charset="0"/>
                 <a:cs typeface="Arial" panose="020B0604020202020204" pitchFamily="34" charset="0"/>
               </a:rPr>
-              <a:t>N</a:t>
-            </a:r>
-            <a:r>
-              <a:rPr lang="en-US" sz="2800" dirty="0" smtClean="0">
-                <a:solidFill>
-                  <a:schemeClr val="tx1"/>
-                </a:solidFill>
-                <a:latin typeface="Arial" panose="020B0604020202020204" pitchFamily="34" charset="0"/>
-                <a:cs typeface="Arial" panose="020B0604020202020204" pitchFamily="34" charset="0"/>
-              </a:rPr>
-              <a:t>o solution to filling the entire cargo space with A,B and/or C packages has been found yet.</a:t>
-            </a:r>
+              <a:t>It is possible to fill the entire cargo space with L,P and/or T packages.</a:t>
+            </a:r>
+          </a:p>
+          <a:p>
+            <a:endParaRPr lang="en-US" sz="2000" dirty="0" smtClean="0">
+              <a:latin typeface="Arial" panose="020B0604020202020204" pitchFamily="34" charset="0"/>
+              <a:cs typeface="Arial" panose="020B0604020202020204" pitchFamily="34" charset="0"/>
+            </a:endParaRPr>
+          </a:p>
+          <a:p>
+            <a:endParaRPr lang="en-US" sz="2000" dirty="0">
+              <a:latin typeface="Arial" panose="020B0604020202020204" pitchFamily="34" charset="0"/>
+              <a:cs typeface="Arial" panose="020B0604020202020204" pitchFamily="34" charset="0"/>
+            </a:endParaRPr>
+          </a:p>
+          <a:p>
+            <a:endParaRPr lang="en-US" sz="2000" dirty="0" smtClean="0">
+              <a:latin typeface="Arial" panose="020B0604020202020204" pitchFamily="34" charset="0"/>
+              <a:cs typeface="Arial" panose="020B0604020202020204" pitchFamily="34" charset="0"/>
+            </a:endParaRPr>
+          </a:p>
+          <a:p>
+            <a:endParaRPr lang="en-US" sz="2000" dirty="0">
+              <a:latin typeface="Arial" panose="020B0604020202020204" pitchFamily="34" charset="0"/>
+              <a:cs typeface="Arial" panose="020B0604020202020204" pitchFamily="34" charset="0"/>
+            </a:endParaRPr>
+          </a:p>
+          <a:p>
+            <a:endParaRPr lang="en-US" sz="2000" dirty="0" smtClean="0">
+              <a:latin typeface="Arial" panose="020B0604020202020204" pitchFamily="34" charset="0"/>
+              <a:cs typeface="Arial" panose="020B0604020202020204" pitchFamily="34" charset="0"/>
+            </a:endParaRPr>
+          </a:p>
+          <a:p>
+            <a:pPr marL="0" indent="0">
+              <a:buNone/>
+            </a:pPr>
+            <a:endParaRPr lang="en-US" sz="2000" dirty="0" smtClean="0">
+              <a:latin typeface="Arial" panose="020B0604020202020204" pitchFamily="34" charset="0"/>
+              <a:cs typeface="Arial" panose="020B0604020202020204" pitchFamily="34" charset="0"/>
+            </a:endParaRPr>
+          </a:p>
+          <a:p>
+            <a:pPr marL="0" indent="0">
+              <a:buNone/>
+            </a:pPr>
+            <a:endParaRPr lang="en-US" sz="2000" dirty="0">
+              <a:latin typeface="Arial" panose="020B0604020202020204" pitchFamily="34" charset="0"/>
+              <a:cs typeface="Arial" panose="020B0604020202020204" pitchFamily="34" charset="0"/>
+            </a:endParaRPr>
           </a:p>
           <a:p>
             <a:pPr>
@@ -7093,221 +7100,24 @@
               <a:buChar char="•"/>
             </a:pPr>
             <a:r>
-              <a:rPr lang="en-US" sz="2800" dirty="0" smtClean="0">
+              <a:rPr lang="en-US" sz="2000" dirty="0" smtClean="0">
                 <a:solidFill>
                   <a:schemeClr val="tx1"/>
                 </a:solidFill>
                 <a:latin typeface="Arial" panose="020B0604020202020204" pitchFamily="34" charset="0"/>
                 <a:cs typeface="Arial" panose="020B0604020202020204" pitchFamily="34" charset="0"/>
               </a:rPr>
-              <a:t>Best result found so far for maximizing a single packing: 324</a:t>
-            </a:r>
-          </a:p>
-          <a:p>
-            <a:endParaRPr lang="et-EE" sz="2800" dirty="0"/>
-          </a:p>
-        </p:txBody>
-      </p:sp>
-    </p:spTree>
-    <p:extLst>
-      <p:ext uri="{BB962C8B-B14F-4D97-AF65-F5344CB8AC3E}">
-        <p14:creationId xmlns:p14="http://schemas.microsoft.com/office/powerpoint/2010/main" val="2928455462"/>
-      </p:ext>
-    </p:extLst>
-  </p:cSld>
-  <p:clrMapOvr>
-    <a:masterClrMapping/>
-  </p:clrMapOvr>
-  <p:timing>
-    <p:tnLst>
-      <p:par>
-        <p:cTn id="1" dur="indefinite" restart="never" nodeType="tmRoot"/>
-      </p:par>
-    </p:tnLst>
-  </p:timing>
-</p:sld>
-</file>
-
-<file path=ppt/slides/slide19.xml><?xml version="1.0" encoding="utf-8"?>
-<p:sld xmlns:a="http://schemas.openxmlformats.org/drawingml/2006/main" xmlns:r="http://schemas.openxmlformats.org/officeDocument/2006/relationships" xmlns:p="http://schemas.openxmlformats.org/presentationml/2006/main">
-  <p:cSld>
-    <p:spTree>
-      <p:nvGrpSpPr>
-        <p:cNvPr id="1" name=""/>
-        <p:cNvGrpSpPr/>
-        <p:nvPr/>
-      </p:nvGrpSpPr>
-      <p:grpSpPr>
-        <a:xfrm>
-          <a:off x="0" y="0"/>
-          <a:ext cx="0" cy="0"/>
-          <a:chOff x="0" y="0"/>
-          <a:chExt cx="0" cy="0"/>
-        </a:xfrm>
-      </p:grpSpPr>
-      <p:sp>
-        <p:nvSpPr>
-          <p:cNvPr id="2" name="Title 1"/>
-          <p:cNvSpPr>
-            <a:spLocks noGrp="1"/>
-          </p:cNvSpPr>
-          <p:nvPr>
-            <p:ph type="title"/>
-          </p:nvPr>
-        </p:nvSpPr>
-        <p:spPr/>
-        <p:txBody>
-          <a:bodyPr/>
-          <a:lstStyle/>
-          <a:p>
-            <a:r>
-              <a:rPr lang="en-US" dirty="0" smtClean="0">
+              <a:t>Best result found so far for maximizing a single packing: </a:t>
+            </a:r>
+            <a:r>
+              <a:rPr lang="en-US" sz="2000" b="1" dirty="0" smtClean="0">
+                <a:solidFill>
+                  <a:schemeClr val="tx1"/>
+                </a:solidFill>
                 <a:latin typeface="Arial" panose="020B0604020202020204" pitchFamily="34" charset="0"/>
                 <a:cs typeface="Arial" panose="020B0604020202020204" pitchFamily="34" charset="0"/>
               </a:rPr>
-              <a:t>Using </a:t>
-            </a:r>
-            <a:r>
-              <a:rPr lang="en-US" dirty="0" err="1" smtClean="0">
-                <a:latin typeface="Arial" panose="020B0604020202020204" pitchFamily="34" charset="0"/>
-                <a:cs typeface="Arial" panose="020B0604020202020204" pitchFamily="34" charset="0"/>
-              </a:rPr>
-              <a:t>pentomino</a:t>
-            </a:r>
-            <a:r>
-              <a:rPr lang="en-US" dirty="0" smtClean="0">
-                <a:latin typeface="Arial" panose="020B0604020202020204" pitchFamily="34" charset="0"/>
-                <a:cs typeface="Arial" panose="020B0604020202020204" pitchFamily="34" charset="0"/>
-              </a:rPr>
-              <a:t>-shaped packages</a:t>
-            </a:r>
-            <a:endParaRPr lang="et-EE" dirty="0">
-              <a:latin typeface="Arial" panose="020B0604020202020204" pitchFamily="34" charset="0"/>
-              <a:cs typeface="Arial" panose="020B0604020202020204" pitchFamily="34" charset="0"/>
-            </a:endParaRPr>
-          </a:p>
-        </p:txBody>
-      </p:sp>
-      <p:sp>
-        <p:nvSpPr>
-          <p:cNvPr id="3" name="Content Placeholder 2"/>
-          <p:cNvSpPr>
-            <a:spLocks noGrp="1"/>
-          </p:cNvSpPr>
-          <p:nvPr>
-            <p:ph idx="1"/>
-          </p:nvPr>
-        </p:nvSpPr>
-        <p:spPr/>
-        <p:txBody>
-          <a:bodyPr>
-            <a:normAutofit/>
-          </a:bodyPr>
-          <a:lstStyle/>
-          <a:p>
-            <a:pPr>
-              <a:buClr>
-                <a:schemeClr val="tx1"/>
-              </a:buClr>
-              <a:buFont typeface="Arial" panose="020B0604020202020204" pitchFamily="34" charset="0"/>
-              <a:buChar char="•"/>
-            </a:pPr>
-            <a:r>
-              <a:rPr lang="en-US" sz="2000" dirty="0" smtClean="0">
-                <a:solidFill>
-                  <a:schemeClr val="tx1"/>
-                </a:solidFill>
-                <a:latin typeface="Arial" panose="020B0604020202020204" pitchFamily="34" charset="0"/>
-                <a:cs typeface="Arial" panose="020B0604020202020204" pitchFamily="34" charset="0"/>
-              </a:rPr>
-              <a:t>It is possible to fill the entire cargo space with L,P and/or T packages.</a:t>
-            </a:r>
-          </a:p>
-          <a:p>
-            <a:endParaRPr lang="en-US" sz="2000" dirty="0" smtClean="0">
-              <a:latin typeface="Arial" panose="020B0604020202020204" pitchFamily="34" charset="0"/>
-              <a:cs typeface="Arial" panose="020B0604020202020204" pitchFamily="34" charset="0"/>
-            </a:endParaRPr>
-          </a:p>
-          <a:p>
-            <a:endParaRPr lang="en-US" sz="2000" dirty="0">
-              <a:latin typeface="Arial" panose="020B0604020202020204" pitchFamily="34" charset="0"/>
-              <a:cs typeface="Arial" panose="020B0604020202020204" pitchFamily="34" charset="0"/>
-            </a:endParaRPr>
-          </a:p>
-          <a:p>
-            <a:endParaRPr lang="en-US" sz="2000" dirty="0" smtClean="0">
-              <a:latin typeface="Arial" panose="020B0604020202020204" pitchFamily="34" charset="0"/>
-              <a:cs typeface="Arial" panose="020B0604020202020204" pitchFamily="34" charset="0"/>
-            </a:endParaRPr>
-          </a:p>
-          <a:p>
-            <a:endParaRPr lang="en-US" sz="2000" dirty="0">
-              <a:latin typeface="Arial" panose="020B0604020202020204" pitchFamily="34" charset="0"/>
-              <a:cs typeface="Arial" panose="020B0604020202020204" pitchFamily="34" charset="0"/>
-            </a:endParaRPr>
-          </a:p>
-          <a:p>
-            <a:endParaRPr lang="en-US" sz="2000" dirty="0" smtClean="0">
-              <a:latin typeface="Arial" panose="020B0604020202020204" pitchFamily="34" charset="0"/>
-              <a:cs typeface="Arial" panose="020B0604020202020204" pitchFamily="34" charset="0"/>
-            </a:endParaRPr>
-          </a:p>
-          <a:p>
-            <a:pPr marL="0" indent="0">
-              <a:buNone/>
-            </a:pPr>
-            <a:endParaRPr lang="en-US" sz="2000" dirty="0" smtClean="0">
-              <a:latin typeface="Arial" panose="020B0604020202020204" pitchFamily="34" charset="0"/>
-              <a:cs typeface="Arial" panose="020B0604020202020204" pitchFamily="34" charset="0"/>
-            </a:endParaRPr>
-          </a:p>
-          <a:p>
-            <a:pPr marL="0" indent="0">
-              <a:buNone/>
-            </a:pPr>
-            <a:endParaRPr lang="en-US" sz="2000" dirty="0">
-              <a:latin typeface="Arial" panose="020B0604020202020204" pitchFamily="34" charset="0"/>
-              <a:cs typeface="Arial" panose="020B0604020202020204" pitchFamily="34" charset="0"/>
-            </a:endParaRPr>
-          </a:p>
-          <a:p>
-            <a:pPr>
-              <a:buClr>
-                <a:schemeClr val="tx1"/>
-              </a:buClr>
-              <a:buFont typeface="Arial" panose="020B0604020202020204" pitchFamily="34" charset="0"/>
-              <a:buChar char="•"/>
-            </a:pPr>
-            <a:r>
-              <a:rPr lang="en-US" sz="2000" dirty="0" smtClean="0">
-                <a:solidFill>
-                  <a:schemeClr val="tx1"/>
-                </a:solidFill>
-                <a:latin typeface="Arial" panose="020B0604020202020204" pitchFamily="34" charset="0"/>
-                <a:cs typeface="Arial" panose="020B0604020202020204" pitchFamily="34" charset="0"/>
-              </a:rPr>
-              <a:t>Best result found so far for maximizing a single packing: </a:t>
-            </a:r>
-            <a:r>
-              <a:rPr lang="en-US" sz="2000" b="1" dirty="0" smtClean="0">
-                <a:solidFill>
-                  <a:schemeClr val="tx1"/>
-                </a:solidFill>
-                <a:latin typeface="Arial" panose="020B0604020202020204" pitchFamily="34" charset="0"/>
-                <a:cs typeface="Arial" panose="020B0604020202020204" pitchFamily="34" charset="0"/>
-              </a:rPr>
-              <a:t>9720</a:t>
-            </a:r>
-            <a:r>
-              <a:rPr lang="en-US" sz="2000" dirty="0" smtClean="0">
-                <a:solidFill>
-                  <a:schemeClr val="tx1"/>
-                </a:solidFill>
-                <a:latin typeface="Arial" panose="020B0604020202020204" pitchFamily="34" charset="0"/>
-                <a:cs typeface="Arial" panose="020B0604020202020204" pitchFamily="34" charset="0"/>
-              </a:rPr>
-              <a:t> </a:t>
+              <a:t>960</a:t>
             </a:r>
             <a:endParaRPr lang="et-EE" sz="2000" dirty="0">
               <a:solidFill>
@@ -7453,7 +7263,37 @@
                 <a:latin typeface="Arial" panose="020B0604020202020204" pitchFamily="34" charset="0"/>
                 <a:cs typeface="Arial" panose="020B0604020202020204" pitchFamily="34" charset="0"/>
               </a:rPr>
-              <a:t>1. Greedy algorithm</a:t>
+              <a:t>1</a:t>
+            </a:r>
+            <a:r>
+              <a:rPr lang="en-US" dirty="0" smtClean="0">
+                <a:solidFill>
+                  <a:schemeClr val="tx1"/>
+                </a:solidFill>
+                <a:latin typeface="Arial" panose="020B0604020202020204" pitchFamily="34" charset="0"/>
+                <a:cs typeface="Arial" panose="020B0604020202020204" pitchFamily="34" charset="0"/>
+              </a:rPr>
+              <a:t>. </a:t>
+            </a:r>
+            <a:r>
+              <a:rPr lang="en-US" dirty="0" smtClean="0">
+                <a:solidFill>
+                  <a:schemeClr val="tx1"/>
+                </a:solidFill>
+                <a:latin typeface="Arial" panose="020B0604020202020204" pitchFamily="34" charset="0"/>
+                <a:cs typeface="Arial" panose="020B0604020202020204" pitchFamily="34" charset="0"/>
+              </a:rPr>
+              <a:t>Greedy </a:t>
+            </a:r>
+            <a:r>
+              <a:rPr lang="en-US" dirty="0" smtClean="0">
+                <a:solidFill>
+                  <a:schemeClr val="tx1"/>
+                </a:solidFill>
+                <a:latin typeface="Arial" panose="020B0604020202020204" pitchFamily="34" charset="0"/>
+                <a:cs typeface="Arial" panose="020B0604020202020204" pitchFamily="34" charset="0"/>
+              </a:rPr>
+              <a:t>algorithm</a:t>
             </a:r>
           </a:p>
           <a:p>
@@ -7827,7 +7667,7 @@
         </p:nvSpPr>
         <p:spPr>
           <a:xfrm>
-            <a:off x="3485865" y="3057868"/>
+            <a:off x="652513" y="2993474"/>
             <a:ext cx="10515600" cy="1325563"/>
           </a:xfrm>
         </p:spPr>
@@ -7835,6 +7675,7 @@
           <a:bodyPr/>
           <a:lstStyle/>
           <a:p>
+            <a:pPr algn="ctr"/>
             <a:r>
               <a:rPr lang="en-US" dirty="0" smtClean="0">
                 <a:latin typeface="Arial" panose="020B0604020202020204" pitchFamily="34" charset="0"/>
@@ -7939,7 +7780,7 @@
         </p:blipFill>
         <p:spPr>
           <a:xfrm>
-            <a:off x="4072388" y="60076"/>
+            <a:off x="3929435" y="203376"/>
             <a:ext cx="5344567" cy="6654624"/>
           </a:xfrm>
           <a:prstGeom prst="rect">
@@ -8069,7 +7910,7 @@
         </p:blipFill>
         <p:spPr>
           <a:xfrm>
-            <a:off x="4549996" y="3417248"/>
+            <a:off x="2427838" y="3443488"/>
             <a:ext cx="5956308" cy="3170195"/>
           </a:xfrm>
         </p:spPr>
@@ -8208,7 +8049,7 @@
         </p:nvSpPr>
         <p:spPr>
           <a:xfrm>
-            <a:off x="677334" y="2283419"/>
+            <a:off x="804334" y="2410419"/>
             <a:ext cx="8596668" cy="3880773"/>
           </a:xfrm>
         </p:spPr>
@@ -8829,9 +8670,9 @@
 </file>
 
 <file path=ppt/theme/theme1.xml><?xml version="1.0" encoding="utf-8"?>
-<a:theme xmlns:a="http://schemas.openxmlformats.org/drawingml/2006/main" name="Facet">
+<a:theme xmlns:a="http://schemas.openxmlformats.org/drawingml/2006/main" name="Facette">
   <a:themeElements>
-    <a:clrScheme name="Facet">
+    <a:clrScheme name="Facette">
       <a:dk1>
         <a:sysClr val="windowText" lastClr="000000"/>
       </a:dk1>
@@ -8845,31 +8686,31 @@
         <a:srgbClr val="EBEBEB"/>
       </a:lt2>
       <a:accent1>
-        <a:srgbClr val="90C226"/>
+        <a:srgbClr val="5FCBEF"/>
       </a:accent1>
       <a:accent2>
-        <a:srgbClr val="54A021"/>
+        <a:srgbClr val="2E83C3"/>
       </a:accent2>
       <a:accent3>
-        <a:srgbClr val="E6B91E"/>
+        <a:srgbClr val="42D0A2"/>
       </a:accent3>
       <a:accent4>
-        <a:srgbClr val="E76618"/>
+        <a:srgbClr val="2E946B"/>
       </a:accent4>
       <a:accent5>
-        <a:srgbClr val="C42F1A"/>
+        <a:srgbClr val="42B051"/>
       </a:accent5>
       <a:accent6>
-        <a:srgbClr val="918655"/>
+        <a:srgbClr val="96D141"/>
       </a:accent6>
       <a:hlink>
-        <a:srgbClr val="99CA3C"/>
+        <a:srgbClr val="3FCDE7"/>
       </a:hlink>
       <a:folHlink>
-        <a:srgbClr val="B9D181"/>
+        <a:srgbClr val="A9D3E1"/>
       </a:folHlink>
     </a:clrScheme>
-    <a:fontScheme name="Facet">
+    <a:fontScheme name="Facette">
       <a:majorFont>
         <a:latin typeface="Trebuchet MS" panose="020B0603020202020204"/>
         <a:ea typeface=""/>
@@ -8941,7 +8782,7 @@
         <a:font script="Geor" typeface="Sylfaen"/>
       </a:minorFont>
     </a:fontScheme>
-    <a:fmtScheme name="Facet">
+    <a:fmtScheme name="Facette">
       <a:fillStyleLst>
         <a:solidFill>
           <a:schemeClr val="phClr"/>
@@ -9079,7 +8920,7 @@
   <a:extraClrSchemeLst/>
   <a:extLst>
     <a:ext uri="{05A4C25C-085E-4340-85A3-A5531E510DB2}">
-      <thm15:themeFamily xmlns:thm15="http://schemas.microsoft.com/office/thememl/2012/main" name="Facet" id="{C0C680CD-088A-49FC-A102-D699147F32B2}" vid="{CFBC31BA-B70F-4F30-BCAA-4F3011E16C4D}"/>
+      <thm15:themeFamily xmlns:thm15="http://schemas.microsoft.com/office/thememl/2012/main" name="Facet" id="{C0C680CD-088A-49FC-A102-D699147F32B2}" vid="{0B5AB586-D108-4FC1-8368-649FE654B894}"/>
     </a:ext>
   </a:extLst>
 </a:theme>

--- a/Report, presentation and related stuff/Knapsack_problem.pptx
+++ b/Report, presentation and related stuff/Knapsack_problem.pptx
@@ -8,27 +8,27 @@
     <p:sldId id="256" r:id="rId2"/>
     <p:sldId id="257" r:id="rId3"/>
     <p:sldId id="277" r:id="rId4"/>
-    <p:sldId id="269" r:id="rId5"/>
-    <p:sldId id="270" r:id="rId6"/>
-    <p:sldId id="260" r:id="rId7"/>
-    <p:sldId id="258" r:id="rId8"/>
-    <p:sldId id="259" r:id="rId9"/>
-    <p:sldId id="262" r:id="rId10"/>
-    <p:sldId id="274" r:id="rId11"/>
-    <p:sldId id="275" r:id="rId12"/>
-    <p:sldId id="276" r:id="rId13"/>
-    <p:sldId id="261" r:id="rId14"/>
-    <p:sldId id="263" r:id="rId15"/>
-    <p:sldId id="279" r:id="rId16"/>
-    <p:sldId id="265" r:id="rId17"/>
-    <p:sldId id="271" r:id="rId18"/>
-    <p:sldId id="281" r:id="rId19"/>
-    <p:sldId id="280" r:id="rId20"/>
-    <p:sldId id="282" r:id="rId21"/>
-    <p:sldId id="283" r:id="rId22"/>
-    <p:sldId id="284" r:id="rId23"/>
-    <p:sldId id="285" r:id="rId24"/>
-    <p:sldId id="286" r:id="rId25"/>
+    <p:sldId id="287" r:id="rId5"/>
+    <p:sldId id="269" r:id="rId6"/>
+    <p:sldId id="270" r:id="rId7"/>
+    <p:sldId id="260" r:id="rId8"/>
+    <p:sldId id="258" r:id="rId9"/>
+    <p:sldId id="259" r:id="rId10"/>
+    <p:sldId id="261" r:id="rId11"/>
+    <p:sldId id="263" r:id="rId12"/>
+    <p:sldId id="265" r:id="rId13"/>
+    <p:sldId id="271" r:id="rId14"/>
+    <p:sldId id="281" r:id="rId15"/>
+    <p:sldId id="275" r:id="rId16"/>
+    <p:sldId id="276" r:id="rId17"/>
+    <p:sldId id="274" r:id="rId18"/>
+    <p:sldId id="262" r:id="rId19"/>
+    <p:sldId id="279" r:id="rId20"/>
+    <p:sldId id="280" r:id="rId21"/>
+    <p:sldId id="282" r:id="rId22"/>
+    <p:sldId id="285" r:id="rId23"/>
+    <p:sldId id="286" r:id="rId24"/>
+    <p:sldId id="288" r:id="rId25"/>
     <p:sldId id="267" r:id="rId26"/>
   </p:sldIdLst>
   <p:sldSz cx="12192000" cy="6858000"/>
@@ -503,8 +503,8 @@
           <c:showPercent val="0"/>
           <c:showBubbleSize val="0"/>
         </c:dLbls>
-        <c:axId val="363245664"/>
-        <c:axId val="363246448"/>
+        <c:axId val="249527160"/>
+        <c:axId val="249523632"/>
       </c:scatterChart>
       <c:scatterChart>
         <c:scatterStyle val="lineMarker"/>
@@ -793,11 +793,11 @@
           <c:showPercent val="0"/>
           <c:showBubbleSize val="0"/>
         </c:dLbls>
-        <c:axId val="456393360"/>
-        <c:axId val="363246840"/>
+        <c:axId val="249527552"/>
+        <c:axId val="249524808"/>
       </c:scatterChart>
       <c:valAx>
-        <c:axId val="363245664"/>
+        <c:axId val="249527160"/>
         <c:scaling>
           <c:orientation val="minMax"/>
         </c:scaling>
@@ -914,12 +914,12 @@
             <a:endParaRPr lang="et-EE"/>
           </a:p>
         </c:txPr>
-        <c:crossAx val="363246448"/>
+        <c:crossAx val="249523632"/>
         <c:crosses val="autoZero"/>
         <c:crossBetween val="midCat"/>
       </c:valAx>
       <c:valAx>
-        <c:axId val="363246448"/>
+        <c:axId val="249523632"/>
         <c:scaling>
           <c:orientation val="minMax"/>
         </c:scaling>
@@ -1031,12 +1031,12 @@
             <a:endParaRPr lang="et-EE"/>
           </a:p>
         </c:txPr>
-        <c:crossAx val="363245664"/>
+        <c:crossAx val="249527160"/>
         <c:crosses val="autoZero"/>
         <c:crossBetween val="midCat"/>
       </c:valAx>
       <c:valAx>
-        <c:axId val="363246840"/>
+        <c:axId val="249524808"/>
         <c:scaling>
           <c:orientation val="minMax"/>
         </c:scaling>
@@ -1156,12 +1156,12 @@
             <a:endParaRPr lang="et-EE"/>
           </a:p>
         </c:txPr>
-        <c:crossAx val="456393360"/>
+        <c:crossAx val="249527552"/>
         <c:crosses val="max"/>
         <c:crossBetween val="midCat"/>
       </c:valAx>
       <c:valAx>
-        <c:axId val="456393360"/>
+        <c:axId val="249527552"/>
         <c:scaling>
           <c:orientation val="minMax"/>
         </c:scaling>
@@ -1171,7 +1171,7 @@
         <c:majorTickMark val="out"/>
         <c:minorTickMark val="none"/>
         <c:tickLblPos val="nextTo"/>
-        <c:crossAx val="363246840"/>
+        <c:crossAx val="249524808"/>
         <c:crosses val="autoZero"/>
         <c:crossBetween val="midCat"/>
       </c:valAx>
@@ -1266,1109 +1266,6 @@
           <a:lstStyle/>
           <a:p>
             <a:pPr>
-              <a:defRPr sz="1400" b="0" i="0" u="none" strike="noStrike" kern="1200" spc="0" baseline="0">
-                <a:solidFill>
-                  <a:schemeClr val="tx1">
-                    <a:lumMod val="65000"/>
-                    <a:lumOff val="35000"/>
-                  </a:schemeClr>
-                </a:solidFill>
-                <a:latin typeface="Arial" panose="020B0604020202020204" pitchFamily="34" charset="0"/>
-                <a:ea typeface="+mn-ea"/>
-                <a:cs typeface="Arial" panose="020B0604020202020204" pitchFamily="34" charset="0"/>
-              </a:defRPr>
-            </a:pPr>
-            <a:r>
-              <a:rPr lang="en-GB" sz="2400" dirty="0"/>
-              <a:t>Effect of different numbers of crossover</a:t>
-            </a:r>
-            <a:r>
-              <a:rPr lang="en-GB" sz="2400" baseline="0" dirty="0"/>
-              <a:t> points</a:t>
-            </a:r>
-            <a:endParaRPr lang="en-GB" sz="2400" dirty="0"/>
-          </a:p>
-        </c:rich>
-      </c:tx>
-      <c:layout>
-        <c:manualLayout>
-          <c:xMode val="edge"/>
-          <c:yMode val="edge"/>
-          <c:x val="0.17661481550917249"/>
-          <c:y val="1.4329806707187727E-2"/>
-        </c:manualLayout>
-      </c:layout>
-      <c:overlay val="0"/>
-      <c:spPr>
-        <a:noFill/>
-        <a:ln>
-          <a:noFill/>
-        </a:ln>
-        <a:effectLst/>
-      </c:spPr>
-      <c:txPr>
-        <a:bodyPr rot="0" spcFirstLastPara="1" vertOverflow="ellipsis" vert="horz" wrap="square" anchor="ctr" anchorCtr="1"/>
-        <a:lstStyle/>
-        <a:p>
-          <a:pPr>
-            <a:defRPr sz="1400" b="0" i="0" u="none" strike="noStrike" kern="1200" spc="0" baseline="0">
-              <a:solidFill>
-                <a:schemeClr val="tx1">
-                  <a:lumMod val="65000"/>
-                  <a:lumOff val="35000"/>
-                </a:schemeClr>
-              </a:solidFill>
-              <a:latin typeface="Arial" panose="020B0604020202020204" pitchFamily="34" charset="0"/>
-              <a:ea typeface="+mn-ea"/>
-              <a:cs typeface="Arial" panose="020B0604020202020204" pitchFamily="34" charset="0"/>
-            </a:defRPr>
-          </a:pPr>
-          <a:endParaRPr lang="et-EE"/>
-        </a:p>
-      </c:txPr>
-    </c:title>
-    <c:autoTitleDeleted val="0"/>
-    <c:plotArea>
-      <c:layout/>
-      <c:scatterChart>
-        <c:scatterStyle val="lineMarker"/>
-        <c:varyColors val="0"/>
-        <c:ser>
-          <c:idx val="0"/>
-          <c:order val="0"/>
-          <c:tx>
-            <c:v>TS (value)</c:v>
-          </c:tx>
-          <c:spPr>
-            <a:ln w="19050" cap="rnd">
-              <a:solidFill>
-                <a:schemeClr val="accent1"/>
-              </a:solidFill>
-              <a:round/>
-            </a:ln>
-            <a:effectLst/>
-          </c:spPr>
-          <c:marker>
-            <c:symbol val="circle"/>
-            <c:size val="6"/>
-            <c:spPr>
-              <a:solidFill>
-                <a:schemeClr val="accent1"/>
-              </a:solidFill>
-              <a:ln w="9525">
-                <a:solidFill>
-                  <a:schemeClr val="accent1"/>
-                </a:solidFill>
-              </a:ln>
-              <a:effectLst/>
-            </c:spPr>
-          </c:marker>
-          <c:xVal>
-            <c:numRef>
-              <c:f>Tabelle1!$A$36:$A$41</c:f>
-              <c:numCache>
-                <c:formatCode>General</c:formatCode>
-                <c:ptCount val="6"/>
-                <c:pt idx="0">
-                  <c:v>0</c:v>
-                </c:pt>
-                <c:pt idx="1">
-                  <c:v>1</c:v>
-                </c:pt>
-                <c:pt idx="2">
-                  <c:v>2</c:v>
-                </c:pt>
-                <c:pt idx="3">
-                  <c:v>3</c:v>
-                </c:pt>
-                <c:pt idx="4">
-                  <c:v>4</c:v>
-                </c:pt>
-                <c:pt idx="5">
-                  <c:v>5</c:v>
-                </c:pt>
-              </c:numCache>
-            </c:numRef>
-          </c:xVal>
-          <c:yVal>
-            <c:numRef>
-              <c:f>Tabelle1!$C$36:$C$41</c:f>
-              <c:numCache>
-                <c:formatCode>General</c:formatCode>
-                <c:ptCount val="6"/>
-                <c:pt idx="0">
-                  <c:v>226.84</c:v>
-                </c:pt>
-                <c:pt idx="1">
-                  <c:v>226.2</c:v>
-                </c:pt>
-                <c:pt idx="2">
-                  <c:v>236.52</c:v>
-                </c:pt>
-                <c:pt idx="3">
-                  <c:v>236.76</c:v>
-                </c:pt>
-                <c:pt idx="4">
-                  <c:v>237.84</c:v>
-                </c:pt>
-                <c:pt idx="5">
-                  <c:v>237.32</c:v>
-                </c:pt>
-              </c:numCache>
-            </c:numRef>
-          </c:yVal>
-          <c:smooth val="0"/>
-        </c:ser>
-        <c:ser>
-          <c:idx val="1"/>
-          <c:order val="1"/>
-          <c:tx>
-            <c:v>EL (value)</c:v>
-          </c:tx>
-          <c:spPr>
-            <a:ln w="19050" cap="rnd">
-              <a:solidFill>
-                <a:schemeClr val="accent1"/>
-              </a:solidFill>
-              <a:round/>
-            </a:ln>
-            <a:effectLst/>
-          </c:spPr>
-          <c:marker>
-            <c:symbol val="square"/>
-            <c:size val="6"/>
-            <c:spPr>
-              <a:solidFill>
-                <a:schemeClr val="accent1"/>
-              </a:solidFill>
-              <a:ln w="9525">
-                <a:solidFill>
-                  <a:schemeClr val="accent1"/>
-                </a:solidFill>
-              </a:ln>
-              <a:effectLst/>
-            </c:spPr>
-          </c:marker>
-          <c:xVal>
-            <c:numRef>
-              <c:f>Tabelle1!$A$103:$A$108</c:f>
-              <c:numCache>
-                <c:formatCode>General</c:formatCode>
-                <c:ptCount val="6"/>
-                <c:pt idx="0">
-                  <c:v>0</c:v>
-                </c:pt>
-                <c:pt idx="1">
-                  <c:v>1</c:v>
-                </c:pt>
-                <c:pt idx="2">
-                  <c:v>2</c:v>
-                </c:pt>
-                <c:pt idx="3">
-                  <c:v>3</c:v>
-                </c:pt>
-                <c:pt idx="4">
-                  <c:v>4</c:v>
-                </c:pt>
-                <c:pt idx="5">
-                  <c:v>5</c:v>
-                </c:pt>
-              </c:numCache>
-            </c:numRef>
-          </c:xVal>
-          <c:yVal>
-            <c:numRef>
-              <c:f>Tabelle1!$C$103:$C$108</c:f>
-              <c:numCache>
-                <c:formatCode>General</c:formatCode>
-                <c:ptCount val="6"/>
-                <c:pt idx="0">
-                  <c:v>229.72</c:v>
-                </c:pt>
-                <c:pt idx="1">
-                  <c:v>229.08</c:v>
-                </c:pt>
-                <c:pt idx="2">
-                  <c:v>234.12</c:v>
-                </c:pt>
-                <c:pt idx="3">
-                  <c:v>234.2</c:v>
-                </c:pt>
-                <c:pt idx="4">
-                  <c:v>235.16</c:v>
-                </c:pt>
-                <c:pt idx="5">
-                  <c:v>233.48</c:v>
-                </c:pt>
-              </c:numCache>
-            </c:numRef>
-          </c:yVal>
-          <c:smooth val="0"/>
-        </c:ser>
-        <c:ser>
-          <c:idx val="2"/>
-          <c:order val="2"/>
-          <c:tx>
-            <c:v>RO (value)</c:v>
-          </c:tx>
-          <c:spPr>
-            <a:ln w="19050" cap="rnd">
-              <a:solidFill>
-                <a:schemeClr val="accent1"/>
-              </a:solidFill>
-              <a:round/>
-            </a:ln>
-            <a:effectLst/>
-          </c:spPr>
-          <c:marker>
-            <c:symbol val="triangle"/>
-            <c:size val="6"/>
-            <c:spPr>
-              <a:solidFill>
-                <a:schemeClr val="accent1"/>
-              </a:solidFill>
-              <a:ln w="9525">
-                <a:solidFill>
-                  <a:schemeClr val="accent1"/>
-                </a:solidFill>
-              </a:ln>
-              <a:effectLst/>
-            </c:spPr>
-          </c:marker>
-          <c:xVal>
-            <c:numRef>
-              <c:f>Tabelle1!$A$157:$A$162</c:f>
-              <c:numCache>
-                <c:formatCode>General</c:formatCode>
-                <c:ptCount val="6"/>
-                <c:pt idx="0">
-                  <c:v>0</c:v>
-                </c:pt>
-                <c:pt idx="1">
-                  <c:v>1</c:v>
-                </c:pt>
-                <c:pt idx="2">
-                  <c:v>2</c:v>
-                </c:pt>
-                <c:pt idx="3">
-                  <c:v>3</c:v>
-                </c:pt>
-                <c:pt idx="4">
-                  <c:v>4</c:v>
-                </c:pt>
-                <c:pt idx="5">
-                  <c:v>5</c:v>
-                </c:pt>
-              </c:numCache>
-            </c:numRef>
-          </c:xVal>
-          <c:yVal>
-            <c:numRef>
-              <c:f>Tabelle1!$C$157:$C$162</c:f>
-              <c:numCache>
-                <c:formatCode>General</c:formatCode>
-                <c:ptCount val="6"/>
-                <c:pt idx="0">
-                  <c:v>217.32</c:v>
-                </c:pt>
-                <c:pt idx="1">
-                  <c:v>217.4</c:v>
-                </c:pt>
-                <c:pt idx="2">
-                  <c:v>231.88</c:v>
-                </c:pt>
-                <c:pt idx="3">
-                  <c:v>232.32</c:v>
-                </c:pt>
-                <c:pt idx="4">
-                  <c:v>232.48</c:v>
-                </c:pt>
-                <c:pt idx="5">
-                  <c:v>232.96</c:v>
-                </c:pt>
-              </c:numCache>
-            </c:numRef>
-          </c:yVal>
-          <c:smooth val="0"/>
-        </c:ser>
-        <c:dLbls>
-          <c:showLegendKey val="0"/>
-          <c:showVal val="0"/>
-          <c:showCatName val="0"/>
-          <c:showSerName val="0"/>
-          <c:showPercent val="0"/>
-          <c:showBubbleSize val="0"/>
-        </c:dLbls>
-        <c:axId val="305527200"/>
-        <c:axId val="305534256"/>
-      </c:scatterChart>
-      <c:scatterChart>
-        <c:scatterStyle val="lineMarker"/>
-        <c:varyColors val="0"/>
-        <c:ser>
-          <c:idx val="3"/>
-          <c:order val="3"/>
-          <c:tx>
-            <c:v>TS (time)</c:v>
-          </c:tx>
-          <c:spPr>
-            <a:ln w="19050" cap="rnd">
-              <a:solidFill>
-                <a:schemeClr val="accent2"/>
-              </a:solidFill>
-              <a:round/>
-            </a:ln>
-            <a:effectLst/>
-          </c:spPr>
-          <c:marker>
-            <c:symbol val="circle"/>
-            <c:size val="6"/>
-            <c:spPr>
-              <a:solidFill>
-                <a:schemeClr val="accent2"/>
-              </a:solidFill>
-              <a:ln w="9525">
-                <a:solidFill>
-                  <a:schemeClr val="accent2"/>
-                </a:solidFill>
-              </a:ln>
-              <a:effectLst/>
-            </c:spPr>
-          </c:marker>
-          <c:xVal>
-            <c:numRef>
-              <c:f>Tabelle1!$A$36:$A$41</c:f>
-              <c:numCache>
-                <c:formatCode>General</c:formatCode>
-                <c:ptCount val="6"/>
-                <c:pt idx="0">
-                  <c:v>0</c:v>
-                </c:pt>
-                <c:pt idx="1">
-                  <c:v>1</c:v>
-                </c:pt>
-                <c:pt idx="2">
-                  <c:v>2</c:v>
-                </c:pt>
-                <c:pt idx="3">
-                  <c:v>3</c:v>
-                </c:pt>
-                <c:pt idx="4">
-                  <c:v>4</c:v>
-                </c:pt>
-                <c:pt idx="5">
-                  <c:v>5</c:v>
-                </c:pt>
-              </c:numCache>
-            </c:numRef>
-          </c:xVal>
-          <c:yVal>
-            <c:numRef>
-              <c:f>Tabelle1!$F$36:$F$41</c:f>
-              <c:numCache>
-                <c:formatCode>General</c:formatCode>
-                <c:ptCount val="6"/>
-                <c:pt idx="0">
-                  <c:v>31417.759999999998</c:v>
-                </c:pt>
-                <c:pt idx="1">
-                  <c:v>31804.6</c:v>
-                </c:pt>
-                <c:pt idx="2">
-                  <c:v>5750.12</c:v>
-                </c:pt>
-                <c:pt idx="3">
-                  <c:v>4583.3999999999996</c:v>
-                </c:pt>
-                <c:pt idx="4">
-                  <c:v>4510.3999999999996</c:v>
-                </c:pt>
-                <c:pt idx="5">
-                  <c:v>4475.2</c:v>
-                </c:pt>
-              </c:numCache>
-            </c:numRef>
-          </c:yVal>
-          <c:smooth val="0"/>
-        </c:ser>
-        <c:ser>
-          <c:idx val="4"/>
-          <c:order val="4"/>
-          <c:tx>
-            <c:v>EL (time)</c:v>
-          </c:tx>
-          <c:spPr>
-            <a:ln w="19050" cap="rnd">
-              <a:solidFill>
-                <a:schemeClr val="accent2"/>
-              </a:solidFill>
-              <a:round/>
-            </a:ln>
-            <a:effectLst/>
-          </c:spPr>
-          <c:marker>
-            <c:symbol val="square"/>
-            <c:size val="6"/>
-            <c:spPr>
-              <a:solidFill>
-                <a:schemeClr val="accent2"/>
-              </a:solidFill>
-              <a:ln w="9525">
-                <a:solidFill>
-                  <a:schemeClr val="accent2"/>
-                </a:solidFill>
-              </a:ln>
-              <a:effectLst/>
-            </c:spPr>
-          </c:marker>
-          <c:xVal>
-            <c:numRef>
-              <c:f>Tabelle1!$A$103:$A$108</c:f>
-              <c:numCache>
-                <c:formatCode>General</c:formatCode>
-                <c:ptCount val="6"/>
-                <c:pt idx="0">
-                  <c:v>0</c:v>
-                </c:pt>
-                <c:pt idx="1">
-                  <c:v>1</c:v>
-                </c:pt>
-                <c:pt idx="2">
-                  <c:v>2</c:v>
-                </c:pt>
-                <c:pt idx="3">
-                  <c:v>3</c:v>
-                </c:pt>
-                <c:pt idx="4">
-                  <c:v>4</c:v>
-                </c:pt>
-                <c:pt idx="5">
-                  <c:v>5</c:v>
-                </c:pt>
-              </c:numCache>
-            </c:numRef>
-          </c:xVal>
-          <c:yVal>
-            <c:numRef>
-              <c:f>Tabelle1!$F$103:$F$108</c:f>
-              <c:numCache>
-                <c:formatCode>General</c:formatCode>
-                <c:ptCount val="6"/>
-                <c:pt idx="0">
-                  <c:v>20952.52</c:v>
-                </c:pt>
-                <c:pt idx="1">
-                  <c:v>26163.8</c:v>
-                </c:pt>
-                <c:pt idx="2">
-                  <c:v>8147.24</c:v>
-                </c:pt>
-                <c:pt idx="3">
-                  <c:v>10400.959999999999</c:v>
-                </c:pt>
-                <c:pt idx="4">
-                  <c:v>6364.36</c:v>
-                </c:pt>
-                <c:pt idx="5">
-                  <c:v>11530.72</c:v>
-                </c:pt>
-              </c:numCache>
-            </c:numRef>
-          </c:yVal>
-          <c:smooth val="0"/>
-        </c:ser>
-        <c:ser>
-          <c:idx val="5"/>
-          <c:order val="5"/>
-          <c:tx>
-            <c:v>RO (time)</c:v>
-          </c:tx>
-          <c:spPr>
-            <a:ln w="19050" cap="rnd">
-              <a:solidFill>
-                <a:schemeClr val="accent2"/>
-              </a:solidFill>
-              <a:round/>
-            </a:ln>
-            <a:effectLst/>
-          </c:spPr>
-          <c:marker>
-            <c:symbol val="triangle"/>
-            <c:size val="6"/>
-            <c:spPr>
-              <a:solidFill>
-                <a:schemeClr val="accent2"/>
-              </a:solidFill>
-              <a:ln w="9525">
-                <a:solidFill>
-                  <a:schemeClr val="accent2"/>
-                </a:solidFill>
-              </a:ln>
-              <a:effectLst/>
-            </c:spPr>
-          </c:marker>
-          <c:xVal>
-            <c:numRef>
-              <c:f>Tabelle1!$A$157:$A$162</c:f>
-              <c:numCache>
-                <c:formatCode>General</c:formatCode>
-                <c:ptCount val="6"/>
-                <c:pt idx="0">
-                  <c:v>0</c:v>
-                </c:pt>
-                <c:pt idx="1">
-                  <c:v>1</c:v>
-                </c:pt>
-                <c:pt idx="2">
-                  <c:v>2</c:v>
-                </c:pt>
-                <c:pt idx="3">
-                  <c:v>3</c:v>
-                </c:pt>
-                <c:pt idx="4">
-                  <c:v>4</c:v>
-                </c:pt>
-                <c:pt idx="5">
-                  <c:v>5</c:v>
-                </c:pt>
-              </c:numCache>
-            </c:numRef>
-          </c:xVal>
-          <c:yVal>
-            <c:numRef>
-              <c:f>Tabelle1!$F$157:$F$162</c:f>
-              <c:numCache>
-                <c:formatCode>General</c:formatCode>
-                <c:ptCount val="6"/>
-                <c:pt idx="0">
-                  <c:v>28882.32</c:v>
-                </c:pt>
-                <c:pt idx="1">
-                  <c:v>29733.08</c:v>
-                </c:pt>
-                <c:pt idx="2">
-                  <c:v>4575.3599999999997</c:v>
-                </c:pt>
-                <c:pt idx="3">
-                  <c:v>5800.88</c:v>
-                </c:pt>
-                <c:pt idx="4">
-                  <c:v>5189.6000000000004</c:v>
-                </c:pt>
-                <c:pt idx="5">
-                  <c:v>5792.2</c:v>
-                </c:pt>
-              </c:numCache>
-            </c:numRef>
-          </c:yVal>
-          <c:smooth val="0"/>
-        </c:ser>
-        <c:dLbls>
-          <c:showLegendKey val="0"/>
-          <c:showVal val="0"/>
-          <c:showCatName val="0"/>
-          <c:showSerName val="0"/>
-          <c:showPercent val="0"/>
-          <c:showBubbleSize val="0"/>
-        </c:dLbls>
-        <c:axId val="305530336"/>
-        <c:axId val="305527984"/>
-      </c:scatterChart>
-      <c:valAx>
-        <c:axId val="305527200"/>
-        <c:scaling>
-          <c:orientation val="minMax"/>
-        </c:scaling>
-        <c:delete val="0"/>
-        <c:axPos val="b"/>
-        <c:majorGridlines>
-          <c:spPr>
-            <a:ln w="9525" cap="flat" cmpd="sng" algn="ctr">
-              <a:solidFill>
-                <a:schemeClr val="tx1">
-                  <a:lumMod val="15000"/>
-                  <a:lumOff val="85000"/>
-                </a:schemeClr>
-              </a:solidFill>
-              <a:round/>
-            </a:ln>
-            <a:effectLst/>
-          </c:spPr>
-        </c:majorGridlines>
-        <c:title>
-          <c:tx>
-            <c:rich>
-              <a:bodyPr rot="0" spcFirstLastPara="1" vertOverflow="ellipsis" vert="horz" wrap="square" anchor="ctr" anchorCtr="1"/>
-              <a:lstStyle/>
-              <a:p>
-                <a:pPr>
-                  <a:defRPr sz="1000" b="0" i="0" u="none" strike="noStrike" kern="1200" baseline="0">
-                    <a:solidFill>
-                      <a:schemeClr val="tx1">
-                        <a:lumMod val="65000"/>
-                        <a:lumOff val="35000"/>
-                      </a:schemeClr>
-                    </a:solidFill>
-                    <a:latin typeface="Arial" panose="020B0604020202020204" pitchFamily="34" charset="0"/>
-                    <a:ea typeface="+mn-ea"/>
-                    <a:cs typeface="Arial" panose="020B0604020202020204" pitchFamily="34" charset="0"/>
-                  </a:defRPr>
-                </a:pPr>
-                <a:r>
-                  <a:rPr lang="en-GB" sz="2400" dirty="0"/>
-                  <a:t>Crossover points</a:t>
-                </a:r>
-              </a:p>
-            </c:rich>
-          </c:tx>
-          <c:layout>
-            <c:manualLayout>
-              <c:xMode val="edge"/>
-              <c:yMode val="edge"/>
-              <c:x val="0.32515423419294809"/>
-              <c:y val="0.93122708278663002"/>
-            </c:manualLayout>
-          </c:layout>
-          <c:overlay val="0"/>
-          <c:spPr>
-            <a:noFill/>
-            <a:ln>
-              <a:noFill/>
-            </a:ln>
-            <a:effectLst/>
-          </c:spPr>
-          <c:txPr>
-            <a:bodyPr rot="0" spcFirstLastPara="1" vertOverflow="ellipsis" vert="horz" wrap="square" anchor="ctr" anchorCtr="1"/>
-            <a:lstStyle/>
-            <a:p>
-              <a:pPr>
-                <a:defRPr sz="1000" b="0" i="0" u="none" strike="noStrike" kern="1200" baseline="0">
-                  <a:solidFill>
-                    <a:schemeClr val="tx1">
-                      <a:lumMod val="65000"/>
-                      <a:lumOff val="35000"/>
-                    </a:schemeClr>
-                  </a:solidFill>
-                  <a:latin typeface="Arial" panose="020B0604020202020204" pitchFamily="34" charset="0"/>
-                  <a:ea typeface="+mn-ea"/>
-                  <a:cs typeface="Arial" panose="020B0604020202020204" pitchFamily="34" charset="0"/>
-                </a:defRPr>
-              </a:pPr>
-              <a:endParaRPr lang="et-EE"/>
-            </a:p>
-          </c:txPr>
-        </c:title>
-        <c:numFmt formatCode="General" sourceLinked="1"/>
-        <c:majorTickMark val="none"/>
-        <c:minorTickMark val="none"/>
-        <c:tickLblPos val="nextTo"/>
-        <c:spPr>
-          <a:noFill/>
-          <a:ln w="9525" cap="flat" cmpd="sng" algn="ctr">
-            <a:solidFill>
-              <a:schemeClr val="tx1">
-                <a:lumMod val="25000"/>
-                <a:lumOff val="75000"/>
-              </a:schemeClr>
-            </a:solidFill>
-            <a:round/>
-          </a:ln>
-          <a:effectLst/>
-        </c:spPr>
-        <c:txPr>
-          <a:bodyPr rot="-60000000" spcFirstLastPara="1" vertOverflow="ellipsis" vert="horz" wrap="square" anchor="ctr" anchorCtr="1"/>
-          <a:lstStyle/>
-          <a:p>
-            <a:pPr>
-              <a:defRPr sz="1600" b="0" i="0" u="none" strike="noStrike" kern="1200" baseline="0">
-                <a:solidFill>
-                  <a:schemeClr val="tx1">
-                    <a:lumMod val="65000"/>
-                    <a:lumOff val="35000"/>
-                  </a:schemeClr>
-                </a:solidFill>
-                <a:latin typeface="Arial" panose="020B0604020202020204" pitchFamily="34" charset="0"/>
-                <a:ea typeface="+mn-ea"/>
-                <a:cs typeface="Arial" panose="020B0604020202020204" pitchFamily="34" charset="0"/>
-              </a:defRPr>
-            </a:pPr>
-            <a:endParaRPr lang="et-EE"/>
-          </a:p>
-        </c:txPr>
-        <c:crossAx val="305534256"/>
-        <c:crosses val="autoZero"/>
-        <c:crossBetween val="midCat"/>
-      </c:valAx>
-      <c:valAx>
-        <c:axId val="305534256"/>
-        <c:scaling>
-          <c:orientation val="minMax"/>
-        </c:scaling>
-        <c:delete val="0"/>
-        <c:axPos val="l"/>
-        <c:majorGridlines>
-          <c:spPr>
-            <a:ln w="9525" cap="flat" cmpd="sng" algn="ctr">
-              <a:solidFill>
-                <a:schemeClr val="tx1">
-                  <a:lumMod val="15000"/>
-                  <a:lumOff val="85000"/>
-                </a:schemeClr>
-              </a:solidFill>
-              <a:round/>
-            </a:ln>
-            <a:effectLst/>
-          </c:spPr>
-        </c:majorGridlines>
-        <c:title>
-          <c:tx>
-            <c:rich>
-              <a:bodyPr rot="-5400000" spcFirstLastPara="1" vertOverflow="ellipsis" vert="horz" wrap="square" anchor="ctr" anchorCtr="1"/>
-              <a:lstStyle/>
-              <a:p>
-                <a:pPr>
-                  <a:defRPr sz="2000" b="0" i="0" u="none" strike="noStrike" kern="1200" baseline="0">
-                    <a:solidFill>
-                      <a:schemeClr val="accent1"/>
-                    </a:solidFill>
-                    <a:latin typeface="Arial" panose="020B0604020202020204" pitchFamily="34" charset="0"/>
-                    <a:ea typeface="+mn-ea"/>
-                    <a:cs typeface="Arial" panose="020B0604020202020204" pitchFamily="34" charset="0"/>
-                  </a:defRPr>
-                </a:pPr>
-                <a:r>
-                  <a:rPr lang="en-GB" sz="2000">
-                    <a:solidFill>
-                      <a:schemeClr val="accent1"/>
-                    </a:solidFill>
-                  </a:rPr>
-                  <a:t>Average value</a:t>
-                </a:r>
-              </a:p>
-            </c:rich>
-          </c:tx>
-          <c:layout>
-            <c:manualLayout>
-              <c:xMode val="edge"/>
-              <c:yMode val="edge"/>
-              <c:x val="4.4091710758377423E-3"/>
-              <c:y val="0.33663069331763551"/>
-            </c:manualLayout>
-          </c:layout>
-          <c:overlay val="0"/>
-          <c:spPr>
-            <a:noFill/>
-            <a:ln>
-              <a:noFill/>
-            </a:ln>
-            <a:effectLst/>
-          </c:spPr>
-          <c:txPr>
-            <a:bodyPr rot="-5400000" spcFirstLastPara="1" vertOverflow="ellipsis" vert="horz" wrap="square" anchor="ctr" anchorCtr="1"/>
-            <a:lstStyle/>
-            <a:p>
-              <a:pPr>
-                <a:defRPr sz="2000" b="0" i="0" u="none" strike="noStrike" kern="1200" baseline="0">
-                  <a:solidFill>
-                    <a:schemeClr val="accent1"/>
-                  </a:solidFill>
-                  <a:latin typeface="Arial" panose="020B0604020202020204" pitchFamily="34" charset="0"/>
-                  <a:ea typeface="+mn-ea"/>
-                  <a:cs typeface="Arial" panose="020B0604020202020204" pitchFamily="34" charset="0"/>
-                </a:defRPr>
-              </a:pPr>
-              <a:endParaRPr lang="et-EE"/>
-            </a:p>
-          </c:txPr>
-        </c:title>
-        <c:numFmt formatCode="General" sourceLinked="1"/>
-        <c:majorTickMark val="none"/>
-        <c:minorTickMark val="none"/>
-        <c:tickLblPos val="nextTo"/>
-        <c:spPr>
-          <a:noFill/>
-          <a:ln w="9525" cap="flat" cmpd="sng" algn="ctr">
-            <a:solidFill>
-              <a:schemeClr val="accent1"/>
-            </a:solidFill>
-            <a:round/>
-          </a:ln>
-          <a:effectLst/>
-        </c:spPr>
-        <c:txPr>
-          <a:bodyPr rot="-60000000" spcFirstLastPara="1" vertOverflow="ellipsis" vert="horz" wrap="square" anchor="ctr" anchorCtr="1"/>
-          <a:lstStyle/>
-          <a:p>
-            <a:pPr>
-              <a:defRPr sz="1600" b="0" i="0" u="none" strike="noStrike" kern="1200" baseline="0">
-                <a:solidFill>
-                  <a:schemeClr val="accent1"/>
-                </a:solidFill>
-                <a:latin typeface="Arial" panose="020B0604020202020204" pitchFamily="34" charset="0"/>
-                <a:ea typeface="+mn-ea"/>
-                <a:cs typeface="Arial" panose="020B0604020202020204" pitchFamily="34" charset="0"/>
-              </a:defRPr>
-            </a:pPr>
-            <a:endParaRPr lang="et-EE"/>
-          </a:p>
-        </c:txPr>
-        <c:crossAx val="305527200"/>
-        <c:crosses val="autoZero"/>
-        <c:crossBetween val="midCat"/>
-      </c:valAx>
-      <c:valAx>
-        <c:axId val="305527984"/>
-        <c:scaling>
-          <c:orientation val="minMax"/>
-        </c:scaling>
-        <c:delete val="0"/>
-        <c:axPos val="r"/>
-        <c:title>
-          <c:tx>
-            <c:rich>
-              <a:bodyPr rot="-5400000" spcFirstLastPara="1" vertOverflow="ellipsis" vert="horz" wrap="square" anchor="ctr" anchorCtr="1"/>
-              <a:lstStyle/>
-              <a:p>
-                <a:pPr>
-                  <a:defRPr sz="2000" b="0" i="0" u="none" strike="noStrike" kern="1200" baseline="0">
-                    <a:solidFill>
-                      <a:schemeClr val="tx1">
-                        <a:lumMod val="65000"/>
-                        <a:lumOff val="35000"/>
-                      </a:schemeClr>
-                    </a:solidFill>
-                    <a:latin typeface="Arial" panose="020B0604020202020204" pitchFamily="34" charset="0"/>
-                    <a:ea typeface="+mn-ea"/>
-                    <a:cs typeface="Arial" panose="020B0604020202020204" pitchFamily="34" charset="0"/>
-                  </a:defRPr>
-                </a:pPr>
-                <a:r>
-                  <a:rPr lang="en-GB" sz="2000" dirty="0">
-                    <a:solidFill>
-                      <a:schemeClr val="accent2"/>
-                    </a:solidFill>
-                  </a:rPr>
-                  <a:t>Runtime</a:t>
-                </a:r>
-                <a:r>
-                  <a:rPr lang="en-GB" sz="2000" baseline="0" dirty="0">
-                    <a:solidFill>
-                      <a:schemeClr val="accent2"/>
-                    </a:solidFill>
-                  </a:rPr>
-                  <a:t> (in </a:t>
-                </a:r>
-                <a:r>
-                  <a:rPr lang="en-GB" sz="2000" baseline="0" dirty="0" err="1">
-                    <a:solidFill>
-                      <a:schemeClr val="accent2"/>
-                    </a:solidFill>
-                  </a:rPr>
-                  <a:t>ms</a:t>
-                </a:r>
-                <a:r>
-                  <a:rPr lang="en-GB" sz="2000" baseline="0" dirty="0">
-                    <a:solidFill>
-                      <a:schemeClr val="accent2"/>
-                    </a:solidFill>
-                  </a:rPr>
-                  <a:t>)</a:t>
-                </a:r>
-                <a:endParaRPr lang="en-GB" sz="2000" dirty="0">
-                  <a:solidFill>
-                    <a:schemeClr val="accent2"/>
-                  </a:solidFill>
-                </a:endParaRPr>
-              </a:p>
-            </c:rich>
-          </c:tx>
-          <c:layout>
-            <c:manualLayout>
-              <c:xMode val="edge"/>
-              <c:yMode val="edge"/>
-              <c:x val="0.83977054951464403"/>
-              <c:y val="0.36772121578657907"/>
-            </c:manualLayout>
-          </c:layout>
-          <c:overlay val="0"/>
-          <c:spPr>
-            <a:noFill/>
-            <a:ln>
-              <a:noFill/>
-            </a:ln>
-            <a:effectLst/>
-          </c:spPr>
-          <c:txPr>
-            <a:bodyPr rot="-5400000" spcFirstLastPara="1" vertOverflow="ellipsis" vert="horz" wrap="square" anchor="ctr" anchorCtr="1"/>
-            <a:lstStyle/>
-            <a:p>
-              <a:pPr>
-                <a:defRPr sz="2000" b="0" i="0" u="none" strike="noStrike" kern="1200" baseline="0">
-                  <a:solidFill>
-                    <a:schemeClr val="tx1">
-                      <a:lumMod val="65000"/>
-                      <a:lumOff val="35000"/>
-                    </a:schemeClr>
-                  </a:solidFill>
-                  <a:latin typeface="Arial" panose="020B0604020202020204" pitchFamily="34" charset="0"/>
-                  <a:ea typeface="+mn-ea"/>
-                  <a:cs typeface="Arial" panose="020B0604020202020204" pitchFamily="34" charset="0"/>
-                </a:defRPr>
-              </a:pPr>
-              <a:endParaRPr lang="et-EE"/>
-            </a:p>
-          </c:txPr>
-        </c:title>
-        <c:numFmt formatCode="General" sourceLinked="1"/>
-        <c:majorTickMark val="out"/>
-        <c:minorTickMark val="none"/>
-        <c:tickLblPos val="nextTo"/>
-        <c:spPr>
-          <a:noFill/>
-          <a:ln w="9525" cap="flat" cmpd="sng" algn="ctr">
-            <a:solidFill>
-              <a:schemeClr val="accent2"/>
-            </a:solidFill>
-            <a:round/>
-          </a:ln>
-          <a:effectLst/>
-        </c:spPr>
-        <c:txPr>
-          <a:bodyPr rot="-60000000" spcFirstLastPara="1" vertOverflow="ellipsis" vert="horz" wrap="square" anchor="ctr" anchorCtr="1"/>
-          <a:lstStyle/>
-          <a:p>
-            <a:pPr>
-              <a:defRPr sz="1600" b="0" i="0" u="none" strike="noStrike" kern="1200" baseline="0">
-                <a:solidFill>
-                  <a:schemeClr val="accent2"/>
-                </a:solidFill>
-                <a:latin typeface="Arial" panose="020B0604020202020204" pitchFamily="34" charset="0"/>
-                <a:ea typeface="+mn-ea"/>
-                <a:cs typeface="Arial" panose="020B0604020202020204" pitchFamily="34" charset="0"/>
-              </a:defRPr>
-            </a:pPr>
-            <a:endParaRPr lang="et-EE"/>
-          </a:p>
-        </c:txPr>
-        <c:crossAx val="305530336"/>
-        <c:crosses val="max"/>
-        <c:crossBetween val="midCat"/>
-      </c:valAx>
-      <c:valAx>
-        <c:axId val="305530336"/>
-        <c:scaling>
-          <c:orientation val="minMax"/>
-        </c:scaling>
-        <c:delete val="1"/>
-        <c:axPos val="b"/>
-        <c:numFmt formatCode="General" sourceLinked="1"/>
-        <c:majorTickMark val="out"/>
-        <c:minorTickMark val="none"/>
-        <c:tickLblPos val="nextTo"/>
-        <c:crossAx val="305527984"/>
-        <c:crosses val="autoZero"/>
-        <c:crossBetween val="midCat"/>
-      </c:valAx>
-      <c:spPr>
-        <a:noFill/>
-        <a:ln>
-          <a:noFill/>
-        </a:ln>
-        <a:effectLst/>
-      </c:spPr>
-    </c:plotArea>
-    <c:legend>
-      <c:legendPos val="r"/>
-      <c:layout>
-        <c:manualLayout>
-          <c:xMode val="edge"/>
-          <c:yMode val="edge"/>
-          <c:x val="0.87835079642822422"/>
-          <c:y val="0.37350633122775978"/>
-          <c:w val="0.11834232526489745"/>
-          <c:h val="0.29105336490941436"/>
-        </c:manualLayout>
-      </c:layout>
-      <c:overlay val="0"/>
-      <c:spPr>
-        <a:noFill/>
-        <a:ln>
-          <a:noFill/>
-        </a:ln>
-        <a:effectLst/>
-      </c:spPr>
-      <c:txPr>
-        <a:bodyPr rot="0" spcFirstLastPara="1" vertOverflow="ellipsis" vert="horz" wrap="square" anchor="ctr" anchorCtr="1"/>
-        <a:lstStyle/>
-        <a:p>
-          <a:pPr>
-            <a:defRPr sz="1600" b="0" i="0" u="none" strike="noStrike" kern="1200" baseline="0">
-              <a:solidFill>
-                <a:schemeClr val="tx1">
-                  <a:lumMod val="65000"/>
-                  <a:lumOff val="35000"/>
-                </a:schemeClr>
-              </a:solidFill>
-              <a:latin typeface="Arial" panose="020B0604020202020204" pitchFamily="34" charset="0"/>
-              <a:ea typeface="+mn-ea"/>
-              <a:cs typeface="Arial" panose="020B0604020202020204" pitchFamily="34" charset="0"/>
-            </a:defRPr>
-          </a:pPr>
-          <a:endParaRPr lang="et-EE"/>
-        </a:p>
-      </c:txPr>
-    </c:legend>
-    <c:plotVisOnly val="1"/>
-    <c:dispBlanksAs val="gap"/>
-    <c:showDLblsOverMax val="0"/>
-  </c:chart>
-  <c:spPr>
-    <a:noFill/>
-    <a:ln>
-      <a:noFill/>
-    </a:ln>
-    <a:effectLst/>
-  </c:spPr>
-  <c:txPr>
-    <a:bodyPr/>
-    <a:lstStyle/>
-    <a:p>
-      <a:pPr>
-        <a:defRPr>
-          <a:latin typeface="Arial" panose="020B0604020202020204" pitchFamily="34" charset="0"/>
-          <a:cs typeface="Arial" panose="020B0604020202020204" pitchFamily="34" charset="0"/>
-        </a:defRPr>
-      </a:pPr>
-      <a:endParaRPr lang="et-EE"/>
-    </a:p>
-  </c:txPr>
-  <c:externalData r:id="rId3">
-    <c:autoUpdate val="0"/>
-  </c:externalData>
-</c:chartSpace>
-</file>
-
-<file path=ppt/charts/chart3.xml><?xml version="1.0" encoding="utf-8"?>
-<c:chartSpace xmlns:c="http://schemas.openxmlformats.org/drawingml/2006/chart" xmlns:a="http://schemas.openxmlformats.org/drawingml/2006/main" xmlns:r="http://schemas.openxmlformats.org/officeDocument/2006/relationships">
-  <c:date1904 val="0"/>
-  <c:lang val="en-US"/>
-  <c:roundedCorners val="0"/>
-  <mc:AlternateContent xmlns:mc="http://schemas.openxmlformats.org/markup-compatibility/2006">
-    <mc:Choice xmlns:c14="http://schemas.microsoft.com/office/drawing/2007/8/2/chart" Requires="c14">
-      <c14:style val="102"/>
-    </mc:Choice>
-    <mc:Fallback>
-      <c:style val="2"/>
-    </mc:Fallback>
-  </mc:AlternateContent>
-  <c:chart>
-    <c:title>
-      <c:tx>
-        <c:rich>
-          <a:bodyPr rot="0" spcFirstLastPara="1" vertOverflow="ellipsis" vert="horz" wrap="square" anchor="ctr" anchorCtr="1"/>
-          <a:lstStyle/>
-          <a:p>
-            <a:pPr>
               <a:defRPr sz="2400" b="0" i="0" u="none" strike="noStrike" kern="1200" spc="0" baseline="0">
                 <a:solidFill>
                   <a:schemeClr val="tx1">
@@ -2694,8 +1591,8 @@
           <c:showPercent val="0"/>
           <c:showBubbleSize val="0"/>
         </c:dLbls>
-        <c:axId val="305531120"/>
-        <c:axId val="305534648"/>
+        <c:axId val="249526376"/>
+        <c:axId val="249527944"/>
       </c:scatterChart>
       <c:scatterChart>
         <c:scatterStyle val="lineMarker"/>
@@ -2948,11 +1845,11 @@
           <c:showPercent val="0"/>
           <c:showBubbleSize val="0"/>
         </c:dLbls>
-        <c:axId val="305535432"/>
-        <c:axId val="305535040"/>
+        <c:axId val="249520888"/>
+        <c:axId val="249528336"/>
       </c:scatterChart>
       <c:valAx>
-        <c:axId val="305531120"/>
+        <c:axId val="249526376"/>
         <c:scaling>
           <c:orientation val="minMax"/>
         </c:scaling>
@@ -3077,12 +1974,12 @@
             <a:endParaRPr lang="et-EE"/>
           </a:p>
         </c:txPr>
-        <c:crossAx val="305534648"/>
+        <c:crossAx val="249527944"/>
         <c:crosses val="autoZero"/>
         <c:crossBetween val="midCat"/>
       </c:valAx>
       <c:valAx>
-        <c:axId val="305534648"/>
+        <c:axId val="249527944"/>
         <c:scaling>
           <c:orientation val="minMax"/>
         </c:scaling>
@@ -3194,12 +2091,12 @@
             <a:endParaRPr lang="et-EE"/>
           </a:p>
         </c:txPr>
-        <c:crossAx val="305531120"/>
+        <c:crossAx val="249526376"/>
         <c:crosses val="autoZero"/>
         <c:crossBetween val="midCat"/>
       </c:valAx>
       <c:valAx>
-        <c:axId val="305535040"/>
+        <c:axId val="249528336"/>
         <c:scaling>
           <c:orientation val="minMax"/>
         </c:scaling>
@@ -3236,12 +2133,12 @@
             <a:endParaRPr lang="et-EE"/>
           </a:p>
         </c:txPr>
-        <c:crossAx val="305535432"/>
+        <c:crossAx val="249520888"/>
         <c:crosses val="max"/>
         <c:crossBetween val="midCat"/>
       </c:valAx>
       <c:valAx>
-        <c:axId val="305535432"/>
+        <c:axId val="249520888"/>
         <c:scaling>
           <c:orientation val="minMax"/>
         </c:scaling>
@@ -3251,7 +2148,7 @@
         <c:majorTickMark val="out"/>
         <c:minorTickMark val="none"/>
         <c:tickLblPos val="nextTo"/>
-        <c:crossAx val="305535040"/>
+        <c:crossAx val="249528336"/>
         <c:crosses val="autoZero"/>
         <c:crossBetween val="midCat"/>
       </c:valAx>
@@ -3376,46 +2273,6 @@
 </file>
 
 <file path=ppt/charts/colors2.xml><?xml version="1.0" encoding="utf-8"?>
-<cs:colorStyle xmlns:cs="http://schemas.microsoft.com/office/drawing/2012/chartStyle" xmlns:a="http://schemas.openxmlformats.org/drawingml/2006/main" meth="cycle" id="10">
-  <a:schemeClr val="accent1"/>
-  <a:schemeClr val="accent2"/>
-  <a:schemeClr val="accent3"/>
-  <a:schemeClr val="accent4"/>
-  <a:schemeClr val="accent5"/>
-  <a:schemeClr val="accent6"/>
-  <cs:variation/>
-  <cs:variation>
-    <a:lumMod val="60000"/>
-  </cs:variation>
-  <cs:variation>
-    <a:lumMod val="80000"/>
-    <a:lumOff val="20000"/>
-  </cs:variation>
-  <cs:variation>
-    <a:lumMod val="80000"/>
-  </cs:variation>
-  <cs:variation>
-    <a:lumMod val="60000"/>
-    <a:lumOff val="40000"/>
-  </cs:variation>
-  <cs:variation>
-    <a:lumMod val="50000"/>
-  </cs:variation>
-  <cs:variation>
-    <a:lumMod val="70000"/>
-    <a:lumOff val="30000"/>
-  </cs:variation>
-  <cs:variation>
-    <a:lumMod val="70000"/>
-  </cs:variation>
-  <cs:variation>
-    <a:lumMod val="50000"/>
-    <a:lumOff val="50000"/>
-  </cs:variation>
-</cs:colorStyle>
-</file>
-
-<file path=ppt/charts/colors3.xml><?xml version="1.0" encoding="utf-8"?>
 <cs:colorStyle xmlns:cs="http://schemas.microsoft.com/office/drawing/2012/chartStyle" xmlns:a="http://schemas.openxmlformats.org/drawingml/2006/main" meth="cycle" id="10">
   <a:schemeClr val="accent1"/>
   <a:schemeClr val="accent2"/>
@@ -4487,522 +3344,6 @@
 </cs:chartStyle>
 </file>
 
-<file path=ppt/charts/style3.xml><?xml version="1.0" encoding="utf-8"?>
-<cs:chartStyle xmlns:cs="http://schemas.microsoft.com/office/drawing/2012/chartStyle" xmlns:a="http://schemas.openxmlformats.org/drawingml/2006/main" id="240">
-  <cs:axisTitle>
-    <cs:lnRef idx="0"/>
-    <cs:fillRef idx="0"/>
-    <cs:effectRef idx="0"/>
-    <cs:fontRef idx="minor">
-      <a:schemeClr val="tx1">
-        <a:lumMod val="65000"/>
-        <a:lumOff val="35000"/>
-      </a:schemeClr>
-    </cs:fontRef>
-    <cs:defRPr sz="1000" kern="1200"/>
-  </cs:axisTitle>
-  <cs:categoryAxis>
-    <cs:lnRef idx="0"/>
-    <cs:fillRef idx="0"/>
-    <cs:effectRef idx="0"/>
-    <cs:fontRef idx="minor">
-      <a:schemeClr val="tx1">
-        <a:lumMod val="65000"/>
-        <a:lumOff val="35000"/>
-      </a:schemeClr>
-    </cs:fontRef>
-    <cs:spPr>
-      <a:ln w="9525" cap="flat" cmpd="sng" algn="ctr">
-        <a:solidFill>
-          <a:schemeClr val="tx1">
-            <a:lumMod val="25000"/>
-            <a:lumOff val="75000"/>
-          </a:schemeClr>
-        </a:solidFill>
-        <a:round/>
-      </a:ln>
-    </cs:spPr>
-    <cs:defRPr sz="900" kern="1200"/>
-  </cs:categoryAxis>
-  <cs:chartArea mods="allowNoFillOverride allowNoLineOverride">
-    <cs:lnRef idx="0"/>
-    <cs:fillRef idx="0"/>
-    <cs:effectRef idx="0"/>
-    <cs:fontRef idx="minor">
-      <a:schemeClr val="tx1"/>
-    </cs:fontRef>
-    <cs:spPr>
-      <a:solidFill>
-        <a:schemeClr val="bg1"/>
-      </a:solidFill>
-      <a:ln w="9525" cap="flat" cmpd="sng" algn="ctr">
-        <a:solidFill>
-          <a:schemeClr val="tx1">
-            <a:lumMod val="15000"/>
-            <a:lumOff val="85000"/>
-          </a:schemeClr>
-        </a:solidFill>
-        <a:round/>
-      </a:ln>
-    </cs:spPr>
-    <cs:defRPr sz="1000" kern="1200"/>
-  </cs:chartArea>
-  <cs:dataLabel>
-    <cs:lnRef idx="0"/>
-    <cs:fillRef idx="0"/>
-    <cs:effectRef idx="0"/>
-    <cs:fontRef idx="minor">
-      <a:schemeClr val="tx1">
-        <a:lumMod val="75000"/>
-        <a:lumOff val="25000"/>
-      </a:schemeClr>
-    </cs:fontRef>
-    <cs:defRPr sz="900" kern="1200"/>
-  </cs:dataLabel>
-  <cs:dataLabelCallout>
-    <cs:lnRef idx="0"/>
-    <cs:fillRef idx="0"/>
-    <cs:effectRef idx="0"/>
-    <cs:fontRef idx="minor">
-      <a:schemeClr val="dk1">
-        <a:lumMod val="65000"/>
-        <a:lumOff val="35000"/>
-      </a:schemeClr>
-    </cs:fontRef>
-    <cs:spPr>
-      <a:solidFill>
-        <a:schemeClr val="lt1"/>
-      </a:solidFill>
-      <a:ln>
-        <a:solidFill>
-          <a:schemeClr val="dk1">
-            <a:lumMod val="25000"/>
-            <a:lumOff val="75000"/>
-          </a:schemeClr>
-        </a:solidFill>
-      </a:ln>
-    </cs:spPr>
-    <cs:defRPr sz="900" kern="1200"/>
-    <cs:bodyPr rot="0" spcFirstLastPara="1" vertOverflow="clip" horzOverflow="clip" vert="horz" wrap="square" lIns="36576" tIns="18288" rIns="36576" bIns="18288" anchor="ctr" anchorCtr="1">
-      <a:spAutoFit/>
-    </cs:bodyPr>
-  </cs:dataLabelCallout>
-  <cs:dataPoint>
-    <cs:lnRef idx="0"/>
-    <cs:fillRef idx="1">
-      <cs:styleClr val="auto"/>
-    </cs:fillRef>
-    <cs:effectRef idx="0"/>
-    <cs:fontRef idx="minor">
-      <a:schemeClr val="tx1"/>
-    </cs:fontRef>
-  </cs:dataPoint>
-  <cs:dataPoint3D>
-    <cs:lnRef idx="0"/>
-    <cs:fillRef idx="1">
-      <cs:styleClr val="auto"/>
-    </cs:fillRef>
-    <cs:effectRef idx="0"/>
-    <cs:fontRef idx="minor">
-      <a:schemeClr val="tx1"/>
-    </cs:fontRef>
-  </cs:dataPoint3D>
-  <cs:dataPointLine>
-    <cs:lnRef idx="0">
-      <cs:styleClr val="auto"/>
-    </cs:lnRef>
-    <cs:fillRef idx="1"/>
-    <cs:effectRef idx="0"/>
-    <cs:fontRef idx="minor">
-      <a:schemeClr val="tx1"/>
-    </cs:fontRef>
-    <cs:spPr>
-      <a:ln w="19050" cap="rnd">
-        <a:solidFill>
-          <a:schemeClr val="phClr"/>
-        </a:solidFill>
-        <a:round/>
-      </a:ln>
-    </cs:spPr>
-  </cs:dataPointLine>
-  <cs:dataPointMarker>
-    <cs:lnRef idx="0">
-      <cs:styleClr val="auto"/>
-    </cs:lnRef>
-    <cs:fillRef idx="1">
-      <cs:styleClr val="auto"/>
-    </cs:fillRef>
-    <cs:effectRef idx="0"/>
-    <cs:fontRef idx="minor">
-      <a:schemeClr val="tx1"/>
-    </cs:fontRef>
-    <cs:spPr>
-      <a:ln w="9525">
-        <a:solidFill>
-          <a:schemeClr val="phClr"/>
-        </a:solidFill>
-      </a:ln>
-    </cs:spPr>
-  </cs:dataPointMarker>
-  <cs:dataPointMarkerLayout symbol="circle" size="5"/>
-  <cs:dataPointWireframe>
-    <cs:lnRef idx="0">
-      <cs:styleClr val="auto"/>
-    </cs:lnRef>
-    <cs:fillRef idx="0"/>
-    <cs:effectRef idx="0"/>
-    <cs:fontRef idx="minor">
-      <a:schemeClr val="dk1"/>
-    </cs:fontRef>
-    <cs:spPr>
-      <a:ln w="9525" cap="rnd">
-        <a:solidFill>
-          <a:schemeClr val="phClr"/>
-        </a:solidFill>
-        <a:round/>
-      </a:ln>
-    </cs:spPr>
-  </cs:dataPointWireframe>
-  <cs:dataTable>
-    <cs:lnRef idx="0"/>
-    <cs:fillRef idx="0"/>
-    <cs:effectRef idx="0"/>
-    <cs:fontRef idx="minor">
-      <a:schemeClr val="tx1">
-        <a:lumMod val="65000"/>
-        <a:lumOff val="35000"/>
-      </a:schemeClr>
-    </cs:fontRef>
-    <cs:spPr>
-      <a:noFill/>
-      <a:ln w="9525" cap="flat" cmpd="sng" algn="ctr">
-        <a:solidFill>
-          <a:schemeClr val="tx1">
-            <a:lumMod val="15000"/>
-            <a:lumOff val="85000"/>
-          </a:schemeClr>
-        </a:solidFill>
-        <a:round/>
-      </a:ln>
-    </cs:spPr>
-    <cs:defRPr sz="900" kern="1200"/>
-  </cs:dataTable>
-  <cs:downBar>
-    <cs:lnRef idx="0"/>
-    <cs:fillRef idx="0"/>
-    <cs:effectRef idx="0"/>
-    <cs:fontRef idx="minor">
-      <a:schemeClr val="tx1"/>
-    </cs:fontRef>
-    <cs:spPr>
-      <a:solidFill>
-        <a:schemeClr val="dk1">
-          <a:lumMod val="75000"/>
-          <a:lumOff val="25000"/>
-        </a:schemeClr>
-      </a:solidFill>
-      <a:ln w="9525" cap="flat" cmpd="sng" algn="ctr">
-        <a:solidFill>
-          <a:schemeClr val="tx1">
-            <a:lumMod val="65000"/>
-            <a:lumOff val="35000"/>
-          </a:schemeClr>
-        </a:solidFill>
-        <a:round/>
-      </a:ln>
-    </cs:spPr>
-  </cs:downBar>
-  <cs:dropLine>
-    <cs:lnRef idx="0"/>
-    <cs:fillRef idx="0"/>
-    <cs:effectRef idx="0"/>
-    <cs:fontRef idx="minor">
-      <a:schemeClr val="tx1"/>
-    </cs:fontRef>
-    <cs:spPr>
-      <a:ln w="9525" cap="flat" cmpd="sng" algn="ctr">
-        <a:solidFill>
-          <a:schemeClr val="tx1">
-            <a:lumMod val="35000"/>
-            <a:lumOff val="65000"/>
-          </a:schemeClr>
-        </a:solidFill>
-        <a:round/>
-      </a:ln>
-    </cs:spPr>
-  </cs:dropLine>
-  <cs:errorBar>
-    <cs:lnRef idx="0"/>
-    <cs:fillRef idx="0"/>
-    <cs:effectRef idx="0"/>
-    <cs:fontRef idx="minor">
-      <a:schemeClr val="tx1"/>
-    </cs:fontRef>
-    <cs:spPr>
-      <a:ln w="9525" cap="flat" cmpd="sng" algn="ctr">
-        <a:solidFill>
-          <a:schemeClr val="tx1">
-            <a:lumMod val="65000"/>
-            <a:lumOff val="35000"/>
-          </a:schemeClr>
-        </a:solidFill>
-        <a:round/>
-      </a:ln>
-    </cs:spPr>
-  </cs:errorBar>
-  <cs:floor>
-    <cs:lnRef idx="0"/>
-    <cs:fillRef idx="0"/>
-    <cs:effectRef idx="0"/>
-    <cs:fontRef idx="minor">
-      <a:schemeClr val="tx1"/>
-    </cs:fontRef>
-    <cs:spPr>
-      <a:noFill/>
-      <a:ln>
-        <a:noFill/>
-      </a:ln>
-    </cs:spPr>
-  </cs:floor>
-  <cs:gridlineMajor>
-    <cs:lnRef idx="0"/>
-    <cs:fillRef idx="0"/>
-    <cs:effectRef idx="0"/>
-    <cs:fontRef idx="minor">
-      <a:schemeClr val="tx1"/>
-    </cs:fontRef>
-    <cs:spPr>
-      <a:ln w="9525" cap="flat" cmpd="sng" algn="ctr">
-        <a:solidFill>
-          <a:schemeClr val="tx1">
-            <a:lumMod val="15000"/>
-            <a:lumOff val="85000"/>
-          </a:schemeClr>
-        </a:solidFill>
-        <a:round/>
-      </a:ln>
-    </cs:spPr>
-  </cs:gridlineMajor>
-  <cs:gridlineMinor>
-    <cs:lnRef idx="0"/>
-    <cs:fillRef idx="0"/>
-    <cs:effectRef idx="0"/>
-    <cs:fontRef idx="minor">
-      <a:schemeClr val="tx1"/>
-    </cs:fontRef>
-    <cs:spPr>
-      <a:ln w="9525" cap="flat" cmpd="sng" algn="ctr">
-        <a:solidFill>
-          <a:schemeClr val="tx1">
-            <a:lumMod val="5000"/>
-            <a:lumOff val="95000"/>
-          </a:schemeClr>
-        </a:solidFill>
-        <a:round/>
-      </a:ln>
-    </cs:spPr>
-  </cs:gridlineMinor>
-  <cs:hiLoLine>
-    <cs:lnRef idx="0"/>
-    <cs:fillRef idx="0"/>
-    <cs:effectRef idx="0"/>
-    <cs:fontRef idx="minor">
-      <a:schemeClr val="tx1"/>
-    </cs:fontRef>
-    <cs:spPr>
-      <a:ln w="9525" cap="flat" cmpd="sng" algn="ctr">
-        <a:solidFill>
-          <a:schemeClr val="tx1">
-            <a:lumMod val="50000"/>
-            <a:lumOff val="50000"/>
-          </a:schemeClr>
-        </a:solidFill>
-        <a:round/>
-      </a:ln>
-    </cs:spPr>
-  </cs:hiLoLine>
-  <cs:leaderLine>
-    <cs:lnRef idx="0"/>
-    <cs:fillRef idx="0"/>
-    <cs:effectRef idx="0"/>
-    <cs:fontRef idx="minor">
-      <a:schemeClr val="tx1"/>
-    </cs:fontRef>
-    <cs:spPr>
-      <a:ln w="9525" cap="flat" cmpd="sng" algn="ctr">
-        <a:solidFill>
-          <a:schemeClr val="tx1">
-            <a:lumMod val="35000"/>
-            <a:lumOff val="65000"/>
-          </a:schemeClr>
-        </a:solidFill>
-        <a:round/>
-      </a:ln>
-    </cs:spPr>
-  </cs:leaderLine>
-  <cs:legend>
-    <cs:lnRef idx="0"/>
-    <cs:fillRef idx="0"/>
-    <cs:effectRef idx="0"/>
-    <cs:fontRef idx="minor">
-      <a:schemeClr val="tx1">
-        <a:lumMod val="65000"/>
-        <a:lumOff val="35000"/>
-      </a:schemeClr>
-    </cs:fontRef>
-    <cs:defRPr sz="900" kern="1200"/>
-  </cs:legend>
-  <cs:plotArea mods="allowNoFillOverride allowNoLineOverride">
-    <cs:lnRef idx="0"/>
-    <cs:fillRef idx="0"/>
-    <cs:effectRef idx="0"/>
-    <cs:fontRef idx="minor">
-      <a:schemeClr val="tx1"/>
-    </cs:fontRef>
-  </cs:plotArea>
-  <cs:plotArea3D mods="allowNoFillOverride allowNoLineOverride">
-    <cs:lnRef idx="0"/>
-    <cs:fillRef idx="0"/>
-    <cs:effectRef idx="0"/>
-    <cs:fontRef idx="minor">
-      <a:schemeClr val="tx1"/>
-    </cs:fontRef>
-  </cs:plotArea3D>
-  <cs:seriesAxis>
-    <cs:lnRef idx="0"/>
-    <cs:fillRef idx="0"/>
-    <cs:effectRef idx="0"/>
-    <cs:fontRef idx="minor">
-      <a:schemeClr val="tx1">
-        <a:lumMod val="65000"/>
-        <a:lumOff val="35000"/>
-      </a:schemeClr>
-    </cs:fontRef>
-    <cs:defRPr sz="900" kern="1200"/>
-  </cs:seriesAxis>
-  <cs:seriesLine>
-    <cs:lnRef idx="0"/>
-    <cs:fillRef idx="0"/>
-    <cs:effectRef idx="0"/>
-    <cs:fontRef idx="minor">
-      <a:schemeClr val="tx1"/>
-    </cs:fontRef>
-    <cs:spPr>
-      <a:ln w="9525" cap="flat" cmpd="sng" algn="ctr">
-        <a:solidFill>
-          <a:schemeClr val="tx1">
-            <a:lumMod val="35000"/>
-            <a:lumOff val="65000"/>
-          </a:schemeClr>
-        </a:solidFill>
-        <a:round/>
-      </a:ln>
-    </cs:spPr>
-  </cs:seriesLine>
-  <cs:title>
-    <cs:lnRef idx="0"/>
-    <cs:fillRef idx="0"/>
-    <cs:effectRef idx="0"/>
-    <cs:fontRef idx="minor">
-      <a:schemeClr val="tx1">
-        <a:lumMod val="65000"/>
-        <a:lumOff val="35000"/>
-      </a:schemeClr>
-    </cs:fontRef>
-    <cs:defRPr sz="1400" b="0" kern="1200" spc="0" baseline="0"/>
-  </cs:title>
-  <cs:trendline>
-    <cs:lnRef idx="0">
-      <cs:styleClr val="auto"/>
-    </cs:lnRef>
-    <cs:fillRef idx="0"/>
-    <cs:effectRef idx="0"/>
-    <cs:fontRef idx="minor">
-      <a:schemeClr val="tx1"/>
-    </cs:fontRef>
-    <cs:spPr>
-      <a:ln w="19050" cap="rnd">
-        <a:solidFill>
-          <a:schemeClr val="phClr"/>
-        </a:solidFill>
-        <a:prstDash val="sysDot"/>
-      </a:ln>
-    </cs:spPr>
-  </cs:trendline>
-  <cs:trendlineLabel>
-    <cs:lnRef idx="0"/>
-    <cs:fillRef idx="0"/>
-    <cs:effectRef idx="0"/>
-    <cs:fontRef idx="minor">
-      <a:schemeClr val="tx1">
-        <a:lumMod val="65000"/>
-        <a:lumOff val="35000"/>
-      </a:schemeClr>
-    </cs:fontRef>
-    <cs:defRPr sz="900" kern="1200"/>
-  </cs:trendlineLabel>
-  <cs:upBar>
-    <cs:lnRef idx="0"/>
-    <cs:fillRef idx="0"/>
-    <cs:effectRef idx="0"/>
-    <cs:fontRef idx="minor">
-      <a:schemeClr val="tx1"/>
-    </cs:fontRef>
-    <cs:spPr>
-      <a:solidFill>
-        <a:schemeClr val="lt1"/>
-      </a:solidFill>
-      <a:ln w="9525" cap="flat" cmpd="sng" algn="ctr">
-        <a:solidFill>
-          <a:schemeClr val="tx1">
-            <a:lumMod val="65000"/>
-            <a:lumOff val="35000"/>
-          </a:schemeClr>
-        </a:solidFill>
-        <a:round/>
-      </a:ln>
-    </cs:spPr>
-  </cs:upBar>
-  <cs:valueAxis>
-    <cs:lnRef idx="0"/>
-    <cs:fillRef idx="0"/>
-    <cs:effectRef idx="0"/>
-    <cs:fontRef idx="minor">
-      <a:schemeClr val="tx1">
-        <a:lumMod val="65000"/>
-        <a:lumOff val="35000"/>
-      </a:schemeClr>
-    </cs:fontRef>
-    <cs:spPr>
-      <a:ln w="9525" cap="flat" cmpd="sng" algn="ctr">
-        <a:solidFill>
-          <a:schemeClr val="tx1">
-            <a:lumMod val="25000"/>
-            <a:lumOff val="75000"/>
-          </a:schemeClr>
-        </a:solidFill>
-        <a:round/>
-      </a:ln>
-    </cs:spPr>
-    <cs:defRPr sz="900" kern="1200"/>
-  </cs:valueAxis>
-  <cs:wall>
-    <cs:lnRef idx="0"/>
-    <cs:fillRef idx="0"/>
-    <cs:effectRef idx="0"/>
-    <cs:fontRef idx="minor">
-      <a:schemeClr val="tx1"/>
-    </cs:fontRef>
-    <cs:spPr>
-      <a:noFill/>
-      <a:ln>
-        <a:noFill/>
-      </a:ln>
-    </cs:spPr>
-  </cs:wall>
-</cs:chartStyle>
-</file>
-
 <file path=ppt/drawings/drawing1.xml><?xml version="1.0" encoding="utf-8"?>
 <c:userShapes xmlns:c="http://schemas.openxmlformats.org/drawingml/2006/chart">
   <cdr:relSizeAnchor xmlns:cdr="http://schemas.openxmlformats.org/drawingml/2006/chartDrawing">
@@ -5269,7 +3610,7 @@
           <a:p>
             <a:fld id="{1838F80B-A628-425D-B3A1-2B0695012D5D}" type="datetimeFigureOut">
               <a:rPr lang="et-EE" smtClean="0"/>
-              <a:t>19.01.2016</a:t>
+              <a:t>20.01.2016</a:t>
             </a:fld>
             <a:endParaRPr lang="et-EE"/>
           </a:p>
@@ -5599,7 +3940,7 @@
           <a:p>
             <a:fld id="{1838F80B-A628-425D-B3A1-2B0695012D5D}" type="datetimeFigureOut">
               <a:rPr lang="et-EE" smtClean="0"/>
-              <a:t>19.01.2016</a:t>
+              <a:t>20.01.2016</a:t>
             </a:fld>
             <a:endParaRPr lang="et-EE"/>
           </a:p>
@@ -5779,7 +4120,7 @@
           <a:p>
             <a:fld id="{1838F80B-A628-425D-B3A1-2B0695012D5D}" type="datetimeFigureOut">
               <a:rPr lang="et-EE" smtClean="0"/>
-              <a:t>19.01.2016</a:t>
+              <a:t>20.01.2016</a:t>
             </a:fld>
             <a:endParaRPr lang="et-EE"/>
           </a:p>
@@ -5949,7 +4290,7 @@
           <a:p>
             <a:fld id="{1838F80B-A628-425D-B3A1-2B0695012D5D}" type="datetimeFigureOut">
               <a:rPr lang="et-EE" smtClean="0"/>
-              <a:t>19.01.2016</a:t>
+              <a:t>20.01.2016</a:t>
             </a:fld>
             <a:endParaRPr lang="et-EE"/>
           </a:p>
@@ -6221,7 +4562,7 @@
           <a:p>
             <a:fld id="{1838F80B-A628-425D-B3A1-2B0695012D5D}" type="datetimeFigureOut">
               <a:rPr lang="et-EE" smtClean="0"/>
-              <a:t>19.01.2016</a:t>
+              <a:t>20.01.2016</a:t>
             </a:fld>
             <a:endParaRPr lang="et-EE"/>
           </a:p>
@@ -6615,7 +4956,7 @@
           <a:p>
             <a:fld id="{1838F80B-A628-425D-B3A1-2B0695012D5D}" type="datetimeFigureOut">
               <a:rPr lang="et-EE" smtClean="0"/>
-              <a:t>19.01.2016</a:t>
+              <a:t>20.01.2016</a:t>
             </a:fld>
             <a:endParaRPr lang="et-EE"/>
           </a:p>
@@ -7097,7 +5438,7 @@
           <a:p>
             <a:fld id="{1838F80B-A628-425D-B3A1-2B0695012D5D}" type="datetimeFigureOut">
               <a:rPr lang="et-EE" smtClean="0"/>
-              <a:t>19.01.2016</a:t>
+              <a:t>20.01.2016</a:t>
             </a:fld>
             <a:endParaRPr lang="et-EE"/>
           </a:p>
@@ -7220,7 +5561,7 @@
           <a:p>
             <a:fld id="{1838F80B-A628-425D-B3A1-2B0695012D5D}" type="datetimeFigureOut">
               <a:rPr lang="et-EE" smtClean="0"/>
-              <a:t>19.01.2016</a:t>
+              <a:t>20.01.2016</a:t>
             </a:fld>
             <a:endParaRPr lang="et-EE"/>
           </a:p>
@@ -7315,7 +5656,7 @@
           <a:p>
             <a:fld id="{1838F80B-A628-425D-B3A1-2B0695012D5D}" type="datetimeFigureOut">
               <a:rPr lang="et-EE" smtClean="0"/>
-              <a:t>19.01.2016</a:t>
+              <a:t>20.01.2016</a:t>
             </a:fld>
             <a:endParaRPr lang="et-EE"/>
           </a:p>
@@ -7661,7 +6002,7 @@
           <a:p>
             <a:fld id="{1838F80B-A628-425D-B3A1-2B0695012D5D}" type="datetimeFigureOut">
               <a:rPr lang="et-EE" smtClean="0"/>
-              <a:t>19.01.2016</a:t>
+              <a:t>20.01.2016</a:t>
             </a:fld>
             <a:endParaRPr lang="et-EE"/>
           </a:p>
@@ -8054,7 +6395,7 @@
           <a:p>
             <a:fld id="{1838F80B-A628-425D-B3A1-2B0695012D5D}" type="datetimeFigureOut">
               <a:rPr lang="et-EE" smtClean="0"/>
-              <a:t>19.01.2016</a:t>
+              <a:t>20.01.2016</a:t>
             </a:fld>
             <a:endParaRPr lang="et-EE"/>
           </a:p>
@@ -8332,7 +6673,7 @@
           <a:p>
             <a:fld id="{1838F80B-A628-425D-B3A1-2B0695012D5D}" type="datetimeFigureOut">
               <a:rPr lang="et-EE" smtClean="0"/>
-              <a:t>19.01.2016</a:t>
+              <a:t>20.01.2016</a:t>
             </a:fld>
             <a:endParaRPr lang="et-EE"/>
           </a:p>
@@ -9095,118 +7436,40 @@
           <a:chExt cx="0" cy="0"/>
         </a:xfrm>
       </p:grpSpPr>
-      <p:pic>
-        <p:nvPicPr>
-          <p:cNvPr id="4" name="Content Placeholder 3"/>
-          <p:cNvPicPr>
-            <a:picLocks noGrp="1" noChangeAspect="1"/>
-          </p:cNvPicPr>
-          <p:nvPr>
-            <p:ph idx="1"/>
-          </p:nvPr>
-        </p:nvPicPr>
-        <p:blipFill>
-          <a:blip r:embed="rId2">
-            <a:extLst>
-              <a:ext uri="{28A0092B-C50C-407E-A947-70E740481C1C}">
-                <a14:useLocalDpi xmlns:a14="http://schemas.microsoft.com/office/drawing/2010/main" val="0"/>
-              </a:ext>
-            </a:extLst>
-          </a:blip>
-          <a:stretch>
-            <a:fillRect/>
-          </a:stretch>
-        </p:blipFill>
-        <p:spPr>
-          <a:xfrm>
-            <a:off x="948038" y="1187355"/>
-            <a:ext cx="7267494" cy="5343745"/>
-          </a:xfrm>
-        </p:spPr>
-      </p:pic>
       <p:sp>
         <p:nvSpPr>
-          <p:cNvPr id="5" name="TextBox 4"/>
-          <p:cNvSpPr txBox="1"/>
-          <p:nvPr/>
+          <p:cNvPr id="2" name="Title 1"/>
+          <p:cNvSpPr>
+            <a:spLocks noGrp="1"/>
+          </p:cNvSpPr>
+          <p:nvPr>
+            <p:ph type="title"/>
+          </p:nvPr>
         </p:nvSpPr>
         <p:spPr>
           <a:xfrm>
-            <a:off x="8660116" y="3293449"/>
-            <a:ext cx="1937982" cy="923330"/>
+            <a:off x="1912551" y="2897746"/>
+            <a:ext cx="9369341" cy="1622739"/>
           </a:xfrm>
-          <a:prstGeom prst="rect">
-            <a:avLst/>
-          </a:prstGeom>
-          <a:noFill/>
         </p:spPr>
         <p:txBody>
-          <a:bodyPr wrap="square" rtlCol="0">
-            <a:spAutoFit/>
+          <a:bodyPr>
+            <a:noAutofit/>
           </a:bodyPr>
           <a:lstStyle/>
           <a:p>
             <a:r>
-              <a:rPr lang="en-US" dirty="0">
-                <a:latin typeface="Arial" panose="020B0604020202020204" pitchFamily="34" charset="0"/>
-                <a:cs typeface="Arial" panose="020B0604020202020204" pitchFamily="34" charset="0"/>
+              <a:rPr lang="en-US" sz="6000" dirty="0" smtClean="0">
+                <a:solidFill>
+                  <a:srgbClr val="0070C0"/>
+                </a:solidFill>
               </a:rPr>
-              <a:t>1</a:t>
-            </a:r>
-            <a:r>
-              <a:rPr lang="en-US" dirty="0" smtClean="0">
-                <a:latin typeface="Arial" panose="020B0604020202020204" pitchFamily="34" charset="0"/>
-                <a:cs typeface="Arial" panose="020B0604020202020204" pitchFamily="34" charset="0"/>
-              </a:rPr>
-              <a:t>0 packages</a:t>
-            </a:r>
-          </a:p>
-          <a:p>
-            <a:r>
-              <a:rPr lang="en-US" dirty="0" smtClean="0">
-                <a:latin typeface="Arial" panose="020B0604020202020204" pitchFamily="34" charset="0"/>
-                <a:cs typeface="Arial" panose="020B0604020202020204" pitchFamily="34" charset="0"/>
-              </a:rPr>
-              <a:t>100000 runs</a:t>
-            </a:r>
-          </a:p>
-          <a:p>
-            <a:endParaRPr lang="et-EE" dirty="0"/>
-          </a:p>
-        </p:txBody>
-      </p:sp>
-      <p:sp>
-        <p:nvSpPr>
-          <p:cNvPr id="6" name="TextBox 5"/>
-          <p:cNvSpPr txBox="1"/>
-          <p:nvPr/>
-        </p:nvSpPr>
-        <p:spPr>
-          <a:xfrm>
-            <a:off x="3390950" y="1862843"/>
-            <a:ext cx="2861532" cy="307777"/>
-          </a:xfrm>
-          <a:prstGeom prst="rect">
-            <a:avLst/>
-          </a:prstGeom>
-          <a:noFill/>
-        </p:spPr>
-        <p:txBody>
-          <a:bodyPr wrap="square" rtlCol="0">
-            <a:spAutoFit/>
-          </a:bodyPr>
-          <a:lstStyle/>
-          <a:p>
-            <a:r>
-              <a:rPr lang="en-US" sz="1400" b="1" dirty="0" smtClean="0">
-                <a:latin typeface="Arial" panose="020B0604020202020204" pitchFamily="34" charset="0"/>
-                <a:cs typeface="Arial" panose="020B0604020202020204" pitchFamily="34" charset="0"/>
-              </a:rPr>
-              <a:t>Packages that remain unused</a:t>
-            </a:r>
-            <a:endParaRPr lang="et-EE" sz="1400" b="1" dirty="0">
-              <a:latin typeface="Arial" panose="020B0604020202020204" pitchFamily="34" charset="0"/>
-              <a:cs typeface="Arial" panose="020B0604020202020204" pitchFamily="34" charset="0"/>
+              <a:t>HILL CLIMBING ALGORITHM</a:t>
+            </a:r>
+            <a:endParaRPr lang="et-EE" sz="6000" dirty="0">
+              <a:solidFill>
+                <a:srgbClr val="0070C0"/>
+              </a:solidFill>
             </a:endParaRPr>
           </a:p>
         </p:txBody>
@@ -9214,7 +7477,7 @@
     </p:spTree>
     <p:extLst>
       <p:ext uri="{BB962C8B-B14F-4D97-AF65-F5344CB8AC3E}">
-        <p14:creationId xmlns:p14="http://schemas.microsoft.com/office/powerpoint/2010/main" val="4283857054"/>
+        <p14:creationId xmlns:p14="http://schemas.microsoft.com/office/powerpoint/2010/main" val="1141711639"/>
       </p:ext>
     </p:extLst>
   </p:cSld>
@@ -9232,6 +7495,595 @@
 </file>
 
 <file path=ppt/slides/slide11.xml><?xml version="1.0" encoding="utf-8"?>
+<p:sld xmlns:a="http://schemas.openxmlformats.org/drawingml/2006/main" xmlns:r="http://schemas.openxmlformats.org/officeDocument/2006/relationships" xmlns:p="http://schemas.openxmlformats.org/presentationml/2006/main">
+  <p:cSld>
+    <p:spTree>
+      <p:nvGrpSpPr>
+        <p:cNvPr id="1" name=""/>
+        <p:cNvGrpSpPr/>
+        <p:nvPr/>
+      </p:nvGrpSpPr>
+      <p:grpSpPr>
+        <a:xfrm>
+          <a:off x="0" y="0"/>
+          <a:ext cx="0" cy="0"/>
+          <a:chOff x="0" y="0"/>
+          <a:chExt cx="0" cy="0"/>
+        </a:xfrm>
+      </p:grpSpPr>
+      <p:sp>
+        <p:nvSpPr>
+          <p:cNvPr id="2" name="Title 1"/>
+          <p:cNvSpPr>
+            <a:spLocks noGrp="1"/>
+          </p:cNvSpPr>
+          <p:nvPr>
+            <p:ph type="title"/>
+          </p:nvPr>
+        </p:nvSpPr>
+        <p:spPr>
+          <a:xfrm>
+            <a:off x="802947" y="199860"/>
+            <a:ext cx="9875520" cy="1356360"/>
+          </a:xfrm>
+        </p:spPr>
+        <p:txBody>
+          <a:bodyPr>
+            <a:normAutofit/>
+          </a:bodyPr>
+          <a:lstStyle/>
+          <a:p>
+            <a:r>
+              <a:rPr lang="en-US" dirty="0" smtClean="0">
+                <a:solidFill>
+                  <a:srgbClr val="0070C0"/>
+                </a:solidFill>
+                <a:cs typeface="Arial" panose="020B0604020202020204" pitchFamily="34" charset="0"/>
+              </a:rPr>
+              <a:t>Implementation</a:t>
+            </a:r>
+            <a:endParaRPr lang="et-EE" dirty="0">
+              <a:solidFill>
+                <a:srgbClr val="0070C0"/>
+              </a:solidFill>
+              <a:cs typeface="Arial" panose="020B0604020202020204" pitchFamily="34" charset="0"/>
+            </a:endParaRPr>
+          </a:p>
+        </p:txBody>
+      </p:sp>
+      <p:sp>
+        <p:nvSpPr>
+          <p:cNvPr id="6" name="TextBox 5"/>
+          <p:cNvSpPr txBox="1"/>
+          <p:nvPr/>
+        </p:nvSpPr>
+        <p:spPr>
+          <a:xfrm>
+            <a:off x="802947" y="1107669"/>
+            <a:ext cx="9419703" cy="2308324"/>
+          </a:xfrm>
+          <a:prstGeom prst="rect">
+            <a:avLst/>
+          </a:prstGeom>
+          <a:noFill/>
+        </p:spPr>
+        <p:txBody>
+          <a:bodyPr wrap="square" rtlCol="0">
+            <a:spAutoFit/>
+          </a:bodyPr>
+          <a:lstStyle/>
+          <a:p>
+            <a:pPr marL="285750" indent="-285750">
+              <a:buFont typeface="Arial" panose="020B0604020202020204" pitchFamily="34" charset="0"/>
+              <a:buChar char="•"/>
+            </a:pPr>
+            <a:r>
+              <a:rPr lang="en-US" sz="2400" dirty="0" smtClean="0">
+                <a:latin typeface="Arial" panose="020B0604020202020204" pitchFamily="34" charset="0"/>
+                <a:cs typeface="Arial" panose="020B0604020202020204" pitchFamily="34" charset="0"/>
+              </a:rPr>
+              <a:t>Start with an arbitrary solution</a:t>
+            </a:r>
+          </a:p>
+          <a:p>
+            <a:pPr marL="285750" indent="-285750">
+              <a:buFont typeface="Arial" panose="020B0604020202020204" pitchFamily="34" charset="0"/>
+              <a:buChar char="•"/>
+            </a:pPr>
+            <a:r>
+              <a:rPr lang="en-US" sz="2400" dirty="0" smtClean="0">
+                <a:latin typeface="Arial" panose="020B0604020202020204" pitchFamily="34" charset="0"/>
+                <a:cs typeface="Arial" panose="020B0604020202020204" pitchFamily="34" charset="0"/>
+              </a:rPr>
+              <a:t>Create </a:t>
+            </a:r>
+            <a:r>
+              <a:rPr lang="en-US" sz="2400" dirty="0" err="1" smtClean="0">
+                <a:latin typeface="Arial" panose="020B0604020202020204" pitchFamily="34" charset="0"/>
+                <a:cs typeface="Arial" panose="020B0604020202020204" pitchFamily="34" charset="0"/>
+              </a:rPr>
+              <a:t>neighbouring</a:t>
+            </a:r>
+            <a:r>
+              <a:rPr lang="en-US" sz="2400" dirty="0" smtClean="0">
+                <a:latin typeface="Arial" panose="020B0604020202020204" pitchFamily="34" charset="0"/>
+                <a:cs typeface="Arial" panose="020B0604020202020204" pitchFamily="34" charset="0"/>
+              </a:rPr>
+              <a:t> solutions (change n random packages and fill the remaining empty space)</a:t>
+            </a:r>
+          </a:p>
+          <a:p>
+            <a:pPr marL="285750" indent="-285750">
+              <a:buFont typeface="Arial" panose="020B0604020202020204" pitchFamily="34" charset="0"/>
+              <a:buChar char="•"/>
+            </a:pPr>
+            <a:r>
+              <a:rPr lang="en-US" sz="2400" dirty="0" smtClean="0">
+                <a:latin typeface="Arial" panose="020B0604020202020204" pitchFamily="34" charset="0"/>
+                <a:cs typeface="Arial" panose="020B0604020202020204" pitchFamily="34" charset="0"/>
+              </a:rPr>
+              <a:t>Choose the best next solution based on an objective function (maximizing the value of a packing)</a:t>
+            </a:r>
+          </a:p>
+          <a:p>
+            <a:pPr marL="285750" indent="-285750">
+              <a:buFont typeface="Arial" panose="020B0604020202020204" pitchFamily="34" charset="0"/>
+              <a:buChar char="•"/>
+            </a:pPr>
+            <a:r>
+              <a:rPr lang="en-US" sz="2400" dirty="0" smtClean="0">
+                <a:latin typeface="Arial" panose="020B0604020202020204" pitchFamily="34" charset="0"/>
+                <a:cs typeface="Arial" panose="020B0604020202020204" pitchFamily="34" charset="0"/>
+              </a:rPr>
+              <a:t>Repeat until no further improvements can be made</a:t>
+            </a:r>
+            <a:endParaRPr lang="et-EE" sz="2400" dirty="0">
+              <a:latin typeface="Arial" panose="020B0604020202020204" pitchFamily="34" charset="0"/>
+              <a:cs typeface="Arial" panose="020B0604020202020204" pitchFamily="34" charset="0"/>
+            </a:endParaRPr>
+          </a:p>
+        </p:txBody>
+      </p:sp>
+      <p:pic>
+        <p:nvPicPr>
+          <p:cNvPr id="24" name="Picture 23"/>
+          <p:cNvPicPr>
+            <a:picLocks noChangeAspect="1"/>
+          </p:cNvPicPr>
+          <p:nvPr/>
+        </p:nvPicPr>
+        <p:blipFill>
+          <a:blip r:embed="rId2">
+            <a:extLst>
+              <a:ext uri="{28A0092B-C50C-407E-A947-70E740481C1C}">
+                <a14:useLocalDpi xmlns:a14="http://schemas.microsoft.com/office/drawing/2010/main" val="0"/>
+              </a:ext>
+            </a:extLst>
+          </a:blip>
+          <a:stretch>
+            <a:fillRect/>
+          </a:stretch>
+        </p:blipFill>
+        <p:spPr>
+          <a:xfrm>
+            <a:off x="1175491" y="3379232"/>
+            <a:ext cx="10047079" cy="3267739"/>
+          </a:xfrm>
+          <a:prstGeom prst="rect">
+            <a:avLst/>
+          </a:prstGeom>
+        </p:spPr>
+      </p:pic>
+    </p:spTree>
+    <p:extLst>
+      <p:ext uri="{BB962C8B-B14F-4D97-AF65-F5344CB8AC3E}">
+        <p14:creationId xmlns:p14="http://schemas.microsoft.com/office/powerpoint/2010/main" val="2958339159"/>
+      </p:ext>
+    </p:extLst>
+  </p:cSld>
+  <p:clrMapOvr>
+    <a:masterClrMapping/>
+  </p:clrMapOvr>
+  <p:timing>
+    <p:tnLst>
+      <p:par>
+        <p:cTn id="1" dur="indefinite" restart="never" nodeType="tmRoot"/>
+      </p:par>
+    </p:tnLst>
+  </p:timing>
+</p:sld>
+</file>
+
+<file path=ppt/slides/slide12.xml><?xml version="1.0" encoding="utf-8"?>
+<p:sld xmlns:a="http://schemas.openxmlformats.org/drawingml/2006/main" xmlns:r="http://schemas.openxmlformats.org/officeDocument/2006/relationships" xmlns:p="http://schemas.openxmlformats.org/presentationml/2006/main">
+  <p:cSld>
+    <p:spTree>
+      <p:nvGrpSpPr>
+        <p:cNvPr id="1" name=""/>
+        <p:cNvGrpSpPr/>
+        <p:nvPr/>
+      </p:nvGrpSpPr>
+      <p:grpSpPr>
+        <a:xfrm>
+          <a:off x="0" y="0"/>
+          <a:ext cx="0" cy="0"/>
+          <a:chOff x="0" y="0"/>
+          <a:chExt cx="0" cy="0"/>
+        </a:xfrm>
+      </p:grpSpPr>
+      <p:sp>
+        <p:nvSpPr>
+          <p:cNvPr id="2" name="Title 1"/>
+          <p:cNvSpPr>
+            <a:spLocks noGrp="1"/>
+          </p:cNvSpPr>
+          <p:nvPr>
+            <p:ph type="title"/>
+          </p:nvPr>
+        </p:nvSpPr>
+        <p:spPr>
+          <a:xfrm>
+            <a:off x="2470958" y="2857059"/>
+            <a:ext cx="8596668" cy="1320800"/>
+          </a:xfrm>
+        </p:spPr>
+        <p:txBody>
+          <a:bodyPr>
+            <a:normAutofit/>
+          </a:bodyPr>
+          <a:lstStyle/>
+          <a:p>
+            <a:r>
+              <a:rPr lang="en-US" sz="6000" dirty="0" smtClean="0">
+                <a:solidFill>
+                  <a:srgbClr val="0070C0"/>
+                </a:solidFill>
+                <a:latin typeface="Arial" panose="020B0604020202020204" pitchFamily="34" charset="0"/>
+                <a:cs typeface="Arial" panose="020B0604020202020204" pitchFamily="34" charset="0"/>
+              </a:rPr>
+              <a:t>GENETIC ALGORITHM</a:t>
+            </a:r>
+            <a:endParaRPr lang="et-EE" sz="6000" dirty="0">
+              <a:solidFill>
+                <a:srgbClr val="0070C0"/>
+              </a:solidFill>
+              <a:latin typeface="Arial" panose="020B0604020202020204" pitchFamily="34" charset="0"/>
+              <a:cs typeface="Arial" panose="020B0604020202020204" pitchFamily="34" charset="0"/>
+            </a:endParaRPr>
+          </a:p>
+        </p:txBody>
+      </p:sp>
+    </p:spTree>
+    <p:extLst>
+      <p:ext uri="{BB962C8B-B14F-4D97-AF65-F5344CB8AC3E}">
+        <p14:creationId xmlns:p14="http://schemas.microsoft.com/office/powerpoint/2010/main" val="4268301284"/>
+      </p:ext>
+    </p:extLst>
+  </p:cSld>
+  <p:clrMapOvr>
+    <a:masterClrMapping/>
+  </p:clrMapOvr>
+  <p:timing>
+    <p:tnLst>
+      <p:par>
+        <p:cTn id="1" dur="indefinite" restart="never" nodeType="tmRoot"/>
+      </p:par>
+    </p:tnLst>
+  </p:timing>
+</p:sld>
+</file>
+
+<file path=ppt/slides/slide13.xml><?xml version="1.0" encoding="utf-8"?>
+<p:sld xmlns:a="http://schemas.openxmlformats.org/drawingml/2006/main" xmlns:r="http://schemas.openxmlformats.org/officeDocument/2006/relationships" xmlns:p="http://schemas.openxmlformats.org/presentationml/2006/main">
+  <p:cSld>
+    <p:spTree>
+      <p:nvGrpSpPr>
+        <p:cNvPr id="1" name=""/>
+        <p:cNvGrpSpPr/>
+        <p:nvPr/>
+      </p:nvGrpSpPr>
+      <p:grpSpPr>
+        <a:xfrm>
+          <a:off x="0" y="0"/>
+          <a:ext cx="0" cy="0"/>
+          <a:chOff x="0" y="0"/>
+          <a:chExt cx="0" cy="0"/>
+        </a:xfrm>
+      </p:grpSpPr>
+      <p:sp>
+        <p:nvSpPr>
+          <p:cNvPr id="2" name="Title 1"/>
+          <p:cNvSpPr>
+            <a:spLocks noGrp="1"/>
+          </p:cNvSpPr>
+          <p:nvPr>
+            <p:ph type="title"/>
+          </p:nvPr>
+        </p:nvSpPr>
+        <p:spPr>
+          <a:xfrm>
+            <a:off x="931453" y="221661"/>
+            <a:ext cx="8596668" cy="1320800"/>
+          </a:xfrm>
+        </p:spPr>
+        <p:txBody>
+          <a:bodyPr/>
+          <a:lstStyle/>
+          <a:p>
+            <a:r>
+              <a:rPr lang="en-US" dirty="0" smtClean="0">
+                <a:solidFill>
+                  <a:srgbClr val="0070C0"/>
+                </a:solidFill>
+                <a:cs typeface="Arial" panose="020B0604020202020204" pitchFamily="34" charset="0"/>
+              </a:rPr>
+              <a:t>Implementation</a:t>
+            </a:r>
+            <a:endParaRPr lang="et-EE" dirty="0">
+              <a:solidFill>
+                <a:srgbClr val="0070C0"/>
+              </a:solidFill>
+              <a:cs typeface="Arial" panose="020B0604020202020204" pitchFamily="34" charset="0"/>
+            </a:endParaRPr>
+          </a:p>
+        </p:txBody>
+      </p:sp>
+      <p:sp>
+        <p:nvSpPr>
+          <p:cNvPr id="3" name="Content Placeholder 2"/>
+          <p:cNvSpPr>
+            <a:spLocks noGrp="1"/>
+          </p:cNvSpPr>
+          <p:nvPr>
+            <p:ph idx="1"/>
+          </p:nvPr>
+        </p:nvSpPr>
+        <p:spPr>
+          <a:xfrm>
+            <a:off x="931453" y="1109953"/>
+            <a:ext cx="9103281" cy="1951308"/>
+          </a:xfrm>
+        </p:spPr>
+        <p:txBody>
+          <a:bodyPr>
+            <a:normAutofit fontScale="25000" lnSpcReduction="20000"/>
+          </a:bodyPr>
+          <a:lstStyle/>
+          <a:p>
+            <a:pPr>
+              <a:buClr>
+                <a:schemeClr val="tx1"/>
+              </a:buClr>
+              <a:buFont typeface="Arial" panose="020B0604020202020204" pitchFamily="34" charset="0"/>
+              <a:buChar char="•"/>
+            </a:pPr>
+            <a:r>
+              <a:rPr lang="en-US" sz="8000" dirty="0" smtClean="0">
+                <a:solidFill>
+                  <a:schemeClr val="tx1"/>
+                </a:solidFill>
+                <a:latin typeface="Arial" panose="020B0604020202020204" pitchFamily="34" charset="0"/>
+                <a:cs typeface="Arial" panose="020B0604020202020204" pitchFamily="34" charset="0"/>
+              </a:rPr>
+              <a:t>Chromosomes</a:t>
+            </a:r>
+            <a:r>
+              <a:rPr lang="en-US" sz="8000" dirty="0">
+                <a:solidFill>
+                  <a:schemeClr val="tx1"/>
+                </a:solidFill>
+                <a:latin typeface="Arial" panose="020B0604020202020204" pitchFamily="34" charset="0"/>
+                <a:cs typeface="Arial" panose="020B0604020202020204" pitchFamily="34" charset="0"/>
+              </a:rPr>
+              <a:t> (an array consisting of 0’s and 1’s</a:t>
+            </a:r>
+            <a:r>
+              <a:rPr lang="en-US" sz="8000" dirty="0" smtClean="0">
+                <a:solidFill>
+                  <a:schemeClr val="tx1"/>
+                </a:solidFill>
+                <a:latin typeface="Arial" panose="020B0604020202020204" pitchFamily="34" charset="0"/>
+                <a:cs typeface="Arial" panose="020B0604020202020204" pitchFamily="34" charset="0"/>
+              </a:rPr>
+              <a:t>)  of each individual are generated randomly for the initial population.</a:t>
+            </a:r>
+          </a:p>
+          <a:p>
+            <a:pPr>
+              <a:buClr>
+                <a:schemeClr val="tx1"/>
+              </a:buClr>
+              <a:buFont typeface="Arial" panose="020B0604020202020204" pitchFamily="34" charset="0"/>
+              <a:buChar char="•"/>
+            </a:pPr>
+            <a:r>
+              <a:rPr lang="en-US" sz="8000" dirty="0" smtClean="0">
+                <a:solidFill>
+                  <a:schemeClr val="tx1"/>
+                </a:solidFill>
+                <a:latin typeface="Arial" panose="020B0604020202020204" pitchFamily="34" charset="0"/>
+                <a:cs typeface="Arial" panose="020B0604020202020204" pitchFamily="34" charset="0"/>
+              </a:rPr>
+              <a:t>These “genes” decide if a certain package in a certain state is included in the solution.</a:t>
+            </a:r>
+          </a:p>
+          <a:p>
+            <a:pPr>
+              <a:buClr>
+                <a:schemeClr val="tx1"/>
+              </a:buClr>
+              <a:buFont typeface="Arial" panose="020B0604020202020204" pitchFamily="34" charset="0"/>
+              <a:buChar char="•"/>
+            </a:pPr>
+            <a:r>
+              <a:rPr lang="en-US" sz="8000" dirty="0" smtClean="0">
+                <a:solidFill>
+                  <a:schemeClr val="tx1"/>
+                </a:solidFill>
+                <a:latin typeface="Arial" panose="020B0604020202020204" pitchFamily="34" charset="0"/>
+                <a:cs typeface="Arial" panose="020B0604020202020204" pitchFamily="34" charset="0"/>
+              </a:rPr>
+              <a:t>The binary string is converted into a packing to evaluate the fitness of an individual</a:t>
+            </a:r>
+          </a:p>
+          <a:p>
+            <a:pPr>
+              <a:buClr>
+                <a:schemeClr val="tx1"/>
+              </a:buClr>
+              <a:buFont typeface="Arial" panose="020B0604020202020204" pitchFamily="34" charset="0"/>
+              <a:buChar char="•"/>
+            </a:pPr>
+            <a:endParaRPr lang="en-US" sz="2400" dirty="0" smtClean="0">
+              <a:solidFill>
+                <a:schemeClr val="tx1"/>
+              </a:solidFill>
+              <a:latin typeface="Arial" panose="020B0604020202020204" pitchFamily="34" charset="0"/>
+              <a:cs typeface="Arial" panose="020B0604020202020204" pitchFamily="34" charset="0"/>
+            </a:endParaRPr>
+          </a:p>
+          <a:p>
+            <a:pPr>
+              <a:buClr>
+                <a:schemeClr val="tx1"/>
+              </a:buClr>
+              <a:buFont typeface="Arial" panose="020B0604020202020204" pitchFamily="34" charset="0"/>
+              <a:buChar char="•"/>
+            </a:pPr>
+            <a:endParaRPr lang="et-EE" sz="2400" dirty="0">
+              <a:solidFill>
+                <a:schemeClr val="tx1"/>
+              </a:solidFill>
+              <a:latin typeface="Arial" panose="020B0604020202020204" pitchFamily="34" charset="0"/>
+              <a:cs typeface="Arial" panose="020B0604020202020204" pitchFamily="34" charset="0"/>
+            </a:endParaRPr>
+          </a:p>
+        </p:txBody>
+      </p:sp>
+      <p:pic>
+        <p:nvPicPr>
+          <p:cNvPr id="21" name="Picture 20"/>
+          <p:cNvPicPr>
+            <a:picLocks noChangeAspect="1"/>
+          </p:cNvPicPr>
+          <p:nvPr/>
+        </p:nvPicPr>
+        <p:blipFill>
+          <a:blip r:embed="rId2">
+            <a:extLst>
+              <a:ext uri="{28A0092B-C50C-407E-A947-70E740481C1C}">
+                <a14:useLocalDpi xmlns:a14="http://schemas.microsoft.com/office/drawing/2010/main" val="0"/>
+              </a:ext>
+            </a:extLst>
+          </a:blip>
+          <a:stretch>
+            <a:fillRect/>
+          </a:stretch>
+        </p:blipFill>
+        <p:spPr>
+          <a:xfrm>
+            <a:off x="1648582" y="3019621"/>
+            <a:ext cx="8894835" cy="3645724"/>
+          </a:xfrm>
+          <a:prstGeom prst="rect">
+            <a:avLst/>
+          </a:prstGeom>
+        </p:spPr>
+      </p:pic>
+    </p:spTree>
+    <p:extLst>
+      <p:ext uri="{BB962C8B-B14F-4D97-AF65-F5344CB8AC3E}">
+        <p14:creationId xmlns:p14="http://schemas.microsoft.com/office/powerpoint/2010/main" val="614935636"/>
+      </p:ext>
+    </p:extLst>
+  </p:cSld>
+  <p:clrMapOvr>
+    <a:masterClrMapping/>
+  </p:clrMapOvr>
+  <p:timing>
+    <p:tnLst>
+      <p:par>
+        <p:cTn id="1" dur="indefinite" restart="never" nodeType="tmRoot"/>
+      </p:par>
+    </p:tnLst>
+  </p:timing>
+</p:sld>
+</file>
+
+<file path=ppt/slides/slide14.xml><?xml version="1.0" encoding="utf-8"?>
+<p:sld xmlns:a="http://schemas.openxmlformats.org/drawingml/2006/main" xmlns:r="http://schemas.openxmlformats.org/officeDocument/2006/relationships" xmlns:p="http://schemas.openxmlformats.org/presentationml/2006/main">
+  <p:cSld>
+    <p:spTree>
+      <p:nvGrpSpPr>
+        <p:cNvPr id="1" name=""/>
+        <p:cNvGrpSpPr/>
+        <p:nvPr/>
+      </p:nvGrpSpPr>
+      <p:grpSpPr>
+        <a:xfrm>
+          <a:off x="0" y="0"/>
+          <a:ext cx="0" cy="0"/>
+          <a:chOff x="0" y="0"/>
+          <a:chExt cx="0" cy="0"/>
+        </a:xfrm>
+      </p:grpSpPr>
+      <p:sp>
+        <p:nvSpPr>
+          <p:cNvPr id="2" name="Title 1"/>
+          <p:cNvSpPr>
+            <a:spLocks noGrp="1"/>
+          </p:cNvSpPr>
+          <p:nvPr>
+            <p:ph type="title"/>
+          </p:nvPr>
+        </p:nvSpPr>
+        <p:spPr>
+          <a:xfrm>
+            <a:off x="2770095" y="3065928"/>
+            <a:ext cx="9601200" cy="1485900"/>
+          </a:xfrm>
+        </p:spPr>
+        <p:txBody>
+          <a:bodyPr/>
+          <a:lstStyle/>
+          <a:p>
+            <a:r>
+              <a:rPr lang="en-US" dirty="0" smtClean="0">
+                <a:solidFill>
+                  <a:srgbClr val="0070C0"/>
+                </a:solidFill>
+              </a:rPr>
+              <a:t>EXPERIMENTS AND RESULTS</a:t>
+            </a:r>
+            <a:endParaRPr lang="et-EE" dirty="0">
+              <a:solidFill>
+                <a:srgbClr val="0070C0"/>
+              </a:solidFill>
+            </a:endParaRPr>
+          </a:p>
+        </p:txBody>
+      </p:sp>
+    </p:spTree>
+    <p:extLst>
+      <p:ext uri="{BB962C8B-B14F-4D97-AF65-F5344CB8AC3E}">
+        <p14:creationId xmlns:p14="http://schemas.microsoft.com/office/powerpoint/2010/main" val="3718923267"/>
+      </p:ext>
+    </p:extLst>
+  </p:cSld>
+  <p:clrMapOvr>
+    <a:masterClrMapping/>
+  </p:clrMapOvr>
+  <p:timing>
+    <p:tnLst>
+      <p:par>
+        <p:cTn id="1" dur="indefinite" restart="never" nodeType="tmRoot"/>
+      </p:par>
+    </p:tnLst>
+  </p:timing>
+</p:sld>
+</file>
+
+<file path=ppt/slides/slide15.xml><?xml version="1.0" encoding="utf-8"?>
 <p:sld xmlns:a="http://schemas.openxmlformats.org/drawingml/2006/main" xmlns:r="http://schemas.openxmlformats.org/officeDocument/2006/relationships" xmlns:p="http://schemas.openxmlformats.org/presentationml/2006/main">
   <p:cSld>
     <p:spTree>
@@ -9358,6 +8210,44 @@
           </a:p>
         </p:txBody>
       </p:sp>
+      <p:sp>
+        <p:nvSpPr>
+          <p:cNvPr id="2" name="TextBox 1"/>
+          <p:cNvSpPr txBox="1"/>
+          <p:nvPr/>
+        </p:nvSpPr>
+        <p:spPr>
+          <a:xfrm>
+            <a:off x="837127" y="191739"/>
+            <a:ext cx="9362940" cy="584775"/>
+          </a:xfrm>
+          <a:prstGeom prst="rect">
+            <a:avLst/>
+          </a:prstGeom>
+          <a:noFill/>
+        </p:spPr>
+        <p:txBody>
+          <a:bodyPr wrap="square" rtlCol="0">
+            <a:spAutoFit/>
+          </a:bodyPr>
+          <a:lstStyle/>
+          <a:p>
+            <a:r>
+              <a:rPr lang="en-US" sz="3200" dirty="0" smtClean="0">
+                <a:solidFill>
+                  <a:srgbClr val="0070C0"/>
+                </a:solidFill>
+              </a:rPr>
+              <a:t>EXPERIMENTS AND RESULTS (GREEDY ALGORITHM)</a:t>
+            </a:r>
+            <a:endParaRPr lang="et-EE" sz="3200" dirty="0">
+              <a:solidFill>
+                <a:srgbClr val="0070C0"/>
+              </a:solidFill>
+            </a:endParaRPr>
+          </a:p>
+        </p:txBody>
+      </p:sp>
     </p:spTree>
     <p:extLst>
       <p:ext uri="{BB962C8B-B14F-4D97-AF65-F5344CB8AC3E}">
@@ -9378,7 +8268,7 @@
 </p:sld>
 </file>
 
-<file path=ppt/slides/slide12.xml><?xml version="1.0" encoding="utf-8"?>
+<file path=ppt/slides/slide16.xml><?xml version="1.0" encoding="utf-8"?>
 <p:sld xmlns:a="http://schemas.openxmlformats.org/drawingml/2006/main" xmlns:r="http://schemas.openxmlformats.org/officeDocument/2006/relationships" xmlns:p="http://schemas.openxmlformats.org/presentationml/2006/main">
   <p:cSld>
     <p:spTree>
@@ -9525,7 +8415,160 @@
 </p:sld>
 </file>
 
-<file path=ppt/slides/slide13.xml><?xml version="1.0" encoding="utf-8"?>
+<file path=ppt/slides/slide17.xml><?xml version="1.0" encoding="utf-8"?>
+<p:sld xmlns:a="http://schemas.openxmlformats.org/drawingml/2006/main" xmlns:r="http://schemas.openxmlformats.org/officeDocument/2006/relationships" xmlns:p="http://schemas.openxmlformats.org/presentationml/2006/main">
+  <p:cSld>
+    <p:spTree>
+      <p:nvGrpSpPr>
+        <p:cNvPr id="1" name=""/>
+        <p:cNvGrpSpPr/>
+        <p:nvPr/>
+      </p:nvGrpSpPr>
+      <p:grpSpPr>
+        <a:xfrm>
+          <a:off x="0" y="0"/>
+          <a:ext cx="0" cy="0"/>
+          <a:chOff x="0" y="0"/>
+          <a:chExt cx="0" cy="0"/>
+        </a:xfrm>
+      </p:grpSpPr>
+      <p:pic>
+        <p:nvPicPr>
+          <p:cNvPr id="4" name="Content Placeholder 3"/>
+          <p:cNvPicPr>
+            <a:picLocks noGrp="1" noChangeAspect="1"/>
+          </p:cNvPicPr>
+          <p:nvPr>
+            <p:ph idx="1"/>
+          </p:nvPr>
+        </p:nvPicPr>
+        <p:blipFill>
+          <a:blip r:embed="rId2">
+            <a:extLst>
+              <a:ext uri="{28A0092B-C50C-407E-A947-70E740481C1C}">
+                <a14:useLocalDpi xmlns:a14="http://schemas.microsoft.com/office/drawing/2010/main" val="0"/>
+              </a:ext>
+            </a:extLst>
+          </a:blip>
+          <a:stretch>
+            <a:fillRect/>
+          </a:stretch>
+        </p:blipFill>
+        <p:spPr>
+          <a:xfrm>
+            <a:off x="948038" y="1187355"/>
+            <a:ext cx="7267494" cy="5343745"/>
+          </a:xfrm>
+        </p:spPr>
+      </p:pic>
+      <p:sp>
+        <p:nvSpPr>
+          <p:cNvPr id="5" name="TextBox 4"/>
+          <p:cNvSpPr txBox="1"/>
+          <p:nvPr/>
+        </p:nvSpPr>
+        <p:spPr>
+          <a:xfrm>
+            <a:off x="8660116" y="3293449"/>
+            <a:ext cx="1937982" cy="923330"/>
+          </a:xfrm>
+          <a:prstGeom prst="rect">
+            <a:avLst/>
+          </a:prstGeom>
+          <a:noFill/>
+        </p:spPr>
+        <p:txBody>
+          <a:bodyPr wrap="square" rtlCol="0">
+            <a:spAutoFit/>
+          </a:bodyPr>
+          <a:lstStyle/>
+          <a:p>
+            <a:r>
+              <a:rPr lang="en-US" dirty="0">
+                <a:latin typeface="Arial" panose="020B0604020202020204" pitchFamily="34" charset="0"/>
+                <a:cs typeface="Arial" panose="020B0604020202020204" pitchFamily="34" charset="0"/>
+              </a:rPr>
+              <a:t>1</a:t>
+            </a:r>
+            <a:r>
+              <a:rPr lang="en-US" dirty="0" smtClean="0">
+                <a:latin typeface="Arial" panose="020B0604020202020204" pitchFamily="34" charset="0"/>
+                <a:cs typeface="Arial" panose="020B0604020202020204" pitchFamily="34" charset="0"/>
+              </a:rPr>
+              <a:t>0 packages</a:t>
+            </a:r>
+          </a:p>
+          <a:p>
+            <a:r>
+              <a:rPr lang="en-US" dirty="0" smtClean="0">
+                <a:latin typeface="Arial" panose="020B0604020202020204" pitchFamily="34" charset="0"/>
+                <a:cs typeface="Arial" panose="020B0604020202020204" pitchFamily="34" charset="0"/>
+              </a:rPr>
+              <a:t>100000 runs</a:t>
+            </a:r>
+          </a:p>
+          <a:p>
+            <a:endParaRPr lang="et-EE" dirty="0"/>
+          </a:p>
+        </p:txBody>
+      </p:sp>
+      <p:sp>
+        <p:nvSpPr>
+          <p:cNvPr id="6" name="TextBox 5"/>
+          <p:cNvSpPr txBox="1"/>
+          <p:nvPr/>
+        </p:nvSpPr>
+        <p:spPr>
+          <a:xfrm>
+            <a:off x="3390950" y="1862843"/>
+            <a:ext cx="2861532" cy="307777"/>
+          </a:xfrm>
+          <a:prstGeom prst="rect">
+            <a:avLst/>
+          </a:prstGeom>
+          <a:noFill/>
+        </p:spPr>
+        <p:txBody>
+          <a:bodyPr wrap="square" rtlCol="0">
+            <a:spAutoFit/>
+          </a:bodyPr>
+          <a:lstStyle/>
+          <a:p>
+            <a:r>
+              <a:rPr lang="en-US" sz="1400" b="1" dirty="0" smtClean="0">
+                <a:latin typeface="Arial" panose="020B0604020202020204" pitchFamily="34" charset="0"/>
+                <a:cs typeface="Arial" panose="020B0604020202020204" pitchFamily="34" charset="0"/>
+              </a:rPr>
+              <a:t>Packages that remain unused</a:t>
+            </a:r>
+            <a:endParaRPr lang="et-EE" sz="1400" b="1" dirty="0">
+              <a:latin typeface="Arial" panose="020B0604020202020204" pitchFamily="34" charset="0"/>
+              <a:cs typeface="Arial" panose="020B0604020202020204" pitchFamily="34" charset="0"/>
+            </a:endParaRPr>
+          </a:p>
+        </p:txBody>
+      </p:sp>
+    </p:spTree>
+    <p:extLst>
+      <p:ext uri="{BB962C8B-B14F-4D97-AF65-F5344CB8AC3E}">
+        <p14:creationId xmlns:p14="http://schemas.microsoft.com/office/powerpoint/2010/main" val="4283857054"/>
+      </p:ext>
+    </p:extLst>
+  </p:cSld>
+  <p:clrMapOvr>
+    <a:masterClrMapping/>
+  </p:clrMapOvr>
+  <p:timing>
+    <p:tnLst>
+      <p:par>
+        <p:cTn id="1" dur="indefinite" restart="never" nodeType="tmRoot"/>
+      </p:par>
+    </p:tnLst>
+  </p:timing>
+</p:sld>
+</file>
+
+<file path=ppt/slides/slide18.xml><?xml version="1.0" encoding="utf-8"?>
 <p:sld xmlns:a="http://schemas.openxmlformats.org/drawingml/2006/main" xmlns:r="http://schemas.openxmlformats.org/officeDocument/2006/relationships" xmlns:p="http://schemas.openxmlformats.org/presentationml/2006/main">
   <p:cSld>
     <p:spTree>
@@ -9544,36 +8587,165 @@
       </p:grpSpPr>
       <p:sp>
         <p:nvSpPr>
-          <p:cNvPr id="2" name="Title 1"/>
+          <p:cNvPr id="3" name="Content Placeholder 2"/>
           <p:cNvSpPr>
             <a:spLocks noGrp="1"/>
           </p:cNvSpPr>
           <p:nvPr>
-            <p:ph type="title"/>
+            <p:ph idx="1"/>
           </p:nvPr>
         </p:nvSpPr>
         <p:spPr>
           <a:xfrm>
-            <a:off x="2942862" y="3120788"/>
-            <a:ext cx="8596668" cy="1320800"/>
+            <a:off x="804334" y="2410419"/>
+            <a:ext cx="8596668" cy="3880773"/>
           </a:xfrm>
         </p:spPr>
         <p:txBody>
-          <a:bodyPr/>
+          <a:bodyPr>
+            <a:normAutofit/>
+          </a:bodyPr>
           <a:lstStyle/>
           <a:p>
+            <a:pPr>
+              <a:buClr>
+                <a:schemeClr val="tx1"/>
+              </a:buClr>
+              <a:buFont typeface="Arial" panose="020B0604020202020204" pitchFamily="34" charset="0"/>
+              <a:buChar char="•"/>
+            </a:pPr>
+            <a:endParaRPr lang="en-US" dirty="0" smtClean="0">
+              <a:solidFill>
+                <a:schemeClr val="tx1"/>
+              </a:solidFill>
+              <a:latin typeface="Arial" panose="020B0604020202020204" pitchFamily="34" charset="0"/>
+              <a:cs typeface="Arial" panose="020B0604020202020204" pitchFamily="34" charset="0"/>
+            </a:endParaRPr>
+          </a:p>
+          <a:p>
+            <a:pPr marL="457200" lvl="1" indent="0">
+              <a:buClr>
+                <a:schemeClr val="tx1"/>
+              </a:buClr>
+              <a:buNone/>
+            </a:pPr>
+            <a:endParaRPr lang="en-US" dirty="0" smtClean="0">
+              <a:solidFill>
+                <a:schemeClr val="tx1"/>
+              </a:solidFill>
+              <a:latin typeface="Arial" panose="020B0604020202020204" pitchFamily="34" charset="0"/>
+              <a:cs typeface="Arial" panose="020B0604020202020204" pitchFamily="34" charset="0"/>
+            </a:endParaRPr>
+          </a:p>
+        </p:txBody>
+      </p:sp>
+      <p:pic>
+        <p:nvPicPr>
+          <p:cNvPr id="4" name="Picture 3"/>
+          <p:cNvPicPr>
+            <a:picLocks noChangeAspect="1"/>
+          </p:cNvPicPr>
+          <p:nvPr/>
+        </p:nvPicPr>
+        <p:blipFill>
+          <a:blip r:embed="rId2">
+            <a:extLst>
+              <a:ext uri="{28A0092B-C50C-407E-A947-70E740481C1C}">
+                <a14:useLocalDpi xmlns:a14="http://schemas.microsoft.com/office/drawing/2010/main" val="0"/>
+              </a:ext>
+            </a:extLst>
+          </a:blip>
+          <a:stretch>
+            <a:fillRect/>
+          </a:stretch>
+        </p:blipFill>
+        <p:spPr>
+          <a:xfrm>
+            <a:off x="1123415" y="692115"/>
+            <a:ext cx="7545790" cy="5548375"/>
+          </a:xfrm>
+          <a:prstGeom prst="rect">
+            <a:avLst/>
+          </a:prstGeom>
+        </p:spPr>
+      </p:pic>
+      <p:sp>
+        <p:nvSpPr>
+          <p:cNvPr id="5" name="TextBox 4"/>
+          <p:cNvSpPr txBox="1"/>
+          <p:nvPr/>
+        </p:nvSpPr>
+        <p:spPr>
+          <a:xfrm>
+            <a:off x="8669205" y="3143138"/>
+            <a:ext cx="2101755" cy="646331"/>
+          </a:xfrm>
+          <a:prstGeom prst="rect">
+            <a:avLst/>
+          </a:prstGeom>
+          <a:noFill/>
+        </p:spPr>
+        <p:txBody>
+          <a:bodyPr wrap="square" rtlCol="0">
+            <a:spAutoFit/>
+          </a:bodyPr>
+          <a:lstStyle/>
+          <a:p>
             <a:r>
               <a:rPr lang="en-US" dirty="0" smtClean="0">
-                <a:solidFill>
-                  <a:srgbClr val="FF0000"/>
-                </a:solidFill>
+                <a:latin typeface="Arial" panose="020B0604020202020204" pitchFamily="34" charset="0"/>
+                <a:cs typeface="Arial" panose="020B0604020202020204" pitchFamily="34" charset="0"/>
               </a:rPr>
-              <a:t>HILL CLIMBING ALGORITHM</a:t>
+              <a:t>10 packages</a:t>
+            </a:r>
+          </a:p>
+          <a:p>
+            <a:r>
+              <a:rPr lang="en-US" dirty="0" smtClean="0">
+                <a:latin typeface="Arial" panose="020B0604020202020204" pitchFamily="34" charset="0"/>
+                <a:cs typeface="Arial" panose="020B0604020202020204" pitchFamily="34" charset="0"/>
+              </a:rPr>
+              <a:t>100000 runs</a:t>
             </a:r>
             <a:endParaRPr lang="et-EE" dirty="0">
-              <a:solidFill>
-                <a:srgbClr val="FF0000"/>
-              </a:solidFill>
+              <a:latin typeface="Arial" panose="020B0604020202020204" pitchFamily="34" charset="0"/>
+              <a:cs typeface="Arial" panose="020B0604020202020204" pitchFamily="34" charset="0"/>
+            </a:endParaRPr>
+          </a:p>
+        </p:txBody>
+      </p:sp>
+      <p:sp>
+        <p:nvSpPr>
+          <p:cNvPr id="6" name="TextBox 5"/>
+          <p:cNvSpPr txBox="1"/>
+          <p:nvPr/>
+        </p:nvSpPr>
+        <p:spPr>
+          <a:xfrm>
+            <a:off x="3744716" y="1393311"/>
+            <a:ext cx="2715904" cy="307777"/>
+          </a:xfrm>
+          <a:prstGeom prst="rect">
+            <a:avLst/>
+          </a:prstGeom>
+          <a:noFill/>
+        </p:spPr>
+        <p:txBody>
+          <a:bodyPr wrap="square" rtlCol="0">
+            <a:spAutoFit/>
+          </a:bodyPr>
+          <a:lstStyle/>
+          <a:p>
+            <a:r>
+              <a:rPr lang="en-US" sz="1400" b="1" dirty="0" smtClean="0">
+                <a:latin typeface="Arial" panose="020B0604020202020204" pitchFamily="34" charset="0"/>
+                <a:cs typeface="Arial" panose="020B0604020202020204" pitchFamily="34" charset="0"/>
+              </a:rPr>
+              <a:t>Finding the best total value</a:t>
+            </a:r>
+            <a:endParaRPr lang="et-EE" sz="1400" b="1" dirty="0">
+              <a:latin typeface="Arial" panose="020B0604020202020204" pitchFamily="34" charset="0"/>
+              <a:cs typeface="Arial" panose="020B0604020202020204" pitchFamily="34" charset="0"/>
             </a:endParaRPr>
           </a:p>
         </p:txBody>
@@ -9581,7 +8753,7 @@
     </p:spTree>
     <p:extLst>
       <p:ext uri="{BB962C8B-B14F-4D97-AF65-F5344CB8AC3E}">
-        <p14:creationId xmlns:p14="http://schemas.microsoft.com/office/powerpoint/2010/main" val="1141711639"/>
+        <p14:creationId xmlns:p14="http://schemas.microsoft.com/office/powerpoint/2010/main" val="2763357709"/>
       </p:ext>
     </p:extLst>
   </p:cSld>
@@ -9598,774 +8770,7 @@
 </p:sld>
 </file>
 
-<file path=ppt/slides/slide14.xml><?xml version="1.0" encoding="utf-8"?>
-<p:sld xmlns:a="http://schemas.openxmlformats.org/drawingml/2006/main" xmlns:r="http://schemas.openxmlformats.org/officeDocument/2006/relationships" xmlns:p="http://schemas.openxmlformats.org/presentationml/2006/main">
-  <p:cSld>
-    <p:spTree>
-      <p:nvGrpSpPr>
-        <p:cNvPr id="1" name=""/>
-        <p:cNvGrpSpPr/>
-        <p:nvPr/>
-      </p:nvGrpSpPr>
-      <p:grpSpPr>
-        <a:xfrm>
-          <a:off x="0" y="0"/>
-          <a:ext cx="0" cy="0"/>
-          <a:chOff x="0" y="0"/>
-          <a:chExt cx="0" cy="0"/>
-        </a:xfrm>
-      </p:grpSpPr>
-      <p:sp>
-        <p:nvSpPr>
-          <p:cNvPr id="2" name="Title 1"/>
-          <p:cNvSpPr>
-            <a:spLocks noGrp="1"/>
-          </p:cNvSpPr>
-          <p:nvPr>
-            <p:ph type="title"/>
-          </p:nvPr>
-        </p:nvSpPr>
-        <p:spPr>
-          <a:xfrm>
-            <a:off x="802947" y="199860"/>
-            <a:ext cx="9875520" cy="1356360"/>
-          </a:xfrm>
-        </p:spPr>
-        <p:txBody>
-          <a:bodyPr>
-            <a:normAutofit/>
-          </a:bodyPr>
-          <a:lstStyle/>
-          <a:p>
-            <a:r>
-              <a:rPr lang="en-US" dirty="0" smtClean="0">
-                <a:solidFill>
-                  <a:srgbClr val="FF0000"/>
-                </a:solidFill>
-                <a:cs typeface="Arial" panose="020B0604020202020204" pitchFamily="34" charset="0"/>
-              </a:rPr>
-              <a:t>Implementation</a:t>
-            </a:r>
-            <a:endParaRPr lang="et-EE" dirty="0">
-              <a:solidFill>
-                <a:srgbClr val="FF0000"/>
-              </a:solidFill>
-              <a:cs typeface="Arial" panose="020B0604020202020204" pitchFamily="34" charset="0"/>
-            </a:endParaRPr>
-          </a:p>
-        </p:txBody>
-      </p:sp>
-      <p:sp>
-        <p:nvSpPr>
-          <p:cNvPr id="6" name="TextBox 5"/>
-          <p:cNvSpPr txBox="1"/>
-          <p:nvPr/>
-        </p:nvSpPr>
-        <p:spPr>
-          <a:xfrm>
-            <a:off x="802947" y="1107669"/>
-            <a:ext cx="9419703" cy="1938992"/>
-          </a:xfrm>
-          <a:prstGeom prst="rect">
-            <a:avLst/>
-          </a:prstGeom>
-          <a:noFill/>
-        </p:spPr>
-        <p:txBody>
-          <a:bodyPr wrap="square" rtlCol="0">
-            <a:spAutoFit/>
-          </a:bodyPr>
-          <a:lstStyle/>
-          <a:p>
-            <a:pPr marL="285750" indent="-285750">
-              <a:buFont typeface="Arial" panose="020B0604020202020204" pitchFamily="34" charset="0"/>
-              <a:buChar char="•"/>
-            </a:pPr>
-            <a:r>
-              <a:rPr lang="en-US" sz="2000" dirty="0" smtClean="0">
-                <a:latin typeface="Arial" panose="020B0604020202020204" pitchFamily="34" charset="0"/>
-                <a:cs typeface="Arial" panose="020B0604020202020204" pitchFamily="34" charset="0"/>
-              </a:rPr>
-              <a:t>Start with an arbitrary solution</a:t>
-            </a:r>
-          </a:p>
-          <a:p>
-            <a:pPr marL="285750" indent="-285750">
-              <a:buFont typeface="Arial" panose="020B0604020202020204" pitchFamily="34" charset="0"/>
-              <a:buChar char="•"/>
-            </a:pPr>
-            <a:r>
-              <a:rPr lang="en-US" sz="2000" dirty="0" smtClean="0">
-                <a:latin typeface="Arial" panose="020B0604020202020204" pitchFamily="34" charset="0"/>
-                <a:cs typeface="Arial" panose="020B0604020202020204" pitchFamily="34" charset="0"/>
-              </a:rPr>
-              <a:t>Create </a:t>
-            </a:r>
-            <a:r>
-              <a:rPr lang="en-US" sz="2000" dirty="0" err="1" smtClean="0">
-                <a:latin typeface="Arial" panose="020B0604020202020204" pitchFamily="34" charset="0"/>
-                <a:cs typeface="Arial" panose="020B0604020202020204" pitchFamily="34" charset="0"/>
-              </a:rPr>
-              <a:t>neighbouring</a:t>
-            </a:r>
-            <a:r>
-              <a:rPr lang="en-US" sz="2000" dirty="0" smtClean="0">
-                <a:latin typeface="Arial" panose="020B0604020202020204" pitchFamily="34" charset="0"/>
-                <a:cs typeface="Arial" panose="020B0604020202020204" pitchFamily="34" charset="0"/>
-              </a:rPr>
-              <a:t> solutions (change n random packages and fill the remaining empty space)</a:t>
-            </a:r>
-          </a:p>
-          <a:p>
-            <a:pPr marL="285750" indent="-285750">
-              <a:buFont typeface="Arial" panose="020B0604020202020204" pitchFamily="34" charset="0"/>
-              <a:buChar char="•"/>
-            </a:pPr>
-            <a:r>
-              <a:rPr lang="en-US" sz="2000" dirty="0" smtClean="0">
-                <a:latin typeface="Arial" panose="020B0604020202020204" pitchFamily="34" charset="0"/>
-                <a:cs typeface="Arial" panose="020B0604020202020204" pitchFamily="34" charset="0"/>
-              </a:rPr>
-              <a:t>Choose the best next solution based on an objective function (maximizing the value of a packing)</a:t>
-            </a:r>
-          </a:p>
-          <a:p>
-            <a:pPr marL="285750" indent="-285750">
-              <a:buFont typeface="Arial" panose="020B0604020202020204" pitchFamily="34" charset="0"/>
-              <a:buChar char="•"/>
-            </a:pPr>
-            <a:r>
-              <a:rPr lang="en-US" sz="2000" dirty="0" smtClean="0">
-                <a:latin typeface="Arial" panose="020B0604020202020204" pitchFamily="34" charset="0"/>
-                <a:cs typeface="Arial" panose="020B0604020202020204" pitchFamily="34" charset="0"/>
-              </a:rPr>
-              <a:t>Repeat until no further improvements can be made</a:t>
-            </a:r>
-            <a:endParaRPr lang="et-EE" sz="2000" dirty="0">
-              <a:latin typeface="Arial" panose="020B0604020202020204" pitchFamily="34" charset="0"/>
-              <a:cs typeface="Arial" panose="020B0604020202020204" pitchFamily="34" charset="0"/>
-            </a:endParaRPr>
-          </a:p>
-        </p:txBody>
-      </p:sp>
-      <p:sp>
-        <p:nvSpPr>
-          <p:cNvPr id="7" name="Rechteck 4"/>
-          <p:cNvSpPr/>
-          <p:nvPr/>
-        </p:nvSpPr>
-        <p:spPr>
-          <a:xfrm>
-            <a:off x="6009663" y="3219721"/>
-            <a:ext cx="1440000" cy="900000"/>
-          </a:xfrm>
-          <a:prstGeom prst="rect">
-            <a:avLst/>
-          </a:prstGeom>
-          <a:solidFill>
-            <a:schemeClr val="bg1"/>
-          </a:solidFill>
-          <a:ln>
-            <a:solidFill>
-              <a:schemeClr val="tx1"/>
-            </a:solidFill>
-          </a:ln>
-        </p:spPr>
-        <p:style>
-          <a:lnRef idx="2">
-            <a:schemeClr val="accent1">
-              <a:shade val="50000"/>
-            </a:schemeClr>
-          </a:lnRef>
-          <a:fillRef idx="1">
-            <a:schemeClr val="accent1"/>
-          </a:fillRef>
-          <a:effectRef idx="0">
-            <a:schemeClr val="accent1"/>
-          </a:effectRef>
-          <a:fontRef idx="minor">
-            <a:schemeClr val="lt1"/>
-          </a:fontRef>
-        </p:style>
-        <p:txBody>
-          <a:bodyPr rtlCol="0" anchor="ctr"/>
-          <a:lstStyle/>
-          <a:p>
-            <a:pPr algn="ctr"/>
-            <a:r>
-              <a:rPr lang="en-GB" dirty="0" smtClean="0">
-                <a:solidFill>
-                  <a:schemeClr val="tx1"/>
-                </a:solidFill>
-                <a:latin typeface="Arial" panose="020B0604020202020204" pitchFamily="34" charset="0"/>
-                <a:cs typeface="Arial" panose="020B0604020202020204" pitchFamily="34" charset="0"/>
-              </a:rPr>
-              <a:t>Hill Climbing</a:t>
-            </a:r>
-            <a:endParaRPr lang="en-GB" dirty="0">
-              <a:solidFill>
-                <a:schemeClr val="tx1"/>
-              </a:solidFill>
-              <a:latin typeface="Arial" panose="020B0604020202020204" pitchFamily="34" charset="0"/>
-              <a:cs typeface="Arial" panose="020B0604020202020204" pitchFamily="34" charset="0"/>
-            </a:endParaRPr>
-          </a:p>
-        </p:txBody>
-      </p:sp>
-      <p:sp>
-        <p:nvSpPr>
-          <p:cNvPr id="8" name="Rechteck 7"/>
-          <p:cNvSpPr/>
-          <p:nvPr/>
-        </p:nvSpPr>
-        <p:spPr>
-          <a:xfrm>
-            <a:off x="7553911" y="5568715"/>
-            <a:ext cx="1440000" cy="900000"/>
-          </a:xfrm>
-          <a:prstGeom prst="rect">
-            <a:avLst/>
-          </a:prstGeom>
-          <a:solidFill>
-            <a:schemeClr val="bg1"/>
-          </a:solidFill>
-          <a:ln>
-            <a:solidFill>
-              <a:schemeClr val="tx1"/>
-            </a:solidFill>
-          </a:ln>
-        </p:spPr>
-        <p:style>
-          <a:lnRef idx="2">
-            <a:schemeClr val="accent1">
-              <a:shade val="50000"/>
-            </a:schemeClr>
-          </a:lnRef>
-          <a:fillRef idx="1">
-            <a:schemeClr val="accent1"/>
-          </a:fillRef>
-          <a:effectRef idx="0">
-            <a:schemeClr val="accent1"/>
-          </a:effectRef>
-          <a:fontRef idx="minor">
-            <a:schemeClr val="lt1"/>
-          </a:fontRef>
-        </p:style>
-        <p:txBody>
-          <a:bodyPr rtlCol="0" anchor="ctr"/>
-          <a:lstStyle/>
-          <a:p>
-            <a:pPr algn="ctr"/>
-            <a:r>
-              <a:rPr lang="en-GB" dirty="0" smtClean="0">
-                <a:solidFill>
-                  <a:schemeClr val="tx1"/>
-                </a:solidFill>
-                <a:latin typeface="Arial" panose="020B0604020202020204" pitchFamily="34" charset="0"/>
-                <a:cs typeface="Arial" panose="020B0604020202020204" pitchFamily="34" charset="0"/>
-              </a:rPr>
-              <a:t>Cargo</a:t>
-            </a:r>
-          </a:p>
-          <a:p>
-            <a:pPr algn="ctr"/>
-            <a:r>
-              <a:rPr lang="en-GB" dirty="0" smtClean="0">
-                <a:solidFill>
-                  <a:schemeClr val="tx1"/>
-                </a:solidFill>
-                <a:latin typeface="Arial" panose="020B0604020202020204" pitchFamily="34" charset="0"/>
-                <a:cs typeface="Arial" panose="020B0604020202020204" pitchFamily="34" charset="0"/>
-              </a:rPr>
-              <a:t>Space</a:t>
-            </a:r>
-          </a:p>
-        </p:txBody>
-      </p:sp>
-      <p:sp>
-        <p:nvSpPr>
-          <p:cNvPr id="9" name="Rechteck 8"/>
-          <p:cNvSpPr/>
-          <p:nvPr/>
-        </p:nvSpPr>
-        <p:spPr>
-          <a:xfrm>
-            <a:off x="4574244" y="5559898"/>
-            <a:ext cx="1440000" cy="900000"/>
-          </a:xfrm>
-          <a:prstGeom prst="rect">
-            <a:avLst/>
-          </a:prstGeom>
-          <a:solidFill>
-            <a:schemeClr val="bg1"/>
-          </a:solidFill>
-          <a:ln>
-            <a:solidFill>
-              <a:schemeClr val="tx1"/>
-            </a:solidFill>
-          </a:ln>
-        </p:spPr>
-        <p:style>
-          <a:lnRef idx="2">
-            <a:schemeClr val="accent1">
-              <a:shade val="50000"/>
-            </a:schemeClr>
-          </a:lnRef>
-          <a:fillRef idx="1">
-            <a:schemeClr val="accent1"/>
-          </a:fillRef>
-          <a:effectRef idx="0">
-            <a:schemeClr val="accent1"/>
-          </a:effectRef>
-          <a:fontRef idx="minor">
-            <a:schemeClr val="lt1"/>
-          </a:fontRef>
-        </p:style>
-        <p:txBody>
-          <a:bodyPr rtlCol="0" anchor="ctr"/>
-          <a:lstStyle/>
-          <a:p>
-            <a:pPr algn="ctr"/>
-            <a:r>
-              <a:rPr lang="en-GB" dirty="0" smtClean="0">
-                <a:solidFill>
-                  <a:schemeClr val="tx1"/>
-                </a:solidFill>
-                <a:latin typeface="Arial" panose="020B0604020202020204" pitchFamily="34" charset="0"/>
-                <a:cs typeface="Arial" panose="020B0604020202020204" pitchFamily="34" charset="0"/>
-              </a:rPr>
-              <a:t>Package</a:t>
-            </a:r>
-          </a:p>
-        </p:txBody>
-      </p:sp>
-      <p:sp>
-        <p:nvSpPr>
-          <p:cNvPr id="10" name="Rechteck 9"/>
-          <p:cNvSpPr/>
-          <p:nvPr/>
-        </p:nvSpPr>
-        <p:spPr>
-          <a:xfrm>
-            <a:off x="10431189" y="5577533"/>
-            <a:ext cx="1440000" cy="900000"/>
-          </a:xfrm>
-          <a:prstGeom prst="rect">
-            <a:avLst/>
-          </a:prstGeom>
-          <a:solidFill>
-            <a:schemeClr val="bg1"/>
-          </a:solidFill>
-          <a:ln>
-            <a:solidFill>
-              <a:schemeClr val="tx1"/>
-            </a:solidFill>
-          </a:ln>
-        </p:spPr>
-        <p:style>
-          <a:lnRef idx="2">
-            <a:schemeClr val="accent1">
-              <a:shade val="50000"/>
-            </a:schemeClr>
-          </a:lnRef>
-          <a:fillRef idx="1">
-            <a:schemeClr val="accent1"/>
-          </a:fillRef>
-          <a:effectRef idx="0">
-            <a:schemeClr val="accent1"/>
-          </a:effectRef>
-          <a:fontRef idx="minor">
-            <a:schemeClr val="lt1"/>
-          </a:fontRef>
-        </p:style>
-        <p:txBody>
-          <a:bodyPr rtlCol="0" anchor="ctr"/>
-          <a:lstStyle/>
-          <a:p>
-            <a:pPr algn="ctr"/>
-            <a:r>
-              <a:rPr lang="en-GB" dirty="0" err="1" smtClean="0">
-                <a:solidFill>
-                  <a:schemeClr val="tx1"/>
-                </a:solidFill>
-                <a:latin typeface="Arial" panose="020B0604020202020204" pitchFamily="34" charset="0"/>
-                <a:cs typeface="Arial" panose="020B0604020202020204" pitchFamily="34" charset="0"/>
-              </a:rPr>
-              <a:t>HeapSort</a:t>
-            </a:r>
-            <a:endParaRPr lang="en-GB" dirty="0" smtClean="0">
-              <a:solidFill>
-                <a:schemeClr val="tx1"/>
-              </a:solidFill>
-              <a:latin typeface="Arial" panose="020B0604020202020204" pitchFamily="34" charset="0"/>
-              <a:cs typeface="Arial" panose="020B0604020202020204" pitchFamily="34" charset="0"/>
-            </a:endParaRPr>
-          </a:p>
-        </p:txBody>
-      </p:sp>
-      <p:cxnSp>
-        <p:nvCxnSpPr>
-          <p:cNvPr id="11" name="Gewinkelte Verbindung 14"/>
-          <p:cNvCxnSpPr>
-            <a:stCxn id="7" idx="2"/>
-            <a:endCxn id="9" idx="0"/>
-          </p:cNvCxnSpPr>
-          <p:nvPr/>
-        </p:nvCxnSpPr>
-        <p:spPr>
-          <a:xfrm rot="5400000">
-            <a:off x="5291866" y="4122100"/>
-            <a:ext cx="1440177" cy="1435419"/>
-          </a:xfrm>
-          <a:prstGeom prst="bentConnector3">
-            <a:avLst/>
-          </a:prstGeom>
-          <a:ln w="12700">
-            <a:solidFill>
-              <a:schemeClr val="tx1"/>
-            </a:solidFill>
-            <a:prstDash val="dash"/>
-            <a:tailEnd type="arrow" w="lg" len="lg"/>
-          </a:ln>
-        </p:spPr>
-        <p:style>
-          <a:lnRef idx="1">
-            <a:schemeClr val="accent1"/>
-          </a:lnRef>
-          <a:fillRef idx="0">
-            <a:schemeClr val="accent1"/>
-          </a:fillRef>
-          <a:effectRef idx="0">
-            <a:schemeClr val="accent1"/>
-          </a:effectRef>
-          <a:fontRef idx="minor">
-            <a:schemeClr val="tx1"/>
-          </a:fontRef>
-        </p:style>
-      </p:cxnSp>
-      <p:cxnSp>
-        <p:nvCxnSpPr>
-          <p:cNvPr id="12" name="Gerade Verbindung mit Pfeil 18"/>
-          <p:cNvCxnSpPr>
-            <a:stCxn id="8" idx="1"/>
-            <a:endCxn id="9" idx="3"/>
-          </p:cNvCxnSpPr>
-          <p:nvPr/>
-        </p:nvCxnSpPr>
-        <p:spPr>
-          <a:xfrm flipH="1" flipV="1">
-            <a:off x="6014244" y="6009898"/>
-            <a:ext cx="1539667" cy="8817"/>
-          </a:xfrm>
-          <a:prstGeom prst="straightConnector1">
-            <a:avLst/>
-          </a:prstGeom>
-          <a:ln w="12700">
-            <a:solidFill>
-              <a:schemeClr val="tx1"/>
-            </a:solidFill>
-            <a:prstDash val="dash"/>
-            <a:tailEnd type="arrow" w="lg" len="lg"/>
-          </a:ln>
-        </p:spPr>
-        <p:style>
-          <a:lnRef idx="1">
-            <a:schemeClr val="accent1"/>
-          </a:lnRef>
-          <a:fillRef idx="0">
-            <a:schemeClr val="accent1"/>
-          </a:fillRef>
-          <a:effectRef idx="0">
-            <a:schemeClr val="accent1"/>
-          </a:effectRef>
-          <a:fontRef idx="minor">
-            <a:schemeClr val="tx1"/>
-          </a:fontRef>
-        </p:style>
-      </p:cxnSp>
-      <p:cxnSp>
-        <p:nvCxnSpPr>
-          <p:cNvPr id="13" name="Gewinkelte Verbindung 16"/>
-          <p:cNvCxnSpPr>
-            <a:stCxn id="10" idx="1"/>
-          </p:cNvCxnSpPr>
-          <p:nvPr/>
-        </p:nvCxnSpPr>
-        <p:spPr>
-          <a:xfrm rot="10800000">
-            <a:off x="8991191" y="6027531"/>
-            <a:ext cx="1439999" cy="3"/>
-          </a:xfrm>
-          <a:prstGeom prst="bentConnector3">
-            <a:avLst>
-              <a:gd name="adj1" fmla="val 50000"/>
-            </a:avLst>
-          </a:prstGeom>
-          <a:ln w="12700">
-            <a:solidFill>
-              <a:schemeClr val="tx1"/>
-            </a:solidFill>
-            <a:prstDash val="dash"/>
-            <a:tailEnd type="arrow" w="lg" len="lg"/>
-          </a:ln>
-        </p:spPr>
-        <p:style>
-          <a:lnRef idx="1">
-            <a:schemeClr val="accent1"/>
-          </a:lnRef>
-          <a:fillRef idx="0">
-            <a:schemeClr val="accent1"/>
-          </a:fillRef>
-          <a:effectRef idx="0">
-            <a:schemeClr val="accent1"/>
-          </a:effectRef>
-          <a:fontRef idx="minor">
-            <a:schemeClr val="tx1"/>
-          </a:fontRef>
-        </p:style>
-      </p:cxnSp>
-      <p:cxnSp>
-        <p:nvCxnSpPr>
-          <p:cNvPr id="14" name="Gewinkelte Verbindung 53"/>
-          <p:cNvCxnSpPr>
-            <a:stCxn id="7" idx="2"/>
-            <a:endCxn id="10" idx="0"/>
-          </p:cNvCxnSpPr>
-          <p:nvPr/>
-        </p:nvCxnSpPr>
-        <p:spPr>
-          <a:xfrm rot="16200000" flipH="1">
-            <a:off x="8211520" y="2637864"/>
-            <a:ext cx="1457812" cy="4421526"/>
-          </a:xfrm>
-          <a:prstGeom prst="bentConnector3">
-            <a:avLst>
-              <a:gd name="adj1" fmla="val 50000"/>
-            </a:avLst>
-          </a:prstGeom>
-          <a:ln>
-            <a:solidFill>
-              <a:schemeClr val="tx1"/>
-            </a:solidFill>
-            <a:prstDash val="dash"/>
-            <a:tailEnd type="arrow" w="lg" len="lg"/>
-          </a:ln>
-        </p:spPr>
-        <p:style>
-          <a:lnRef idx="1">
-            <a:schemeClr val="accent1"/>
-          </a:lnRef>
-          <a:fillRef idx="0">
-            <a:schemeClr val="accent1"/>
-          </a:fillRef>
-          <a:effectRef idx="0">
-            <a:schemeClr val="accent1"/>
-          </a:effectRef>
-          <a:fontRef idx="minor">
-            <a:schemeClr val="tx1"/>
-          </a:fontRef>
-        </p:style>
-      </p:cxnSp>
-      <p:sp>
-        <p:nvSpPr>
-          <p:cNvPr id="15" name="Rechteck 8"/>
-          <p:cNvSpPr/>
-          <p:nvPr/>
-        </p:nvSpPr>
-        <p:spPr>
-          <a:xfrm>
-            <a:off x="1833781" y="5559898"/>
-            <a:ext cx="1440000" cy="900000"/>
-          </a:xfrm>
-          <a:prstGeom prst="rect">
-            <a:avLst/>
-          </a:prstGeom>
-          <a:solidFill>
-            <a:schemeClr val="bg1"/>
-          </a:solidFill>
-          <a:ln>
-            <a:solidFill>
-              <a:schemeClr val="tx1"/>
-            </a:solidFill>
-          </a:ln>
-        </p:spPr>
-        <p:style>
-          <a:lnRef idx="2">
-            <a:schemeClr val="accent1">
-              <a:shade val="50000"/>
-            </a:schemeClr>
-          </a:lnRef>
-          <a:fillRef idx="1">
-            <a:schemeClr val="accent1"/>
-          </a:fillRef>
-          <a:effectRef idx="0">
-            <a:schemeClr val="accent1"/>
-          </a:effectRef>
-          <a:fontRef idx="minor">
-            <a:schemeClr val="lt1"/>
-          </a:fontRef>
-        </p:style>
-        <p:txBody>
-          <a:bodyPr rtlCol="0" anchor="ctr"/>
-          <a:lstStyle/>
-          <a:p>
-            <a:pPr algn="ctr"/>
-            <a:r>
-              <a:rPr lang="en-GB" dirty="0" smtClean="0">
-                <a:solidFill>
-                  <a:schemeClr val="tx1"/>
-                </a:solidFill>
-                <a:latin typeface="Arial" panose="020B0604020202020204" pitchFamily="34" charset="0"/>
-                <a:cs typeface="Arial" panose="020B0604020202020204" pitchFamily="34" charset="0"/>
-              </a:rPr>
-              <a:t>Random</a:t>
-            </a:r>
-          </a:p>
-        </p:txBody>
-      </p:sp>
-      <p:cxnSp>
-        <p:nvCxnSpPr>
-          <p:cNvPr id="16" name="Gerade Verbindung mit Pfeil 18"/>
-          <p:cNvCxnSpPr>
-            <a:stCxn id="9" idx="1"/>
-            <a:endCxn id="15" idx="3"/>
-          </p:cNvCxnSpPr>
-          <p:nvPr/>
-        </p:nvCxnSpPr>
-        <p:spPr>
-          <a:xfrm flipH="1">
-            <a:off x="3273781" y="6009898"/>
-            <a:ext cx="1300463" cy="0"/>
-          </a:xfrm>
-          <a:prstGeom prst="straightConnector1">
-            <a:avLst/>
-          </a:prstGeom>
-          <a:ln w="12700">
-            <a:solidFill>
-              <a:schemeClr val="tx1"/>
-            </a:solidFill>
-            <a:prstDash val="dash"/>
-            <a:tailEnd type="arrow" w="lg" len="lg"/>
-          </a:ln>
-        </p:spPr>
-        <p:style>
-          <a:lnRef idx="1">
-            <a:schemeClr val="accent1"/>
-          </a:lnRef>
-          <a:fillRef idx="0">
-            <a:schemeClr val="accent1"/>
-          </a:fillRef>
-          <a:effectRef idx="0">
-            <a:schemeClr val="accent1"/>
-          </a:effectRef>
-          <a:fontRef idx="minor">
-            <a:schemeClr val="tx1"/>
-          </a:fontRef>
-        </p:style>
-      </p:cxnSp>
-      <p:cxnSp>
-        <p:nvCxnSpPr>
-          <p:cNvPr id="17" name="Gewinkelte Verbindung 14"/>
-          <p:cNvCxnSpPr>
-            <a:stCxn id="7" idx="2"/>
-            <a:endCxn id="15" idx="0"/>
-          </p:cNvCxnSpPr>
-          <p:nvPr/>
-        </p:nvCxnSpPr>
-        <p:spPr>
-          <a:xfrm rot="5400000">
-            <a:off x="3921634" y="2751868"/>
-            <a:ext cx="1440177" cy="4175882"/>
-          </a:xfrm>
-          <a:prstGeom prst="bentConnector3">
-            <a:avLst>
-              <a:gd name="adj1" fmla="val 50000"/>
-            </a:avLst>
-          </a:prstGeom>
-          <a:ln w="12700">
-            <a:solidFill>
-              <a:schemeClr val="tx1"/>
-            </a:solidFill>
-            <a:prstDash val="dash"/>
-            <a:tailEnd type="arrow" w="lg" len="lg"/>
-          </a:ln>
-        </p:spPr>
-        <p:style>
-          <a:lnRef idx="1">
-            <a:schemeClr val="accent1"/>
-          </a:lnRef>
-          <a:fillRef idx="0">
-            <a:schemeClr val="accent1"/>
-          </a:fillRef>
-          <a:effectRef idx="0">
-            <a:schemeClr val="accent1"/>
-          </a:effectRef>
-          <a:fontRef idx="minor">
-            <a:schemeClr val="tx1"/>
-          </a:fontRef>
-        </p:style>
-      </p:cxnSp>
-      <p:cxnSp>
-        <p:nvCxnSpPr>
-          <p:cNvPr id="18" name="Gewinkelte Verbindung 14"/>
-          <p:cNvCxnSpPr>
-            <a:stCxn id="7" idx="2"/>
-            <a:endCxn id="8" idx="0"/>
-          </p:cNvCxnSpPr>
-          <p:nvPr/>
-        </p:nvCxnSpPr>
-        <p:spPr>
-          <a:xfrm rot="16200000" flipH="1">
-            <a:off x="6777290" y="4072094"/>
-            <a:ext cx="1448994" cy="1544248"/>
-          </a:xfrm>
-          <a:prstGeom prst="bentConnector3">
-            <a:avLst/>
-          </a:prstGeom>
-          <a:ln w="12700">
-            <a:solidFill>
-              <a:schemeClr val="tx1"/>
-            </a:solidFill>
-            <a:prstDash val="dash"/>
-            <a:tailEnd type="arrow" w="lg" len="lg"/>
-          </a:ln>
-        </p:spPr>
-        <p:style>
-          <a:lnRef idx="1">
-            <a:schemeClr val="accent1"/>
-          </a:lnRef>
-          <a:fillRef idx="0">
-            <a:schemeClr val="accent1"/>
-          </a:fillRef>
-          <a:effectRef idx="0">
-            <a:schemeClr val="accent1"/>
-          </a:effectRef>
-          <a:fontRef idx="minor">
-            <a:schemeClr val="tx1"/>
-          </a:fontRef>
-        </p:style>
-      </p:cxnSp>
-    </p:spTree>
-    <p:extLst>
-      <p:ext uri="{BB962C8B-B14F-4D97-AF65-F5344CB8AC3E}">
-        <p14:creationId xmlns:p14="http://schemas.microsoft.com/office/powerpoint/2010/main" val="2958339159"/>
-      </p:ext>
-    </p:extLst>
-  </p:cSld>
-  <p:clrMapOvr>
-    <a:masterClrMapping/>
-  </p:clrMapOvr>
-  <p:timing>
-    <p:tnLst>
-      <p:par>
-        <p:cTn id="1" dur="indefinite" restart="never" nodeType="tmRoot"/>
-      </p:par>
-    </p:tnLst>
-  </p:timing>
-</p:sld>
-</file>
-
-<file path=ppt/slides/slide15.xml><?xml version="1.0" encoding="utf-8"?>
+<file path=ppt/slides/slide19.xml><?xml version="1.0" encoding="utf-8"?>
 <p:sld xmlns:a="http://schemas.openxmlformats.org/drawingml/2006/main" xmlns:r="http://schemas.openxmlformats.org/officeDocument/2006/relationships" xmlns:p="http://schemas.openxmlformats.org/presentationml/2006/main">
   <p:cSld>
     <p:spTree>
@@ -10403,17 +8808,17 @@
           <a:lstStyle/>
           <a:p>
             <a:r>
-              <a:rPr lang="en-US" dirty="0" smtClean="0">
-                <a:solidFill>
-                  <a:srgbClr val="FF0000"/>
+              <a:rPr lang="en-US" sz="3200" dirty="0" smtClean="0">
+                <a:solidFill>
+                  <a:srgbClr val="0070C0"/>
                 </a:solidFill>
                 <a:cs typeface="Arial" panose="020B0604020202020204" pitchFamily="34" charset="0"/>
               </a:rPr>
-              <a:t>Experiments and results</a:t>
+              <a:t>EXPERIMENTS AND RESULTS (HILL CLIMBING)</a:t>
             </a:r>
             <a:endParaRPr lang="et-EE" dirty="0">
               <a:solidFill>
-                <a:srgbClr val="FF0000"/>
+                <a:srgbClr val="0070C0"/>
               </a:solidFill>
               <a:cs typeface="Arial" panose="020B0604020202020204" pitchFamily="34" charset="0"/>
             </a:endParaRPr>
@@ -10443,1243 +8848,6 @@
     <p:extLst>
       <p:ext uri="{BB962C8B-B14F-4D97-AF65-F5344CB8AC3E}">
         <p14:creationId xmlns:p14="http://schemas.microsoft.com/office/powerpoint/2010/main" val="4279248667"/>
-      </p:ext>
-    </p:extLst>
-  </p:cSld>
-  <p:clrMapOvr>
-    <a:masterClrMapping/>
-  </p:clrMapOvr>
-  <p:timing>
-    <p:tnLst>
-      <p:par>
-        <p:cTn id="1" dur="indefinite" restart="never" nodeType="tmRoot"/>
-      </p:par>
-    </p:tnLst>
-  </p:timing>
-</p:sld>
-</file>
-
-<file path=ppt/slides/slide16.xml><?xml version="1.0" encoding="utf-8"?>
-<p:sld xmlns:a="http://schemas.openxmlformats.org/drawingml/2006/main" xmlns:r="http://schemas.openxmlformats.org/officeDocument/2006/relationships" xmlns:p="http://schemas.openxmlformats.org/presentationml/2006/main">
-  <p:cSld>
-    <p:spTree>
-      <p:nvGrpSpPr>
-        <p:cNvPr id="1" name=""/>
-        <p:cNvGrpSpPr/>
-        <p:nvPr/>
-      </p:nvGrpSpPr>
-      <p:grpSpPr>
-        <a:xfrm>
-          <a:off x="0" y="0"/>
-          <a:ext cx="0" cy="0"/>
-          <a:chOff x="0" y="0"/>
-          <a:chExt cx="0" cy="0"/>
-        </a:xfrm>
-      </p:grpSpPr>
-      <p:sp>
-        <p:nvSpPr>
-          <p:cNvPr id="2" name="Title 1"/>
-          <p:cNvSpPr>
-            <a:spLocks noGrp="1"/>
-          </p:cNvSpPr>
-          <p:nvPr>
-            <p:ph type="title"/>
-          </p:nvPr>
-        </p:nvSpPr>
-        <p:spPr>
-          <a:xfrm>
-            <a:off x="3024749" y="3011606"/>
-            <a:ext cx="8596668" cy="1320800"/>
-          </a:xfrm>
-        </p:spPr>
-        <p:txBody>
-          <a:bodyPr/>
-          <a:lstStyle/>
-          <a:p>
-            <a:r>
-              <a:rPr lang="en-US" dirty="0" smtClean="0">
-                <a:solidFill>
-                  <a:srgbClr val="FF0000"/>
-                </a:solidFill>
-                <a:latin typeface="Arial" panose="020B0604020202020204" pitchFamily="34" charset="0"/>
-                <a:cs typeface="Arial" panose="020B0604020202020204" pitchFamily="34" charset="0"/>
-              </a:rPr>
-              <a:t>GENETIC ALGORITHM</a:t>
-            </a:r>
-            <a:endParaRPr lang="et-EE" dirty="0">
-              <a:solidFill>
-                <a:srgbClr val="FF0000"/>
-              </a:solidFill>
-              <a:latin typeface="Arial" panose="020B0604020202020204" pitchFamily="34" charset="0"/>
-              <a:cs typeface="Arial" panose="020B0604020202020204" pitchFamily="34" charset="0"/>
-            </a:endParaRPr>
-          </a:p>
-        </p:txBody>
-      </p:sp>
-    </p:spTree>
-    <p:extLst>
-      <p:ext uri="{BB962C8B-B14F-4D97-AF65-F5344CB8AC3E}">
-        <p14:creationId xmlns:p14="http://schemas.microsoft.com/office/powerpoint/2010/main" val="4268301284"/>
-      </p:ext>
-    </p:extLst>
-  </p:cSld>
-  <p:clrMapOvr>
-    <a:masterClrMapping/>
-  </p:clrMapOvr>
-  <p:timing>
-    <p:tnLst>
-      <p:par>
-        <p:cTn id="1" dur="indefinite" restart="never" nodeType="tmRoot"/>
-      </p:par>
-    </p:tnLst>
-  </p:timing>
-</p:sld>
-</file>
-
-<file path=ppt/slides/slide17.xml><?xml version="1.0" encoding="utf-8"?>
-<p:sld xmlns:a="http://schemas.openxmlformats.org/drawingml/2006/main" xmlns:r="http://schemas.openxmlformats.org/officeDocument/2006/relationships" xmlns:p="http://schemas.openxmlformats.org/presentationml/2006/main">
-  <p:cSld>
-    <p:spTree>
-      <p:nvGrpSpPr>
-        <p:cNvPr id="1" name=""/>
-        <p:cNvGrpSpPr/>
-        <p:nvPr/>
-      </p:nvGrpSpPr>
-      <p:grpSpPr>
-        <a:xfrm>
-          <a:off x="0" y="0"/>
-          <a:ext cx="0" cy="0"/>
-          <a:chOff x="0" y="0"/>
-          <a:chExt cx="0" cy="0"/>
-        </a:xfrm>
-      </p:grpSpPr>
-      <p:sp>
-        <p:nvSpPr>
-          <p:cNvPr id="2" name="Title 1"/>
-          <p:cNvSpPr>
-            <a:spLocks noGrp="1"/>
-          </p:cNvSpPr>
-          <p:nvPr>
-            <p:ph type="title"/>
-          </p:nvPr>
-        </p:nvSpPr>
-        <p:spPr>
-          <a:xfrm>
-            <a:off x="931453" y="221661"/>
-            <a:ext cx="8596668" cy="1320800"/>
-          </a:xfrm>
-        </p:spPr>
-        <p:txBody>
-          <a:bodyPr/>
-          <a:lstStyle/>
-          <a:p>
-            <a:r>
-              <a:rPr lang="en-US" dirty="0" smtClean="0">
-                <a:solidFill>
-                  <a:srgbClr val="FF0000"/>
-                </a:solidFill>
-                <a:cs typeface="Arial" panose="020B0604020202020204" pitchFamily="34" charset="0"/>
-              </a:rPr>
-              <a:t>Implementation</a:t>
-            </a:r>
-            <a:endParaRPr lang="et-EE" dirty="0">
-              <a:solidFill>
-                <a:srgbClr val="FF0000"/>
-              </a:solidFill>
-              <a:cs typeface="Arial" panose="020B0604020202020204" pitchFamily="34" charset="0"/>
-            </a:endParaRPr>
-          </a:p>
-        </p:txBody>
-      </p:sp>
-      <p:sp>
-        <p:nvSpPr>
-          <p:cNvPr id="3" name="Content Placeholder 2"/>
-          <p:cNvSpPr>
-            <a:spLocks noGrp="1"/>
-          </p:cNvSpPr>
-          <p:nvPr>
-            <p:ph idx="1"/>
-          </p:nvPr>
-        </p:nvSpPr>
-        <p:spPr>
-          <a:xfrm>
-            <a:off x="931453" y="1109953"/>
-            <a:ext cx="9103281" cy="1951308"/>
-          </a:xfrm>
-        </p:spPr>
-        <p:txBody>
-          <a:bodyPr>
-            <a:normAutofit fontScale="47500" lnSpcReduction="20000"/>
-          </a:bodyPr>
-          <a:lstStyle/>
-          <a:p>
-            <a:pPr>
-              <a:buClr>
-                <a:schemeClr val="tx1"/>
-              </a:buClr>
-              <a:buFont typeface="Arial" panose="020B0604020202020204" pitchFamily="34" charset="0"/>
-              <a:buChar char="•"/>
-            </a:pPr>
-            <a:r>
-              <a:rPr lang="en-US" sz="4200" dirty="0" smtClean="0">
-                <a:solidFill>
-                  <a:schemeClr val="tx1"/>
-                </a:solidFill>
-                <a:latin typeface="Arial" panose="020B0604020202020204" pitchFamily="34" charset="0"/>
-                <a:cs typeface="Arial" panose="020B0604020202020204" pitchFamily="34" charset="0"/>
-              </a:rPr>
-              <a:t>Chromosomes</a:t>
-            </a:r>
-            <a:r>
-              <a:rPr lang="en-US" sz="4200" dirty="0">
-                <a:solidFill>
-                  <a:schemeClr val="tx1"/>
-                </a:solidFill>
-                <a:latin typeface="Arial" panose="020B0604020202020204" pitchFamily="34" charset="0"/>
-                <a:cs typeface="Arial" panose="020B0604020202020204" pitchFamily="34" charset="0"/>
-              </a:rPr>
-              <a:t> (an array consisting of 0’s and 1’s</a:t>
-            </a:r>
-            <a:r>
-              <a:rPr lang="en-US" sz="4200" dirty="0" smtClean="0">
-                <a:solidFill>
-                  <a:schemeClr val="tx1"/>
-                </a:solidFill>
-                <a:latin typeface="Arial" panose="020B0604020202020204" pitchFamily="34" charset="0"/>
-                <a:cs typeface="Arial" panose="020B0604020202020204" pitchFamily="34" charset="0"/>
-              </a:rPr>
-              <a:t>)  of each individual are generated randomly for the initial population.</a:t>
-            </a:r>
-          </a:p>
-          <a:p>
-            <a:pPr>
-              <a:buClr>
-                <a:schemeClr val="tx1"/>
-              </a:buClr>
-              <a:buFont typeface="Arial" panose="020B0604020202020204" pitchFamily="34" charset="0"/>
-              <a:buChar char="•"/>
-            </a:pPr>
-            <a:r>
-              <a:rPr lang="en-US" sz="4200" dirty="0" smtClean="0">
-                <a:solidFill>
-                  <a:schemeClr val="tx1"/>
-                </a:solidFill>
-                <a:latin typeface="Arial" panose="020B0604020202020204" pitchFamily="34" charset="0"/>
-                <a:cs typeface="Arial" panose="020B0604020202020204" pitchFamily="34" charset="0"/>
-              </a:rPr>
-              <a:t>These “genes” decide if a certain package in a certain state is included in the solution.</a:t>
-            </a:r>
-          </a:p>
-          <a:p>
-            <a:pPr>
-              <a:buClr>
-                <a:schemeClr val="tx1"/>
-              </a:buClr>
-              <a:buFont typeface="Arial" panose="020B0604020202020204" pitchFamily="34" charset="0"/>
-              <a:buChar char="•"/>
-            </a:pPr>
-            <a:r>
-              <a:rPr lang="en-US" sz="4200" dirty="0" smtClean="0">
-                <a:solidFill>
-                  <a:schemeClr val="tx1"/>
-                </a:solidFill>
-                <a:latin typeface="Arial" panose="020B0604020202020204" pitchFamily="34" charset="0"/>
-                <a:cs typeface="Arial" panose="020B0604020202020204" pitchFamily="34" charset="0"/>
-              </a:rPr>
-              <a:t>The binary string is converted into a packing to evaluate the fitness of an individual</a:t>
-            </a:r>
-          </a:p>
-          <a:p>
-            <a:pPr>
-              <a:buClr>
-                <a:schemeClr val="tx1"/>
-              </a:buClr>
-              <a:buFont typeface="Arial" panose="020B0604020202020204" pitchFamily="34" charset="0"/>
-              <a:buChar char="•"/>
-            </a:pPr>
-            <a:endParaRPr lang="en-US" sz="2400" dirty="0" smtClean="0">
-              <a:solidFill>
-                <a:schemeClr val="tx1"/>
-              </a:solidFill>
-              <a:latin typeface="Arial" panose="020B0604020202020204" pitchFamily="34" charset="0"/>
-              <a:cs typeface="Arial" panose="020B0604020202020204" pitchFamily="34" charset="0"/>
-            </a:endParaRPr>
-          </a:p>
-          <a:p>
-            <a:pPr>
-              <a:buClr>
-                <a:schemeClr val="tx1"/>
-              </a:buClr>
-              <a:buFont typeface="Arial" panose="020B0604020202020204" pitchFamily="34" charset="0"/>
-              <a:buChar char="•"/>
-            </a:pPr>
-            <a:endParaRPr lang="et-EE" sz="2400" dirty="0">
-              <a:solidFill>
-                <a:schemeClr val="tx1"/>
-              </a:solidFill>
-              <a:latin typeface="Arial" panose="020B0604020202020204" pitchFamily="34" charset="0"/>
-              <a:cs typeface="Arial" panose="020B0604020202020204" pitchFamily="34" charset="0"/>
-            </a:endParaRPr>
-          </a:p>
-        </p:txBody>
-      </p:sp>
-      <p:sp>
-        <p:nvSpPr>
-          <p:cNvPr id="4" name="Rechteck 4"/>
-          <p:cNvSpPr/>
-          <p:nvPr/>
-        </p:nvSpPr>
-        <p:spPr>
-          <a:xfrm>
-            <a:off x="6695516" y="2875283"/>
-            <a:ext cx="1440000" cy="900000"/>
-          </a:xfrm>
-          <a:prstGeom prst="rect">
-            <a:avLst/>
-          </a:prstGeom>
-          <a:solidFill>
-            <a:schemeClr val="bg1"/>
-          </a:solidFill>
-          <a:ln>
-            <a:solidFill>
-              <a:schemeClr val="tx1"/>
-            </a:solidFill>
-          </a:ln>
-        </p:spPr>
-        <p:style>
-          <a:lnRef idx="2">
-            <a:schemeClr val="accent1">
-              <a:shade val="50000"/>
-            </a:schemeClr>
-          </a:lnRef>
-          <a:fillRef idx="1">
-            <a:schemeClr val="accent1"/>
-          </a:fillRef>
-          <a:effectRef idx="0">
-            <a:schemeClr val="accent1"/>
-          </a:effectRef>
-          <a:fontRef idx="minor">
-            <a:schemeClr val="lt1"/>
-          </a:fontRef>
-        </p:style>
-        <p:txBody>
-          <a:bodyPr rtlCol="0" anchor="ctr"/>
-          <a:lstStyle/>
-          <a:p>
-            <a:pPr algn="ctr"/>
-            <a:r>
-              <a:rPr lang="en-GB" dirty="0" smtClean="0">
-                <a:solidFill>
-                  <a:schemeClr val="tx1"/>
-                </a:solidFill>
-                <a:latin typeface="Arial" panose="020B0604020202020204" pitchFamily="34" charset="0"/>
-                <a:cs typeface="Arial" panose="020B0604020202020204" pitchFamily="34" charset="0"/>
-              </a:rPr>
-              <a:t>Genetic</a:t>
-            </a:r>
-            <a:br>
-              <a:rPr lang="en-GB" dirty="0" smtClean="0">
-                <a:solidFill>
-                  <a:schemeClr val="tx1"/>
-                </a:solidFill>
-                <a:latin typeface="Arial" panose="020B0604020202020204" pitchFamily="34" charset="0"/>
-                <a:cs typeface="Arial" panose="020B0604020202020204" pitchFamily="34" charset="0"/>
-              </a:rPr>
-            </a:br>
-            <a:r>
-              <a:rPr lang="en-GB" dirty="0" smtClean="0">
-                <a:solidFill>
-                  <a:schemeClr val="tx1"/>
-                </a:solidFill>
-                <a:latin typeface="Arial" panose="020B0604020202020204" pitchFamily="34" charset="0"/>
-                <a:cs typeface="Arial" panose="020B0604020202020204" pitchFamily="34" charset="0"/>
-              </a:rPr>
-              <a:t>Algorithm</a:t>
-            </a:r>
-            <a:endParaRPr lang="en-GB" dirty="0">
-              <a:solidFill>
-                <a:schemeClr val="tx1"/>
-              </a:solidFill>
-              <a:latin typeface="Arial" panose="020B0604020202020204" pitchFamily="34" charset="0"/>
-              <a:cs typeface="Arial" panose="020B0604020202020204" pitchFamily="34" charset="0"/>
-            </a:endParaRPr>
-          </a:p>
-        </p:txBody>
-      </p:sp>
-      <p:sp>
-        <p:nvSpPr>
-          <p:cNvPr id="5" name="Rechteck 7"/>
-          <p:cNvSpPr/>
-          <p:nvPr/>
-        </p:nvSpPr>
-        <p:spPr>
-          <a:xfrm>
-            <a:off x="6695517" y="4592762"/>
-            <a:ext cx="1440000" cy="900000"/>
-          </a:xfrm>
-          <a:prstGeom prst="rect">
-            <a:avLst/>
-          </a:prstGeom>
-          <a:solidFill>
-            <a:schemeClr val="bg1"/>
-          </a:solidFill>
-          <a:ln>
-            <a:solidFill>
-              <a:schemeClr val="tx1"/>
-            </a:solidFill>
-          </a:ln>
-        </p:spPr>
-        <p:style>
-          <a:lnRef idx="2">
-            <a:schemeClr val="accent1">
-              <a:shade val="50000"/>
-            </a:schemeClr>
-          </a:lnRef>
-          <a:fillRef idx="1">
-            <a:schemeClr val="accent1"/>
-          </a:fillRef>
-          <a:effectRef idx="0">
-            <a:schemeClr val="accent1"/>
-          </a:effectRef>
-          <a:fontRef idx="minor">
-            <a:schemeClr val="lt1"/>
-          </a:fontRef>
-        </p:style>
-        <p:txBody>
-          <a:bodyPr rtlCol="0" anchor="ctr"/>
-          <a:lstStyle/>
-          <a:p>
-            <a:pPr algn="ctr"/>
-            <a:r>
-              <a:rPr lang="en-GB" dirty="0" smtClean="0">
-                <a:solidFill>
-                  <a:schemeClr val="tx1"/>
-                </a:solidFill>
-                <a:latin typeface="Arial" panose="020B0604020202020204" pitchFamily="34" charset="0"/>
-                <a:cs typeface="Arial" panose="020B0604020202020204" pitchFamily="34" charset="0"/>
-              </a:rPr>
-              <a:t>Individual</a:t>
-            </a:r>
-          </a:p>
-        </p:txBody>
-      </p:sp>
-      <p:sp>
-        <p:nvSpPr>
-          <p:cNvPr id="6" name="Rechteck 8"/>
-          <p:cNvSpPr/>
-          <p:nvPr/>
-        </p:nvSpPr>
-        <p:spPr>
-          <a:xfrm>
-            <a:off x="4871795" y="4592762"/>
-            <a:ext cx="1440000" cy="900000"/>
-          </a:xfrm>
-          <a:prstGeom prst="rect">
-            <a:avLst/>
-          </a:prstGeom>
-          <a:solidFill>
-            <a:schemeClr val="bg1"/>
-          </a:solidFill>
-          <a:ln>
-            <a:solidFill>
-              <a:schemeClr val="tx1"/>
-            </a:solidFill>
-          </a:ln>
-        </p:spPr>
-        <p:style>
-          <a:lnRef idx="2">
-            <a:schemeClr val="accent1">
-              <a:shade val="50000"/>
-            </a:schemeClr>
-          </a:lnRef>
-          <a:fillRef idx="1">
-            <a:schemeClr val="accent1"/>
-          </a:fillRef>
-          <a:effectRef idx="0">
-            <a:schemeClr val="accent1"/>
-          </a:effectRef>
-          <a:fontRef idx="minor">
-            <a:schemeClr val="lt1"/>
-          </a:fontRef>
-        </p:style>
-        <p:txBody>
-          <a:bodyPr rtlCol="0" anchor="ctr"/>
-          <a:lstStyle/>
-          <a:p>
-            <a:pPr algn="ctr"/>
-            <a:r>
-              <a:rPr lang="en-GB" dirty="0" smtClean="0">
-                <a:solidFill>
-                  <a:schemeClr val="tx1"/>
-                </a:solidFill>
-                <a:latin typeface="Arial" panose="020B0604020202020204" pitchFamily="34" charset="0"/>
-                <a:cs typeface="Arial" panose="020B0604020202020204" pitchFamily="34" charset="0"/>
-              </a:rPr>
-              <a:t>Package</a:t>
-            </a:r>
-          </a:p>
-        </p:txBody>
-      </p:sp>
-      <p:sp>
-        <p:nvSpPr>
-          <p:cNvPr id="7" name="Rechteck 9"/>
-          <p:cNvSpPr/>
-          <p:nvPr/>
-        </p:nvSpPr>
-        <p:spPr>
-          <a:xfrm>
-            <a:off x="8594734" y="4592762"/>
-            <a:ext cx="1440000" cy="900000"/>
-          </a:xfrm>
-          <a:prstGeom prst="rect">
-            <a:avLst/>
-          </a:prstGeom>
-          <a:solidFill>
-            <a:schemeClr val="bg1"/>
-          </a:solidFill>
-          <a:ln>
-            <a:solidFill>
-              <a:schemeClr val="tx1"/>
-            </a:solidFill>
-          </a:ln>
-        </p:spPr>
-        <p:style>
-          <a:lnRef idx="2">
-            <a:schemeClr val="accent1">
-              <a:shade val="50000"/>
-            </a:schemeClr>
-          </a:lnRef>
-          <a:fillRef idx="1">
-            <a:schemeClr val="accent1"/>
-          </a:fillRef>
-          <a:effectRef idx="0">
-            <a:schemeClr val="accent1"/>
-          </a:effectRef>
-          <a:fontRef idx="minor">
-            <a:schemeClr val="lt1"/>
-          </a:fontRef>
-        </p:style>
-        <p:txBody>
-          <a:bodyPr rtlCol="0" anchor="ctr"/>
-          <a:lstStyle/>
-          <a:p>
-            <a:pPr algn="ctr"/>
-            <a:r>
-              <a:rPr lang="en-GB" dirty="0" smtClean="0">
-                <a:solidFill>
-                  <a:schemeClr val="tx1"/>
-                </a:solidFill>
-                <a:latin typeface="Arial" panose="020B0604020202020204" pitchFamily="34" charset="0"/>
-                <a:cs typeface="Arial" panose="020B0604020202020204" pitchFamily="34" charset="0"/>
-              </a:rPr>
-              <a:t>Cargo</a:t>
-            </a:r>
-            <a:br>
-              <a:rPr lang="en-GB" dirty="0" smtClean="0">
-                <a:solidFill>
-                  <a:schemeClr val="tx1"/>
-                </a:solidFill>
-                <a:latin typeface="Arial" panose="020B0604020202020204" pitchFamily="34" charset="0"/>
-                <a:cs typeface="Arial" panose="020B0604020202020204" pitchFamily="34" charset="0"/>
-              </a:rPr>
-            </a:br>
-            <a:r>
-              <a:rPr lang="en-GB" dirty="0" smtClean="0">
-                <a:solidFill>
-                  <a:schemeClr val="tx1"/>
-                </a:solidFill>
-                <a:latin typeface="Arial" panose="020B0604020202020204" pitchFamily="34" charset="0"/>
-                <a:cs typeface="Arial" panose="020B0604020202020204" pitchFamily="34" charset="0"/>
-              </a:rPr>
-              <a:t>Space</a:t>
-            </a:r>
-          </a:p>
-        </p:txBody>
-      </p:sp>
-      <p:sp>
-        <p:nvSpPr>
-          <p:cNvPr id="8" name="Rechteck 10"/>
-          <p:cNvSpPr/>
-          <p:nvPr/>
-        </p:nvSpPr>
-        <p:spPr>
-          <a:xfrm>
-            <a:off x="3048072" y="4580061"/>
-            <a:ext cx="1440000" cy="900000"/>
-          </a:xfrm>
-          <a:prstGeom prst="rect">
-            <a:avLst/>
-          </a:prstGeom>
-          <a:solidFill>
-            <a:schemeClr val="bg1"/>
-          </a:solidFill>
-          <a:ln>
-            <a:solidFill>
-              <a:schemeClr val="tx1"/>
-            </a:solidFill>
-          </a:ln>
-        </p:spPr>
-        <p:style>
-          <a:lnRef idx="2">
-            <a:schemeClr val="accent1">
-              <a:shade val="50000"/>
-            </a:schemeClr>
-          </a:lnRef>
-          <a:fillRef idx="1">
-            <a:schemeClr val="accent1"/>
-          </a:fillRef>
-          <a:effectRef idx="0">
-            <a:schemeClr val="accent1"/>
-          </a:effectRef>
-          <a:fontRef idx="minor">
-            <a:schemeClr val="lt1"/>
-          </a:fontRef>
-        </p:style>
-        <p:txBody>
-          <a:bodyPr rtlCol="0" anchor="ctr"/>
-          <a:lstStyle/>
-          <a:p>
-            <a:pPr algn="ctr"/>
-            <a:r>
-              <a:rPr lang="en-GB" dirty="0" smtClean="0">
-                <a:solidFill>
-                  <a:schemeClr val="tx1"/>
-                </a:solidFill>
-                <a:latin typeface="Arial" panose="020B0604020202020204" pitchFamily="34" charset="0"/>
-                <a:cs typeface="Arial" panose="020B0604020202020204" pitchFamily="34" charset="0"/>
-              </a:rPr>
-              <a:t>Random</a:t>
-            </a:r>
-          </a:p>
-        </p:txBody>
-      </p:sp>
-      <p:cxnSp>
-        <p:nvCxnSpPr>
-          <p:cNvPr id="9" name="Gewinkelte Verbindung 2"/>
-          <p:cNvCxnSpPr>
-            <a:stCxn id="4" idx="2"/>
-          </p:cNvCxnSpPr>
-          <p:nvPr/>
-        </p:nvCxnSpPr>
-        <p:spPr>
-          <a:xfrm rot="16200000" flipH="1">
-            <a:off x="8912344" y="2278455"/>
-            <a:ext cx="804778" cy="3798434"/>
-          </a:xfrm>
-          <a:prstGeom prst="bentConnector3">
-            <a:avLst>
-              <a:gd name="adj1" fmla="val 50000"/>
-            </a:avLst>
-          </a:prstGeom>
-          <a:ln w="12700">
-            <a:solidFill>
-              <a:schemeClr val="tx1"/>
-            </a:solidFill>
-            <a:prstDash val="dash"/>
-            <a:tailEnd type="arrow" w="lg" len="lg"/>
-          </a:ln>
-        </p:spPr>
-        <p:style>
-          <a:lnRef idx="1">
-            <a:schemeClr val="accent1"/>
-          </a:lnRef>
-          <a:fillRef idx="0">
-            <a:schemeClr val="accent1"/>
-          </a:fillRef>
-          <a:effectRef idx="0">
-            <a:schemeClr val="accent1"/>
-          </a:effectRef>
-          <a:fontRef idx="minor">
-            <a:schemeClr val="tx1"/>
-          </a:fontRef>
-        </p:style>
-      </p:cxnSp>
-      <p:cxnSp>
-        <p:nvCxnSpPr>
-          <p:cNvPr id="10" name="Gewinkelte Verbindung 5"/>
-          <p:cNvCxnSpPr>
-            <a:stCxn id="4" idx="2"/>
-            <a:endCxn id="8" idx="0"/>
-          </p:cNvCxnSpPr>
-          <p:nvPr/>
-        </p:nvCxnSpPr>
-        <p:spPr>
-          <a:xfrm rot="5400000">
-            <a:off x="5189405" y="2353950"/>
-            <a:ext cx="804778" cy="3647444"/>
-          </a:xfrm>
-          <a:prstGeom prst="bentConnector3">
-            <a:avLst/>
-          </a:prstGeom>
-          <a:ln w="12700">
-            <a:solidFill>
-              <a:schemeClr val="tx1"/>
-            </a:solidFill>
-            <a:prstDash val="dash"/>
-            <a:tailEnd type="arrow" w="lg" len="lg"/>
-          </a:ln>
-        </p:spPr>
-        <p:style>
-          <a:lnRef idx="1">
-            <a:schemeClr val="accent1"/>
-          </a:lnRef>
-          <a:fillRef idx="0">
-            <a:schemeClr val="accent1"/>
-          </a:fillRef>
-          <a:effectRef idx="0">
-            <a:schemeClr val="accent1"/>
-          </a:effectRef>
-          <a:fontRef idx="minor">
-            <a:schemeClr val="tx1"/>
-          </a:fontRef>
-        </p:style>
-      </p:cxnSp>
-      <p:cxnSp>
-        <p:nvCxnSpPr>
-          <p:cNvPr id="11" name="Gewinkelte Verbindung 14"/>
-          <p:cNvCxnSpPr>
-            <a:stCxn id="4" idx="2"/>
-            <a:endCxn id="6" idx="0"/>
-          </p:cNvCxnSpPr>
-          <p:nvPr/>
-        </p:nvCxnSpPr>
-        <p:spPr>
-          <a:xfrm rot="5400000">
-            <a:off x="6094917" y="3272162"/>
-            <a:ext cx="817479" cy="1823721"/>
-          </a:xfrm>
-          <a:prstGeom prst="bentConnector3">
-            <a:avLst/>
-          </a:prstGeom>
-          <a:ln w="12700">
-            <a:solidFill>
-              <a:schemeClr val="tx1"/>
-            </a:solidFill>
-            <a:prstDash val="dash"/>
-            <a:tailEnd type="arrow" w="lg" len="lg"/>
-          </a:ln>
-        </p:spPr>
-        <p:style>
-          <a:lnRef idx="1">
-            <a:schemeClr val="accent1"/>
-          </a:lnRef>
-          <a:fillRef idx="0">
-            <a:schemeClr val="accent1"/>
-          </a:fillRef>
-          <a:effectRef idx="0">
-            <a:schemeClr val="accent1"/>
-          </a:effectRef>
-          <a:fontRef idx="minor">
-            <a:schemeClr val="tx1"/>
-          </a:fontRef>
-        </p:style>
-      </p:cxnSp>
-      <p:cxnSp>
-        <p:nvCxnSpPr>
-          <p:cNvPr id="12" name="Gewinkelte Verbindung 16"/>
-          <p:cNvCxnSpPr/>
-          <p:nvPr/>
-        </p:nvCxnSpPr>
-        <p:spPr>
-          <a:xfrm rot="5400000" flipH="1">
-            <a:off x="9311558" y="3584020"/>
-            <a:ext cx="6351" cy="3798434"/>
-          </a:xfrm>
-          <a:prstGeom prst="bentConnector3">
-            <a:avLst>
-              <a:gd name="adj1" fmla="val -20430609"/>
-            </a:avLst>
-          </a:prstGeom>
-          <a:ln w="12700">
-            <a:solidFill>
-              <a:schemeClr val="tx1"/>
-            </a:solidFill>
-            <a:prstDash val="dash"/>
-            <a:tailEnd type="arrow" w="lg" len="lg"/>
-          </a:ln>
-        </p:spPr>
-        <p:style>
-          <a:lnRef idx="1">
-            <a:schemeClr val="accent1"/>
-          </a:lnRef>
-          <a:fillRef idx="0">
-            <a:schemeClr val="accent1"/>
-          </a:fillRef>
-          <a:effectRef idx="0">
-            <a:schemeClr val="accent1"/>
-          </a:effectRef>
-          <a:fontRef idx="minor">
-            <a:schemeClr val="tx1"/>
-          </a:fontRef>
-        </p:style>
-      </p:cxnSp>
-      <p:cxnSp>
-        <p:nvCxnSpPr>
-          <p:cNvPr id="13" name="Gerade Verbindung mit Pfeil 18"/>
-          <p:cNvCxnSpPr/>
-          <p:nvPr/>
-        </p:nvCxnSpPr>
-        <p:spPr>
-          <a:xfrm flipH="1">
-            <a:off x="6311795" y="5081407"/>
-            <a:ext cx="383722" cy="0"/>
-          </a:xfrm>
-          <a:prstGeom prst="straightConnector1">
-            <a:avLst/>
-          </a:prstGeom>
-          <a:ln w="12700">
-            <a:solidFill>
-              <a:schemeClr val="tx1"/>
-            </a:solidFill>
-            <a:prstDash val="dash"/>
-            <a:tailEnd type="arrow" w="lg" len="lg"/>
-          </a:ln>
-        </p:spPr>
-        <p:style>
-          <a:lnRef idx="1">
-            <a:schemeClr val="accent1"/>
-          </a:lnRef>
-          <a:fillRef idx="0">
-            <a:schemeClr val="accent1"/>
-          </a:fillRef>
-          <a:effectRef idx="0">
-            <a:schemeClr val="accent1"/>
-          </a:effectRef>
-          <a:fontRef idx="minor">
-            <a:schemeClr val="tx1"/>
-          </a:fontRef>
-        </p:style>
-      </p:cxnSp>
-      <p:cxnSp>
-        <p:nvCxnSpPr>
-          <p:cNvPr id="14" name="Gerade Verbindung mit Pfeil 20"/>
-          <p:cNvCxnSpPr>
-            <a:stCxn id="5" idx="3"/>
-            <a:endCxn id="7" idx="1"/>
-          </p:cNvCxnSpPr>
-          <p:nvPr/>
-        </p:nvCxnSpPr>
-        <p:spPr>
-          <a:xfrm>
-            <a:off x="8135517" y="5042762"/>
-            <a:ext cx="459217" cy="0"/>
-          </a:xfrm>
-          <a:prstGeom prst="straightConnector1">
-            <a:avLst/>
-          </a:prstGeom>
-          <a:ln w="12700">
-            <a:solidFill>
-              <a:schemeClr val="tx1"/>
-            </a:solidFill>
-            <a:prstDash val="dash"/>
-            <a:tailEnd type="arrow" w="lg" len="lg"/>
-          </a:ln>
-        </p:spPr>
-        <p:style>
-          <a:lnRef idx="1">
-            <a:schemeClr val="accent1"/>
-          </a:lnRef>
-          <a:fillRef idx="0">
-            <a:schemeClr val="accent1"/>
-          </a:fillRef>
-          <a:effectRef idx="0">
-            <a:schemeClr val="accent1"/>
-          </a:effectRef>
-          <a:fontRef idx="minor">
-            <a:schemeClr val="tx1"/>
-          </a:fontRef>
-        </p:style>
-      </p:cxnSp>
-      <p:cxnSp>
-        <p:nvCxnSpPr>
-          <p:cNvPr id="15" name="Gerade Verbindung mit Pfeil 21"/>
-          <p:cNvCxnSpPr>
-            <a:stCxn id="4" idx="2"/>
-            <a:endCxn id="5" idx="0"/>
-          </p:cNvCxnSpPr>
-          <p:nvPr/>
-        </p:nvCxnSpPr>
-        <p:spPr>
-          <a:xfrm>
-            <a:off x="7415516" y="3775283"/>
-            <a:ext cx="1" cy="817479"/>
-          </a:xfrm>
-          <a:prstGeom prst="straightConnector1">
-            <a:avLst/>
-          </a:prstGeom>
-          <a:ln w="12700">
-            <a:solidFill>
-              <a:schemeClr val="tx1"/>
-            </a:solidFill>
-            <a:prstDash val="dash"/>
-            <a:tailEnd type="arrow" w="lg" len="lg"/>
-          </a:ln>
-        </p:spPr>
-        <p:style>
-          <a:lnRef idx="1">
-            <a:schemeClr val="accent1"/>
-          </a:lnRef>
-          <a:fillRef idx="0">
-            <a:schemeClr val="accent1"/>
-          </a:fillRef>
-          <a:effectRef idx="0">
-            <a:schemeClr val="accent1"/>
-          </a:effectRef>
-          <a:fontRef idx="minor">
-            <a:schemeClr val="tx1"/>
-          </a:fontRef>
-        </p:style>
-      </p:cxnSp>
-      <p:cxnSp>
-        <p:nvCxnSpPr>
-          <p:cNvPr id="16" name="Gewinkelte Verbindung 16"/>
-          <p:cNvCxnSpPr/>
-          <p:nvPr/>
-        </p:nvCxnSpPr>
-        <p:spPr>
-          <a:xfrm rot="5400000" flipH="1">
-            <a:off x="7487836" y="3603071"/>
-            <a:ext cx="6351" cy="3798434"/>
-          </a:xfrm>
-          <a:prstGeom prst="bentConnector3">
-            <a:avLst>
-              <a:gd name="adj1" fmla="val -16172130"/>
-            </a:avLst>
-          </a:prstGeom>
-          <a:ln w="12700">
-            <a:solidFill>
-              <a:schemeClr val="tx1"/>
-            </a:solidFill>
-            <a:prstDash val="dash"/>
-            <a:tailEnd type="arrow" w="lg" len="lg"/>
-          </a:ln>
-        </p:spPr>
-        <p:style>
-          <a:lnRef idx="1">
-            <a:schemeClr val="accent1"/>
-          </a:lnRef>
-          <a:fillRef idx="0">
-            <a:schemeClr val="accent1"/>
-          </a:fillRef>
-          <a:effectRef idx="0">
-            <a:schemeClr val="accent1"/>
-          </a:effectRef>
-          <a:fontRef idx="minor">
-            <a:schemeClr val="tx1"/>
-          </a:fontRef>
-        </p:style>
-      </p:cxnSp>
-      <p:cxnSp>
-        <p:nvCxnSpPr>
-          <p:cNvPr id="17" name="Gewinkelte Verbindung 16"/>
-          <p:cNvCxnSpPr/>
-          <p:nvPr/>
-        </p:nvCxnSpPr>
-        <p:spPr>
-          <a:xfrm rot="10800000">
-            <a:off x="10034735" y="5081408"/>
-            <a:ext cx="459217" cy="2"/>
-          </a:xfrm>
-          <a:prstGeom prst="bentConnector3">
-            <a:avLst>
-              <a:gd name="adj1" fmla="val 50000"/>
-            </a:avLst>
-          </a:prstGeom>
-          <a:ln w="12700">
-            <a:solidFill>
-              <a:schemeClr val="tx1"/>
-            </a:solidFill>
-            <a:prstDash val="dash"/>
-            <a:tailEnd type="arrow" w="lg" len="lg"/>
-          </a:ln>
-        </p:spPr>
-        <p:style>
-          <a:lnRef idx="1">
-            <a:schemeClr val="accent1"/>
-          </a:lnRef>
-          <a:fillRef idx="0">
-            <a:schemeClr val="accent1"/>
-          </a:fillRef>
-          <a:effectRef idx="0">
-            <a:schemeClr val="accent1"/>
-          </a:effectRef>
-          <a:fontRef idx="minor">
-            <a:schemeClr val="tx1"/>
-          </a:fontRef>
-        </p:style>
-      </p:cxnSp>
-      <p:cxnSp>
-        <p:nvCxnSpPr>
-          <p:cNvPr id="18" name="Gewinkelte Verbindung 53"/>
-          <p:cNvCxnSpPr>
-            <a:stCxn id="4" idx="2"/>
-            <a:endCxn id="7" idx="0"/>
-          </p:cNvCxnSpPr>
-          <p:nvPr/>
-        </p:nvCxnSpPr>
-        <p:spPr>
-          <a:xfrm rot="16200000" flipH="1">
-            <a:off x="7956386" y="3234413"/>
-            <a:ext cx="817479" cy="1899218"/>
-          </a:xfrm>
-          <a:prstGeom prst="bentConnector3">
-            <a:avLst>
-              <a:gd name="adj1" fmla="val 50000"/>
-            </a:avLst>
-          </a:prstGeom>
-          <a:ln>
-            <a:solidFill>
-              <a:schemeClr val="tx1"/>
-            </a:solidFill>
-            <a:prstDash val="dash"/>
-            <a:tailEnd type="arrow" w="lg" len="lg"/>
-          </a:ln>
-        </p:spPr>
-        <p:style>
-          <a:lnRef idx="1">
-            <a:schemeClr val="accent1"/>
-          </a:lnRef>
-          <a:fillRef idx="0">
-            <a:schemeClr val="accent1"/>
-          </a:fillRef>
-          <a:effectRef idx="0">
-            <a:schemeClr val="accent1"/>
-          </a:effectRef>
-          <a:fontRef idx="minor">
-            <a:schemeClr val="tx1"/>
-          </a:fontRef>
-        </p:style>
-      </p:cxnSp>
-      <p:cxnSp>
-        <p:nvCxnSpPr>
-          <p:cNvPr id="19" name="Gerade Verbindung mit Pfeil 18"/>
-          <p:cNvCxnSpPr/>
-          <p:nvPr/>
-        </p:nvCxnSpPr>
-        <p:spPr>
-          <a:xfrm flipH="1">
-            <a:off x="4488073" y="5042762"/>
-            <a:ext cx="383722" cy="0"/>
-          </a:xfrm>
-          <a:prstGeom prst="straightConnector1">
-            <a:avLst/>
-          </a:prstGeom>
-          <a:ln w="12700">
-            <a:solidFill>
-              <a:schemeClr val="tx1"/>
-            </a:solidFill>
-            <a:prstDash val="dash"/>
-            <a:tailEnd type="arrow" w="lg" len="lg"/>
-          </a:ln>
-        </p:spPr>
-        <p:style>
-          <a:lnRef idx="1">
-            <a:schemeClr val="accent1"/>
-          </a:lnRef>
-          <a:fillRef idx="0">
-            <a:schemeClr val="accent1"/>
-          </a:fillRef>
-          <a:effectRef idx="0">
-            <a:schemeClr val="accent1"/>
-          </a:effectRef>
-          <a:fontRef idx="minor">
-            <a:schemeClr val="tx1"/>
-          </a:fontRef>
-        </p:style>
-      </p:cxnSp>
-      <p:sp>
-        <p:nvSpPr>
-          <p:cNvPr id="20" name="Rechteck 11"/>
-          <p:cNvSpPr/>
-          <p:nvPr/>
-        </p:nvSpPr>
-        <p:spPr>
-          <a:xfrm>
-            <a:off x="10493951" y="4586413"/>
-            <a:ext cx="1440000" cy="900000"/>
-          </a:xfrm>
-          <a:prstGeom prst="rect">
-            <a:avLst/>
-          </a:prstGeom>
-          <a:solidFill>
-            <a:schemeClr val="bg1"/>
-          </a:solidFill>
-          <a:ln>
-            <a:solidFill>
-              <a:schemeClr val="tx1"/>
-            </a:solidFill>
-          </a:ln>
-        </p:spPr>
-        <p:style>
-          <a:lnRef idx="2">
-            <a:schemeClr val="accent1">
-              <a:shade val="50000"/>
-            </a:schemeClr>
-          </a:lnRef>
-          <a:fillRef idx="1">
-            <a:schemeClr val="accent1"/>
-          </a:fillRef>
-          <a:effectRef idx="0">
-            <a:schemeClr val="accent1"/>
-          </a:effectRef>
-          <a:fontRef idx="minor">
-            <a:schemeClr val="lt1"/>
-          </a:fontRef>
-        </p:style>
-        <p:txBody>
-          <a:bodyPr rtlCol="0" anchor="ctr"/>
-          <a:lstStyle/>
-          <a:p>
-            <a:pPr algn="ctr"/>
-            <a:r>
-              <a:rPr lang="en-GB" dirty="0" smtClean="0">
-                <a:solidFill>
-                  <a:schemeClr val="tx1"/>
-                </a:solidFill>
-                <a:latin typeface="Arial" panose="020B0604020202020204" pitchFamily="34" charset="0"/>
-                <a:cs typeface="Arial" panose="020B0604020202020204" pitchFamily="34" charset="0"/>
-              </a:rPr>
-              <a:t>HeapSort</a:t>
-            </a:r>
-          </a:p>
-        </p:txBody>
-      </p:sp>
-    </p:spTree>
-    <p:extLst>
-      <p:ext uri="{BB962C8B-B14F-4D97-AF65-F5344CB8AC3E}">
-        <p14:creationId xmlns:p14="http://schemas.microsoft.com/office/powerpoint/2010/main" val="614935636"/>
-      </p:ext>
-    </p:extLst>
-  </p:cSld>
-  <p:clrMapOvr>
-    <a:masterClrMapping/>
-  </p:clrMapOvr>
-  <p:timing>
-    <p:tnLst>
-      <p:par>
-        <p:cTn id="1" dur="indefinite" restart="never" nodeType="tmRoot"/>
-      </p:par>
-    </p:tnLst>
-  </p:timing>
-</p:sld>
-</file>
-
-<file path=ppt/slides/slide18.xml><?xml version="1.0" encoding="utf-8"?>
-<p:sld xmlns:a="http://schemas.openxmlformats.org/drawingml/2006/main" xmlns:r="http://schemas.openxmlformats.org/officeDocument/2006/relationships" xmlns:p="http://schemas.openxmlformats.org/presentationml/2006/main">
-  <p:cSld>
-    <p:spTree>
-      <p:nvGrpSpPr>
-        <p:cNvPr id="1" name=""/>
-        <p:cNvGrpSpPr/>
-        <p:nvPr/>
-      </p:nvGrpSpPr>
-      <p:grpSpPr>
-        <a:xfrm>
-          <a:off x="0" y="0"/>
-          <a:ext cx="0" cy="0"/>
-          <a:chOff x="0" y="0"/>
-          <a:chExt cx="0" cy="0"/>
-        </a:xfrm>
-      </p:grpSpPr>
-      <p:sp>
-        <p:nvSpPr>
-          <p:cNvPr id="2" name="Title 1"/>
-          <p:cNvSpPr>
-            <a:spLocks noGrp="1"/>
-          </p:cNvSpPr>
-          <p:nvPr>
-            <p:ph type="title"/>
-          </p:nvPr>
-        </p:nvSpPr>
-        <p:spPr>
-          <a:xfrm>
-            <a:off x="2770095" y="3065928"/>
-            <a:ext cx="9601200" cy="1485900"/>
-          </a:xfrm>
-        </p:spPr>
-        <p:txBody>
-          <a:bodyPr/>
-          <a:lstStyle/>
-          <a:p>
-            <a:r>
-              <a:rPr lang="en-US" dirty="0" smtClean="0">
-                <a:solidFill>
-                  <a:srgbClr val="FF0000"/>
-                </a:solidFill>
-              </a:rPr>
-              <a:t>EXPERIMENTS AND RESULTS</a:t>
-            </a:r>
-            <a:endParaRPr lang="et-EE" dirty="0">
-              <a:solidFill>
-                <a:srgbClr val="FF0000"/>
-              </a:solidFill>
-            </a:endParaRPr>
-          </a:p>
-        </p:txBody>
-      </p:sp>
-    </p:spTree>
-    <p:extLst>
-      <p:ext uri="{BB962C8B-B14F-4D97-AF65-F5344CB8AC3E}">
-        <p14:creationId xmlns:p14="http://schemas.microsoft.com/office/powerpoint/2010/main" val="3718923267"/>
-      </p:ext>
-    </p:extLst>
-  </p:cSld>
-  <p:clrMapOvr>
-    <a:masterClrMapping/>
-  </p:clrMapOvr>
-  <p:timing>
-    <p:tnLst>
-      <p:par>
-        <p:cTn id="1" dur="indefinite" restart="never" nodeType="tmRoot"/>
-      </p:par>
-    </p:tnLst>
-  </p:timing>
-</p:sld>
-</file>
-
-<file path=ppt/slides/slide19.xml><?xml version="1.0" encoding="utf-8"?>
-<p:sld xmlns:a="http://schemas.openxmlformats.org/drawingml/2006/main" xmlns:r="http://schemas.openxmlformats.org/officeDocument/2006/relationships" xmlns:p="http://schemas.openxmlformats.org/presentationml/2006/main">
-  <p:cSld>
-    <p:spTree>
-      <p:nvGrpSpPr>
-        <p:cNvPr id="1" name=""/>
-        <p:cNvGrpSpPr/>
-        <p:nvPr/>
-      </p:nvGrpSpPr>
-      <p:grpSpPr>
-        <a:xfrm>
-          <a:off x="0" y="0"/>
-          <a:ext cx="0" cy="0"/>
-          <a:chOff x="0" y="0"/>
-          <a:chExt cx="0" cy="0"/>
-        </a:xfrm>
-      </p:grpSpPr>
-      <p:graphicFrame>
-        <p:nvGraphicFramePr>
-          <p:cNvPr id="4" name="Diagramm 1"/>
-          <p:cNvGraphicFramePr/>
-          <p:nvPr>
-            <p:extLst>
-              <p:ext uri="{D42A27DB-BD31-4B8C-83A1-F6EECF244321}">
-                <p14:modId xmlns:p14="http://schemas.microsoft.com/office/powerpoint/2010/main" val="3385264659"/>
-              </p:ext>
-            </p:extLst>
-          </p:nvPr>
-        </p:nvGraphicFramePr>
-        <p:xfrm>
-          <a:off x="778757" y="471024"/>
-          <a:ext cx="11507373" cy="6133516"/>
-        </p:xfrm>
-        <a:graphic>
-          <a:graphicData uri="http://schemas.openxmlformats.org/drawingml/2006/chart">
-            <c:chart xmlns:c="http://schemas.openxmlformats.org/drawingml/2006/chart" xmlns:r="http://schemas.openxmlformats.org/officeDocument/2006/relationships" r:id="rId2"/>
-          </a:graphicData>
-        </a:graphic>
-      </p:graphicFrame>
-    </p:spTree>
-    <p:extLst>
-      <p:ext uri="{BB962C8B-B14F-4D97-AF65-F5344CB8AC3E}">
-        <p14:creationId xmlns:p14="http://schemas.microsoft.com/office/powerpoint/2010/main" val="3744762853"/>
       </p:ext>
     </p:extLst>
   </p:cSld>
@@ -11736,7 +8904,7 @@
             <a:r>
               <a:rPr lang="en-US" dirty="0" smtClean="0">
                 <a:solidFill>
-                  <a:srgbClr val="FF0000"/>
+                  <a:srgbClr val="0070C0"/>
                 </a:solidFill>
                 <a:cs typeface="Arial" panose="020B0604020202020204" pitchFamily="34" charset="0"/>
               </a:rPr>
@@ -11744,7 +8912,7 @@
             </a:r>
             <a:endParaRPr lang="et-EE" dirty="0">
               <a:solidFill>
-                <a:srgbClr val="FF0000"/>
+                <a:srgbClr val="0070C0"/>
               </a:solidFill>
               <a:cs typeface="Arial" panose="020B0604020202020204" pitchFamily="34" charset="0"/>
             </a:endParaRPr>
@@ -11769,7 +8937,7 @@
         </p:spPr>
         <p:txBody>
           <a:bodyPr>
-            <a:normAutofit fontScale="85000" lnSpcReduction="20000"/>
+            <a:normAutofit/>
           </a:bodyPr>
           <a:lstStyle/>
           <a:p>
@@ -11784,17 +8952,7 @@
                 <a:latin typeface="Arial" panose="020B0604020202020204" pitchFamily="34" charset="0"/>
                 <a:cs typeface="Arial" panose="020B0604020202020204" pitchFamily="34" charset="0"/>
               </a:rPr>
-              <a:t>1. </a:t>
-            </a:r>
-            <a:r>
-              <a:rPr lang="en-US" sz="2200" dirty="0" smtClean="0">
-                <a:solidFill>
-                  <a:schemeClr val="tx1"/>
-                </a:solidFill>
-                <a:latin typeface="Arial" panose="020B0604020202020204" pitchFamily="34" charset="0"/>
-                <a:cs typeface="Arial" panose="020B0604020202020204" pitchFamily="34" charset="0"/>
-              </a:rPr>
-              <a:t>Assignment description</a:t>
+              <a:t>1. Assignment description</a:t>
             </a:r>
           </a:p>
           <a:p>
@@ -11837,24 +8995,29 @@
               <a:buNone/>
             </a:pPr>
             <a:r>
-              <a:rPr lang="en-US" sz="1900" dirty="0">
+              <a:rPr lang="en-US" sz="2200" dirty="0" smtClean="0">
                 <a:solidFill>
                   <a:schemeClr val="tx1"/>
                 </a:solidFill>
                 <a:latin typeface="Arial" panose="020B0604020202020204" pitchFamily="34" charset="0"/>
                 <a:cs typeface="Arial" panose="020B0604020202020204" pitchFamily="34" charset="0"/>
               </a:rPr>
-              <a:t>	</a:t>
-            </a:r>
-            <a:r>
-              <a:rPr lang="en-US" sz="1900" dirty="0" smtClean="0">
+              <a:t>3. Implemented algorithms</a:t>
+            </a:r>
+          </a:p>
+          <a:p>
+            <a:pPr marL="0" indent="0">
+              <a:buNone/>
+            </a:pPr>
+            <a:r>
+              <a:rPr lang="en-US" sz="2200" dirty="0" smtClean="0">
                 <a:solidFill>
                   <a:schemeClr val="tx1"/>
                 </a:solidFill>
                 <a:latin typeface="Arial" panose="020B0604020202020204" pitchFamily="34" charset="0"/>
                 <a:cs typeface="Arial" panose="020B0604020202020204" pitchFamily="34" charset="0"/>
               </a:rPr>
-              <a:t>2.1 Using rectangular packages</a:t>
+              <a:t>4. Experiments and results	</a:t>
             </a:r>
           </a:p>
           <a:p>
@@ -11862,389 +9025,14 @@
               <a:buNone/>
             </a:pPr>
             <a:r>
-              <a:rPr lang="en-US" sz="1900" dirty="0">
+              <a:rPr lang="en-US" sz="2200" dirty="0" smtClean="0">
                 <a:solidFill>
                   <a:schemeClr val="tx1"/>
                 </a:solidFill>
                 <a:latin typeface="Arial" panose="020B0604020202020204" pitchFamily="34" charset="0"/>
                 <a:cs typeface="Arial" panose="020B0604020202020204" pitchFamily="34" charset="0"/>
               </a:rPr>
-              <a:t>	</a:t>
-            </a:r>
-            <a:r>
-              <a:rPr lang="en-US" sz="1900" dirty="0" smtClean="0">
-                <a:solidFill>
-                  <a:schemeClr val="tx1"/>
-                </a:solidFill>
-                <a:latin typeface="Arial" panose="020B0604020202020204" pitchFamily="34" charset="0"/>
-                <a:cs typeface="Arial" panose="020B0604020202020204" pitchFamily="34" charset="0"/>
-              </a:rPr>
-              <a:t>2.2 Using </a:t>
-            </a:r>
-            <a:r>
-              <a:rPr lang="en-US" sz="1900" dirty="0" err="1" smtClean="0">
-                <a:solidFill>
-                  <a:schemeClr val="tx1"/>
-                </a:solidFill>
-                <a:latin typeface="Arial" panose="020B0604020202020204" pitchFamily="34" charset="0"/>
-                <a:cs typeface="Arial" panose="020B0604020202020204" pitchFamily="34" charset="0"/>
-              </a:rPr>
-              <a:t>pentomino</a:t>
-            </a:r>
-            <a:r>
-              <a:rPr lang="en-US" sz="1900" dirty="0" smtClean="0">
-                <a:solidFill>
-                  <a:schemeClr val="tx1"/>
-                </a:solidFill>
-                <a:latin typeface="Arial" panose="020B0604020202020204" pitchFamily="34" charset="0"/>
-                <a:cs typeface="Arial" panose="020B0604020202020204" pitchFamily="34" charset="0"/>
-              </a:rPr>
-              <a:t>-shaped packages</a:t>
-            </a:r>
-          </a:p>
-          <a:p>
-            <a:pPr marL="0" indent="0">
-              <a:buNone/>
-            </a:pPr>
-            <a:r>
-              <a:rPr lang="en-US" sz="2200" dirty="0" smtClean="0">
-                <a:solidFill>
-                  <a:schemeClr val="tx1"/>
-                </a:solidFill>
-                <a:latin typeface="Arial" panose="020B0604020202020204" pitchFamily="34" charset="0"/>
-                <a:cs typeface="Arial" panose="020B0604020202020204" pitchFamily="34" charset="0"/>
-              </a:rPr>
-              <a:t>3. Greedy algorithm</a:t>
-            </a:r>
-          </a:p>
-          <a:p>
-            <a:pPr marL="0" indent="0">
-              <a:buNone/>
-            </a:pPr>
-            <a:r>
-              <a:rPr lang="en-US" sz="1900" dirty="0">
-                <a:solidFill>
-                  <a:schemeClr val="tx1"/>
-                </a:solidFill>
-                <a:latin typeface="Arial" panose="020B0604020202020204" pitchFamily="34" charset="0"/>
-                <a:cs typeface="Arial" panose="020B0604020202020204" pitchFamily="34" charset="0"/>
-              </a:rPr>
-              <a:t>	</a:t>
-            </a:r>
-            <a:r>
-              <a:rPr lang="en-US" sz="1900" dirty="0" smtClean="0">
-                <a:solidFill>
-                  <a:schemeClr val="tx1"/>
-                </a:solidFill>
-                <a:latin typeface="Arial" panose="020B0604020202020204" pitchFamily="34" charset="0"/>
-                <a:cs typeface="Arial" panose="020B0604020202020204" pitchFamily="34" charset="0"/>
-              </a:rPr>
-              <a:t>3</a:t>
-            </a:r>
-            <a:r>
-              <a:rPr lang="en-US" sz="1900" dirty="0" smtClean="0">
-                <a:solidFill>
-                  <a:schemeClr val="tx1"/>
-                </a:solidFill>
-                <a:latin typeface="Arial" panose="020B0604020202020204" pitchFamily="34" charset="0"/>
-                <a:cs typeface="Arial" panose="020B0604020202020204" pitchFamily="34" charset="0"/>
-              </a:rPr>
-              <a:t>.1 </a:t>
-            </a:r>
-            <a:r>
-              <a:rPr lang="en-US" sz="1900" dirty="0" smtClean="0">
-                <a:solidFill>
-                  <a:schemeClr val="tx1"/>
-                </a:solidFill>
-                <a:latin typeface="Arial" panose="020B0604020202020204" pitchFamily="34" charset="0"/>
-                <a:cs typeface="Arial" panose="020B0604020202020204" pitchFamily="34" charset="0"/>
-              </a:rPr>
-              <a:t>Implementation</a:t>
-            </a:r>
-          </a:p>
-          <a:p>
-            <a:pPr marL="0" indent="0">
-              <a:buNone/>
-            </a:pPr>
-            <a:r>
-              <a:rPr lang="en-US" sz="1900" dirty="0" smtClean="0">
-                <a:solidFill>
-                  <a:schemeClr val="tx1"/>
-                </a:solidFill>
-                <a:latin typeface="Arial" panose="020B0604020202020204" pitchFamily="34" charset="0"/>
-                <a:cs typeface="Arial" panose="020B0604020202020204" pitchFamily="34" charset="0"/>
-              </a:rPr>
-              <a:t>	</a:t>
-            </a:r>
-            <a:r>
-              <a:rPr lang="en-US" sz="1900" dirty="0" smtClean="0">
-                <a:solidFill>
-                  <a:schemeClr val="tx1"/>
-                </a:solidFill>
-                <a:latin typeface="Arial" panose="020B0604020202020204" pitchFamily="34" charset="0"/>
-                <a:cs typeface="Arial" panose="020B0604020202020204" pitchFamily="34" charset="0"/>
-              </a:rPr>
-              <a:t>3.2 </a:t>
-            </a:r>
-            <a:r>
-              <a:rPr lang="en-US" sz="1900" dirty="0" smtClean="0">
-                <a:solidFill>
-                  <a:schemeClr val="tx1"/>
-                </a:solidFill>
-                <a:latin typeface="Arial" panose="020B0604020202020204" pitchFamily="34" charset="0"/>
-                <a:cs typeface="Arial" panose="020B0604020202020204" pitchFamily="34" charset="0"/>
-              </a:rPr>
-              <a:t>The placement method</a:t>
-            </a:r>
-          </a:p>
-          <a:p>
-            <a:pPr marL="0" indent="0">
-              <a:buNone/>
-            </a:pPr>
-            <a:r>
-              <a:rPr lang="en-US" sz="1900" dirty="0" smtClean="0">
-                <a:solidFill>
-                  <a:schemeClr val="tx1"/>
-                </a:solidFill>
-                <a:latin typeface="Arial" panose="020B0604020202020204" pitchFamily="34" charset="0"/>
-                <a:cs typeface="Arial" panose="020B0604020202020204" pitchFamily="34" charset="0"/>
-              </a:rPr>
-              <a:t>	</a:t>
-            </a:r>
-            <a:r>
-              <a:rPr lang="en-US" sz="1900" dirty="0" smtClean="0">
-                <a:solidFill>
-                  <a:schemeClr val="tx1"/>
-                </a:solidFill>
-                <a:latin typeface="Arial" panose="020B0604020202020204" pitchFamily="34" charset="0"/>
-                <a:cs typeface="Arial" panose="020B0604020202020204" pitchFamily="34" charset="0"/>
-              </a:rPr>
-              <a:t>3.3 </a:t>
-            </a:r>
-            <a:r>
-              <a:rPr lang="en-US" sz="1900" dirty="0" smtClean="0">
-                <a:solidFill>
-                  <a:schemeClr val="tx1"/>
-                </a:solidFill>
-                <a:latin typeface="Arial" panose="020B0604020202020204" pitchFamily="34" charset="0"/>
-                <a:cs typeface="Arial" panose="020B0604020202020204" pitchFamily="34" charset="0"/>
-              </a:rPr>
-              <a:t>Experiments and </a:t>
-            </a:r>
-            <a:r>
-              <a:rPr lang="en-US" sz="1900" dirty="0" smtClean="0">
-                <a:solidFill>
-                  <a:schemeClr val="tx1"/>
-                </a:solidFill>
-                <a:latin typeface="Arial" panose="020B0604020202020204" pitchFamily="34" charset="0"/>
-                <a:cs typeface="Arial" panose="020B0604020202020204" pitchFamily="34" charset="0"/>
-              </a:rPr>
-              <a:t>results</a:t>
-            </a:r>
-          </a:p>
-          <a:p>
-            <a:pPr marL="0" indent="0">
-              <a:buNone/>
-            </a:pPr>
-            <a:r>
-              <a:rPr lang="en-US" sz="2200" dirty="0" smtClean="0">
-                <a:solidFill>
-                  <a:schemeClr val="tx1"/>
-                </a:solidFill>
-                <a:latin typeface="Arial" panose="020B0604020202020204" pitchFamily="34" charset="0"/>
-                <a:cs typeface="Arial" panose="020B0604020202020204" pitchFamily="34" charset="0"/>
-              </a:rPr>
-              <a:t>4</a:t>
-            </a:r>
-            <a:r>
-              <a:rPr lang="en-US" sz="2200" dirty="0" smtClean="0">
-                <a:solidFill>
-                  <a:schemeClr val="tx1"/>
-                </a:solidFill>
-                <a:latin typeface="Arial" panose="020B0604020202020204" pitchFamily="34" charset="0"/>
-                <a:cs typeface="Arial" panose="020B0604020202020204" pitchFamily="34" charset="0"/>
-              </a:rPr>
-              <a:t>. Hill climbing algorithm	</a:t>
-            </a:r>
-          </a:p>
-          <a:p>
-            <a:pPr marL="0" indent="0">
-              <a:buNone/>
-            </a:pPr>
-            <a:r>
-              <a:rPr lang="en-US" sz="1900" dirty="0" smtClean="0">
-                <a:solidFill>
-                  <a:schemeClr val="tx1"/>
-                </a:solidFill>
-                <a:latin typeface="Arial" panose="020B0604020202020204" pitchFamily="34" charset="0"/>
-                <a:cs typeface="Arial" panose="020B0604020202020204" pitchFamily="34" charset="0"/>
-              </a:rPr>
-              <a:t>	</a:t>
-            </a:r>
-            <a:r>
-              <a:rPr lang="en-US" sz="1900" dirty="0" smtClean="0">
-                <a:solidFill>
-                  <a:schemeClr val="tx1"/>
-                </a:solidFill>
-                <a:latin typeface="Arial" panose="020B0604020202020204" pitchFamily="34" charset="0"/>
-                <a:cs typeface="Arial" panose="020B0604020202020204" pitchFamily="34" charset="0"/>
-              </a:rPr>
-              <a:t>4.1 Implementation</a:t>
-            </a:r>
-          </a:p>
-          <a:p>
-            <a:pPr marL="0" indent="0">
-              <a:buNone/>
-            </a:pPr>
-            <a:r>
-              <a:rPr lang="en-US" sz="1900" dirty="0">
-                <a:solidFill>
-                  <a:schemeClr val="tx1"/>
-                </a:solidFill>
-                <a:latin typeface="Arial" panose="020B0604020202020204" pitchFamily="34" charset="0"/>
-                <a:cs typeface="Arial" panose="020B0604020202020204" pitchFamily="34" charset="0"/>
-              </a:rPr>
-              <a:t>	4</a:t>
-            </a:r>
-            <a:r>
-              <a:rPr lang="en-US" sz="1900" dirty="0" smtClean="0">
-                <a:solidFill>
-                  <a:schemeClr val="tx1"/>
-                </a:solidFill>
-                <a:latin typeface="Arial" panose="020B0604020202020204" pitchFamily="34" charset="0"/>
-                <a:cs typeface="Arial" panose="020B0604020202020204" pitchFamily="34" charset="0"/>
-              </a:rPr>
-              <a:t>.2 </a:t>
-            </a:r>
-            <a:r>
-              <a:rPr lang="en-US" sz="1900" dirty="0" smtClean="0">
-                <a:solidFill>
-                  <a:schemeClr val="tx1"/>
-                </a:solidFill>
-                <a:latin typeface="Arial" panose="020B0604020202020204" pitchFamily="34" charset="0"/>
-                <a:cs typeface="Arial" panose="020B0604020202020204" pitchFamily="34" charset="0"/>
-              </a:rPr>
-              <a:t>Experiments and results</a:t>
-            </a:r>
-          </a:p>
-          <a:p>
-            <a:pPr marL="0" indent="0">
-              <a:buNone/>
-            </a:pPr>
-            <a:r>
-              <a:rPr lang="en-US" sz="2200" dirty="0">
-                <a:solidFill>
-                  <a:schemeClr val="tx1"/>
-                </a:solidFill>
-                <a:latin typeface="Arial" panose="020B0604020202020204" pitchFamily="34" charset="0"/>
-                <a:cs typeface="Arial" panose="020B0604020202020204" pitchFamily="34" charset="0"/>
-              </a:rPr>
-              <a:t>5</a:t>
-            </a:r>
-            <a:r>
-              <a:rPr lang="en-US" sz="2200" dirty="0" smtClean="0">
-                <a:solidFill>
-                  <a:schemeClr val="tx1"/>
-                </a:solidFill>
-                <a:latin typeface="Arial" panose="020B0604020202020204" pitchFamily="34" charset="0"/>
-                <a:cs typeface="Arial" panose="020B0604020202020204" pitchFamily="34" charset="0"/>
-              </a:rPr>
-              <a:t>. Genetic algorithm</a:t>
-            </a:r>
-          </a:p>
-          <a:p>
-            <a:pPr marL="0" indent="0">
-              <a:buNone/>
-            </a:pPr>
-            <a:r>
-              <a:rPr lang="en-US" sz="1900" dirty="0">
-                <a:solidFill>
-                  <a:schemeClr val="tx1"/>
-                </a:solidFill>
-                <a:latin typeface="Arial" panose="020B0604020202020204" pitchFamily="34" charset="0"/>
-                <a:cs typeface="Arial" panose="020B0604020202020204" pitchFamily="34" charset="0"/>
-              </a:rPr>
-              <a:t>	</a:t>
-            </a:r>
-            <a:r>
-              <a:rPr lang="en-US" sz="1900" dirty="0" smtClean="0">
-                <a:solidFill>
-                  <a:schemeClr val="tx1"/>
-                </a:solidFill>
-                <a:latin typeface="Arial" panose="020B0604020202020204" pitchFamily="34" charset="0"/>
-                <a:cs typeface="Arial" panose="020B0604020202020204" pitchFamily="34" charset="0"/>
-              </a:rPr>
-              <a:t>5.1 </a:t>
-            </a:r>
-            <a:r>
-              <a:rPr lang="en-US" sz="1900" dirty="0" smtClean="0">
-                <a:solidFill>
-                  <a:schemeClr val="tx1"/>
-                </a:solidFill>
-                <a:latin typeface="Arial" panose="020B0604020202020204" pitchFamily="34" charset="0"/>
-                <a:cs typeface="Arial" panose="020B0604020202020204" pitchFamily="34" charset="0"/>
-              </a:rPr>
-              <a:t>Implementation</a:t>
-            </a:r>
-          </a:p>
-          <a:p>
-            <a:pPr marL="0" indent="0">
-              <a:buNone/>
-            </a:pPr>
-            <a:r>
-              <a:rPr lang="en-US" sz="1900" dirty="0">
-                <a:solidFill>
-                  <a:schemeClr val="tx1"/>
-                </a:solidFill>
-                <a:latin typeface="Arial" panose="020B0604020202020204" pitchFamily="34" charset="0"/>
-                <a:cs typeface="Arial" panose="020B0604020202020204" pitchFamily="34" charset="0"/>
-              </a:rPr>
-              <a:t>	</a:t>
-            </a:r>
-            <a:r>
-              <a:rPr lang="en-US" sz="1900" dirty="0" smtClean="0">
-                <a:solidFill>
-                  <a:schemeClr val="tx1"/>
-                </a:solidFill>
-                <a:latin typeface="Arial" panose="020B0604020202020204" pitchFamily="34" charset="0"/>
-                <a:cs typeface="Arial" panose="020B0604020202020204" pitchFamily="34" charset="0"/>
-              </a:rPr>
-              <a:t>5.2 </a:t>
-            </a:r>
-            <a:r>
-              <a:rPr lang="en-US" sz="1900" dirty="0" smtClean="0">
-                <a:solidFill>
-                  <a:schemeClr val="tx1"/>
-                </a:solidFill>
-                <a:latin typeface="Arial" panose="020B0604020202020204" pitchFamily="34" charset="0"/>
-                <a:cs typeface="Arial" panose="020B0604020202020204" pitchFamily="34" charset="0"/>
-              </a:rPr>
-              <a:t>Experiments and results</a:t>
-            </a:r>
-            <a:r>
-              <a:rPr lang="en-US" sz="2200" dirty="0" smtClean="0">
-                <a:solidFill>
-                  <a:schemeClr val="tx1"/>
-                </a:solidFill>
-                <a:latin typeface="Arial" panose="020B0604020202020204" pitchFamily="34" charset="0"/>
-                <a:cs typeface="Arial" panose="020B0604020202020204" pitchFamily="34" charset="0"/>
-              </a:rPr>
-              <a:t>	</a:t>
-            </a:r>
-          </a:p>
-          <a:p>
-            <a:pPr marL="0" indent="0">
-              <a:buNone/>
-            </a:pPr>
-            <a:r>
-              <a:rPr lang="en-US" sz="2200" dirty="0" smtClean="0">
-                <a:solidFill>
-                  <a:schemeClr val="tx1"/>
-                </a:solidFill>
-                <a:latin typeface="Arial" panose="020B0604020202020204" pitchFamily="34" charset="0"/>
-                <a:cs typeface="Arial" panose="020B0604020202020204" pitchFamily="34" charset="0"/>
-              </a:rPr>
-              <a:t>6. Conclusions</a:t>
+              <a:t>5. Conclusions</a:t>
             </a:r>
             <a:endParaRPr lang="en-US" sz="2200" dirty="0" smtClean="0">
               <a:latin typeface="Arial" panose="020B0604020202020204" pitchFamily="34" charset="0"/>
@@ -12306,134 +9094,70 @@
           <a:chExt cx="0" cy="0"/>
         </a:xfrm>
       </p:grpSpPr>
+      <p:graphicFrame>
+        <p:nvGraphicFramePr>
+          <p:cNvPr id="4" name="Diagramm 1"/>
+          <p:cNvGraphicFramePr/>
+          <p:nvPr>
+            <p:extLst>
+              <p:ext uri="{D42A27DB-BD31-4B8C-83A1-F6EECF244321}">
+                <p14:modId xmlns:p14="http://schemas.microsoft.com/office/powerpoint/2010/main" val="1980169701"/>
+              </p:ext>
+            </p:extLst>
+          </p:nvPr>
+        </p:nvGraphicFramePr>
+        <p:xfrm>
+          <a:off x="765879" y="928224"/>
+          <a:ext cx="11095564" cy="5929776"/>
+        </p:xfrm>
+        <a:graphic>
+          <a:graphicData uri="http://schemas.openxmlformats.org/drawingml/2006/chart">
+            <c:chart xmlns:c="http://schemas.openxmlformats.org/drawingml/2006/chart" xmlns:r="http://schemas.openxmlformats.org/officeDocument/2006/relationships" r:id="rId2"/>
+          </a:graphicData>
+        </a:graphic>
+      </p:graphicFrame>
       <p:sp>
         <p:nvSpPr>
-          <p:cNvPr id="2" name="Title 1"/>
-          <p:cNvSpPr>
-            <a:spLocks noGrp="1"/>
-          </p:cNvSpPr>
-          <p:nvPr>
-            <p:ph type="title"/>
-          </p:nvPr>
+          <p:cNvPr id="2" name="TextBox 1"/>
+          <p:cNvSpPr txBox="1"/>
+          <p:nvPr/>
         </p:nvSpPr>
-        <p:spPr/>
+        <p:spPr>
+          <a:xfrm>
+            <a:off x="927278" y="128789"/>
+            <a:ext cx="10200067" cy="584775"/>
+          </a:xfrm>
+          <a:prstGeom prst="rect">
+            <a:avLst/>
+          </a:prstGeom>
+          <a:noFill/>
+        </p:spPr>
         <p:txBody>
-          <a:bodyPr>
-            <a:normAutofit/>
+          <a:bodyPr wrap="square" rtlCol="0">
+            <a:spAutoFit/>
           </a:bodyPr>
           <a:lstStyle/>
           <a:p>
             <a:r>
               <a:rPr lang="en-US" sz="3200" dirty="0" smtClean="0">
                 <a:solidFill>
-                  <a:srgbClr val="FF0000"/>
+                  <a:srgbClr val="0070C0"/>
                 </a:solidFill>
               </a:rPr>
-              <a:t>Population size</a:t>
+              <a:t>EXPERIMENTS AND RESULTS (GENETIC ALGORITHM)</a:t>
             </a:r>
             <a:endParaRPr lang="et-EE" sz="3200" dirty="0">
               <a:solidFill>
-                <a:srgbClr val="FF0000"/>
+                <a:srgbClr val="0070C0"/>
               </a:solidFill>
             </a:endParaRPr>
-          </a:p>
-        </p:txBody>
-      </p:sp>
-      <p:sp>
-        <p:nvSpPr>
-          <p:cNvPr id="3" name="Content Placeholder 2"/>
-          <p:cNvSpPr>
-            <a:spLocks noGrp="1"/>
-          </p:cNvSpPr>
-          <p:nvPr>
-            <p:ph idx="1"/>
-          </p:nvPr>
-        </p:nvSpPr>
-        <p:spPr/>
-        <p:txBody>
-          <a:bodyPr/>
-          <a:lstStyle/>
-          <a:p>
-            <a:pPr>
-              <a:buFont typeface="Arial" panose="020B0604020202020204" pitchFamily="34" charset="0"/>
-              <a:buChar char="•"/>
-            </a:pPr>
-            <a:r>
-              <a:rPr lang="en-US" dirty="0" smtClean="0">
-                <a:latin typeface="Arial" panose="020B0604020202020204" pitchFamily="34" charset="0"/>
-                <a:cs typeface="Arial" panose="020B0604020202020204" pitchFamily="34" charset="0"/>
-              </a:rPr>
-              <a:t>Increase in population size yields better results </a:t>
-            </a:r>
-          </a:p>
-          <a:p>
-            <a:pPr>
-              <a:buFont typeface="Arial" panose="020B0604020202020204" pitchFamily="34" charset="0"/>
-              <a:buChar char="•"/>
-            </a:pPr>
-            <a:r>
-              <a:rPr lang="en-US" dirty="0">
-                <a:latin typeface="Arial" panose="020B0604020202020204" pitchFamily="34" charset="0"/>
-                <a:cs typeface="Arial" panose="020B0604020202020204" pitchFamily="34" charset="0"/>
-              </a:rPr>
-              <a:t>A</a:t>
-            </a:r>
-            <a:r>
-              <a:rPr lang="en-US" dirty="0" smtClean="0">
-                <a:latin typeface="Arial" panose="020B0604020202020204" pitchFamily="34" charset="0"/>
-                <a:cs typeface="Arial" panose="020B0604020202020204" pitchFamily="34" charset="0"/>
-              </a:rPr>
-              <a:t>ffects the tournament selection method the most</a:t>
-            </a:r>
-          </a:p>
-          <a:p>
-            <a:pPr lvl="1">
-              <a:buFont typeface="Arial" panose="020B0604020202020204" pitchFamily="34" charset="0"/>
-              <a:buChar char="•"/>
-            </a:pPr>
-            <a:r>
-              <a:rPr lang="en-US" dirty="0" smtClean="0">
-                <a:latin typeface="Arial" panose="020B0604020202020204" pitchFamily="34" charset="0"/>
-                <a:cs typeface="Arial" panose="020B0604020202020204" pitchFamily="34" charset="0"/>
-              </a:rPr>
-              <a:t>Large increase in the average result achieved</a:t>
-            </a:r>
-          </a:p>
-          <a:p>
-            <a:pPr lvl="1">
-              <a:buFont typeface="Arial" panose="020B0604020202020204" pitchFamily="34" charset="0"/>
-              <a:buChar char="•"/>
-            </a:pPr>
-            <a:r>
-              <a:rPr lang="en-US" dirty="0" smtClean="0">
-                <a:latin typeface="Arial" panose="020B0604020202020204" pitchFamily="34" charset="0"/>
-                <a:cs typeface="Arial" panose="020B0604020202020204" pitchFamily="34" charset="0"/>
-              </a:rPr>
-              <a:t>Significant decrease in runtime</a:t>
-            </a:r>
-          </a:p>
-          <a:p>
-            <a:pPr marL="0" indent="0">
-              <a:buNone/>
-            </a:pPr>
-            <a:endParaRPr lang="en-US" dirty="0" smtClean="0"/>
-          </a:p>
-          <a:p>
-            <a:pPr>
-              <a:buFont typeface="Arial" panose="020B0604020202020204" pitchFamily="34" charset="0"/>
-              <a:buChar char="•"/>
-            </a:pPr>
-            <a:endParaRPr lang="en-US" dirty="0" smtClean="0"/>
-          </a:p>
-          <a:p>
-            <a:endParaRPr lang="et-EE" dirty="0"/>
           </a:p>
         </p:txBody>
       </p:sp>
     </p:spTree>
     <p:extLst>
       <p:ext uri="{BB962C8B-B14F-4D97-AF65-F5344CB8AC3E}">
-        <p14:creationId xmlns:p14="http://schemas.microsoft.com/office/powerpoint/2010/main" val="2207448641"/>
+        <p14:creationId xmlns:p14="http://schemas.microsoft.com/office/powerpoint/2010/main" val="3744762853"/>
       </p:ext>
     </p:extLst>
   </p:cSld>
@@ -12467,32 +9191,134 @@
           <a:chExt cx="0" cy="0"/>
         </a:xfrm>
       </p:grpSpPr>
-      <p:graphicFrame>
-        <p:nvGraphicFramePr>
-          <p:cNvPr id="4" name="Diagramm 3"/>
-          <p:cNvGraphicFramePr/>
+      <p:sp>
+        <p:nvSpPr>
+          <p:cNvPr id="2" name="Title 1"/>
+          <p:cNvSpPr>
+            <a:spLocks noGrp="1"/>
+          </p:cNvSpPr>
           <p:nvPr>
-            <p:extLst>
-              <p:ext uri="{D42A27DB-BD31-4B8C-83A1-F6EECF244321}">
-                <p14:modId xmlns:p14="http://schemas.microsoft.com/office/powerpoint/2010/main" val="4000779710"/>
-              </p:ext>
-            </p:extLst>
+            <p:ph type="title"/>
           </p:nvPr>
-        </p:nvGraphicFramePr>
-        <p:xfrm>
-          <a:off x="670560" y="324178"/>
-          <a:ext cx="11521440" cy="6203852"/>
-        </p:xfrm>
-        <a:graphic>
-          <a:graphicData uri="http://schemas.openxmlformats.org/drawingml/2006/chart">
-            <c:chart xmlns:c="http://schemas.openxmlformats.org/drawingml/2006/chart" xmlns:r="http://schemas.openxmlformats.org/officeDocument/2006/relationships" r:id="rId2"/>
-          </a:graphicData>
-        </a:graphic>
-      </p:graphicFrame>
+        </p:nvSpPr>
+        <p:spPr/>
+        <p:txBody>
+          <a:bodyPr>
+            <a:normAutofit/>
+          </a:bodyPr>
+          <a:lstStyle/>
+          <a:p>
+            <a:r>
+              <a:rPr lang="en-US" sz="3200" dirty="0" smtClean="0">
+                <a:solidFill>
+                  <a:srgbClr val="0070C0"/>
+                </a:solidFill>
+              </a:rPr>
+              <a:t>Population size</a:t>
+            </a:r>
+            <a:endParaRPr lang="et-EE" sz="3200" dirty="0">
+              <a:solidFill>
+                <a:srgbClr val="0070C0"/>
+              </a:solidFill>
+            </a:endParaRPr>
+          </a:p>
+        </p:txBody>
+      </p:sp>
+      <p:sp>
+        <p:nvSpPr>
+          <p:cNvPr id="3" name="Content Placeholder 2"/>
+          <p:cNvSpPr>
+            <a:spLocks noGrp="1"/>
+          </p:cNvSpPr>
+          <p:nvPr>
+            <p:ph idx="1"/>
+          </p:nvPr>
+        </p:nvSpPr>
+        <p:spPr/>
+        <p:txBody>
+          <a:bodyPr/>
+          <a:lstStyle/>
+          <a:p>
+            <a:pPr>
+              <a:buFont typeface="Arial" panose="020B0604020202020204" pitchFamily="34" charset="0"/>
+              <a:buChar char="•"/>
+            </a:pPr>
+            <a:r>
+              <a:rPr lang="en-US" sz="3200" dirty="0" smtClean="0">
+                <a:latin typeface="Arial" panose="020B0604020202020204" pitchFamily="34" charset="0"/>
+                <a:cs typeface="Arial" panose="020B0604020202020204" pitchFamily="34" charset="0"/>
+              </a:rPr>
+              <a:t>Increase in population size yields better results </a:t>
+            </a:r>
+          </a:p>
+          <a:p>
+            <a:pPr>
+              <a:buFont typeface="Arial" panose="020B0604020202020204" pitchFamily="34" charset="0"/>
+              <a:buChar char="•"/>
+            </a:pPr>
+            <a:r>
+              <a:rPr lang="en-US" sz="3200" dirty="0">
+                <a:latin typeface="Arial" panose="020B0604020202020204" pitchFamily="34" charset="0"/>
+                <a:cs typeface="Arial" panose="020B0604020202020204" pitchFamily="34" charset="0"/>
+              </a:rPr>
+              <a:t>A</a:t>
+            </a:r>
+            <a:r>
+              <a:rPr lang="en-US" sz="3200" dirty="0" smtClean="0">
+                <a:latin typeface="Arial" panose="020B0604020202020204" pitchFamily="34" charset="0"/>
+                <a:cs typeface="Arial" panose="020B0604020202020204" pitchFamily="34" charset="0"/>
+              </a:rPr>
+              <a:t>ffects the tournament selection method the most</a:t>
+            </a:r>
+          </a:p>
+          <a:p>
+            <a:pPr lvl="1">
+              <a:buFont typeface="Arial" panose="020B0604020202020204" pitchFamily="34" charset="0"/>
+              <a:buChar char="•"/>
+            </a:pPr>
+            <a:r>
+              <a:rPr lang="en-US" sz="3200" dirty="0" smtClean="0">
+                <a:latin typeface="Arial" panose="020B0604020202020204" pitchFamily="34" charset="0"/>
+                <a:cs typeface="Arial" panose="020B0604020202020204" pitchFamily="34" charset="0"/>
+              </a:rPr>
+              <a:t>Large increase in the average result achieved</a:t>
+            </a:r>
+          </a:p>
+          <a:p>
+            <a:pPr lvl="1">
+              <a:buFont typeface="Arial" panose="020B0604020202020204" pitchFamily="34" charset="0"/>
+              <a:buChar char="•"/>
+            </a:pPr>
+            <a:r>
+              <a:rPr lang="en-US" sz="3200" dirty="0" smtClean="0">
+                <a:latin typeface="Arial" panose="020B0604020202020204" pitchFamily="34" charset="0"/>
+                <a:cs typeface="Arial" panose="020B0604020202020204" pitchFamily="34" charset="0"/>
+              </a:rPr>
+              <a:t>Significant decrease in runtime</a:t>
+            </a:r>
+          </a:p>
+          <a:p>
+            <a:pPr marL="0" indent="0">
+              <a:buNone/>
+            </a:pPr>
+            <a:endParaRPr lang="en-US" dirty="0" smtClean="0"/>
+          </a:p>
+          <a:p>
+            <a:pPr>
+              <a:buFont typeface="Arial" panose="020B0604020202020204" pitchFamily="34" charset="0"/>
+              <a:buChar char="•"/>
+            </a:pPr>
+            <a:endParaRPr lang="en-US" dirty="0" smtClean="0"/>
+          </a:p>
+          <a:p>
+            <a:endParaRPr lang="et-EE" dirty="0"/>
+          </a:p>
+        </p:txBody>
+      </p:sp>
     </p:spTree>
     <p:extLst>
       <p:ext uri="{BB962C8B-B14F-4D97-AF65-F5344CB8AC3E}">
-        <p14:creationId xmlns:p14="http://schemas.microsoft.com/office/powerpoint/2010/main" val="2820731892"/>
+        <p14:creationId xmlns:p14="http://schemas.microsoft.com/office/powerpoint/2010/main" val="2207448641"/>
       </p:ext>
     </p:extLst>
   </p:cSld>
@@ -12510,158 +9336,6 @@
 </file>
 
 <file path=ppt/slides/slide22.xml><?xml version="1.0" encoding="utf-8"?>
-<p:sld xmlns:a="http://schemas.openxmlformats.org/drawingml/2006/main" xmlns:r="http://schemas.openxmlformats.org/officeDocument/2006/relationships" xmlns:p="http://schemas.openxmlformats.org/presentationml/2006/main">
-  <p:cSld>
-    <p:spTree>
-      <p:nvGrpSpPr>
-        <p:cNvPr id="1" name=""/>
-        <p:cNvGrpSpPr/>
-        <p:nvPr/>
-      </p:nvGrpSpPr>
-      <p:grpSpPr>
-        <a:xfrm>
-          <a:off x="0" y="0"/>
-          <a:ext cx="0" cy="0"/>
-          <a:chOff x="0" y="0"/>
-          <a:chExt cx="0" cy="0"/>
-        </a:xfrm>
-      </p:grpSpPr>
-      <p:sp>
-        <p:nvSpPr>
-          <p:cNvPr id="2" name="Title 1"/>
-          <p:cNvSpPr>
-            <a:spLocks noGrp="1"/>
-          </p:cNvSpPr>
-          <p:nvPr>
-            <p:ph type="title"/>
-          </p:nvPr>
-        </p:nvSpPr>
-        <p:spPr/>
-        <p:txBody>
-          <a:bodyPr>
-            <a:normAutofit/>
-          </a:bodyPr>
-          <a:lstStyle/>
-          <a:p>
-            <a:r>
-              <a:rPr lang="en-US" sz="3200" dirty="0" smtClean="0">
-                <a:solidFill>
-                  <a:srgbClr val="FF0000"/>
-                </a:solidFill>
-              </a:rPr>
-              <a:t>Crossover points</a:t>
-            </a:r>
-            <a:endParaRPr lang="et-EE" sz="3200" dirty="0">
-              <a:solidFill>
-                <a:srgbClr val="FF0000"/>
-              </a:solidFill>
-            </a:endParaRPr>
-          </a:p>
-        </p:txBody>
-      </p:sp>
-      <p:sp>
-        <p:nvSpPr>
-          <p:cNvPr id="3" name="Content Placeholder 2"/>
-          <p:cNvSpPr>
-            <a:spLocks noGrp="1"/>
-          </p:cNvSpPr>
-          <p:nvPr>
-            <p:ph idx="1"/>
-          </p:nvPr>
-        </p:nvSpPr>
-        <p:spPr/>
-        <p:txBody>
-          <a:bodyPr/>
-          <a:lstStyle/>
-          <a:p>
-            <a:pPr>
-              <a:buFont typeface="Arial" panose="020B0604020202020204" pitchFamily="34" charset="0"/>
-              <a:buChar char="•"/>
-            </a:pPr>
-            <a:r>
-              <a:rPr lang="en-US" dirty="0" smtClean="0">
-                <a:latin typeface="Arial" panose="020B0604020202020204" pitchFamily="34" charset="0"/>
-                <a:cs typeface="Arial" panose="020B0604020202020204" pitchFamily="34" charset="0"/>
-              </a:rPr>
-              <a:t>No recombination of individuals </a:t>
-            </a:r>
-            <a:r>
-              <a:rPr lang="en-US" b="1" dirty="0" smtClean="0">
-                <a:latin typeface="Arial" panose="020B0604020202020204" pitchFamily="34" charset="0"/>
-                <a:cs typeface="Arial" panose="020B0604020202020204" pitchFamily="34" charset="0"/>
-              </a:rPr>
-              <a:t>vs</a:t>
-            </a:r>
-            <a:r>
-              <a:rPr lang="en-US" dirty="0" smtClean="0">
-                <a:latin typeface="Arial" panose="020B0604020202020204" pitchFamily="34" charset="0"/>
-                <a:cs typeface="Arial" panose="020B0604020202020204" pitchFamily="34" charset="0"/>
-              </a:rPr>
-              <a:t> one crossover point</a:t>
-            </a:r>
-          </a:p>
-          <a:p>
-            <a:pPr lvl="1">
-              <a:buFont typeface="Arial" panose="020B0604020202020204" pitchFamily="34" charset="0"/>
-              <a:buChar char="•"/>
-            </a:pPr>
-            <a:r>
-              <a:rPr lang="en-US" dirty="0" smtClean="0">
-                <a:latin typeface="Arial" panose="020B0604020202020204" pitchFamily="34" charset="0"/>
-                <a:cs typeface="Arial" panose="020B0604020202020204" pitchFamily="34" charset="0"/>
-              </a:rPr>
-              <a:t>Both yield very similar results  </a:t>
-            </a:r>
-          </a:p>
-          <a:p>
-            <a:pPr>
-              <a:buFont typeface="Arial" panose="020B0604020202020204" pitchFamily="34" charset="0"/>
-              <a:buChar char="•"/>
-            </a:pPr>
-            <a:r>
-              <a:rPr lang="en-US" dirty="0" smtClean="0">
-                <a:latin typeface="Arial" panose="020B0604020202020204" pitchFamily="34" charset="0"/>
-                <a:cs typeface="Arial" panose="020B0604020202020204" pitchFamily="34" charset="0"/>
-              </a:rPr>
-              <a:t>More than 2 crossover points</a:t>
-            </a:r>
-          </a:p>
-          <a:p>
-            <a:pPr lvl="1">
-              <a:buFont typeface="Arial" panose="020B0604020202020204" pitchFamily="34" charset="0"/>
-              <a:buChar char="•"/>
-            </a:pPr>
-            <a:r>
-              <a:rPr lang="en-US" dirty="0" smtClean="0">
-                <a:latin typeface="Arial" panose="020B0604020202020204" pitchFamily="34" charset="0"/>
-                <a:cs typeface="Arial" panose="020B0604020202020204" pitchFamily="34" charset="0"/>
-              </a:rPr>
-              <a:t>Significant increase in average results achieved and decrease in runtime</a:t>
-            </a:r>
-          </a:p>
-        </p:txBody>
-      </p:sp>
-    </p:spTree>
-    <p:extLst>
-      <p:ext uri="{BB962C8B-B14F-4D97-AF65-F5344CB8AC3E}">
-        <p14:creationId xmlns:p14="http://schemas.microsoft.com/office/powerpoint/2010/main" val="2927819805"/>
-      </p:ext>
-    </p:extLst>
-  </p:cSld>
-  <p:clrMapOvr>
-    <a:masterClrMapping/>
-  </p:clrMapOvr>
-  <p:timing>
-    <p:tnLst>
-      <p:par>
-        <p:cTn id="1" dur="indefinite" restart="never" nodeType="tmRoot"/>
-      </p:par>
-    </p:tnLst>
-  </p:timing>
-</p:sld>
-</file>
-
-<file path=ppt/slides/slide23.xml><?xml version="1.0" encoding="utf-8"?>
 <p:sld xmlns:a="http://schemas.openxmlformats.org/drawingml/2006/main" xmlns:r="http://schemas.openxmlformats.org/officeDocument/2006/relationships" xmlns:p="http://schemas.openxmlformats.org/presentationml/2006/main">
   <p:cSld>
     <p:spTree>
@@ -12720,7 +9394,7 @@
 </p:sld>
 </file>
 
-<file path=ppt/slides/slide24.xml><?xml version="1.0" encoding="utf-8"?>
+<file path=ppt/slides/slide23.xml><?xml version="1.0" encoding="utf-8"?>
 <p:sld xmlns:a="http://schemas.openxmlformats.org/drawingml/2006/main" xmlns:r="http://schemas.openxmlformats.org/officeDocument/2006/relationships" xmlns:p="http://schemas.openxmlformats.org/presentationml/2006/main">
   <p:cSld>
     <p:spTree>
@@ -12757,14 +9431,14 @@
             <a:r>
               <a:rPr lang="en-US" sz="3200" dirty="0" smtClean="0">
                 <a:solidFill>
-                  <a:srgbClr val="FF0000"/>
+                  <a:srgbClr val="0070C0"/>
                 </a:solidFill>
               </a:rPr>
               <a:t>Mutation probability</a:t>
             </a:r>
             <a:endParaRPr lang="et-EE" sz="3200" dirty="0">
               <a:solidFill>
-                <a:srgbClr val="FF0000"/>
+                <a:srgbClr val="0070C0"/>
               </a:solidFill>
             </a:endParaRPr>
           </a:p>
@@ -12782,7 +9456,9 @@
         </p:nvSpPr>
         <p:spPr/>
         <p:txBody>
-          <a:bodyPr/>
+          <a:bodyPr>
+            <a:normAutofit/>
+          </a:bodyPr>
           <a:lstStyle/>
           <a:p>
             <a:pPr>
@@ -12790,7 +9466,7 @@
               <a:buChar char="•"/>
             </a:pPr>
             <a:r>
-              <a:rPr lang="en-US" dirty="0" smtClean="0">
+              <a:rPr lang="en-US" sz="3200" dirty="0" smtClean="0">
                 <a:latin typeface="Arial" panose="020B0604020202020204" pitchFamily="34" charset="0"/>
                 <a:cs typeface="Arial" panose="020B0604020202020204" pitchFamily="34" charset="0"/>
               </a:rPr>
@@ -12803,13 +9479,13 @@
               <a:buChar char="•"/>
             </a:pPr>
             <a:r>
-              <a:rPr lang="en-US" dirty="0" smtClean="0">
+              <a:rPr lang="en-US" sz="3200" dirty="0" smtClean="0">
                 <a:latin typeface="Arial" panose="020B0604020202020204" pitchFamily="34" charset="0"/>
                 <a:cs typeface="Arial" panose="020B0604020202020204" pitchFamily="34" charset="0"/>
               </a:rPr>
               <a:t>This could be due to the way best solution is achieved (no rotations)</a:t>
             </a:r>
-            <a:endParaRPr lang="et-EE" dirty="0">
+            <a:endParaRPr lang="et-EE" sz="3200" dirty="0">
               <a:latin typeface="Arial" panose="020B0604020202020204" pitchFamily="34" charset="0"/>
               <a:cs typeface="Arial" panose="020B0604020202020204" pitchFamily="34" charset="0"/>
             </a:endParaRPr>
@@ -12833,6 +9509,116 @@
       </p:par>
     </p:tnLst>
   </p:timing>
+</p:sld>
+</file>
+
+<file path=ppt/slides/slide24.xml><?xml version="1.0" encoding="utf-8"?>
+<p:sld xmlns:a="http://schemas.openxmlformats.org/drawingml/2006/main" xmlns:r="http://schemas.openxmlformats.org/officeDocument/2006/relationships" xmlns:p="http://schemas.openxmlformats.org/presentationml/2006/main">
+  <p:cSld>
+    <p:spTree>
+      <p:nvGrpSpPr>
+        <p:cNvPr id="1" name=""/>
+        <p:cNvGrpSpPr/>
+        <p:nvPr/>
+      </p:nvGrpSpPr>
+      <p:grpSpPr>
+        <a:xfrm>
+          <a:off x="0" y="0"/>
+          <a:ext cx="0" cy="0"/>
+          <a:chOff x="0" y="0"/>
+          <a:chExt cx="0" cy="0"/>
+        </a:xfrm>
+      </p:grpSpPr>
+      <p:sp>
+        <p:nvSpPr>
+          <p:cNvPr id="2" name="Title 1"/>
+          <p:cNvSpPr>
+            <a:spLocks noGrp="1"/>
+          </p:cNvSpPr>
+          <p:nvPr>
+            <p:ph type="title"/>
+          </p:nvPr>
+        </p:nvSpPr>
+        <p:spPr/>
+        <p:txBody>
+          <a:bodyPr/>
+          <a:lstStyle/>
+          <a:p>
+            <a:r>
+              <a:rPr lang="en-US" dirty="0" smtClean="0">
+                <a:solidFill>
+                  <a:srgbClr val="0070C0"/>
+                </a:solidFill>
+              </a:rPr>
+              <a:t>External factors</a:t>
+            </a:r>
+            <a:endParaRPr lang="et-EE" dirty="0">
+              <a:solidFill>
+                <a:srgbClr val="0070C0"/>
+              </a:solidFill>
+            </a:endParaRPr>
+          </a:p>
+        </p:txBody>
+      </p:sp>
+      <p:sp>
+        <p:nvSpPr>
+          <p:cNvPr id="3" name="Content Placeholder 2"/>
+          <p:cNvSpPr>
+            <a:spLocks noGrp="1"/>
+          </p:cNvSpPr>
+          <p:nvPr>
+            <p:ph idx="1"/>
+          </p:nvPr>
+        </p:nvSpPr>
+        <p:spPr/>
+        <p:txBody>
+          <a:bodyPr>
+            <a:normAutofit/>
+          </a:bodyPr>
+          <a:lstStyle/>
+          <a:p>
+            <a:pPr>
+              <a:buFont typeface="Arial" panose="020B0604020202020204" pitchFamily="34" charset="0"/>
+              <a:buChar char="•"/>
+            </a:pPr>
+            <a:r>
+              <a:rPr lang="en-US" sz="3200" dirty="0" smtClean="0"/>
+              <a:t>Experiments with different number of packages and new package types</a:t>
+            </a:r>
+          </a:p>
+          <a:p>
+            <a:pPr>
+              <a:buFont typeface="Arial" panose="020B0604020202020204" pitchFamily="34" charset="0"/>
+              <a:buChar char="•"/>
+            </a:pPr>
+            <a:r>
+              <a:rPr lang="en-US" sz="3200" dirty="0" smtClean="0"/>
+              <a:t>No correlation between performance and certain package shapes</a:t>
+            </a:r>
+          </a:p>
+          <a:p>
+            <a:pPr>
+              <a:buFont typeface="Arial" panose="020B0604020202020204" pitchFamily="34" charset="0"/>
+              <a:buChar char="•"/>
+            </a:pPr>
+            <a:r>
+              <a:rPr lang="en-US" sz="3200" dirty="0" smtClean="0"/>
+              <a:t>Genetic algorithm has the best performance</a:t>
+            </a:r>
+            <a:endParaRPr lang="et-EE" sz="3200" dirty="0"/>
+          </a:p>
+        </p:txBody>
+      </p:sp>
+    </p:spTree>
+    <p:extLst>
+      <p:ext uri="{BB962C8B-B14F-4D97-AF65-F5344CB8AC3E}">
+        <p14:creationId xmlns:p14="http://schemas.microsoft.com/office/powerpoint/2010/main" val="4092035555"/>
+      </p:ext>
+    </p:extLst>
+  </p:cSld>
+  <p:clrMapOvr>
+    <a:masterClrMapping/>
+  </p:clrMapOvr>
 </p:sld>
 </file>
 
@@ -12876,7 +9662,7 @@
             <a:r>
               <a:rPr lang="en-US" dirty="0" smtClean="0">
                 <a:solidFill>
-                  <a:srgbClr val="FF0000"/>
+                  <a:srgbClr val="0070C0"/>
                 </a:solidFill>
                 <a:cs typeface="Arial" panose="020B0604020202020204" pitchFamily="34" charset="0"/>
               </a:rPr>
@@ -12884,7 +9670,7 @@
             </a:r>
             <a:endParaRPr lang="et-EE" dirty="0">
               <a:solidFill>
-                <a:srgbClr val="FF0000"/>
+                <a:srgbClr val="0070C0"/>
               </a:solidFill>
               <a:cs typeface="Arial" panose="020B0604020202020204" pitchFamily="34" charset="0"/>
             </a:endParaRPr>
@@ -12919,26 +9705,57 @@
               <a:buChar char="•"/>
             </a:pPr>
             <a:r>
-              <a:rPr lang="en-US" dirty="0" smtClean="0">
+              <a:rPr lang="en-US" sz="2400" dirty="0" smtClean="0">
                 <a:solidFill>
                   <a:schemeClr val="tx1"/>
                 </a:solidFill>
                 <a:latin typeface="Arial" panose="020B0604020202020204" pitchFamily="34" charset="0"/>
                 <a:cs typeface="Arial" panose="020B0604020202020204" pitchFamily="34" charset="0"/>
               </a:rPr>
-              <a:t>Greedy algorithm is the fastest but does not perform as well as other </a:t>
-            </a:r>
-            <a:r>
-              <a:rPr lang="en-US" dirty="0" smtClean="0">
+              <a:t>Greedy algorithm is the fastest but does not perform as well as other algorithms. </a:t>
+            </a:r>
+          </a:p>
+          <a:p>
+            <a:pPr>
+              <a:buClrTx/>
+              <a:buFont typeface="Arial" panose="020B0604020202020204" pitchFamily="34" charset="0"/>
+              <a:buChar char="•"/>
+            </a:pPr>
+            <a:r>
+              <a:rPr lang="en-US" sz="2400" dirty="0" smtClean="0">
                 <a:solidFill>
                   <a:schemeClr val="tx1"/>
                 </a:solidFill>
                 <a:latin typeface="Arial" panose="020B0604020202020204" pitchFamily="34" charset="0"/>
                 <a:cs typeface="Arial" panose="020B0604020202020204" pitchFamily="34" charset="0"/>
               </a:rPr>
-              <a:t>algorithms. </a:t>
-            </a:r>
-            <a:endParaRPr lang="en-US" dirty="0" smtClean="0">
+              <a:t>Hill climbing algorithm achieves good results but might get stuck.</a:t>
+            </a:r>
+          </a:p>
+          <a:p>
+            <a:pPr>
+              <a:buClrTx/>
+              <a:buFont typeface="Arial" panose="020B0604020202020204" pitchFamily="34" charset="0"/>
+              <a:buChar char="•"/>
+            </a:pPr>
+            <a:r>
+              <a:rPr lang="en-US" sz="2400" dirty="0" smtClean="0">
+                <a:solidFill>
+                  <a:schemeClr val="tx1"/>
+                </a:solidFill>
+                <a:latin typeface="Arial" panose="020B0604020202020204" pitchFamily="34" charset="0"/>
+                <a:cs typeface="Arial" panose="020B0604020202020204" pitchFamily="34" charset="0"/>
+              </a:rPr>
+              <a:t>Genetic algorithm is time consuming and has a lot of parameters that need to be taken into account (difficult to implement) but it gets closest to the optimal solution.</a:t>
+            </a:r>
+          </a:p>
+          <a:p>
+            <a:pPr>
+              <a:buClrTx/>
+              <a:buFont typeface="Arial" panose="020B0604020202020204" pitchFamily="34" charset="0"/>
+              <a:buChar char="•"/>
+            </a:pPr>
+            <a:endParaRPr lang="en-US" sz="2400" dirty="0" smtClean="0">
               <a:solidFill>
                 <a:schemeClr val="tx1"/>
               </a:solidFill>
@@ -12953,132 +9770,7 @@
               <a:buChar char="•"/>
             </a:pPr>
             <a:r>
-              <a:rPr lang="en-US" dirty="0" smtClean="0">
-                <a:solidFill>
-                  <a:schemeClr val="tx1"/>
-                </a:solidFill>
-                <a:latin typeface="Arial" panose="020B0604020202020204" pitchFamily="34" charset="0"/>
-                <a:cs typeface="Arial" panose="020B0604020202020204" pitchFamily="34" charset="0"/>
-              </a:rPr>
-              <a:t>Hill climbing </a:t>
-            </a:r>
-            <a:r>
-              <a:rPr lang="en-US" dirty="0" smtClean="0">
-                <a:solidFill>
-                  <a:schemeClr val="tx1"/>
-                </a:solidFill>
-                <a:latin typeface="Arial" panose="020B0604020202020204" pitchFamily="34" charset="0"/>
-                <a:cs typeface="Arial" panose="020B0604020202020204" pitchFamily="34" charset="0"/>
-              </a:rPr>
-              <a:t>algorithm achieves good results but </a:t>
-            </a:r>
-            <a:r>
-              <a:rPr lang="en-US" dirty="0" smtClean="0">
-                <a:solidFill>
-                  <a:schemeClr val="tx1"/>
-                </a:solidFill>
-                <a:latin typeface="Arial" panose="020B0604020202020204" pitchFamily="34" charset="0"/>
-                <a:cs typeface="Arial" panose="020B0604020202020204" pitchFamily="34" charset="0"/>
-              </a:rPr>
-              <a:t>might get </a:t>
-            </a:r>
-            <a:r>
-              <a:rPr lang="en-US" dirty="0" smtClean="0">
-                <a:solidFill>
-                  <a:schemeClr val="tx1"/>
-                </a:solidFill>
-                <a:latin typeface="Arial" panose="020B0604020202020204" pitchFamily="34" charset="0"/>
-                <a:cs typeface="Arial" panose="020B0604020202020204" pitchFamily="34" charset="0"/>
-              </a:rPr>
-              <a:t>stuck.</a:t>
-            </a:r>
-            <a:endParaRPr lang="en-US" dirty="0" smtClean="0">
-              <a:solidFill>
-                <a:schemeClr val="tx1"/>
-              </a:solidFill>
-              <a:latin typeface="Arial" panose="020B0604020202020204" pitchFamily="34" charset="0"/>
-              <a:cs typeface="Arial" panose="020B0604020202020204" pitchFamily="34" charset="0"/>
-            </a:endParaRPr>
-          </a:p>
-          <a:p>
-            <a:pPr>
-              <a:buClrTx/>
-              <a:buFont typeface="Arial" panose="020B0604020202020204" pitchFamily="34" charset="0"/>
-              <a:buChar char="•"/>
-            </a:pPr>
-            <a:r>
-              <a:rPr lang="en-US" dirty="0" smtClean="0">
-                <a:solidFill>
-                  <a:schemeClr val="tx1"/>
-                </a:solidFill>
-                <a:latin typeface="Arial" panose="020B0604020202020204" pitchFamily="34" charset="0"/>
-                <a:cs typeface="Arial" panose="020B0604020202020204" pitchFamily="34" charset="0"/>
-              </a:rPr>
-              <a:t>Genetic algorithm is time consuming and has a lot of parameters that need to be taken into account (difficult to implement) but it </a:t>
-            </a:r>
-            <a:r>
-              <a:rPr lang="en-US" dirty="0" smtClean="0">
-                <a:solidFill>
-                  <a:schemeClr val="tx1"/>
-                </a:solidFill>
-                <a:latin typeface="Arial" panose="020B0604020202020204" pitchFamily="34" charset="0"/>
-                <a:cs typeface="Arial" panose="020B0604020202020204" pitchFamily="34" charset="0"/>
-              </a:rPr>
-              <a:t>gets closest to</a:t>
-            </a:r>
-            <a:r>
-              <a:rPr lang="en-US" dirty="0" smtClean="0">
-                <a:solidFill>
-                  <a:schemeClr val="tx1"/>
-                </a:solidFill>
-                <a:latin typeface="Arial" panose="020B0604020202020204" pitchFamily="34" charset="0"/>
-                <a:cs typeface="Arial" panose="020B0604020202020204" pitchFamily="34" charset="0"/>
-              </a:rPr>
-              <a:t> </a:t>
-            </a:r>
-            <a:r>
-              <a:rPr lang="en-US" dirty="0" smtClean="0">
-                <a:solidFill>
-                  <a:schemeClr val="tx1"/>
-                </a:solidFill>
-                <a:latin typeface="Arial" panose="020B0604020202020204" pitchFamily="34" charset="0"/>
-                <a:cs typeface="Arial" panose="020B0604020202020204" pitchFamily="34" charset="0"/>
-              </a:rPr>
-              <a:t>the optimal solution</a:t>
-            </a:r>
-            <a:r>
-              <a:rPr lang="en-US" dirty="0" smtClean="0">
-                <a:solidFill>
-                  <a:schemeClr val="tx1"/>
-                </a:solidFill>
-                <a:latin typeface="Arial" panose="020B0604020202020204" pitchFamily="34" charset="0"/>
-                <a:cs typeface="Arial" panose="020B0604020202020204" pitchFamily="34" charset="0"/>
-              </a:rPr>
-              <a:t>.</a:t>
-            </a:r>
-          </a:p>
-          <a:p>
-            <a:pPr>
-              <a:buClrTx/>
-              <a:buFont typeface="Arial" panose="020B0604020202020204" pitchFamily="34" charset="0"/>
-              <a:buChar char="•"/>
-            </a:pPr>
-            <a:endParaRPr lang="en-US" dirty="0" smtClean="0">
-              <a:solidFill>
-                <a:schemeClr val="tx1"/>
-              </a:solidFill>
-              <a:latin typeface="Arial" panose="020B0604020202020204" pitchFamily="34" charset="0"/>
-              <a:cs typeface="Arial" panose="020B0604020202020204" pitchFamily="34" charset="0"/>
-            </a:endParaRPr>
-          </a:p>
-          <a:p>
-            <a:pPr>
-              <a:buClrTx/>
-              <a:buFont typeface="Arial" panose="020B0604020202020204" pitchFamily="34" charset="0"/>
-              <a:buChar char="•"/>
-            </a:pPr>
-            <a:r>
-              <a:rPr lang="en-US" dirty="0" smtClean="0">
+              <a:rPr lang="en-US" sz="2400" dirty="0" smtClean="0">
                 <a:solidFill>
                   <a:schemeClr val="tx1"/>
                 </a:solidFill>
@@ -13094,7 +9786,7 @@
               <a:buChar char="•"/>
             </a:pPr>
             <a:r>
-              <a:rPr lang="en-US" dirty="0" smtClean="0">
+              <a:rPr lang="en-US" sz="2400" dirty="0" smtClean="0">
                 <a:solidFill>
                   <a:schemeClr val="tx1"/>
                 </a:solidFill>
@@ -13110,7 +9802,7 @@
               <a:buChar char="•"/>
             </a:pPr>
             <a:r>
-              <a:rPr lang="en-US" dirty="0">
+              <a:rPr lang="en-US" sz="2400" dirty="0">
                 <a:solidFill>
                   <a:schemeClr val="tx1"/>
                 </a:solidFill>
@@ -13120,7 +9812,7 @@
               <a:t>For reasonably fast and good solutions: Hill Climbing </a:t>
             </a:r>
             <a:r>
-              <a:rPr lang="en-US" dirty="0" smtClean="0">
+              <a:rPr lang="en-US" sz="2400" dirty="0" smtClean="0">
                 <a:solidFill>
                   <a:schemeClr val="tx1"/>
                 </a:solidFill>
@@ -13136,7 +9828,7 @@
               <a:buChar char="•"/>
             </a:pPr>
             <a:r>
-              <a:rPr lang="en-US" dirty="0">
+              <a:rPr lang="en-US" sz="2400" dirty="0">
                 <a:solidFill>
                   <a:schemeClr val="tx1"/>
                 </a:solidFill>
@@ -13247,14 +9939,14 @@
             <a:r>
               <a:rPr lang="en-US" dirty="0" smtClean="0">
                 <a:solidFill>
-                  <a:srgbClr val="FF0000"/>
+                  <a:srgbClr val="0070C0"/>
                 </a:solidFill>
               </a:rPr>
               <a:t>Assignment description</a:t>
             </a:r>
             <a:endParaRPr lang="et-EE" dirty="0">
               <a:solidFill>
-                <a:srgbClr val="FF0000"/>
+                <a:srgbClr val="0070C0"/>
               </a:solidFill>
             </a:endParaRPr>
           </a:p>
@@ -13277,7 +9969,9 @@
           </a:xfrm>
         </p:spPr>
         <p:txBody>
-          <a:bodyPr/>
+          <a:bodyPr>
+            <a:normAutofit/>
+          </a:bodyPr>
           <a:lstStyle/>
           <a:p>
             <a:pPr>
@@ -13286,7 +9980,7 @@
               <a:buChar char="•"/>
             </a:pPr>
             <a:r>
-              <a:rPr lang="en-US" dirty="0" smtClean="0">
+              <a:rPr lang="en-US" sz="2400" dirty="0" smtClean="0">
                 <a:solidFill>
                   <a:schemeClr val="tx1"/>
                 </a:solidFill>
@@ -13303,7 +9997,7 @@
               <a:buChar char="•"/>
             </a:pPr>
             <a:r>
-              <a:rPr lang="en-US" dirty="0" smtClean="0">
+              <a:rPr lang="en-US" sz="2400" dirty="0" smtClean="0">
                 <a:solidFill>
                   <a:schemeClr val="tx1"/>
                 </a:solidFill>
@@ -13313,7 +10007,7 @@
               <a:t>Three packages with certain values and a </a:t>
             </a:r>
             <a:r>
-              <a:rPr lang="en-US" dirty="0" err="1" smtClean="0">
+              <a:rPr lang="en-US" sz="2400" dirty="0" err="1" smtClean="0">
                 <a:solidFill>
                   <a:schemeClr val="tx1"/>
                 </a:solidFill>
@@ -13323,7 +10017,7 @@
               <a:t>cargosace</a:t>
             </a:r>
             <a:r>
-              <a:rPr lang="en-US" dirty="0" smtClean="0">
+              <a:rPr lang="en-US" sz="2400" dirty="0" smtClean="0">
                 <a:solidFill>
                   <a:schemeClr val="tx1"/>
                 </a:solidFill>
@@ -13340,7 +10034,7 @@
               <a:buChar char="•"/>
             </a:pPr>
             <a:r>
-              <a:rPr lang="en-GB" dirty="0">
+              <a:rPr lang="en-GB" sz="2400" dirty="0">
                 <a:solidFill>
                   <a:schemeClr val="tx1"/>
                 </a:solidFill>
@@ -13350,7 +10044,7 @@
               <a:t>A: 1.0 x 1.0 x </a:t>
             </a:r>
             <a:r>
-              <a:rPr lang="en-GB" dirty="0" smtClean="0">
+              <a:rPr lang="en-GB" sz="2400" dirty="0" smtClean="0">
                 <a:solidFill>
                   <a:schemeClr val="tx1"/>
                 </a:solidFill>
@@ -13367,7 +10061,7 @@
               <a:buChar char="•"/>
             </a:pPr>
             <a:r>
-              <a:rPr lang="en-GB" dirty="0">
+              <a:rPr lang="en-GB" sz="2400" dirty="0">
                 <a:solidFill>
                   <a:schemeClr val="tx1"/>
                 </a:solidFill>
@@ -13377,7 +10071,7 @@
               <a:t>B: 1.0 x 1.5 x 2.0 (m</a:t>
             </a:r>
             <a:r>
-              <a:rPr lang="en-GB" dirty="0" smtClean="0">
+              <a:rPr lang="en-GB" sz="2400" dirty="0" smtClean="0">
                 <a:solidFill>
                   <a:schemeClr val="tx1"/>
                 </a:solidFill>
@@ -13394,7 +10088,7 @@
               <a:buChar char="•"/>
             </a:pPr>
             <a:r>
-              <a:rPr lang="en-GB" dirty="0">
+              <a:rPr lang="en-GB" sz="2400" dirty="0">
                 <a:solidFill>
                   <a:schemeClr val="tx1"/>
                 </a:solidFill>
@@ -13404,7 +10098,7 @@
               <a:t>C: 1.5 x 1.5 </a:t>
             </a:r>
             <a:r>
-              <a:rPr lang="en-GB" dirty="0" smtClean="0">
+              <a:rPr lang="en-GB" sz="2400" dirty="0" smtClean="0">
                 <a:solidFill>
                   <a:schemeClr val="tx1"/>
                 </a:solidFill>
@@ -13414,7 +10108,7 @@
               <a:t>x 1.5 (</a:t>
             </a:r>
             <a:r>
-              <a:rPr lang="en-GB" dirty="0">
+              <a:rPr lang="en-GB" sz="2400" dirty="0">
                 <a:solidFill>
                   <a:schemeClr val="tx1"/>
                 </a:solidFill>
@@ -13424,24 +10118,14 @@
               <a:t>m</a:t>
             </a:r>
             <a:r>
-              <a:rPr lang="en-GB" dirty="0" smtClean="0">
+              <a:rPr lang="en-GB" sz="2400" dirty="0" smtClean="0">
                 <a:solidFill>
                   <a:schemeClr val="tx1"/>
                 </a:solidFill>
                 <a:latin typeface="Arial" panose="020B0604020202020204" pitchFamily="34" charset="0"/>
                 <a:cs typeface="Arial" panose="020B0604020202020204" pitchFamily="34" charset="0"/>
               </a:rPr>
-              <a:t>) with a value of </a:t>
-            </a:r>
-            <a:r>
-              <a:rPr lang="en-GB" dirty="0" smtClean="0">
-                <a:solidFill>
-                  <a:schemeClr val="tx1"/>
-                </a:solidFill>
-                <a:latin typeface="Arial" panose="020B0604020202020204" pitchFamily="34" charset="0"/>
-                <a:cs typeface="Arial" panose="020B0604020202020204" pitchFamily="34" charset="0"/>
-              </a:rPr>
-              <a:t>5</a:t>
+              <a:t>) with a value of 5</a:t>
             </a:r>
           </a:p>
           <a:p>
@@ -13451,7 +10135,7 @@
               <a:buChar char="•"/>
             </a:pPr>
             <a:r>
-              <a:rPr lang="en-GB" dirty="0" err="1" smtClean="0">
+              <a:rPr lang="en-GB" sz="2400" dirty="0" err="1" smtClean="0">
                 <a:solidFill>
                   <a:schemeClr val="tx1"/>
                 </a:solidFill>
@@ -13461,7 +10145,7 @@
               <a:t>Cargospace</a:t>
             </a:r>
             <a:r>
-              <a:rPr lang="en-GB" dirty="0" smtClean="0">
+              <a:rPr lang="en-GB" sz="2400" dirty="0" smtClean="0">
                 <a:solidFill>
                   <a:schemeClr val="tx1"/>
                 </a:solidFill>
@@ -13470,7 +10154,7 @@
               </a:rPr>
               <a:t>: 16.5 x 2.5 x 4.0 (m)</a:t>
             </a:r>
-            <a:endParaRPr lang="et-EE" dirty="0">
+            <a:endParaRPr lang="et-EE" sz="2400" dirty="0">
               <a:solidFill>
                 <a:schemeClr val="tx1"/>
               </a:solidFill>
@@ -13757,8 +10441,8 @@
         </p:nvSpPr>
         <p:spPr>
           <a:xfrm>
-            <a:off x="786756" y="239496"/>
-            <a:ext cx="9875520" cy="1356360"/>
+            <a:off x="3895859" y="3222938"/>
+            <a:ext cx="9601200" cy="1485900"/>
           </a:xfrm>
         </p:spPr>
         <p:txBody>
@@ -13768,109 +10452,23 @@
             <a:r>
               <a:rPr lang="en-US" dirty="0" smtClean="0">
                 <a:solidFill>
-                  <a:srgbClr val="FF0000"/>
-                </a:solidFill>
-                <a:cs typeface="Arial" panose="020B0604020202020204" pitchFamily="34" charset="0"/>
+                  <a:srgbClr val="0070C0"/>
+                </a:solidFill>
               </a:rPr>
-              <a:t>Using rectangular packages</a:t>
+              <a:t>ASSIGNMENT RESULTS</a:t>
             </a:r>
             <a:endParaRPr lang="et-EE" dirty="0">
               <a:solidFill>
-                <a:srgbClr val="FF0000"/>
+                <a:srgbClr val="0070C0"/>
               </a:solidFill>
-              <a:cs typeface="Arial" panose="020B0604020202020204" pitchFamily="34" charset="0"/>
             </a:endParaRPr>
-          </a:p>
-        </p:txBody>
-      </p:sp>
-      <p:sp>
-        <p:nvSpPr>
-          <p:cNvPr id="3" name="Content Placeholder 2"/>
-          <p:cNvSpPr>
-            <a:spLocks noGrp="1"/>
-          </p:cNvSpPr>
-          <p:nvPr>
-            <p:ph idx="1"/>
-          </p:nvPr>
-        </p:nvSpPr>
-        <p:spPr>
-          <a:xfrm>
-            <a:off x="789405" y="1300019"/>
-            <a:ext cx="9872871" cy="4038600"/>
-          </a:xfrm>
-        </p:spPr>
-        <p:txBody>
-          <a:bodyPr>
-            <a:normAutofit/>
-          </a:bodyPr>
-          <a:lstStyle/>
-          <a:p>
-            <a:pPr>
-              <a:buClr>
-                <a:schemeClr val="tx1"/>
-              </a:buClr>
-              <a:buFont typeface="Arial" panose="020B0604020202020204" pitchFamily="34" charset="0"/>
-              <a:buChar char="•"/>
-            </a:pPr>
-            <a:r>
-              <a:rPr lang="en-US" dirty="0">
-                <a:solidFill>
-                  <a:schemeClr val="tx1"/>
-                </a:solidFill>
-                <a:latin typeface="Arial" panose="020B0604020202020204" pitchFamily="34" charset="0"/>
-                <a:cs typeface="Arial" panose="020B0604020202020204" pitchFamily="34" charset="0"/>
-              </a:rPr>
-              <a:t>N</a:t>
-            </a:r>
-            <a:r>
-              <a:rPr lang="en-US" dirty="0" smtClean="0">
-                <a:solidFill>
-                  <a:schemeClr val="tx1"/>
-                </a:solidFill>
-                <a:latin typeface="Arial" panose="020B0604020202020204" pitchFamily="34" charset="0"/>
-                <a:cs typeface="Arial" panose="020B0604020202020204" pitchFamily="34" charset="0"/>
-              </a:rPr>
-              <a:t>o solution to filling the entire cargo space with A,B and/or C packages has been found.</a:t>
-            </a:r>
-          </a:p>
-          <a:p>
-            <a:pPr>
-              <a:buClr>
-                <a:schemeClr val="tx1"/>
-              </a:buClr>
-              <a:buFont typeface="Arial" panose="020B0604020202020204" pitchFamily="34" charset="0"/>
-              <a:buChar char="•"/>
-            </a:pPr>
-            <a:r>
-              <a:rPr lang="en-US" dirty="0" smtClean="0">
-                <a:solidFill>
-                  <a:schemeClr val="tx1"/>
-                </a:solidFill>
-                <a:latin typeface="Arial" panose="020B0604020202020204" pitchFamily="34" charset="0"/>
-                <a:cs typeface="Arial" panose="020B0604020202020204" pitchFamily="34" charset="0"/>
-              </a:rPr>
-              <a:t>Best result found for maximizing a single packing: </a:t>
-            </a:r>
-            <a:r>
-              <a:rPr lang="en-US" b="1" dirty="0" smtClean="0">
-                <a:solidFill>
-                  <a:schemeClr val="tx1"/>
-                </a:solidFill>
-                <a:latin typeface="Arial" panose="020B0604020202020204" pitchFamily="34" charset="0"/>
-                <a:cs typeface="Arial" panose="020B0604020202020204" pitchFamily="34" charset="0"/>
-              </a:rPr>
-              <a:t>240</a:t>
-            </a:r>
-          </a:p>
-          <a:p>
-            <a:endParaRPr lang="et-EE" sz="2800" dirty="0"/>
           </a:p>
         </p:txBody>
       </p:sp>
     </p:spTree>
     <p:extLst>
       <p:ext uri="{BB962C8B-B14F-4D97-AF65-F5344CB8AC3E}">
-        <p14:creationId xmlns:p14="http://schemas.microsoft.com/office/powerpoint/2010/main" val="2928455462"/>
+        <p14:creationId xmlns:p14="http://schemas.microsoft.com/office/powerpoint/2010/main" val="3479612855"/>
       </p:ext>
     </p:extLst>
   </p:cSld>
@@ -13916,7 +10514,7 @@
         </p:nvSpPr>
         <p:spPr>
           <a:xfrm>
-            <a:off x="708546" y="257144"/>
+            <a:off x="786756" y="239496"/>
             <a:ext cx="9875520" cy="1356360"/>
           </a:xfrm>
         </p:spPr>
@@ -13927,33 +10525,15 @@
             <a:r>
               <a:rPr lang="en-US" dirty="0" smtClean="0">
                 <a:solidFill>
-                  <a:srgbClr val="FF0000"/>
+                  <a:srgbClr val="0070C0"/>
                 </a:solidFill>
                 <a:cs typeface="Arial" panose="020B0604020202020204" pitchFamily="34" charset="0"/>
               </a:rPr>
-              <a:t>Using </a:t>
-            </a:r>
-            <a:r>
-              <a:rPr lang="en-US" dirty="0" err="1" smtClean="0">
-                <a:solidFill>
-                  <a:srgbClr val="FF0000"/>
-                </a:solidFill>
-                <a:cs typeface="Arial" panose="020B0604020202020204" pitchFamily="34" charset="0"/>
-              </a:rPr>
-              <a:t>pentomino</a:t>
-            </a:r>
-            <a:r>
-              <a:rPr lang="en-US" dirty="0" smtClean="0">
-                <a:solidFill>
-                  <a:srgbClr val="FF0000"/>
-                </a:solidFill>
-                <a:cs typeface="Arial" panose="020B0604020202020204" pitchFamily="34" charset="0"/>
-              </a:rPr>
-              <a:t>-shaped packages</a:t>
+              <a:t>Using rectangular packages</a:t>
             </a:r>
             <a:endParaRPr lang="et-EE" dirty="0">
               <a:solidFill>
-                <a:srgbClr val="FF0000"/>
+                <a:srgbClr val="0070C0"/>
               </a:solidFill>
               <a:cs typeface="Arial" panose="020B0604020202020204" pitchFamily="34" charset="0"/>
             </a:endParaRPr>
@@ -13972,8 +10552,8 @@
         </p:nvSpPr>
         <p:spPr>
           <a:xfrm>
-            <a:off x="869910" y="1788316"/>
-            <a:ext cx="8596668" cy="3880773"/>
+            <a:off x="892436" y="1789416"/>
+            <a:ext cx="9872871" cy="4038600"/>
           </a:xfrm>
         </p:spPr>
         <p:txBody>
@@ -13990,39 +10570,25 @@
               <a:buChar char="•"/>
             </a:pPr>
             <a:r>
-              <a:rPr lang="en-US" sz="2000" dirty="0" smtClean="0">
+              <a:rPr lang="en-US" sz="4000" dirty="0">
                 <a:solidFill>
                   <a:schemeClr val="tx1"/>
                 </a:solidFill>
                 <a:latin typeface="Arial" panose="020B0604020202020204" pitchFamily="34" charset="0"/>
                 <a:cs typeface="Arial" panose="020B0604020202020204" pitchFamily="34" charset="0"/>
               </a:rPr>
-              <a:t>It is possible to fill the entire </a:t>
-            </a:r>
-            <a:r>
-              <a:rPr lang="en-US" sz="2000" dirty="0" err="1" smtClean="0">
+              <a:t>N</a:t>
+            </a:r>
+            <a:r>
+              <a:rPr lang="en-US" sz="4000" dirty="0" smtClean="0">
                 <a:solidFill>
                   <a:schemeClr val="tx1"/>
                 </a:solidFill>
                 <a:latin typeface="Arial" panose="020B0604020202020204" pitchFamily="34" charset="0"/>
                 <a:cs typeface="Arial" panose="020B0604020202020204" pitchFamily="34" charset="0"/>
               </a:rPr>
-              <a:t>cargospace</a:t>
-            </a:r>
-            <a:r>
-              <a:rPr lang="en-US" sz="2000" dirty="0" smtClean="0">
-                <a:solidFill>
-                  <a:schemeClr val="tx1"/>
-                </a:solidFill>
-                <a:latin typeface="Arial" panose="020B0604020202020204" pitchFamily="34" charset="0"/>
-                <a:cs typeface="Arial" panose="020B0604020202020204" pitchFamily="34" charset="0"/>
-              </a:rPr>
-              <a:t> with L,P and/or T packages.</a:t>
-            </a:r>
-            <a:endParaRPr lang="en-US" sz="2000" dirty="0">
-              <a:latin typeface="Arial" panose="020B0604020202020204" pitchFamily="34" charset="0"/>
-              <a:cs typeface="Arial" panose="020B0604020202020204" pitchFamily="34" charset="0"/>
-            </a:endParaRPr>
+              <a:t>o solution to filling the entire cargo space with A,B and/or C packages has been found.</a:t>
+            </a:r>
           </a:p>
           <a:p>
             <a:pPr>
@@ -14033,7 +10599,7 @@
               <a:buChar char="•"/>
             </a:pPr>
             <a:r>
-              <a:rPr lang="en-US" sz="2000" dirty="0" smtClean="0">
+              <a:rPr lang="en-US" sz="4000" dirty="0" smtClean="0">
                 <a:solidFill>
                   <a:schemeClr val="tx1"/>
                 </a:solidFill>
@@ -14043,59 +10609,25 @@
               <a:t>Best result found for maximizing a single packing: </a:t>
             </a:r>
             <a:r>
-              <a:rPr lang="en-US" sz="2000" b="1" dirty="0" smtClean="0">
+              <a:rPr lang="en-US" sz="4000" b="1" dirty="0" smtClean="0">
                 <a:solidFill>
                   <a:schemeClr val="tx1"/>
                 </a:solidFill>
                 <a:latin typeface="Arial" panose="020B0604020202020204" pitchFamily="34" charset="0"/>
                 <a:cs typeface="Arial" panose="020B0604020202020204" pitchFamily="34" charset="0"/>
               </a:rPr>
-              <a:t>1144</a:t>
-            </a:r>
-            <a:endParaRPr lang="et-EE" sz="2000" dirty="0">
-              <a:solidFill>
-                <a:schemeClr val="tx1"/>
-              </a:solidFill>
-              <a:latin typeface="Arial" panose="020B0604020202020204" pitchFamily="34" charset="0"/>
-              <a:cs typeface="Arial" panose="020B0604020202020204" pitchFamily="34" charset="0"/>
-            </a:endParaRPr>
+              <a:t>240</a:t>
+            </a:r>
+          </a:p>
+          <a:p>
+            <a:endParaRPr lang="et-EE" sz="2800" dirty="0"/>
           </a:p>
         </p:txBody>
       </p:sp>
-      <p:pic>
-        <p:nvPicPr>
-          <p:cNvPr id="4" name="Picture 3"/>
-          <p:cNvPicPr>
-            <a:picLocks noChangeAspect="1"/>
-          </p:cNvPicPr>
-          <p:nvPr/>
-        </p:nvPicPr>
-        <p:blipFill>
-          <a:blip r:embed="rId2">
-            <a:extLst>
-              <a:ext uri="{28A0092B-C50C-407E-A947-70E740481C1C}">
-                <a14:useLocalDpi xmlns:a14="http://schemas.microsoft.com/office/drawing/2010/main" val="0"/>
-              </a:ext>
-            </a:extLst>
-          </a:blip>
-          <a:stretch>
-            <a:fillRect/>
-          </a:stretch>
-        </p:blipFill>
-        <p:spPr>
-          <a:xfrm>
-            <a:off x="977489" y="3409116"/>
-            <a:ext cx="10815582" cy="2604569"/>
-          </a:xfrm>
-          <a:prstGeom prst="rect">
-            <a:avLst/>
-          </a:prstGeom>
-        </p:spPr>
-      </p:pic>
     </p:spTree>
     <p:extLst>
       <p:ext uri="{BB962C8B-B14F-4D97-AF65-F5344CB8AC3E}">
-        <p14:creationId xmlns:p14="http://schemas.microsoft.com/office/powerpoint/2010/main" val="4292495701"/>
+        <p14:creationId xmlns:p14="http://schemas.microsoft.com/office/powerpoint/2010/main" val="2928455462"/>
       </p:ext>
     </p:extLst>
   </p:cSld>
@@ -14141,28 +10673,145 @@
         </p:nvSpPr>
         <p:spPr>
           <a:xfrm>
-            <a:off x="652513" y="2993474"/>
-            <a:ext cx="10515600" cy="1325563"/>
+            <a:off x="708546" y="257144"/>
+            <a:ext cx="9875520" cy="1356360"/>
           </a:xfrm>
         </p:spPr>
         <p:txBody>
           <a:bodyPr/>
           <a:lstStyle/>
           <a:p>
-            <a:pPr algn="ctr"/>
             <a:r>
               <a:rPr lang="en-US" dirty="0" smtClean="0">
                 <a:solidFill>
-                  <a:srgbClr val="FF0000"/>
+                  <a:srgbClr val="0070C0"/>
+                </a:solidFill>
+                <a:cs typeface="Arial" panose="020B0604020202020204" pitchFamily="34" charset="0"/>
+              </a:rPr>
+              <a:t>Using </a:t>
+            </a:r>
+            <a:r>
+              <a:rPr lang="en-US" dirty="0" err="1" smtClean="0">
+                <a:solidFill>
+                  <a:srgbClr val="0070C0"/>
+                </a:solidFill>
+                <a:cs typeface="Arial" panose="020B0604020202020204" pitchFamily="34" charset="0"/>
+              </a:rPr>
+              <a:t>pentomino</a:t>
+            </a:r>
+            <a:r>
+              <a:rPr lang="en-US" dirty="0" smtClean="0">
+                <a:solidFill>
+                  <a:srgbClr val="0070C0"/>
+                </a:solidFill>
+                <a:cs typeface="Arial" panose="020B0604020202020204" pitchFamily="34" charset="0"/>
+              </a:rPr>
+              <a:t>-shaped packages</a:t>
+            </a:r>
+            <a:endParaRPr lang="et-EE" dirty="0">
+              <a:solidFill>
+                <a:srgbClr val="0070C0"/>
+              </a:solidFill>
+              <a:cs typeface="Arial" panose="020B0604020202020204" pitchFamily="34" charset="0"/>
+            </a:endParaRPr>
+          </a:p>
+        </p:txBody>
+      </p:sp>
+      <p:sp>
+        <p:nvSpPr>
+          <p:cNvPr id="3" name="Content Placeholder 2"/>
+          <p:cNvSpPr>
+            <a:spLocks noGrp="1"/>
+          </p:cNvSpPr>
+          <p:nvPr>
+            <p:ph idx="1"/>
+          </p:nvPr>
+        </p:nvSpPr>
+        <p:spPr>
+          <a:xfrm>
+            <a:off x="869910" y="1788316"/>
+            <a:ext cx="8596668" cy="3880773"/>
+          </a:xfrm>
+        </p:spPr>
+        <p:txBody>
+          <a:bodyPr>
+            <a:normAutofit/>
+          </a:bodyPr>
+          <a:lstStyle/>
+          <a:p>
+            <a:pPr>
+              <a:buClr>
+                <a:schemeClr val="tx1"/>
+              </a:buClr>
+              <a:buFont typeface="Arial" panose="020B0604020202020204" pitchFamily="34" charset="0"/>
+              <a:buChar char="•"/>
+            </a:pPr>
+            <a:r>
+              <a:rPr lang="en-US" sz="3200" dirty="0" smtClean="0">
+                <a:solidFill>
+                  <a:schemeClr val="tx1"/>
                 </a:solidFill>
                 <a:latin typeface="Arial" panose="020B0604020202020204" pitchFamily="34" charset="0"/>
                 <a:cs typeface="Arial" panose="020B0604020202020204" pitchFamily="34" charset="0"/>
               </a:rPr>
-              <a:t>  GREEDY ALGORITHM</a:t>
-            </a:r>
-            <a:endParaRPr lang="et-EE" dirty="0">
+              <a:t>It is possible to fill the entire </a:t>
+            </a:r>
+            <a:r>
+              <a:rPr lang="en-US" sz="3200" dirty="0" err="1" smtClean="0">
+                <a:solidFill>
+                  <a:schemeClr val="tx1"/>
+                </a:solidFill>
+                <a:latin typeface="Arial" panose="020B0604020202020204" pitchFamily="34" charset="0"/>
+                <a:cs typeface="Arial" panose="020B0604020202020204" pitchFamily="34" charset="0"/>
+              </a:rPr>
+              <a:t>cargospace</a:t>
+            </a:r>
+            <a:r>
+              <a:rPr lang="en-US" sz="3200" dirty="0" smtClean="0">
+                <a:solidFill>
+                  <a:schemeClr val="tx1"/>
+                </a:solidFill>
+                <a:latin typeface="Arial" panose="020B0604020202020204" pitchFamily="34" charset="0"/>
+                <a:cs typeface="Arial" panose="020B0604020202020204" pitchFamily="34" charset="0"/>
+              </a:rPr>
+              <a:t> with L,P and/or T packages.</a:t>
+            </a:r>
+            <a:endParaRPr lang="en-US" sz="3200" dirty="0">
+              <a:latin typeface="Arial" panose="020B0604020202020204" pitchFamily="34" charset="0"/>
+              <a:cs typeface="Arial" panose="020B0604020202020204" pitchFamily="34" charset="0"/>
+            </a:endParaRPr>
+          </a:p>
+          <a:p>
+            <a:pPr>
+              <a:buClr>
+                <a:schemeClr val="tx1"/>
+              </a:buClr>
+              <a:buFont typeface="Arial" panose="020B0604020202020204" pitchFamily="34" charset="0"/>
+              <a:buChar char="•"/>
+            </a:pPr>
+            <a:r>
+              <a:rPr lang="en-US" sz="3200" dirty="0" smtClean="0">
+                <a:solidFill>
+                  <a:schemeClr val="tx1"/>
+                </a:solidFill>
+                <a:latin typeface="Arial" panose="020B0604020202020204" pitchFamily="34" charset="0"/>
+                <a:cs typeface="Arial" panose="020B0604020202020204" pitchFamily="34" charset="0"/>
+              </a:rPr>
+              <a:t>Best result found for maximizing a single packing: </a:t>
+            </a:r>
+            <a:r>
+              <a:rPr lang="en-US" sz="3200" b="1" dirty="0" smtClean="0">
+                <a:solidFill>
+                  <a:schemeClr val="tx1"/>
+                </a:solidFill>
+                <a:latin typeface="Arial" panose="020B0604020202020204" pitchFamily="34" charset="0"/>
+                <a:cs typeface="Arial" panose="020B0604020202020204" pitchFamily="34" charset="0"/>
+              </a:rPr>
+              <a:t>1144</a:t>
+            </a:r>
+            <a:endParaRPr lang="et-EE" sz="3200" dirty="0">
               <a:solidFill>
-                <a:srgbClr val="FF0000"/>
+                <a:schemeClr val="tx1"/>
               </a:solidFill>
               <a:latin typeface="Arial" panose="020B0604020202020204" pitchFamily="34" charset="0"/>
               <a:cs typeface="Arial" panose="020B0604020202020204" pitchFamily="34" charset="0"/>
@@ -14170,10 +10819,40 @@
           </a:p>
         </p:txBody>
       </p:sp>
+      <p:pic>
+        <p:nvPicPr>
+          <p:cNvPr id="4" name="Picture 3"/>
+          <p:cNvPicPr>
+            <a:picLocks noChangeAspect="1"/>
+          </p:cNvPicPr>
+          <p:nvPr/>
+        </p:nvPicPr>
+        <p:blipFill>
+          <a:blip r:embed="rId2">
+            <a:extLst>
+              <a:ext uri="{28A0092B-C50C-407E-A947-70E740481C1C}">
+                <a14:useLocalDpi xmlns:a14="http://schemas.microsoft.com/office/drawing/2010/main" val="0"/>
+              </a:ext>
+            </a:extLst>
+          </a:blip>
+          <a:stretch>
+            <a:fillRect/>
+          </a:stretch>
+        </p:blipFill>
+        <p:spPr>
+          <a:xfrm>
+            <a:off x="869910" y="4006195"/>
+            <a:ext cx="10815582" cy="2604569"/>
+          </a:xfrm>
+          <a:prstGeom prst="rect">
+            <a:avLst/>
+          </a:prstGeom>
+        </p:spPr>
+      </p:pic>
     </p:spTree>
     <p:extLst>
       <p:ext uri="{BB962C8B-B14F-4D97-AF65-F5344CB8AC3E}">
-        <p14:creationId xmlns:p14="http://schemas.microsoft.com/office/powerpoint/2010/main" val="2548539094"/>
+        <p14:creationId xmlns:p14="http://schemas.microsoft.com/office/powerpoint/2010/main" val="4292495701"/>
       </p:ext>
     </p:extLst>
   </p:cSld>
@@ -14209,111 +10888,59 @@
       </p:grpSpPr>
       <p:sp>
         <p:nvSpPr>
-          <p:cNvPr id="3" name="Content Placeholder 2"/>
+          <p:cNvPr id="2" name="Title 1"/>
           <p:cNvSpPr>
             <a:spLocks noGrp="1"/>
           </p:cNvSpPr>
           <p:nvPr>
-            <p:ph idx="1"/>
+            <p:ph type="title"/>
           </p:nvPr>
         </p:nvSpPr>
-        <p:spPr/>
+        <p:spPr>
+          <a:xfrm>
+            <a:off x="652513" y="2993474"/>
+            <a:ext cx="10515600" cy="1325563"/>
+          </a:xfrm>
+        </p:spPr>
         <p:txBody>
           <a:bodyPr/>
           <a:lstStyle/>
           <a:p>
-            <a:pPr marL="0" indent="0">
-              <a:buNone/>
-            </a:pPr>
-            <a:endParaRPr lang="en-US" dirty="0" smtClean="0"/>
-          </a:p>
-          <a:p>
-            <a:endParaRPr lang="en-US" dirty="0" smtClean="0"/>
-          </a:p>
-          <a:p>
-            <a:endParaRPr lang="en-US" dirty="0" smtClean="0"/>
-          </a:p>
-          <a:p>
-            <a:endParaRPr lang="et-EE" dirty="0"/>
+            <a:pPr algn="ctr"/>
+            <a:r>
+              <a:rPr lang="en-US" dirty="0" smtClean="0">
+                <a:solidFill>
+                  <a:srgbClr val="FF0000"/>
+                </a:solidFill>
+                <a:latin typeface="Arial" panose="020B0604020202020204" pitchFamily="34" charset="0"/>
+                <a:cs typeface="Arial" panose="020B0604020202020204" pitchFamily="34" charset="0"/>
+              </a:rPr>
+              <a:t>  </a:t>
+            </a:r>
+            <a:r>
+              <a:rPr lang="en-US" sz="6000" dirty="0" smtClean="0">
+                <a:solidFill>
+                  <a:srgbClr val="0070C0"/>
+                </a:solidFill>
+                <a:latin typeface="Arial" panose="020B0604020202020204" pitchFamily="34" charset="0"/>
+                <a:cs typeface="Arial" panose="020B0604020202020204" pitchFamily="34" charset="0"/>
+              </a:rPr>
+              <a:t>GREEDY ALGORITHM</a:t>
+            </a:r>
+            <a:endParaRPr lang="et-EE" sz="6000" dirty="0">
+              <a:solidFill>
+                <a:srgbClr val="0070C0"/>
+              </a:solidFill>
+              <a:latin typeface="Arial" panose="020B0604020202020204" pitchFamily="34" charset="0"/>
+              <a:cs typeface="Arial" panose="020B0604020202020204" pitchFamily="34" charset="0"/>
+            </a:endParaRPr>
           </a:p>
         </p:txBody>
       </p:sp>
-      <p:sp>
-        <p:nvSpPr>
-          <p:cNvPr id="2" name="TextBox 1"/>
-          <p:cNvSpPr txBox="1"/>
-          <p:nvPr/>
-        </p:nvSpPr>
-        <p:spPr>
-          <a:xfrm>
-            <a:off x="814417" y="0"/>
-            <a:ext cx="4694829" cy="769441"/>
-          </a:xfrm>
-          <a:prstGeom prst="rect">
-            <a:avLst/>
-          </a:prstGeom>
-          <a:noFill/>
-        </p:spPr>
-        <p:txBody>
-          <a:bodyPr wrap="square" rtlCol="0">
-            <a:spAutoFit/>
-          </a:bodyPr>
-          <a:lstStyle/>
-          <a:p>
-            <a:r>
-              <a:rPr lang="en-US" sz="4400" dirty="0" smtClean="0">
-                <a:solidFill>
-                  <a:srgbClr val="FF0000"/>
-                </a:solidFill>
-                <a:latin typeface="+mj-lt"/>
-                <a:cs typeface="Arial" panose="020B0604020202020204" pitchFamily="34" charset="0"/>
-              </a:rPr>
-              <a:t>Implementation</a:t>
-            </a:r>
-            <a:endParaRPr lang="et-EE" sz="4400" dirty="0">
-              <a:solidFill>
-                <a:srgbClr val="FF0000"/>
-              </a:solidFill>
-              <a:latin typeface="+mj-lt"/>
-              <a:cs typeface="Arial" panose="020B0604020202020204" pitchFamily="34" charset="0"/>
-            </a:endParaRPr>
-          </a:p>
-        </p:txBody>
-      </p:sp>
-      <p:pic>
-        <p:nvPicPr>
-          <p:cNvPr id="6" name="Picture 5"/>
-          <p:cNvPicPr>
-            <a:picLocks noChangeAspect="1"/>
-          </p:cNvPicPr>
-          <p:nvPr/>
-        </p:nvPicPr>
-        <p:blipFill>
-          <a:blip r:embed="rId2">
-            <a:extLst>
-              <a:ext uri="{28A0092B-C50C-407E-A947-70E740481C1C}">
-                <a14:useLocalDpi xmlns:a14="http://schemas.microsoft.com/office/drawing/2010/main" val="0"/>
-              </a:ext>
-            </a:extLst>
-          </a:blip>
-          <a:stretch>
-            <a:fillRect/>
-          </a:stretch>
-        </p:blipFill>
-        <p:spPr>
-          <a:xfrm>
-            <a:off x="814417" y="944251"/>
-            <a:ext cx="11349096" cy="5698595"/>
-          </a:xfrm>
-          <a:prstGeom prst="rect">
-            <a:avLst/>
-          </a:prstGeom>
-        </p:spPr>
-      </p:pic>
     </p:spTree>
     <p:extLst>
       <p:ext uri="{BB962C8B-B14F-4D97-AF65-F5344CB8AC3E}">
-        <p14:creationId xmlns:p14="http://schemas.microsoft.com/office/powerpoint/2010/main" val="2472516862"/>
+        <p14:creationId xmlns:p14="http://schemas.microsoft.com/office/powerpoint/2010/main" val="2548539094"/>
       </p:ext>
     </p:extLst>
   </p:cSld>
@@ -14349,37 +10976,72 @@
       </p:grpSpPr>
       <p:sp>
         <p:nvSpPr>
-          <p:cNvPr id="2" name="Title 1"/>
+          <p:cNvPr id="3" name="Content Placeholder 2"/>
           <p:cNvSpPr>
             <a:spLocks noGrp="1"/>
           </p:cNvSpPr>
           <p:nvPr>
-            <p:ph type="title"/>
+            <p:ph idx="1"/>
           </p:nvPr>
+        </p:nvSpPr>
+        <p:spPr/>
+        <p:txBody>
+          <a:bodyPr/>
+          <a:lstStyle/>
+          <a:p>
+            <a:pPr marL="0" indent="0">
+              <a:buNone/>
+            </a:pPr>
+            <a:endParaRPr lang="en-US" dirty="0" smtClean="0"/>
+          </a:p>
+          <a:p>
+            <a:endParaRPr lang="en-US" dirty="0" smtClean="0"/>
+          </a:p>
+          <a:p>
+            <a:endParaRPr lang="en-US" dirty="0" smtClean="0"/>
+          </a:p>
+          <a:p>
+            <a:endParaRPr lang="et-EE" dirty="0"/>
+          </a:p>
+        </p:txBody>
+      </p:sp>
+      <p:sp>
+        <p:nvSpPr>
+          <p:cNvPr id="2" name="TextBox 1"/>
+          <p:cNvSpPr txBox="1"/>
+          <p:nvPr/>
         </p:nvSpPr>
         <p:spPr>
           <a:xfrm>
-            <a:off x="797100" y="232088"/>
-            <a:ext cx="9875520" cy="1356360"/>
+            <a:off x="814417" y="0"/>
+            <a:ext cx="4694829" cy="769441"/>
           </a:xfrm>
+          <a:prstGeom prst="rect">
+            <a:avLst/>
+          </a:prstGeom>
+          <a:noFill/>
         </p:spPr>
         <p:txBody>
-          <a:bodyPr/>
+          <a:bodyPr wrap="square" rtlCol="0">
+            <a:spAutoFit/>
+          </a:bodyPr>
           <a:lstStyle/>
           <a:p>
             <a:r>
-              <a:rPr lang="en-US" dirty="0" smtClean="0">
-                <a:solidFill>
-                  <a:srgbClr val="FF0000"/>
-                </a:solidFill>
+              <a:rPr lang="en-US" sz="4400" dirty="0" smtClean="0">
+                <a:solidFill>
+                  <a:srgbClr val="0070C0"/>
+                </a:solidFill>
+                <a:latin typeface="+mj-lt"/>
                 <a:cs typeface="Arial" panose="020B0604020202020204" pitchFamily="34" charset="0"/>
               </a:rPr>
-              <a:t>The placement method</a:t>
-            </a:r>
-            <a:endParaRPr lang="et-EE" dirty="0">
+              <a:t>Implementation</a:t>
+            </a:r>
+            <a:endParaRPr lang="et-EE" sz="4400" dirty="0">
               <a:solidFill>
-                <a:srgbClr val="FF0000"/>
+                <a:srgbClr val="0070C0"/>
               </a:solidFill>
+              <a:latin typeface="+mj-lt"/>
               <a:cs typeface="Arial" panose="020B0604020202020204" pitchFamily="34" charset="0"/>
             </a:endParaRPr>
           </a:p>
@@ -14387,13 +11049,11 @@
       </p:sp>
       <p:pic>
         <p:nvPicPr>
-          <p:cNvPr id="4" name="Content Placeholder 3"/>
+          <p:cNvPr id="4" name="Picture 3"/>
           <p:cNvPicPr>
-            <a:picLocks noGrp="1" noChangeAspect="1"/>
+            <a:picLocks noChangeAspect="1"/>
           </p:cNvPicPr>
-          <p:nvPr>
-            <p:ph idx="1"/>
-          </p:nvPr>
+          <p:nvPr/>
         </p:nvPicPr>
         <p:blipFill>
           <a:blip r:embed="rId2">
@@ -14409,77 +11069,18 @@
         </p:blipFill>
         <p:spPr>
           <a:xfrm>
-            <a:off x="3341964" y="3110167"/>
-            <a:ext cx="6359446" cy="3384762"/>
-          </a:xfrm>
-        </p:spPr>
-      </p:pic>
-      <p:sp>
-        <p:nvSpPr>
-          <p:cNvPr id="6" name="TextBox 5"/>
-          <p:cNvSpPr txBox="1"/>
-          <p:nvPr/>
-        </p:nvSpPr>
-        <p:spPr>
-          <a:xfrm>
-            <a:off x="797100" y="1588448"/>
-            <a:ext cx="7920122" cy="1323439"/>
+            <a:off x="814417" y="1056068"/>
+            <a:ext cx="11137177" cy="5438643"/>
           </a:xfrm>
           <a:prstGeom prst="rect">
             <a:avLst/>
           </a:prstGeom>
-          <a:noFill/>
         </p:spPr>
-        <p:txBody>
-          <a:bodyPr wrap="square" rtlCol="0">
-            <a:spAutoFit/>
-          </a:bodyPr>
-          <a:lstStyle/>
-          <a:p>
-            <a:pPr marL="285750" indent="-285750">
-              <a:buFont typeface="Arial" panose="020B0604020202020204" pitchFamily="34" charset="0"/>
-              <a:buChar char="•"/>
-            </a:pPr>
-            <a:r>
-              <a:rPr lang="en-US" sz="2000" dirty="0" smtClean="0">
-                <a:latin typeface="Arial" panose="020B0604020202020204" pitchFamily="34" charset="0"/>
-                <a:cs typeface="Arial" panose="020B0604020202020204" pitchFamily="34" charset="0"/>
-              </a:rPr>
-              <a:t>Initial position </a:t>
-            </a:r>
-          </a:p>
-          <a:p>
-            <a:pPr marL="285750" indent="-285750">
-              <a:buFont typeface="Arial" panose="020B0604020202020204" pitchFamily="34" charset="0"/>
-              <a:buChar char="•"/>
-            </a:pPr>
-            <a:r>
-              <a:rPr lang="en-US" sz="2000" dirty="0" smtClean="0">
-                <a:latin typeface="Arial" panose="020B0604020202020204" pitchFamily="34" charset="0"/>
-                <a:cs typeface="Arial" panose="020B0604020202020204" pitchFamily="34" charset="0"/>
-              </a:rPr>
-              <a:t>Is there an overlap at the initial position?</a:t>
-            </a:r>
-          </a:p>
-          <a:p>
-            <a:pPr marL="285750" indent="-285750">
-              <a:buFont typeface="Arial" panose="020B0604020202020204" pitchFamily="34" charset="0"/>
-              <a:buChar char="•"/>
-            </a:pPr>
-            <a:r>
-              <a:rPr lang="en-US" sz="2000" dirty="0" smtClean="0">
-                <a:latin typeface="Arial" panose="020B0604020202020204" pitchFamily="34" charset="0"/>
-                <a:cs typeface="Arial" panose="020B0604020202020204" pitchFamily="34" charset="0"/>
-              </a:rPr>
-              <a:t>Move package as far to the back (y-axis), then as far to left (x-axis) and as far down (z-axis) as possible</a:t>
-            </a:r>
-          </a:p>
-        </p:txBody>
-      </p:sp>
+      </p:pic>
     </p:spTree>
     <p:extLst>
       <p:ext uri="{BB962C8B-B14F-4D97-AF65-F5344CB8AC3E}">
-        <p14:creationId xmlns:p14="http://schemas.microsoft.com/office/powerpoint/2010/main" val="3583046299"/>
+        <p14:creationId xmlns:p14="http://schemas.microsoft.com/office/powerpoint/2010/main" val="2472516862"/>
       </p:ext>
     </p:extLst>
   </p:cSld>
@@ -14525,7 +11126,7 @@
         </p:nvSpPr>
         <p:spPr>
           <a:xfrm>
-            <a:off x="804334" y="165488"/>
+            <a:off x="797100" y="232088"/>
             <a:ext cx="9875520" cy="1356360"/>
           </a:xfrm>
         </p:spPr>
@@ -14536,70 +11137,16 @@
             <a:r>
               <a:rPr lang="en-US" dirty="0" smtClean="0">
                 <a:solidFill>
-                  <a:srgbClr val="FF0000"/>
+                  <a:srgbClr val="0070C0"/>
                 </a:solidFill>
                 <a:cs typeface="Arial" panose="020B0604020202020204" pitchFamily="34" charset="0"/>
               </a:rPr>
-              <a:t>Experiments and results</a:t>
+              <a:t>The placement method</a:t>
             </a:r>
             <a:endParaRPr lang="et-EE" dirty="0">
               <a:solidFill>
-                <a:srgbClr val="FF0000"/>
+                <a:srgbClr val="0070C0"/>
               </a:solidFill>
-              <a:cs typeface="Arial" panose="020B0604020202020204" pitchFamily="34" charset="0"/>
-            </a:endParaRPr>
-          </a:p>
-        </p:txBody>
-      </p:sp>
-      <p:sp>
-        <p:nvSpPr>
-          <p:cNvPr id="3" name="Content Placeholder 2"/>
-          <p:cNvSpPr>
-            <a:spLocks noGrp="1"/>
-          </p:cNvSpPr>
-          <p:nvPr>
-            <p:ph idx="1"/>
-          </p:nvPr>
-        </p:nvSpPr>
-        <p:spPr>
-          <a:xfrm>
-            <a:off x="804334" y="2410419"/>
-            <a:ext cx="8596668" cy="3880773"/>
-          </a:xfrm>
-        </p:spPr>
-        <p:txBody>
-          <a:bodyPr>
-            <a:normAutofit/>
-          </a:bodyPr>
-          <a:lstStyle/>
-          <a:p>
-            <a:pPr>
-              <a:buClr>
-                <a:schemeClr val="tx1"/>
-              </a:buClr>
-              <a:buFont typeface="Arial" panose="020B0604020202020204" pitchFamily="34" charset="0"/>
-              <a:buChar char="•"/>
-            </a:pPr>
-            <a:endParaRPr lang="en-US" dirty="0" smtClean="0">
-              <a:solidFill>
-                <a:schemeClr val="tx1"/>
-              </a:solidFill>
-              <a:latin typeface="Arial" panose="020B0604020202020204" pitchFamily="34" charset="0"/>
-              <a:cs typeface="Arial" panose="020B0604020202020204" pitchFamily="34" charset="0"/>
-            </a:endParaRPr>
-          </a:p>
-          <a:p>
-            <a:pPr marL="457200" lvl="1" indent="0">
-              <a:buClr>
-                <a:schemeClr val="tx1"/>
-              </a:buClr>
-              <a:buNone/>
-            </a:pPr>
-            <a:endParaRPr lang="en-US" dirty="0" smtClean="0">
-              <a:solidFill>
-                <a:schemeClr val="tx1"/>
-              </a:solidFill>
-              <a:latin typeface="Arial" panose="020B0604020202020204" pitchFamily="34" charset="0"/>
               <a:cs typeface="Arial" panose="020B0604020202020204" pitchFamily="34" charset="0"/>
             </a:endParaRPr>
           </a:p>
@@ -14607,11 +11154,13 @@
       </p:sp>
       <p:pic>
         <p:nvPicPr>
-          <p:cNvPr id="4" name="Picture 3"/>
+          <p:cNvPr id="4" name="Content Placeholder 3"/>
           <p:cNvPicPr>
-            <a:picLocks noChangeAspect="1"/>
+            <a:picLocks noGrp="1" noChangeAspect="1"/>
           </p:cNvPicPr>
-          <p:nvPr/>
+          <p:nvPr>
+            <p:ph idx="1"/>
+          </p:nvPr>
         </p:nvPicPr>
         <p:blipFill>
           <a:blip r:embed="rId2">
@@ -14627,24 +11176,21 @@
         </p:blipFill>
         <p:spPr>
           <a:xfrm>
-            <a:off x="1123415" y="692115"/>
-            <a:ext cx="7545790" cy="5548375"/>
+            <a:off x="5832554" y="3315439"/>
+            <a:ext cx="6359446" cy="3384762"/>
           </a:xfrm>
-          <a:prstGeom prst="rect">
-            <a:avLst/>
-          </a:prstGeom>
         </p:spPr>
       </p:pic>
       <p:sp>
         <p:nvSpPr>
-          <p:cNvPr id="5" name="TextBox 4"/>
+          <p:cNvPr id="6" name="TextBox 5"/>
           <p:cNvSpPr txBox="1"/>
           <p:nvPr/>
         </p:nvSpPr>
         <p:spPr>
           <a:xfrm>
-            <a:off x="8669205" y="3143138"/>
-            <a:ext cx="2101755" cy="646331"/>
+            <a:off x="797100" y="1588448"/>
+            <a:ext cx="7920122" cy="2246769"/>
           </a:xfrm>
           <a:prstGeom prst="rect">
             <a:avLst/>
@@ -14657,69 +11203,50 @@
           </a:bodyPr>
           <a:lstStyle/>
           <a:p>
-            <a:r>
-              <a:rPr lang="en-US" dirty="0" smtClean="0">
+            <a:pPr marL="285750" indent="-285750">
+              <a:buFont typeface="Arial" panose="020B0604020202020204" pitchFamily="34" charset="0"/>
+              <a:buChar char="•"/>
+            </a:pPr>
+            <a:r>
+              <a:rPr lang="en-US" sz="2800" dirty="0" smtClean="0">
                 <a:latin typeface="Arial" panose="020B0604020202020204" pitchFamily="34" charset="0"/>
                 <a:cs typeface="Arial" panose="020B0604020202020204" pitchFamily="34" charset="0"/>
               </a:rPr>
-              <a:t>10 packages</a:t>
-            </a:r>
-          </a:p>
-          <a:p>
-            <a:r>
-              <a:rPr lang="en-US" dirty="0" smtClean="0">
+              <a:t>Initial position </a:t>
+            </a:r>
+          </a:p>
+          <a:p>
+            <a:pPr marL="285750" indent="-285750">
+              <a:buFont typeface="Arial" panose="020B0604020202020204" pitchFamily="34" charset="0"/>
+              <a:buChar char="•"/>
+            </a:pPr>
+            <a:r>
+              <a:rPr lang="en-US" sz="2800" dirty="0" smtClean="0">
                 <a:latin typeface="Arial" panose="020B0604020202020204" pitchFamily="34" charset="0"/>
                 <a:cs typeface="Arial" panose="020B0604020202020204" pitchFamily="34" charset="0"/>
               </a:rPr>
-              <a:t>100000 runs</a:t>
-            </a:r>
-            <a:endParaRPr lang="et-EE" dirty="0">
-              <a:latin typeface="Arial" panose="020B0604020202020204" pitchFamily="34" charset="0"/>
-              <a:cs typeface="Arial" panose="020B0604020202020204" pitchFamily="34" charset="0"/>
-            </a:endParaRPr>
-          </a:p>
-        </p:txBody>
-      </p:sp>
-      <p:sp>
-        <p:nvSpPr>
-          <p:cNvPr id="6" name="TextBox 5"/>
-          <p:cNvSpPr txBox="1"/>
-          <p:nvPr/>
-        </p:nvSpPr>
-        <p:spPr>
-          <a:xfrm>
-            <a:off x="3744716" y="1393311"/>
-            <a:ext cx="2715904" cy="307777"/>
-          </a:xfrm>
-          <a:prstGeom prst="rect">
-            <a:avLst/>
-          </a:prstGeom>
-          <a:noFill/>
-        </p:spPr>
-        <p:txBody>
-          <a:bodyPr wrap="square" rtlCol="0">
-            <a:spAutoFit/>
-          </a:bodyPr>
-          <a:lstStyle/>
-          <a:p>
-            <a:r>
-              <a:rPr lang="en-US" sz="1400" b="1" dirty="0" smtClean="0">
+              <a:t>Is there an overlap at the initial position?</a:t>
+            </a:r>
+          </a:p>
+          <a:p>
+            <a:pPr marL="285750" indent="-285750">
+              <a:buFont typeface="Arial" panose="020B0604020202020204" pitchFamily="34" charset="0"/>
+              <a:buChar char="•"/>
+            </a:pPr>
+            <a:r>
+              <a:rPr lang="en-US" sz="2800" dirty="0" smtClean="0">
                 <a:latin typeface="Arial" panose="020B0604020202020204" pitchFamily="34" charset="0"/>
                 <a:cs typeface="Arial" panose="020B0604020202020204" pitchFamily="34" charset="0"/>
               </a:rPr>
-              <a:t>Finding the best total value</a:t>
-            </a:r>
-            <a:endParaRPr lang="et-EE" sz="1400" b="1" dirty="0">
-              <a:latin typeface="Arial" panose="020B0604020202020204" pitchFamily="34" charset="0"/>
-              <a:cs typeface="Arial" panose="020B0604020202020204" pitchFamily="34" charset="0"/>
-            </a:endParaRPr>
+              <a:t>Move package as far to the back (y-axis), then as far to left (x-axis) and as far down (z-axis) as possible</a:t>
+            </a:r>
           </a:p>
         </p:txBody>
       </p:sp>
     </p:spTree>
     <p:extLst>
       <p:ext uri="{BB962C8B-B14F-4D97-AF65-F5344CB8AC3E}">
-        <p14:creationId xmlns:p14="http://schemas.microsoft.com/office/powerpoint/2010/main" val="2763357709"/>
+        <p14:creationId xmlns:p14="http://schemas.microsoft.com/office/powerpoint/2010/main" val="3583046299"/>
       </p:ext>
     </p:extLst>
   </p:cSld>

--- a/Report, presentation and related stuff/Knapsack_problem.pptx
+++ b/Report, presentation and related stuff/Knapsack_problem.pptx
@@ -7,29 +7,31 @@
   <p:sldIdLst>
     <p:sldId id="256" r:id="rId2"/>
     <p:sldId id="257" r:id="rId3"/>
-    <p:sldId id="277" r:id="rId4"/>
-    <p:sldId id="287" r:id="rId5"/>
-    <p:sldId id="269" r:id="rId6"/>
-    <p:sldId id="270" r:id="rId7"/>
-    <p:sldId id="260" r:id="rId8"/>
-    <p:sldId id="258" r:id="rId9"/>
-    <p:sldId id="259" r:id="rId10"/>
-    <p:sldId id="261" r:id="rId11"/>
-    <p:sldId id="263" r:id="rId12"/>
-    <p:sldId id="265" r:id="rId13"/>
-    <p:sldId id="271" r:id="rId14"/>
-    <p:sldId id="281" r:id="rId15"/>
-    <p:sldId id="275" r:id="rId16"/>
-    <p:sldId id="276" r:id="rId17"/>
-    <p:sldId id="274" r:id="rId18"/>
-    <p:sldId id="262" r:id="rId19"/>
-    <p:sldId id="279" r:id="rId20"/>
-    <p:sldId id="280" r:id="rId21"/>
-    <p:sldId id="282" r:id="rId22"/>
-    <p:sldId id="285" r:id="rId23"/>
-    <p:sldId id="286" r:id="rId24"/>
-    <p:sldId id="288" r:id="rId25"/>
-    <p:sldId id="267" r:id="rId26"/>
+    <p:sldId id="289" r:id="rId4"/>
+    <p:sldId id="277" r:id="rId5"/>
+    <p:sldId id="287" r:id="rId6"/>
+    <p:sldId id="269" r:id="rId7"/>
+    <p:sldId id="270" r:id="rId8"/>
+    <p:sldId id="260" r:id="rId9"/>
+    <p:sldId id="258" r:id="rId10"/>
+    <p:sldId id="259" r:id="rId11"/>
+    <p:sldId id="261" r:id="rId12"/>
+    <p:sldId id="263" r:id="rId13"/>
+    <p:sldId id="265" r:id="rId14"/>
+    <p:sldId id="271" r:id="rId15"/>
+    <p:sldId id="281" r:id="rId16"/>
+    <p:sldId id="275" r:id="rId17"/>
+    <p:sldId id="276" r:id="rId18"/>
+    <p:sldId id="274" r:id="rId19"/>
+    <p:sldId id="262" r:id="rId20"/>
+    <p:sldId id="279" r:id="rId21"/>
+    <p:sldId id="280" r:id="rId22"/>
+    <p:sldId id="282" r:id="rId23"/>
+    <p:sldId id="285" r:id="rId24"/>
+    <p:sldId id="286" r:id="rId25"/>
+    <p:sldId id="288" r:id="rId26"/>
+    <p:sldId id="290" r:id="rId27"/>
+    <p:sldId id="267" r:id="rId28"/>
   </p:sldIdLst>
   <p:sldSz cx="12192000" cy="6858000"/>
   <p:notesSz cx="6858000" cy="9144000"/>
@@ -164,6 +166,1213 @@
                     <a:lumOff val="35000"/>
                   </a:schemeClr>
                 </a:solidFill>
+                <a:latin typeface="+mn-lt"/>
+                <a:ea typeface="+mn-ea"/>
+                <a:cs typeface="+mn-cs"/>
+              </a:defRPr>
+            </a:pPr>
+            <a:r>
+              <a:rPr lang="en-US" sz="2400" baseline="0" dirty="0" smtClean="0">
+                <a:solidFill>
+                  <a:schemeClr val="tx1"/>
+                </a:solidFill>
+              </a:rPr>
+              <a:t>Rotation</a:t>
+            </a:r>
+            <a:r>
+              <a:rPr lang="en-US" sz="2400" baseline="0" dirty="0">
+                <a:solidFill>
+                  <a:schemeClr val="tx1"/>
+                </a:solidFill>
+              </a:rPr>
+              <a:t>: disabled</a:t>
+            </a:r>
+            <a:endParaRPr lang="en-US" sz="2400" dirty="0">
+              <a:solidFill>
+                <a:schemeClr val="tx1"/>
+              </a:solidFill>
+            </a:endParaRPr>
+          </a:p>
+        </c:rich>
+      </c:tx>
+      <c:layout>
+        <c:manualLayout>
+          <c:xMode val="edge"/>
+          <c:yMode val="edge"/>
+          <c:x val="0.26310088652363278"/>
+          <c:y val="1.3094308924647923E-2"/>
+        </c:manualLayout>
+      </c:layout>
+      <c:overlay val="0"/>
+      <c:spPr>
+        <a:noFill/>
+        <a:ln>
+          <a:noFill/>
+        </a:ln>
+        <a:effectLst/>
+      </c:spPr>
+      <c:txPr>
+        <a:bodyPr rot="0" spcFirstLastPara="1" vertOverflow="ellipsis" vert="horz" wrap="square" anchor="ctr" anchorCtr="1"/>
+        <a:lstStyle/>
+        <a:p>
+          <a:pPr>
+            <a:defRPr sz="1400" b="0" i="0" u="none" strike="noStrike" kern="1200" spc="0" baseline="0">
+              <a:solidFill>
+                <a:schemeClr val="tx1">
+                  <a:lumMod val="65000"/>
+                  <a:lumOff val="35000"/>
+                </a:schemeClr>
+              </a:solidFill>
+              <a:latin typeface="+mn-lt"/>
+              <a:ea typeface="+mn-ea"/>
+              <a:cs typeface="+mn-cs"/>
+            </a:defRPr>
+          </a:pPr>
+          <a:endParaRPr lang="et-EE"/>
+        </a:p>
+      </c:txPr>
+    </c:title>
+    <c:autoTitleDeleted val="0"/>
+    <c:plotArea>
+      <c:layout/>
+      <c:scatterChart>
+        <c:scatterStyle val="lineMarker"/>
+        <c:varyColors val="0"/>
+        <c:ser>
+          <c:idx val="0"/>
+          <c:order val="0"/>
+          <c:tx>
+            <c:v>Mutation: 1 (value)</c:v>
+          </c:tx>
+          <c:spPr>
+            <a:ln w="19050" cap="rnd">
+              <a:solidFill>
+                <a:schemeClr val="accent1"/>
+              </a:solidFill>
+              <a:round/>
+            </a:ln>
+            <a:effectLst/>
+          </c:spPr>
+          <c:marker>
+            <c:symbol val="circle"/>
+            <c:size val="5"/>
+            <c:spPr>
+              <a:solidFill>
+                <a:schemeClr val="accent1"/>
+              </a:solidFill>
+              <a:ln w="9525">
+                <a:solidFill>
+                  <a:schemeClr val="accent1"/>
+                </a:solidFill>
+              </a:ln>
+              <a:effectLst/>
+            </c:spPr>
+          </c:marker>
+          <c:xVal>
+            <c:numRef>
+              <c:f>Sheet1!$A$6:$A$11</c:f>
+              <c:numCache>
+                <c:formatCode>General</c:formatCode>
+                <c:ptCount val="6"/>
+                <c:pt idx="0">
+                  <c:v>10</c:v>
+                </c:pt>
+                <c:pt idx="1">
+                  <c:v>50</c:v>
+                </c:pt>
+                <c:pt idx="2">
+                  <c:v>100</c:v>
+                </c:pt>
+                <c:pt idx="3">
+                  <c:v>200</c:v>
+                </c:pt>
+                <c:pt idx="4">
+                  <c:v>250</c:v>
+                </c:pt>
+                <c:pt idx="5">
+                  <c:v>500</c:v>
+                </c:pt>
+              </c:numCache>
+            </c:numRef>
+          </c:xVal>
+          <c:yVal>
+            <c:numRef>
+              <c:f>Sheet1!$C$6:$C$11</c:f>
+              <c:numCache>
+                <c:formatCode>General</c:formatCode>
+                <c:ptCount val="6"/>
+                <c:pt idx="0">
+                  <c:v>216.52</c:v>
+                </c:pt>
+                <c:pt idx="1">
+                  <c:v>219</c:v>
+                </c:pt>
+                <c:pt idx="2">
+                  <c:v>220.56</c:v>
+                </c:pt>
+                <c:pt idx="3">
+                  <c:v>221.75</c:v>
+                </c:pt>
+                <c:pt idx="4">
+                  <c:v>221.84</c:v>
+                </c:pt>
+                <c:pt idx="5">
+                  <c:v>223.04</c:v>
+                </c:pt>
+              </c:numCache>
+            </c:numRef>
+          </c:yVal>
+          <c:smooth val="0"/>
+        </c:ser>
+        <c:ser>
+          <c:idx val="1"/>
+          <c:order val="1"/>
+          <c:tx>
+            <c:v>Mutation: 5 (value)</c:v>
+          </c:tx>
+          <c:spPr>
+            <a:ln w="19050" cap="rnd">
+              <a:solidFill>
+                <a:schemeClr val="accent2"/>
+              </a:solidFill>
+              <a:round/>
+            </a:ln>
+            <a:effectLst/>
+          </c:spPr>
+          <c:marker>
+            <c:symbol val="circle"/>
+            <c:size val="5"/>
+            <c:spPr>
+              <a:solidFill>
+                <a:schemeClr val="accent2"/>
+              </a:solidFill>
+              <a:ln w="9525">
+                <a:solidFill>
+                  <a:schemeClr val="accent2"/>
+                </a:solidFill>
+              </a:ln>
+              <a:effectLst/>
+            </c:spPr>
+          </c:marker>
+          <c:xVal>
+            <c:numRef>
+              <c:f>Sheet1!$A$16:$A$21</c:f>
+              <c:numCache>
+                <c:formatCode>General</c:formatCode>
+                <c:ptCount val="6"/>
+                <c:pt idx="0">
+                  <c:v>10</c:v>
+                </c:pt>
+                <c:pt idx="1">
+                  <c:v>50</c:v>
+                </c:pt>
+                <c:pt idx="2">
+                  <c:v>100</c:v>
+                </c:pt>
+                <c:pt idx="3">
+                  <c:v>200</c:v>
+                </c:pt>
+                <c:pt idx="4">
+                  <c:v>250</c:v>
+                </c:pt>
+                <c:pt idx="5">
+                  <c:v>500</c:v>
+                </c:pt>
+              </c:numCache>
+            </c:numRef>
+          </c:xVal>
+          <c:yVal>
+            <c:numRef>
+              <c:f>Sheet1!$C$16:$C$21</c:f>
+              <c:numCache>
+                <c:formatCode>General</c:formatCode>
+                <c:ptCount val="6"/>
+                <c:pt idx="0">
+                  <c:v>218.83</c:v>
+                </c:pt>
+                <c:pt idx="1">
+                  <c:v>222.51</c:v>
+                </c:pt>
+                <c:pt idx="2">
+                  <c:v>224.16</c:v>
+                </c:pt>
+                <c:pt idx="3">
+                  <c:v>224.72</c:v>
+                </c:pt>
+                <c:pt idx="4">
+                  <c:v>224.83</c:v>
+                </c:pt>
+                <c:pt idx="5">
+                  <c:v>225.92</c:v>
+                </c:pt>
+              </c:numCache>
+            </c:numRef>
+          </c:yVal>
+          <c:smooth val="0"/>
+        </c:ser>
+        <c:ser>
+          <c:idx val="2"/>
+          <c:order val="2"/>
+          <c:tx>
+            <c:v>Mutation: 10 (value)</c:v>
+          </c:tx>
+          <c:spPr>
+            <a:ln w="19050" cap="rnd">
+              <a:solidFill>
+                <a:schemeClr val="accent3"/>
+              </a:solidFill>
+              <a:round/>
+            </a:ln>
+            <a:effectLst/>
+          </c:spPr>
+          <c:marker>
+            <c:symbol val="circle"/>
+            <c:size val="5"/>
+            <c:spPr>
+              <a:solidFill>
+                <a:schemeClr val="accent3"/>
+              </a:solidFill>
+              <a:ln w="9525">
+                <a:solidFill>
+                  <a:schemeClr val="accent3"/>
+                </a:solidFill>
+              </a:ln>
+              <a:effectLst/>
+            </c:spPr>
+          </c:marker>
+          <c:xVal>
+            <c:numRef>
+              <c:f>Sheet1!$A$26:$A$31</c:f>
+              <c:numCache>
+                <c:formatCode>General</c:formatCode>
+                <c:ptCount val="6"/>
+                <c:pt idx="0">
+                  <c:v>10</c:v>
+                </c:pt>
+                <c:pt idx="1">
+                  <c:v>50</c:v>
+                </c:pt>
+                <c:pt idx="2">
+                  <c:v>100</c:v>
+                </c:pt>
+                <c:pt idx="3">
+                  <c:v>200</c:v>
+                </c:pt>
+                <c:pt idx="4">
+                  <c:v>250</c:v>
+                </c:pt>
+                <c:pt idx="5">
+                  <c:v>500</c:v>
+                </c:pt>
+              </c:numCache>
+            </c:numRef>
+          </c:xVal>
+          <c:yVal>
+            <c:numRef>
+              <c:f>Sheet1!$C$26:$C$31</c:f>
+              <c:numCache>
+                <c:formatCode>General</c:formatCode>
+                <c:ptCount val="6"/>
+                <c:pt idx="0">
+                  <c:v>221.09</c:v>
+                </c:pt>
+                <c:pt idx="1">
+                  <c:v>225.76</c:v>
+                </c:pt>
+                <c:pt idx="2">
+                  <c:v>226.94</c:v>
+                </c:pt>
+                <c:pt idx="3">
+                  <c:v>227.55</c:v>
+                </c:pt>
+                <c:pt idx="4">
+                  <c:v>228.31</c:v>
+                </c:pt>
+                <c:pt idx="5">
+                  <c:v>228.41</c:v>
+                </c:pt>
+              </c:numCache>
+            </c:numRef>
+          </c:yVal>
+          <c:smooth val="0"/>
+        </c:ser>
+        <c:ser>
+          <c:idx val="3"/>
+          <c:order val="3"/>
+          <c:tx>
+            <c:v>Mutation: 20 (value)</c:v>
+          </c:tx>
+          <c:spPr>
+            <a:ln w="19050" cap="rnd">
+              <a:solidFill>
+                <a:schemeClr val="accent4"/>
+              </a:solidFill>
+              <a:round/>
+            </a:ln>
+            <a:effectLst/>
+          </c:spPr>
+          <c:marker>
+            <c:symbol val="circle"/>
+            <c:size val="5"/>
+            <c:spPr>
+              <a:solidFill>
+                <a:schemeClr val="accent4"/>
+              </a:solidFill>
+              <a:ln w="9525">
+                <a:solidFill>
+                  <a:schemeClr val="accent4"/>
+                </a:solidFill>
+              </a:ln>
+              <a:effectLst/>
+            </c:spPr>
+          </c:marker>
+          <c:xVal>
+            <c:numRef>
+              <c:f>Sheet1!$A$36:$A$41</c:f>
+              <c:numCache>
+                <c:formatCode>General</c:formatCode>
+                <c:ptCount val="6"/>
+                <c:pt idx="0">
+                  <c:v>10</c:v>
+                </c:pt>
+                <c:pt idx="1">
+                  <c:v>50</c:v>
+                </c:pt>
+                <c:pt idx="2">
+                  <c:v>100</c:v>
+                </c:pt>
+                <c:pt idx="3">
+                  <c:v>200</c:v>
+                </c:pt>
+                <c:pt idx="4">
+                  <c:v>250</c:v>
+                </c:pt>
+                <c:pt idx="5">
+                  <c:v>500</c:v>
+                </c:pt>
+              </c:numCache>
+            </c:numRef>
+          </c:xVal>
+          <c:yVal>
+            <c:numRef>
+              <c:f>Sheet1!$C$36:$C$41</c:f>
+              <c:numCache>
+                <c:formatCode>General</c:formatCode>
+                <c:ptCount val="6"/>
+                <c:pt idx="0">
+                  <c:v>222.59</c:v>
+                </c:pt>
+                <c:pt idx="1">
+                  <c:v>226.79</c:v>
+                </c:pt>
+                <c:pt idx="2">
+                  <c:v>228.58</c:v>
+                </c:pt>
+                <c:pt idx="3">
+                  <c:v>229.33</c:v>
+                </c:pt>
+                <c:pt idx="4">
+                  <c:v>230.3</c:v>
+                </c:pt>
+                <c:pt idx="5">
+                  <c:v>231.05</c:v>
+                </c:pt>
+              </c:numCache>
+            </c:numRef>
+          </c:yVal>
+          <c:smooth val="0"/>
+        </c:ser>
+        <c:dLbls>
+          <c:showLegendKey val="0"/>
+          <c:showVal val="0"/>
+          <c:showCatName val="0"/>
+          <c:showSerName val="0"/>
+          <c:showPercent val="0"/>
+          <c:showBubbleSize val="0"/>
+        </c:dLbls>
+        <c:axId val="308074192"/>
+        <c:axId val="308074584"/>
+      </c:scatterChart>
+      <c:scatterChart>
+        <c:scatterStyle val="lineMarker"/>
+        <c:varyColors val="0"/>
+        <c:ser>
+          <c:idx val="4"/>
+          <c:order val="4"/>
+          <c:tx>
+            <c:v>Mutation: 1 (runtime)</c:v>
+          </c:tx>
+          <c:spPr>
+            <a:ln w="19050" cap="rnd">
+              <a:solidFill>
+                <a:schemeClr val="accent5"/>
+              </a:solidFill>
+              <a:round/>
+            </a:ln>
+            <a:effectLst/>
+          </c:spPr>
+          <c:marker>
+            <c:symbol val="circle"/>
+            <c:size val="5"/>
+            <c:spPr>
+              <a:solidFill>
+                <a:schemeClr val="accent5"/>
+              </a:solidFill>
+              <a:ln w="9525">
+                <a:solidFill>
+                  <a:schemeClr val="accent5"/>
+                </a:solidFill>
+              </a:ln>
+              <a:effectLst/>
+            </c:spPr>
+          </c:marker>
+          <c:xVal>
+            <c:numRef>
+              <c:f>Sheet1!$A$6:$A$11</c:f>
+              <c:numCache>
+                <c:formatCode>General</c:formatCode>
+                <c:ptCount val="6"/>
+                <c:pt idx="0">
+                  <c:v>10</c:v>
+                </c:pt>
+                <c:pt idx="1">
+                  <c:v>50</c:v>
+                </c:pt>
+                <c:pt idx="2">
+                  <c:v>100</c:v>
+                </c:pt>
+                <c:pt idx="3">
+                  <c:v>200</c:v>
+                </c:pt>
+                <c:pt idx="4">
+                  <c:v>250</c:v>
+                </c:pt>
+                <c:pt idx="5">
+                  <c:v>500</c:v>
+                </c:pt>
+              </c:numCache>
+            </c:numRef>
+          </c:xVal>
+          <c:yVal>
+            <c:numRef>
+              <c:f>Sheet1!$F$6:$F$11</c:f>
+              <c:numCache>
+                <c:formatCode>General</c:formatCode>
+                <c:ptCount val="6"/>
+                <c:pt idx="0">
+                  <c:v>2</c:v>
+                </c:pt>
+                <c:pt idx="1">
+                  <c:v>9.7200000000000006</c:v>
+                </c:pt>
+                <c:pt idx="2">
+                  <c:v>25.04</c:v>
+                </c:pt>
+                <c:pt idx="3">
+                  <c:v>55.01</c:v>
+                </c:pt>
+                <c:pt idx="4">
+                  <c:v>84.81</c:v>
+                </c:pt>
+                <c:pt idx="5">
+                  <c:v>130.81</c:v>
+                </c:pt>
+              </c:numCache>
+            </c:numRef>
+          </c:yVal>
+          <c:smooth val="0"/>
+        </c:ser>
+        <c:ser>
+          <c:idx val="5"/>
+          <c:order val="5"/>
+          <c:tx>
+            <c:v>Mutation: 5 (runtime)</c:v>
+          </c:tx>
+          <c:spPr>
+            <a:ln w="19050" cap="rnd">
+              <a:solidFill>
+                <a:schemeClr val="accent6"/>
+              </a:solidFill>
+              <a:round/>
+            </a:ln>
+            <a:effectLst/>
+          </c:spPr>
+          <c:marker>
+            <c:symbol val="circle"/>
+            <c:size val="5"/>
+            <c:spPr>
+              <a:solidFill>
+                <a:schemeClr val="accent6"/>
+              </a:solidFill>
+              <a:ln w="9525">
+                <a:solidFill>
+                  <a:schemeClr val="accent6"/>
+                </a:solidFill>
+              </a:ln>
+              <a:effectLst/>
+            </c:spPr>
+          </c:marker>
+          <c:xVal>
+            <c:numRef>
+              <c:f>Sheet1!$A$16:$A$21</c:f>
+              <c:numCache>
+                <c:formatCode>General</c:formatCode>
+                <c:ptCount val="6"/>
+                <c:pt idx="0">
+                  <c:v>10</c:v>
+                </c:pt>
+                <c:pt idx="1">
+                  <c:v>50</c:v>
+                </c:pt>
+                <c:pt idx="2">
+                  <c:v>100</c:v>
+                </c:pt>
+                <c:pt idx="3">
+                  <c:v>200</c:v>
+                </c:pt>
+                <c:pt idx="4">
+                  <c:v>250</c:v>
+                </c:pt>
+                <c:pt idx="5">
+                  <c:v>500</c:v>
+                </c:pt>
+              </c:numCache>
+            </c:numRef>
+          </c:xVal>
+          <c:yVal>
+            <c:numRef>
+              <c:f>Sheet1!$F$16:$F$21</c:f>
+              <c:numCache>
+                <c:formatCode>General</c:formatCode>
+                <c:ptCount val="6"/>
+                <c:pt idx="0">
+                  <c:v>5.07</c:v>
+                </c:pt>
+                <c:pt idx="1">
+                  <c:v>30.31</c:v>
+                </c:pt>
+                <c:pt idx="2">
+                  <c:v>95.69</c:v>
+                </c:pt>
+                <c:pt idx="3">
+                  <c:v>172.01</c:v>
+                </c:pt>
+                <c:pt idx="4">
+                  <c:v>135.94</c:v>
+                </c:pt>
+                <c:pt idx="5">
+                  <c:v>286.88</c:v>
+                </c:pt>
+              </c:numCache>
+            </c:numRef>
+          </c:yVal>
+          <c:smooth val="0"/>
+        </c:ser>
+        <c:ser>
+          <c:idx val="6"/>
+          <c:order val="6"/>
+          <c:tx>
+            <c:v>Mutation: 10 (runtime)</c:v>
+          </c:tx>
+          <c:spPr>
+            <a:ln w="19050" cap="rnd">
+              <a:solidFill>
+                <a:schemeClr val="accent1">
+                  <a:lumMod val="60000"/>
+                </a:schemeClr>
+              </a:solidFill>
+              <a:round/>
+            </a:ln>
+            <a:effectLst/>
+          </c:spPr>
+          <c:marker>
+            <c:symbol val="circle"/>
+            <c:size val="5"/>
+            <c:spPr>
+              <a:solidFill>
+                <a:schemeClr val="accent1">
+                  <a:lumMod val="60000"/>
+                </a:schemeClr>
+              </a:solidFill>
+              <a:ln w="9525">
+                <a:solidFill>
+                  <a:schemeClr val="accent1">
+                    <a:lumMod val="60000"/>
+                  </a:schemeClr>
+                </a:solidFill>
+              </a:ln>
+              <a:effectLst/>
+            </c:spPr>
+          </c:marker>
+          <c:xVal>
+            <c:numRef>
+              <c:f>Sheet1!$A$26:$A$31</c:f>
+              <c:numCache>
+                <c:formatCode>General</c:formatCode>
+                <c:ptCount val="6"/>
+                <c:pt idx="0">
+                  <c:v>10</c:v>
+                </c:pt>
+                <c:pt idx="1">
+                  <c:v>50</c:v>
+                </c:pt>
+                <c:pt idx="2">
+                  <c:v>100</c:v>
+                </c:pt>
+                <c:pt idx="3">
+                  <c:v>200</c:v>
+                </c:pt>
+                <c:pt idx="4">
+                  <c:v>250</c:v>
+                </c:pt>
+                <c:pt idx="5">
+                  <c:v>500</c:v>
+                </c:pt>
+              </c:numCache>
+            </c:numRef>
+          </c:xVal>
+          <c:yVal>
+            <c:numRef>
+              <c:f>Sheet1!$F$26:$F$31</c:f>
+              <c:numCache>
+                <c:formatCode>General</c:formatCode>
+                <c:ptCount val="6"/>
+                <c:pt idx="0">
+                  <c:v>9.35</c:v>
+                </c:pt>
+                <c:pt idx="1">
+                  <c:v>44.36</c:v>
+                </c:pt>
+                <c:pt idx="2">
+                  <c:v>100.89</c:v>
+                </c:pt>
+                <c:pt idx="3">
+                  <c:v>329.88</c:v>
+                </c:pt>
+                <c:pt idx="4">
+                  <c:v>233.5</c:v>
+                </c:pt>
+                <c:pt idx="5">
+                  <c:v>770.31</c:v>
+                </c:pt>
+              </c:numCache>
+            </c:numRef>
+          </c:yVal>
+          <c:smooth val="0"/>
+        </c:ser>
+        <c:ser>
+          <c:idx val="7"/>
+          <c:order val="7"/>
+          <c:tx>
+            <c:v>Mutation: 20 (runtime)</c:v>
+          </c:tx>
+          <c:spPr>
+            <a:ln w="19050" cap="rnd">
+              <a:solidFill>
+                <a:schemeClr val="accent2">
+                  <a:lumMod val="60000"/>
+                </a:schemeClr>
+              </a:solidFill>
+              <a:round/>
+            </a:ln>
+            <a:effectLst/>
+          </c:spPr>
+          <c:marker>
+            <c:symbol val="circle"/>
+            <c:size val="5"/>
+            <c:spPr>
+              <a:solidFill>
+                <a:schemeClr val="accent2">
+                  <a:lumMod val="60000"/>
+                </a:schemeClr>
+              </a:solidFill>
+              <a:ln w="9525">
+                <a:solidFill>
+                  <a:schemeClr val="accent2">
+                    <a:lumMod val="60000"/>
+                  </a:schemeClr>
+                </a:solidFill>
+              </a:ln>
+              <a:effectLst/>
+            </c:spPr>
+          </c:marker>
+          <c:xVal>
+            <c:numRef>
+              <c:f>Sheet1!$A$36:$A$41</c:f>
+              <c:numCache>
+                <c:formatCode>General</c:formatCode>
+                <c:ptCount val="6"/>
+                <c:pt idx="0">
+                  <c:v>10</c:v>
+                </c:pt>
+                <c:pt idx="1">
+                  <c:v>50</c:v>
+                </c:pt>
+                <c:pt idx="2">
+                  <c:v>100</c:v>
+                </c:pt>
+                <c:pt idx="3">
+                  <c:v>200</c:v>
+                </c:pt>
+                <c:pt idx="4">
+                  <c:v>250</c:v>
+                </c:pt>
+                <c:pt idx="5">
+                  <c:v>500</c:v>
+                </c:pt>
+              </c:numCache>
+            </c:numRef>
+          </c:xVal>
+          <c:yVal>
+            <c:numRef>
+              <c:f>Sheet1!$F$36:$F$41</c:f>
+              <c:numCache>
+                <c:formatCode>General</c:formatCode>
+                <c:ptCount val="6"/>
+                <c:pt idx="0">
+                  <c:v>24.38</c:v>
+                </c:pt>
+                <c:pt idx="1">
+                  <c:v>135.30000000000001</c:v>
+                </c:pt>
+                <c:pt idx="2">
+                  <c:v>160.81</c:v>
+                </c:pt>
+                <c:pt idx="3">
+                  <c:v>576.65</c:v>
+                </c:pt>
+                <c:pt idx="4">
+                  <c:v>368.85</c:v>
+                </c:pt>
+                <c:pt idx="5">
+                  <c:v>769.96</c:v>
+                </c:pt>
+              </c:numCache>
+            </c:numRef>
+          </c:yVal>
+          <c:smooth val="0"/>
+        </c:ser>
+        <c:dLbls>
+          <c:showLegendKey val="0"/>
+          <c:showVal val="0"/>
+          <c:showCatName val="0"/>
+          <c:showSerName val="0"/>
+          <c:showPercent val="0"/>
+          <c:showBubbleSize val="0"/>
+        </c:dLbls>
+        <c:axId val="308072624"/>
+        <c:axId val="308075760"/>
+      </c:scatterChart>
+      <c:valAx>
+        <c:axId val="308074192"/>
+        <c:scaling>
+          <c:orientation val="minMax"/>
+        </c:scaling>
+        <c:delete val="0"/>
+        <c:axPos val="b"/>
+        <c:title>
+          <c:tx>
+            <c:rich>
+              <a:bodyPr rot="0" spcFirstLastPara="1" vertOverflow="ellipsis" vert="horz" wrap="square" anchor="ctr" anchorCtr="1"/>
+              <a:lstStyle/>
+              <a:p>
+                <a:pPr>
+                  <a:defRPr sz="1000" b="0" i="0" u="none" strike="noStrike" kern="1200" baseline="0">
+                    <a:solidFill>
+                      <a:schemeClr val="tx1">
+                        <a:lumMod val="65000"/>
+                        <a:lumOff val="35000"/>
+                      </a:schemeClr>
+                    </a:solidFill>
+                    <a:latin typeface="+mn-lt"/>
+                    <a:ea typeface="+mn-ea"/>
+                    <a:cs typeface="+mn-cs"/>
+                  </a:defRPr>
+                </a:pPr>
+                <a:r>
+                  <a:rPr lang="en-US" sz="2400" dirty="0" err="1">
+                    <a:solidFill>
+                      <a:schemeClr val="tx1"/>
+                    </a:solidFill>
+                  </a:rPr>
+                  <a:t>Neighbourhood</a:t>
+                </a:r>
+                <a:r>
+                  <a:rPr lang="en-US" sz="2400" baseline="0" dirty="0">
+                    <a:solidFill>
+                      <a:schemeClr val="tx1"/>
+                    </a:solidFill>
+                  </a:rPr>
+                  <a:t> size</a:t>
+                </a:r>
+                <a:endParaRPr lang="en-US" sz="2400" dirty="0">
+                  <a:solidFill>
+                    <a:schemeClr val="tx1"/>
+                  </a:solidFill>
+                </a:endParaRPr>
+              </a:p>
+            </c:rich>
+          </c:tx>
+          <c:layout/>
+          <c:overlay val="0"/>
+          <c:spPr>
+            <a:noFill/>
+            <a:ln>
+              <a:noFill/>
+            </a:ln>
+            <a:effectLst/>
+          </c:spPr>
+          <c:txPr>
+            <a:bodyPr rot="0" spcFirstLastPara="1" vertOverflow="ellipsis" vert="horz" wrap="square" anchor="ctr" anchorCtr="1"/>
+            <a:lstStyle/>
+            <a:p>
+              <a:pPr>
+                <a:defRPr sz="1000" b="0" i="0" u="none" strike="noStrike" kern="1200" baseline="0">
+                  <a:solidFill>
+                    <a:schemeClr val="tx1">
+                      <a:lumMod val="65000"/>
+                      <a:lumOff val="35000"/>
+                    </a:schemeClr>
+                  </a:solidFill>
+                  <a:latin typeface="+mn-lt"/>
+                  <a:ea typeface="+mn-ea"/>
+                  <a:cs typeface="+mn-cs"/>
+                </a:defRPr>
+              </a:pPr>
+              <a:endParaRPr lang="et-EE"/>
+            </a:p>
+          </c:txPr>
+        </c:title>
+        <c:numFmt formatCode="General" sourceLinked="1"/>
+        <c:majorTickMark val="none"/>
+        <c:minorTickMark val="none"/>
+        <c:tickLblPos val="nextTo"/>
+        <c:spPr>
+          <a:noFill/>
+          <a:ln w="9525" cap="flat" cmpd="sng" algn="ctr">
+            <a:solidFill>
+              <a:schemeClr val="tx1">
+                <a:lumMod val="25000"/>
+                <a:lumOff val="75000"/>
+              </a:schemeClr>
+            </a:solidFill>
+            <a:round/>
+          </a:ln>
+          <a:effectLst/>
+        </c:spPr>
+        <c:txPr>
+          <a:bodyPr rot="-60000000" spcFirstLastPara="1" vertOverflow="ellipsis" vert="horz" wrap="square" anchor="ctr" anchorCtr="1"/>
+          <a:lstStyle/>
+          <a:p>
+            <a:pPr>
+              <a:defRPr sz="1400" b="0" i="0" u="none" strike="noStrike" kern="1200" baseline="0">
+                <a:solidFill>
+                  <a:schemeClr val="tx1">
+                    <a:lumMod val="65000"/>
+                    <a:lumOff val="35000"/>
+                  </a:schemeClr>
+                </a:solidFill>
+                <a:latin typeface="+mn-lt"/>
+                <a:ea typeface="+mn-ea"/>
+                <a:cs typeface="+mn-cs"/>
+              </a:defRPr>
+            </a:pPr>
+            <a:endParaRPr lang="et-EE"/>
+          </a:p>
+        </c:txPr>
+        <c:crossAx val="308074584"/>
+        <c:crosses val="autoZero"/>
+        <c:crossBetween val="midCat"/>
+      </c:valAx>
+      <c:valAx>
+        <c:axId val="308074584"/>
+        <c:scaling>
+          <c:orientation val="minMax"/>
+        </c:scaling>
+        <c:delete val="0"/>
+        <c:axPos val="l"/>
+        <c:majorGridlines>
+          <c:spPr>
+            <a:ln w="9525" cap="flat" cmpd="sng" algn="ctr">
+              <a:solidFill>
+                <a:schemeClr val="tx1">
+                  <a:lumMod val="15000"/>
+                  <a:lumOff val="85000"/>
+                </a:schemeClr>
+              </a:solidFill>
+              <a:round/>
+            </a:ln>
+            <a:effectLst/>
+          </c:spPr>
+        </c:majorGridlines>
+        <c:title>
+          <c:tx>
+            <c:rich>
+              <a:bodyPr rot="-5400000" spcFirstLastPara="1" vertOverflow="ellipsis" vert="horz" wrap="square" anchor="ctr" anchorCtr="1"/>
+              <a:lstStyle/>
+              <a:p>
+                <a:pPr>
+                  <a:defRPr sz="2000" b="0" i="0" u="none" strike="noStrike" kern="1200" baseline="0">
+                    <a:solidFill>
+                      <a:schemeClr val="tx1"/>
+                    </a:solidFill>
+                    <a:latin typeface="Arial" panose="020B0604020202020204" pitchFamily="34" charset="0"/>
+                    <a:ea typeface="+mn-ea"/>
+                    <a:cs typeface="Arial" panose="020B0604020202020204" pitchFamily="34" charset="0"/>
+                  </a:defRPr>
+                </a:pPr>
+                <a:r>
+                  <a:rPr lang="en-US" sz="2000">
+                    <a:solidFill>
+                      <a:schemeClr val="tx1"/>
+                    </a:solidFill>
+                    <a:latin typeface="Arial" panose="020B0604020202020204" pitchFamily="34" charset="0"/>
+                    <a:cs typeface="Arial" panose="020B0604020202020204" pitchFamily="34" charset="0"/>
+                  </a:rPr>
+                  <a:t>Average value</a:t>
+                </a:r>
+              </a:p>
+            </c:rich>
+          </c:tx>
+          <c:layout>
+            <c:manualLayout>
+              <c:xMode val="edge"/>
+              <c:yMode val="edge"/>
+              <c:x val="1.1523343344729345E-3"/>
+              <c:y val="0.33888535468564895"/>
+            </c:manualLayout>
+          </c:layout>
+          <c:overlay val="0"/>
+          <c:spPr>
+            <a:noFill/>
+            <a:ln>
+              <a:noFill/>
+            </a:ln>
+            <a:effectLst/>
+          </c:spPr>
+          <c:txPr>
+            <a:bodyPr rot="-5400000" spcFirstLastPara="1" vertOverflow="ellipsis" vert="horz" wrap="square" anchor="ctr" anchorCtr="1"/>
+            <a:lstStyle/>
+            <a:p>
+              <a:pPr>
+                <a:defRPr sz="2000" b="0" i="0" u="none" strike="noStrike" kern="1200" baseline="0">
+                  <a:solidFill>
+                    <a:schemeClr val="tx1"/>
+                  </a:solidFill>
+                  <a:latin typeface="Arial" panose="020B0604020202020204" pitchFamily="34" charset="0"/>
+                  <a:ea typeface="+mn-ea"/>
+                  <a:cs typeface="Arial" panose="020B0604020202020204" pitchFamily="34" charset="0"/>
+                </a:defRPr>
+              </a:pPr>
+              <a:endParaRPr lang="et-EE"/>
+            </a:p>
+          </c:txPr>
+        </c:title>
+        <c:numFmt formatCode="General" sourceLinked="1"/>
+        <c:majorTickMark val="none"/>
+        <c:minorTickMark val="none"/>
+        <c:tickLblPos val="nextTo"/>
+        <c:spPr>
+          <a:noFill/>
+          <a:ln w="9525" cap="flat" cmpd="sng" algn="ctr">
+            <a:solidFill>
+              <a:schemeClr val="tx1">
+                <a:lumMod val="25000"/>
+                <a:lumOff val="75000"/>
+              </a:schemeClr>
+            </a:solidFill>
+            <a:round/>
+          </a:ln>
+          <a:effectLst/>
+        </c:spPr>
+        <c:txPr>
+          <a:bodyPr rot="-60000000" spcFirstLastPara="1" vertOverflow="ellipsis" vert="horz" wrap="square" anchor="ctr" anchorCtr="1"/>
+          <a:lstStyle/>
+          <a:p>
+            <a:pPr>
+              <a:defRPr sz="1400" b="0" i="0" u="none" strike="noStrike" kern="1200" baseline="0">
+                <a:solidFill>
+                  <a:schemeClr val="tx1">
+                    <a:lumMod val="65000"/>
+                    <a:lumOff val="35000"/>
+                  </a:schemeClr>
+                </a:solidFill>
+                <a:latin typeface="Arial" panose="020B0604020202020204" pitchFamily="34" charset="0"/>
+                <a:ea typeface="+mn-ea"/>
+                <a:cs typeface="Arial" panose="020B0604020202020204" pitchFamily="34" charset="0"/>
+              </a:defRPr>
+            </a:pPr>
+            <a:endParaRPr lang="et-EE"/>
+          </a:p>
+        </c:txPr>
+        <c:crossAx val="308074192"/>
+        <c:crosses val="autoZero"/>
+        <c:crossBetween val="midCat"/>
+      </c:valAx>
+      <c:valAx>
+        <c:axId val="308075760"/>
+        <c:scaling>
+          <c:orientation val="minMax"/>
+        </c:scaling>
+        <c:delete val="0"/>
+        <c:axPos val="r"/>
+        <c:numFmt formatCode="General" sourceLinked="1"/>
+        <c:majorTickMark val="out"/>
+        <c:minorTickMark val="none"/>
+        <c:tickLblPos val="nextTo"/>
+        <c:spPr>
+          <a:noFill/>
+          <a:ln w="9525" cap="flat" cmpd="sng" algn="ctr">
+            <a:solidFill>
+              <a:schemeClr val="tx1">
+                <a:lumMod val="25000"/>
+                <a:lumOff val="75000"/>
+              </a:schemeClr>
+            </a:solidFill>
+            <a:round/>
+          </a:ln>
+          <a:effectLst/>
+        </c:spPr>
+        <c:txPr>
+          <a:bodyPr rot="-60000000" spcFirstLastPara="1" vertOverflow="ellipsis" vert="horz" wrap="square" anchor="ctr" anchorCtr="1"/>
+          <a:lstStyle/>
+          <a:p>
+            <a:pPr>
+              <a:defRPr sz="1400" b="0" i="0" u="none" strike="noStrike" kern="1200" baseline="0">
+                <a:solidFill>
+                  <a:schemeClr val="tx1">
+                    <a:lumMod val="65000"/>
+                    <a:lumOff val="35000"/>
+                  </a:schemeClr>
+                </a:solidFill>
+                <a:latin typeface="+mn-lt"/>
+                <a:ea typeface="+mn-ea"/>
+                <a:cs typeface="+mn-cs"/>
+              </a:defRPr>
+            </a:pPr>
+            <a:endParaRPr lang="et-EE"/>
+          </a:p>
+        </c:txPr>
+        <c:crossAx val="308072624"/>
+        <c:crosses val="max"/>
+        <c:crossBetween val="midCat"/>
+      </c:valAx>
+      <c:valAx>
+        <c:axId val="308072624"/>
+        <c:scaling>
+          <c:orientation val="minMax"/>
+        </c:scaling>
+        <c:delete val="1"/>
+        <c:axPos val="b"/>
+        <c:numFmt formatCode="General" sourceLinked="1"/>
+        <c:majorTickMark val="out"/>
+        <c:minorTickMark val="none"/>
+        <c:tickLblPos val="nextTo"/>
+        <c:crossAx val="308075760"/>
+        <c:crosses val="autoZero"/>
+        <c:crossBetween val="midCat"/>
+      </c:valAx>
+      <c:spPr>
+        <a:noFill/>
+        <a:ln>
+          <a:noFill/>
+        </a:ln>
+        <a:effectLst/>
+      </c:spPr>
+    </c:plotArea>
+    <c:legend>
+      <c:legendPos val="r"/>
+      <c:layout>
+        <c:manualLayout>
+          <c:xMode val="edge"/>
+          <c:yMode val="edge"/>
+          <c:x val="0.77682550400790051"/>
+          <c:y val="0.30854006703873749"/>
+          <c:w val="0.2231745349993241"/>
+          <c:h val="0.41829615202595766"/>
+        </c:manualLayout>
+      </c:layout>
+      <c:overlay val="0"/>
+      <c:spPr>
+        <a:noFill/>
+        <a:ln>
+          <a:noFill/>
+        </a:ln>
+        <a:effectLst/>
+      </c:spPr>
+      <c:txPr>
+        <a:bodyPr rot="0" spcFirstLastPara="1" vertOverflow="ellipsis" vert="horz" wrap="square" anchor="ctr" anchorCtr="1"/>
+        <a:lstStyle/>
+        <a:p>
+          <a:pPr>
+            <a:defRPr sz="1400" b="0" i="0" u="none" strike="noStrike" kern="1200" baseline="0">
+              <a:solidFill>
+                <a:schemeClr val="tx1"/>
+              </a:solidFill>
+              <a:latin typeface="+mn-lt"/>
+              <a:ea typeface="+mn-ea"/>
+              <a:cs typeface="+mn-cs"/>
+            </a:defRPr>
+          </a:pPr>
+          <a:endParaRPr lang="et-EE"/>
+        </a:p>
+      </c:txPr>
+    </c:legend>
+    <c:plotVisOnly val="1"/>
+    <c:dispBlanksAs val="gap"/>
+    <c:showDLblsOverMax val="0"/>
+  </c:chart>
+  <c:spPr>
+    <a:noFill/>
+    <a:ln>
+      <a:noFill/>
+    </a:ln>
+    <a:effectLst/>
+  </c:spPr>
+  <c:txPr>
+    <a:bodyPr/>
+    <a:lstStyle/>
+    <a:p>
+      <a:pPr>
+        <a:defRPr/>
+      </a:pPr>
+      <a:endParaRPr lang="et-EE"/>
+    </a:p>
+  </c:txPr>
+  <c:externalData r:id="rId3">
+    <c:autoUpdate val="0"/>
+  </c:externalData>
+</c:chartSpace>
+</file>
+
+<file path=ppt/charts/chart2.xml><?xml version="1.0" encoding="utf-8"?>
+<c:chartSpace xmlns:c="http://schemas.openxmlformats.org/drawingml/2006/chart" xmlns:a="http://schemas.openxmlformats.org/drawingml/2006/main" xmlns:r="http://schemas.openxmlformats.org/officeDocument/2006/relationships">
+  <c:date1904 val="0"/>
+  <c:lang val="en-US"/>
+  <c:roundedCorners val="0"/>
+  <mc:AlternateContent xmlns:mc="http://schemas.openxmlformats.org/markup-compatibility/2006">
+    <mc:Choice xmlns:c14="http://schemas.microsoft.com/office/drawing/2007/8/2/chart" Requires="c14">
+      <c14:style val="102"/>
+    </mc:Choice>
+    <mc:Fallback>
+      <c:style val="2"/>
+    </mc:Fallback>
+  </mc:AlternateContent>
+  <c:chart>
+    <c:title>
+      <c:tx>
+        <c:rich>
+          <a:bodyPr rot="0" spcFirstLastPara="1" vertOverflow="ellipsis" vert="horz" wrap="square" anchor="ctr" anchorCtr="1"/>
+          <a:lstStyle/>
+          <a:p>
+            <a:pPr>
+              <a:defRPr sz="1400" b="0" i="0" u="none" strike="noStrike" kern="1200" spc="0" baseline="0">
+                <a:solidFill>
+                  <a:schemeClr val="tx1">
+                    <a:lumMod val="65000"/>
+                    <a:lumOff val="35000"/>
+                  </a:schemeClr>
+                </a:solidFill>
                 <a:latin typeface="Arial" panose="020B0604020202020204" pitchFamily="34" charset="0"/>
                 <a:ea typeface="+mn-ea"/>
                 <a:cs typeface="Arial" panose="020B0604020202020204" pitchFamily="34" charset="0"/>
@@ -1245,7 +2454,7 @@
 </c:chartSpace>
 </file>
 
-<file path=ppt/charts/chart2.xml><?xml version="1.0" encoding="utf-8"?>
+<file path=ppt/charts/chart3.xml><?xml version="1.0" encoding="utf-8"?>
 <c:chartSpace xmlns:c="http://schemas.openxmlformats.org/drawingml/2006/chart" xmlns:a="http://schemas.openxmlformats.org/drawingml/2006/main" xmlns:r="http://schemas.openxmlformats.org/officeDocument/2006/relationships">
   <c:date1904 val="0"/>
   <c:lang val="en-US"/>
@@ -2273,6 +3482,46 @@
 </file>
 
 <file path=ppt/charts/colors2.xml><?xml version="1.0" encoding="utf-8"?>
+<cs:colorStyle xmlns:cs="http://schemas.microsoft.com/office/drawing/2012/chartStyle" xmlns:a="http://schemas.openxmlformats.org/drawingml/2006/main" meth="cycle" id="10">
+  <a:schemeClr val="accent1"/>
+  <a:schemeClr val="accent2"/>
+  <a:schemeClr val="accent3"/>
+  <a:schemeClr val="accent4"/>
+  <a:schemeClr val="accent5"/>
+  <a:schemeClr val="accent6"/>
+  <cs:variation/>
+  <cs:variation>
+    <a:lumMod val="60000"/>
+  </cs:variation>
+  <cs:variation>
+    <a:lumMod val="80000"/>
+    <a:lumOff val="20000"/>
+  </cs:variation>
+  <cs:variation>
+    <a:lumMod val="80000"/>
+  </cs:variation>
+  <cs:variation>
+    <a:lumMod val="60000"/>
+    <a:lumOff val="40000"/>
+  </cs:variation>
+  <cs:variation>
+    <a:lumMod val="50000"/>
+  </cs:variation>
+  <cs:variation>
+    <a:lumMod val="70000"/>
+    <a:lumOff val="30000"/>
+  </cs:variation>
+  <cs:variation>
+    <a:lumMod val="70000"/>
+  </cs:variation>
+  <cs:variation>
+    <a:lumMod val="50000"/>
+    <a:lumOff val="50000"/>
+  </cs:variation>
+</cs:colorStyle>
+</file>
+
+<file path=ppt/charts/colors3.xml><?xml version="1.0" encoding="utf-8"?>
 <cs:colorStyle xmlns:cs="http://schemas.microsoft.com/office/drawing/2012/chartStyle" xmlns:a="http://schemas.openxmlformats.org/drawingml/2006/main" meth="cycle" id="10">
   <a:schemeClr val="accent1"/>
   <a:schemeClr val="accent2"/>
@@ -3344,6 +4593,522 @@
 </cs:chartStyle>
 </file>
 
+<file path=ppt/charts/style3.xml><?xml version="1.0" encoding="utf-8"?>
+<cs:chartStyle xmlns:cs="http://schemas.microsoft.com/office/drawing/2012/chartStyle" xmlns:a="http://schemas.openxmlformats.org/drawingml/2006/main" id="240">
+  <cs:axisTitle>
+    <cs:lnRef idx="0"/>
+    <cs:fillRef idx="0"/>
+    <cs:effectRef idx="0"/>
+    <cs:fontRef idx="minor">
+      <a:schemeClr val="tx1">
+        <a:lumMod val="65000"/>
+        <a:lumOff val="35000"/>
+      </a:schemeClr>
+    </cs:fontRef>
+    <cs:defRPr sz="1000" kern="1200"/>
+  </cs:axisTitle>
+  <cs:categoryAxis>
+    <cs:lnRef idx="0"/>
+    <cs:fillRef idx="0"/>
+    <cs:effectRef idx="0"/>
+    <cs:fontRef idx="minor">
+      <a:schemeClr val="tx1">
+        <a:lumMod val="65000"/>
+        <a:lumOff val="35000"/>
+      </a:schemeClr>
+    </cs:fontRef>
+    <cs:spPr>
+      <a:ln w="9525" cap="flat" cmpd="sng" algn="ctr">
+        <a:solidFill>
+          <a:schemeClr val="tx1">
+            <a:lumMod val="25000"/>
+            <a:lumOff val="75000"/>
+          </a:schemeClr>
+        </a:solidFill>
+        <a:round/>
+      </a:ln>
+    </cs:spPr>
+    <cs:defRPr sz="900" kern="1200"/>
+  </cs:categoryAxis>
+  <cs:chartArea mods="allowNoFillOverride allowNoLineOverride">
+    <cs:lnRef idx="0"/>
+    <cs:fillRef idx="0"/>
+    <cs:effectRef idx="0"/>
+    <cs:fontRef idx="minor">
+      <a:schemeClr val="tx1"/>
+    </cs:fontRef>
+    <cs:spPr>
+      <a:solidFill>
+        <a:schemeClr val="bg1"/>
+      </a:solidFill>
+      <a:ln w="9525" cap="flat" cmpd="sng" algn="ctr">
+        <a:solidFill>
+          <a:schemeClr val="tx1">
+            <a:lumMod val="15000"/>
+            <a:lumOff val="85000"/>
+          </a:schemeClr>
+        </a:solidFill>
+        <a:round/>
+      </a:ln>
+    </cs:spPr>
+    <cs:defRPr sz="1000" kern="1200"/>
+  </cs:chartArea>
+  <cs:dataLabel>
+    <cs:lnRef idx="0"/>
+    <cs:fillRef idx="0"/>
+    <cs:effectRef idx="0"/>
+    <cs:fontRef idx="minor">
+      <a:schemeClr val="tx1">
+        <a:lumMod val="75000"/>
+        <a:lumOff val="25000"/>
+      </a:schemeClr>
+    </cs:fontRef>
+    <cs:defRPr sz="900" kern="1200"/>
+  </cs:dataLabel>
+  <cs:dataLabelCallout>
+    <cs:lnRef idx="0"/>
+    <cs:fillRef idx="0"/>
+    <cs:effectRef idx="0"/>
+    <cs:fontRef idx="minor">
+      <a:schemeClr val="dk1">
+        <a:lumMod val="65000"/>
+        <a:lumOff val="35000"/>
+      </a:schemeClr>
+    </cs:fontRef>
+    <cs:spPr>
+      <a:solidFill>
+        <a:schemeClr val="lt1"/>
+      </a:solidFill>
+      <a:ln>
+        <a:solidFill>
+          <a:schemeClr val="dk1">
+            <a:lumMod val="25000"/>
+            <a:lumOff val="75000"/>
+          </a:schemeClr>
+        </a:solidFill>
+      </a:ln>
+    </cs:spPr>
+    <cs:defRPr sz="900" kern="1200"/>
+    <cs:bodyPr rot="0" spcFirstLastPara="1" vertOverflow="clip" horzOverflow="clip" vert="horz" wrap="square" lIns="36576" tIns="18288" rIns="36576" bIns="18288" anchor="ctr" anchorCtr="1">
+      <a:spAutoFit/>
+    </cs:bodyPr>
+  </cs:dataLabelCallout>
+  <cs:dataPoint>
+    <cs:lnRef idx="0"/>
+    <cs:fillRef idx="1">
+      <cs:styleClr val="auto"/>
+    </cs:fillRef>
+    <cs:effectRef idx="0"/>
+    <cs:fontRef idx="minor">
+      <a:schemeClr val="tx1"/>
+    </cs:fontRef>
+  </cs:dataPoint>
+  <cs:dataPoint3D>
+    <cs:lnRef idx="0"/>
+    <cs:fillRef idx="1">
+      <cs:styleClr val="auto"/>
+    </cs:fillRef>
+    <cs:effectRef idx="0"/>
+    <cs:fontRef idx="minor">
+      <a:schemeClr val="tx1"/>
+    </cs:fontRef>
+  </cs:dataPoint3D>
+  <cs:dataPointLine>
+    <cs:lnRef idx="0">
+      <cs:styleClr val="auto"/>
+    </cs:lnRef>
+    <cs:fillRef idx="1"/>
+    <cs:effectRef idx="0"/>
+    <cs:fontRef idx="minor">
+      <a:schemeClr val="tx1"/>
+    </cs:fontRef>
+    <cs:spPr>
+      <a:ln w="19050" cap="rnd">
+        <a:solidFill>
+          <a:schemeClr val="phClr"/>
+        </a:solidFill>
+        <a:round/>
+      </a:ln>
+    </cs:spPr>
+  </cs:dataPointLine>
+  <cs:dataPointMarker>
+    <cs:lnRef idx="0">
+      <cs:styleClr val="auto"/>
+    </cs:lnRef>
+    <cs:fillRef idx="1">
+      <cs:styleClr val="auto"/>
+    </cs:fillRef>
+    <cs:effectRef idx="0"/>
+    <cs:fontRef idx="minor">
+      <a:schemeClr val="tx1"/>
+    </cs:fontRef>
+    <cs:spPr>
+      <a:ln w="9525">
+        <a:solidFill>
+          <a:schemeClr val="phClr"/>
+        </a:solidFill>
+      </a:ln>
+    </cs:spPr>
+  </cs:dataPointMarker>
+  <cs:dataPointMarkerLayout symbol="circle" size="5"/>
+  <cs:dataPointWireframe>
+    <cs:lnRef idx="0">
+      <cs:styleClr val="auto"/>
+    </cs:lnRef>
+    <cs:fillRef idx="0"/>
+    <cs:effectRef idx="0"/>
+    <cs:fontRef idx="minor">
+      <a:schemeClr val="dk1"/>
+    </cs:fontRef>
+    <cs:spPr>
+      <a:ln w="9525" cap="rnd">
+        <a:solidFill>
+          <a:schemeClr val="phClr"/>
+        </a:solidFill>
+        <a:round/>
+      </a:ln>
+    </cs:spPr>
+  </cs:dataPointWireframe>
+  <cs:dataTable>
+    <cs:lnRef idx="0"/>
+    <cs:fillRef idx="0"/>
+    <cs:effectRef idx="0"/>
+    <cs:fontRef idx="minor">
+      <a:schemeClr val="tx1">
+        <a:lumMod val="65000"/>
+        <a:lumOff val="35000"/>
+      </a:schemeClr>
+    </cs:fontRef>
+    <cs:spPr>
+      <a:noFill/>
+      <a:ln w="9525" cap="flat" cmpd="sng" algn="ctr">
+        <a:solidFill>
+          <a:schemeClr val="tx1">
+            <a:lumMod val="15000"/>
+            <a:lumOff val="85000"/>
+          </a:schemeClr>
+        </a:solidFill>
+        <a:round/>
+      </a:ln>
+    </cs:spPr>
+    <cs:defRPr sz="900" kern="1200"/>
+  </cs:dataTable>
+  <cs:downBar>
+    <cs:lnRef idx="0"/>
+    <cs:fillRef idx="0"/>
+    <cs:effectRef idx="0"/>
+    <cs:fontRef idx="minor">
+      <a:schemeClr val="tx1"/>
+    </cs:fontRef>
+    <cs:spPr>
+      <a:solidFill>
+        <a:schemeClr val="dk1">
+          <a:lumMod val="75000"/>
+          <a:lumOff val="25000"/>
+        </a:schemeClr>
+      </a:solidFill>
+      <a:ln w="9525" cap="flat" cmpd="sng" algn="ctr">
+        <a:solidFill>
+          <a:schemeClr val="tx1">
+            <a:lumMod val="65000"/>
+            <a:lumOff val="35000"/>
+          </a:schemeClr>
+        </a:solidFill>
+        <a:round/>
+      </a:ln>
+    </cs:spPr>
+  </cs:downBar>
+  <cs:dropLine>
+    <cs:lnRef idx="0"/>
+    <cs:fillRef idx="0"/>
+    <cs:effectRef idx="0"/>
+    <cs:fontRef idx="minor">
+      <a:schemeClr val="tx1"/>
+    </cs:fontRef>
+    <cs:spPr>
+      <a:ln w="9525" cap="flat" cmpd="sng" algn="ctr">
+        <a:solidFill>
+          <a:schemeClr val="tx1">
+            <a:lumMod val="35000"/>
+            <a:lumOff val="65000"/>
+          </a:schemeClr>
+        </a:solidFill>
+        <a:round/>
+      </a:ln>
+    </cs:spPr>
+  </cs:dropLine>
+  <cs:errorBar>
+    <cs:lnRef idx="0"/>
+    <cs:fillRef idx="0"/>
+    <cs:effectRef idx="0"/>
+    <cs:fontRef idx="minor">
+      <a:schemeClr val="tx1"/>
+    </cs:fontRef>
+    <cs:spPr>
+      <a:ln w="9525" cap="flat" cmpd="sng" algn="ctr">
+        <a:solidFill>
+          <a:schemeClr val="tx1">
+            <a:lumMod val="65000"/>
+            <a:lumOff val="35000"/>
+          </a:schemeClr>
+        </a:solidFill>
+        <a:round/>
+      </a:ln>
+    </cs:spPr>
+  </cs:errorBar>
+  <cs:floor>
+    <cs:lnRef idx="0"/>
+    <cs:fillRef idx="0"/>
+    <cs:effectRef idx="0"/>
+    <cs:fontRef idx="minor">
+      <a:schemeClr val="tx1"/>
+    </cs:fontRef>
+    <cs:spPr>
+      <a:noFill/>
+      <a:ln>
+        <a:noFill/>
+      </a:ln>
+    </cs:spPr>
+  </cs:floor>
+  <cs:gridlineMajor>
+    <cs:lnRef idx="0"/>
+    <cs:fillRef idx="0"/>
+    <cs:effectRef idx="0"/>
+    <cs:fontRef idx="minor">
+      <a:schemeClr val="tx1"/>
+    </cs:fontRef>
+    <cs:spPr>
+      <a:ln w="9525" cap="flat" cmpd="sng" algn="ctr">
+        <a:solidFill>
+          <a:schemeClr val="tx1">
+            <a:lumMod val="15000"/>
+            <a:lumOff val="85000"/>
+          </a:schemeClr>
+        </a:solidFill>
+        <a:round/>
+      </a:ln>
+    </cs:spPr>
+  </cs:gridlineMajor>
+  <cs:gridlineMinor>
+    <cs:lnRef idx="0"/>
+    <cs:fillRef idx="0"/>
+    <cs:effectRef idx="0"/>
+    <cs:fontRef idx="minor">
+      <a:schemeClr val="tx1"/>
+    </cs:fontRef>
+    <cs:spPr>
+      <a:ln w="9525" cap="flat" cmpd="sng" algn="ctr">
+        <a:solidFill>
+          <a:schemeClr val="tx1">
+            <a:lumMod val="5000"/>
+            <a:lumOff val="95000"/>
+          </a:schemeClr>
+        </a:solidFill>
+        <a:round/>
+      </a:ln>
+    </cs:spPr>
+  </cs:gridlineMinor>
+  <cs:hiLoLine>
+    <cs:lnRef idx="0"/>
+    <cs:fillRef idx="0"/>
+    <cs:effectRef idx="0"/>
+    <cs:fontRef idx="minor">
+      <a:schemeClr val="tx1"/>
+    </cs:fontRef>
+    <cs:spPr>
+      <a:ln w="9525" cap="flat" cmpd="sng" algn="ctr">
+        <a:solidFill>
+          <a:schemeClr val="tx1">
+            <a:lumMod val="50000"/>
+            <a:lumOff val="50000"/>
+          </a:schemeClr>
+        </a:solidFill>
+        <a:round/>
+      </a:ln>
+    </cs:spPr>
+  </cs:hiLoLine>
+  <cs:leaderLine>
+    <cs:lnRef idx="0"/>
+    <cs:fillRef idx="0"/>
+    <cs:effectRef idx="0"/>
+    <cs:fontRef idx="minor">
+      <a:schemeClr val="tx1"/>
+    </cs:fontRef>
+    <cs:spPr>
+      <a:ln w="9525" cap="flat" cmpd="sng" algn="ctr">
+        <a:solidFill>
+          <a:schemeClr val="tx1">
+            <a:lumMod val="35000"/>
+            <a:lumOff val="65000"/>
+          </a:schemeClr>
+        </a:solidFill>
+        <a:round/>
+      </a:ln>
+    </cs:spPr>
+  </cs:leaderLine>
+  <cs:legend>
+    <cs:lnRef idx="0"/>
+    <cs:fillRef idx="0"/>
+    <cs:effectRef idx="0"/>
+    <cs:fontRef idx="minor">
+      <a:schemeClr val="tx1">
+        <a:lumMod val="65000"/>
+        <a:lumOff val="35000"/>
+      </a:schemeClr>
+    </cs:fontRef>
+    <cs:defRPr sz="900" kern="1200"/>
+  </cs:legend>
+  <cs:plotArea mods="allowNoFillOverride allowNoLineOverride">
+    <cs:lnRef idx="0"/>
+    <cs:fillRef idx="0"/>
+    <cs:effectRef idx="0"/>
+    <cs:fontRef idx="minor">
+      <a:schemeClr val="tx1"/>
+    </cs:fontRef>
+  </cs:plotArea>
+  <cs:plotArea3D mods="allowNoFillOverride allowNoLineOverride">
+    <cs:lnRef idx="0"/>
+    <cs:fillRef idx="0"/>
+    <cs:effectRef idx="0"/>
+    <cs:fontRef idx="minor">
+      <a:schemeClr val="tx1"/>
+    </cs:fontRef>
+  </cs:plotArea3D>
+  <cs:seriesAxis>
+    <cs:lnRef idx="0"/>
+    <cs:fillRef idx="0"/>
+    <cs:effectRef idx="0"/>
+    <cs:fontRef idx="minor">
+      <a:schemeClr val="tx1">
+        <a:lumMod val="65000"/>
+        <a:lumOff val="35000"/>
+      </a:schemeClr>
+    </cs:fontRef>
+    <cs:defRPr sz="900" kern="1200"/>
+  </cs:seriesAxis>
+  <cs:seriesLine>
+    <cs:lnRef idx="0"/>
+    <cs:fillRef idx="0"/>
+    <cs:effectRef idx="0"/>
+    <cs:fontRef idx="minor">
+      <a:schemeClr val="tx1"/>
+    </cs:fontRef>
+    <cs:spPr>
+      <a:ln w="9525" cap="flat" cmpd="sng" algn="ctr">
+        <a:solidFill>
+          <a:schemeClr val="tx1">
+            <a:lumMod val="35000"/>
+            <a:lumOff val="65000"/>
+          </a:schemeClr>
+        </a:solidFill>
+        <a:round/>
+      </a:ln>
+    </cs:spPr>
+  </cs:seriesLine>
+  <cs:title>
+    <cs:lnRef idx="0"/>
+    <cs:fillRef idx="0"/>
+    <cs:effectRef idx="0"/>
+    <cs:fontRef idx="minor">
+      <a:schemeClr val="tx1">
+        <a:lumMod val="65000"/>
+        <a:lumOff val="35000"/>
+      </a:schemeClr>
+    </cs:fontRef>
+    <cs:defRPr sz="1400" b="0" kern="1200" spc="0" baseline="0"/>
+  </cs:title>
+  <cs:trendline>
+    <cs:lnRef idx="0">
+      <cs:styleClr val="auto"/>
+    </cs:lnRef>
+    <cs:fillRef idx="0"/>
+    <cs:effectRef idx="0"/>
+    <cs:fontRef idx="minor">
+      <a:schemeClr val="tx1"/>
+    </cs:fontRef>
+    <cs:spPr>
+      <a:ln w="19050" cap="rnd">
+        <a:solidFill>
+          <a:schemeClr val="phClr"/>
+        </a:solidFill>
+        <a:prstDash val="sysDot"/>
+      </a:ln>
+    </cs:spPr>
+  </cs:trendline>
+  <cs:trendlineLabel>
+    <cs:lnRef idx="0"/>
+    <cs:fillRef idx="0"/>
+    <cs:effectRef idx="0"/>
+    <cs:fontRef idx="minor">
+      <a:schemeClr val="tx1">
+        <a:lumMod val="65000"/>
+        <a:lumOff val="35000"/>
+      </a:schemeClr>
+    </cs:fontRef>
+    <cs:defRPr sz="900" kern="1200"/>
+  </cs:trendlineLabel>
+  <cs:upBar>
+    <cs:lnRef idx="0"/>
+    <cs:fillRef idx="0"/>
+    <cs:effectRef idx="0"/>
+    <cs:fontRef idx="minor">
+      <a:schemeClr val="tx1"/>
+    </cs:fontRef>
+    <cs:spPr>
+      <a:solidFill>
+        <a:schemeClr val="lt1"/>
+      </a:solidFill>
+      <a:ln w="9525" cap="flat" cmpd="sng" algn="ctr">
+        <a:solidFill>
+          <a:schemeClr val="tx1">
+            <a:lumMod val="65000"/>
+            <a:lumOff val="35000"/>
+          </a:schemeClr>
+        </a:solidFill>
+        <a:round/>
+      </a:ln>
+    </cs:spPr>
+  </cs:upBar>
+  <cs:valueAxis>
+    <cs:lnRef idx="0"/>
+    <cs:fillRef idx="0"/>
+    <cs:effectRef idx="0"/>
+    <cs:fontRef idx="minor">
+      <a:schemeClr val="tx1">
+        <a:lumMod val="65000"/>
+        <a:lumOff val="35000"/>
+      </a:schemeClr>
+    </cs:fontRef>
+    <cs:spPr>
+      <a:ln w="9525" cap="flat" cmpd="sng" algn="ctr">
+        <a:solidFill>
+          <a:schemeClr val="tx1">
+            <a:lumMod val="25000"/>
+            <a:lumOff val="75000"/>
+          </a:schemeClr>
+        </a:solidFill>
+        <a:round/>
+      </a:ln>
+    </cs:spPr>
+    <cs:defRPr sz="900" kern="1200"/>
+  </cs:valueAxis>
+  <cs:wall>
+    <cs:lnRef idx="0"/>
+    <cs:fillRef idx="0"/>
+    <cs:effectRef idx="0"/>
+    <cs:fontRef idx="minor">
+      <a:schemeClr val="tx1"/>
+    </cs:fontRef>
+    <cs:spPr>
+      <a:noFill/>
+      <a:ln>
+        <a:noFill/>
+      </a:ln>
+    </cs:spPr>
+  </cs:wall>
+</cs:chartStyle>
+</file>
+
 <file path=ppt/drawings/drawing1.xml><?xml version="1.0" encoding="utf-8"?>
 <c:userShapes xmlns:c="http://schemas.openxmlformats.org/drawingml/2006/chart">
   <cdr:relSizeAnchor xmlns:cdr="http://schemas.openxmlformats.org/drawingml/2006/chartDrawing">
@@ -7436,40 +9201,104 @@
           <a:chExt cx="0" cy="0"/>
         </a:xfrm>
       </p:grpSpPr>
+      <p:pic>
+        <p:nvPicPr>
+          <p:cNvPr id="4" name="Content Placeholder 3"/>
+          <p:cNvPicPr>
+            <a:picLocks noGrp="1" noChangeAspect="1"/>
+          </p:cNvPicPr>
+          <p:nvPr>
+            <p:ph idx="1"/>
+          </p:nvPr>
+        </p:nvPicPr>
+        <p:blipFill>
+          <a:blip r:embed="rId2">
+            <a:extLst>
+              <a:ext uri="{28A0092B-C50C-407E-A947-70E740481C1C}">
+                <a14:useLocalDpi xmlns:a14="http://schemas.microsoft.com/office/drawing/2010/main" val="0"/>
+              </a:ext>
+            </a:extLst>
+          </a:blip>
+          <a:stretch>
+            <a:fillRect/>
+          </a:stretch>
+        </p:blipFill>
+        <p:spPr>
+          <a:xfrm>
+            <a:off x="3119807" y="2071922"/>
+            <a:ext cx="8402492" cy="4472156"/>
+          </a:xfrm>
+        </p:spPr>
+      </p:pic>
       <p:sp>
         <p:nvSpPr>
-          <p:cNvPr id="2" name="Title 1"/>
-          <p:cNvSpPr>
-            <a:spLocks noGrp="1"/>
-          </p:cNvSpPr>
-          <p:nvPr>
-            <p:ph type="title"/>
-          </p:nvPr>
+          <p:cNvPr id="6" name="TextBox 5"/>
+          <p:cNvSpPr txBox="1"/>
+          <p:nvPr/>
         </p:nvSpPr>
         <p:spPr>
           <a:xfrm>
-            <a:off x="1912551" y="2897746"/>
-            <a:ext cx="9369341" cy="1622739"/>
+            <a:off x="809979" y="686927"/>
+            <a:ext cx="7920122" cy="1384995"/>
           </a:xfrm>
+          <a:prstGeom prst="rect">
+            <a:avLst/>
+          </a:prstGeom>
+          <a:noFill/>
         </p:spPr>
         <p:txBody>
-          <a:bodyPr>
-            <a:noAutofit/>
+          <a:bodyPr wrap="square" rtlCol="0">
+            <a:spAutoFit/>
           </a:bodyPr>
           <a:lstStyle/>
           <a:p>
-            <a:r>
-              <a:rPr lang="en-US" sz="6000" dirty="0" smtClean="0">
-                <a:solidFill>
-                  <a:srgbClr val="0070C0"/>
-                </a:solidFill>
+            <a:pPr marL="285750" indent="-285750">
+              <a:buFont typeface="Arial" panose="020B0604020202020204" pitchFamily="34" charset="0"/>
+              <a:buChar char="•"/>
+            </a:pPr>
+            <a:r>
+              <a:rPr lang="en-US" sz="2800" dirty="0" smtClean="0">
+                <a:latin typeface="Arial" panose="020B0604020202020204" pitchFamily="34" charset="0"/>
+                <a:cs typeface="Arial" panose="020B0604020202020204" pitchFamily="34" charset="0"/>
               </a:rPr>
-              <a:t>HILL CLIMBING ALGORITHM</a:t>
-            </a:r>
-            <a:endParaRPr lang="et-EE" sz="6000" dirty="0">
-              <a:solidFill>
-                <a:srgbClr val="0070C0"/>
-              </a:solidFill>
+              <a:t>Initial position </a:t>
+            </a:r>
+          </a:p>
+          <a:p>
+            <a:pPr marL="285750" indent="-285750">
+              <a:buFont typeface="Arial" panose="020B0604020202020204" pitchFamily="34" charset="0"/>
+              <a:buChar char="•"/>
+            </a:pPr>
+            <a:r>
+              <a:rPr lang="en-US" sz="2800" dirty="0" smtClean="0">
+                <a:latin typeface="Arial" panose="020B0604020202020204" pitchFamily="34" charset="0"/>
+                <a:cs typeface="Arial" panose="020B0604020202020204" pitchFamily="34" charset="0"/>
+              </a:rPr>
+              <a:t>Is there an overlap at the initial position?</a:t>
+            </a:r>
+          </a:p>
+          <a:p>
+            <a:pPr marL="285750" indent="-285750">
+              <a:buFont typeface="Arial" panose="020B0604020202020204" pitchFamily="34" charset="0"/>
+              <a:buChar char="•"/>
+            </a:pPr>
+            <a:r>
+              <a:rPr lang="en-US" sz="2800" dirty="0" smtClean="0">
+                <a:latin typeface="Arial" panose="020B0604020202020204" pitchFamily="34" charset="0"/>
+                <a:cs typeface="Arial" panose="020B0604020202020204" pitchFamily="34" charset="0"/>
+              </a:rPr>
+              <a:t>Move </a:t>
+            </a:r>
+            <a:r>
+              <a:rPr lang="en-US" sz="2800" dirty="0" smtClean="0">
+                <a:latin typeface="Arial" panose="020B0604020202020204" pitchFamily="34" charset="0"/>
+                <a:cs typeface="Arial" panose="020B0604020202020204" pitchFamily="34" charset="0"/>
+              </a:rPr>
+              <a:t>package</a:t>
+            </a:r>
+            <a:endParaRPr lang="en-US" sz="2800" dirty="0" smtClean="0">
+              <a:latin typeface="Arial" panose="020B0604020202020204" pitchFamily="34" charset="0"/>
+              <a:cs typeface="Arial" panose="020B0604020202020204" pitchFamily="34" charset="0"/>
             </a:endParaRPr>
           </a:p>
         </p:txBody>
@@ -7477,7 +9306,7 @@
     </p:spTree>
     <p:extLst>
       <p:ext uri="{BB962C8B-B14F-4D97-AF65-F5344CB8AC3E}">
-        <p14:creationId xmlns:p14="http://schemas.microsoft.com/office/powerpoint/2010/main" val="1141711639"/>
+        <p14:creationId xmlns:p14="http://schemas.microsoft.com/office/powerpoint/2010/main" val="3583046299"/>
       </p:ext>
     </p:extLst>
   </p:cSld>
@@ -7523,161 +9352,36 @@
         </p:nvSpPr>
         <p:spPr>
           <a:xfrm>
-            <a:off x="802947" y="199860"/>
-            <a:ext cx="9875520" cy="1356360"/>
+            <a:off x="1912551" y="2897746"/>
+            <a:ext cx="9369341" cy="1622739"/>
           </a:xfrm>
         </p:spPr>
         <p:txBody>
           <a:bodyPr>
-            <a:normAutofit/>
+            <a:noAutofit/>
           </a:bodyPr>
           <a:lstStyle/>
           <a:p>
             <a:r>
-              <a:rPr lang="en-US" dirty="0" smtClean="0">
+              <a:rPr lang="en-US" sz="6000" dirty="0" smtClean="0">
                 <a:solidFill>
                   <a:srgbClr val="0070C0"/>
                 </a:solidFill>
-                <a:cs typeface="Arial" panose="020B0604020202020204" pitchFamily="34" charset="0"/>
               </a:rPr>
-              <a:t>Implementation</a:t>
-            </a:r>
-            <a:endParaRPr lang="et-EE" dirty="0">
+              <a:t>HILL CLIMBING ALGORITHM</a:t>
+            </a:r>
+            <a:endParaRPr lang="et-EE" sz="6000" dirty="0">
               <a:solidFill>
                 <a:srgbClr val="0070C0"/>
               </a:solidFill>
-              <a:cs typeface="Arial" panose="020B0604020202020204" pitchFamily="34" charset="0"/>
             </a:endParaRPr>
           </a:p>
         </p:txBody>
       </p:sp>
-      <p:sp>
-        <p:nvSpPr>
-          <p:cNvPr id="6" name="TextBox 5"/>
-          <p:cNvSpPr txBox="1"/>
-          <p:nvPr/>
-        </p:nvSpPr>
-        <p:spPr>
-          <a:xfrm>
-            <a:off x="802947" y="1107669"/>
-            <a:ext cx="9419703" cy="2308324"/>
-          </a:xfrm>
-          <a:prstGeom prst="rect">
-            <a:avLst/>
-          </a:prstGeom>
-          <a:noFill/>
-        </p:spPr>
-        <p:txBody>
-          <a:bodyPr wrap="square" rtlCol="0">
-            <a:spAutoFit/>
-          </a:bodyPr>
-          <a:lstStyle/>
-          <a:p>
-            <a:pPr marL="285750" indent="-285750">
-              <a:buFont typeface="Arial" panose="020B0604020202020204" pitchFamily="34" charset="0"/>
-              <a:buChar char="•"/>
-            </a:pPr>
-            <a:r>
-              <a:rPr lang="en-US" sz="2400" dirty="0" smtClean="0">
-                <a:latin typeface="Arial" panose="020B0604020202020204" pitchFamily="34" charset="0"/>
-                <a:cs typeface="Arial" panose="020B0604020202020204" pitchFamily="34" charset="0"/>
-              </a:rPr>
-              <a:t>Start with an arbitrary solution</a:t>
-            </a:r>
-          </a:p>
-          <a:p>
-            <a:pPr marL="285750" indent="-285750">
-              <a:buFont typeface="Arial" panose="020B0604020202020204" pitchFamily="34" charset="0"/>
-              <a:buChar char="•"/>
-            </a:pPr>
-            <a:r>
-              <a:rPr lang="en-US" sz="2400" dirty="0" smtClean="0">
-                <a:latin typeface="Arial" panose="020B0604020202020204" pitchFamily="34" charset="0"/>
-                <a:cs typeface="Arial" panose="020B0604020202020204" pitchFamily="34" charset="0"/>
-              </a:rPr>
-              <a:t>Create </a:t>
-            </a:r>
-            <a:r>
-              <a:rPr lang="en-US" sz="2400" dirty="0" err="1" smtClean="0">
-                <a:latin typeface="Arial" panose="020B0604020202020204" pitchFamily="34" charset="0"/>
-                <a:cs typeface="Arial" panose="020B0604020202020204" pitchFamily="34" charset="0"/>
-              </a:rPr>
-              <a:t>neighbouring</a:t>
-            </a:r>
-            <a:r>
-              <a:rPr lang="en-US" sz="2400" dirty="0" smtClean="0">
-                <a:latin typeface="Arial" panose="020B0604020202020204" pitchFamily="34" charset="0"/>
-                <a:cs typeface="Arial" panose="020B0604020202020204" pitchFamily="34" charset="0"/>
-              </a:rPr>
-              <a:t> solutions (change n random packages and fill the remaining empty space)</a:t>
-            </a:r>
-          </a:p>
-          <a:p>
-            <a:pPr marL="285750" indent="-285750">
-              <a:buFont typeface="Arial" panose="020B0604020202020204" pitchFamily="34" charset="0"/>
-              <a:buChar char="•"/>
-            </a:pPr>
-            <a:r>
-              <a:rPr lang="en-US" sz="2400" dirty="0" smtClean="0">
-                <a:latin typeface="Arial" panose="020B0604020202020204" pitchFamily="34" charset="0"/>
-                <a:cs typeface="Arial" panose="020B0604020202020204" pitchFamily="34" charset="0"/>
-              </a:rPr>
-              <a:t>Choose the best next solution based on an objective function (maximizing the value of a packing)</a:t>
-            </a:r>
-          </a:p>
-          <a:p>
-            <a:pPr marL="285750" indent="-285750">
-              <a:buFont typeface="Arial" panose="020B0604020202020204" pitchFamily="34" charset="0"/>
-              <a:buChar char="•"/>
-            </a:pPr>
-            <a:r>
-              <a:rPr lang="en-US" sz="2400" dirty="0" smtClean="0">
-                <a:latin typeface="Arial" panose="020B0604020202020204" pitchFamily="34" charset="0"/>
-                <a:cs typeface="Arial" panose="020B0604020202020204" pitchFamily="34" charset="0"/>
-              </a:rPr>
-              <a:t>Repeat until no further improvements can be made</a:t>
-            </a:r>
-            <a:endParaRPr lang="et-EE" sz="2400" dirty="0">
-              <a:latin typeface="Arial" panose="020B0604020202020204" pitchFamily="34" charset="0"/>
-              <a:cs typeface="Arial" panose="020B0604020202020204" pitchFamily="34" charset="0"/>
-            </a:endParaRPr>
-          </a:p>
-        </p:txBody>
-      </p:sp>
-      <p:pic>
-        <p:nvPicPr>
-          <p:cNvPr id="24" name="Picture 23"/>
-          <p:cNvPicPr>
-            <a:picLocks noChangeAspect="1"/>
-          </p:cNvPicPr>
-          <p:nvPr/>
-        </p:nvPicPr>
-        <p:blipFill>
-          <a:blip r:embed="rId2">
-            <a:extLst>
-              <a:ext uri="{28A0092B-C50C-407E-A947-70E740481C1C}">
-                <a14:useLocalDpi xmlns:a14="http://schemas.microsoft.com/office/drawing/2010/main" val="0"/>
-              </a:ext>
-            </a:extLst>
-          </a:blip>
-          <a:stretch>
-            <a:fillRect/>
-          </a:stretch>
-        </p:blipFill>
-        <p:spPr>
-          <a:xfrm>
-            <a:off x="1175491" y="3379232"/>
-            <a:ext cx="10047079" cy="3267739"/>
-          </a:xfrm>
-          <a:prstGeom prst="rect">
-            <a:avLst/>
-          </a:prstGeom>
-        </p:spPr>
-      </p:pic>
     </p:spTree>
     <p:extLst>
       <p:ext uri="{BB962C8B-B14F-4D97-AF65-F5344CB8AC3E}">
-        <p14:creationId xmlns:p14="http://schemas.microsoft.com/office/powerpoint/2010/main" val="2958339159"/>
+        <p14:creationId xmlns:p14="http://schemas.microsoft.com/office/powerpoint/2010/main" val="1141711639"/>
       </p:ext>
     </p:extLst>
   </p:cSld>
@@ -7711,52 +9415,40 @@
           <a:chExt cx="0" cy="0"/>
         </a:xfrm>
       </p:grpSpPr>
-      <p:sp>
-        <p:nvSpPr>
-          <p:cNvPr id="2" name="Title 1"/>
-          <p:cNvSpPr>
-            <a:spLocks noGrp="1"/>
-          </p:cNvSpPr>
-          <p:nvPr>
-            <p:ph type="title"/>
-          </p:nvPr>
-        </p:nvSpPr>
+      <p:pic>
+        <p:nvPicPr>
+          <p:cNvPr id="3" name="Picture 2"/>
+          <p:cNvPicPr>
+            <a:picLocks noChangeAspect="1"/>
+          </p:cNvPicPr>
+          <p:nvPr/>
+        </p:nvPicPr>
+        <p:blipFill>
+          <a:blip r:embed="rId2">
+            <a:extLst>
+              <a:ext uri="{28A0092B-C50C-407E-A947-70E740481C1C}">
+                <a14:useLocalDpi xmlns:a14="http://schemas.microsoft.com/office/drawing/2010/main" val="0"/>
+              </a:ext>
+            </a:extLst>
+          </a:blip>
+          <a:stretch>
+            <a:fillRect/>
+          </a:stretch>
+        </p:blipFill>
         <p:spPr>
           <a:xfrm>
-            <a:off x="2470958" y="2857059"/>
-            <a:ext cx="8596668" cy="1320800"/>
+            <a:off x="746975" y="457534"/>
+            <a:ext cx="11127346" cy="6427404"/>
           </a:xfrm>
+          <a:prstGeom prst="rect">
+            <a:avLst/>
+          </a:prstGeom>
         </p:spPr>
-        <p:txBody>
-          <a:bodyPr>
-            <a:normAutofit/>
-          </a:bodyPr>
-          <a:lstStyle/>
-          <a:p>
-            <a:r>
-              <a:rPr lang="en-US" sz="6000" dirty="0" smtClean="0">
-                <a:solidFill>
-                  <a:srgbClr val="0070C0"/>
-                </a:solidFill>
-                <a:latin typeface="Arial" panose="020B0604020202020204" pitchFamily="34" charset="0"/>
-                <a:cs typeface="Arial" panose="020B0604020202020204" pitchFamily="34" charset="0"/>
-              </a:rPr>
-              <a:t>GENETIC ALGORITHM</a:t>
-            </a:r>
-            <a:endParaRPr lang="et-EE" sz="6000" dirty="0">
-              <a:solidFill>
-                <a:srgbClr val="0070C0"/>
-              </a:solidFill>
-              <a:latin typeface="Arial" panose="020B0604020202020204" pitchFamily="34" charset="0"/>
-              <a:cs typeface="Arial" panose="020B0604020202020204" pitchFamily="34" charset="0"/>
-            </a:endParaRPr>
-          </a:p>
-        </p:txBody>
-      </p:sp>
+      </p:pic>
     </p:spTree>
     <p:extLst>
       <p:ext uri="{BB962C8B-B14F-4D97-AF65-F5344CB8AC3E}">
-        <p14:creationId xmlns:p14="http://schemas.microsoft.com/office/powerpoint/2010/main" val="4268301284"/>
+        <p14:creationId xmlns:p14="http://schemas.microsoft.com/office/powerpoint/2010/main" val="2958339159"/>
       </p:ext>
     </p:extLst>
   </p:cSld>
@@ -7802,198 +9494,40 @@
         </p:nvSpPr>
         <p:spPr>
           <a:xfrm>
-            <a:off x="931453" y="221661"/>
+            <a:off x="2470958" y="2857059"/>
             <a:ext cx="8596668" cy="1320800"/>
           </a:xfrm>
         </p:spPr>
         <p:txBody>
-          <a:bodyPr/>
-          <a:lstStyle/>
-          <a:p>
-            <a:r>
-              <a:rPr lang="en-US" dirty="0" smtClean="0">
-                <a:solidFill>
-                  <a:srgbClr val="0070C0"/>
-                </a:solidFill>
-                <a:cs typeface="Arial" panose="020B0604020202020204" pitchFamily="34" charset="0"/>
-              </a:rPr>
-              <a:t>Implementation</a:t>
-            </a:r>
-            <a:endParaRPr lang="et-EE" dirty="0">
-              <a:solidFill>
-                <a:srgbClr val="0070C0"/>
-              </a:solidFill>
-              <a:cs typeface="Arial" panose="020B0604020202020204" pitchFamily="34" charset="0"/>
-            </a:endParaRPr>
-          </a:p>
-        </p:txBody>
-      </p:sp>
-      <p:sp>
-        <p:nvSpPr>
-          <p:cNvPr id="3" name="Content Placeholder 2"/>
-          <p:cNvSpPr>
-            <a:spLocks noGrp="1"/>
-          </p:cNvSpPr>
-          <p:nvPr>
-            <p:ph idx="1"/>
-          </p:nvPr>
-        </p:nvSpPr>
-        <p:spPr>
-          <a:xfrm>
-            <a:off x="931453" y="1109953"/>
-            <a:ext cx="9103281" cy="1951308"/>
-          </a:xfrm>
-        </p:spPr>
-        <p:txBody>
           <a:bodyPr>
-            <a:normAutofit fontScale="25000" lnSpcReduction="20000"/>
+            <a:normAutofit/>
           </a:bodyPr>
           <a:lstStyle/>
           <a:p>
-            <a:pPr>
-              <a:buClr>
-                <a:schemeClr val="tx1"/>
-              </a:buClr>
-              <a:buFont typeface="Arial" panose="020B0604020202020204" pitchFamily="34" charset="0"/>
-              <a:buChar char="•"/>
-            </a:pPr>
-            <a:r>
-              <a:rPr lang="en-US" sz="8000" dirty="0" smtClean="0">
-                <a:solidFill>
-                  <a:schemeClr val="tx1"/>
+            <a:r>
+              <a:rPr lang="en-US" sz="6000" dirty="0" smtClean="0">
+                <a:solidFill>
+                  <a:srgbClr val="0070C0"/>
                 </a:solidFill>
                 <a:latin typeface="Arial" panose="020B0604020202020204" pitchFamily="34" charset="0"/>
                 <a:cs typeface="Arial" panose="020B0604020202020204" pitchFamily="34" charset="0"/>
               </a:rPr>
-              <a:t>Chromosomes</a:t>
-            </a:r>
-            <a:r>
-              <a:rPr lang="en-US" sz="8000" dirty="0">
-                <a:solidFill>
-                  <a:schemeClr val="tx1"/>
-                </a:solidFill>
-                <a:latin typeface="Arial" panose="020B0604020202020204" pitchFamily="34" charset="0"/>
-                <a:cs typeface="Arial" panose="020B0604020202020204" pitchFamily="34" charset="0"/>
-              </a:rPr>
-              <a:t> (an array consisting of 0’s and 1’s</a:t>
-            </a:r>
-            <a:r>
-              <a:rPr lang="en-US" sz="8000" dirty="0" smtClean="0">
-                <a:solidFill>
-                  <a:schemeClr val="tx1"/>
-                </a:solidFill>
-                <a:latin typeface="Arial" panose="020B0604020202020204" pitchFamily="34" charset="0"/>
-                <a:cs typeface="Arial" panose="020B0604020202020204" pitchFamily="34" charset="0"/>
-              </a:rPr>
-              <a:t>)  of each individual are generated randomly for the initial population.</a:t>
-            </a:r>
-          </a:p>
-          <a:p>
-            <a:pPr>
-              <a:buClr>
-                <a:schemeClr val="tx1"/>
-              </a:buClr>
-              <a:buFont typeface="Arial" panose="020B0604020202020204" pitchFamily="34" charset="0"/>
-              <a:buChar char="•"/>
-            </a:pPr>
-            <a:r>
-              <a:rPr lang="en-US" sz="8000" dirty="0" smtClean="0">
-                <a:solidFill>
-                  <a:schemeClr val="tx1"/>
-                </a:solidFill>
-                <a:latin typeface="Arial" panose="020B0604020202020204" pitchFamily="34" charset="0"/>
-                <a:cs typeface="Arial" panose="020B0604020202020204" pitchFamily="34" charset="0"/>
-              </a:rPr>
-              <a:t>These “genes” decide if a certain package in a certain state is included in the solution.</a:t>
-            </a:r>
-          </a:p>
-          <a:p>
-            <a:pPr>
-              <a:buClr>
-                <a:schemeClr val="tx1"/>
-              </a:buClr>
-              <a:buFont typeface="Arial" panose="020B0604020202020204" pitchFamily="34" charset="0"/>
-              <a:buChar char="•"/>
-            </a:pPr>
-            <a:r>
-              <a:rPr lang="en-US" sz="8000" dirty="0" smtClean="0">
-                <a:solidFill>
-                  <a:schemeClr val="tx1"/>
-                </a:solidFill>
-                <a:latin typeface="Arial" panose="020B0604020202020204" pitchFamily="34" charset="0"/>
-                <a:cs typeface="Arial" panose="020B0604020202020204" pitchFamily="34" charset="0"/>
-              </a:rPr>
-              <a:t>The binary string is converted into a packing to evaluate the fitness of an individual</a:t>
-            </a:r>
-          </a:p>
-          <a:p>
-            <a:pPr>
-              <a:buClr>
-                <a:schemeClr val="tx1"/>
-              </a:buClr>
-              <a:buFont typeface="Arial" panose="020B0604020202020204" pitchFamily="34" charset="0"/>
-              <a:buChar char="•"/>
-            </a:pPr>
-            <a:endParaRPr lang="en-US" sz="2400" dirty="0" smtClean="0">
+              <a:t>GENETIC ALGORITHM</a:t>
+            </a:r>
+            <a:endParaRPr lang="et-EE" sz="6000" dirty="0">
               <a:solidFill>
-                <a:schemeClr val="tx1"/>
+                <a:srgbClr val="0070C0"/>
               </a:solidFill>
               <a:latin typeface="Arial" panose="020B0604020202020204" pitchFamily="34" charset="0"/>
               <a:cs typeface="Arial" panose="020B0604020202020204" pitchFamily="34" charset="0"/>
             </a:endParaRPr>
           </a:p>
-          <a:p>
-            <a:pPr>
-              <a:buClr>
-                <a:schemeClr val="tx1"/>
-              </a:buClr>
-              <a:buFont typeface="Arial" panose="020B0604020202020204" pitchFamily="34" charset="0"/>
-              <a:buChar char="•"/>
-            </a:pPr>
-            <a:endParaRPr lang="et-EE" sz="2400" dirty="0">
-              <a:solidFill>
-                <a:schemeClr val="tx1"/>
-              </a:solidFill>
-              <a:latin typeface="Arial" panose="020B0604020202020204" pitchFamily="34" charset="0"/>
-              <a:cs typeface="Arial" panose="020B0604020202020204" pitchFamily="34" charset="0"/>
-            </a:endParaRPr>
-          </a:p>
         </p:txBody>
       </p:sp>
-      <p:pic>
-        <p:nvPicPr>
-          <p:cNvPr id="21" name="Picture 20"/>
-          <p:cNvPicPr>
-            <a:picLocks noChangeAspect="1"/>
-          </p:cNvPicPr>
-          <p:nvPr/>
-        </p:nvPicPr>
-        <p:blipFill>
-          <a:blip r:embed="rId2">
-            <a:extLst>
-              <a:ext uri="{28A0092B-C50C-407E-A947-70E740481C1C}">
-                <a14:useLocalDpi xmlns:a14="http://schemas.microsoft.com/office/drawing/2010/main" val="0"/>
-              </a:ext>
-            </a:extLst>
-          </a:blip>
-          <a:stretch>
-            <a:fillRect/>
-          </a:stretch>
-        </p:blipFill>
-        <p:spPr>
-          <a:xfrm>
-            <a:off x="1648582" y="3019621"/>
-            <a:ext cx="8894835" cy="3645724"/>
-          </a:xfrm>
-          <a:prstGeom prst="rect">
-            <a:avLst/>
-          </a:prstGeom>
-        </p:spPr>
-      </p:pic>
     </p:spTree>
     <p:extLst>
       <p:ext uri="{BB962C8B-B14F-4D97-AF65-F5344CB8AC3E}">
-        <p14:creationId xmlns:p14="http://schemas.microsoft.com/office/powerpoint/2010/main" val="614935636"/>
+        <p14:creationId xmlns:p14="http://schemas.microsoft.com/office/powerpoint/2010/main" val="4268301284"/>
       </p:ext>
     </p:extLst>
   </p:cSld>
@@ -8029,6 +9563,128 @@
       </p:grpSpPr>
       <p:sp>
         <p:nvSpPr>
+          <p:cNvPr id="3" name="Content Placeholder 2"/>
+          <p:cNvSpPr>
+            <a:spLocks noGrp="1"/>
+          </p:cNvSpPr>
+          <p:nvPr>
+            <p:ph idx="1"/>
+          </p:nvPr>
+        </p:nvSpPr>
+        <p:spPr>
+          <a:xfrm>
+            <a:off x="931453" y="1109953"/>
+            <a:ext cx="9103281" cy="1951308"/>
+          </a:xfrm>
+        </p:spPr>
+        <p:txBody>
+          <a:bodyPr>
+            <a:normAutofit/>
+          </a:bodyPr>
+          <a:lstStyle/>
+          <a:p>
+            <a:pPr>
+              <a:buClr>
+                <a:schemeClr val="tx1"/>
+              </a:buClr>
+              <a:buFont typeface="Arial" panose="020B0604020202020204" pitchFamily="34" charset="0"/>
+              <a:buChar char="•"/>
+            </a:pPr>
+            <a:endParaRPr lang="en-US" sz="2400" dirty="0" smtClean="0">
+              <a:solidFill>
+                <a:schemeClr val="tx1"/>
+              </a:solidFill>
+              <a:latin typeface="Arial" panose="020B0604020202020204" pitchFamily="34" charset="0"/>
+              <a:cs typeface="Arial" panose="020B0604020202020204" pitchFamily="34" charset="0"/>
+            </a:endParaRPr>
+          </a:p>
+          <a:p>
+            <a:pPr>
+              <a:buClr>
+                <a:schemeClr val="tx1"/>
+              </a:buClr>
+              <a:buFont typeface="Arial" panose="020B0604020202020204" pitchFamily="34" charset="0"/>
+              <a:buChar char="•"/>
+            </a:pPr>
+            <a:endParaRPr lang="et-EE" sz="2400" dirty="0">
+              <a:solidFill>
+                <a:schemeClr val="tx1"/>
+              </a:solidFill>
+              <a:latin typeface="Arial" panose="020B0604020202020204" pitchFamily="34" charset="0"/>
+              <a:cs typeface="Arial" panose="020B0604020202020204" pitchFamily="34" charset="0"/>
+            </a:endParaRPr>
+          </a:p>
+        </p:txBody>
+      </p:sp>
+      <p:pic>
+        <p:nvPicPr>
+          <p:cNvPr id="4" name="Picture 3"/>
+          <p:cNvPicPr>
+            <a:picLocks noChangeAspect="1"/>
+          </p:cNvPicPr>
+          <p:nvPr/>
+        </p:nvPicPr>
+        <p:blipFill>
+          <a:blip r:embed="rId2">
+            <a:extLst>
+              <a:ext uri="{28A0092B-C50C-407E-A947-70E740481C1C}">
+                <a14:useLocalDpi xmlns:a14="http://schemas.microsoft.com/office/drawing/2010/main" val="0"/>
+              </a:ext>
+            </a:extLst>
+          </a:blip>
+          <a:stretch>
+            <a:fillRect/>
+          </a:stretch>
+        </p:blipFill>
+        <p:spPr>
+          <a:xfrm>
+            <a:off x="1094348" y="289273"/>
+            <a:ext cx="10316333" cy="6291400"/>
+          </a:xfrm>
+          <a:prstGeom prst="rect">
+            <a:avLst/>
+          </a:prstGeom>
+        </p:spPr>
+      </p:pic>
+    </p:spTree>
+    <p:extLst>
+      <p:ext uri="{BB962C8B-B14F-4D97-AF65-F5344CB8AC3E}">
+        <p14:creationId xmlns:p14="http://schemas.microsoft.com/office/powerpoint/2010/main" val="614935636"/>
+      </p:ext>
+    </p:extLst>
+  </p:cSld>
+  <p:clrMapOvr>
+    <a:masterClrMapping/>
+  </p:clrMapOvr>
+  <p:timing>
+    <p:tnLst>
+      <p:par>
+        <p:cTn id="1" dur="indefinite" restart="never" nodeType="tmRoot"/>
+      </p:par>
+    </p:tnLst>
+  </p:timing>
+</p:sld>
+</file>
+
+<file path=ppt/slides/slide15.xml><?xml version="1.0" encoding="utf-8"?>
+<p:sld xmlns:a="http://schemas.openxmlformats.org/drawingml/2006/main" xmlns:r="http://schemas.openxmlformats.org/officeDocument/2006/relationships" xmlns:p="http://schemas.openxmlformats.org/presentationml/2006/main">
+  <p:cSld>
+    <p:spTree>
+      <p:nvGrpSpPr>
+        <p:cNvPr id="1" name=""/>
+        <p:cNvGrpSpPr/>
+        <p:nvPr/>
+      </p:nvGrpSpPr>
+      <p:grpSpPr>
+        <a:xfrm>
+          <a:off x="0" y="0"/>
+          <a:ext cx="0" cy="0"/>
+          <a:chOff x="0" y="0"/>
+          <a:chExt cx="0" cy="0"/>
+        </a:xfrm>
+      </p:grpSpPr>
+      <p:sp>
+        <p:nvSpPr>
           <p:cNvPr id="2" name="Title 1"/>
           <p:cNvSpPr>
             <a:spLocks noGrp="1"/>
@@ -8039,23 +9695,25 @@
         </p:nvSpPr>
         <p:spPr>
           <a:xfrm>
-            <a:off x="2770095" y="3065928"/>
+            <a:off x="1868574" y="2885624"/>
             <a:ext cx="9601200" cy="1485900"/>
           </a:xfrm>
         </p:spPr>
         <p:txBody>
-          <a:bodyPr/>
+          <a:bodyPr>
+            <a:normAutofit/>
+          </a:bodyPr>
           <a:lstStyle/>
           <a:p>
             <a:r>
-              <a:rPr lang="en-US" dirty="0" smtClean="0">
+              <a:rPr lang="en-US" sz="6000" dirty="0" smtClean="0">
                 <a:solidFill>
                   <a:srgbClr val="0070C0"/>
                 </a:solidFill>
               </a:rPr>
               <a:t>EXPERIMENTS AND RESULTS</a:t>
             </a:r>
-            <a:endParaRPr lang="et-EE" dirty="0">
+            <a:endParaRPr lang="et-EE" sz="6000" dirty="0">
               <a:solidFill>
                 <a:srgbClr val="0070C0"/>
               </a:solidFill>
@@ -8083,7 +9741,7 @@
 </p:sld>
 </file>
 
-<file path=ppt/slides/slide15.xml><?xml version="1.0" encoding="utf-8"?>
+<file path=ppt/slides/slide16.xml><?xml version="1.0" encoding="utf-8"?>
 <p:sld xmlns:a="http://schemas.openxmlformats.org/drawingml/2006/main" xmlns:r="http://schemas.openxmlformats.org/officeDocument/2006/relationships" xmlns:p="http://schemas.openxmlformats.org/presentationml/2006/main">
   <p:cSld>
     <p:spTree>
@@ -8268,7 +9926,7 @@
 </p:sld>
 </file>
 
-<file path=ppt/slides/slide16.xml><?xml version="1.0" encoding="utf-8"?>
+<file path=ppt/slides/slide17.xml><?xml version="1.0" encoding="utf-8"?>
 <p:sld xmlns:a="http://schemas.openxmlformats.org/drawingml/2006/main" xmlns:r="http://schemas.openxmlformats.org/officeDocument/2006/relationships" xmlns:p="http://schemas.openxmlformats.org/presentationml/2006/main">
   <p:cSld>
     <p:spTree>
@@ -8415,7 +10073,7 @@
 </p:sld>
 </file>
 
-<file path=ppt/slides/slide17.xml><?xml version="1.0" encoding="utf-8"?>
+<file path=ppt/slides/slide18.xml><?xml version="1.0" encoding="utf-8"?>
 <p:sld xmlns:a="http://schemas.openxmlformats.org/drawingml/2006/main" xmlns:r="http://schemas.openxmlformats.org/officeDocument/2006/relationships" xmlns:p="http://schemas.openxmlformats.org/presentationml/2006/main">
   <p:cSld>
     <p:spTree>
@@ -8568,7 +10226,7 @@
 </p:sld>
 </file>
 
-<file path=ppt/slides/slide18.xml><?xml version="1.0" encoding="utf-8"?>
+<file path=ppt/slides/slide19.xml><?xml version="1.0" encoding="utf-8"?>
 <p:sld xmlns:a="http://schemas.openxmlformats.org/drawingml/2006/main" xmlns:r="http://schemas.openxmlformats.org/officeDocument/2006/relationships" xmlns:p="http://schemas.openxmlformats.org/presentationml/2006/main">
   <p:cSld>
     <p:spTree>
@@ -8770,7 +10428,222 @@
 </p:sld>
 </file>
 
-<file path=ppt/slides/slide19.xml><?xml version="1.0" encoding="utf-8"?>
+<file path=ppt/slides/slide2.xml><?xml version="1.0" encoding="utf-8"?>
+<p:sld xmlns:a="http://schemas.openxmlformats.org/drawingml/2006/main" xmlns:r="http://schemas.openxmlformats.org/officeDocument/2006/relationships" xmlns:p="http://schemas.openxmlformats.org/presentationml/2006/main">
+  <p:cSld>
+    <p:spTree>
+      <p:nvGrpSpPr>
+        <p:cNvPr id="1" name=""/>
+        <p:cNvGrpSpPr/>
+        <p:nvPr/>
+      </p:nvGrpSpPr>
+      <p:grpSpPr>
+        <a:xfrm>
+          <a:off x="0" y="0"/>
+          <a:ext cx="0" cy="0"/>
+          <a:chOff x="0" y="0"/>
+          <a:chExt cx="0" cy="0"/>
+        </a:xfrm>
+      </p:grpSpPr>
+      <p:sp>
+        <p:nvSpPr>
+          <p:cNvPr id="2" name="Title 1"/>
+          <p:cNvSpPr>
+            <a:spLocks noGrp="1"/>
+          </p:cNvSpPr>
+          <p:nvPr>
+            <p:ph type="title"/>
+          </p:nvPr>
+        </p:nvSpPr>
+        <p:spPr>
+          <a:xfrm>
+            <a:off x="942345" y="147918"/>
+            <a:ext cx="8596668" cy="1320800"/>
+          </a:xfrm>
+        </p:spPr>
+        <p:txBody>
+          <a:bodyPr>
+            <a:normAutofit/>
+          </a:bodyPr>
+          <a:lstStyle/>
+          <a:p>
+            <a:r>
+              <a:rPr lang="en-US" sz="6000" dirty="0" smtClean="0">
+                <a:solidFill>
+                  <a:srgbClr val="0070C0"/>
+                </a:solidFill>
+                <a:cs typeface="Arial" panose="020B0604020202020204" pitchFamily="34" charset="0"/>
+              </a:rPr>
+              <a:t>CONTENTS</a:t>
+            </a:r>
+            <a:endParaRPr lang="et-EE" sz="6000" dirty="0">
+              <a:solidFill>
+                <a:srgbClr val="0070C0"/>
+              </a:solidFill>
+              <a:cs typeface="Arial" panose="020B0604020202020204" pitchFamily="34" charset="0"/>
+            </a:endParaRPr>
+          </a:p>
+        </p:txBody>
+      </p:sp>
+      <p:sp>
+        <p:nvSpPr>
+          <p:cNvPr id="3" name="Content Placeholder 2"/>
+          <p:cNvSpPr>
+            <a:spLocks noGrp="1"/>
+          </p:cNvSpPr>
+          <p:nvPr>
+            <p:ph idx="1"/>
+          </p:nvPr>
+        </p:nvSpPr>
+        <p:spPr>
+          <a:xfrm>
+            <a:off x="1157915" y="1897249"/>
+            <a:ext cx="8596668" cy="5588000"/>
+          </a:xfrm>
+        </p:spPr>
+        <p:txBody>
+          <a:bodyPr>
+            <a:normAutofit/>
+          </a:bodyPr>
+          <a:lstStyle/>
+          <a:p>
+            <a:pPr marL="0" indent="0">
+              <a:buNone/>
+            </a:pPr>
+            <a:r>
+              <a:rPr lang="en-US" sz="4000" dirty="0" smtClean="0">
+                <a:solidFill>
+                  <a:schemeClr val="tx1"/>
+                </a:solidFill>
+                <a:latin typeface="Arial" panose="020B0604020202020204" pitchFamily="34" charset="0"/>
+                <a:cs typeface="Arial" panose="020B0604020202020204" pitchFamily="34" charset="0"/>
+              </a:rPr>
+              <a:t>1. Assignment description</a:t>
+            </a:r>
+          </a:p>
+          <a:p>
+            <a:pPr marL="0" indent="0">
+              <a:buNone/>
+            </a:pPr>
+            <a:r>
+              <a:rPr lang="en-US" sz="4000" dirty="0" smtClean="0">
+                <a:solidFill>
+                  <a:schemeClr val="tx1"/>
+                </a:solidFill>
+                <a:latin typeface="Arial" panose="020B0604020202020204" pitchFamily="34" charset="0"/>
+                <a:cs typeface="Arial" panose="020B0604020202020204" pitchFamily="34" charset="0"/>
+              </a:rPr>
+              <a:t>2. </a:t>
+            </a:r>
+            <a:r>
+              <a:rPr lang="en-US" sz="4000" dirty="0">
+                <a:solidFill>
+                  <a:schemeClr val="tx1"/>
+                </a:solidFill>
+                <a:latin typeface="Arial" panose="020B0604020202020204" pitchFamily="34" charset="0"/>
+                <a:cs typeface="Arial" panose="020B0604020202020204" pitchFamily="34" charset="0"/>
+              </a:rPr>
+              <a:t>Assignment </a:t>
+            </a:r>
+            <a:r>
+              <a:rPr lang="en-US" sz="4000" dirty="0" smtClean="0">
+                <a:solidFill>
+                  <a:schemeClr val="tx1"/>
+                </a:solidFill>
+                <a:latin typeface="Arial" panose="020B0604020202020204" pitchFamily="34" charset="0"/>
+                <a:cs typeface="Arial" panose="020B0604020202020204" pitchFamily="34" charset="0"/>
+              </a:rPr>
+              <a:t>results</a:t>
+            </a:r>
+          </a:p>
+          <a:p>
+            <a:pPr marL="0" indent="0">
+              <a:buNone/>
+            </a:pPr>
+            <a:r>
+              <a:rPr lang="en-US" sz="4000" dirty="0" smtClean="0">
+                <a:solidFill>
+                  <a:schemeClr val="tx1"/>
+                </a:solidFill>
+                <a:latin typeface="Arial" panose="020B0604020202020204" pitchFamily="34" charset="0"/>
+                <a:cs typeface="Arial" panose="020B0604020202020204" pitchFamily="34" charset="0"/>
+              </a:rPr>
+              <a:t>3. Implemented algorithms</a:t>
+            </a:r>
+          </a:p>
+          <a:p>
+            <a:pPr marL="0" indent="0">
+              <a:buNone/>
+            </a:pPr>
+            <a:r>
+              <a:rPr lang="en-US" sz="4000" dirty="0" smtClean="0">
+                <a:solidFill>
+                  <a:schemeClr val="tx1"/>
+                </a:solidFill>
+                <a:latin typeface="Arial" panose="020B0604020202020204" pitchFamily="34" charset="0"/>
+                <a:cs typeface="Arial" panose="020B0604020202020204" pitchFamily="34" charset="0"/>
+              </a:rPr>
+              <a:t>4. Experiments and results	</a:t>
+            </a:r>
+          </a:p>
+          <a:p>
+            <a:pPr marL="0" indent="0">
+              <a:buNone/>
+            </a:pPr>
+            <a:r>
+              <a:rPr lang="en-US" sz="4000" dirty="0" smtClean="0">
+                <a:solidFill>
+                  <a:schemeClr val="tx1"/>
+                </a:solidFill>
+                <a:latin typeface="Arial" panose="020B0604020202020204" pitchFamily="34" charset="0"/>
+                <a:cs typeface="Arial" panose="020B0604020202020204" pitchFamily="34" charset="0"/>
+              </a:rPr>
+              <a:t>5. Conclusions</a:t>
+            </a:r>
+            <a:endParaRPr lang="en-US" sz="4000" dirty="0" smtClean="0">
+              <a:latin typeface="Arial" panose="020B0604020202020204" pitchFamily="34" charset="0"/>
+              <a:cs typeface="Arial" panose="020B0604020202020204" pitchFamily="34" charset="0"/>
+            </a:endParaRPr>
+          </a:p>
+          <a:p>
+            <a:pPr marL="0" indent="0">
+              <a:buNone/>
+            </a:pPr>
+            <a:endParaRPr lang="en-US" dirty="0" smtClean="0">
+              <a:latin typeface="Arial" panose="020B0604020202020204" pitchFamily="34" charset="0"/>
+              <a:cs typeface="Arial" panose="020B0604020202020204" pitchFamily="34" charset="0"/>
+            </a:endParaRPr>
+          </a:p>
+          <a:p>
+            <a:pPr lvl="1"/>
+            <a:endParaRPr lang="en-US" dirty="0" smtClean="0">
+              <a:latin typeface="Arial" panose="020B0604020202020204" pitchFamily="34" charset="0"/>
+              <a:cs typeface="Arial" panose="020B0604020202020204" pitchFamily="34" charset="0"/>
+            </a:endParaRPr>
+          </a:p>
+        </p:txBody>
+      </p:sp>
+    </p:spTree>
+    <p:extLst>
+      <p:ext uri="{BB962C8B-B14F-4D97-AF65-F5344CB8AC3E}">
+        <p14:creationId xmlns:p14="http://schemas.microsoft.com/office/powerpoint/2010/main" val="2265179420"/>
+      </p:ext>
+    </p:extLst>
+  </p:cSld>
+  <p:clrMapOvr>
+    <a:masterClrMapping/>
+  </p:clrMapOvr>
+  <p:timing>
+    <p:tnLst>
+      <p:par>
+        <p:cTn id="1" dur="indefinite" restart="never" nodeType="tmRoot"/>
+      </p:par>
+    </p:tnLst>
+  </p:timing>
+</p:sld>
+</file>
+
+<file path=ppt/slides/slide20.xml><?xml version="1.0" encoding="utf-8"?>
 <p:sld xmlns:a="http://schemas.openxmlformats.org/drawingml/2006/main" xmlns:r="http://schemas.openxmlformats.org/officeDocument/2006/relationships" xmlns:p="http://schemas.openxmlformats.org/presentationml/2006/main">
   <p:cSld>
     <p:spTree>
@@ -8825,25 +10698,30 @@
           </a:p>
         </p:txBody>
       </p:sp>
-      <p:sp>
-        <p:nvSpPr>
-          <p:cNvPr id="3" name="Content Placeholder 2"/>
-          <p:cNvSpPr>
-            <a:spLocks noGrp="1"/>
-          </p:cNvSpPr>
+      <p:graphicFrame>
+        <p:nvGraphicFramePr>
+          <p:cNvPr id="4" name="Chart 3"/>
+          <p:cNvGraphicFramePr>
+            <a:graphicFrameLocks/>
+          </p:cNvGraphicFramePr>
           <p:nvPr>
-            <p:ph idx="1"/>
+            <p:extLst>
+              <p:ext uri="{D42A27DB-BD31-4B8C-83A1-F6EECF244321}">
+                <p14:modId xmlns:p14="http://schemas.microsoft.com/office/powerpoint/2010/main" val="657078519"/>
+              </p:ext>
+            </p:extLst>
           </p:nvPr>
-        </p:nvSpPr>
-        <p:spPr/>
-        <p:txBody>
-          <a:bodyPr/>
-          <a:lstStyle/>
-          <a:p>
-            <a:endParaRPr lang="et-EE"/>
-          </a:p>
-        </p:txBody>
-      </p:sp>
+        </p:nvGraphicFramePr>
+        <p:xfrm>
+          <a:off x="891851" y="759854"/>
+          <a:ext cx="11021107" cy="5819322"/>
+        </p:xfrm>
+        <a:graphic>
+          <a:graphicData uri="http://schemas.openxmlformats.org/drawingml/2006/chart">
+            <c:chart xmlns:c="http://schemas.openxmlformats.org/drawingml/2006/chart" xmlns:r="http://schemas.openxmlformats.org/officeDocument/2006/relationships" r:id="rId2"/>
+          </a:graphicData>
+        </a:graphic>
+      </p:graphicFrame>
     </p:spTree>
     <p:extLst>
       <p:ext uri="{BB962C8B-B14F-4D97-AF65-F5344CB8AC3E}">
@@ -8864,220 +10742,7 @@
 </p:sld>
 </file>
 
-<file path=ppt/slides/slide2.xml><?xml version="1.0" encoding="utf-8"?>
-<p:sld xmlns:a="http://schemas.openxmlformats.org/drawingml/2006/main" xmlns:r="http://schemas.openxmlformats.org/officeDocument/2006/relationships" xmlns:p="http://schemas.openxmlformats.org/presentationml/2006/main">
-  <p:cSld>
-    <p:spTree>
-      <p:nvGrpSpPr>
-        <p:cNvPr id="1" name=""/>
-        <p:cNvGrpSpPr/>
-        <p:nvPr/>
-      </p:nvGrpSpPr>
-      <p:grpSpPr>
-        <a:xfrm>
-          <a:off x="0" y="0"/>
-          <a:ext cx="0" cy="0"/>
-          <a:chOff x="0" y="0"/>
-          <a:chExt cx="0" cy="0"/>
-        </a:xfrm>
-      </p:grpSpPr>
-      <p:sp>
-        <p:nvSpPr>
-          <p:cNvPr id="2" name="Title 1"/>
-          <p:cNvSpPr>
-            <a:spLocks noGrp="1"/>
-          </p:cNvSpPr>
-          <p:nvPr>
-            <p:ph type="title"/>
-          </p:nvPr>
-        </p:nvSpPr>
-        <p:spPr>
-          <a:xfrm>
-            <a:off x="942345" y="147918"/>
-            <a:ext cx="8596668" cy="1320800"/>
-          </a:xfrm>
-        </p:spPr>
-        <p:txBody>
-          <a:bodyPr/>
-          <a:lstStyle/>
-          <a:p>
-            <a:r>
-              <a:rPr lang="en-US" dirty="0" smtClean="0">
-                <a:solidFill>
-                  <a:srgbClr val="0070C0"/>
-                </a:solidFill>
-                <a:cs typeface="Arial" panose="020B0604020202020204" pitchFamily="34" charset="0"/>
-              </a:rPr>
-              <a:t>Contents (quick introduction)</a:t>
-            </a:r>
-            <a:endParaRPr lang="et-EE" dirty="0">
-              <a:solidFill>
-                <a:srgbClr val="0070C0"/>
-              </a:solidFill>
-              <a:cs typeface="Arial" panose="020B0604020202020204" pitchFamily="34" charset="0"/>
-            </a:endParaRPr>
-          </a:p>
-        </p:txBody>
-      </p:sp>
-      <p:sp>
-        <p:nvSpPr>
-          <p:cNvPr id="3" name="Content Placeholder 2"/>
-          <p:cNvSpPr>
-            <a:spLocks noGrp="1"/>
-          </p:cNvSpPr>
-          <p:nvPr>
-            <p:ph idx="1"/>
-          </p:nvPr>
-        </p:nvSpPr>
-        <p:spPr>
-          <a:xfrm>
-            <a:off x="1106399" y="1085879"/>
-            <a:ext cx="8596668" cy="5588000"/>
-          </a:xfrm>
-        </p:spPr>
-        <p:txBody>
-          <a:bodyPr>
-            <a:normAutofit/>
-          </a:bodyPr>
-          <a:lstStyle/>
-          <a:p>
-            <a:pPr marL="0" indent="0">
-              <a:buNone/>
-            </a:pPr>
-            <a:r>
-              <a:rPr lang="en-US" sz="2200" dirty="0" smtClean="0">
-                <a:solidFill>
-                  <a:schemeClr val="tx1"/>
-                </a:solidFill>
-                <a:latin typeface="Arial" panose="020B0604020202020204" pitchFamily="34" charset="0"/>
-                <a:cs typeface="Arial" panose="020B0604020202020204" pitchFamily="34" charset="0"/>
-              </a:rPr>
-              <a:t>1. Assignment description</a:t>
-            </a:r>
-          </a:p>
-          <a:p>
-            <a:pPr marL="0" indent="0">
-              <a:buNone/>
-            </a:pPr>
-            <a:r>
-              <a:rPr lang="en-US" sz="2200" dirty="0" smtClean="0">
-                <a:solidFill>
-                  <a:schemeClr val="tx1"/>
-                </a:solidFill>
-                <a:latin typeface="Arial" panose="020B0604020202020204" pitchFamily="34" charset="0"/>
-                <a:cs typeface="Arial" panose="020B0604020202020204" pitchFamily="34" charset="0"/>
-              </a:rPr>
-              <a:t>2. </a:t>
-            </a:r>
-            <a:r>
-              <a:rPr lang="en-US" sz="2200" dirty="0">
-                <a:solidFill>
-                  <a:schemeClr val="tx1"/>
-                </a:solidFill>
-                <a:latin typeface="Arial" panose="020B0604020202020204" pitchFamily="34" charset="0"/>
-                <a:cs typeface="Arial" panose="020B0604020202020204" pitchFamily="34" charset="0"/>
-              </a:rPr>
-              <a:t>Assignment </a:t>
-            </a:r>
-            <a:r>
-              <a:rPr lang="en-US" sz="2200" dirty="0" smtClean="0">
-                <a:solidFill>
-                  <a:schemeClr val="tx1"/>
-                </a:solidFill>
-                <a:latin typeface="Arial" panose="020B0604020202020204" pitchFamily="34" charset="0"/>
-                <a:cs typeface="Arial" panose="020B0604020202020204" pitchFamily="34" charset="0"/>
-              </a:rPr>
-              <a:t>results</a:t>
-            </a:r>
-          </a:p>
-          <a:p>
-            <a:pPr marL="0" indent="0">
-              <a:buNone/>
-            </a:pPr>
-            <a:r>
-              <a:rPr lang="en-US" sz="2200" dirty="0" smtClean="0">
-                <a:solidFill>
-                  <a:schemeClr val="tx1"/>
-                </a:solidFill>
-                <a:latin typeface="Arial" panose="020B0604020202020204" pitchFamily="34" charset="0"/>
-                <a:cs typeface="Arial" panose="020B0604020202020204" pitchFamily="34" charset="0"/>
-              </a:rPr>
-              <a:t>3. Implemented algorithms</a:t>
-            </a:r>
-          </a:p>
-          <a:p>
-            <a:pPr marL="0" indent="0">
-              <a:buNone/>
-            </a:pPr>
-            <a:r>
-              <a:rPr lang="en-US" sz="2200" dirty="0" smtClean="0">
-                <a:solidFill>
-                  <a:schemeClr val="tx1"/>
-                </a:solidFill>
-                <a:latin typeface="Arial" panose="020B0604020202020204" pitchFamily="34" charset="0"/>
-                <a:cs typeface="Arial" panose="020B0604020202020204" pitchFamily="34" charset="0"/>
-              </a:rPr>
-              <a:t>4. Experiments and results	</a:t>
-            </a:r>
-          </a:p>
-          <a:p>
-            <a:pPr marL="0" indent="0">
-              <a:buNone/>
-            </a:pPr>
-            <a:r>
-              <a:rPr lang="en-US" sz="2200" dirty="0" smtClean="0">
-                <a:solidFill>
-                  <a:schemeClr val="tx1"/>
-                </a:solidFill>
-                <a:latin typeface="Arial" panose="020B0604020202020204" pitchFamily="34" charset="0"/>
-                <a:cs typeface="Arial" panose="020B0604020202020204" pitchFamily="34" charset="0"/>
-              </a:rPr>
-              <a:t>5. Conclusions</a:t>
-            </a:r>
-            <a:endParaRPr lang="en-US" sz="2200" dirty="0" smtClean="0">
-              <a:latin typeface="Arial" panose="020B0604020202020204" pitchFamily="34" charset="0"/>
-              <a:cs typeface="Arial" panose="020B0604020202020204" pitchFamily="34" charset="0"/>
-            </a:endParaRPr>
-          </a:p>
-          <a:p>
-            <a:pPr marL="0" indent="0">
-              <a:buNone/>
-            </a:pPr>
-            <a:endParaRPr lang="en-US" dirty="0" smtClean="0">
-              <a:latin typeface="Arial" panose="020B0604020202020204" pitchFamily="34" charset="0"/>
-              <a:cs typeface="Arial" panose="020B0604020202020204" pitchFamily="34" charset="0"/>
-            </a:endParaRPr>
-          </a:p>
-          <a:p>
-            <a:pPr lvl="1"/>
-            <a:endParaRPr lang="en-US" dirty="0" smtClean="0">
-              <a:latin typeface="Arial" panose="020B0604020202020204" pitchFamily="34" charset="0"/>
-              <a:cs typeface="Arial" panose="020B0604020202020204" pitchFamily="34" charset="0"/>
-            </a:endParaRPr>
-          </a:p>
-        </p:txBody>
-      </p:sp>
-    </p:spTree>
-    <p:extLst>
-      <p:ext uri="{BB962C8B-B14F-4D97-AF65-F5344CB8AC3E}">
-        <p14:creationId xmlns:p14="http://schemas.microsoft.com/office/powerpoint/2010/main" val="2265179420"/>
-      </p:ext>
-    </p:extLst>
-  </p:cSld>
-  <p:clrMapOvr>
-    <a:masterClrMapping/>
-  </p:clrMapOvr>
-  <p:timing>
-    <p:tnLst>
-      <p:par>
-        <p:cTn id="1" dur="indefinite" restart="never" nodeType="tmRoot"/>
-      </p:par>
-    </p:tnLst>
-  </p:timing>
-</p:sld>
-</file>
-
-<file path=ppt/slides/slide20.xml><?xml version="1.0" encoding="utf-8"?>
+<file path=ppt/slides/slide21.xml><?xml version="1.0" encoding="utf-8"?>
 <p:sld xmlns:a="http://schemas.openxmlformats.org/drawingml/2006/main" xmlns:r="http://schemas.openxmlformats.org/officeDocument/2006/relationships" xmlns:p="http://schemas.openxmlformats.org/presentationml/2006/main">
   <p:cSld>
     <p:spTree>
@@ -9174,7 +10839,7 @@
 </p:sld>
 </file>
 
-<file path=ppt/slides/slide21.xml><?xml version="1.0" encoding="utf-8"?>
+<file path=ppt/slides/slide22.xml><?xml version="1.0" encoding="utf-8"?>
 <p:sld xmlns:a="http://schemas.openxmlformats.org/drawingml/2006/main" xmlns:r="http://schemas.openxmlformats.org/officeDocument/2006/relationships" xmlns:p="http://schemas.openxmlformats.org/presentationml/2006/main">
   <p:cSld>
     <p:spTree>
@@ -9193,39 +10858,6 @@
       </p:grpSpPr>
       <p:sp>
         <p:nvSpPr>
-          <p:cNvPr id="2" name="Title 1"/>
-          <p:cNvSpPr>
-            <a:spLocks noGrp="1"/>
-          </p:cNvSpPr>
-          <p:nvPr>
-            <p:ph type="title"/>
-          </p:nvPr>
-        </p:nvSpPr>
-        <p:spPr/>
-        <p:txBody>
-          <a:bodyPr>
-            <a:normAutofit/>
-          </a:bodyPr>
-          <a:lstStyle/>
-          <a:p>
-            <a:r>
-              <a:rPr lang="en-US" sz="3200" dirty="0" smtClean="0">
-                <a:solidFill>
-                  <a:srgbClr val="0070C0"/>
-                </a:solidFill>
-              </a:rPr>
-              <a:t>Population size</a:t>
-            </a:r>
-            <a:endParaRPr lang="et-EE" sz="3200" dirty="0">
-              <a:solidFill>
-                <a:srgbClr val="0070C0"/>
-              </a:solidFill>
-            </a:endParaRPr>
-          </a:p>
-        </p:txBody>
-      </p:sp>
-      <p:sp>
-        <p:nvSpPr>
           <p:cNvPr id="3" name="Content Placeholder 2"/>
           <p:cNvSpPr>
             <a:spLocks noGrp="1"/>
@@ -9234,9 +10866,16 @@
             <p:ph idx="1"/>
           </p:nvPr>
         </p:nvSpPr>
-        <p:spPr/>
+        <p:spPr>
+          <a:xfrm>
+            <a:off x="1049627" y="972354"/>
+            <a:ext cx="10476964" cy="4874653"/>
+          </a:xfrm>
+        </p:spPr>
         <p:txBody>
-          <a:bodyPr/>
+          <a:bodyPr>
+            <a:normAutofit/>
+          </a:bodyPr>
           <a:lstStyle/>
           <a:p>
             <a:pPr>
@@ -9244,7 +10883,7 @@
               <a:buChar char="•"/>
             </a:pPr>
             <a:r>
-              <a:rPr lang="en-US" sz="3200" dirty="0" smtClean="0">
+              <a:rPr lang="en-US" sz="4400" dirty="0" smtClean="0">
                 <a:latin typeface="Arial" panose="020B0604020202020204" pitchFamily="34" charset="0"/>
                 <a:cs typeface="Arial" panose="020B0604020202020204" pitchFamily="34" charset="0"/>
               </a:rPr>
@@ -9257,14 +10896,14 @@
               <a:buChar char="•"/>
             </a:pPr>
             <a:r>
-              <a:rPr lang="en-US" sz="3200" dirty="0">
+              <a:rPr lang="en-US" sz="4400" dirty="0">
                 <a:latin typeface="Arial" panose="020B0604020202020204" pitchFamily="34" charset="0"/>
                 <a:cs typeface="Arial" panose="020B0604020202020204" pitchFamily="34" charset="0"/>
               </a:rPr>
               <a:t>A</a:t>
             </a:r>
             <a:r>
-              <a:rPr lang="en-US" sz="3200" dirty="0" smtClean="0">
+              <a:rPr lang="en-US" sz="4400" dirty="0" smtClean="0">
                 <a:latin typeface="Arial" panose="020B0604020202020204" pitchFamily="34" charset="0"/>
                 <a:cs typeface="Arial" panose="020B0604020202020204" pitchFamily="34" charset="0"/>
               </a:rPr>
@@ -9277,7 +10916,7 @@
               <a:buChar char="•"/>
             </a:pPr>
             <a:r>
-              <a:rPr lang="en-US" sz="3200" dirty="0" smtClean="0">
+              <a:rPr lang="en-US" sz="4400" dirty="0" smtClean="0">
                 <a:latin typeface="Arial" panose="020B0604020202020204" pitchFamily="34" charset="0"/>
                 <a:cs typeface="Arial" panose="020B0604020202020204" pitchFamily="34" charset="0"/>
               </a:rPr>
@@ -9290,7 +10929,7 @@
               <a:buChar char="•"/>
             </a:pPr>
             <a:r>
-              <a:rPr lang="en-US" sz="3200" dirty="0" smtClean="0">
+              <a:rPr lang="en-US" sz="4400" dirty="0" smtClean="0">
                 <a:latin typeface="Arial" panose="020B0604020202020204" pitchFamily="34" charset="0"/>
                 <a:cs typeface="Arial" panose="020B0604020202020204" pitchFamily="34" charset="0"/>
               </a:rPr>
@@ -9335,7 +10974,7 @@
 </p:sld>
 </file>
 
-<file path=ppt/slides/slide22.xml><?xml version="1.0" encoding="utf-8"?>
+<file path=ppt/slides/slide23.xml><?xml version="1.0" encoding="utf-8"?>
 <p:sld xmlns:a="http://schemas.openxmlformats.org/drawingml/2006/main" xmlns:r="http://schemas.openxmlformats.org/officeDocument/2006/relationships" xmlns:p="http://schemas.openxmlformats.org/presentationml/2006/main">
   <p:cSld>
     <p:spTree>
@@ -9394,7 +11033,7 @@
 </p:sld>
 </file>
 
-<file path=ppt/slides/slide23.xml><?xml version="1.0" encoding="utf-8"?>
+<file path=ppt/slides/slide24.xml><?xml version="1.0" encoding="utf-8"?>
 <p:sld xmlns:a="http://schemas.openxmlformats.org/drawingml/2006/main" xmlns:r="http://schemas.openxmlformats.org/officeDocument/2006/relationships" xmlns:p="http://schemas.openxmlformats.org/presentationml/2006/main">
   <p:cSld>
     <p:spTree>
@@ -9413,39 +11052,6 @@
       </p:grpSpPr>
       <p:sp>
         <p:nvSpPr>
-          <p:cNvPr id="2" name="Title 1"/>
-          <p:cNvSpPr>
-            <a:spLocks noGrp="1"/>
-          </p:cNvSpPr>
-          <p:nvPr>
-            <p:ph type="title"/>
-          </p:nvPr>
-        </p:nvSpPr>
-        <p:spPr/>
-        <p:txBody>
-          <a:bodyPr>
-            <a:normAutofit/>
-          </a:bodyPr>
-          <a:lstStyle/>
-          <a:p>
-            <a:r>
-              <a:rPr lang="en-US" sz="3200" dirty="0" smtClean="0">
-                <a:solidFill>
-                  <a:srgbClr val="0070C0"/>
-                </a:solidFill>
-              </a:rPr>
-              <a:t>Mutation probability</a:t>
-            </a:r>
-            <a:endParaRPr lang="et-EE" sz="3200" dirty="0">
-              <a:solidFill>
-                <a:srgbClr val="0070C0"/>
-              </a:solidFill>
-            </a:endParaRPr>
-          </a:p>
-        </p:txBody>
-      </p:sp>
-      <p:sp>
-        <p:nvSpPr>
           <p:cNvPr id="3" name="Content Placeholder 2"/>
           <p:cNvSpPr>
             <a:spLocks noGrp="1"/>
@@ -9454,10 +11060,15 @@
             <p:ph idx="1"/>
           </p:nvPr>
         </p:nvSpPr>
-        <p:spPr/>
+        <p:spPr>
+          <a:xfrm>
+            <a:off x="1217053" y="985234"/>
+            <a:ext cx="9601200" cy="3581400"/>
+          </a:xfrm>
+        </p:spPr>
         <p:txBody>
           <a:bodyPr>
-            <a:normAutofit/>
+            <a:noAutofit/>
           </a:bodyPr>
           <a:lstStyle/>
           <a:p>
@@ -9466,7 +11077,7 @@
               <a:buChar char="•"/>
             </a:pPr>
             <a:r>
-              <a:rPr lang="en-US" sz="3200" dirty="0" smtClean="0">
+              <a:rPr lang="en-US" sz="4400" dirty="0" smtClean="0">
                 <a:latin typeface="Arial" panose="020B0604020202020204" pitchFamily="34" charset="0"/>
                 <a:cs typeface="Arial" panose="020B0604020202020204" pitchFamily="34" charset="0"/>
               </a:rPr>
@@ -9479,13 +11090,13 @@
               <a:buChar char="•"/>
             </a:pPr>
             <a:r>
-              <a:rPr lang="en-US" sz="3200" dirty="0" smtClean="0">
+              <a:rPr lang="en-US" sz="4400" dirty="0" smtClean="0">
                 <a:latin typeface="Arial" panose="020B0604020202020204" pitchFamily="34" charset="0"/>
                 <a:cs typeface="Arial" panose="020B0604020202020204" pitchFamily="34" charset="0"/>
               </a:rPr>
               <a:t>This could be due to the way best solution is achieved (no rotations)</a:t>
             </a:r>
-            <a:endParaRPr lang="et-EE" sz="3200" dirty="0">
+            <a:endParaRPr lang="et-EE" sz="4400" dirty="0">
               <a:latin typeface="Arial" panose="020B0604020202020204" pitchFamily="34" charset="0"/>
               <a:cs typeface="Arial" panose="020B0604020202020204" pitchFamily="34" charset="0"/>
             </a:endParaRPr>
@@ -9512,7 +11123,7 @@
 </p:sld>
 </file>
 
-<file path=ppt/slides/slide24.xml><?xml version="1.0" encoding="utf-8"?>
+<file path=ppt/slides/slide25.xml><?xml version="1.0" encoding="utf-8"?>
 <p:sld xmlns:a="http://schemas.openxmlformats.org/drawingml/2006/main" xmlns:r="http://schemas.openxmlformats.org/officeDocument/2006/relationships" xmlns:p="http://schemas.openxmlformats.org/presentationml/2006/main">
   <p:cSld>
     <p:spTree>
@@ -9531,37 +11142,6 @@
       </p:grpSpPr>
       <p:sp>
         <p:nvSpPr>
-          <p:cNvPr id="2" name="Title 1"/>
-          <p:cNvSpPr>
-            <a:spLocks noGrp="1"/>
-          </p:cNvSpPr>
-          <p:nvPr>
-            <p:ph type="title"/>
-          </p:nvPr>
-        </p:nvSpPr>
-        <p:spPr/>
-        <p:txBody>
-          <a:bodyPr/>
-          <a:lstStyle/>
-          <a:p>
-            <a:r>
-              <a:rPr lang="en-US" dirty="0" smtClean="0">
-                <a:solidFill>
-                  <a:srgbClr val="0070C0"/>
-                </a:solidFill>
-              </a:rPr>
-              <a:t>External factors</a:t>
-            </a:r>
-            <a:endParaRPr lang="et-EE" dirty="0">
-              <a:solidFill>
-                <a:srgbClr val="0070C0"/>
-              </a:solidFill>
-            </a:endParaRPr>
-          </a:p>
-        </p:txBody>
-      </p:sp>
-      <p:sp>
-        <p:nvSpPr>
           <p:cNvPr id="3" name="Content Placeholder 2"/>
           <p:cNvSpPr>
             <a:spLocks noGrp="1"/>
@@ -9570,10 +11150,15 @@
             <p:ph idx="1"/>
           </p:nvPr>
         </p:nvSpPr>
-        <p:spPr/>
+        <p:spPr>
+          <a:xfrm>
+            <a:off x="1268569" y="856446"/>
+            <a:ext cx="9601200" cy="3581400"/>
+          </a:xfrm>
+        </p:spPr>
         <p:txBody>
           <a:bodyPr>
-            <a:normAutofit/>
+            <a:noAutofit/>
           </a:bodyPr>
           <a:lstStyle/>
           <a:p>
@@ -9582,7 +11167,10 @@
               <a:buChar char="•"/>
             </a:pPr>
             <a:r>
-              <a:rPr lang="en-US" sz="3200" dirty="0" smtClean="0"/>
+              <a:rPr lang="en-US" sz="4400" dirty="0" smtClean="0">
+                <a:latin typeface="Arial" panose="020B0604020202020204" pitchFamily="34" charset="0"/>
+                <a:cs typeface="Arial" panose="020B0604020202020204" pitchFamily="34" charset="0"/>
+              </a:rPr>
               <a:t>Experiments with different number of packages and new package types</a:t>
             </a:r>
           </a:p>
@@ -9592,7 +11180,10 @@
               <a:buChar char="•"/>
             </a:pPr>
             <a:r>
-              <a:rPr lang="en-US" sz="3200" dirty="0" smtClean="0"/>
+              <a:rPr lang="en-US" sz="4400" dirty="0" smtClean="0">
+                <a:latin typeface="Arial" panose="020B0604020202020204" pitchFamily="34" charset="0"/>
+                <a:cs typeface="Arial" panose="020B0604020202020204" pitchFamily="34" charset="0"/>
+              </a:rPr>
               <a:t>No correlation between performance and certain package shapes</a:t>
             </a:r>
           </a:p>
@@ -9602,10 +11193,16 @@
               <a:buChar char="•"/>
             </a:pPr>
             <a:r>
-              <a:rPr lang="en-US" sz="3200" dirty="0" smtClean="0"/>
+              <a:rPr lang="en-US" sz="4400" dirty="0" smtClean="0">
+                <a:latin typeface="Arial" panose="020B0604020202020204" pitchFamily="34" charset="0"/>
+                <a:cs typeface="Arial" panose="020B0604020202020204" pitchFamily="34" charset="0"/>
+              </a:rPr>
               <a:t>Genetic algorithm has the best performance</a:t>
             </a:r>
-            <a:endParaRPr lang="et-EE" sz="3200" dirty="0"/>
+            <a:endParaRPr lang="et-EE" sz="4400" dirty="0">
+              <a:latin typeface="Arial" panose="020B0604020202020204" pitchFamily="34" charset="0"/>
+              <a:cs typeface="Arial" panose="020B0604020202020204" pitchFamily="34" charset="0"/>
+            </a:endParaRPr>
           </a:p>
         </p:txBody>
       </p:sp>
@@ -9619,10 +11216,17 @@
   <p:clrMapOvr>
     <a:masterClrMapping/>
   </p:clrMapOvr>
+  <p:timing>
+    <p:tnLst>
+      <p:par>
+        <p:cTn id="1" dur="indefinite" restart="never" nodeType="tmRoot"/>
+      </p:par>
+    </p:tnLst>
+  </p:timing>
 </p:sld>
 </file>
 
-<file path=ppt/slides/slide25.xml><?xml version="1.0" encoding="utf-8"?>
+<file path=ppt/slides/slide26.xml><?xml version="1.0" encoding="utf-8"?>
 <p:sld xmlns:a="http://schemas.openxmlformats.org/drawingml/2006/main" xmlns:r="http://schemas.openxmlformats.org/officeDocument/2006/relationships" xmlns:p="http://schemas.openxmlformats.org/presentationml/2006/main">
   <p:cSld>
     <p:spTree>
@@ -9651,32 +11255,69 @@
         </p:nvSpPr>
         <p:spPr>
           <a:xfrm>
-            <a:off x="880265" y="170399"/>
-            <a:ext cx="9875520" cy="1356360"/>
+            <a:off x="3947375" y="2952482"/>
+            <a:ext cx="9601200" cy="1485900"/>
           </a:xfrm>
         </p:spPr>
         <p:txBody>
-          <a:bodyPr/>
+          <a:bodyPr>
+            <a:normAutofit/>
+          </a:bodyPr>
           <a:lstStyle/>
           <a:p>
             <a:r>
-              <a:rPr lang="en-US" dirty="0" smtClean="0">
+              <a:rPr lang="en-US" sz="6000" dirty="0" smtClean="0">
                 <a:solidFill>
                   <a:srgbClr val="0070C0"/>
                 </a:solidFill>
-                <a:cs typeface="Arial" panose="020B0604020202020204" pitchFamily="34" charset="0"/>
               </a:rPr>
-              <a:t>Conclusions</a:t>
-            </a:r>
-            <a:endParaRPr lang="et-EE" dirty="0">
+              <a:t>CONCLUSIONS</a:t>
+            </a:r>
+            <a:endParaRPr lang="et-EE" sz="6000" dirty="0">
               <a:solidFill>
                 <a:srgbClr val="0070C0"/>
               </a:solidFill>
-              <a:cs typeface="Arial" panose="020B0604020202020204" pitchFamily="34" charset="0"/>
             </a:endParaRPr>
           </a:p>
         </p:txBody>
       </p:sp>
+    </p:spTree>
+    <p:extLst>
+      <p:ext uri="{BB962C8B-B14F-4D97-AF65-F5344CB8AC3E}">
+        <p14:creationId xmlns:p14="http://schemas.microsoft.com/office/powerpoint/2010/main" val="4220528472"/>
+      </p:ext>
+    </p:extLst>
+  </p:cSld>
+  <p:clrMapOvr>
+    <a:masterClrMapping/>
+  </p:clrMapOvr>
+  <p:timing>
+    <p:tnLst>
+      <p:par>
+        <p:cTn id="1" dur="indefinite" restart="never" nodeType="tmRoot"/>
+      </p:par>
+    </p:tnLst>
+  </p:timing>
+</p:sld>
+</file>
+
+<file path=ppt/slides/slide27.xml><?xml version="1.0" encoding="utf-8"?>
+<p:sld xmlns:a="http://schemas.openxmlformats.org/drawingml/2006/main" xmlns:r="http://schemas.openxmlformats.org/officeDocument/2006/relationships" xmlns:p="http://schemas.openxmlformats.org/presentationml/2006/main">
+  <p:cSld>
+    <p:spTree>
+      <p:nvGrpSpPr>
+        <p:cNvPr id="1" name=""/>
+        <p:cNvGrpSpPr/>
+        <p:nvPr/>
+      </p:nvGrpSpPr>
+      <p:grpSpPr>
+        <a:xfrm>
+          <a:off x="0" y="0"/>
+          <a:ext cx="0" cy="0"/>
+          <a:chOff x="0" y="0"/>
+          <a:chExt cx="0" cy="0"/>
+        </a:xfrm>
+      </p:grpSpPr>
       <p:sp>
         <p:nvSpPr>
           <p:cNvPr id="3" name="Content Placeholder 2"/>
@@ -9689,8 +11330,8 @@
         </p:nvSpPr>
         <p:spPr>
           <a:xfrm>
-            <a:off x="880265" y="1324018"/>
-            <a:ext cx="9872871" cy="5359170"/>
+            <a:off x="931781" y="358103"/>
+            <a:ext cx="10775115" cy="6377548"/>
           </a:xfrm>
         </p:spPr>
         <p:txBody>
@@ -9705,7 +11346,7 @@
               <a:buChar char="•"/>
             </a:pPr>
             <a:r>
-              <a:rPr lang="en-US" sz="2400" dirty="0" smtClean="0">
+              <a:rPr lang="en-US" sz="2800" dirty="0" smtClean="0">
                 <a:solidFill>
                   <a:schemeClr val="tx1"/>
                 </a:solidFill>
@@ -9722,7 +11363,7 @@
               <a:buChar char="•"/>
             </a:pPr>
             <a:r>
-              <a:rPr lang="en-US" sz="2400" dirty="0" smtClean="0">
+              <a:rPr lang="en-US" sz="2800" dirty="0" smtClean="0">
                 <a:solidFill>
                   <a:schemeClr val="tx1"/>
                 </a:solidFill>
@@ -9739,7 +11380,7 @@
               <a:buChar char="•"/>
             </a:pPr>
             <a:r>
-              <a:rPr lang="en-US" sz="2400" dirty="0" smtClean="0">
+              <a:rPr lang="en-US" sz="2800" dirty="0" smtClean="0">
                 <a:solidFill>
                   <a:schemeClr val="tx1"/>
                 </a:solidFill>
@@ -9755,7 +11396,7 @@
               <a:buFont typeface="Arial" panose="020B0604020202020204" pitchFamily="34" charset="0"/>
               <a:buChar char="•"/>
             </a:pPr>
-            <a:endParaRPr lang="en-US" sz="2400" dirty="0" smtClean="0">
+            <a:endParaRPr lang="en-US" sz="2800" dirty="0" smtClean="0">
               <a:solidFill>
                 <a:schemeClr val="tx1"/>
               </a:solidFill>
@@ -9770,7 +11411,7 @@
               <a:buChar char="•"/>
             </a:pPr>
             <a:r>
-              <a:rPr lang="en-US" sz="2400" dirty="0" smtClean="0">
+              <a:rPr lang="en-US" sz="2800" dirty="0" smtClean="0">
                 <a:solidFill>
                   <a:schemeClr val="tx1"/>
                 </a:solidFill>
@@ -9786,7 +11427,7 @@
               <a:buChar char="•"/>
             </a:pPr>
             <a:r>
-              <a:rPr lang="en-US" sz="2400" dirty="0" smtClean="0">
+              <a:rPr lang="en-US" sz="2800" dirty="0" smtClean="0">
                 <a:solidFill>
                   <a:schemeClr val="tx1"/>
                 </a:solidFill>
@@ -9802,7 +11443,7 @@
               <a:buChar char="•"/>
             </a:pPr>
             <a:r>
-              <a:rPr lang="en-US" sz="2400" dirty="0">
+              <a:rPr lang="en-US" sz="2800" dirty="0">
                 <a:solidFill>
                   <a:schemeClr val="tx1"/>
                 </a:solidFill>
@@ -9812,7 +11453,7 @@
               <a:t>For reasonably fast and good solutions: Hill Climbing </a:t>
             </a:r>
             <a:r>
-              <a:rPr lang="en-US" sz="2400" dirty="0" smtClean="0">
+              <a:rPr lang="en-US" sz="2800" dirty="0" smtClean="0">
                 <a:solidFill>
                   <a:schemeClr val="tx1"/>
                 </a:solidFill>
@@ -9828,7 +11469,7 @@
               <a:buChar char="•"/>
             </a:pPr>
             <a:r>
-              <a:rPr lang="en-US" sz="2400" dirty="0">
+              <a:rPr lang="en-US" sz="2800" dirty="0">
                 <a:solidFill>
                   <a:schemeClr val="tx1"/>
                 </a:solidFill>
@@ -9928,23 +11569,25 @@
         </p:nvSpPr>
         <p:spPr>
           <a:xfrm>
-            <a:off x="757492" y="190660"/>
-            <a:ext cx="9875520" cy="1356360"/>
+            <a:off x="2067060" y="2862330"/>
+            <a:ext cx="9601200" cy="1485900"/>
           </a:xfrm>
         </p:spPr>
         <p:txBody>
-          <a:bodyPr/>
+          <a:bodyPr>
+            <a:normAutofit/>
+          </a:bodyPr>
           <a:lstStyle/>
           <a:p>
             <a:r>
-              <a:rPr lang="en-US" dirty="0" smtClean="0">
+              <a:rPr lang="en-US" sz="6000" dirty="0" smtClean="0">
                 <a:solidFill>
                   <a:srgbClr val="0070C0"/>
                 </a:solidFill>
               </a:rPr>
-              <a:t>Assignment description</a:t>
-            </a:r>
-            <a:endParaRPr lang="et-EE" dirty="0">
+              <a:t>ASSIGNMENT DESCRIPTION</a:t>
+            </a:r>
+            <a:endParaRPr lang="et-EE" sz="6000" dirty="0">
               <a:solidFill>
                 <a:srgbClr val="0070C0"/>
               </a:solidFill>
@@ -9952,6 +11595,43 @@
           </a:p>
         </p:txBody>
       </p:sp>
+    </p:spTree>
+    <p:extLst>
+      <p:ext uri="{BB962C8B-B14F-4D97-AF65-F5344CB8AC3E}">
+        <p14:creationId xmlns:p14="http://schemas.microsoft.com/office/powerpoint/2010/main" val="3194488286"/>
+      </p:ext>
+    </p:extLst>
+  </p:cSld>
+  <p:clrMapOvr>
+    <a:masterClrMapping/>
+  </p:clrMapOvr>
+  <p:timing>
+    <p:tnLst>
+      <p:par>
+        <p:cTn id="1" dur="indefinite" restart="never" nodeType="tmRoot"/>
+      </p:par>
+    </p:tnLst>
+  </p:timing>
+</p:sld>
+</file>
+
+<file path=ppt/slides/slide4.xml><?xml version="1.0" encoding="utf-8"?>
+<p:sld xmlns:a="http://schemas.openxmlformats.org/drawingml/2006/main" xmlns:r="http://schemas.openxmlformats.org/officeDocument/2006/relationships" xmlns:p="http://schemas.openxmlformats.org/presentationml/2006/main">
+  <p:cSld>
+    <p:spTree>
+      <p:nvGrpSpPr>
+        <p:cNvPr id="1" name=""/>
+        <p:cNvGrpSpPr/>
+        <p:nvPr/>
+      </p:nvGrpSpPr>
+      <p:grpSpPr>
+        <a:xfrm>
+          <a:off x="0" y="0"/>
+          <a:ext cx="0" cy="0"/>
+          <a:chOff x="0" y="0"/>
+          <a:chExt cx="0" cy="0"/>
+        </a:xfrm>
+      </p:grpSpPr>
       <p:sp>
         <p:nvSpPr>
           <p:cNvPr id="3" name="Content Placeholder 2"/>
@@ -9964,7 +11644,7 @@
         </p:nvSpPr>
         <p:spPr>
           <a:xfrm>
-            <a:off x="906648" y="1249960"/>
+            <a:off x="803617" y="541484"/>
             <a:ext cx="9872871" cy="4038600"/>
           </a:xfrm>
         </p:spPr>
@@ -9980,7 +11660,7 @@
               <a:buChar char="•"/>
             </a:pPr>
             <a:r>
-              <a:rPr lang="en-US" sz="2400" dirty="0" smtClean="0">
+              <a:rPr lang="en-US" sz="2800" dirty="0" smtClean="0">
                 <a:solidFill>
                   <a:schemeClr val="tx1"/>
                 </a:solidFill>
@@ -9997,7 +11677,7 @@
               <a:buChar char="•"/>
             </a:pPr>
             <a:r>
-              <a:rPr lang="en-US" sz="2400" dirty="0" smtClean="0">
+              <a:rPr lang="en-US" sz="2800" dirty="0" smtClean="0">
                 <a:solidFill>
                   <a:schemeClr val="tx1"/>
                 </a:solidFill>
@@ -10007,7 +11687,7 @@
               <a:t>Three packages with certain values and a </a:t>
             </a:r>
             <a:r>
-              <a:rPr lang="en-US" sz="2400" dirty="0" err="1" smtClean="0">
+              <a:rPr lang="en-US" sz="2800" dirty="0" err="1" smtClean="0">
                 <a:solidFill>
                   <a:schemeClr val="tx1"/>
                 </a:solidFill>
@@ -10017,7 +11697,7 @@
               <a:t>cargosace</a:t>
             </a:r>
             <a:r>
-              <a:rPr lang="en-US" sz="2400" dirty="0" smtClean="0">
+              <a:rPr lang="en-US" sz="2800" dirty="0" smtClean="0">
                 <a:solidFill>
                   <a:schemeClr val="tx1"/>
                 </a:solidFill>
@@ -10034,7 +11714,7 @@
               <a:buChar char="•"/>
             </a:pPr>
             <a:r>
-              <a:rPr lang="en-GB" sz="2400" dirty="0">
+              <a:rPr lang="en-GB" sz="2800" dirty="0">
                 <a:solidFill>
                   <a:schemeClr val="tx1"/>
                 </a:solidFill>
@@ -10044,7 +11724,7 @@
               <a:t>A: 1.0 x 1.0 x </a:t>
             </a:r>
             <a:r>
-              <a:rPr lang="en-GB" sz="2400" dirty="0" smtClean="0">
+              <a:rPr lang="en-GB" sz="2800" dirty="0" smtClean="0">
                 <a:solidFill>
                   <a:schemeClr val="tx1"/>
                 </a:solidFill>
@@ -10061,7 +11741,7 @@
               <a:buChar char="•"/>
             </a:pPr>
             <a:r>
-              <a:rPr lang="en-GB" sz="2400" dirty="0">
+              <a:rPr lang="en-GB" sz="2800" dirty="0">
                 <a:solidFill>
                   <a:schemeClr val="tx1"/>
                 </a:solidFill>
@@ -10071,7 +11751,7 @@
               <a:t>B: 1.0 x 1.5 x 2.0 (m</a:t>
             </a:r>
             <a:r>
-              <a:rPr lang="en-GB" sz="2400" dirty="0" smtClean="0">
+              <a:rPr lang="en-GB" sz="2800" dirty="0" smtClean="0">
                 <a:solidFill>
                   <a:schemeClr val="tx1"/>
                 </a:solidFill>
@@ -10088,7 +11768,7 @@
               <a:buChar char="•"/>
             </a:pPr>
             <a:r>
-              <a:rPr lang="en-GB" sz="2400" dirty="0">
+              <a:rPr lang="en-GB" sz="2800" dirty="0">
                 <a:solidFill>
                   <a:schemeClr val="tx1"/>
                 </a:solidFill>
@@ -10098,7 +11778,7 @@
               <a:t>C: 1.5 x 1.5 </a:t>
             </a:r>
             <a:r>
-              <a:rPr lang="en-GB" sz="2400" dirty="0" smtClean="0">
+              <a:rPr lang="en-GB" sz="2800" dirty="0" smtClean="0">
                 <a:solidFill>
                   <a:schemeClr val="tx1"/>
                 </a:solidFill>
@@ -10108,7 +11788,7 @@
               <a:t>x 1.5 (</a:t>
             </a:r>
             <a:r>
-              <a:rPr lang="en-GB" sz="2400" dirty="0">
+              <a:rPr lang="en-GB" sz="2800" dirty="0">
                 <a:solidFill>
                   <a:schemeClr val="tx1"/>
                 </a:solidFill>
@@ -10118,7 +11798,7 @@
               <a:t>m</a:t>
             </a:r>
             <a:r>
-              <a:rPr lang="en-GB" sz="2400" dirty="0" smtClean="0">
+              <a:rPr lang="en-GB" sz="2800" dirty="0" smtClean="0">
                 <a:solidFill>
                   <a:schemeClr val="tx1"/>
                 </a:solidFill>
@@ -10135,7 +11815,7 @@
               <a:buChar char="•"/>
             </a:pPr>
             <a:r>
-              <a:rPr lang="en-GB" sz="2400" dirty="0" err="1" smtClean="0">
+              <a:rPr lang="en-GB" sz="2800" dirty="0" err="1" smtClean="0">
                 <a:solidFill>
                   <a:schemeClr val="tx1"/>
                 </a:solidFill>
@@ -10145,7 +11825,7 @@
               <a:t>Cargospace</a:t>
             </a:r>
             <a:r>
-              <a:rPr lang="en-GB" sz="2400" dirty="0" smtClean="0">
+              <a:rPr lang="en-GB" sz="2800" dirty="0" smtClean="0">
                 <a:solidFill>
                   <a:schemeClr val="tx1"/>
                 </a:solidFill>
@@ -10154,7 +11834,7 @@
               </a:rPr>
               <a:t>: 16.5 x 2.5 x 4.0 (m)</a:t>
             </a:r>
-            <a:endParaRPr lang="et-EE" sz="2400" dirty="0">
+            <a:endParaRPr lang="et-EE" sz="2800" dirty="0">
               <a:solidFill>
                 <a:schemeClr val="tx1"/>
               </a:solidFill>
@@ -10186,7 +11866,7 @@
         </p:blipFill>
         <p:spPr>
           <a:xfrm>
-            <a:off x="6248243" y="3955558"/>
+            <a:off x="6488559" y="3939421"/>
             <a:ext cx="4066384" cy="2371550"/>
           </a:xfrm>
           <a:prstGeom prst="rect">
@@ -10202,7 +11882,7 @@
         </p:nvCxnSpPr>
         <p:spPr>
           <a:xfrm flipV="1">
-            <a:off x="9762024" y="5622417"/>
+            <a:off x="9962539" y="5605767"/>
             <a:ext cx="592403" cy="603605"/>
           </a:xfrm>
           <a:prstGeom prst="straightConnector1">
@@ -10238,7 +11918,7 @@
         </p:nvCxnSpPr>
         <p:spPr>
           <a:xfrm>
-            <a:off x="7079407" y="3841724"/>
+            <a:off x="7319722" y="3855990"/>
             <a:ext cx="3235220" cy="12878"/>
           </a:xfrm>
           <a:prstGeom prst="straightConnector1">
@@ -10274,7 +11954,7 @@
         </p:nvCxnSpPr>
         <p:spPr>
           <a:xfrm flipV="1">
-            <a:off x="6146671" y="4880246"/>
+            <a:off x="6365612" y="4778647"/>
             <a:ext cx="0" cy="1430725"/>
           </a:xfrm>
           <a:prstGeom prst="straightConnector1">
@@ -10310,7 +11990,7 @@
         </p:nvSpPr>
         <p:spPr>
           <a:xfrm>
-            <a:off x="8281435" y="3421345"/>
+            <a:off x="8426065" y="3499536"/>
             <a:ext cx="2588654" cy="369332"/>
           </a:xfrm>
           <a:prstGeom prst="rect">
@@ -10340,7 +12020,7 @@
         </p:nvSpPr>
         <p:spPr>
           <a:xfrm>
-            <a:off x="10058225" y="5822174"/>
+            <a:off x="10258741" y="5933930"/>
             <a:ext cx="1511956" cy="377041"/>
           </a:xfrm>
           <a:prstGeom prst="rect">
@@ -10370,7 +12050,7 @@
         </p:nvSpPr>
         <p:spPr>
           <a:xfrm>
-            <a:off x="5393855" y="5364813"/>
+            <a:off x="5740052" y="5260861"/>
             <a:ext cx="1094704" cy="369332"/>
           </a:xfrm>
           <a:prstGeom prst="rect">
@@ -10396,79 +12076,6 @@
     <p:extLst>
       <p:ext uri="{BB962C8B-B14F-4D97-AF65-F5344CB8AC3E}">
         <p14:creationId xmlns:p14="http://schemas.microsoft.com/office/powerpoint/2010/main" val="116565417"/>
-      </p:ext>
-    </p:extLst>
-  </p:cSld>
-  <p:clrMapOvr>
-    <a:masterClrMapping/>
-  </p:clrMapOvr>
-  <p:timing>
-    <p:tnLst>
-      <p:par>
-        <p:cTn id="1" dur="indefinite" restart="never" nodeType="tmRoot"/>
-      </p:par>
-    </p:tnLst>
-  </p:timing>
-</p:sld>
-</file>
-
-<file path=ppt/slides/slide4.xml><?xml version="1.0" encoding="utf-8"?>
-<p:sld xmlns:a="http://schemas.openxmlformats.org/drawingml/2006/main" xmlns:r="http://schemas.openxmlformats.org/officeDocument/2006/relationships" xmlns:p="http://schemas.openxmlformats.org/presentationml/2006/main">
-  <p:cSld>
-    <p:spTree>
-      <p:nvGrpSpPr>
-        <p:cNvPr id="1" name=""/>
-        <p:cNvGrpSpPr/>
-        <p:nvPr/>
-      </p:nvGrpSpPr>
-      <p:grpSpPr>
-        <a:xfrm>
-          <a:off x="0" y="0"/>
-          <a:ext cx="0" cy="0"/>
-          <a:chOff x="0" y="0"/>
-          <a:chExt cx="0" cy="0"/>
-        </a:xfrm>
-      </p:grpSpPr>
-      <p:sp>
-        <p:nvSpPr>
-          <p:cNvPr id="2" name="Title 1"/>
-          <p:cNvSpPr>
-            <a:spLocks noGrp="1"/>
-          </p:cNvSpPr>
-          <p:nvPr>
-            <p:ph type="title"/>
-          </p:nvPr>
-        </p:nvSpPr>
-        <p:spPr>
-          <a:xfrm>
-            <a:off x="3895859" y="3222938"/>
-            <a:ext cx="9601200" cy="1485900"/>
-          </a:xfrm>
-        </p:spPr>
-        <p:txBody>
-          <a:bodyPr/>
-          <a:lstStyle/>
-          <a:p>
-            <a:r>
-              <a:rPr lang="en-US" dirty="0" smtClean="0">
-                <a:solidFill>
-                  <a:srgbClr val="0070C0"/>
-                </a:solidFill>
-              </a:rPr>
-              <a:t>ASSIGNMENT RESULTS</a:t>
-            </a:r>
-            <a:endParaRPr lang="et-EE" dirty="0">
-              <a:solidFill>
-                <a:srgbClr val="0070C0"/>
-              </a:solidFill>
-            </a:endParaRPr>
-          </a:p>
-        </p:txBody>
-      </p:sp>
-    </p:spTree>
-    <p:extLst>
-      <p:ext uri="{BB962C8B-B14F-4D97-AF65-F5344CB8AC3E}">
-        <p14:creationId xmlns:p14="http://schemas.microsoft.com/office/powerpoint/2010/main" val="3479612855"/>
       </p:ext>
     </p:extLst>
   </p:cSld>
@@ -10514,8 +12121,8 @@
         </p:nvSpPr>
         <p:spPr>
           <a:xfrm>
-            <a:off x="786756" y="239496"/>
-            <a:ext cx="9875520" cy="1356360"/>
+            <a:off x="3895859" y="3222938"/>
+            <a:ext cx="9601200" cy="1485900"/>
           </a:xfrm>
         </p:spPr>
         <p:txBody>
@@ -10527,107 +12134,21 @@
                 <a:solidFill>
                   <a:srgbClr val="0070C0"/>
                 </a:solidFill>
-                <a:cs typeface="Arial" panose="020B0604020202020204" pitchFamily="34" charset="0"/>
               </a:rPr>
-              <a:t>Using rectangular packages</a:t>
+              <a:t>ASSIGNMENT RESULTS</a:t>
             </a:r>
             <a:endParaRPr lang="et-EE" dirty="0">
               <a:solidFill>
                 <a:srgbClr val="0070C0"/>
               </a:solidFill>
-              <a:cs typeface="Arial" panose="020B0604020202020204" pitchFamily="34" charset="0"/>
             </a:endParaRPr>
-          </a:p>
-        </p:txBody>
-      </p:sp>
-      <p:sp>
-        <p:nvSpPr>
-          <p:cNvPr id="3" name="Content Placeholder 2"/>
-          <p:cNvSpPr>
-            <a:spLocks noGrp="1"/>
-          </p:cNvSpPr>
-          <p:nvPr>
-            <p:ph idx="1"/>
-          </p:nvPr>
-        </p:nvSpPr>
-        <p:spPr>
-          <a:xfrm>
-            <a:off x="892436" y="1789416"/>
-            <a:ext cx="9872871" cy="4038600"/>
-          </a:xfrm>
-        </p:spPr>
-        <p:txBody>
-          <a:bodyPr>
-            <a:normAutofit/>
-          </a:bodyPr>
-          <a:lstStyle/>
-          <a:p>
-            <a:pPr>
-              <a:buClr>
-                <a:schemeClr val="tx1"/>
-              </a:buClr>
-              <a:buFont typeface="Arial" panose="020B0604020202020204" pitchFamily="34" charset="0"/>
-              <a:buChar char="•"/>
-            </a:pPr>
-            <a:r>
-              <a:rPr lang="en-US" sz="4000" dirty="0">
-                <a:solidFill>
-                  <a:schemeClr val="tx1"/>
-                </a:solidFill>
-                <a:latin typeface="Arial" panose="020B0604020202020204" pitchFamily="34" charset="0"/>
-                <a:cs typeface="Arial" panose="020B0604020202020204" pitchFamily="34" charset="0"/>
-              </a:rPr>
-              <a:t>N</a:t>
-            </a:r>
-            <a:r>
-              <a:rPr lang="en-US" sz="4000" dirty="0" smtClean="0">
-                <a:solidFill>
-                  <a:schemeClr val="tx1"/>
-                </a:solidFill>
-                <a:latin typeface="Arial" panose="020B0604020202020204" pitchFamily="34" charset="0"/>
-                <a:cs typeface="Arial" panose="020B0604020202020204" pitchFamily="34" charset="0"/>
-              </a:rPr>
-              <a:t>o solution to filling the entire cargo space with A,B and/or C packages has been found.</a:t>
-            </a:r>
-          </a:p>
-          <a:p>
-            <a:pPr>
-              <a:buClr>
-                <a:schemeClr val="tx1"/>
-              </a:buClr>
-              <a:buFont typeface="Arial" panose="020B0604020202020204" pitchFamily="34" charset="0"/>
-              <a:buChar char="•"/>
-            </a:pPr>
-            <a:r>
-              <a:rPr lang="en-US" sz="4000" dirty="0" smtClean="0">
-                <a:solidFill>
-                  <a:schemeClr val="tx1"/>
-                </a:solidFill>
-                <a:latin typeface="Arial" panose="020B0604020202020204" pitchFamily="34" charset="0"/>
-                <a:cs typeface="Arial" panose="020B0604020202020204" pitchFamily="34" charset="0"/>
-              </a:rPr>
-              <a:t>Best result found for maximizing a single packing: </a:t>
-            </a:r>
-            <a:r>
-              <a:rPr lang="en-US" sz="4000" b="1" dirty="0" smtClean="0">
-                <a:solidFill>
-                  <a:schemeClr val="tx1"/>
-                </a:solidFill>
-                <a:latin typeface="Arial" panose="020B0604020202020204" pitchFamily="34" charset="0"/>
-                <a:cs typeface="Arial" panose="020B0604020202020204" pitchFamily="34" charset="0"/>
-              </a:rPr>
-              <a:t>240</a:t>
-            </a:r>
-          </a:p>
-          <a:p>
-            <a:endParaRPr lang="et-EE" sz="2800" dirty="0"/>
           </a:p>
         </p:txBody>
       </p:sp>
     </p:spTree>
     <p:extLst>
       <p:ext uri="{BB962C8B-B14F-4D97-AF65-F5344CB8AC3E}">
-        <p14:creationId xmlns:p14="http://schemas.microsoft.com/office/powerpoint/2010/main" val="2928455462"/>
+        <p14:creationId xmlns:p14="http://schemas.microsoft.com/office/powerpoint/2010/main" val="3479612855"/>
       </p:ext>
     </p:extLst>
   </p:cSld>
@@ -10663,62 +12184,6 @@
       </p:grpSpPr>
       <p:sp>
         <p:nvSpPr>
-          <p:cNvPr id="2" name="Title 1"/>
-          <p:cNvSpPr>
-            <a:spLocks noGrp="1"/>
-          </p:cNvSpPr>
-          <p:nvPr>
-            <p:ph type="title"/>
-          </p:nvPr>
-        </p:nvSpPr>
-        <p:spPr>
-          <a:xfrm>
-            <a:off x="708546" y="257144"/>
-            <a:ext cx="9875520" cy="1356360"/>
-          </a:xfrm>
-        </p:spPr>
-        <p:txBody>
-          <a:bodyPr/>
-          <a:lstStyle/>
-          <a:p>
-            <a:r>
-              <a:rPr lang="en-US" dirty="0" smtClean="0">
-                <a:solidFill>
-                  <a:srgbClr val="0070C0"/>
-                </a:solidFill>
-                <a:cs typeface="Arial" panose="020B0604020202020204" pitchFamily="34" charset="0"/>
-              </a:rPr>
-              <a:t>Using </a:t>
-            </a:r>
-            <a:r>
-              <a:rPr lang="en-US" dirty="0" err="1" smtClean="0">
-                <a:solidFill>
-                  <a:srgbClr val="0070C0"/>
-                </a:solidFill>
-                <a:cs typeface="Arial" panose="020B0604020202020204" pitchFamily="34" charset="0"/>
-              </a:rPr>
-              <a:t>pentomino</a:t>
-            </a:r>
-            <a:r>
-              <a:rPr lang="en-US" dirty="0" smtClean="0">
-                <a:solidFill>
-                  <a:srgbClr val="0070C0"/>
-                </a:solidFill>
-                <a:cs typeface="Arial" panose="020B0604020202020204" pitchFamily="34" charset="0"/>
-              </a:rPr>
-              <a:t>-shaped packages</a:t>
-            </a:r>
-            <a:endParaRPr lang="et-EE" dirty="0">
-              <a:solidFill>
-                <a:srgbClr val="0070C0"/>
-              </a:solidFill>
-              <a:cs typeface="Arial" panose="020B0604020202020204" pitchFamily="34" charset="0"/>
-            </a:endParaRPr>
-          </a:p>
-        </p:txBody>
-      </p:sp>
-      <p:sp>
-        <p:nvSpPr>
           <p:cNvPr id="3" name="Content Placeholder 2"/>
           <p:cNvSpPr>
             <a:spLocks noGrp="1"/>
@@ -10729,8 +12194,8 @@
         </p:nvSpPr>
         <p:spPr>
           <a:xfrm>
-            <a:off x="869910" y="1788316"/>
-            <a:ext cx="8596668" cy="3880773"/>
+            <a:off x="1034104" y="720470"/>
+            <a:ext cx="9872871" cy="4038600"/>
           </a:xfrm>
         </p:spPr>
         <p:txBody>
@@ -10747,39 +12212,25 @@
               <a:buChar char="•"/>
             </a:pPr>
             <a:r>
-              <a:rPr lang="en-US" sz="3200" dirty="0" smtClean="0">
+              <a:rPr lang="en-US" sz="4000" dirty="0">
                 <a:solidFill>
                   <a:schemeClr val="tx1"/>
                 </a:solidFill>
                 <a:latin typeface="Arial" panose="020B0604020202020204" pitchFamily="34" charset="0"/>
                 <a:cs typeface="Arial" panose="020B0604020202020204" pitchFamily="34" charset="0"/>
               </a:rPr>
-              <a:t>It is possible to fill the entire </a:t>
-            </a:r>
-            <a:r>
-              <a:rPr lang="en-US" sz="3200" dirty="0" err="1" smtClean="0">
+              <a:t>N</a:t>
+            </a:r>
+            <a:r>
+              <a:rPr lang="en-US" sz="4000" dirty="0" smtClean="0">
                 <a:solidFill>
                   <a:schemeClr val="tx1"/>
                 </a:solidFill>
                 <a:latin typeface="Arial" panose="020B0604020202020204" pitchFamily="34" charset="0"/>
                 <a:cs typeface="Arial" panose="020B0604020202020204" pitchFamily="34" charset="0"/>
               </a:rPr>
-              <a:t>cargospace</a:t>
-            </a:r>
-            <a:r>
-              <a:rPr lang="en-US" sz="3200" dirty="0" smtClean="0">
-                <a:solidFill>
-                  <a:schemeClr val="tx1"/>
-                </a:solidFill>
-                <a:latin typeface="Arial" panose="020B0604020202020204" pitchFamily="34" charset="0"/>
-                <a:cs typeface="Arial" panose="020B0604020202020204" pitchFamily="34" charset="0"/>
-              </a:rPr>
-              <a:t> with L,P and/or T packages.</a:t>
-            </a:r>
-            <a:endParaRPr lang="en-US" sz="3200" dirty="0">
-              <a:latin typeface="Arial" panose="020B0604020202020204" pitchFamily="34" charset="0"/>
-              <a:cs typeface="Arial" panose="020B0604020202020204" pitchFamily="34" charset="0"/>
-            </a:endParaRPr>
+              <a:t>o solution to filling the entire cargo space with A,B and/or C packages has been found.</a:t>
+            </a:r>
           </a:p>
           <a:p>
             <a:pPr>
@@ -10790,7 +12241,7 @@
               <a:buChar char="•"/>
             </a:pPr>
             <a:r>
-              <a:rPr lang="en-US" sz="3200" dirty="0" smtClean="0">
+              <a:rPr lang="en-US" sz="4000" dirty="0" smtClean="0">
                 <a:solidFill>
                   <a:schemeClr val="tx1"/>
                 </a:solidFill>
@@ -10800,59 +12251,25 @@
               <a:t>Best result found for maximizing a single packing: </a:t>
             </a:r>
             <a:r>
-              <a:rPr lang="en-US" sz="3200" b="1" dirty="0" smtClean="0">
+              <a:rPr lang="en-US" sz="4000" b="1" dirty="0" smtClean="0">
                 <a:solidFill>
                   <a:schemeClr val="tx1"/>
                 </a:solidFill>
                 <a:latin typeface="Arial" panose="020B0604020202020204" pitchFamily="34" charset="0"/>
                 <a:cs typeface="Arial" panose="020B0604020202020204" pitchFamily="34" charset="0"/>
               </a:rPr>
-              <a:t>1144</a:t>
-            </a:r>
-            <a:endParaRPr lang="et-EE" sz="3200" dirty="0">
-              <a:solidFill>
-                <a:schemeClr val="tx1"/>
-              </a:solidFill>
-              <a:latin typeface="Arial" panose="020B0604020202020204" pitchFamily="34" charset="0"/>
-              <a:cs typeface="Arial" panose="020B0604020202020204" pitchFamily="34" charset="0"/>
-            </a:endParaRPr>
+              <a:t>240</a:t>
+            </a:r>
+          </a:p>
+          <a:p>
+            <a:endParaRPr lang="et-EE" sz="2800" dirty="0"/>
           </a:p>
         </p:txBody>
       </p:sp>
-      <p:pic>
-        <p:nvPicPr>
-          <p:cNvPr id="4" name="Picture 3"/>
-          <p:cNvPicPr>
-            <a:picLocks noChangeAspect="1"/>
-          </p:cNvPicPr>
-          <p:nvPr/>
-        </p:nvPicPr>
-        <p:blipFill>
-          <a:blip r:embed="rId2">
-            <a:extLst>
-              <a:ext uri="{28A0092B-C50C-407E-A947-70E740481C1C}">
-                <a14:useLocalDpi xmlns:a14="http://schemas.microsoft.com/office/drawing/2010/main" val="0"/>
-              </a:ext>
-            </a:extLst>
-          </a:blip>
-          <a:stretch>
-            <a:fillRect/>
-          </a:stretch>
-        </p:blipFill>
-        <p:spPr>
-          <a:xfrm>
-            <a:off x="869910" y="4006195"/>
-            <a:ext cx="10815582" cy="2604569"/>
-          </a:xfrm>
-          <a:prstGeom prst="rect">
-            <a:avLst/>
-          </a:prstGeom>
-        </p:spPr>
-      </p:pic>
     </p:spTree>
     <p:extLst>
       <p:ext uri="{BB962C8B-B14F-4D97-AF65-F5344CB8AC3E}">
-        <p14:creationId xmlns:p14="http://schemas.microsoft.com/office/powerpoint/2010/main" val="4292495701"/>
+        <p14:creationId xmlns:p14="http://schemas.microsoft.com/office/powerpoint/2010/main" val="2928455462"/>
       </p:ext>
     </p:extLst>
   </p:cSld>
@@ -10888,48 +12305,99 @@
       </p:grpSpPr>
       <p:sp>
         <p:nvSpPr>
-          <p:cNvPr id="2" name="Title 1"/>
+          <p:cNvPr id="3" name="Content Placeholder 2"/>
           <p:cNvSpPr>
             <a:spLocks noGrp="1"/>
           </p:cNvSpPr>
           <p:nvPr>
-            <p:ph type="title"/>
+            <p:ph idx="1"/>
           </p:nvPr>
         </p:nvSpPr>
         <p:spPr>
           <a:xfrm>
-            <a:off x="652513" y="2993474"/>
-            <a:ext cx="10515600" cy="1325563"/>
+            <a:off x="869910" y="345882"/>
+            <a:ext cx="8596668" cy="3880773"/>
           </a:xfrm>
         </p:spPr>
         <p:txBody>
-          <a:bodyPr/>
+          <a:bodyPr>
+            <a:normAutofit/>
+          </a:bodyPr>
           <a:lstStyle/>
           <a:p>
-            <a:pPr algn="ctr"/>
-            <a:r>
-              <a:rPr lang="en-US" dirty="0" smtClean="0">
-                <a:solidFill>
-                  <a:srgbClr val="FF0000"/>
+            <a:pPr>
+              <a:buClr>
+                <a:schemeClr val="tx1"/>
+              </a:buClr>
+              <a:buFont typeface="Arial" panose="020B0604020202020204" pitchFamily="34" charset="0"/>
+              <a:buChar char="•"/>
+            </a:pPr>
+            <a:r>
+              <a:rPr lang="en-US" sz="4000" dirty="0" smtClean="0">
+                <a:solidFill>
+                  <a:schemeClr val="tx1"/>
                 </a:solidFill>
                 <a:latin typeface="Arial" panose="020B0604020202020204" pitchFamily="34" charset="0"/>
                 <a:cs typeface="Arial" panose="020B0604020202020204" pitchFamily="34" charset="0"/>
               </a:rPr>
-              <a:t>  </a:t>
-            </a:r>
-            <a:r>
-              <a:rPr lang="en-US" sz="6000" dirty="0" smtClean="0">
-                <a:solidFill>
-                  <a:srgbClr val="0070C0"/>
+              <a:t>It is possible to fill the entire </a:t>
+            </a:r>
+            <a:r>
+              <a:rPr lang="en-US" sz="4000" dirty="0" err="1" smtClean="0">
+                <a:solidFill>
+                  <a:schemeClr val="tx1"/>
                 </a:solidFill>
                 <a:latin typeface="Arial" panose="020B0604020202020204" pitchFamily="34" charset="0"/>
                 <a:cs typeface="Arial" panose="020B0604020202020204" pitchFamily="34" charset="0"/>
               </a:rPr>
-              <a:t>GREEDY ALGORITHM</a:t>
-            </a:r>
-            <a:endParaRPr lang="et-EE" sz="6000" dirty="0">
+              <a:t>cargospace</a:t>
+            </a:r>
+            <a:r>
+              <a:rPr lang="en-US" sz="4000" dirty="0" smtClean="0">
+                <a:solidFill>
+                  <a:schemeClr val="tx1"/>
+                </a:solidFill>
+                <a:latin typeface="Arial" panose="020B0604020202020204" pitchFamily="34" charset="0"/>
+                <a:cs typeface="Arial" panose="020B0604020202020204" pitchFamily="34" charset="0"/>
+              </a:rPr>
+              <a:t> with L,P and/or T packages.</a:t>
+            </a:r>
+            <a:endParaRPr lang="en-US" sz="4000" dirty="0">
+              <a:latin typeface="Arial" panose="020B0604020202020204" pitchFamily="34" charset="0"/>
+              <a:cs typeface="Arial" panose="020B0604020202020204" pitchFamily="34" charset="0"/>
+            </a:endParaRPr>
+          </a:p>
+          <a:p>
+            <a:pPr>
+              <a:buClr>
+                <a:schemeClr val="tx1"/>
+              </a:buClr>
+              <a:buFont typeface="Arial" panose="020B0604020202020204" pitchFamily="34" charset="0"/>
+              <a:buChar char="•"/>
+            </a:pPr>
+            <a:r>
+              <a:rPr lang="en-US" sz="4000" dirty="0" smtClean="0">
+                <a:solidFill>
+                  <a:schemeClr val="tx1"/>
+                </a:solidFill>
+                <a:latin typeface="Arial" panose="020B0604020202020204" pitchFamily="34" charset="0"/>
+                <a:cs typeface="Arial" panose="020B0604020202020204" pitchFamily="34" charset="0"/>
+              </a:rPr>
+              <a:t>Best result found for maximizing a single packing: </a:t>
+            </a:r>
+            <a:r>
+              <a:rPr lang="en-US" sz="4000" b="1" dirty="0" smtClean="0">
+                <a:solidFill>
+                  <a:schemeClr val="tx1"/>
+                </a:solidFill>
+                <a:latin typeface="Arial" panose="020B0604020202020204" pitchFamily="34" charset="0"/>
+                <a:cs typeface="Arial" panose="020B0604020202020204" pitchFamily="34" charset="0"/>
+              </a:rPr>
+              <a:t>1144</a:t>
+            </a:r>
+            <a:endParaRPr lang="et-EE" sz="4000" dirty="0">
               <a:solidFill>
-                <a:srgbClr val="0070C0"/>
+                <a:schemeClr val="tx1"/>
               </a:solidFill>
               <a:latin typeface="Arial" panose="020B0604020202020204" pitchFamily="34" charset="0"/>
               <a:cs typeface="Arial" panose="020B0604020202020204" pitchFamily="34" charset="0"/>
@@ -10937,10 +12405,40 @@
           </a:p>
         </p:txBody>
       </p:sp>
+      <p:pic>
+        <p:nvPicPr>
+          <p:cNvPr id="4" name="Picture 3"/>
+          <p:cNvPicPr>
+            <a:picLocks noChangeAspect="1"/>
+          </p:cNvPicPr>
+          <p:nvPr/>
+        </p:nvPicPr>
+        <p:blipFill>
+          <a:blip r:embed="rId2">
+            <a:extLst>
+              <a:ext uri="{28A0092B-C50C-407E-A947-70E740481C1C}">
+                <a14:useLocalDpi xmlns:a14="http://schemas.microsoft.com/office/drawing/2010/main" val="0"/>
+              </a:ext>
+            </a:extLst>
+          </a:blip>
+          <a:stretch>
+            <a:fillRect/>
+          </a:stretch>
+        </p:blipFill>
+        <p:spPr>
+          <a:xfrm>
+            <a:off x="869910" y="4044832"/>
+            <a:ext cx="10815582" cy="2604569"/>
+          </a:xfrm>
+          <a:prstGeom prst="rect">
+            <a:avLst/>
+          </a:prstGeom>
+        </p:spPr>
+      </p:pic>
     </p:spTree>
     <p:extLst>
       <p:ext uri="{BB962C8B-B14F-4D97-AF65-F5344CB8AC3E}">
-        <p14:creationId xmlns:p14="http://schemas.microsoft.com/office/powerpoint/2010/main" val="2548539094"/>
+        <p14:creationId xmlns:p14="http://schemas.microsoft.com/office/powerpoint/2010/main" val="4292495701"/>
       </p:ext>
     </p:extLst>
   </p:cSld>
@@ -10976,6 +12474,94 @@
       </p:grpSpPr>
       <p:sp>
         <p:nvSpPr>
+          <p:cNvPr id="2" name="Title 1"/>
+          <p:cNvSpPr>
+            <a:spLocks noGrp="1"/>
+          </p:cNvSpPr>
+          <p:nvPr>
+            <p:ph type="title"/>
+          </p:nvPr>
+        </p:nvSpPr>
+        <p:spPr>
+          <a:xfrm>
+            <a:off x="652513" y="2993474"/>
+            <a:ext cx="10515600" cy="1325563"/>
+          </a:xfrm>
+        </p:spPr>
+        <p:txBody>
+          <a:bodyPr/>
+          <a:lstStyle/>
+          <a:p>
+            <a:pPr algn="ctr"/>
+            <a:r>
+              <a:rPr lang="en-US" dirty="0" smtClean="0">
+                <a:solidFill>
+                  <a:srgbClr val="FF0000"/>
+                </a:solidFill>
+                <a:latin typeface="Arial" panose="020B0604020202020204" pitchFamily="34" charset="0"/>
+                <a:cs typeface="Arial" panose="020B0604020202020204" pitchFamily="34" charset="0"/>
+              </a:rPr>
+              <a:t>  </a:t>
+            </a:r>
+            <a:r>
+              <a:rPr lang="en-US" sz="6000" dirty="0" smtClean="0">
+                <a:solidFill>
+                  <a:srgbClr val="0070C0"/>
+                </a:solidFill>
+                <a:latin typeface="Arial" panose="020B0604020202020204" pitchFamily="34" charset="0"/>
+                <a:cs typeface="Arial" panose="020B0604020202020204" pitchFamily="34" charset="0"/>
+              </a:rPr>
+              <a:t>GREEDY ALGORITHM</a:t>
+            </a:r>
+            <a:endParaRPr lang="et-EE" sz="6000" dirty="0">
+              <a:solidFill>
+                <a:srgbClr val="0070C0"/>
+              </a:solidFill>
+              <a:latin typeface="Arial" panose="020B0604020202020204" pitchFamily="34" charset="0"/>
+              <a:cs typeface="Arial" panose="020B0604020202020204" pitchFamily="34" charset="0"/>
+            </a:endParaRPr>
+          </a:p>
+        </p:txBody>
+      </p:sp>
+    </p:spTree>
+    <p:extLst>
+      <p:ext uri="{BB962C8B-B14F-4D97-AF65-F5344CB8AC3E}">
+        <p14:creationId xmlns:p14="http://schemas.microsoft.com/office/powerpoint/2010/main" val="2548539094"/>
+      </p:ext>
+    </p:extLst>
+  </p:cSld>
+  <p:clrMapOvr>
+    <a:masterClrMapping/>
+  </p:clrMapOvr>
+  <p:timing>
+    <p:tnLst>
+      <p:par>
+        <p:cTn id="1" dur="indefinite" restart="never" nodeType="tmRoot"/>
+      </p:par>
+    </p:tnLst>
+  </p:timing>
+</p:sld>
+</file>
+
+<file path=ppt/slides/slide9.xml><?xml version="1.0" encoding="utf-8"?>
+<p:sld xmlns:a="http://schemas.openxmlformats.org/drawingml/2006/main" xmlns:r="http://schemas.openxmlformats.org/officeDocument/2006/relationships" xmlns:p="http://schemas.openxmlformats.org/presentationml/2006/main">
+  <p:cSld>
+    <p:spTree>
+      <p:nvGrpSpPr>
+        <p:cNvPr id="1" name=""/>
+        <p:cNvGrpSpPr/>
+        <p:nvPr/>
+      </p:nvGrpSpPr>
+      <p:grpSpPr>
+        <a:xfrm>
+          <a:off x="0" y="0"/>
+          <a:ext cx="0" cy="0"/>
+          <a:chOff x="0" y="0"/>
+          <a:chExt cx="0" cy="0"/>
+        </a:xfrm>
+      </p:grpSpPr>
+      <p:sp>
+        <p:nvSpPr>
           <p:cNvPr id="3" name="Content Placeholder 2"/>
           <p:cNvSpPr>
             <a:spLocks noGrp="1"/>
@@ -11002,48 +12588,6 @@
           </a:p>
           <a:p>
             <a:endParaRPr lang="et-EE" dirty="0"/>
-          </a:p>
-        </p:txBody>
-      </p:sp>
-      <p:sp>
-        <p:nvSpPr>
-          <p:cNvPr id="2" name="TextBox 1"/>
-          <p:cNvSpPr txBox="1"/>
-          <p:nvPr/>
-        </p:nvSpPr>
-        <p:spPr>
-          <a:xfrm>
-            <a:off x="814417" y="0"/>
-            <a:ext cx="4694829" cy="769441"/>
-          </a:xfrm>
-          <a:prstGeom prst="rect">
-            <a:avLst/>
-          </a:prstGeom>
-          <a:noFill/>
-        </p:spPr>
-        <p:txBody>
-          <a:bodyPr wrap="square" rtlCol="0">
-            <a:spAutoFit/>
-          </a:bodyPr>
-          <a:lstStyle/>
-          <a:p>
-            <a:r>
-              <a:rPr lang="en-US" sz="4400" dirty="0" smtClean="0">
-                <a:solidFill>
-                  <a:srgbClr val="0070C0"/>
-                </a:solidFill>
-                <a:latin typeface="+mj-lt"/>
-                <a:cs typeface="Arial" panose="020B0604020202020204" pitchFamily="34" charset="0"/>
-              </a:rPr>
-              <a:t>Implementation</a:t>
-            </a:r>
-            <a:endParaRPr lang="et-EE" sz="4400" dirty="0">
-              <a:solidFill>
-                <a:srgbClr val="0070C0"/>
-              </a:solidFill>
-              <a:latin typeface="+mj-lt"/>
-              <a:cs typeface="Arial" panose="020B0604020202020204" pitchFamily="34" charset="0"/>
-            </a:endParaRPr>
           </a:p>
         </p:txBody>
       </p:sp>
@@ -11081,172 +12625,6 @@
     <p:extLst>
       <p:ext uri="{BB962C8B-B14F-4D97-AF65-F5344CB8AC3E}">
         <p14:creationId xmlns:p14="http://schemas.microsoft.com/office/powerpoint/2010/main" val="2472516862"/>
-      </p:ext>
-    </p:extLst>
-  </p:cSld>
-  <p:clrMapOvr>
-    <a:masterClrMapping/>
-  </p:clrMapOvr>
-  <p:timing>
-    <p:tnLst>
-      <p:par>
-        <p:cTn id="1" dur="indefinite" restart="never" nodeType="tmRoot"/>
-      </p:par>
-    </p:tnLst>
-  </p:timing>
-</p:sld>
-</file>
-
-<file path=ppt/slides/slide9.xml><?xml version="1.0" encoding="utf-8"?>
-<p:sld xmlns:a="http://schemas.openxmlformats.org/drawingml/2006/main" xmlns:r="http://schemas.openxmlformats.org/officeDocument/2006/relationships" xmlns:p="http://schemas.openxmlformats.org/presentationml/2006/main">
-  <p:cSld>
-    <p:spTree>
-      <p:nvGrpSpPr>
-        <p:cNvPr id="1" name=""/>
-        <p:cNvGrpSpPr/>
-        <p:nvPr/>
-      </p:nvGrpSpPr>
-      <p:grpSpPr>
-        <a:xfrm>
-          <a:off x="0" y="0"/>
-          <a:ext cx="0" cy="0"/>
-          <a:chOff x="0" y="0"/>
-          <a:chExt cx="0" cy="0"/>
-        </a:xfrm>
-      </p:grpSpPr>
-      <p:sp>
-        <p:nvSpPr>
-          <p:cNvPr id="2" name="Title 1"/>
-          <p:cNvSpPr>
-            <a:spLocks noGrp="1"/>
-          </p:cNvSpPr>
-          <p:nvPr>
-            <p:ph type="title"/>
-          </p:nvPr>
-        </p:nvSpPr>
-        <p:spPr>
-          <a:xfrm>
-            <a:off x="797100" y="232088"/>
-            <a:ext cx="9875520" cy="1356360"/>
-          </a:xfrm>
-        </p:spPr>
-        <p:txBody>
-          <a:bodyPr/>
-          <a:lstStyle/>
-          <a:p>
-            <a:r>
-              <a:rPr lang="en-US" dirty="0" smtClean="0">
-                <a:solidFill>
-                  <a:srgbClr val="0070C0"/>
-                </a:solidFill>
-                <a:cs typeface="Arial" panose="020B0604020202020204" pitchFamily="34" charset="0"/>
-              </a:rPr>
-              <a:t>The placement method</a:t>
-            </a:r>
-            <a:endParaRPr lang="et-EE" dirty="0">
-              <a:solidFill>
-                <a:srgbClr val="0070C0"/>
-              </a:solidFill>
-              <a:cs typeface="Arial" panose="020B0604020202020204" pitchFamily="34" charset="0"/>
-            </a:endParaRPr>
-          </a:p>
-        </p:txBody>
-      </p:sp>
-      <p:pic>
-        <p:nvPicPr>
-          <p:cNvPr id="4" name="Content Placeholder 3"/>
-          <p:cNvPicPr>
-            <a:picLocks noGrp="1" noChangeAspect="1"/>
-          </p:cNvPicPr>
-          <p:nvPr>
-            <p:ph idx="1"/>
-          </p:nvPr>
-        </p:nvPicPr>
-        <p:blipFill>
-          <a:blip r:embed="rId2">
-            <a:extLst>
-              <a:ext uri="{28A0092B-C50C-407E-A947-70E740481C1C}">
-                <a14:useLocalDpi xmlns:a14="http://schemas.microsoft.com/office/drawing/2010/main" val="0"/>
-              </a:ext>
-            </a:extLst>
-          </a:blip>
-          <a:stretch>
-            <a:fillRect/>
-          </a:stretch>
-        </p:blipFill>
-        <p:spPr>
-          <a:xfrm>
-            <a:off x="5832554" y="3315439"/>
-            <a:ext cx="6359446" cy="3384762"/>
-          </a:xfrm>
-        </p:spPr>
-      </p:pic>
-      <p:sp>
-        <p:nvSpPr>
-          <p:cNvPr id="6" name="TextBox 5"/>
-          <p:cNvSpPr txBox="1"/>
-          <p:nvPr/>
-        </p:nvSpPr>
-        <p:spPr>
-          <a:xfrm>
-            <a:off x="797100" y="1588448"/>
-            <a:ext cx="7920122" cy="2246769"/>
-          </a:xfrm>
-          <a:prstGeom prst="rect">
-            <a:avLst/>
-          </a:prstGeom>
-          <a:noFill/>
-        </p:spPr>
-        <p:txBody>
-          <a:bodyPr wrap="square" rtlCol="0">
-            <a:spAutoFit/>
-          </a:bodyPr>
-          <a:lstStyle/>
-          <a:p>
-            <a:pPr marL="285750" indent="-285750">
-              <a:buFont typeface="Arial" panose="020B0604020202020204" pitchFamily="34" charset="0"/>
-              <a:buChar char="•"/>
-            </a:pPr>
-            <a:r>
-              <a:rPr lang="en-US" sz="2800" dirty="0" smtClean="0">
-                <a:latin typeface="Arial" panose="020B0604020202020204" pitchFamily="34" charset="0"/>
-                <a:cs typeface="Arial" panose="020B0604020202020204" pitchFamily="34" charset="0"/>
-              </a:rPr>
-              <a:t>Initial position </a:t>
-            </a:r>
-          </a:p>
-          <a:p>
-            <a:pPr marL="285750" indent="-285750">
-              <a:buFont typeface="Arial" panose="020B0604020202020204" pitchFamily="34" charset="0"/>
-              <a:buChar char="•"/>
-            </a:pPr>
-            <a:r>
-              <a:rPr lang="en-US" sz="2800" dirty="0" smtClean="0">
-                <a:latin typeface="Arial" panose="020B0604020202020204" pitchFamily="34" charset="0"/>
-                <a:cs typeface="Arial" panose="020B0604020202020204" pitchFamily="34" charset="0"/>
-              </a:rPr>
-              <a:t>Is there an overlap at the initial position?</a:t>
-            </a:r>
-          </a:p>
-          <a:p>
-            <a:pPr marL="285750" indent="-285750">
-              <a:buFont typeface="Arial" panose="020B0604020202020204" pitchFamily="34" charset="0"/>
-              <a:buChar char="•"/>
-            </a:pPr>
-            <a:r>
-              <a:rPr lang="en-US" sz="2800" dirty="0" smtClean="0">
-                <a:latin typeface="Arial" panose="020B0604020202020204" pitchFamily="34" charset="0"/>
-                <a:cs typeface="Arial" panose="020B0604020202020204" pitchFamily="34" charset="0"/>
-              </a:rPr>
-              <a:t>Move package as far to the back (y-axis), then as far to left (x-axis) and as far down (z-axis) as possible</a:t>
-            </a:r>
-          </a:p>
-        </p:txBody>
-      </p:sp>
-    </p:spTree>
-    <p:extLst>
-      <p:ext uri="{BB962C8B-B14F-4D97-AF65-F5344CB8AC3E}">
-        <p14:creationId xmlns:p14="http://schemas.microsoft.com/office/powerpoint/2010/main" val="3583046299"/>
       </p:ext>
     </p:extLst>
   </p:cSld>

--- a/Report, presentation and related stuff/Knapsack_problem.pptx
+++ b/Report, presentation and related stuff/Knapsack_problem.pptx
@@ -4,6 +4,9 @@
   <p:sldMasterIdLst>
     <p:sldMasterId id="2147483845" r:id="rId1"/>
   </p:sldMasterIdLst>
+  <p:notesMasterIdLst>
+    <p:notesMasterId r:id="rId29"/>
+  </p:notesMasterIdLst>
   <p:sldIdLst>
     <p:sldId id="256" r:id="rId2"/>
     <p:sldId id="257" r:id="rId3"/>
@@ -199,8 +202,8 @@
         <c:manualLayout>
           <c:xMode val="edge"/>
           <c:yMode val="edge"/>
-          <c:x val="0.26310088652363278"/>
-          <c:y val="1.3094308924647923E-2"/>
+          <c:x val="0.31841293256657432"/>
+          <c:y val="2.6188617849295846E-2"/>
         </c:manualLayout>
       </c:layout>
       <c:overlay val="0"/>
@@ -234,7 +237,17 @@
     </c:title>
     <c:autoTitleDeleted val="0"/>
     <c:plotArea>
-      <c:layout/>
+      <c:layout>
+        <c:manualLayout>
+          <c:layoutTarget val="inner"/>
+          <c:xMode val="edge"/>
+          <c:yMode val="edge"/>
+          <c:x val="8.746226672148269E-2"/>
+          <c:y val="9.8523676813209518E-2"/>
+          <c:w val="0.69093004904135313"/>
+          <c:h val="0.74623624539078603"/>
+        </c:manualLayout>
+      </c:layout>
       <c:scatterChart>
         <c:scatterStyle val="lineMarker"/>
         <c:varyColors val="0"/>
@@ -247,7 +260,7 @@
           <c:spPr>
             <a:ln w="19050" cap="rnd">
               <a:solidFill>
-                <a:schemeClr val="accent1"/>
+                <a:srgbClr val="0070C0"/>
               </a:solidFill>
               <a:round/>
             </a:ln>
@@ -258,11 +271,11 @@
             <c:size val="5"/>
             <c:spPr>
               <a:solidFill>
-                <a:schemeClr val="accent1"/>
+                <a:srgbClr val="0070C0"/>
               </a:solidFill>
               <a:ln w="9525">
                 <a:solidFill>
-                  <a:schemeClr val="accent1"/>
+                  <a:srgbClr val="0070C0"/>
                 </a:solidFill>
               </a:ln>
               <a:effectLst/>
@@ -333,7 +346,7 @@
           <c:spPr>
             <a:ln w="19050" cap="rnd">
               <a:solidFill>
-                <a:schemeClr val="accent2"/>
+                <a:srgbClr val="FF3300"/>
               </a:solidFill>
               <a:round/>
             </a:ln>
@@ -344,11 +357,11 @@
             <c:size val="5"/>
             <c:spPr>
               <a:solidFill>
-                <a:schemeClr val="accent2"/>
+                <a:srgbClr val="FFC000"/>
               </a:solidFill>
               <a:ln w="9525">
                 <a:solidFill>
-                  <a:schemeClr val="accent2"/>
+                  <a:srgbClr val="FF3300"/>
                 </a:solidFill>
               </a:ln>
               <a:effectLst/>
@@ -419,7 +432,7 @@
           <c:spPr>
             <a:ln w="19050" cap="rnd">
               <a:solidFill>
-                <a:schemeClr val="accent3"/>
+                <a:srgbClr val="000000"/>
               </a:solidFill>
               <a:round/>
             </a:ln>
@@ -434,7 +447,7 @@
               </a:solidFill>
               <a:ln w="9525">
                 <a:solidFill>
-                  <a:schemeClr val="accent3"/>
+                  <a:srgbClr val="000000"/>
                 </a:solidFill>
               </a:ln>
               <a:effectLst/>
@@ -505,7 +518,7 @@
           <c:spPr>
             <a:ln w="19050" cap="rnd">
               <a:solidFill>
-                <a:schemeClr val="accent4"/>
+                <a:srgbClr val="FFFF0C"/>
               </a:solidFill>
               <a:round/>
             </a:ln>
@@ -520,7 +533,7 @@
               </a:solidFill>
               <a:ln w="9525">
                 <a:solidFill>
-                  <a:schemeClr val="accent4"/>
+                  <a:srgbClr val="FFFF0C"/>
                 </a:solidFill>
               </a:ln>
               <a:effectLst/>
@@ -605,7 +618,7 @@
           <c:spPr>
             <a:ln w="19050" cap="rnd">
               <a:solidFill>
-                <a:schemeClr val="accent5"/>
+                <a:srgbClr val="00B0F0"/>
               </a:solidFill>
               <a:round/>
             </a:ln>
@@ -616,11 +629,11 @@
             <c:size val="5"/>
             <c:spPr>
               <a:solidFill>
-                <a:schemeClr val="accent5"/>
+                <a:srgbClr val="00B0F0"/>
               </a:solidFill>
               <a:ln w="9525">
                 <a:solidFill>
-                  <a:schemeClr val="accent5"/>
+                  <a:srgbClr val="00B0F0"/>
                 </a:solidFill>
               </a:ln>
               <a:effectLst/>
@@ -691,7 +704,9 @@
           <c:spPr>
             <a:ln w="19050" cap="rnd">
               <a:solidFill>
-                <a:schemeClr val="accent6"/>
+                <a:schemeClr val="accent6">
+                  <a:lumMod val="75000"/>
+                </a:schemeClr>
               </a:solidFill>
               <a:round/>
             </a:ln>
@@ -706,7 +721,9 @@
               </a:solidFill>
               <a:ln w="9525">
                 <a:solidFill>
-                  <a:schemeClr val="accent6"/>
+                  <a:schemeClr val="accent6">
+                    <a:lumMod val="75000"/>
+                  </a:schemeClr>
                 </a:solidFill>
               </a:ln>
               <a:effectLst/>
@@ -777,9 +794,7 @@
           <c:spPr>
             <a:ln w="19050" cap="rnd">
               <a:solidFill>
-                <a:schemeClr val="accent1">
-                  <a:lumMod val="60000"/>
-                </a:schemeClr>
+                <a:srgbClr val="00B050"/>
               </a:solidFill>
               <a:round/>
             </a:ln>
@@ -790,15 +805,11 @@
             <c:size val="5"/>
             <c:spPr>
               <a:solidFill>
-                <a:schemeClr val="accent1">
-                  <a:lumMod val="60000"/>
-                </a:schemeClr>
+                <a:srgbClr val="00B050"/>
               </a:solidFill>
               <a:ln w="9525">
                 <a:solidFill>
-                  <a:schemeClr val="accent1">
-                    <a:lumMod val="60000"/>
-                  </a:schemeClr>
+                  <a:srgbClr val="00B050"/>
                 </a:solidFill>
               </a:ln>
               <a:effectLst/>
@@ -869,9 +880,7 @@
           <c:spPr>
             <a:ln w="19050" cap="rnd">
               <a:solidFill>
-                <a:schemeClr val="accent2">
-                  <a:lumMod val="60000"/>
-                </a:schemeClr>
+                <a:srgbClr val="7030A0"/>
               </a:solidFill>
               <a:round/>
             </a:ln>
@@ -888,9 +897,7 @@
               </a:solidFill>
               <a:ln w="9525">
                 <a:solidFill>
-                  <a:schemeClr val="accent2">
-                    <a:lumMod val="60000"/>
-                  </a:schemeClr>
+                  <a:srgbClr val="7030A0"/>
                 </a:solidFill>
               </a:ln>
               <a:effectLst/>
@@ -1013,7 +1020,14 @@
               </a:p>
             </c:rich>
           </c:tx>
-          <c:layout/>
+          <c:layout>
+            <c:manualLayout>
+              <c:xMode val="edge"/>
+              <c:yMode val="edge"/>
+              <c:x val="0.31377882457724077"/>
+              <c:y val="0.92315823046052448"/>
+            </c:manualLayout>
+          </c:layout>
           <c:overlay val="0"/>
           <c:spPr>
             <a:noFill/>
@@ -1067,10 +1081,7 @@
             <a:pPr>
               <a:defRPr sz="1400" b="0" i="0" u="none" strike="noStrike" kern="1200" baseline="0">
                 <a:solidFill>
-                  <a:schemeClr val="tx1">
-                    <a:lumMod val="65000"/>
-                    <a:lumOff val="35000"/>
-                  </a:schemeClr>
+                  <a:schemeClr val="tx1"/>
                 </a:solidFill>
                 <a:latin typeface="+mn-lt"/>
                 <a:ea typeface="+mn-ea"/>
@@ -1192,10 +1203,7 @@
             <a:pPr>
               <a:defRPr sz="1400" b="0" i="0" u="none" strike="noStrike" kern="1200" baseline="0">
                 <a:solidFill>
-                  <a:schemeClr val="tx1">
-                    <a:lumMod val="65000"/>
-                    <a:lumOff val="35000"/>
-                  </a:schemeClr>
+                  <a:schemeClr val="tx1"/>
                 </a:solidFill>
                 <a:latin typeface="Arial" panose="020B0604020202020204" pitchFamily="34" charset="0"/>
                 <a:ea typeface="+mn-ea"/>
@@ -1240,10 +1248,7 @@
             <a:pPr>
               <a:defRPr sz="1400" b="0" i="0" u="none" strike="noStrike" kern="1200" baseline="0">
                 <a:solidFill>
-                  <a:schemeClr val="tx1">
-                    <a:lumMod val="65000"/>
-                    <a:lumOff val="35000"/>
-                  </a:schemeClr>
+                  <a:srgbClr val="FF3300"/>
                 </a:solidFill>
                 <a:latin typeface="+mn-lt"/>
                 <a:ea typeface="+mn-ea"/>
@@ -1286,9 +1291,9 @@
         <c:manualLayout>
           <c:xMode val="edge"/>
           <c:yMode val="edge"/>
-          <c:x val="0.77682550400790051"/>
-          <c:y val="0.30854006703873749"/>
-          <c:w val="0.2231745349993241"/>
+          <c:x val="0.82637588039023646"/>
+          <c:y val="9.248396978204676E-2"/>
+          <c:w val="0.16671011360292573"/>
           <c:h val="0.41829615202595766"/>
         </c:manualLayout>
       </c:layout>
@@ -1305,7 +1310,7 @@
         <a:lstStyle/>
         <a:p>
           <a:pPr>
-            <a:defRPr sz="1400" b="0" i="0" u="none" strike="noStrike" kern="1200" baseline="0">
+            <a:defRPr sz="1200" b="0" i="0" u="none" strike="noStrike" kern="1200" baseline="0">
               <a:solidFill>
                 <a:schemeClr val="tx1"/>
               </a:solidFill>
@@ -1325,7 +1330,9 @@
   <c:spPr>
     <a:noFill/>
     <a:ln>
-      <a:noFill/>
+      <a:solidFill>
+        <a:srgbClr val="FF3300"/>
+      </a:solidFill>
     </a:ln>
     <a:effectLst/>
   </c:spPr>
@@ -1342,6 +1349,7 @@
   <c:externalData r:id="rId3">
     <c:autoUpdate val="0"/>
   </c:externalData>
+  <c:userShapes r:id="rId4"/>
 </c:chartSpace>
 </file>
 
@@ -1368,10 +1376,7 @@
             <a:pPr>
               <a:defRPr sz="1400" b="0" i="0" u="none" strike="noStrike" kern="1200" spc="0" baseline="0">
                 <a:solidFill>
-                  <a:schemeClr val="tx1">
-                    <a:lumMod val="65000"/>
-                    <a:lumOff val="35000"/>
-                  </a:schemeClr>
+                  <a:schemeClr val="tx1"/>
                 </a:solidFill>
                 <a:latin typeface="Arial" panose="020B0604020202020204" pitchFamily="34" charset="0"/>
                 <a:ea typeface="+mn-ea"/>
@@ -1379,7 +1384,11 @@
               </a:defRPr>
             </a:pPr>
             <a:r>
-              <a:rPr lang="en-GB" sz="2400" dirty="0"/>
+              <a:rPr lang="en-GB" sz="2400" dirty="0">
+                <a:solidFill>
+                  <a:schemeClr val="tx1"/>
+                </a:solidFill>
+              </a:rPr>
               <a:t>Effect of population size</a:t>
             </a:r>
           </a:p>
@@ -1408,10 +1417,7 @@
           <a:pPr>
             <a:defRPr sz="1400" b="0" i="0" u="none" strike="noStrike" kern="1200" spc="0" baseline="0">
               <a:solidFill>
-                <a:schemeClr val="tx1">
-                  <a:lumMod val="65000"/>
-                  <a:lumOff val="35000"/>
-                </a:schemeClr>
+                <a:schemeClr val="tx1"/>
               </a:solidFill>
               <a:latin typeface="Arial" panose="020B0604020202020204" pitchFamily="34" charset="0"/>
               <a:ea typeface="+mn-ea"/>
@@ -1437,7 +1443,7 @@
           <c:spPr>
             <a:ln w="19050" cap="rnd">
               <a:solidFill>
-                <a:schemeClr val="accent1"/>
+                <a:srgbClr val="0070C0"/>
               </a:solidFill>
               <a:round/>
             </a:ln>
@@ -1452,7 +1458,7 @@
               </a:solidFill>
               <a:ln w="9525">
                 <a:solidFill>
-                  <a:schemeClr val="accent1"/>
+                  <a:srgbClr val="0070C0"/>
                 </a:solidFill>
               </a:ln>
               <a:effectLst/>
@@ -1529,7 +1535,7 @@
           <c:spPr>
             <a:ln w="19050" cap="rnd">
               <a:solidFill>
-                <a:schemeClr val="accent1"/>
+                <a:srgbClr val="0070C0"/>
               </a:solidFill>
               <a:round/>
             </a:ln>
@@ -1544,7 +1550,7 @@
               </a:solidFill>
               <a:ln w="9525">
                 <a:solidFill>
-                  <a:schemeClr val="accent1"/>
+                  <a:srgbClr val="0070C0"/>
                 </a:solidFill>
               </a:ln>
               <a:effectLst/>
@@ -1621,7 +1627,7 @@
           <c:spPr>
             <a:ln w="19050" cap="rnd">
               <a:solidFill>
-                <a:schemeClr val="accent1"/>
+                <a:srgbClr val="0070C0"/>
               </a:solidFill>
               <a:round/>
             </a:ln>
@@ -1636,7 +1642,7 @@
               </a:solidFill>
               <a:ln w="9525">
                 <a:solidFill>
-                  <a:schemeClr val="accent1"/>
+                  <a:srgbClr val="0070C0"/>
                 </a:solidFill>
               </a:ln>
               <a:effectLst/>
@@ -1727,7 +1733,7 @@
           <c:spPr>
             <a:ln w="19050" cap="rnd">
               <a:solidFill>
-                <a:schemeClr val="accent2"/>
+                <a:srgbClr val="FF3300"/>
               </a:solidFill>
               <a:round/>
             </a:ln>
@@ -1742,7 +1748,7 @@
               </a:solidFill>
               <a:ln w="9525">
                 <a:solidFill>
-                  <a:schemeClr val="accent2"/>
+                  <a:srgbClr val="FF3300"/>
                 </a:solidFill>
               </a:ln>
               <a:effectLst/>
@@ -1819,7 +1825,7 @@
           <c:spPr>
             <a:ln w="19050" cap="rnd">
               <a:solidFill>
-                <a:schemeClr val="accent2"/>
+                <a:srgbClr val="FF3300"/>
               </a:solidFill>
               <a:round/>
             </a:ln>
@@ -1834,7 +1840,7 @@
               </a:solidFill>
               <a:ln w="9525">
                 <a:solidFill>
-                  <a:schemeClr val="accent2"/>
+                  <a:srgbClr val="FF3300"/>
                 </a:solidFill>
               </a:ln>
               <a:effectLst/>
@@ -1911,7 +1917,7 @@
           <c:spPr>
             <a:ln w="19050" cap="rnd">
               <a:solidFill>
-                <a:schemeClr val="accent2"/>
+                <a:srgbClr val="FF3300"/>
               </a:solidFill>
               <a:round/>
             </a:ln>
@@ -1926,7 +1932,7 @@
               </a:solidFill>
               <a:ln w="9525">
                 <a:solidFill>
-                  <a:schemeClr val="accent2"/>
+                  <a:srgbClr val="FF3300"/>
                 </a:solidFill>
               </a:ln>
               <a:effectLst/>
@@ -2035,10 +2041,7 @@
                 <a:pPr>
                   <a:defRPr sz="1000" b="0" i="0" u="none" strike="noStrike" kern="1200" baseline="0">
                     <a:solidFill>
-                      <a:schemeClr val="tx1">
-                        <a:lumMod val="65000"/>
-                        <a:lumOff val="35000"/>
-                      </a:schemeClr>
+                      <a:schemeClr val="tx1"/>
                     </a:solidFill>
                     <a:latin typeface="Arial" panose="020B0604020202020204" pitchFamily="34" charset="0"/>
                     <a:ea typeface="+mn-ea"/>
@@ -2046,11 +2049,19 @@
                   </a:defRPr>
                 </a:pPr>
                 <a:r>
-                  <a:rPr lang="en-GB" sz="2400" dirty="0" err="1"/>
+                  <a:rPr lang="en-GB" sz="2400" dirty="0" err="1">
+                    <a:solidFill>
+                      <a:schemeClr val="tx1"/>
+                    </a:solidFill>
+                  </a:rPr>
                   <a:t>Populaton</a:t>
                 </a:r>
                 <a:r>
-                  <a:rPr lang="en-GB" sz="2400" dirty="0"/>
+                  <a:rPr lang="en-GB" sz="2400" dirty="0">
+                    <a:solidFill>
+                      <a:schemeClr val="tx1"/>
+                    </a:solidFill>
+                  </a:rPr>
                   <a:t> size</a:t>
                 </a:r>
               </a:p>
@@ -2072,10 +2083,7 @@
               <a:pPr>
                 <a:defRPr sz="1000" b="0" i="0" u="none" strike="noStrike" kern="1200" baseline="0">
                   <a:solidFill>
-                    <a:schemeClr val="tx1">
-                      <a:lumMod val="65000"/>
-                      <a:lumOff val="35000"/>
-                    </a:schemeClr>
+                    <a:schemeClr val="tx1"/>
                   </a:solidFill>
                   <a:latin typeface="Arial" panose="020B0604020202020204" pitchFamily="34" charset="0"/>
                   <a:ea typeface="+mn-ea"/>
@@ -2110,10 +2118,7 @@
             <a:pPr>
               <a:defRPr sz="1600" b="0" i="0" u="none" strike="noStrike" kern="1200" baseline="0">
                 <a:solidFill>
-                  <a:schemeClr val="tx1">
-                    <a:lumMod val="65000"/>
-                    <a:lumOff val="35000"/>
-                  </a:schemeClr>
+                  <a:schemeClr val="tx1"/>
                 </a:solidFill>
                 <a:latin typeface="Arial" panose="020B0604020202020204" pitchFamily="34" charset="0"/>
                 <a:ea typeface="+mn-ea"/>
@@ -2157,7 +2162,7 @@
                 <a:pPr>
                   <a:defRPr sz="1000" b="0" i="0" u="none" strike="noStrike" kern="1200" baseline="0">
                     <a:solidFill>
-                      <a:schemeClr val="accent1"/>
+                      <a:schemeClr val="tx1"/>
                     </a:solidFill>
                     <a:latin typeface="Arial" panose="020B0604020202020204" pitchFamily="34" charset="0"/>
                     <a:ea typeface="+mn-ea"/>
@@ -2167,7 +2172,7 @@
                 <a:r>
                   <a:rPr lang="en-GB" sz="2000" dirty="0">
                     <a:solidFill>
-                      <a:schemeClr val="accent1"/>
+                      <a:schemeClr val="tx1"/>
                     </a:solidFill>
                   </a:rPr>
                   <a:t>Average value</a:t>
@@ -2198,7 +2203,7 @@
               <a:pPr>
                 <a:defRPr sz="1000" b="0" i="0" u="none" strike="noStrike" kern="1200" baseline="0">
                   <a:solidFill>
-                    <a:schemeClr val="accent1"/>
+                    <a:schemeClr val="tx1"/>
                   </a:solidFill>
                   <a:latin typeface="Arial" panose="020B0604020202020204" pitchFamily="34" charset="0"/>
                   <a:ea typeface="+mn-ea"/>
@@ -2230,7 +2235,7 @@
             <a:pPr>
               <a:defRPr sz="1600" b="0" i="0" u="none" strike="noStrike" kern="1200" baseline="0">
                 <a:solidFill>
-                  <a:schemeClr val="accent1"/>
+                  <a:schemeClr val="tx1"/>
                 </a:solidFill>
                 <a:latin typeface="Arial" panose="020B0604020202020204" pitchFamily="34" charset="0"/>
                 <a:ea typeface="+mn-ea"/>
@@ -2260,7 +2265,9 @@
                 <a:pPr>
                   <a:defRPr sz="1000" b="0" i="0" u="none" strike="noStrike" kern="1200" baseline="0">
                     <a:solidFill>
-                      <a:schemeClr val="accent2"/>
+                      <a:schemeClr val="accent2">
+                        <a:lumMod val="75000"/>
+                      </a:schemeClr>
                     </a:solidFill>
                     <a:latin typeface="Arial" panose="020B0604020202020204" pitchFamily="34" charset="0"/>
                     <a:ea typeface="+mn-ea"/>
@@ -2270,7 +2277,9 @@
                 <a:r>
                   <a:rPr lang="en-GB" sz="2000" dirty="0">
                     <a:solidFill>
-                      <a:schemeClr val="accent2"/>
+                      <a:schemeClr val="accent2">
+                        <a:lumMod val="75000"/>
+                      </a:schemeClr>
                     </a:solidFill>
                   </a:rPr>
                   <a:t>Run</a:t>
@@ -2278,7 +2287,9 @@
                 <a:r>
                   <a:rPr lang="en-GB" sz="2000" baseline="0" dirty="0">
                     <a:solidFill>
-                      <a:schemeClr val="accent2"/>
+                      <a:schemeClr val="accent2">
+                        <a:lumMod val="75000"/>
+                      </a:schemeClr>
                     </a:solidFill>
                   </a:rPr>
                   <a:t>time (in </a:t>
@@ -2286,7 +2297,9 @@
                 <a:r>
                   <a:rPr lang="en-GB" sz="2000" baseline="0" dirty="0" err="1">
                     <a:solidFill>
-                      <a:schemeClr val="accent2"/>
+                      <a:schemeClr val="accent2">
+                        <a:lumMod val="75000"/>
+                      </a:schemeClr>
                     </a:solidFill>
                   </a:rPr>
                   <a:t>ms</a:t>
@@ -2294,14 +2307,18 @@
                 <a:r>
                   <a:rPr lang="en-GB" sz="2000" baseline="0" dirty="0">
                     <a:solidFill>
-                      <a:schemeClr val="accent2"/>
+                      <a:schemeClr val="accent2">
+                        <a:lumMod val="75000"/>
+                      </a:schemeClr>
                     </a:solidFill>
                   </a:rPr>
                   <a:t>)</a:t>
                 </a:r>
                 <a:endParaRPr lang="en-GB" sz="2000" dirty="0">
                   <a:solidFill>
-                    <a:schemeClr val="accent2"/>
+                    <a:schemeClr val="accent2">
+                      <a:lumMod val="75000"/>
+                    </a:schemeClr>
                   </a:solidFill>
                 </a:endParaRPr>
               </a:p>
@@ -2323,7 +2340,9 @@
               <a:pPr>
                 <a:defRPr sz="1000" b="0" i="0" u="none" strike="noStrike" kern="1200" baseline="0">
                   <a:solidFill>
-                    <a:schemeClr val="accent2"/>
+                    <a:schemeClr val="accent2">
+                      <a:lumMod val="75000"/>
+                    </a:schemeClr>
                   </a:solidFill>
                   <a:latin typeface="Arial" panose="020B0604020202020204" pitchFamily="34" charset="0"/>
                   <a:ea typeface="+mn-ea"/>
@@ -2355,7 +2374,9 @@
             <a:pPr>
               <a:defRPr sz="1600" b="0" i="0" u="none" strike="noStrike" kern="1200" baseline="0">
                 <a:solidFill>
-                  <a:schemeClr val="accent2"/>
+                  <a:schemeClr val="accent2">
+                    <a:lumMod val="75000"/>
+                  </a:schemeClr>
                 </a:solidFill>
                 <a:latin typeface="Arial" panose="020B0604020202020204" pitchFamily="34" charset="0"/>
                 <a:ea typeface="+mn-ea"/>
@@ -2410,10 +2431,7 @@
           <a:pPr>
             <a:defRPr sz="1600" b="0" i="0" u="none" strike="noStrike" kern="1200" baseline="0">
               <a:solidFill>
-                <a:schemeClr val="tx1">
-                  <a:lumMod val="65000"/>
-                  <a:lumOff val="35000"/>
-                </a:schemeClr>
+                <a:schemeClr val="tx1"/>
               </a:solidFill>
               <a:latin typeface="Arial" panose="020B0604020202020204" pitchFamily="34" charset="0"/>
               <a:ea typeface="+mn-ea"/>
@@ -2477,10 +2495,7 @@
             <a:pPr>
               <a:defRPr sz="2400" b="0" i="0" u="none" strike="noStrike" kern="1200" spc="0" baseline="0">
                 <a:solidFill>
-                  <a:schemeClr val="tx1">
-                    <a:lumMod val="65000"/>
-                    <a:lumOff val="35000"/>
-                  </a:schemeClr>
+                  <a:schemeClr val="tx1"/>
                 </a:solidFill>
                 <a:latin typeface="Arial" panose="020B0604020202020204" pitchFamily="34" charset="0"/>
                 <a:ea typeface="+mn-ea"/>
@@ -2488,14 +2503,26 @@
               </a:defRPr>
             </a:pPr>
             <a:r>
-              <a:rPr lang="en-GB" sz="2400"/>
+              <a:rPr lang="en-GB" sz="2400">
+                <a:solidFill>
+                  <a:schemeClr val="tx1"/>
+                </a:solidFill>
+              </a:rPr>
               <a:t>Effect of adding</a:t>
             </a:r>
             <a:r>
-              <a:rPr lang="en-GB" sz="2400" baseline="0"/>
+              <a:rPr lang="en-GB" sz="2400" baseline="0">
+                <a:solidFill>
+                  <a:schemeClr val="tx1"/>
+                </a:solidFill>
+              </a:rPr>
               <a:t> other mutation</a:t>
             </a:r>
-            <a:endParaRPr lang="en-GB" sz="2400"/>
+            <a:endParaRPr lang="en-GB" sz="2400">
+              <a:solidFill>
+                <a:schemeClr val="tx1"/>
+              </a:solidFill>
+            </a:endParaRPr>
           </a:p>
         </c:rich>
       </c:tx>
@@ -2522,10 +2549,7 @@
           <a:pPr>
             <a:defRPr sz="2400" b="0" i="0" u="none" strike="noStrike" kern="1200" spc="0" baseline="0">
               <a:solidFill>
-                <a:schemeClr val="tx1">
-                  <a:lumMod val="65000"/>
-                  <a:lumOff val="35000"/>
-                </a:schemeClr>
+                <a:schemeClr val="tx1"/>
               </a:solidFill>
               <a:latin typeface="Arial" panose="020B0604020202020204" pitchFamily="34" charset="0"/>
               <a:ea typeface="+mn-ea"/>
@@ -2561,7 +2585,7 @@
           <c:spPr>
             <a:ln w="19050" cap="rnd">
               <a:solidFill>
-                <a:schemeClr val="accent1"/>
+                <a:srgbClr val="0070C0"/>
               </a:solidFill>
               <a:round/>
             </a:ln>
@@ -2576,7 +2600,7 @@
               </a:solidFill>
               <a:ln w="9525">
                 <a:solidFill>
-                  <a:schemeClr val="accent1"/>
+                  <a:srgbClr val="0070C0"/>
                 </a:solidFill>
               </a:ln>
               <a:effectLst/>
@@ -2641,7 +2665,7 @@
           <c:spPr>
             <a:ln w="19050" cap="rnd">
               <a:solidFill>
-                <a:schemeClr val="accent1"/>
+                <a:srgbClr val="0070C0"/>
               </a:solidFill>
               <a:round/>
             </a:ln>
@@ -2656,7 +2680,7 @@
               </a:solidFill>
               <a:ln w="9525">
                 <a:solidFill>
-                  <a:schemeClr val="accent1"/>
+                  <a:srgbClr val="0070C0"/>
                 </a:solidFill>
               </a:ln>
               <a:effectLst/>
@@ -2721,7 +2745,7 @@
           <c:spPr>
             <a:ln w="19050" cap="rnd">
               <a:solidFill>
-                <a:schemeClr val="accent1"/>
+                <a:srgbClr val="0070C0"/>
               </a:solidFill>
               <a:round/>
             </a:ln>
@@ -2736,7 +2760,7 @@
               </a:solidFill>
               <a:ln w="9525">
                 <a:solidFill>
-                  <a:schemeClr val="accent1"/>
+                  <a:srgbClr val="0070C0"/>
                 </a:solidFill>
               </a:ln>
               <a:effectLst/>
@@ -2815,7 +2839,7 @@
           <c:spPr>
             <a:ln w="19050" cap="rnd">
               <a:solidFill>
-                <a:schemeClr val="accent2"/>
+                <a:srgbClr val="FF3300"/>
               </a:solidFill>
               <a:round/>
             </a:ln>
@@ -2830,7 +2854,7 @@
               </a:solidFill>
               <a:ln w="9525">
                 <a:solidFill>
-                  <a:schemeClr val="accent2"/>
+                  <a:srgbClr val="FF3300"/>
                 </a:solidFill>
               </a:ln>
               <a:effectLst/>
@@ -2895,7 +2919,7 @@
           <c:spPr>
             <a:ln w="19050" cap="rnd">
               <a:solidFill>
-                <a:schemeClr val="accent2"/>
+                <a:srgbClr val="FF3300"/>
               </a:solidFill>
               <a:round/>
             </a:ln>
@@ -2910,7 +2934,7 @@
               </a:solidFill>
               <a:ln w="9525">
                 <a:solidFill>
-                  <a:schemeClr val="accent2"/>
+                  <a:srgbClr val="FF3300"/>
                 </a:solidFill>
               </a:ln>
               <a:effectLst/>
@@ -2975,7 +2999,7 @@
           <c:spPr>
             <a:ln w="19050" cap="rnd">
               <a:solidFill>
-                <a:schemeClr val="accent2"/>
+                <a:srgbClr val="FF3300"/>
               </a:solidFill>
               <a:round/>
             </a:ln>
@@ -2990,7 +3014,7 @@
               </a:solidFill>
               <a:ln w="9525">
                 <a:solidFill>
-                  <a:schemeClr val="accent2"/>
+                  <a:srgbClr val="FF3300"/>
                 </a:solidFill>
               </a:ln>
               <a:effectLst/>
@@ -3087,10 +3111,7 @@
                 <a:pPr>
                   <a:defRPr sz="2400" b="0" i="0" u="none" strike="noStrike" kern="1200" baseline="0">
                     <a:solidFill>
-                      <a:schemeClr val="tx1">
-                        <a:lumMod val="65000"/>
-                        <a:lumOff val="35000"/>
-                      </a:schemeClr>
+                      <a:schemeClr val="tx1"/>
                     </a:solidFill>
                     <a:latin typeface="Arial" panose="020B0604020202020204" pitchFamily="34" charset="0"/>
                     <a:ea typeface="+mn-ea"/>
@@ -3098,14 +3119,26 @@
                   </a:defRPr>
                 </a:pPr>
                 <a:r>
-                  <a:rPr lang="en-GB" sz="2400"/>
+                  <a:rPr lang="en-GB" sz="2400">
+                    <a:solidFill>
+                      <a:schemeClr val="tx1"/>
+                    </a:solidFill>
+                  </a:rPr>
                   <a:t>Mutation</a:t>
                 </a:r>
                 <a:r>
-                  <a:rPr lang="en-GB" sz="2400" baseline="0"/>
+                  <a:rPr lang="en-GB" sz="2400" baseline="0">
+                    <a:solidFill>
+                      <a:schemeClr val="tx1"/>
+                    </a:solidFill>
+                  </a:rPr>
                   <a:t> probability</a:t>
                 </a:r>
-                <a:endParaRPr lang="en-GB" sz="2400"/>
+                <a:endParaRPr lang="en-GB" sz="2400">
+                  <a:solidFill>
+                    <a:schemeClr val="tx1"/>
+                  </a:solidFill>
+                </a:endParaRPr>
               </a:p>
             </c:rich>
           </c:tx>
@@ -3132,10 +3165,7 @@
               <a:pPr>
                 <a:defRPr sz="2400" b="0" i="0" u="none" strike="noStrike" kern="1200" baseline="0">
                   <a:solidFill>
-                    <a:schemeClr val="tx1">
-                      <a:lumMod val="65000"/>
-                      <a:lumOff val="35000"/>
-                    </a:schemeClr>
+                    <a:schemeClr val="tx1"/>
                   </a:solidFill>
                   <a:latin typeface="Arial" panose="020B0604020202020204" pitchFamily="34" charset="0"/>
                   <a:ea typeface="+mn-ea"/>
@@ -3170,10 +3200,7 @@
             <a:pPr>
               <a:defRPr sz="1600" b="0" i="0" u="none" strike="noStrike" kern="1200" baseline="0">
                 <a:solidFill>
-                  <a:schemeClr val="tx1">
-                    <a:lumMod val="65000"/>
-                    <a:lumOff val="35000"/>
-                  </a:schemeClr>
+                  <a:schemeClr val="tx1"/>
                 </a:solidFill>
                 <a:latin typeface="Arial" panose="020B0604020202020204" pitchFamily="34" charset="0"/>
                 <a:ea typeface="+mn-ea"/>
@@ -3217,7 +3244,7 @@
                 <a:pPr>
                   <a:defRPr sz="2000" b="0" i="0" u="none" strike="noStrike" kern="1200" baseline="0">
                     <a:solidFill>
-                      <a:schemeClr val="accent1"/>
+                      <a:schemeClr val="tx1"/>
                     </a:solidFill>
                     <a:latin typeface="Arial" panose="020B0604020202020204" pitchFamily="34" charset="0"/>
                     <a:ea typeface="+mn-ea"/>
@@ -3227,7 +3254,7 @@
                 <a:r>
                   <a:rPr lang="en-GB" sz="2000">
                     <a:solidFill>
-                      <a:schemeClr val="accent1"/>
+                      <a:schemeClr val="tx1"/>
                     </a:solidFill>
                   </a:rPr>
                   <a:t>Average value</a:t>
@@ -3258,7 +3285,7 @@
               <a:pPr>
                 <a:defRPr sz="2000" b="0" i="0" u="none" strike="noStrike" kern="1200" baseline="0">
                   <a:solidFill>
-                    <a:schemeClr val="accent1"/>
+                    <a:schemeClr val="tx1"/>
                   </a:solidFill>
                   <a:latin typeface="Arial" panose="020B0604020202020204" pitchFamily="34" charset="0"/>
                   <a:ea typeface="+mn-ea"/>
@@ -3290,7 +3317,7 @@
             <a:pPr>
               <a:defRPr sz="1600" b="0" i="0" u="none" strike="noStrike" kern="1200" baseline="0">
                 <a:solidFill>
-                  <a:schemeClr val="accent1"/>
+                  <a:schemeClr val="tx1"/>
                 </a:solidFill>
                 <a:latin typeface="Arial" panose="020B0604020202020204" pitchFamily="34" charset="0"/>
                 <a:ea typeface="+mn-ea"/>
@@ -3332,7 +3359,9 @@
             <a:pPr>
               <a:defRPr sz="1600" b="0" i="0" u="none" strike="noStrike" kern="1200" baseline="0">
                 <a:solidFill>
-                  <a:schemeClr val="accent2"/>
+                  <a:schemeClr val="accent2">
+                    <a:lumMod val="75000"/>
+                  </a:schemeClr>
                 </a:solidFill>
                 <a:latin typeface="Arial" panose="020B0604020202020204" pitchFamily="34" charset="0"/>
                 <a:ea typeface="+mn-ea"/>
@@ -5113,6 +5142,79 @@
 <c:userShapes xmlns:c="http://schemas.openxmlformats.org/drawingml/2006/chart">
   <cdr:relSizeAnchor xmlns:cdr="http://schemas.openxmlformats.org/drawingml/2006/chartDrawing">
     <cdr:from>
+      <cdr:x>0.83348</cdr:x>
+      <cdr:y>0.5</cdr:y>
+    </cdr:from>
+    <cdr:to>
+      <cdr:x>0.86153</cdr:x>
+      <cdr:y>0.80762</cdr:y>
+    </cdr:to>
+    <cdr:sp macro="" textlink="">
+      <cdr:nvSpPr>
+        <cdr:cNvPr id="2" name="TextBox 1"/>
+        <cdr:cNvSpPr txBox="1"/>
+      </cdr:nvSpPr>
+      <cdr:spPr>
+        <a:xfrm xmlns:a="http://schemas.openxmlformats.org/drawingml/2006/main" rot="16200000">
+          <a:off x="8445333" y="3650196"/>
+          <a:ext cx="1790164" cy="309093"/>
+        </a:xfrm>
+        <a:prstGeom xmlns:a="http://schemas.openxmlformats.org/drawingml/2006/main" prst="rect">
+          <a:avLst/>
+        </a:prstGeom>
+      </cdr:spPr>
+      <cdr:txBody>
+        <a:bodyPr xmlns:a="http://schemas.openxmlformats.org/drawingml/2006/main" vertOverflow="clip" wrap="square" rtlCol="0"/>
+        <a:lstStyle xmlns:a="http://schemas.openxmlformats.org/drawingml/2006/main"/>
+        <a:p xmlns:a="http://schemas.openxmlformats.org/drawingml/2006/main">
+          <a:r>
+            <a:rPr lang="en-US" sz="1600" dirty="0" smtClean="0">
+              <a:solidFill>
+                <a:srgbClr val="FF3300"/>
+              </a:solidFill>
+              <a:latin typeface="Arial" panose="020B0604020202020204" pitchFamily="34" charset="0"/>
+              <a:cs typeface="Arial" panose="020B0604020202020204" pitchFamily="34" charset="0"/>
+            </a:rPr>
+            <a:t>Runtime (in </a:t>
+          </a:r>
+          <a:r>
+            <a:rPr lang="en-US" sz="1600" dirty="0" err="1" smtClean="0">
+              <a:solidFill>
+                <a:srgbClr val="FF3300"/>
+              </a:solidFill>
+              <a:latin typeface="Arial" panose="020B0604020202020204" pitchFamily="34" charset="0"/>
+              <a:cs typeface="Arial" panose="020B0604020202020204" pitchFamily="34" charset="0"/>
+            </a:rPr>
+            <a:t>ms</a:t>
+          </a:r>
+          <a:r>
+            <a:rPr lang="en-US" sz="1600" dirty="0" smtClean="0">
+              <a:solidFill>
+                <a:srgbClr val="FF3300"/>
+              </a:solidFill>
+              <a:latin typeface="Arial" panose="020B0604020202020204" pitchFamily="34" charset="0"/>
+              <a:cs typeface="Arial" panose="020B0604020202020204" pitchFamily="34" charset="0"/>
+            </a:rPr>
+            <a:t>)</a:t>
+          </a:r>
+          <a:endParaRPr lang="et-EE" sz="1600" dirty="0">
+            <a:solidFill>
+              <a:srgbClr val="FF3300"/>
+            </a:solidFill>
+            <a:latin typeface="Arial" panose="020B0604020202020204" pitchFamily="34" charset="0"/>
+            <a:cs typeface="Arial" panose="020B0604020202020204" pitchFamily="34" charset="0"/>
+          </a:endParaRPr>
+        </a:p>
+      </cdr:txBody>
+    </cdr:sp>
+  </cdr:relSizeAnchor>
+</c:userShapes>
+</file>
+
+<file path=ppt/drawings/drawing2.xml><?xml version="1.0" encoding="utf-8"?>
+<c:userShapes xmlns:c="http://schemas.openxmlformats.org/drawingml/2006/chart">
+  <cdr:relSizeAnchor xmlns:cdr="http://schemas.openxmlformats.org/drawingml/2006/chartDrawing">
+    <cdr:from>
       <cdr:x>0.82042</cdr:x>
       <cdr:y>0.29955</cdr:y>
     </cdr:from>
@@ -5173,7 +5275,9 @@
           <a:r>
             <a:rPr lang="en-US" sz="2000" dirty="0" smtClean="0">
               <a:solidFill>
-                <a:schemeClr val="accent2"/>
+                <a:schemeClr val="accent2">
+                  <a:lumMod val="75000"/>
+                </a:schemeClr>
               </a:solidFill>
               <a:latin typeface="Arial" panose="020B0604020202020204" pitchFamily="34" charset="0"/>
               <a:cs typeface="Arial" panose="020B0604020202020204" pitchFamily="34" charset="0"/>
@@ -5183,7 +5287,9 @@
           <a:r>
             <a:rPr lang="en-US" sz="2000" dirty="0" err="1" smtClean="0">
               <a:solidFill>
-                <a:schemeClr val="accent2"/>
+                <a:schemeClr val="accent2">
+                  <a:lumMod val="75000"/>
+                </a:schemeClr>
               </a:solidFill>
               <a:latin typeface="Arial" panose="020B0604020202020204" pitchFamily="34" charset="0"/>
               <a:cs typeface="Arial" panose="020B0604020202020204" pitchFamily="34" charset="0"/>
@@ -5193,7 +5299,9 @@
           <a:r>
             <a:rPr lang="en-US" sz="2000" dirty="0" smtClean="0">
               <a:solidFill>
-                <a:schemeClr val="accent2"/>
+                <a:schemeClr val="accent2">
+                  <a:lumMod val="75000"/>
+                </a:schemeClr>
               </a:solidFill>
               <a:latin typeface="Arial" panose="020B0604020202020204" pitchFamily="34" charset="0"/>
               <a:cs typeface="Arial" panose="020B0604020202020204" pitchFamily="34" charset="0"/>
@@ -5202,7 +5310,9 @@
           </a:r>
           <a:endParaRPr lang="et-EE" sz="2000" dirty="0">
             <a:solidFill>
-              <a:schemeClr val="accent2"/>
+              <a:schemeClr val="accent2">
+                <a:lumMod val="75000"/>
+              </a:schemeClr>
             </a:solidFill>
             <a:latin typeface="Arial" panose="020B0604020202020204" pitchFamily="34" charset="0"/>
             <a:cs typeface="Arial" panose="020B0604020202020204" pitchFamily="34" charset="0"/>
@@ -5212,6 +5322,440 @@
     </cdr:sp>
   </cdr:relSizeAnchor>
 </c:userShapes>
+</file>
+
+<file path=ppt/notesMasters/notesMaster1.xml><?xml version="1.0" encoding="utf-8"?>
+<p:notesMaster xmlns:a="http://schemas.openxmlformats.org/drawingml/2006/main" xmlns:r="http://schemas.openxmlformats.org/officeDocument/2006/relationships" xmlns:p="http://schemas.openxmlformats.org/presentationml/2006/main">
+  <p:cSld>
+    <p:bg>
+      <p:bgRef idx="1001">
+        <a:schemeClr val="bg1"/>
+      </p:bgRef>
+    </p:bg>
+    <p:spTree>
+      <p:nvGrpSpPr>
+        <p:cNvPr id="1" name=""/>
+        <p:cNvGrpSpPr/>
+        <p:nvPr/>
+      </p:nvGrpSpPr>
+      <p:grpSpPr>
+        <a:xfrm>
+          <a:off x="0" y="0"/>
+          <a:ext cx="0" cy="0"/>
+          <a:chOff x="0" y="0"/>
+          <a:chExt cx="0" cy="0"/>
+        </a:xfrm>
+      </p:grpSpPr>
+      <p:sp>
+        <p:nvSpPr>
+          <p:cNvPr id="2" name="Header Placeholder 1"/>
+          <p:cNvSpPr>
+            <a:spLocks noGrp="1"/>
+          </p:cNvSpPr>
+          <p:nvPr>
+            <p:ph type="hdr" sz="quarter"/>
+          </p:nvPr>
+        </p:nvSpPr>
+        <p:spPr>
+          <a:xfrm>
+            <a:off x="0" y="0"/>
+            <a:ext cx="2971800" cy="458788"/>
+          </a:xfrm>
+          <a:prstGeom prst="rect">
+            <a:avLst/>
+          </a:prstGeom>
+        </p:spPr>
+        <p:txBody>
+          <a:bodyPr vert="horz" lIns="91440" tIns="45720" rIns="91440" bIns="45720" rtlCol="0"/>
+          <a:lstStyle>
+            <a:lvl1pPr algn="l">
+              <a:defRPr sz="1200"/>
+            </a:lvl1pPr>
+          </a:lstStyle>
+          <a:p>
+            <a:endParaRPr lang="et-EE"/>
+          </a:p>
+        </p:txBody>
+      </p:sp>
+      <p:sp>
+        <p:nvSpPr>
+          <p:cNvPr id="3" name="Date Placeholder 2"/>
+          <p:cNvSpPr>
+            <a:spLocks noGrp="1"/>
+          </p:cNvSpPr>
+          <p:nvPr>
+            <p:ph type="dt" idx="1"/>
+          </p:nvPr>
+        </p:nvSpPr>
+        <p:spPr>
+          <a:xfrm>
+            <a:off x="3884613" y="0"/>
+            <a:ext cx="2971800" cy="458788"/>
+          </a:xfrm>
+          <a:prstGeom prst="rect">
+            <a:avLst/>
+          </a:prstGeom>
+        </p:spPr>
+        <p:txBody>
+          <a:bodyPr vert="horz" lIns="91440" tIns="45720" rIns="91440" bIns="45720" rtlCol="0"/>
+          <a:lstStyle>
+            <a:lvl1pPr algn="r">
+              <a:defRPr sz="1200"/>
+            </a:lvl1pPr>
+          </a:lstStyle>
+          <a:p>
+            <a:fld id="{6E6D078A-5E72-453B-8FB5-805E4B71B445}" type="datetimeFigureOut">
+              <a:rPr lang="et-EE" smtClean="0"/>
+              <a:t>20.01.2016</a:t>
+            </a:fld>
+            <a:endParaRPr lang="et-EE"/>
+          </a:p>
+        </p:txBody>
+      </p:sp>
+      <p:sp>
+        <p:nvSpPr>
+          <p:cNvPr id="4" name="Slide Image Placeholder 3"/>
+          <p:cNvSpPr>
+            <a:spLocks noGrp="1" noRot="1" noChangeAspect="1"/>
+          </p:cNvSpPr>
+          <p:nvPr>
+            <p:ph type="sldImg" idx="2"/>
+          </p:nvPr>
+        </p:nvSpPr>
+        <p:spPr>
+          <a:xfrm>
+            <a:off x="685800" y="1143000"/>
+            <a:ext cx="5486400" cy="3086100"/>
+          </a:xfrm>
+          <a:prstGeom prst="rect">
+            <a:avLst/>
+          </a:prstGeom>
+          <a:noFill/>
+          <a:ln w="12700">
+            <a:solidFill>
+              <a:prstClr val="black"/>
+            </a:solidFill>
+          </a:ln>
+        </p:spPr>
+        <p:txBody>
+          <a:bodyPr vert="horz" lIns="91440" tIns="45720" rIns="91440" bIns="45720" rtlCol="0" anchor="ctr"/>
+          <a:lstStyle/>
+          <a:p>
+            <a:endParaRPr lang="et-EE"/>
+          </a:p>
+        </p:txBody>
+      </p:sp>
+      <p:sp>
+        <p:nvSpPr>
+          <p:cNvPr id="5" name="Notes Placeholder 4"/>
+          <p:cNvSpPr>
+            <a:spLocks noGrp="1"/>
+          </p:cNvSpPr>
+          <p:nvPr>
+            <p:ph type="body" sz="quarter" idx="3"/>
+          </p:nvPr>
+        </p:nvSpPr>
+        <p:spPr>
+          <a:xfrm>
+            <a:off x="685800" y="4400550"/>
+            <a:ext cx="5486400" cy="3600450"/>
+          </a:xfrm>
+          <a:prstGeom prst="rect">
+            <a:avLst/>
+          </a:prstGeom>
+        </p:spPr>
+        <p:txBody>
+          <a:bodyPr vert="horz" lIns="91440" tIns="45720" rIns="91440" bIns="45720" rtlCol="0"/>
+          <a:lstStyle/>
+          <a:p>
+            <a:pPr lvl="0"/>
+            <a:r>
+              <a:rPr lang="en-US" smtClean="0"/>
+              <a:t>Click to edit Master text styles</a:t>
+            </a:r>
+          </a:p>
+          <a:p>
+            <a:pPr lvl="1"/>
+            <a:r>
+              <a:rPr lang="en-US" smtClean="0"/>
+              <a:t>Second level</a:t>
+            </a:r>
+          </a:p>
+          <a:p>
+            <a:pPr lvl="2"/>
+            <a:r>
+              <a:rPr lang="en-US" smtClean="0"/>
+              <a:t>Third level</a:t>
+            </a:r>
+          </a:p>
+          <a:p>
+            <a:pPr lvl="3"/>
+            <a:r>
+              <a:rPr lang="en-US" smtClean="0"/>
+              <a:t>Fourth level</a:t>
+            </a:r>
+          </a:p>
+          <a:p>
+            <a:pPr lvl="4"/>
+            <a:r>
+              <a:rPr lang="en-US" smtClean="0"/>
+              <a:t>Fifth level</a:t>
+            </a:r>
+            <a:endParaRPr lang="et-EE"/>
+          </a:p>
+        </p:txBody>
+      </p:sp>
+      <p:sp>
+        <p:nvSpPr>
+          <p:cNvPr id="6" name="Footer Placeholder 5"/>
+          <p:cNvSpPr>
+            <a:spLocks noGrp="1"/>
+          </p:cNvSpPr>
+          <p:nvPr>
+            <p:ph type="ftr" sz="quarter" idx="4"/>
+          </p:nvPr>
+        </p:nvSpPr>
+        <p:spPr>
+          <a:xfrm>
+            <a:off x="0" y="8685213"/>
+            <a:ext cx="2971800" cy="458787"/>
+          </a:xfrm>
+          <a:prstGeom prst="rect">
+            <a:avLst/>
+          </a:prstGeom>
+        </p:spPr>
+        <p:txBody>
+          <a:bodyPr vert="horz" lIns="91440" tIns="45720" rIns="91440" bIns="45720" rtlCol="0" anchor="b"/>
+          <a:lstStyle>
+            <a:lvl1pPr algn="l">
+              <a:defRPr sz="1200"/>
+            </a:lvl1pPr>
+          </a:lstStyle>
+          <a:p>
+            <a:endParaRPr lang="et-EE"/>
+          </a:p>
+        </p:txBody>
+      </p:sp>
+      <p:sp>
+        <p:nvSpPr>
+          <p:cNvPr id="7" name="Slide Number Placeholder 6"/>
+          <p:cNvSpPr>
+            <a:spLocks noGrp="1"/>
+          </p:cNvSpPr>
+          <p:nvPr>
+            <p:ph type="sldNum" sz="quarter" idx="5"/>
+          </p:nvPr>
+        </p:nvSpPr>
+        <p:spPr>
+          <a:xfrm>
+            <a:off x="3884613" y="8685213"/>
+            <a:ext cx="2971800" cy="458787"/>
+          </a:xfrm>
+          <a:prstGeom prst="rect">
+            <a:avLst/>
+          </a:prstGeom>
+        </p:spPr>
+        <p:txBody>
+          <a:bodyPr vert="horz" lIns="91440" tIns="45720" rIns="91440" bIns="45720" rtlCol="0" anchor="b"/>
+          <a:lstStyle>
+            <a:lvl1pPr algn="r">
+              <a:defRPr sz="1200"/>
+            </a:lvl1pPr>
+          </a:lstStyle>
+          <a:p>
+            <a:fld id="{4E86B24A-68EC-4ACD-81BE-AFA59FF7AC94}" type="slidenum">
+              <a:rPr lang="et-EE" smtClean="0"/>
+              <a:t>‹#›</a:t>
+            </a:fld>
+            <a:endParaRPr lang="et-EE"/>
+          </a:p>
+        </p:txBody>
+      </p:sp>
+    </p:spTree>
+    <p:extLst>
+      <p:ext uri="{BB962C8B-B14F-4D97-AF65-F5344CB8AC3E}">
+        <p14:creationId xmlns:p14="http://schemas.microsoft.com/office/powerpoint/2010/main" val="2555146449"/>
+      </p:ext>
+    </p:extLst>
+  </p:cSld>
+  <p:clrMap bg1="lt1" tx1="dk1" bg2="lt2" tx2="dk2" accent1="accent1" accent2="accent2" accent3="accent3" accent4="accent4" accent5="accent5" accent6="accent6" hlink="hlink" folHlink="folHlink"/>
+  <p:notesStyle>
+    <a:lvl1pPr marL="0" algn="l" defTabSz="914400" rtl="0" eaLnBrk="1" latinLnBrk="0" hangingPunct="1">
+      <a:defRPr sz="1200" kern="1200">
+        <a:solidFill>
+          <a:schemeClr val="tx1"/>
+        </a:solidFill>
+        <a:latin typeface="+mn-lt"/>
+        <a:ea typeface="+mn-ea"/>
+        <a:cs typeface="+mn-cs"/>
+      </a:defRPr>
+    </a:lvl1pPr>
+    <a:lvl2pPr marL="457200" algn="l" defTabSz="914400" rtl="0" eaLnBrk="1" latinLnBrk="0" hangingPunct="1">
+      <a:defRPr sz="1200" kern="1200">
+        <a:solidFill>
+          <a:schemeClr val="tx1"/>
+        </a:solidFill>
+        <a:latin typeface="+mn-lt"/>
+        <a:ea typeface="+mn-ea"/>
+        <a:cs typeface="+mn-cs"/>
+      </a:defRPr>
+    </a:lvl2pPr>
+    <a:lvl3pPr marL="914400" algn="l" defTabSz="914400" rtl="0" eaLnBrk="1" latinLnBrk="0" hangingPunct="1">
+      <a:defRPr sz="1200" kern="1200">
+        <a:solidFill>
+          <a:schemeClr val="tx1"/>
+        </a:solidFill>
+        <a:latin typeface="+mn-lt"/>
+        <a:ea typeface="+mn-ea"/>
+        <a:cs typeface="+mn-cs"/>
+      </a:defRPr>
+    </a:lvl3pPr>
+    <a:lvl4pPr marL="1371600" algn="l" defTabSz="914400" rtl="0" eaLnBrk="1" latinLnBrk="0" hangingPunct="1">
+      <a:defRPr sz="1200" kern="1200">
+        <a:solidFill>
+          <a:schemeClr val="tx1"/>
+        </a:solidFill>
+        <a:latin typeface="+mn-lt"/>
+        <a:ea typeface="+mn-ea"/>
+        <a:cs typeface="+mn-cs"/>
+      </a:defRPr>
+    </a:lvl4pPr>
+    <a:lvl5pPr marL="1828800" algn="l" defTabSz="914400" rtl="0" eaLnBrk="1" latinLnBrk="0" hangingPunct="1">
+      <a:defRPr sz="1200" kern="1200">
+        <a:solidFill>
+          <a:schemeClr val="tx1"/>
+        </a:solidFill>
+        <a:latin typeface="+mn-lt"/>
+        <a:ea typeface="+mn-ea"/>
+        <a:cs typeface="+mn-cs"/>
+      </a:defRPr>
+    </a:lvl5pPr>
+    <a:lvl6pPr marL="2286000" algn="l" defTabSz="914400" rtl="0" eaLnBrk="1" latinLnBrk="0" hangingPunct="1">
+      <a:defRPr sz="1200" kern="1200">
+        <a:solidFill>
+          <a:schemeClr val="tx1"/>
+        </a:solidFill>
+        <a:latin typeface="+mn-lt"/>
+        <a:ea typeface="+mn-ea"/>
+        <a:cs typeface="+mn-cs"/>
+      </a:defRPr>
+    </a:lvl6pPr>
+    <a:lvl7pPr marL="2743200" algn="l" defTabSz="914400" rtl="0" eaLnBrk="1" latinLnBrk="0" hangingPunct="1">
+      <a:defRPr sz="1200" kern="1200">
+        <a:solidFill>
+          <a:schemeClr val="tx1"/>
+        </a:solidFill>
+        <a:latin typeface="+mn-lt"/>
+        <a:ea typeface="+mn-ea"/>
+        <a:cs typeface="+mn-cs"/>
+      </a:defRPr>
+    </a:lvl7pPr>
+    <a:lvl8pPr marL="3200400" algn="l" defTabSz="914400" rtl="0" eaLnBrk="1" latinLnBrk="0" hangingPunct="1">
+      <a:defRPr sz="1200" kern="1200">
+        <a:solidFill>
+          <a:schemeClr val="tx1"/>
+        </a:solidFill>
+        <a:latin typeface="+mn-lt"/>
+        <a:ea typeface="+mn-ea"/>
+        <a:cs typeface="+mn-cs"/>
+      </a:defRPr>
+    </a:lvl8pPr>
+    <a:lvl9pPr marL="3657600" algn="l" defTabSz="914400" rtl="0" eaLnBrk="1" latinLnBrk="0" hangingPunct="1">
+      <a:defRPr sz="1200" kern="1200">
+        <a:solidFill>
+          <a:schemeClr val="tx1"/>
+        </a:solidFill>
+        <a:latin typeface="+mn-lt"/>
+        <a:ea typeface="+mn-ea"/>
+        <a:cs typeface="+mn-cs"/>
+      </a:defRPr>
+    </a:lvl9pPr>
+  </p:notesStyle>
+</p:notesMaster>
+</file>
+
+<file path=ppt/notesSlides/notesSlide1.xml><?xml version="1.0" encoding="utf-8"?>
+<p:notes xmlns:a="http://schemas.openxmlformats.org/drawingml/2006/main" xmlns:r="http://schemas.openxmlformats.org/officeDocument/2006/relationships" xmlns:p="http://schemas.openxmlformats.org/presentationml/2006/main">
+  <p:cSld>
+    <p:spTree>
+      <p:nvGrpSpPr>
+        <p:cNvPr id="1" name=""/>
+        <p:cNvGrpSpPr/>
+        <p:nvPr/>
+      </p:nvGrpSpPr>
+      <p:grpSpPr>
+        <a:xfrm>
+          <a:off x="0" y="0"/>
+          <a:ext cx="0" cy="0"/>
+          <a:chOff x="0" y="0"/>
+          <a:chExt cx="0" cy="0"/>
+        </a:xfrm>
+      </p:grpSpPr>
+      <p:sp>
+        <p:nvSpPr>
+          <p:cNvPr id="2" name="Slide Image Placeholder 1"/>
+          <p:cNvSpPr>
+            <a:spLocks noGrp="1" noRot="1" noChangeAspect="1"/>
+          </p:cNvSpPr>
+          <p:nvPr>
+            <p:ph type="sldImg"/>
+          </p:nvPr>
+        </p:nvSpPr>
+        <p:spPr/>
+      </p:sp>
+      <p:sp>
+        <p:nvSpPr>
+          <p:cNvPr id="3" name="Notes Placeholder 2"/>
+          <p:cNvSpPr>
+            <a:spLocks noGrp="1"/>
+          </p:cNvSpPr>
+          <p:nvPr>
+            <p:ph type="body" idx="1"/>
+          </p:nvPr>
+        </p:nvSpPr>
+        <p:spPr/>
+        <p:txBody>
+          <a:bodyPr/>
+          <a:lstStyle/>
+          <a:p>
+            <a:endParaRPr lang="et-EE"/>
+          </a:p>
+        </p:txBody>
+      </p:sp>
+      <p:sp>
+        <p:nvSpPr>
+          <p:cNvPr id="4" name="Slide Number Placeholder 3"/>
+          <p:cNvSpPr>
+            <a:spLocks noGrp="1"/>
+          </p:cNvSpPr>
+          <p:nvPr>
+            <p:ph type="sldNum" sz="quarter" idx="10"/>
+          </p:nvPr>
+        </p:nvSpPr>
+        <p:spPr/>
+        <p:txBody>
+          <a:bodyPr/>
+          <a:lstStyle/>
+          <a:p>
+            <a:fld id="{4E86B24A-68EC-4ACD-81BE-AFA59FF7AC94}" type="slidenum">
+              <a:rPr lang="et-EE" smtClean="0"/>
+              <a:t>25</a:t>
+            </a:fld>
+            <a:endParaRPr lang="et-EE"/>
+          </a:p>
+        </p:txBody>
+      </p:sp>
+    </p:spTree>
+    <p:extLst>
+      <p:ext uri="{BB962C8B-B14F-4D97-AF65-F5344CB8AC3E}">
+        <p14:creationId xmlns:p14="http://schemas.microsoft.com/office/powerpoint/2010/main" val="509633259"/>
+      </p:ext>
+    </p:extLst>
+  </p:cSld>
+  <p:clrMapOvr>
+    <a:masterClrMapping/>
+  </p:clrMapOvr>
+</p:notes>
 </file>
 
 <file path=ppt/slideLayouts/slideLayout1.xml><?xml version="1.0" encoding="utf-8"?>
@@ -9782,8 +10326,8 @@
         </p:blipFill>
         <p:spPr>
           <a:xfrm>
-            <a:off x="1104462" y="1036623"/>
-            <a:ext cx="7261616" cy="5339423"/>
+            <a:off x="300783" y="866666"/>
+            <a:ext cx="8838028" cy="6498549"/>
           </a:xfrm>
         </p:spPr>
       </p:pic>
@@ -9831,7 +10375,7 @@
         </p:nvSpPr>
         <p:spPr>
           <a:xfrm>
-            <a:off x="8366078" y="3383170"/>
+            <a:off x="9138811" y="2879699"/>
             <a:ext cx="2893325" cy="646331"/>
           </a:xfrm>
           <a:prstGeom prst="rect">
@@ -9967,8 +10511,8 @@
         </p:blipFill>
         <p:spPr>
           <a:xfrm>
-            <a:off x="892982" y="928830"/>
-            <a:ext cx="7961813" cy="5854274"/>
+            <a:off x="609647" y="437893"/>
+            <a:ext cx="8621865" cy="6339606"/>
           </a:xfrm>
         </p:spPr>
       </p:pic>
@@ -10025,7 +10569,7 @@
         </p:nvSpPr>
         <p:spPr>
           <a:xfrm>
-            <a:off x="3683925" y="1271315"/>
+            <a:off x="3786956" y="1232678"/>
             <a:ext cx="2729553" cy="307777"/>
           </a:xfrm>
           <a:prstGeom prst="rect">
@@ -10114,8 +10658,8 @@
         </p:blipFill>
         <p:spPr>
           <a:xfrm>
-            <a:off x="948038" y="1187355"/>
-            <a:ext cx="7267494" cy="5343745"/>
+            <a:off x="896522" y="500116"/>
+            <a:ext cx="8646723" cy="6357884"/>
           </a:xfrm>
         </p:spPr>
       </p:pic>
@@ -10127,7 +10671,7 @@
         </p:nvSpPr>
         <p:spPr>
           <a:xfrm>
-            <a:off x="8660116" y="3293449"/>
+            <a:off x="10025276" y="3352159"/>
             <a:ext cx="1937982" cy="923330"/>
           </a:xfrm>
           <a:prstGeom prst="rect">
@@ -10178,7 +10722,7 @@
         </p:nvSpPr>
         <p:spPr>
           <a:xfrm>
-            <a:off x="3390950" y="1862843"/>
+            <a:off x="3906105" y="1334809"/>
             <a:ext cx="2861532" cy="307777"/>
           </a:xfrm>
           <a:prstGeom prst="rect">
@@ -10319,8 +10863,8 @@
         </p:blipFill>
         <p:spPr>
           <a:xfrm>
-            <a:off x="1123415" y="692115"/>
-            <a:ext cx="7545790" cy="5548375"/>
+            <a:off x="1123414" y="679236"/>
+            <a:ext cx="8406951" cy="6181582"/>
           </a:xfrm>
           <a:prstGeom prst="rect">
             <a:avLst/>
@@ -10335,7 +10879,7 @@
         </p:nvSpPr>
         <p:spPr>
           <a:xfrm>
-            <a:off x="8669205" y="3143138"/>
+            <a:off x="9720082" y="3233290"/>
             <a:ext cx="2101755" cy="646331"/>
           </a:xfrm>
           <a:prstGeom prst="rect">
@@ -10380,7 +10924,7 @@
         </p:nvSpPr>
         <p:spPr>
           <a:xfrm>
-            <a:off x="3744716" y="1393311"/>
+            <a:off x="4246993" y="1520137"/>
             <a:ext cx="2715904" cy="307777"/>
           </a:xfrm>
           <a:prstGeom prst="rect">
@@ -10707,7 +11251,7 @@
           <p:nvPr>
             <p:extLst>
               <p:ext uri="{D42A27DB-BD31-4B8C-83A1-F6EECF244321}">
-                <p14:modId xmlns:p14="http://schemas.microsoft.com/office/powerpoint/2010/main" val="657078519"/>
+                <p14:modId xmlns:p14="http://schemas.microsoft.com/office/powerpoint/2010/main" val="4184658304"/>
               </p:ext>
             </p:extLst>
           </p:nvPr>
@@ -10766,7 +11310,7 @@
           <p:nvPr>
             <p:extLst>
               <p:ext uri="{D42A27DB-BD31-4B8C-83A1-F6EECF244321}">
-                <p14:modId xmlns:p14="http://schemas.microsoft.com/office/powerpoint/2010/main" val="1980169701"/>
+                <p14:modId xmlns:p14="http://schemas.microsoft.com/office/powerpoint/2010/main" val="4209437377"/>
               </p:ext>
             </p:extLst>
           </p:nvPr>
@@ -10998,7 +11542,7 @@
           <p:nvPr>
             <p:extLst>
               <p:ext uri="{D42A27DB-BD31-4B8C-83A1-F6EECF244321}">
-                <p14:modId xmlns:p14="http://schemas.microsoft.com/office/powerpoint/2010/main" val="853364566"/>
+                <p14:modId xmlns:p14="http://schemas.microsoft.com/office/powerpoint/2010/main" val="882085689"/>
               </p:ext>
             </p:extLst>
           </p:nvPr>
@@ -11152,7 +11696,7 @@
         </p:nvSpPr>
         <p:spPr>
           <a:xfrm>
-            <a:off x="1268569" y="856446"/>
+            <a:off x="1139779" y="2144332"/>
             <a:ext cx="9601200" cy="3581400"/>
           </a:xfrm>
         </p:spPr>
@@ -11167,7 +11711,7 @@
               <a:buChar char="•"/>
             </a:pPr>
             <a:r>
-              <a:rPr lang="en-US" sz="4400" dirty="0" smtClean="0">
+              <a:rPr lang="en-US" sz="4000" dirty="0" smtClean="0">
                 <a:latin typeface="Arial" panose="020B0604020202020204" pitchFamily="34" charset="0"/>
                 <a:cs typeface="Arial" panose="020B0604020202020204" pitchFamily="34" charset="0"/>
               </a:rPr>
@@ -11180,7 +11724,7 @@
               <a:buChar char="•"/>
             </a:pPr>
             <a:r>
-              <a:rPr lang="en-US" sz="4400" dirty="0" smtClean="0">
+              <a:rPr lang="en-US" sz="4000" dirty="0" smtClean="0">
                 <a:latin typeface="Arial" panose="020B0604020202020204" pitchFamily="34" charset="0"/>
                 <a:cs typeface="Arial" panose="020B0604020202020204" pitchFamily="34" charset="0"/>
               </a:rPr>
@@ -11193,15 +11737,53 @@
               <a:buChar char="•"/>
             </a:pPr>
             <a:r>
-              <a:rPr lang="en-US" sz="4400" dirty="0" smtClean="0">
+              <a:rPr lang="en-US" sz="4000" dirty="0" smtClean="0">
                 <a:latin typeface="Arial" panose="020B0604020202020204" pitchFamily="34" charset="0"/>
                 <a:cs typeface="Arial" panose="020B0604020202020204" pitchFamily="34" charset="0"/>
               </a:rPr>
               <a:t>Genetic algorithm has the best performance</a:t>
             </a:r>
-            <a:endParaRPr lang="et-EE" sz="4400" dirty="0">
+            <a:endParaRPr lang="et-EE" sz="4000" dirty="0">
               <a:latin typeface="Arial" panose="020B0604020202020204" pitchFamily="34" charset="0"/>
               <a:cs typeface="Arial" panose="020B0604020202020204" pitchFamily="34" charset="0"/>
+            </a:endParaRPr>
+          </a:p>
+        </p:txBody>
+      </p:sp>
+      <p:sp>
+        <p:nvSpPr>
+          <p:cNvPr id="4" name="TextBox 3"/>
+          <p:cNvSpPr txBox="1"/>
+          <p:nvPr/>
+        </p:nvSpPr>
+        <p:spPr>
+          <a:xfrm>
+            <a:off x="1596980" y="360609"/>
+            <a:ext cx="5769736" cy="707886"/>
+          </a:xfrm>
+          <a:prstGeom prst="rect">
+            <a:avLst/>
+          </a:prstGeom>
+          <a:noFill/>
+        </p:spPr>
+        <p:txBody>
+          <a:bodyPr wrap="square" rtlCol="0">
+            <a:spAutoFit/>
+          </a:bodyPr>
+          <a:lstStyle/>
+          <a:p>
+            <a:r>
+              <a:rPr lang="en-US" sz="4000" dirty="0" smtClean="0">
+                <a:solidFill>
+                  <a:srgbClr val="0070C0"/>
+                </a:solidFill>
+              </a:rPr>
+              <a:t>EXTERNAL FACTORS</a:t>
+            </a:r>
+            <a:endParaRPr lang="et-EE" sz="4000" dirty="0">
+              <a:solidFill>
+                <a:srgbClr val="0070C0"/>
+              </a:solidFill>
             </a:endParaRPr>
           </a:p>
         </p:txBody>
@@ -12194,8 +12776,8 @@
         </p:nvSpPr>
         <p:spPr>
           <a:xfrm>
-            <a:off x="1034104" y="720470"/>
-            <a:ext cx="9872871" cy="4038600"/>
+            <a:off x="1034104" y="720469"/>
+            <a:ext cx="10556882" cy="5345480"/>
           </a:xfrm>
         </p:spPr>
         <p:txBody>
@@ -12260,6 +12842,100 @@
               </a:rPr>
               <a:t>240</a:t>
             </a:r>
+          </a:p>
+          <a:p>
+            <a:pPr lvl="1">
+              <a:buClr>
+                <a:schemeClr val="tx1"/>
+              </a:buClr>
+              <a:buFont typeface="Arial" panose="020B0604020202020204" pitchFamily="34" charset="0"/>
+              <a:buChar char="•"/>
+            </a:pPr>
+            <a:r>
+              <a:rPr lang="en-US" sz="4000" dirty="0" smtClean="0">
+                <a:solidFill>
+                  <a:schemeClr val="tx1"/>
+                </a:solidFill>
+                <a:latin typeface="Arial" panose="020B0604020202020204" pitchFamily="34" charset="0"/>
+                <a:cs typeface="Arial" panose="020B0604020202020204" pitchFamily="34" charset="0"/>
+              </a:rPr>
+              <a:t>Number of A packages: </a:t>
+            </a:r>
+            <a:r>
+              <a:rPr lang="en-US" sz="4000" b="1" dirty="0" smtClean="0">
+                <a:solidFill>
+                  <a:schemeClr val="tx1"/>
+                </a:solidFill>
+                <a:latin typeface="Arial" panose="020B0604020202020204" pitchFamily="34" charset="0"/>
+                <a:cs typeface="Arial" panose="020B0604020202020204" pitchFamily="34" charset="0"/>
+              </a:rPr>
+              <a:t>30</a:t>
+            </a:r>
+          </a:p>
+          <a:p>
+            <a:pPr lvl="1">
+              <a:buClr>
+                <a:schemeClr val="tx1"/>
+              </a:buClr>
+              <a:buFont typeface="Arial" panose="020B0604020202020204" pitchFamily="34" charset="0"/>
+              <a:buChar char="•"/>
+            </a:pPr>
+            <a:r>
+              <a:rPr lang="en-US" sz="4000" dirty="0" smtClean="0">
+                <a:solidFill>
+                  <a:schemeClr val="tx1"/>
+                </a:solidFill>
+                <a:latin typeface="Arial" panose="020B0604020202020204" pitchFamily="34" charset="0"/>
+                <a:cs typeface="Arial" panose="020B0604020202020204" pitchFamily="34" charset="0"/>
+              </a:rPr>
+              <a:t>Number of B packages :</a:t>
+            </a:r>
+            <a:r>
+              <a:rPr lang="en-US" sz="4000" b="1" dirty="0" smtClean="0">
+                <a:solidFill>
+                  <a:schemeClr val="tx1"/>
+                </a:solidFill>
+                <a:latin typeface="Arial" panose="020B0604020202020204" pitchFamily="34" charset="0"/>
+                <a:cs typeface="Arial" panose="020B0604020202020204" pitchFamily="34" charset="0"/>
+              </a:rPr>
+              <a:t>10</a:t>
+            </a:r>
+          </a:p>
+          <a:p>
+            <a:pPr lvl="1">
+              <a:buClr>
+                <a:schemeClr val="tx1"/>
+              </a:buClr>
+              <a:buFont typeface="Arial" panose="020B0604020202020204" pitchFamily="34" charset="0"/>
+              <a:buChar char="•"/>
+            </a:pPr>
+            <a:r>
+              <a:rPr lang="en-US" sz="4000" dirty="0" smtClean="0">
+                <a:solidFill>
+                  <a:schemeClr val="tx1"/>
+                </a:solidFill>
+                <a:latin typeface="Arial" panose="020B0604020202020204" pitchFamily="34" charset="0"/>
+                <a:cs typeface="Arial" panose="020B0604020202020204" pitchFamily="34" charset="0"/>
+              </a:rPr>
+              <a:t>Number of C packages: </a:t>
+            </a:r>
+            <a:r>
+              <a:rPr lang="en-US" sz="4000" b="1" dirty="0" smtClean="0">
+                <a:solidFill>
+                  <a:schemeClr val="tx1"/>
+                </a:solidFill>
+                <a:latin typeface="Arial" panose="020B0604020202020204" pitchFamily="34" charset="0"/>
+                <a:cs typeface="Arial" panose="020B0604020202020204" pitchFamily="34" charset="0"/>
+              </a:rPr>
+              <a:t>22</a:t>
+            </a:r>
+            <a:endParaRPr lang="en-US" sz="4000" b="1" dirty="0" smtClean="0">
+              <a:solidFill>
+                <a:schemeClr val="tx1"/>
+              </a:solidFill>
+              <a:latin typeface="Arial" panose="020B0604020202020204" pitchFamily="34" charset="0"/>
+              <a:cs typeface="Arial" panose="020B0604020202020204" pitchFamily="34" charset="0"/>
+            </a:endParaRPr>
           </a:p>
           <a:p>
             <a:endParaRPr lang="et-EE" sz="2800" dirty="0"/>
@@ -12897,4 +13573,265 @@
     </a:ext>
   </a:extLst>
 </a:theme>
+</file>
+
+<file path=ppt/theme/theme2.xml><?xml version="1.0" encoding="utf-8"?>
+<a:theme xmlns:a="http://schemas.openxmlformats.org/drawingml/2006/main" name="Office Theme">
+  <a:themeElements>
+    <a:clrScheme name="Office">
+      <a:dk1>
+        <a:sysClr val="windowText" lastClr="000000"/>
+      </a:dk1>
+      <a:lt1>
+        <a:sysClr val="window" lastClr="FFFFFF"/>
+      </a:lt1>
+      <a:dk2>
+        <a:srgbClr val="44546A"/>
+      </a:dk2>
+      <a:lt2>
+        <a:srgbClr val="E7E6E6"/>
+      </a:lt2>
+      <a:accent1>
+        <a:srgbClr val="5B9BD5"/>
+      </a:accent1>
+      <a:accent2>
+        <a:srgbClr val="ED7D31"/>
+      </a:accent2>
+      <a:accent3>
+        <a:srgbClr val="A5A5A5"/>
+      </a:accent3>
+      <a:accent4>
+        <a:srgbClr val="FFC000"/>
+      </a:accent4>
+      <a:accent5>
+        <a:srgbClr val="4472C4"/>
+      </a:accent5>
+      <a:accent6>
+        <a:srgbClr val="70AD47"/>
+      </a:accent6>
+      <a:hlink>
+        <a:srgbClr val="0563C1"/>
+      </a:hlink>
+      <a:folHlink>
+        <a:srgbClr val="954F72"/>
+      </a:folHlink>
+    </a:clrScheme>
+    <a:fontScheme name="Office">
+      <a:majorFont>
+        <a:latin typeface="Calibri Light" panose="020F0302020204030204"/>
+        <a:ea typeface=""/>
+        <a:cs typeface=""/>
+        <a:font script="Jpan" typeface="ＭＳ Ｐゴシック"/>
+        <a:font script="Hang" typeface="맑은 고딕"/>
+        <a:font script="Hans" typeface="宋体"/>
+        <a:font script="Hant" typeface="新細明體"/>
+        <a:font script="Arab" typeface="Times New Roman"/>
+        <a:font script="Hebr" typeface="Times New Roman"/>
+        <a:font script="Thai" typeface="Angsana New"/>
+        <a:font script="Ethi" typeface="Nyala"/>
+        <a:font script="Beng" typeface="Vrinda"/>
+        <a:font script="Gujr" typeface="Shruti"/>
+        <a:font script="Khmr" typeface="MoolBoran"/>
+        <a:font script="Knda" typeface="Tunga"/>
+        <a:font script="Guru" typeface="Raavi"/>
+        <a:font script="Cans" typeface="Euphemia"/>
+        <a:font script="Cher" typeface="Plantagenet Cherokee"/>
+        <a:font script="Yiii" typeface="Microsoft Yi Baiti"/>
+        <a:font script="Tibt" typeface="Microsoft Himalaya"/>
+        <a:font script="Thaa" typeface="MV Boli"/>
+        <a:font script="Deva" typeface="Mangal"/>
+        <a:font script="Telu" typeface="Gautami"/>
+        <a:font script="Taml" typeface="Latha"/>
+        <a:font script="Syrc" typeface="Estrangelo Edessa"/>
+        <a:font script="Orya" typeface="Kalinga"/>
+        <a:font script="Mlym" typeface="Kartika"/>
+        <a:font script="Laoo" typeface="DokChampa"/>
+        <a:font script="Sinh" typeface="Iskoola Pota"/>
+        <a:font script="Mong" typeface="Mongolian Baiti"/>
+        <a:font script="Viet" typeface="Times New Roman"/>
+        <a:font script="Uigh" typeface="Microsoft Uighur"/>
+        <a:font script="Geor" typeface="Sylfaen"/>
+      </a:majorFont>
+      <a:minorFont>
+        <a:latin typeface="Calibri" panose="020F0502020204030204"/>
+        <a:ea typeface=""/>
+        <a:cs typeface=""/>
+        <a:font script="Jpan" typeface="ＭＳ Ｐゴシック"/>
+        <a:font script="Hang" typeface="맑은 고딕"/>
+        <a:font script="Hans" typeface="宋体"/>
+        <a:font script="Hant" typeface="新細明體"/>
+        <a:font script="Arab" typeface="Arial"/>
+        <a:font script="Hebr" typeface="Arial"/>
+        <a:font script="Thai" typeface="Cordia New"/>
+        <a:font script="Ethi" typeface="Nyala"/>
+        <a:font script="Beng" typeface="Vrinda"/>
+        <a:font script="Gujr" typeface="Shruti"/>
+        <a:font script="Khmr" typeface="DaunPenh"/>
+        <a:font script="Knda" typeface="Tunga"/>
+        <a:font script="Guru" typeface="Raavi"/>
+        <a:font script="Cans" typeface="Euphemia"/>
+        <a:font script="Cher" typeface="Plantagenet Cherokee"/>
+        <a:font script="Yiii" typeface="Microsoft Yi Baiti"/>
+        <a:font script="Tibt" typeface="Microsoft Himalaya"/>
+        <a:font script="Thaa" typeface="MV Boli"/>
+        <a:font script="Deva" typeface="Mangal"/>
+        <a:font script="Telu" typeface="Gautami"/>
+        <a:font script="Taml" typeface="Latha"/>
+        <a:font script="Syrc" typeface="Estrangelo Edessa"/>
+        <a:font script="Orya" typeface="Kalinga"/>
+        <a:font script="Mlym" typeface="Kartika"/>
+        <a:font script="Laoo" typeface="DokChampa"/>
+        <a:font script="Sinh" typeface="Iskoola Pota"/>
+        <a:font script="Mong" typeface="Mongolian Baiti"/>
+        <a:font script="Viet" typeface="Arial"/>
+        <a:font script="Uigh" typeface="Microsoft Uighur"/>
+        <a:font script="Geor" typeface="Sylfaen"/>
+      </a:minorFont>
+    </a:fontScheme>
+    <a:fmtScheme name="Office">
+      <a:fillStyleLst>
+        <a:solidFill>
+          <a:schemeClr val="phClr"/>
+        </a:solidFill>
+        <a:gradFill rotWithShape="1">
+          <a:gsLst>
+            <a:gs pos="0">
+              <a:schemeClr val="phClr">
+                <a:lumMod val="110000"/>
+                <a:satMod val="105000"/>
+                <a:tint val="67000"/>
+              </a:schemeClr>
+            </a:gs>
+            <a:gs pos="50000">
+              <a:schemeClr val="phClr">
+                <a:lumMod val="105000"/>
+                <a:satMod val="103000"/>
+                <a:tint val="73000"/>
+              </a:schemeClr>
+            </a:gs>
+            <a:gs pos="100000">
+              <a:schemeClr val="phClr">
+                <a:lumMod val="105000"/>
+                <a:satMod val="109000"/>
+                <a:tint val="81000"/>
+              </a:schemeClr>
+            </a:gs>
+          </a:gsLst>
+          <a:lin ang="5400000" scaled="0"/>
+        </a:gradFill>
+        <a:gradFill rotWithShape="1">
+          <a:gsLst>
+            <a:gs pos="0">
+              <a:schemeClr val="phClr">
+                <a:satMod val="103000"/>
+                <a:lumMod val="102000"/>
+                <a:tint val="94000"/>
+              </a:schemeClr>
+            </a:gs>
+            <a:gs pos="50000">
+              <a:schemeClr val="phClr">
+                <a:satMod val="110000"/>
+                <a:lumMod val="100000"/>
+                <a:shade val="100000"/>
+              </a:schemeClr>
+            </a:gs>
+            <a:gs pos="100000">
+              <a:schemeClr val="phClr">
+                <a:lumMod val="99000"/>
+                <a:satMod val="120000"/>
+                <a:shade val="78000"/>
+              </a:schemeClr>
+            </a:gs>
+          </a:gsLst>
+          <a:lin ang="5400000" scaled="0"/>
+        </a:gradFill>
+      </a:fillStyleLst>
+      <a:lnStyleLst>
+        <a:ln w="6350" cap="flat" cmpd="sng" algn="ctr">
+          <a:solidFill>
+            <a:schemeClr val="phClr"/>
+          </a:solidFill>
+          <a:prstDash val="solid"/>
+          <a:miter lim="800000"/>
+        </a:ln>
+        <a:ln w="12700" cap="flat" cmpd="sng" algn="ctr">
+          <a:solidFill>
+            <a:schemeClr val="phClr"/>
+          </a:solidFill>
+          <a:prstDash val="solid"/>
+          <a:miter lim="800000"/>
+        </a:ln>
+        <a:ln w="19050" cap="flat" cmpd="sng" algn="ctr">
+          <a:solidFill>
+            <a:schemeClr val="phClr"/>
+          </a:solidFill>
+          <a:prstDash val="solid"/>
+          <a:miter lim="800000"/>
+        </a:ln>
+      </a:lnStyleLst>
+      <a:effectStyleLst>
+        <a:effectStyle>
+          <a:effectLst/>
+        </a:effectStyle>
+        <a:effectStyle>
+          <a:effectLst/>
+        </a:effectStyle>
+        <a:effectStyle>
+          <a:effectLst>
+            <a:outerShdw blurRad="57150" dist="19050" dir="5400000" algn="ctr" rotWithShape="0">
+              <a:srgbClr val="000000">
+                <a:alpha val="63000"/>
+              </a:srgbClr>
+            </a:outerShdw>
+          </a:effectLst>
+        </a:effectStyle>
+      </a:effectStyleLst>
+      <a:bgFillStyleLst>
+        <a:solidFill>
+          <a:schemeClr val="phClr"/>
+        </a:solidFill>
+        <a:solidFill>
+          <a:schemeClr val="phClr">
+            <a:tint val="95000"/>
+            <a:satMod val="170000"/>
+          </a:schemeClr>
+        </a:solidFill>
+        <a:gradFill rotWithShape="1">
+          <a:gsLst>
+            <a:gs pos="0">
+              <a:schemeClr val="phClr">
+                <a:tint val="93000"/>
+                <a:satMod val="150000"/>
+                <a:shade val="98000"/>
+                <a:lumMod val="102000"/>
+              </a:schemeClr>
+            </a:gs>
+            <a:gs pos="50000">
+              <a:schemeClr val="phClr">
+                <a:tint val="98000"/>
+                <a:satMod val="130000"/>
+                <a:shade val="90000"/>
+                <a:lumMod val="103000"/>
+              </a:schemeClr>
+            </a:gs>
+            <a:gs pos="100000">
+              <a:schemeClr val="phClr">
+                <a:shade val="63000"/>
+                <a:satMod val="120000"/>
+              </a:schemeClr>
+            </a:gs>
+          </a:gsLst>
+          <a:lin ang="5400000" scaled="0"/>
+        </a:gradFill>
+      </a:bgFillStyleLst>
+    </a:fmtScheme>
+  </a:themeElements>
+  <a:objectDefaults/>
+  <a:extraClrSchemeLst/>
+  <a:extLst>
+    <a:ext uri="{05A4C25C-085E-4340-85A3-A5531E510DB2}">
+      <thm15:themeFamily xmlns:thm15="http://schemas.microsoft.com/office/thememl/2012/main" name="Office Theme" id="{62F939B6-93AF-4DB8-9C6B-D6C7DFDC589F}" vid="{4A3C46E8-61CC-4603-A589-7422A47A8E4A}"/>
+    </a:ext>
+  </a:extLst>
+</a:theme>
 </file>
--- a/Report, presentation and related stuff/Knapsack_problem.pptx
+++ b/Report, presentation and related stuff/Knapsack_problem.pptx
@@ -5,7 +5,7 @@
     <p:sldMasterId id="2147483845" r:id="rId1"/>
   </p:sldMasterIdLst>
   <p:notesMasterIdLst>
-    <p:notesMasterId r:id="rId29"/>
+    <p:notesMasterId r:id="rId30"/>
   </p:notesMasterIdLst>
   <p:sldIdLst>
     <p:sldId id="256" r:id="rId2"/>
@@ -28,13 +28,14 @@
     <p:sldId id="274" r:id="rId19"/>
     <p:sldId id="262" r:id="rId20"/>
     <p:sldId id="279" r:id="rId21"/>
-    <p:sldId id="280" r:id="rId22"/>
-    <p:sldId id="282" r:id="rId23"/>
-    <p:sldId id="285" r:id="rId24"/>
-    <p:sldId id="286" r:id="rId25"/>
-    <p:sldId id="288" r:id="rId26"/>
-    <p:sldId id="290" r:id="rId27"/>
-    <p:sldId id="267" r:id="rId28"/>
+    <p:sldId id="291" r:id="rId22"/>
+    <p:sldId id="280" r:id="rId23"/>
+    <p:sldId id="282" r:id="rId24"/>
+    <p:sldId id="285" r:id="rId25"/>
+    <p:sldId id="286" r:id="rId26"/>
+    <p:sldId id="288" r:id="rId27"/>
+    <p:sldId id="290" r:id="rId28"/>
+    <p:sldId id="267" r:id="rId29"/>
   </p:sldIdLst>
   <p:sldSz cx="12192000" cy="6858000"/>
   <p:notesSz cx="6858000" cy="9144000"/>
@@ -603,8 +604,8 @@
           <c:showPercent val="0"/>
           <c:showBubbleSize val="0"/>
         </c:dLbls>
-        <c:axId val="308074192"/>
-        <c:axId val="308074584"/>
+        <c:axId val="259673248"/>
+        <c:axId val="259668152"/>
       </c:scatterChart>
       <c:scatterChart>
         <c:scatterStyle val="lineMarker"/>
@@ -967,11 +968,11 @@
           <c:showPercent val="0"/>
           <c:showBubbleSize val="0"/>
         </c:dLbls>
-        <c:axId val="308072624"/>
-        <c:axId val="308075760"/>
+        <c:axId val="259674032"/>
+        <c:axId val="259673640"/>
       </c:scatterChart>
       <c:valAx>
-        <c:axId val="308074192"/>
+        <c:axId val="259673248"/>
         <c:scaling>
           <c:orientation val="minMax"/>
         </c:scaling>
@@ -1091,12 +1092,12 @@
             <a:endParaRPr lang="et-EE"/>
           </a:p>
         </c:txPr>
-        <c:crossAx val="308074584"/>
+        <c:crossAx val="259668152"/>
         <c:crosses val="autoZero"/>
         <c:crossBetween val="midCat"/>
       </c:valAx>
       <c:valAx>
-        <c:axId val="308074584"/>
+        <c:axId val="259668152"/>
         <c:scaling>
           <c:orientation val="minMax"/>
         </c:scaling>
@@ -1213,12 +1214,12 @@
             <a:endParaRPr lang="et-EE"/>
           </a:p>
         </c:txPr>
-        <c:crossAx val="308074192"/>
+        <c:crossAx val="259673248"/>
         <c:crosses val="autoZero"/>
         <c:crossBetween val="midCat"/>
       </c:valAx>
       <c:valAx>
-        <c:axId val="308075760"/>
+        <c:axId val="259673640"/>
         <c:scaling>
           <c:orientation val="minMax"/>
         </c:scaling>
@@ -1258,12 +1259,12 @@
             <a:endParaRPr lang="et-EE"/>
           </a:p>
         </c:txPr>
-        <c:crossAx val="308072624"/>
+        <c:crossAx val="259674032"/>
         <c:crosses val="max"/>
         <c:crossBetween val="midCat"/>
       </c:valAx>
       <c:valAx>
-        <c:axId val="308072624"/>
+        <c:axId val="259674032"/>
         <c:scaling>
           <c:orientation val="minMax"/>
         </c:scaling>
@@ -1273,7 +1274,7 @@
         <c:majorTickMark val="out"/>
         <c:minorTickMark val="none"/>
         <c:tickLblPos val="nextTo"/>
-        <c:crossAx val="308075760"/>
+        <c:crossAx val="259673640"/>
         <c:crosses val="autoZero"/>
         <c:crossBetween val="midCat"/>
       </c:valAx>
@@ -1331,7 +1332,7 @@
     <a:noFill/>
     <a:ln>
       <a:solidFill>
-        <a:srgbClr val="FF3300"/>
+        <a:schemeClr val="bg1"/>
       </a:solidFill>
     </a:ln>
     <a:effectLst/>
@@ -1718,8 +1719,8 @@
           <c:showPercent val="0"/>
           <c:showBubbleSize val="0"/>
         </c:dLbls>
-        <c:axId val="249527160"/>
-        <c:axId val="249523632"/>
+        <c:axId val="259674816"/>
+        <c:axId val="259668936"/>
       </c:scatterChart>
       <c:scatterChart>
         <c:scatterStyle val="lineMarker"/>
@@ -2008,11 +2009,11 @@
           <c:showPercent val="0"/>
           <c:showBubbleSize val="0"/>
         </c:dLbls>
-        <c:axId val="249527552"/>
-        <c:axId val="249524808"/>
+        <c:axId val="261184184"/>
+        <c:axId val="261181440"/>
       </c:scatterChart>
       <c:valAx>
-        <c:axId val="249527160"/>
+        <c:axId val="259674816"/>
         <c:scaling>
           <c:orientation val="minMax"/>
         </c:scaling>
@@ -2128,12 +2129,12 @@
             <a:endParaRPr lang="et-EE"/>
           </a:p>
         </c:txPr>
-        <c:crossAx val="249523632"/>
+        <c:crossAx val="259668936"/>
         <c:crosses val="autoZero"/>
         <c:crossBetween val="midCat"/>
       </c:valAx>
       <c:valAx>
-        <c:axId val="249523632"/>
+        <c:axId val="259668936"/>
         <c:scaling>
           <c:orientation val="minMax"/>
         </c:scaling>
@@ -2245,12 +2246,12 @@
             <a:endParaRPr lang="et-EE"/>
           </a:p>
         </c:txPr>
-        <c:crossAx val="249527160"/>
+        <c:crossAx val="259674816"/>
         <c:crosses val="autoZero"/>
         <c:crossBetween val="midCat"/>
       </c:valAx>
       <c:valAx>
-        <c:axId val="249524808"/>
+        <c:axId val="261181440"/>
         <c:scaling>
           <c:orientation val="minMax"/>
         </c:scaling>
@@ -2386,12 +2387,12 @@
             <a:endParaRPr lang="et-EE"/>
           </a:p>
         </c:txPr>
-        <c:crossAx val="249527552"/>
+        <c:crossAx val="261184184"/>
         <c:crosses val="max"/>
         <c:crossBetween val="midCat"/>
       </c:valAx>
       <c:valAx>
-        <c:axId val="249527552"/>
+        <c:axId val="261184184"/>
         <c:scaling>
           <c:orientation val="minMax"/>
         </c:scaling>
@@ -2401,7 +2402,7 @@
         <c:majorTickMark val="out"/>
         <c:minorTickMark val="none"/>
         <c:tickLblPos val="nextTo"/>
-        <c:crossAx val="249524808"/>
+        <c:crossAx val="261181440"/>
         <c:crosses val="autoZero"/>
         <c:crossBetween val="midCat"/>
       </c:valAx>
@@ -2824,8 +2825,8 @@
           <c:showPercent val="0"/>
           <c:showBubbleSize val="0"/>
         </c:dLbls>
-        <c:axId val="249526376"/>
-        <c:axId val="249527944"/>
+        <c:axId val="261185752"/>
+        <c:axId val="261185360"/>
       </c:scatterChart>
       <c:scatterChart>
         <c:scatterStyle val="lineMarker"/>
@@ -3078,11 +3079,11 @@
           <c:showPercent val="0"/>
           <c:showBubbleSize val="0"/>
         </c:dLbls>
-        <c:axId val="249520888"/>
-        <c:axId val="249528336"/>
+        <c:axId val="261186536"/>
+        <c:axId val="261186144"/>
       </c:scatterChart>
       <c:valAx>
-        <c:axId val="249526376"/>
+        <c:axId val="261185752"/>
         <c:scaling>
           <c:orientation val="minMax"/>
         </c:scaling>
@@ -3210,12 +3211,12 @@
             <a:endParaRPr lang="et-EE"/>
           </a:p>
         </c:txPr>
-        <c:crossAx val="249527944"/>
+        <c:crossAx val="261185360"/>
         <c:crosses val="autoZero"/>
         <c:crossBetween val="midCat"/>
       </c:valAx>
       <c:valAx>
-        <c:axId val="249527944"/>
+        <c:axId val="261185360"/>
         <c:scaling>
           <c:orientation val="minMax"/>
         </c:scaling>
@@ -3327,12 +3328,12 @@
             <a:endParaRPr lang="et-EE"/>
           </a:p>
         </c:txPr>
-        <c:crossAx val="249526376"/>
+        <c:crossAx val="261185752"/>
         <c:crosses val="autoZero"/>
         <c:crossBetween val="midCat"/>
       </c:valAx>
       <c:valAx>
-        <c:axId val="249528336"/>
+        <c:axId val="261186144"/>
         <c:scaling>
           <c:orientation val="minMax"/>
         </c:scaling>
@@ -3371,12 +3372,12 @@
             <a:endParaRPr lang="et-EE"/>
           </a:p>
         </c:txPr>
-        <c:crossAx val="249520888"/>
+        <c:crossAx val="261186536"/>
         <c:crosses val="max"/>
         <c:crossBetween val="midCat"/>
       </c:valAx>
       <c:valAx>
-        <c:axId val="249520888"/>
+        <c:axId val="261186536"/>
         <c:scaling>
           <c:orientation val="minMax"/>
         </c:scaling>
@@ -3386,7 +3387,7 @@
         <c:majorTickMark val="out"/>
         <c:minorTickMark val="none"/>
         <c:tickLblPos val="nextTo"/>
-        <c:crossAx val="249528336"/>
+        <c:crossAx val="261186144"/>
         <c:crosses val="autoZero"/>
         <c:crossBetween val="midCat"/>
       </c:valAx>
@@ -5406,7 +5407,7 @@
           <a:p>
             <a:fld id="{6E6D078A-5E72-453B-8FB5-805E4B71B445}" type="datetimeFigureOut">
               <a:rPr lang="et-EE" smtClean="0"/>
-              <a:t>20.01.2016</a:t>
+              <a:t>21.01.2016</a:t>
             </a:fld>
             <a:endParaRPr lang="et-EE"/>
           </a:p>
@@ -5739,7 +5740,7 @@
           <a:p>
             <a:fld id="{4E86B24A-68EC-4ACD-81BE-AFA59FF7AC94}" type="slidenum">
               <a:rPr lang="et-EE" smtClean="0"/>
-              <a:t>25</a:t>
+              <a:t>26</a:t>
             </a:fld>
             <a:endParaRPr lang="et-EE"/>
           </a:p>
@@ -5919,7 +5920,7 @@
           <a:p>
             <a:fld id="{1838F80B-A628-425D-B3A1-2B0695012D5D}" type="datetimeFigureOut">
               <a:rPr lang="et-EE" smtClean="0"/>
-              <a:t>20.01.2016</a:t>
+              <a:t>21.01.2016</a:t>
             </a:fld>
             <a:endParaRPr lang="et-EE"/>
           </a:p>
@@ -6249,7 +6250,7 @@
           <a:p>
             <a:fld id="{1838F80B-A628-425D-B3A1-2B0695012D5D}" type="datetimeFigureOut">
               <a:rPr lang="et-EE" smtClean="0"/>
-              <a:t>20.01.2016</a:t>
+              <a:t>21.01.2016</a:t>
             </a:fld>
             <a:endParaRPr lang="et-EE"/>
           </a:p>
@@ -6429,7 +6430,7 @@
           <a:p>
             <a:fld id="{1838F80B-A628-425D-B3A1-2B0695012D5D}" type="datetimeFigureOut">
               <a:rPr lang="et-EE" smtClean="0"/>
-              <a:t>20.01.2016</a:t>
+              <a:t>21.01.2016</a:t>
             </a:fld>
             <a:endParaRPr lang="et-EE"/>
           </a:p>
@@ -6599,7 +6600,7 @@
           <a:p>
             <a:fld id="{1838F80B-A628-425D-B3A1-2B0695012D5D}" type="datetimeFigureOut">
               <a:rPr lang="et-EE" smtClean="0"/>
-              <a:t>20.01.2016</a:t>
+              <a:t>21.01.2016</a:t>
             </a:fld>
             <a:endParaRPr lang="et-EE"/>
           </a:p>
@@ -6871,7 +6872,7 @@
           <a:p>
             <a:fld id="{1838F80B-A628-425D-B3A1-2B0695012D5D}" type="datetimeFigureOut">
               <a:rPr lang="et-EE" smtClean="0"/>
-              <a:t>20.01.2016</a:t>
+              <a:t>21.01.2016</a:t>
             </a:fld>
             <a:endParaRPr lang="et-EE"/>
           </a:p>
@@ -7265,7 +7266,7 @@
           <a:p>
             <a:fld id="{1838F80B-A628-425D-B3A1-2B0695012D5D}" type="datetimeFigureOut">
               <a:rPr lang="et-EE" smtClean="0"/>
-              <a:t>20.01.2016</a:t>
+              <a:t>21.01.2016</a:t>
             </a:fld>
             <a:endParaRPr lang="et-EE"/>
           </a:p>
@@ -7747,7 +7748,7 @@
           <a:p>
             <a:fld id="{1838F80B-A628-425D-B3A1-2B0695012D5D}" type="datetimeFigureOut">
               <a:rPr lang="et-EE" smtClean="0"/>
-              <a:t>20.01.2016</a:t>
+              <a:t>21.01.2016</a:t>
             </a:fld>
             <a:endParaRPr lang="et-EE"/>
           </a:p>
@@ -7870,7 +7871,7 @@
           <a:p>
             <a:fld id="{1838F80B-A628-425D-B3A1-2B0695012D5D}" type="datetimeFigureOut">
               <a:rPr lang="et-EE" smtClean="0"/>
-              <a:t>20.01.2016</a:t>
+              <a:t>21.01.2016</a:t>
             </a:fld>
             <a:endParaRPr lang="et-EE"/>
           </a:p>
@@ -7965,7 +7966,7 @@
           <a:p>
             <a:fld id="{1838F80B-A628-425D-B3A1-2B0695012D5D}" type="datetimeFigureOut">
               <a:rPr lang="et-EE" smtClean="0"/>
-              <a:t>20.01.2016</a:t>
+              <a:t>21.01.2016</a:t>
             </a:fld>
             <a:endParaRPr lang="et-EE"/>
           </a:p>
@@ -8311,7 +8312,7 @@
           <a:p>
             <a:fld id="{1838F80B-A628-425D-B3A1-2B0695012D5D}" type="datetimeFigureOut">
               <a:rPr lang="et-EE" smtClean="0"/>
-              <a:t>20.01.2016</a:t>
+              <a:t>21.01.2016</a:t>
             </a:fld>
             <a:endParaRPr lang="et-EE"/>
           </a:p>
@@ -8704,7 +8705,7 @@
           <a:p>
             <a:fld id="{1838F80B-A628-425D-B3A1-2B0695012D5D}" type="datetimeFigureOut">
               <a:rPr lang="et-EE" smtClean="0"/>
-              <a:t>20.01.2016</a:t>
+              <a:t>21.01.2016</a:t>
             </a:fld>
             <a:endParaRPr lang="et-EE"/>
           </a:p>
@@ -8982,7 +8983,7 @@
           <a:p>
             <a:fld id="{1838F80B-A628-425D-B3A1-2B0695012D5D}" type="datetimeFigureOut">
               <a:rPr lang="et-EE" smtClean="0"/>
-              <a:t>20.01.2016</a:t>
+              <a:t>21.01.2016</a:t>
             </a:fld>
             <a:endParaRPr lang="et-EE"/>
           </a:p>
@@ -9831,19 +9832,8 @@
                 <a:latin typeface="Arial" panose="020B0604020202020204" pitchFamily="34" charset="0"/>
                 <a:cs typeface="Arial" panose="020B0604020202020204" pitchFamily="34" charset="0"/>
               </a:rPr>
-              <a:t>Move </a:t>
-            </a:r>
-            <a:r>
-              <a:rPr lang="en-US" sz="2800" dirty="0" smtClean="0">
-                <a:latin typeface="Arial" panose="020B0604020202020204" pitchFamily="34" charset="0"/>
-                <a:cs typeface="Arial" panose="020B0604020202020204" pitchFamily="34" charset="0"/>
-              </a:rPr>
-              <a:t>package</a:t>
-            </a:r>
-            <a:endParaRPr lang="en-US" sz="2800" dirty="0" smtClean="0">
-              <a:latin typeface="Arial" panose="020B0604020202020204" pitchFamily="34" charset="0"/>
-              <a:cs typeface="Arial" panose="020B0604020202020204" pitchFamily="34" charset="0"/>
-            </a:endParaRPr>
+              <a:t>Move package</a:t>
+            </a:r>
           </a:p>
         </p:txBody>
       </p:sp>
@@ -10722,7 +10712,7 @@
         </p:nvSpPr>
         <p:spPr>
           <a:xfrm>
-            <a:off x="3906105" y="1334809"/>
+            <a:off x="4148152" y="1254126"/>
             <a:ext cx="2861532" cy="307777"/>
           </a:xfrm>
           <a:prstGeom prst="rect">
@@ -11251,7 +11241,7 @@
           <p:nvPr>
             <p:extLst>
               <p:ext uri="{D42A27DB-BD31-4B8C-83A1-F6EECF244321}">
-                <p14:modId xmlns:p14="http://schemas.microsoft.com/office/powerpoint/2010/main" val="4184658304"/>
+                <p14:modId xmlns:p14="http://schemas.microsoft.com/office/powerpoint/2010/main" val="3610469724"/>
               </p:ext>
             </p:extLst>
           </p:nvPr>
@@ -11287,6 +11277,126 @@
 </file>
 
 <file path=ppt/slides/slide21.xml><?xml version="1.0" encoding="utf-8"?>
+<p:sld xmlns:a="http://schemas.openxmlformats.org/drawingml/2006/main" xmlns:r="http://schemas.openxmlformats.org/officeDocument/2006/relationships" xmlns:p="http://schemas.openxmlformats.org/presentationml/2006/main">
+  <p:cSld>
+    <p:spTree>
+      <p:nvGrpSpPr>
+        <p:cNvPr id="1" name=""/>
+        <p:cNvGrpSpPr/>
+        <p:nvPr/>
+      </p:nvGrpSpPr>
+      <p:grpSpPr>
+        <a:xfrm>
+          <a:off x="0" y="0"/>
+          <a:ext cx="0" cy="0"/>
+          <a:chOff x="0" y="0"/>
+          <a:chExt cx="0" cy="0"/>
+        </a:xfrm>
+      </p:grpSpPr>
+      <p:sp>
+        <p:nvSpPr>
+          <p:cNvPr id="3" name="Content Placeholder 2"/>
+          <p:cNvSpPr>
+            <a:spLocks noGrp="1"/>
+          </p:cNvSpPr>
+          <p:nvPr>
+            <p:ph idx="1"/>
+          </p:nvPr>
+        </p:nvSpPr>
+        <p:spPr>
+          <a:xfrm>
+            <a:off x="1008529" y="914400"/>
+            <a:ext cx="10717306" cy="4168588"/>
+          </a:xfrm>
+        </p:spPr>
+        <p:txBody>
+          <a:bodyPr/>
+          <a:lstStyle/>
+          <a:p>
+            <a:pPr>
+              <a:buFont typeface="Arial" panose="020B0604020202020204" pitchFamily="34" charset="0"/>
+              <a:buChar char="•"/>
+            </a:pPr>
+            <a:r>
+              <a:rPr lang="en-US" sz="4400" dirty="0" smtClean="0">
+                <a:latin typeface="Arial" panose="020B0604020202020204" pitchFamily="34" charset="0"/>
+                <a:cs typeface="Arial" panose="020B0604020202020204" pitchFamily="34" charset="0"/>
+              </a:rPr>
+              <a:t>Increase in mutation</a:t>
+            </a:r>
+          </a:p>
+          <a:p>
+            <a:pPr lvl="1">
+              <a:buFont typeface="Arial" panose="020B0604020202020204" pitchFamily="34" charset="0"/>
+              <a:buChar char="•"/>
+            </a:pPr>
+            <a:r>
+              <a:rPr lang="en-US" sz="4400" dirty="0" smtClean="0">
+                <a:latin typeface="Arial" panose="020B0604020202020204" pitchFamily="34" charset="0"/>
+                <a:cs typeface="Arial" panose="020B0604020202020204" pitchFamily="34" charset="0"/>
+              </a:rPr>
+              <a:t>Better average value</a:t>
+            </a:r>
+          </a:p>
+          <a:p>
+            <a:pPr lvl="1">
+              <a:buFont typeface="Arial" panose="020B0604020202020204" pitchFamily="34" charset="0"/>
+              <a:buChar char="•"/>
+            </a:pPr>
+            <a:r>
+              <a:rPr lang="en-US" sz="4400" dirty="0" smtClean="0">
+                <a:latin typeface="Arial" panose="020B0604020202020204" pitchFamily="34" charset="0"/>
+                <a:cs typeface="Arial" panose="020B0604020202020204" pitchFamily="34" charset="0"/>
+              </a:rPr>
+              <a:t>Longer runtime</a:t>
+            </a:r>
+          </a:p>
+          <a:p>
+            <a:pPr>
+              <a:buFont typeface="Arial" panose="020B0604020202020204" pitchFamily="34" charset="0"/>
+              <a:buChar char="•"/>
+            </a:pPr>
+            <a:r>
+              <a:rPr lang="en-US" sz="4400" dirty="0" smtClean="0">
+                <a:latin typeface="Arial" panose="020B0604020202020204" pitchFamily="34" charset="0"/>
+                <a:cs typeface="Arial" panose="020B0604020202020204" pitchFamily="34" charset="0"/>
+              </a:rPr>
+              <a:t>Increasing the </a:t>
+            </a:r>
+            <a:r>
+              <a:rPr lang="en-US" sz="4400" dirty="0" err="1" smtClean="0">
+                <a:latin typeface="Arial" panose="020B0604020202020204" pitchFamily="34" charset="0"/>
+                <a:cs typeface="Arial" panose="020B0604020202020204" pitchFamily="34" charset="0"/>
+              </a:rPr>
+              <a:t>neighbourhood</a:t>
+            </a:r>
+            <a:r>
+              <a:rPr lang="en-US" sz="4400" dirty="0" smtClean="0">
+                <a:latin typeface="Arial" panose="020B0604020202020204" pitchFamily="34" charset="0"/>
+                <a:cs typeface="Arial" panose="020B0604020202020204" pitchFamily="34" charset="0"/>
+              </a:rPr>
+              <a:t> size has no significant affect after a certain point</a:t>
+            </a:r>
+          </a:p>
+          <a:p>
+            <a:endParaRPr lang="et-EE" dirty="0"/>
+          </a:p>
+        </p:txBody>
+      </p:sp>
+    </p:spTree>
+    <p:extLst>
+      <p:ext uri="{BB962C8B-B14F-4D97-AF65-F5344CB8AC3E}">
+        <p14:creationId xmlns:p14="http://schemas.microsoft.com/office/powerpoint/2010/main" val="2632855120"/>
+      </p:ext>
+    </p:extLst>
+  </p:cSld>
+  <p:clrMapOvr>
+    <a:masterClrMapping/>
+  </p:clrMapOvr>
+</p:sld>
+</file>
+
+<file path=ppt/slides/slide22.xml><?xml version="1.0" encoding="utf-8"?>
 <p:sld xmlns:a="http://schemas.openxmlformats.org/drawingml/2006/main" xmlns:r="http://schemas.openxmlformats.org/officeDocument/2006/relationships" xmlns:p="http://schemas.openxmlformats.org/presentationml/2006/main">
   <p:cSld>
     <p:spTree>
@@ -11383,7 +11493,7 @@
 </p:sld>
 </file>
 
-<file path=ppt/slides/slide22.xml><?xml version="1.0" encoding="utf-8"?>
+<file path=ppt/slides/slide23.xml><?xml version="1.0" encoding="utf-8"?>
 <p:sld xmlns:a="http://schemas.openxmlformats.org/drawingml/2006/main" xmlns:r="http://schemas.openxmlformats.org/officeDocument/2006/relationships" xmlns:p="http://schemas.openxmlformats.org/presentationml/2006/main">
   <p:cSld>
     <p:spTree>
@@ -11518,7 +11628,7 @@
 </p:sld>
 </file>
 
-<file path=ppt/slides/slide23.xml><?xml version="1.0" encoding="utf-8"?>
+<file path=ppt/slides/slide24.xml><?xml version="1.0" encoding="utf-8"?>
 <p:sld xmlns:a="http://schemas.openxmlformats.org/drawingml/2006/main" xmlns:r="http://schemas.openxmlformats.org/officeDocument/2006/relationships" xmlns:p="http://schemas.openxmlformats.org/presentationml/2006/main">
   <p:cSld>
     <p:spTree>
@@ -11577,7 +11687,7 @@
 </p:sld>
 </file>
 
-<file path=ppt/slides/slide24.xml><?xml version="1.0" encoding="utf-8"?>
+<file path=ppt/slides/slide25.xml><?xml version="1.0" encoding="utf-8"?>
 <p:sld xmlns:a="http://schemas.openxmlformats.org/drawingml/2006/main" xmlns:r="http://schemas.openxmlformats.org/officeDocument/2006/relationships" xmlns:p="http://schemas.openxmlformats.org/presentationml/2006/main">
   <p:cSld>
     <p:spTree>
@@ -11667,7 +11777,7 @@
 </p:sld>
 </file>
 
-<file path=ppt/slides/slide25.xml><?xml version="1.0" encoding="utf-8"?>
+<file path=ppt/slides/slide26.xml><?xml version="1.0" encoding="utf-8"?>
 <p:sld xmlns:a="http://schemas.openxmlformats.org/drawingml/2006/main" xmlns:r="http://schemas.openxmlformats.org/officeDocument/2006/relationships" xmlns:p="http://schemas.openxmlformats.org/presentationml/2006/main">
   <p:cSld>
     <p:spTree>
@@ -11808,7 +11918,7 @@
 </p:sld>
 </file>
 
-<file path=ppt/slides/slide26.xml><?xml version="1.0" encoding="utf-8"?>
+<file path=ppt/slides/slide27.xml><?xml version="1.0" encoding="utf-8"?>
 <p:sld xmlns:a="http://schemas.openxmlformats.org/drawingml/2006/main" xmlns:r="http://schemas.openxmlformats.org/officeDocument/2006/relationships" xmlns:p="http://schemas.openxmlformats.org/presentationml/2006/main">
   <p:cSld>
     <p:spTree>
@@ -11883,7 +11993,7 @@
 </p:sld>
 </file>
 
-<file path=ppt/slides/slide27.xml><?xml version="1.0" encoding="utf-8"?>
+<file path=ppt/slides/slide28.xml><?xml version="1.0" encoding="utf-8"?>
 <p:sld xmlns:a="http://schemas.openxmlformats.org/drawingml/2006/main" xmlns:r="http://schemas.openxmlformats.org/officeDocument/2006/relationships" xmlns:p="http://schemas.openxmlformats.org/presentationml/2006/main">
   <p:cSld>
     <p:spTree>
@@ -12929,13 +13039,6 @@
               </a:rPr>
               <a:t>22</a:t>
             </a:r>
-            <a:endParaRPr lang="en-US" sz="4000" b="1" dirty="0" smtClean="0">
-              <a:solidFill>
-                <a:schemeClr val="tx1"/>
-              </a:solidFill>
-              <a:latin typeface="Arial" panose="020B0604020202020204" pitchFamily="34" charset="0"/>
-              <a:cs typeface="Arial" panose="020B0604020202020204" pitchFamily="34" charset="0"/>
-            </a:endParaRPr>
           </a:p>
           <a:p>
             <a:endParaRPr lang="et-EE" sz="2800" dirty="0"/>

--- a/Report, presentation and related stuff/Knapsack_problem.pptx
+++ b/Report, presentation and related stuff/Knapsack_problem.pptx
@@ -5,7 +5,7 @@
     <p:sldMasterId id="2147483845" r:id="rId1"/>
   </p:sldMasterIdLst>
   <p:notesMasterIdLst>
-    <p:notesMasterId r:id="rId30"/>
+    <p:notesMasterId r:id="rId35"/>
   </p:notesMasterIdLst>
   <p:sldIdLst>
     <p:sldId id="256" r:id="rId2"/>
@@ -25,17 +25,22 @@
     <p:sldId id="281" r:id="rId16"/>
     <p:sldId id="275" r:id="rId17"/>
     <p:sldId id="276" r:id="rId18"/>
-    <p:sldId id="274" r:id="rId19"/>
-    <p:sldId id="262" r:id="rId20"/>
-    <p:sldId id="279" r:id="rId21"/>
-    <p:sldId id="291" r:id="rId22"/>
-    <p:sldId id="280" r:id="rId23"/>
-    <p:sldId id="282" r:id="rId24"/>
-    <p:sldId id="285" r:id="rId25"/>
-    <p:sldId id="286" r:id="rId26"/>
-    <p:sldId id="288" r:id="rId27"/>
-    <p:sldId id="290" r:id="rId28"/>
-    <p:sldId id="267" r:id="rId29"/>
+    <p:sldId id="262" r:id="rId19"/>
+    <p:sldId id="274" r:id="rId20"/>
+    <p:sldId id="296" r:id="rId21"/>
+    <p:sldId id="297" r:id="rId22"/>
+    <p:sldId id="279" r:id="rId23"/>
+    <p:sldId id="298" r:id="rId24"/>
+    <p:sldId id="293" r:id="rId25"/>
+    <p:sldId id="280" r:id="rId26"/>
+    <p:sldId id="282" r:id="rId27"/>
+    <p:sldId id="285" r:id="rId28"/>
+    <p:sldId id="286" r:id="rId29"/>
+    <p:sldId id="288" r:id="rId30"/>
+    <p:sldId id="294" r:id="rId31"/>
+    <p:sldId id="295" r:id="rId32"/>
+    <p:sldId id="290" r:id="rId33"/>
+    <p:sldId id="267" r:id="rId34"/>
   </p:sldIdLst>
   <p:sldSz cx="12192000" cy="6858000"/>
   <p:notesSz cx="6858000" cy="9144000"/>
@@ -163,7 +168,7 @@
           <a:lstStyle/>
           <a:p>
             <a:pPr>
-              <a:defRPr sz="1400" b="0" i="0" u="none" strike="noStrike" kern="1200" spc="0" baseline="0">
+              <a:defRPr sz="1800" b="0" i="0" u="none" strike="noStrike" kern="1200" spc="0" baseline="0">
                 <a:solidFill>
                   <a:schemeClr val="tx1">
                     <a:lumMod val="65000"/>
@@ -176,26 +181,9 @@
               </a:defRPr>
             </a:pPr>
             <a:r>
-              <a:rPr lang="en-US" sz="2400" baseline="0" dirty="0" smtClean="0">
-                <a:solidFill>
-                  <a:schemeClr val="tx1"/>
-                </a:solidFill>
-              </a:rPr>
-              <a:t>Rotation</a:t>
-            </a:r>
-            <a:r>
-              <a:rPr lang="en-US" sz="2400" baseline="0" dirty="0">
-                <a:solidFill>
-                  <a:schemeClr val="tx1"/>
-                </a:solidFill>
-              </a:rPr>
-              <a:t>: disabled</a:t>
-            </a:r>
-            <a:endParaRPr lang="en-US" sz="2400" dirty="0">
-              <a:solidFill>
-                <a:schemeClr val="tx1"/>
-              </a:solidFill>
-            </a:endParaRPr>
+              <a:rPr lang="pl-PL" sz="1800" dirty="0"/>
+              <a:t>Average score compared to % of unused packages</a:t>
+            </a:r>
           </a:p>
         </c:rich>
       </c:tx>
@@ -203,8 +191,8 @@
         <c:manualLayout>
           <c:xMode val="edge"/>
           <c:yMode val="edge"/>
-          <c:x val="0.31841293256657432"/>
-          <c:y val="2.6188617849295846E-2"/>
+          <c:x val="0.28015836947952305"/>
+          <c:y val="0"/>
         </c:manualLayout>
       </c:layout>
       <c:overlay val="0"/>
@@ -220,7 +208,7 @@
         <a:lstStyle/>
         <a:p>
           <a:pPr>
-            <a:defRPr sz="1400" b="0" i="0" u="none" strike="noStrike" kern="1200" spc="0" baseline="0">
+            <a:defRPr sz="1800" b="0" i="0" u="none" strike="noStrike" kern="1200" spc="0" baseline="0">
               <a:solidFill>
                 <a:schemeClr val="tx1">
                   <a:lumMod val="65000"/>
@@ -243,358 +231,188 @@
           <c:layoutTarget val="inner"/>
           <c:xMode val="edge"/>
           <c:yMode val="edge"/>
-          <c:x val="8.746226672148269E-2"/>
-          <c:y val="9.8523676813209518E-2"/>
-          <c:w val="0.69093004904135313"/>
-          <c:h val="0.74623624539078603"/>
+          <c:x val="4.7755185469073001E-2"/>
+          <c:y val="3.913967219343948E-2"/>
+          <c:w val="0.92874921608250294"/>
+          <c:h val="0.70235368910258755"/>
         </c:manualLayout>
       </c:layout>
-      <c:scatterChart>
-        <c:scatterStyle val="lineMarker"/>
+      <c:barChart>
+        <c:barDir val="col"/>
+        <c:grouping val="clustered"/>
         <c:varyColors val="0"/>
         <c:ser>
           <c:idx val="0"/>
           <c:order val="0"/>
           <c:tx>
-            <c:v>Mutation: 1 (value)</c:v>
+            <c:strRef>
+              <c:f>[Experiments.xlsx]Arkusz1!$A$65</c:f>
+              <c:strCache>
+                <c:ptCount val="1"/>
+                <c:pt idx="0">
+                  <c:v>Average score</c:v>
+                </c:pt>
+              </c:strCache>
+            </c:strRef>
           </c:tx>
           <c:spPr>
-            <a:ln w="19050" cap="rnd">
-              <a:solidFill>
-                <a:srgbClr val="0070C0"/>
-              </a:solidFill>
-              <a:round/>
+            <a:solidFill>
+              <a:srgbClr val="0070C0"/>
+            </a:solidFill>
+            <a:ln>
+              <a:noFill/>
             </a:ln>
             <a:effectLst/>
           </c:spPr>
-          <c:marker>
-            <c:symbol val="circle"/>
-            <c:size val="5"/>
-            <c:spPr>
-              <a:solidFill>
-                <a:srgbClr val="0070C0"/>
-              </a:solidFill>
-              <a:ln w="9525">
-                <a:solidFill>
-                  <a:srgbClr val="0070C0"/>
-                </a:solidFill>
-              </a:ln>
-              <a:effectLst/>
-            </c:spPr>
-          </c:marker>
-          <c:xVal>
+          <c:invertIfNegative val="0"/>
+          <c:cat>
+            <c:strRef>
+              <c:f>[Experiments.xlsx]Arkusz1!$B$63:$V$63</c:f>
+              <c:strCache>
+                <c:ptCount val="21"/>
+                <c:pt idx="0">
+                  <c:v>A (2x2x4)</c:v>
+                </c:pt>
+                <c:pt idx="1">
+                  <c:v>B (2x3x4)</c:v>
+                </c:pt>
+                <c:pt idx="2">
+                  <c:v>C (3x3x3)</c:v>
+                </c:pt>
+                <c:pt idx="3">
+                  <c:v>Pentomino L</c:v>
+                </c:pt>
+                <c:pt idx="4">
+                  <c:v>Pentomino T</c:v>
+                </c:pt>
+                <c:pt idx="5">
+                  <c:v>Pentomino P</c:v>
+                </c:pt>
+                <c:pt idx="6">
+                  <c:v>Small 1 (1x2x1)</c:v>
+                </c:pt>
+                <c:pt idx="7">
+                  <c:v>Small 2 (1x2x3)</c:v>
+                </c:pt>
+                <c:pt idx="8">
+                  <c:v>Small 3 (2x2x2)</c:v>
+                </c:pt>
+                <c:pt idx="9">
+                  <c:v>Big 1 (4x6x6)</c:v>
+                </c:pt>
+                <c:pt idx="10">
+                  <c:v>Big 2 (4x5x6)</c:v>
+                </c:pt>
+                <c:pt idx="11">
+                  <c:v>Big 3 (5x5x5)</c:v>
+                </c:pt>
+                <c:pt idx="12">
+                  <c:v>Compact 1 (2x2x2)</c:v>
+                </c:pt>
+                <c:pt idx="13">
+                  <c:v>Compact 2 (3x3x3)</c:v>
+                </c:pt>
+                <c:pt idx="14">
+                  <c:v>Compact 3 (4x4x4)</c:v>
+                </c:pt>
+                <c:pt idx="15">
+                  <c:v>Long 1 (5x1x1)</c:v>
+                </c:pt>
+                <c:pt idx="16">
+                  <c:v>Long 2 (6x2x2)</c:v>
+                </c:pt>
+                <c:pt idx="17">
+                  <c:v>Long 3 (8x2x1)</c:v>
+                </c:pt>
+                <c:pt idx="18">
+                  <c:v>Flat 1 (4x5x1)</c:v>
+                </c:pt>
+                <c:pt idx="19">
+                  <c:v>Flat 2 (3x3x1)</c:v>
+                </c:pt>
+                <c:pt idx="20">
+                  <c:v>Flat 3 (6x4x2)</c:v>
+                </c:pt>
+              </c:strCache>
+            </c:strRef>
+          </c:cat>
+          <c:val>
             <c:numRef>
-              <c:f>Sheet1!$A$6:$A$11</c:f>
+              <c:f>[Experiments.xlsx]Arkusz1!$B$3:$V$3</c:f>
               <c:numCache>
                 <c:formatCode>General</c:formatCode>
-                <c:ptCount val="6"/>
+                <c:ptCount val="21"/>
                 <c:pt idx="0">
-                  <c:v>10</c:v>
+                  <c:v>187.74</c:v>
                 </c:pt>
                 <c:pt idx="1">
-                  <c:v>50</c:v>
+                  <c:v>164.96</c:v>
                 </c:pt>
                 <c:pt idx="2">
-                  <c:v>100</c:v>
+                  <c:v>110</c:v>
                 </c:pt>
                 <c:pt idx="3">
-                  <c:v>200</c:v>
+                  <c:v>610.26</c:v>
                 </c:pt>
                 <c:pt idx="4">
-                  <c:v>250</c:v>
+                  <c:v>957.8</c:v>
                 </c:pt>
                 <c:pt idx="5">
-                  <c:v>500</c:v>
+                  <c:v>872.12</c:v>
+                </c:pt>
+                <c:pt idx="6">
+                  <c:v>635.65</c:v>
+                </c:pt>
+                <c:pt idx="7">
+                  <c:v>197.68</c:v>
+                </c:pt>
+                <c:pt idx="8">
+                  <c:v>128</c:v>
+                </c:pt>
+                <c:pt idx="9">
+                  <c:v>5</c:v>
+                </c:pt>
+                <c:pt idx="10">
+                  <c:v>7.22</c:v>
+                </c:pt>
+                <c:pt idx="11">
+                  <c:v>6</c:v>
+                </c:pt>
+                <c:pt idx="12">
+                  <c:v>128</c:v>
+                </c:pt>
+                <c:pt idx="13">
+                  <c:v>22</c:v>
+                </c:pt>
+                <c:pt idx="14">
+                  <c:v>16</c:v>
+                </c:pt>
+                <c:pt idx="15">
+                  <c:v>247.87</c:v>
+                </c:pt>
+                <c:pt idx="16">
+                  <c:v>41.05</c:v>
+                </c:pt>
+                <c:pt idx="17">
+                  <c:v>78.92</c:v>
+                </c:pt>
+                <c:pt idx="18">
+                  <c:v>57.14</c:v>
+                </c:pt>
+                <c:pt idx="19">
+                  <c:v>130.63</c:v>
+                </c:pt>
+                <c:pt idx="20">
+                  <c:v>19.809999999999999</c:v>
                 </c:pt>
               </c:numCache>
             </c:numRef>
-          </c:xVal>
-          <c:yVal>
-            <c:numRef>
-              <c:f>Sheet1!$C$6:$C$11</c:f>
-              <c:numCache>
-                <c:formatCode>General</c:formatCode>
-                <c:ptCount val="6"/>
-                <c:pt idx="0">
-                  <c:v>216.52</c:v>
-                </c:pt>
-                <c:pt idx="1">
-                  <c:v>219</c:v>
-                </c:pt>
-                <c:pt idx="2">
-                  <c:v>220.56</c:v>
-                </c:pt>
-                <c:pt idx="3">
-                  <c:v>221.75</c:v>
-                </c:pt>
-                <c:pt idx="4">
-                  <c:v>221.84</c:v>
-                </c:pt>
-                <c:pt idx="5">
-                  <c:v>223.04</c:v>
-                </c:pt>
-              </c:numCache>
-            </c:numRef>
-          </c:yVal>
-          <c:smooth val="0"/>
-        </c:ser>
-        <c:ser>
-          <c:idx val="1"/>
-          <c:order val="1"/>
-          <c:tx>
-            <c:v>Mutation: 5 (value)</c:v>
-          </c:tx>
-          <c:spPr>
-            <a:ln w="19050" cap="rnd">
-              <a:solidFill>
-                <a:srgbClr val="FF3300"/>
-              </a:solidFill>
-              <a:round/>
-            </a:ln>
-            <a:effectLst/>
-          </c:spPr>
-          <c:marker>
-            <c:symbol val="circle"/>
-            <c:size val="5"/>
-            <c:spPr>
-              <a:solidFill>
-                <a:srgbClr val="FFC000"/>
-              </a:solidFill>
-              <a:ln w="9525">
-                <a:solidFill>
-                  <a:srgbClr val="FF3300"/>
-                </a:solidFill>
-              </a:ln>
-              <a:effectLst/>
-            </c:spPr>
-          </c:marker>
-          <c:xVal>
-            <c:numRef>
-              <c:f>Sheet1!$A$16:$A$21</c:f>
-              <c:numCache>
-                <c:formatCode>General</c:formatCode>
-                <c:ptCount val="6"/>
-                <c:pt idx="0">
-                  <c:v>10</c:v>
-                </c:pt>
-                <c:pt idx="1">
-                  <c:v>50</c:v>
-                </c:pt>
-                <c:pt idx="2">
-                  <c:v>100</c:v>
-                </c:pt>
-                <c:pt idx="3">
-                  <c:v>200</c:v>
-                </c:pt>
-                <c:pt idx="4">
-                  <c:v>250</c:v>
-                </c:pt>
-                <c:pt idx="5">
-                  <c:v>500</c:v>
-                </c:pt>
-              </c:numCache>
-            </c:numRef>
-          </c:xVal>
-          <c:yVal>
-            <c:numRef>
-              <c:f>Sheet1!$C$16:$C$21</c:f>
-              <c:numCache>
-                <c:formatCode>General</c:formatCode>
-                <c:ptCount val="6"/>
-                <c:pt idx="0">
-                  <c:v>218.83</c:v>
-                </c:pt>
-                <c:pt idx="1">
-                  <c:v>222.51</c:v>
-                </c:pt>
-                <c:pt idx="2">
-                  <c:v>224.16</c:v>
-                </c:pt>
-                <c:pt idx="3">
-                  <c:v>224.72</c:v>
-                </c:pt>
-                <c:pt idx="4">
-                  <c:v>224.83</c:v>
-                </c:pt>
-                <c:pt idx="5">
-                  <c:v>225.92</c:v>
-                </c:pt>
-              </c:numCache>
-            </c:numRef>
-          </c:yVal>
-          <c:smooth val="0"/>
-        </c:ser>
-        <c:ser>
-          <c:idx val="2"/>
-          <c:order val="2"/>
-          <c:tx>
-            <c:v>Mutation: 10 (value)</c:v>
-          </c:tx>
-          <c:spPr>
-            <a:ln w="19050" cap="rnd">
-              <a:solidFill>
-                <a:srgbClr val="000000"/>
-              </a:solidFill>
-              <a:round/>
-            </a:ln>
-            <a:effectLst/>
-          </c:spPr>
-          <c:marker>
-            <c:symbol val="circle"/>
-            <c:size val="5"/>
-            <c:spPr>
-              <a:solidFill>
-                <a:schemeClr val="accent3"/>
-              </a:solidFill>
-              <a:ln w="9525">
-                <a:solidFill>
-                  <a:srgbClr val="000000"/>
-                </a:solidFill>
-              </a:ln>
-              <a:effectLst/>
-            </c:spPr>
-          </c:marker>
-          <c:xVal>
-            <c:numRef>
-              <c:f>Sheet1!$A$26:$A$31</c:f>
-              <c:numCache>
-                <c:formatCode>General</c:formatCode>
-                <c:ptCount val="6"/>
-                <c:pt idx="0">
-                  <c:v>10</c:v>
-                </c:pt>
-                <c:pt idx="1">
-                  <c:v>50</c:v>
-                </c:pt>
-                <c:pt idx="2">
-                  <c:v>100</c:v>
-                </c:pt>
-                <c:pt idx="3">
-                  <c:v>200</c:v>
-                </c:pt>
-                <c:pt idx="4">
-                  <c:v>250</c:v>
-                </c:pt>
-                <c:pt idx="5">
-                  <c:v>500</c:v>
-                </c:pt>
-              </c:numCache>
-            </c:numRef>
-          </c:xVal>
-          <c:yVal>
-            <c:numRef>
-              <c:f>Sheet1!$C$26:$C$31</c:f>
-              <c:numCache>
-                <c:formatCode>General</c:formatCode>
-                <c:ptCount val="6"/>
-                <c:pt idx="0">
-                  <c:v>221.09</c:v>
-                </c:pt>
-                <c:pt idx="1">
-                  <c:v>225.76</c:v>
-                </c:pt>
-                <c:pt idx="2">
-                  <c:v>226.94</c:v>
-                </c:pt>
-                <c:pt idx="3">
-                  <c:v>227.55</c:v>
-                </c:pt>
-                <c:pt idx="4">
-                  <c:v>228.31</c:v>
-                </c:pt>
-                <c:pt idx="5">
-                  <c:v>228.41</c:v>
-                </c:pt>
-              </c:numCache>
-            </c:numRef>
-          </c:yVal>
-          <c:smooth val="0"/>
-        </c:ser>
-        <c:ser>
-          <c:idx val="3"/>
-          <c:order val="3"/>
-          <c:tx>
-            <c:v>Mutation: 20 (value)</c:v>
-          </c:tx>
-          <c:spPr>
-            <a:ln w="19050" cap="rnd">
-              <a:solidFill>
-                <a:srgbClr val="FFFF0C"/>
-              </a:solidFill>
-              <a:round/>
-            </a:ln>
-            <a:effectLst/>
-          </c:spPr>
-          <c:marker>
-            <c:symbol val="circle"/>
-            <c:size val="5"/>
-            <c:spPr>
-              <a:solidFill>
-                <a:schemeClr val="accent4"/>
-              </a:solidFill>
-              <a:ln w="9525">
-                <a:solidFill>
-                  <a:srgbClr val="FFFF0C"/>
-                </a:solidFill>
-              </a:ln>
-              <a:effectLst/>
-            </c:spPr>
-          </c:marker>
-          <c:xVal>
-            <c:numRef>
-              <c:f>Sheet1!$A$36:$A$41</c:f>
-              <c:numCache>
-                <c:formatCode>General</c:formatCode>
-                <c:ptCount val="6"/>
-                <c:pt idx="0">
-                  <c:v>10</c:v>
-                </c:pt>
-                <c:pt idx="1">
-                  <c:v>50</c:v>
-                </c:pt>
-                <c:pt idx="2">
-                  <c:v>100</c:v>
-                </c:pt>
-                <c:pt idx="3">
-                  <c:v>200</c:v>
-                </c:pt>
-                <c:pt idx="4">
-                  <c:v>250</c:v>
-                </c:pt>
-                <c:pt idx="5">
-                  <c:v>500</c:v>
-                </c:pt>
-              </c:numCache>
-            </c:numRef>
-          </c:xVal>
-          <c:yVal>
-            <c:numRef>
-              <c:f>Sheet1!$C$36:$C$41</c:f>
-              <c:numCache>
-                <c:formatCode>General</c:formatCode>
-                <c:ptCount val="6"/>
-                <c:pt idx="0">
-                  <c:v>222.59</c:v>
-                </c:pt>
-                <c:pt idx="1">
-                  <c:v>226.79</c:v>
-                </c:pt>
-                <c:pt idx="2">
-                  <c:v>228.58</c:v>
-                </c:pt>
-                <c:pt idx="3">
-                  <c:v>229.33</c:v>
-                </c:pt>
-                <c:pt idx="4">
-                  <c:v>230.3</c:v>
-                </c:pt>
-                <c:pt idx="5">
-                  <c:v>231.05</c:v>
-                </c:pt>
-              </c:numCache>
-            </c:numRef>
-          </c:yVal>
-          <c:smooth val="0"/>
+          </c:val>
+          <c:extLst xmlns:c16r2="http://schemas.microsoft.com/office/drawing/2015/06/chart">
+            <c:ext xmlns:c16="http://schemas.microsoft.com/office/drawing/2014/chart" uri="{C3380CC4-5D6E-409C-BE32-E72D297353CC}">
+              <c16:uniqueId val="{00000000-1323-4C9B-965D-2B4227FB1D63}"/>
+            </c:ext>
+          </c:extLst>
         </c:ser>
         <c:dLbls>
           <c:showLegendKey val="0"/>
@@ -604,361 +422,117 @@
           <c:showPercent val="0"/>
           <c:showBubbleSize val="0"/>
         </c:dLbls>
-        <c:axId val="259673248"/>
-        <c:axId val="259668152"/>
-      </c:scatterChart>
-      <c:scatterChart>
-        <c:scatterStyle val="lineMarker"/>
+        <c:gapWidth val="150"/>
+        <c:axId val="384633664"/>
+        <c:axId val="384632880"/>
+      </c:barChart>
+      <c:lineChart>
+        <c:grouping val="standard"/>
         <c:varyColors val="0"/>
         <c:ser>
-          <c:idx val="4"/>
-          <c:order val="4"/>
+          <c:idx val="1"/>
+          <c:order val="1"/>
           <c:tx>
-            <c:v>Mutation: 1 (runtime)</c:v>
+            <c:strRef>
+              <c:f>[Experiments.xlsx]Arkusz1!$A$75</c:f>
+              <c:strCache>
+                <c:ptCount val="1"/>
+                <c:pt idx="0">
+                  <c:v>% of unused packages</c:v>
+                </c:pt>
+              </c:strCache>
+            </c:strRef>
           </c:tx>
           <c:spPr>
-            <a:ln w="19050" cap="rnd">
+            <a:ln w="28575" cap="rnd">
               <a:solidFill>
-                <a:srgbClr val="00B0F0"/>
+                <a:srgbClr val="FFC000"/>
               </a:solidFill>
               <a:round/>
             </a:ln>
             <a:effectLst/>
           </c:spPr>
           <c:marker>
-            <c:symbol val="circle"/>
-            <c:size val="5"/>
-            <c:spPr>
-              <a:solidFill>
-                <a:srgbClr val="00B0F0"/>
-              </a:solidFill>
-              <a:ln w="9525">
-                <a:solidFill>
-                  <a:srgbClr val="00B0F0"/>
-                </a:solidFill>
-              </a:ln>
-              <a:effectLst/>
-            </c:spPr>
+            <c:symbol val="none"/>
           </c:marker>
-          <c:xVal>
+          <c:val>
             <c:numRef>
-              <c:f>Sheet1!$A$6:$A$11</c:f>
+              <c:f>[Experiments.xlsx]Arkusz1!$B$13:$V$13</c:f>
               <c:numCache>
                 <c:formatCode>General</c:formatCode>
-                <c:ptCount val="6"/>
+                <c:ptCount val="21"/>
                 <c:pt idx="0">
-                  <c:v>10</c:v>
+                  <c:v>24.60240963855421</c:v>
                 </c:pt>
                 <c:pt idx="1">
+                  <c:v>25.018181818181816</c:v>
+                </c:pt>
+                <c:pt idx="2">
+                  <c:v>56.000000000000007</c:v>
+                </c:pt>
+                <c:pt idx="3">
+                  <c:v>22.946969696969703</c:v>
+                </c:pt>
+                <c:pt idx="4">
+                  <c:v>9.2992424242424274</c:v>
+                </c:pt>
+                <c:pt idx="5">
+                  <c:v>33.93030303030303</c:v>
+                </c:pt>
+                <c:pt idx="6">
+                  <c:v>3.689393939393943</c:v>
+                </c:pt>
+                <c:pt idx="7">
+                  <c:v>10.145454545454543</c:v>
+                </c:pt>
+                <c:pt idx="8">
+                  <c:v>22.424242424242426</c:v>
+                </c:pt>
+                <c:pt idx="9">
                   <c:v>50</c:v>
                 </c:pt>
-                <c:pt idx="2">
-                  <c:v>100</c:v>
-                </c:pt>
-                <c:pt idx="3">
-                  <c:v>200</c:v>
-                </c:pt>
-                <c:pt idx="4">
-                  <c:v>250</c:v>
-                </c:pt>
-                <c:pt idx="5">
-                  <c:v>500</c:v>
+                <c:pt idx="10">
+                  <c:v>34.363636363636367</c:v>
+                </c:pt>
+                <c:pt idx="11">
+                  <c:v>45.454545454545453</c:v>
+                </c:pt>
+                <c:pt idx="12">
+                  <c:v>22.424242424242426</c:v>
+                </c:pt>
+                <c:pt idx="13">
+                  <c:v>55.102040816326522</c:v>
+                </c:pt>
+                <c:pt idx="14">
+                  <c:v>23.809523809523807</c:v>
+                </c:pt>
+                <c:pt idx="15">
+                  <c:v>6.1098484848484835</c:v>
+                </c:pt>
+                <c:pt idx="16">
+                  <c:v>25.36363636363637</c:v>
+                </c:pt>
+                <c:pt idx="17">
+                  <c:v>4.9156626506024077</c:v>
+                </c:pt>
+                <c:pt idx="18">
+                  <c:v>13.424242424242424</c:v>
+                </c:pt>
+                <c:pt idx="19">
+                  <c:v>11.13605442176871</c:v>
+                </c:pt>
+                <c:pt idx="20">
+                  <c:v>29.250000000000004</c:v>
                 </c:pt>
               </c:numCache>
             </c:numRef>
-          </c:xVal>
-          <c:yVal>
-            <c:numRef>
-              <c:f>Sheet1!$F$6:$F$11</c:f>
-              <c:numCache>
-                <c:formatCode>General</c:formatCode>
-                <c:ptCount val="6"/>
-                <c:pt idx="0">
-                  <c:v>2</c:v>
-                </c:pt>
-                <c:pt idx="1">
-                  <c:v>9.7200000000000006</c:v>
-                </c:pt>
-                <c:pt idx="2">
-                  <c:v>25.04</c:v>
-                </c:pt>
-                <c:pt idx="3">
-                  <c:v>55.01</c:v>
-                </c:pt>
-                <c:pt idx="4">
-                  <c:v>84.81</c:v>
-                </c:pt>
-                <c:pt idx="5">
-                  <c:v>130.81</c:v>
-                </c:pt>
-              </c:numCache>
-            </c:numRef>
-          </c:yVal>
+          </c:val>
           <c:smooth val="0"/>
-        </c:ser>
-        <c:ser>
-          <c:idx val="5"/>
-          <c:order val="5"/>
-          <c:tx>
-            <c:v>Mutation: 5 (runtime)</c:v>
-          </c:tx>
-          <c:spPr>
-            <a:ln w="19050" cap="rnd">
-              <a:solidFill>
-                <a:schemeClr val="accent6">
-                  <a:lumMod val="75000"/>
-                </a:schemeClr>
-              </a:solidFill>
-              <a:round/>
-            </a:ln>
-            <a:effectLst/>
-          </c:spPr>
-          <c:marker>
-            <c:symbol val="circle"/>
-            <c:size val="5"/>
-            <c:spPr>
-              <a:solidFill>
-                <a:schemeClr val="accent6"/>
-              </a:solidFill>
-              <a:ln w="9525">
-                <a:solidFill>
-                  <a:schemeClr val="accent6">
-                    <a:lumMod val="75000"/>
-                  </a:schemeClr>
-                </a:solidFill>
-              </a:ln>
-              <a:effectLst/>
-            </c:spPr>
-          </c:marker>
-          <c:xVal>
-            <c:numRef>
-              <c:f>Sheet1!$A$16:$A$21</c:f>
-              <c:numCache>
-                <c:formatCode>General</c:formatCode>
-                <c:ptCount val="6"/>
-                <c:pt idx="0">
-                  <c:v>10</c:v>
-                </c:pt>
-                <c:pt idx="1">
-                  <c:v>50</c:v>
-                </c:pt>
-                <c:pt idx="2">
-                  <c:v>100</c:v>
-                </c:pt>
-                <c:pt idx="3">
-                  <c:v>200</c:v>
-                </c:pt>
-                <c:pt idx="4">
-                  <c:v>250</c:v>
-                </c:pt>
-                <c:pt idx="5">
-                  <c:v>500</c:v>
-                </c:pt>
-              </c:numCache>
-            </c:numRef>
-          </c:xVal>
-          <c:yVal>
-            <c:numRef>
-              <c:f>Sheet1!$F$16:$F$21</c:f>
-              <c:numCache>
-                <c:formatCode>General</c:formatCode>
-                <c:ptCount val="6"/>
-                <c:pt idx="0">
-                  <c:v>5.07</c:v>
-                </c:pt>
-                <c:pt idx="1">
-                  <c:v>30.31</c:v>
-                </c:pt>
-                <c:pt idx="2">
-                  <c:v>95.69</c:v>
-                </c:pt>
-                <c:pt idx="3">
-                  <c:v>172.01</c:v>
-                </c:pt>
-                <c:pt idx="4">
-                  <c:v>135.94</c:v>
-                </c:pt>
-                <c:pt idx="5">
-                  <c:v>286.88</c:v>
-                </c:pt>
-              </c:numCache>
-            </c:numRef>
-          </c:yVal>
-          <c:smooth val="0"/>
-        </c:ser>
-        <c:ser>
-          <c:idx val="6"/>
-          <c:order val="6"/>
-          <c:tx>
-            <c:v>Mutation: 10 (runtime)</c:v>
-          </c:tx>
-          <c:spPr>
-            <a:ln w="19050" cap="rnd">
-              <a:solidFill>
-                <a:srgbClr val="00B050"/>
-              </a:solidFill>
-              <a:round/>
-            </a:ln>
-            <a:effectLst/>
-          </c:spPr>
-          <c:marker>
-            <c:symbol val="circle"/>
-            <c:size val="5"/>
-            <c:spPr>
-              <a:solidFill>
-                <a:srgbClr val="00B050"/>
-              </a:solidFill>
-              <a:ln w="9525">
-                <a:solidFill>
-                  <a:srgbClr val="00B050"/>
-                </a:solidFill>
-              </a:ln>
-              <a:effectLst/>
-            </c:spPr>
-          </c:marker>
-          <c:xVal>
-            <c:numRef>
-              <c:f>Sheet1!$A$26:$A$31</c:f>
-              <c:numCache>
-                <c:formatCode>General</c:formatCode>
-                <c:ptCount val="6"/>
-                <c:pt idx="0">
-                  <c:v>10</c:v>
-                </c:pt>
-                <c:pt idx="1">
-                  <c:v>50</c:v>
-                </c:pt>
-                <c:pt idx="2">
-                  <c:v>100</c:v>
-                </c:pt>
-                <c:pt idx="3">
-                  <c:v>200</c:v>
-                </c:pt>
-                <c:pt idx="4">
-                  <c:v>250</c:v>
-                </c:pt>
-                <c:pt idx="5">
-                  <c:v>500</c:v>
-                </c:pt>
-              </c:numCache>
-            </c:numRef>
-          </c:xVal>
-          <c:yVal>
-            <c:numRef>
-              <c:f>Sheet1!$F$26:$F$31</c:f>
-              <c:numCache>
-                <c:formatCode>General</c:formatCode>
-                <c:ptCount val="6"/>
-                <c:pt idx="0">
-                  <c:v>9.35</c:v>
-                </c:pt>
-                <c:pt idx="1">
-                  <c:v>44.36</c:v>
-                </c:pt>
-                <c:pt idx="2">
-                  <c:v>100.89</c:v>
-                </c:pt>
-                <c:pt idx="3">
-                  <c:v>329.88</c:v>
-                </c:pt>
-                <c:pt idx="4">
-                  <c:v>233.5</c:v>
-                </c:pt>
-                <c:pt idx="5">
-                  <c:v>770.31</c:v>
-                </c:pt>
-              </c:numCache>
-            </c:numRef>
-          </c:yVal>
-          <c:smooth val="0"/>
-        </c:ser>
-        <c:ser>
-          <c:idx val="7"/>
-          <c:order val="7"/>
-          <c:tx>
-            <c:v>Mutation: 20 (runtime)</c:v>
-          </c:tx>
-          <c:spPr>
-            <a:ln w="19050" cap="rnd">
-              <a:solidFill>
-                <a:srgbClr val="7030A0"/>
-              </a:solidFill>
-              <a:round/>
-            </a:ln>
-            <a:effectLst/>
-          </c:spPr>
-          <c:marker>
-            <c:symbol val="circle"/>
-            <c:size val="5"/>
-            <c:spPr>
-              <a:solidFill>
-                <a:schemeClr val="accent2">
-                  <a:lumMod val="60000"/>
-                </a:schemeClr>
-              </a:solidFill>
-              <a:ln w="9525">
-                <a:solidFill>
-                  <a:srgbClr val="7030A0"/>
-                </a:solidFill>
-              </a:ln>
-              <a:effectLst/>
-            </c:spPr>
-          </c:marker>
-          <c:xVal>
-            <c:numRef>
-              <c:f>Sheet1!$A$36:$A$41</c:f>
-              <c:numCache>
-                <c:formatCode>General</c:formatCode>
-                <c:ptCount val="6"/>
-                <c:pt idx="0">
-                  <c:v>10</c:v>
-                </c:pt>
-                <c:pt idx="1">
-                  <c:v>50</c:v>
-                </c:pt>
-                <c:pt idx="2">
-                  <c:v>100</c:v>
-                </c:pt>
-                <c:pt idx="3">
-                  <c:v>200</c:v>
-                </c:pt>
-                <c:pt idx="4">
-                  <c:v>250</c:v>
-                </c:pt>
-                <c:pt idx="5">
-                  <c:v>500</c:v>
-                </c:pt>
-              </c:numCache>
-            </c:numRef>
-          </c:xVal>
-          <c:yVal>
-            <c:numRef>
-              <c:f>Sheet1!$F$36:$F$41</c:f>
-              <c:numCache>
-                <c:formatCode>General</c:formatCode>
-                <c:ptCount val="6"/>
-                <c:pt idx="0">
-                  <c:v>24.38</c:v>
-                </c:pt>
-                <c:pt idx="1">
-                  <c:v>135.30000000000001</c:v>
-                </c:pt>
-                <c:pt idx="2">
-                  <c:v>160.81</c:v>
-                </c:pt>
-                <c:pt idx="3">
-                  <c:v>576.65</c:v>
-                </c:pt>
-                <c:pt idx="4">
-                  <c:v>368.85</c:v>
-                </c:pt>
-                <c:pt idx="5">
-                  <c:v>769.96</c:v>
-                </c:pt>
-              </c:numCache>
-            </c:numRef>
-          </c:yVal>
-          <c:smooth val="0"/>
+          <c:extLst xmlns:c16r2="http://schemas.microsoft.com/office/drawing/2015/06/chart">
+            <c:ext xmlns:c16="http://schemas.microsoft.com/office/drawing/2014/chart" uri="{C3380CC4-5D6E-409C-BE32-E72D297353CC}">
+              <c16:uniqueId val="{00000001-1323-4C9B-965D-2B4227FB1D63}"/>
+            </c:ext>
+          </c:extLst>
         </c:ser>
         <c:dLbls>
           <c:showLegendKey val="0"/>
@@ -968,96 +542,18 @@
           <c:showPercent val="0"/>
           <c:showBubbleSize val="0"/>
         </c:dLbls>
-        <c:axId val="259674032"/>
-        <c:axId val="259673640"/>
-      </c:scatterChart>
-      <c:valAx>
-        <c:axId val="259673248"/>
+        <c:marker val="1"/>
+        <c:smooth val="0"/>
+        <c:axId val="384634840"/>
+        <c:axId val="384634448"/>
+      </c:lineChart>
+      <c:catAx>
+        <c:axId val="384633664"/>
         <c:scaling>
           <c:orientation val="minMax"/>
         </c:scaling>
         <c:delete val="0"/>
         <c:axPos val="b"/>
-        <c:title>
-          <c:tx>
-            <c:rich>
-              <a:bodyPr rot="0" spcFirstLastPara="1" vertOverflow="ellipsis" vert="horz" wrap="square" anchor="ctr" anchorCtr="1"/>
-              <a:lstStyle/>
-              <a:p>
-                <a:pPr>
-                  <a:defRPr sz="1000" b="0" i="0" u="none" strike="noStrike" kern="1200" baseline="0">
-                    <a:solidFill>
-                      <a:schemeClr val="tx1">
-                        <a:lumMod val="65000"/>
-                        <a:lumOff val="35000"/>
-                      </a:schemeClr>
-                    </a:solidFill>
-                    <a:latin typeface="+mn-lt"/>
-                    <a:ea typeface="+mn-ea"/>
-                    <a:cs typeface="+mn-cs"/>
-                  </a:defRPr>
-                </a:pPr>
-                <a:r>
-                  <a:rPr lang="en-US" sz="2400" dirty="0" err="1">
-                    <a:solidFill>
-                      <a:schemeClr val="tx1"/>
-                    </a:solidFill>
-                  </a:rPr>
-                  <a:t>Neighbourhood</a:t>
-                </a:r>
-                <a:r>
-                  <a:rPr lang="en-US" sz="2400" baseline="0" dirty="0">
-                    <a:solidFill>
-                      <a:schemeClr val="tx1"/>
-                    </a:solidFill>
-                  </a:rPr>
-                  <a:t> size</a:t>
-                </a:r>
-                <a:endParaRPr lang="en-US" sz="2400" dirty="0">
-                  <a:solidFill>
-                    <a:schemeClr val="tx1"/>
-                  </a:solidFill>
-                </a:endParaRPr>
-              </a:p>
-            </c:rich>
-          </c:tx>
-          <c:layout>
-            <c:manualLayout>
-              <c:xMode val="edge"/>
-              <c:yMode val="edge"/>
-              <c:x val="0.31377882457724077"/>
-              <c:y val="0.92315823046052448"/>
-            </c:manualLayout>
-          </c:layout>
-          <c:overlay val="0"/>
-          <c:spPr>
-            <a:noFill/>
-            <a:ln>
-              <a:noFill/>
-            </a:ln>
-            <a:effectLst/>
-          </c:spPr>
-          <c:txPr>
-            <a:bodyPr rot="0" spcFirstLastPara="1" vertOverflow="ellipsis" vert="horz" wrap="square" anchor="ctr" anchorCtr="1"/>
-            <a:lstStyle/>
-            <a:p>
-              <a:pPr>
-                <a:defRPr sz="1000" b="0" i="0" u="none" strike="noStrike" kern="1200" baseline="0">
-                  <a:solidFill>
-                    <a:schemeClr val="tx1">
-                      <a:lumMod val="65000"/>
-                      <a:lumOff val="35000"/>
-                    </a:schemeClr>
-                  </a:solidFill>
-                  <a:latin typeface="+mn-lt"/>
-                  <a:ea typeface="+mn-ea"/>
-                  <a:cs typeface="+mn-cs"/>
-                </a:defRPr>
-              </a:pPr>
-              <a:endParaRPr lang="et-EE"/>
-            </a:p>
-          </c:txPr>
-        </c:title>
         <c:numFmt formatCode="General" sourceLinked="1"/>
         <c:majorTickMark val="none"/>
         <c:minorTickMark val="none"/>
@@ -1067,8 +563,8 @@
           <a:ln w="9525" cap="flat" cmpd="sng" algn="ctr">
             <a:solidFill>
               <a:schemeClr val="tx1">
-                <a:lumMod val="25000"/>
-                <a:lumOff val="75000"/>
+                <a:lumMod val="15000"/>
+                <a:lumOff val="85000"/>
               </a:schemeClr>
             </a:solidFill>
             <a:round/>
@@ -1082,7 +578,10 @@
             <a:pPr>
               <a:defRPr sz="1400" b="0" i="0" u="none" strike="noStrike" kern="1200" baseline="0">
                 <a:solidFill>
-                  <a:schemeClr val="tx1"/>
+                  <a:schemeClr val="tx1">
+                    <a:lumMod val="65000"/>
+                    <a:lumOff val="35000"/>
+                  </a:schemeClr>
                 </a:solidFill>
                 <a:latin typeface="+mn-lt"/>
                 <a:ea typeface="+mn-ea"/>
@@ -1092,12 +591,15 @@
             <a:endParaRPr lang="et-EE"/>
           </a:p>
         </c:txPr>
-        <c:crossAx val="259668152"/>
+        <c:crossAx val="384632880"/>
         <c:crosses val="autoZero"/>
-        <c:crossBetween val="midCat"/>
-      </c:valAx>
+        <c:auto val="1"/>
+        <c:lblAlgn val="ctr"/>
+        <c:lblOffset val="100"/>
+        <c:noMultiLvlLbl val="0"/>
+      </c:catAx>
       <c:valAx>
-        <c:axId val="259668152"/>
+        <c:axId val="384632880"/>
         <c:scaling>
           <c:orientation val="minMax"/>
         </c:scaling>
@@ -1117,83 +619,14 @@
             <a:effectLst/>
           </c:spPr>
         </c:majorGridlines>
-        <c:title>
-          <c:tx>
-            <c:rich>
-              <a:bodyPr rot="-5400000" spcFirstLastPara="1" vertOverflow="ellipsis" vert="horz" wrap="square" anchor="ctr" anchorCtr="1"/>
-              <a:lstStyle/>
-              <a:p>
-                <a:pPr>
-                  <a:defRPr sz="2000" b="0" i="0" u="none" strike="noStrike" kern="1200" baseline="0">
-                    <a:solidFill>
-                      <a:schemeClr val="tx1"/>
-                    </a:solidFill>
-                    <a:latin typeface="Arial" panose="020B0604020202020204" pitchFamily="34" charset="0"/>
-                    <a:ea typeface="+mn-ea"/>
-                    <a:cs typeface="Arial" panose="020B0604020202020204" pitchFamily="34" charset="0"/>
-                  </a:defRPr>
-                </a:pPr>
-                <a:r>
-                  <a:rPr lang="en-US" sz="2000">
-                    <a:solidFill>
-                      <a:schemeClr val="tx1"/>
-                    </a:solidFill>
-                    <a:latin typeface="Arial" panose="020B0604020202020204" pitchFamily="34" charset="0"/>
-                    <a:cs typeface="Arial" panose="020B0604020202020204" pitchFamily="34" charset="0"/>
-                  </a:rPr>
-                  <a:t>Average value</a:t>
-                </a:r>
-              </a:p>
-            </c:rich>
-          </c:tx>
-          <c:layout>
-            <c:manualLayout>
-              <c:xMode val="edge"/>
-              <c:yMode val="edge"/>
-              <c:x val="1.1523343344729345E-3"/>
-              <c:y val="0.33888535468564895"/>
-            </c:manualLayout>
-          </c:layout>
-          <c:overlay val="0"/>
-          <c:spPr>
-            <a:noFill/>
-            <a:ln>
-              <a:noFill/>
-            </a:ln>
-            <a:effectLst/>
-          </c:spPr>
-          <c:txPr>
-            <a:bodyPr rot="-5400000" spcFirstLastPara="1" vertOverflow="ellipsis" vert="horz" wrap="square" anchor="ctr" anchorCtr="1"/>
-            <a:lstStyle/>
-            <a:p>
-              <a:pPr>
-                <a:defRPr sz="2000" b="0" i="0" u="none" strike="noStrike" kern="1200" baseline="0">
-                  <a:solidFill>
-                    <a:schemeClr val="tx1"/>
-                  </a:solidFill>
-                  <a:latin typeface="Arial" panose="020B0604020202020204" pitchFamily="34" charset="0"/>
-                  <a:ea typeface="+mn-ea"/>
-                  <a:cs typeface="Arial" panose="020B0604020202020204" pitchFamily="34" charset="0"/>
-                </a:defRPr>
-              </a:pPr>
-              <a:endParaRPr lang="et-EE"/>
-            </a:p>
-          </c:txPr>
-        </c:title>
         <c:numFmt formatCode="General" sourceLinked="1"/>
         <c:majorTickMark val="none"/>
         <c:minorTickMark val="none"/>
         <c:tickLblPos val="nextTo"/>
         <c:spPr>
           <a:noFill/>
-          <a:ln w="9525" cap="flat" cmpd="sng" algn="ctr">
-            <a:solidFill>
-              <a:schemeClr val="tx1">
-                <a:lumMod val="25000"/>
-                <a:lumOff val="75000"/>
-              </a:schemeClr>
-            </a:solidFill>
-            <a:round/>
+          <a:ln>
+            <a:noFill/>
           </a:ln>
           <a:effectLst/>
         </c:spPr>
@@ -1204,52 +637,10 @@
             <a:pPr>
               <a:defRPr sz="1400" b="0" i="0" u="none" strike="noStrike" kern="1200" baseline="0">
                 <a:solidFill>
-                  <a:schemeClr val="tx1"/>
-                </a:solidFill>
-                <a:latin typeface="Arial" panose="020B0604020202020204" pitchFamily="34" charset="0"/>
-                <a:ea typeface="+mn-ea"/>
-                <a:cs typeface="Arial" panose="020B0604020202020204" pitchFamily="34" charset="0"/>
-              </a:defRPr>
-            </a:pPr>
-            <a:endParaRPr lang="et-EE"/>
-          </a:p>
-        </c:txPr>
-        <c:crossAx val="259673248"/>
-        <c:crosses val="autoZero"/>
-        <c:crossBetween val="midCat"/>
-      </c:valAx>
-      <c:valAx>
-        <c:axId val="259673640"/>
-        <c:scaling>
-          <c:orientation val="minMax"/>
-        </c:scaling>
-        <c:delete val="0"/>
-        <c:axPos val="r"/>
-        <c:numFmt formatCode="General" sourceLinked="1"/>
-        <c:majorTickMark val="out"/>
-        <c:minorTickMark val="none"/>
-        <c:tickLblPos val="nextTo"/>
-        <c:spPr>
-          <a:noFill/>
-          <a:ln w="9525" cap="flat" cmpd="sng" algn="ctr">
-            <a:solidFill>
-              <a:schemeClr val="tx1">
-                <a:lumMod val="25000"/>
-                <a:lumOff val="75000"/>
-              </a:schemeClr>
-            </a:solidFill>
-            <a:round/>
-          </a:ln>
-          <a:effectLst/>
-        </c:spPr>
-        <c:txPr>
-          <a:bodyPr rot="-60000000" spcFirstLastPara="1" vertOverflow="ellipsis" vert="horz" wrap="square" anchor="ctr" anchorCtr="1"/>
-          <a:lstStyle/>
-          <a:p>
-            <a:pPr>
-              <a:defRPr sz="1400" b="0" i="0" u="none" strike="noStrike" kern="1200" baseline="0">
-                <a:solidFill>
-                  <a:srgbClr val="FF3300"/>
+                  <a:schemeClr val="tx1">
+                    <a:lumMod val="65000"/>
+                    <a:lumOff val="35000"/>
+                  </a:schemeClr>
                 </a:solidFill>
                 <a:latin typeface="+mn-lt"/>
                 <a:ea typeface="+mn-ea"/>
@@ -1259,43 +650,87 @@
             <a:endParaRPr lang="et-EE"/>
           </a:p>
         </c:txPr>
-        <c:crossAx val="259674032"/>
-        <c:crosses val="max"/>
-        <c:crossBetween val="midCat"/>
+        <c:crossAx val="384633664"/>
+        <c:crosses val="autoZero"/>
+        <c:crossBetween val="between"/>
       </c:valAx>
       <c:valAx>
-        <c:axId val="259674032"/>
+        <c:axId val="384634448"/>
+        <c:scaling>
+          <c:orientation val="minMax"/>
+        </c:scaling>
+        <c:delete val="0"/>
+        <c:axPos val="r"/>
+        <c:numFmt formatCode="General" sourceLinked="1"/>
+        <c:majorTickMark val="none"/>
+        <c:minorTickMark val="none"/>
+        <c:tickLblPos val="nextTo"/>
+        <c:spPr>
+          <a:noFill/>
+          <a:ln>
+            <a:noFill/>
+          </a:ln>
+          <a:effectLst/>
+        </c:spPr>
+        <c:txPr>
+          <a:bodyPr rot="-60000000" spcFirstLastPara="1" vertOverflow="ellipsis" vert="horz" wrap="square" anchor="ctr" anchorCtr="1"/>
+          <a:lstStyle/>
+          <a:p>
+            <a:pPr>
+              <a:defRPr sz="1400" b="0" i="0" u="none" strike="noStrike" kern="1200" baseline="0">
+                <a:solidFill>
+                  <a:schemeClr val="tx1">
+                    <a:lumMod val="65000"/>
+                    <a:lumOff val="35000"/>
+                  </a:schemeClr>
+                </a:solidFill>
+                <a:latin typeface="+mn-lt"/>
+                <a:ea typeface="+mn-ea"/>
+                <a:cs typeface="+mn-cs"/>
+              </a:defRPr>
+            </a:pPr>
+            <a:endParaRPr lang="et-EE"/>
+          </a:p>
+        </c:txPr>
+        <c:crossAx val="384634840"/>
+        <c:crosses val="max"/>
+        <c:crossBetween val="between"/>
+      </c:valAx>
+      <c:catAx>
+        <c:axId val="384634840"/>
         <c:scaling>
           <c:orientation val="minMax"/>
         </c:scaling>
         <c:delete val="1"/>
         <c:axPos val="b"/>
-        <c:numFmt formatCode="General" sourceLinked="1"/>
-        <c:majorTickMark val="out"/>
+        <c:majorTickMark val="none"/>
         <c:minorTickMark val="none"/>
         <c:tickLblPos val="nextTo"/>
-        <c:crossAx val="259673640"/>
+        <c:crossAx val="384634448"/>
         <c:crosses val="autoZero"/>
-        <c:crossBetween val="midCat"/>
-      </c:valAx>
+        <c:auto val="1"/>
+        <c:lblAlgn val="ctr"/>
+        <c:lblOffset val="100"/>
+        <c:noMultiLvlLbl val="0"/>
+      </c:catAx>
       <c:spPr>
         <a:noFill/>
-        <a:ln>
+        <a:ln w="25400">
           <a:noFill/>
         </a:ln>
         <a:effectLst/>
       </c:spPr>
     </c:plotArea>
     <c:legend>
-      <c:legendPos val="r"/>
+      <c:legendPos val="b"/>
       <c:layout>
         <c:manualLayout>
           <c:xMode val="edge"/>
           <c:yMode val="edge"/>
-          <c:x val="0.82637588039023646"/>
-          <c:y val="9.248396978204676E-2"/>
-          <c:w val="0.16671011360292573"/>
-          <c:h val="0.41829615202595766"/>
+          <c:x val="0.29818642228538134"/>
+          <c:y val="0.94485554860163778"/>
+          <c:w val="0.40592542337669668"/>
+          <c:h val="4.5623215143053952E-2"/>
         </c:manualLayout>
       </c:layout>
       <c:overlay val="0"/>
@@ -1311,9 +746,12 @@
         <a:lstStyle/>
         <a:p>
           <a:pPr>
-            <a:defRPr sz="1200" b="0" i="0" u="none" strike="noStrike" kern="1200" baseline="0">
+            <a:defRPr sz="1600" b="0" i="0" u="none" strike="noStrike" kern="1200" baseline="0">
               <a:solidFill>
-                <a:schemeClr val="tx1"/>
+                <a:schemeClr val="tx1">
+                  <a:lumMod val="65000"/>
+                  <a:lumOff val="35000"/>
+                </a:schemeClr>
               </a:solidFill>
               <a:latin typeface="+mn-lt"/>
               <a:ea typeface="+mn-ea"/>
@@ -1331,9 +769,7 @@
   <c:spPr>
     <a:noFill/>
     <a:ln>
-      <a:solidFill>
-        <a:schemeClr val="bg1"/>
-      </a:solidFill>
+      <a:noFill/>
     </a:ln>
     <a:effectLst/>
   </c:spPr>
@@ -1350,11 +786,2168 @@
   <c:externalData r:id="rId3">
     <c:autoUpdate val="0"/>
   </c:externalData>
-  <c:userShapes r:id="rId4"/>
 </c:chartSpace>
 </file>
 
 <file path=ppt/charts/chart2.xml><?xml version="1.0" encoding="utf-8"?>
+<c:chartSpace xmlns:c="http://schemas.openxmlformats.org/drawingml/2006/chart" xmlns:a="http://schemas.openxmlformats.org/drawingml/2006/main" xmlns:r="http://schemas.openxmlformats.org/officeDocument/2006/relationships">
+  <c:date1904 val="0"/>
+  <c:lang val="en-US"/>
+  <c:roundedCorners val="0"/>
+  <mc:AlternateContent xmlns:mc="http://schemas.openxmlformats.org/markup-compatibility/2006">
+    <mc:Choice xmlns:c14="http://schemas.microsoft.com/office/drawing/2007/8/2/chart" Requires="c14">
+      <c14:style val="102"/>
+    </mc:Choice>
+    <mc:Fallback>
+      <c:style val="2"/>
+    </mc:Fallback>
+  </mc:AlternateContent>
+  <c:chart>
+    <c:title>
+      <c:tx>
+        <c:rich>
+          <a:bodyPr rot="0" spcFirstLastPara="1" vertOverflow="ellipsis" vert="horz" wrap="square" anchor="ctr" anchorCtr="1"/>
+          <a:lstStyle/>
+          <a:p>
+            <a:pPr>
+              <a:defRPr sz="1800" b="0" i="0" u="none" strike="noStrike" kern="1200" spc="0" baseline="0">
+                <a:solidFill>
+                  <a:schemeClr val="tx1">
+                    <a:lumMod val="65000"/>
+                    <a:lumOff val="35000"/>
+                  </a:schemeClr>
+                </a:solidFill>
+                <a:latin typeface="+mn-lt"/>
+                <a:ea typeface="+mn-ea"/>
+                <a:cs typeface="+mn-cs"/>
+              </a:defRPr>
+            </a:pPr>
+            <a:r>
+              <a:rPr lang="pl-PL" sz="1800"/>
+              <a:t>%</a:t>
+            </a:r>
+            <a:r>
+              <a:rPr lang="pl-PL" sz="1800" baseline="0"/>
+              <a:t> of packages unused with regard to cargo size</a:t>
+            </a:r>
+            <a:endParaRPr lang="pl-PL" sz="1800"/>
+          </a:p>
+        </c:rich>
+      </c:tx>
+      <c:layout/>
+      <c:overlay val="0"/>
+      <c:spPr>
+        <a:noFill/>
+        <a:ln>
+          <a:noFill/>
+        </a:ln>
+        <a:effectLst/>
+      </c:spPr>
+      <c:txPr>
+        <a:bodyPr rot="0" spcFirstLastPara="1" vertOverflow="ellipsis" vert="horz" wrap="square" anchor="ctr" anchorCtr="1"/>
+        <a:lstStyle/>
+        <a:p>
+          <a:pPr>
+            <a:defRPr sz="1800" b="0" i="0" u="none" strike="noStrike" kern="1200" spc="0" baseline="0">
+              <a:solidFill>
+                <a:schemeClr val="tx1">
+                  <a:lumMod val="65000"/>
+                  <a:lumOff val="35000"/>
+                </a:schemeClr>
+              </a:solidFill>
+              <a:latin typeface="+mn-lt"/>
+              <a:ea typeface="+mn-ea"/>
+              <a:cs typeface="+mn-cs"/>
+            </a:defRPr>
+          </a:pPr>
+          <a:endParaRPr lang="et-EE"/>
+        </a:p>
+      </c:txPr>
+    </c:title>
+    <c:autoTitleDeleted val="0"/>
+    <c:plotArea>
+      <c:layout/>
+      <c:barChart>
+        <c:barDir val="col"/>
+        <c:grouping val="clustered"/>
+        <c:varyColors val="0"/>
+        <c:ser>
+          <c:idx val="0"/>
+          <c:order val="0"/>
+          <c:tx>
+            <c:v>Original cargo size</c:v>
+          </c:tx>
+          <c:spPr>
+            <a:solidFill>
+              <a:srgbClr val="0070C0"/>
+            </a:solidFill>
+            <a:ln>
+              <a:noFill/>
+            </a:ln>
+            <a:effectLst/>
+          </c:spPr>
+          <c:invertIfNegative val="0"/>
+          <c:cat>
+            <c:strRef>
+              <c:f>'[Experiments (2).xlsx]Arkusz1'!$B$130:$V$130</c:f>
+              <c:strCache>
+                <c:ptCount val="21"/>
+                <c:pt idx="0">
+                  <c:v>A (2x2x4)</c:v>
+                </c:pt>
+                <c:pt idx="1">
+                  <c:v>B (2x3x4)</c:v>
+                </c:pt>
+                <c:pt idx="2">
+                  <c:v>C (3x3x3)</c:v>
+                </c:pt>
+                <c:pt idx="3">
+                  <c:v>Pentomino L</c:v>
+                </c:pt>
+                <c:pt idx="4">
+                  <c:v>Pentomino T</c:v>
+                </c:pt>
+                <c:pt idx="5">
+                  <c:v>Pentomino P</c:v>
+                </c:pt>
+                <c:pt idx="6">
+                  <c:v>Small 1 (1x2x1)</c:v>
+                </c:pt>
+                <c:pt idx="7">
+                  <c:v>Small 2 (1x2x3)</c:v>
+                </c:pt>
+                <c:pt idx="8">
+                  <c:v>Small 3 (2x2x2)</c:v>
+                </c:pt>
+                <c:pt idx="9">
+                  <c:v>Big 1 (4x6x6)</c:v>
+                </c:pt>
+                <c:pt idx="10">
+                  <c:v>Big 2 (4x5x6)</c:v>
+                </c:pt>
+                <c:pt idx="11">
+                  <c:v>Big 3 (5x5x5)</c:v>
+                </c:pt>
+                <c:pt idx="12">
+                  <c:v>Compact 1 (2x2x2)</c:v>
+                </c:pt>
+                <c:pt idx="13">
+                  <c:v>Compact 2 (3x3x3)</c:v>
+                </c:pt>
+                <c:pt idx="14">
+                  <c:v>Compact 3 (4x4x4)</c:v>
+                </c:pt>
+                <c:pt idx="15">
+                  <c:v>Long 1 (5x1x1)</c:v>
+                </c:pt>
+                <c:pt idx="16">
+                  <c:v>Long 2 (6x2x2)</c:v>
+                </c:pt>
+                <c:pt idx="17">
+                  <c:v>Long 3 (8x2x1)</c:v>
+                </c:pt>
+                <c:pt idx="18">
+                  <c:v>Flat 1 (4x5x1)</c:v>
+                </c:pt>
+                <c:pt idx="19">
+                  <c:v>Flat 2 (3x3x1)</c:v>
+                </c:pt>
+                <c:pt idx="20">
+                  <c:v>Flat 3 (6x4x2)</c:v>
+                </c:pt>
+              </c:strCache>
+            </c:strRef>
+          </c:cat>
+          <c:val>
+            <c:numRef>
+              <c:f>'[Experiments (2).xlsx]Arkusz1'!$B$13:$V$13</c:f>
+              <c:numCache>
+                <c:formatCode>General</c:formatCode>
+                <c:ptCount val="21"/>
+                <c:pt idx="0">
+                  <c:v>24.60240963855421</c:v>
+                </c:pt>
+                <c:pt idx="1">
+                  <c:v>25.018181818181816</c:v>
+                </c:pt>
+                <c:pt idx="2">
+                  <c:v>56.000000000000007</c:v>
+                </c:pt>
+                <c:pt idx="3">
+                  <c:v>22.946969696969703</c:v>
+                </c:pt>
+                <c:pt idx="4">
+                  <c:v>9.2992424242424274</c:v>
+                </c:pt>
+                <c:pt idx="5">
+                  <c:v>33.93030303030303</c:v>
+                </c:pt>
+                <c:pt idx="6">
+                  <c:v>3.689393939393943</c:v>
+                </c:pt>
+                <c:pt idx="7">
+                  <c:v>10.145454545454543</c:v>
+                </c:pt>
+                <c:pt idx="8">
+                  <c:v>22.424242424242426</c:v>
+                </c:pt>
+                <c:pt idx="9">
+                  <c:v>50</c:v>
+                </c:pt>
+                <c:pt idx="10">
+                  <c:v>34.363636363636367</c:v>
+                </c:pt>
+                <c:pt idx="11">
+                  <c:v>45.454545454545453</c:v>
+                </c:pt>
+                <c:pt idx="12">
+                  <c:v>22.424242424242426</c:v>
+                </c:pt>
+                <c:pt idx="13">
+                  <c:v>55.102040816326522</c:v>
+                </c:pt>
+                <c:pt idx="14">
+                  <c:v>23.809523809523807</c:v>
+                </c:pt>
+                <c:pt idx="15">
+                  <c:v>6.1098484848484835</c:v>
+                </c:pt>
+                <c:pt idx="16">
+                  <c:v>25.36363636363637</c:v>
+                </c:pt>
+                <c:pt idx="17">
+                  <c:v>4.9156626506024077</c:v>
+                </c:pt>
+                <c:pt idx="18">
+                  <c:v>13.424242424242424</c:v>
+                </c:pt>
+                <c:pt idx="19">
+                  <c:v>11.13605442176871</c:v>
+                </c:pt>
+                <c:pt idx="20">
+                  <c:v>29.250000000000004</c:v>
+                </c:pt>
+              </c:numCache>
+            </c:numRef>
+          </c:val>
+          <c:extLst xmlns:c16r2="http://schemas.microsoft.com/office/drawing/2015/06/chart">
+            <c:ext xmlns:c16="http://schemas.microsoft.com/office/drawing/2014/chart" uri="{C3380CC4-5D6E-409C-BE32-E72D297353CC}">
+              <c16:uniqueId val="{00000000-ECDE-42F0-80ED-69623DCBF5E2}"/>
+            </c:ext>
+          </c:extLst>
+        </c:ser>
+        <c:ser>
+          <c:idx val="1"/>
+          <c:order val="1"/>
+          <c:tx>
+            <c:v>Cargo dimensions doubled</c:v>
+          </c:tx>
+          <c:spPr>
+            <a:solidFill>
+              <a:srgbClr val="FFC000"/>
+            </a:solidFill>
+            <a:ln>
+              <a:noFill/>
+            </a:ln>
+            <a:effectLst/>
+          </c:spPr>
+          <c:invertIfNegative val="0"/>
+          <c:cat>
+            <c:strRef>
+              <c:f>'[Experiments (2).xlsx]Arkusz1'!$B$130:$V$130</c:f>
+              <c:strCache>
+                <c:ptCount val="21"/>
+                <c:pt idx="0">
+                  <c:v>A (2x2x4)</c:v>
+                </c:pt>
+                <c:pt idx="1">
+                  <c:v>B (2x3x4)</c:v>
+                </c:pt>
+                <c:pt idx="2">
+                  <c:v>C (3x3x3)</c:v>
+                </c:pt>
+                <c:pt idx="3">
+                  <c:v>Pentomino L</c:v>
+                </c:pt>
+                <c:pt idx="4">
+                  <c:v>Pentomino T</c:v>
+                </c:pt>
+                <c:pt idx="5">
+                  <c:v>Pentomino P</c:v>
+                </c:pt>
+                <c:pt idx="6">
+                  <c:v>Small 1 (1x2x1)</c:v>
+                </c:pt>
+                <c:pt idx="7">
+                  <c:v>Small 2 (1x2x3)</c:v>
+                </c:pt>
+                <c:pt idx="8">
+                  <c:v>Small 3 (2x2x2)</c:v>
+                </c:pt>
+                <c:pt idx="9">
+                  <c:v>Big 1 (4x6x6)</c:v>
+                </c:pt>
+                <c:pt idx="10">
+                  <c:v>Big 2 (4x5x6)</c:v>
+                </c:pt>
+                <c:pt idx="11">
+                  <c:v>Big 3 (5x5x5)</c:v>
+                </c:pt>
+                <c:pt idx="12">
+                  <c:v>Compact 1 (2x2x2)</c:v>
+                </c:pt>
+                <c:pt idx="13">
+                  <c:v>Compact 2 (3x3x3)</c:v>
+                </c:pt>
+                <c:pt idx="14">
+                  <c:v>Compact 3 (4x4x4)</c:v>
+                </c:pt>
+                <c:pt idx="15">
+                  <c:v>Long 1 (5x1x1)</c:v>
+                </c:pt>
+                <c:pt idx="16">
+                  <c:v>Long 2 (6x2x2)</c:v>
+                </c:pt>
+                <c:pt idx="17">
+                  <c:v>Long 3 (8x2x1)</c:v>
+                </c:pt>
+                <c:pt idx="18">
+                  <c:v>Flat 1 (4x5x1)</c:v>
+                </c:pt>
+                <c:pt idx="19">
+                  <c:v>Flat 2 (3x3x1)</c:v>
+                </c:pt>
+                <c:pt idx="20">
+                  <c:v>Flat 3 (6x4x2)</c:v>
+                </c:pt>
+              </c:strCache>
+            </c:strRef>
+          </c:cat>
+          <c:val>
+            <c:numRef>
+              <c:f>'[Experiments (2).xlsx]Arkusz1'!$B$75:$V$75</c:f>
+              <c:numCache>
+                <c:formatCode>General</c:formatCode>
+                <c:ptCount val="21"/>
+                <c:pt idx="0">
+                  <c:v>3.6136363636363669</c:v>
+                </c:pt>
+                <c:pt idx="1">
+                  <c:v>20.515909090909087</c:v>
+                </c:pt>
+                <c:pt idx="2">
+                  <c:v>13.612565445026178</c:v>
+                </c:pt>
+                <c:pt idx="3">
+                  <c:v>23.357481060606069</c:v>
+                </c:pt>
+                <c:pt idx="4">
+                  <c:v>8.5321969696969724</c:v>
+                </c:pt>
+                <c:pt idx="5">
+                  <c:v>34.570454545454552</c:v>
+                </c:pt>
+                <c:pt idx="6">
+                  <c:v>4.1034090909090883</c:v>
+                </c:pt>
+                <c:pt idx="7">
+                  <c:v>12.532954545454542</c:v>
+                </c:pt>
+                <c:pt idx="8">
+                  <c:v>0</c:v>
+                </c:pt>
+                <c:pt idx="9">
+                  <c:v>18.162162162162161</c:v>
+                </c:pt>
+                <c:pt idx="10">
+                  <c:v>20.95454545454545</c:v>
+                </c:pt>
+                <c:pt idx="11">
+                  <c:v>8.235294117647058</c:v>
+                </c:pt>
+                <c:pt idx="12">
+                  <c:v>0</c:v>
+                </c:pt>
+                <c:pt idx="13">
+                  <c:v>15.816326530612246</c:v>
+                </c:pt>
+                <c:pt idx="14">
+                  <c:v>22.424242424242426</c:v>
+                </c:pt>
+                <c:pt idx="15">
+                  <c:v>12.948863636363637</c:v>
+                </c:pt>
+                <c:pt idx="16">
+                  <c:v>7.1000000000000023</c:v>
+                </c:pt>
+                <c:pt idx="17">
+                  <c:v>13.92424242424242</c:v>
+                </c:pt>
+                <c:pt idx="18">
+                  <c:v>15.492424242424244</c:v>
+                </c:pt>
+                <c:pt idx="19">
+                  <c:v>13.856899488926741</c:v>
+                </c:pt>
+                <c:pt idx="20">
+                  <c:v>10.263636363636369</c:v>
+                </c:pt>
+              </c:numCache>
+            </c:numRef>
+          </c:val>
+          <c:extLst xmlns:c16r2="http://schemas.microsoft.com/office/drawing/2015/06/chart">
+            <c:ext xmlns:c16="http://schemas.microsoft.com/office/drawing/2014/chart" uri="{C3380CC4-5D6E-409C-BE32-E72D297353CC}">
+              <c16:uniqueId val="{00000001-ECDE-42F0-80ED-69623DCBF5E2}"/>
+            </c:ext>
+          </c:extLst>
+        </c:ser>
+        <c:ser>
+          <c:idx val="2"/>
+          <c:order val="2"/>
+          <c:tx>
+            <c:v>Cargo dimensions halved</c:v>
+          </c:tx>
+          <c:spPr>
+            <a:solidFill>
+              <a:schemeClr val="bg1">
+                <a:lumMod val="65000"/>
+              </a:schemeClr>
+            </a:solidFill>
+            <a:ln>
+              <a:noFill/>
+            </a:ln>
+            <a:effectLst/>
+          </c:spPr>
+          <c:invertIfNegative val="0"/>
+          <c:cat>
+            <c:strRef>
+              <c:f>'[Experiments (2).xlsx]Arkusz1'!$B$130:$V$130</c:f>
+              <c:strCache>
+                <c:ptCount val="21"/>
+                <c:pt idx="0">
+                  <c:v>A (2x2x4)</c:v>
+                </c:pt>
+                <c:pt idx="1">
+                  <c:v>B (2x3x4)</c:v>
+                </c:pt>
+                <c:pt idx="2">
+                  <c:v>C (3x3x3)</c:v>
+                </c:pt>
+                <c:pt idx="3">
+                  <c:v>Pentomino L</c:v>
+                </c:pt>
+                <c:pt idx="4">
+                  <c:v>Pentomino T</c:v>
+                </c:pt>
+                <c:pt idx="5">
+                  <c:v>Pentomino P</c:v>
+                </c:pt>
+                <c:pt idx="6">
+                  <c:v>Small 1 (1x2x1)</c:v>
+                </c:pt>
+                <c:pt idx="7">
+                  <c:v>Small 2 (1x2x3)</c:v>
+                </c:pt>
+                <c:pt idx="8">
+                  <c:v>Small 3 (2x2x2)</c:v>
+                </c:pt>
+                <c:pt idx="9">
+                  <c:v>Big 1 (4x6x6)</c:v>
+                </c:pt>
+                <c:pt idx="10">
+                  <c:v>Big 2 (4x5x6)</c:v>
+                </c:pt>
+                <c:pt idx="11">
+                  <c:v>Big 3 (5x5x5)</c:v>
+                </c:pt>
+                <c:pt idx="12">
+                  <c:v>Compact 1 (2x2x2)</c:v>
+                </c:pt>
+                <c:pt idx="13">
+                  <c:v>Compact 2 (3x3x3)</c:v>
+                </c:pt>
+                <c:pt idx="14">
+                  <c:v>Compact 3 (4x4x4)</c:v>
+                </c:pt>
+                <c:pt idx="15">
+                  <c:v>Long 1 (5x1x1)</c:v>
+                </c:pt>
+                <c:pt idx="16">
+                  <c:v>Long 2 (6x2x2)</c:v>
+                </c:pt>
+                <c:pt idx="17">
+                  <c:v>Long 3 (8x2x1)</c:v>
+                </c:pt>
+                <c:pt idx="18">
+                  <c:v>Flat 1 (4x5x1)</c:v>
+                </c:pt>
+                <c:pt idx="19">
+                  <c:v>Flat 2 (3x3x1)</c:v>
+                </c:pt>
+                <c:pt idx="20">
+                  <c:v>Flat 3 (6x4x2)</c:v>
+                </c:pt>
+              </c:strCache>
+            </c:strRef>
+          </c:cat>
+          <c:val>
+            <c:numRef>
+              <c:f>'[Experiments (2).xlsx]Arkusz1'!$B$142:$V$142</c:f>
+              <c:numCache>
+                <c:formatCode>General</c:formatCode>
+                <c:ptCount val="21"/>
+                <c:pt idx="0">
+                  <c:v>10.875000000000002</c:v>
+                </c:pt>
+                <c:pt idx="1">
+                  <c:v>32.5</c:v>
+                </c:pt>
+                <c:pt idx="2">
+                  <c:v>0</c:v>
+                </c:pt>
+                <c:pt idx="3">
+                  <c:v>32.576923076923073</c:v>
+                </c:pt>
+                <c:pt idx="4">
+                  <c:v>35.865384615384613</c:v>
+                </c:pt>
+                <c:pt idx="5">
+                  <c:v>39.476923076923079</c:v>
+                </c:pt>
+                <c:pt idx="6">
+                  <c:v>3.2499999999999973</c:v>
+                </c:pt>
+                <c:pt idx="7">
+                  <c:v>14.363636363636365</c:v>
+                </c:pt>
+                <c:pt idx="8">
+                  <c:v>0</c:v>
+                </c:pt>
+                <c:pt idx="9">
+                  <c:v>0</c:v>
+                </c:pt>
+                <c:pt idx="10">
+                  <c:v>0</c:v>
+                </c:pt>
+                <c:pt idx="11">
+                  <c:v>0</c:v>
+                </c:pt>
+                <c:pt idx="12">
+                  <c:v>0</c:v>
+                </c:pt>
+                <c:pt idx="13">
+                  <c:v>0</c:v>
+                </c:pt>
+                <c:pt idx="14">
+                  <c:v>0</c:v>
+                </c:pt>
+                <c:pt idx="15">
+                  <c:v>8.1153846153846132</c:v>
+                </c:pt>
+                <c:pt idx="16">
+                  <c:v>33.333333333333329</c:v>
+                </c:pt>
+                <c:pt idx="17">
+                  <c:v>17.874999999999996</c:v>
+                </c:pt>
+                <c:pt idx="18">
+                  <c:v>25</c:v>
+                </c:pt>
+                <c:pt idx="19">
+                  <c:v>33.333333333333329</c:v>
+                </c:pt>
+                <c:pt idx="20">
+                  <c:v>40.333333333333329</c:v>
+                </c:pt>
+              </c:numCache>
+            </c:numRef>
+          </c:val>
+          <c:extLst xmlns:c16r2="http://schemas.microsoft.com/office/drawing/2015/06/chart">
+            <c:ext xmlns:c16="http://schemas.microsoft.com/office/drawing/2014/chart" uri="{C3380CC4-5D6E-409C-BE32-E72D297353CC}">
+              <c16:uniqueId val="{00000002-ECDE-42F0-80ED-69623DCBF5E2}"/>
+            </c:ext>
+          </c:extLst>
+        </c:ser>
+        <c:dLbls>
+          <c:showLegendKey val="0"/>
+          <c:showVal val="0"/>
+          <c:showCatName val="0"/>
+          <c:showSerName val="0"/>
+          <c:showPercent val="0"/>
+          <c:showBubbleSize val="0"/>
+        </c:dLbls>
+        <c:gapWidth val="219"/>
+        <c:axId val="312448744"/>
+        <c:axId val="312450312"/>
+      </c:barChart>
+      <c:catAx>
+        <c:axId val="312448744"/>
+        <c:scaling>
+          <c:orientation val="minMax"/>
+        </c:scaling>
+        <c:delete val="0"/>
+        <c:axPos val="b"/>
+        <c:numFmt formatCode="General" sourceLinked="1"/>
+        <c:majorTickMark val="none"/>
+        <c:minorTickMark val="none"/>
+        <c:tickLblPos val="nextTo"/>
+        <c:spPr>
+          <a:noFill/>
+          <a:ln w="9525" cap="flat" cmpd="sng" algn="ctr">
+            <a:solidFill>
+              <a:schemeClr val="tx1">
+                <a:lumMod val="15000"/>
+                <a:lumOff val="85000"/>
+              </a:schemeClr>
+            </a:solidFill>
+            <a:round/>
+          </a:ln>
+          <a:effectLst/>
+        </c:spPr>
+        <c:txPr>
+          <a:bodyPr rot="-60000000" spcFirstLastPara="1" vertOverflow="ellipsis" vert="horz" wrap="square" anchor="ctr" anchorCtr="1"/>
+          <a:lstStyle/>
+          <a:p>
+            <a:pPr>
+              <a:defRPr sz="1600" b="0" i="0" u="none" strike="noStrike" kern="1200" baseline="0">
+                <a:solidFill>
+                  <a:schemeClr val="tx1">
+                    <a:lumMod val="65000"/>
+                    <a:lumOff val="35000"/>
+                  </a:schemeClr>
+                </a:solidFill>
+                <a:latin typeface="+mn-lt"/>
+                <a:ea typeface="+mn-ea"/>
+                <a:cs typeface="+mn-cs"/>
+              </a:defRPr>
+            </a:pPr>
+            <a:endParaRPr lang="et-EE"/>
+          </a:p>
+        </c:txPr>
+        <c:crossAx val="312450312"/>
+        <c:crosses val="autoZero"/>
+        <c:auto val="1"/>
+        <c:lblAlgn val="ctr"/>
+        <c:lblOffset val="100"/>
+        <c:noMultiLvlLbl val="0"/>
+      </c:catAx>
+      <c:valAx>
+        <c:axId val="312450312"/>
+        <c:scaling>
+          <c:orientation val="minMax"/>
+        </c:scaling>
+        <c:delete val="0"/>
+        <c:axPos val="l"/>
+        <c:majorGridlines>
+          <c:spPr>
+            <a:ln w="9525" cap="flat" cmpd="sng" algn="ctr">
+              <a:solidFill>
+                <a:schemeClr val="tx1">
+                  <a:lumMod val="15000"/>
+                  <a:lumOff val="85000"/>
+                </a:schemeClr>
+              </a:solidFill>
+              <a:round/>
+            </a:ln>
+            <a:effectLst/>
+          </c:spPr>
+        </c:majorGridlines>
+        <c:numFmt formatCode="General" sourceLinked="1"/>
+        <c:majorTickMark val="none"/>
+        <c:minorTickMark val="none"/>
+        <c:tickLblPos val="nextTo"/>
+        <c:spPr>
+          <a:noFill/>
+          <a:ln>
+            <a:noFill/>
+          </a:ln>
+          <a:effectLst/>
+        </c:spPr>
+        <c:txPr>
+          <a:bodyPr rot="-60000000" spcFirstLastPara="1" vertOverflow="ellipsis" vert="horz" wrap="square" anchor="ctr" anchorCtr="1"/>
+          <a:lstStyle/>
+          <a:p>
+            <a:pPr>
+              <a:defRPr sz="1600" b="0" i="0" u="none" strike="noStrike" kern="1200" baseline="0">
+                <a:solidFill>
+                  <a:schemeClr val="tx1">
+                    <a:lumMod val="65000"/>
+                    <a:lumOff val="35000"/>
+                  </a:schemeClr>
+                </a:solidFill>
+                <a:latin typeface="+mn-lt"/>
+                <a:ea typeface="+mn-ea"/>
+                <a:cs typeface="+mn-cs"/>
+              </a:defRPr>
+            </a:pPr>
+            <a:endParaRPr lang="et-EE"/>
+          </a:p>
+        </c:txPr>
+        <c:crossAx val="312448744"/>
+        <c:crosses val="autoZero"/>
+        <c:crossBetween val="between"/>
+      </c:valAx>
+      <c:spPr>
+        <a:noFill/>
+        <a:ln>
+          <a:noFill/>
+        </a:ln>
+        <a:effectLst/>
+      </c:spPr>
+    </c:plotArea>
+    <c:legend>
+      <c:legendPos val="b"/>
+      <c:layout/>
+      <c:overlay val="0"/>
+      <c:spPr>
+        <a:noFill/>
+        <a:ln>
+          <a:noFill/>
+        </a:ln>
+        <a:effectLst/>
+      </c:spPr>
+      <c:txPr>
+        <a:bodyPr rot="0" spcFirstLastPara="1" vertOverflow="ellipsis" vert="horz" wrap="square" anchor="ctr" anchorCtr="1"/>
+        <a:lstStyle/>
+        <a:p>
+          <a:pPr>
+            <a:defRPr sz="1400" b="0" i="0" u="none" strike="noStrike" kern="1200" baseline="0">
+              <a:solidFill>
+                <a:schemeClr val="tx1">
+                  <a:lumMod val="65000"/>
+                  <a:lumOff val="35000"/>
+                </a:schemeClr>
+              </a:solidFill>
+              <a:latin typeface="+mn-lt"/>
+              <a:ea typeface="+mn-ea"/>
+              <a:cs typeface="+mn-cs"/>
+            </a:defRPr>
+          </a:pPr>
+          <a:endParaRPr lang="et-EE"/>
+        </a:p>
+      </c:txPr>
+    </c:legend>
+    <c:plotVisOnly val="1"/>
+    <c:dispBlanksAs val="gap"/>
+    <c:showDLblsOverMax val="0"/>
+  </c:chart>
+  <c:spPr>
+    <a:noFill/>
+    <a:ln>
+      <a:noFill/>
+    </a:ln>
+    <a:effectLst/>
+  </c:spPr>
+  <c:txPr>
+    <a:bodyPr/>
+    <a:lstStyle/>
+    <a:p>
+      <a:pPr>
+        <a:defRPr/>
+      </a:pPr>
+      <a:endParaRPr lang="et-EE"/>
+    </a:p>
+  </c:txPr>
+  <c:externalData r:id="rId3">
+    <c:autoUpdate val="0"/>
+  </c:externalData>
+</c:chartSpace>
+</file>
+
+<file path=ppt/charts/chart3.xml><?xml version="1.0" encoding="utf-8"?>
+<c:chartSpace xmlns:c="http://schemas.openxmlformats.org/drawingml/2006/chart" xmlns:a="http://schemas.openxmlformats.org/drawingml/2006/main" xmlns:r="http://schemas.openxmlformats.org/officeDocument/2006/relationships">
+  <c:date1904 val="0"/>
+  <c:lang val="en-US"/>
+  <c:roundedCorners val="0"/>
+  <mc:AlternateContent xmlns:mc="http://schemas.openxmlformats.org/markup-compatibility/2006">
+    <mc:Choice xmlns:c14="http://schemas.microsoft.com/office/drawing/2007/8/2/chart" Requires="c14">
+      <c14:style val="102"/>
+    </mc:Choice>
+    <mc:Fallback>
+      <c:style val="2"/>
+    </mc:Fallback>
+  </mc:AlternateContent>
+  <c:chart>
+    <c:title>
+      <c:tx>
+        <c:rich>
+          <a:bodyPr rot="0" spcFirstLastPara="1" vertOverflow="ellipsis" vert="horz" wrap="square" anchor="ctr" anchorCtr="1"/>
+          <a:lstStyle/>
+          <a:p>
+            <a:pPr>
+              <a:defRPr sz="2000" b="0" i="0" u="none" strike="noStrike" kern="1200" spc="0" baseline="0">
+                <a:solidFill>
+                  <a:schemeClr val="tx1">
+                    <a:lumMod val="65000"/>
+                    <a:lumOff val="35000"/>
+                  </a:schemeClr>
+                </a:solidFill>
+                <a:latin typeface="+mn-lt"/>
+                <a:ea typeface="+mn-ea"/>
+                <a:cs typeface="+mn-cs"/>
+              </a:defRPr>
+            </a:pPr>
+            <a:r>
+              <a:rPr lang="pl-PL" sz="2000"/>
+              <a:t>Average</a:t>
+            </a:r>
+            <a:r>
+              <a:rPr lang="pl-PL" sz="2000" baseline="0"/>
+              <a:t> runtime with regard to cargo size</a:t>
+            </a:r>
+          </a:p>
+          <a:p>
+            <a:pPr>
+              <a:defRPr sz="2000"/>
+            </a:pPr>
+            <a:r>
+              <a:rPr lang="pl-PL" sz="2000" baseline="0"/>
+              <a:t>(in seconds)</a:t>
+            </a:r>
+            <a:endParaRPr lang="pl-PL" sz="2000"/>
+          </a:p>
+        </c:rich>
+      </c:tx>
+      <c:layout/>
+      <c:overlay val="0"/>
+      <c:spPr>
+        <a:noFill/>
+        <a:ln>
+          <a:noFill/>
+        </a:ln>
+        <a:effectLst/>
+      </c:spPr>
+      <c:txPr>
+        <a:bodyPr rot="0" spcFirstLastPara="1" vertOverflow="ellipsis" vert="horz" wrap="square" anchor="ctr" anchorCtr="1"/>
+        <a:lstStyle/>
+        <a:p>
+          <a:pPr>
+            <a:defRPr sz="2000" b="0" i="0" u="none" strike="noStrike" kern="1200" spc="0" baseline="0">
+              <a:solidFill>
+                <a:schemeClr val="tx1">
+                  <a:lumMod val="65000"/>
+                  <a:lumOff val="35000"/>
+                </a:schemeClr>
+              </a:solidFill>
+              <a:latin typeface="+mn-lt"/>
+              <a:ea typeface="+mn-ea"/>
+              <a:cs typeface="+mn-cs"/>
+            </a:defRPr>
+          </a:pPr>
+          <a:endParaRPr lang="et-EE"/>
+        </a:p>
+      </c:txPr>
+    </c:title>
+    <c:autoTitleDeleted val="0"/>
+    <c:plotArea>
+      <c:layout/>
+      <c:barChart>
+        <c:barDir val="col"/>
+        <c:grouping val="clustered"/>
+        <c:varyColors val="0"/>
+        <c:ser>
+          <c:idx val="0"/>
+          <c:order val="0"/>
+          <c:tx>
+            <c:v>Original cargo size</c:v>
+          </c:tx>
+          <c:spPr>
+            <a:solidFill>
+              <a:srgbClr val="0070C0"/>
+            </a:solidFill>
+            <a:ln>
+              <a:noFill/>
+            </a:ln>
+            <a:effectLst/>
+          </c:spPr>
+          <c:invertIfNegative val="0"/>
+          <c:cat>
+            <c:strRef>
+              <c:f>'[Experiments (2).xlsx]Arkusz1'!$B$130:$V$130</c:f>
+              <c:strCache>
+                <c:ptCount val="21"/>
+                <c:pt idx="0">
+                  <c:v>A (2x2x4)</c:v>
+                </c:pt>
+                <c:pt idx="1">
+                  <c:v>B (2x3x4)</c:v>
+                </c:pt>
+                <c:pt idx="2">
+                  <c:v>C (3x3x3)</c:v>
+                </c:pt>
+                <c:pt idx="3">
+                  <c:v>Pentomino L</c:v>
+                </c:pt>
+                <c:pt idx="4">
+                  <c:v>Pentomino T</c:v>
+                </c:pt>
+                <c:pt idx="5">
+                  <c:v>Pentomino P</c:v>
+                </c:pt>
+                <c:pt idx="6">
+                  <c:v>Small 1 (1x2x1)</c:v>
+                </c:pt>
+                <c:pt idx="7">
+                  <c:v>Small 2 (1x2x3)</c:v>
+                </c:pt>
+                <c:pt idx="8">
+                  <c:v>Small 3 (2x2x2)</c:v>
+                </c:pt>
+                <c:pt idx="9">
+                  <c:v>Big 1 (4x6x6)</c:v>
+                </c:pt>
+                <c:pt idx="10">
+                  <c:v>Big 2 (4x5x6)</c:v>
+                </c:pt>
+                <c:pt idx="11">
+                  <c:v>Big 3 (5x5x5)</c:v>
+                </c:pt>
+                <c:pt idx="12">
+                  <c:v>Compact 1 (2x2x2)</c:v>
+                </c:pt>
+                <c:pt idx="13">
+                  <c:v>Compact 2 (3x3x3)</c:v>
+                </c:pt>
+                <c:pt idx="14">
+                  <c:v>Compact 3 (4x4x4)</c:v>
+                </c:pt>
+                <c:pt idx="15">
+                  <c:v>Long 1 (5x1x1)</c:v>
+                </c:pt>
+                <c:pt idx="16">
+                  <c:v>Long 2 (6x2x2)</c:v>
+                </c:pt>
+                <c:pt idx="17">
+                  <c:v>Long 3 (8x2x1)</c:v>
+                </c:pt>
+                <c:pt idx="18">
+                  <c:v>Flat 1 (4x5x1)</c:v>
+                </c:pt>
+                <c:pt idx="19">
+                  <c:v>Flat 2 (3x3x1)</c:v>
+                </c:pt>
+                <c:pt idx="20">
+                  <c:v>Flat 3 (6x4x2)</c:v>
+                </c:pt>
+              </c:strCache>
+            </c:strRef>
+          </c:cat>
+          <c:val>
+            <c:numRef>
+              <c:f>'[Experiments (2).xlsx]Arkusz1'!$B$6:$V$6</c:f>
+              <c:numCache>
+                <c:formatCode>General</c:formatCode>
+                <c:ptCount val="21"/>
+                <c:pt idx="0">
+                  <c:v>4.7E-2</c:v>
+                </c:pt>
+                <c:pt idx="1">
+                  <c:v>4.7E-2</c:v>
+                </c:pt>
+                <c:pt idx="2">
+                  <c:v>0.14000000000000001</c:v>
+                </c:pt>
+                <c:pt idx="3">
+                  <c:v>7.0000000000000007E-2</c:v>
+                </c:pt>
+                <c:pt idx="4">
+                  <c:v>0.08</c:v>
+                </c:pt>
+                <c:pt idx="5">
+                  <c:v>0.05</c:v>
+                </c:pt>
+                <c:pt idx="6">
+                  <c:v>0</c:v>
+                </c:pt>
+                <c:pt idx="7">
+                  <c:v>0.02</c:v>
+                </c:pt>
+                <c:pt idx="8">
+                  <c:v>0.03</c:v>
+                </c:pt>
+                <c:pt idx="9">
+                  <c:v>0.13</c:v>
+                </c:pt>
+                <c:pt idx="10">
+                  <c:v>7.0000000000000007E-2</c:v>
+                </c:pt>
+                <c:pt idx="11">
+                  <c:v>0.09</c:v>
+                </c:pt>
+                <c:pt idx="12">
+                  <c:v>0.03</c:v>
+                </c:pt>
+                <c:pt idx="13">
+                  <c:v>0.13</c:v>
+                </c:pt>
+                <c:pt idx="14">
+                  <c:v>0.03</c:v>
+                </c:pt>
+                <c:pt idx="15">
+                  <c:v>0.02</c:v>
+                </c:pt>
+                <c:pt idx="16">
+                  <c:v>0.03</c:v>
+                </c:pt>
+                <c:pt idx="17">
+                  <c:v>0</c:v>
+                </c:pt>
+                <c:pt idx="18">
+                  <c:v>0.01</c:v>
+                </c:pt>
+                <c:pt idx="19">
+                  <c:v>0.01</c:v>
+                </c:pt>
+                <c:pt idx="20">
+                  <c:v>0.05</c:v>
+                </c:pt>
+              </c:numCache>
+            </c:numRef>
+          </c:val>
+          <c:extLst xmlns:c16r2="http://schemas.microsoft.com/office/drawing/2015/06/chart">
+            <c:ext xmlns:c16="http://schemas.microsoft.com/office/drawing/2014/chart" uri="{C3380CC4-5D6E-409C-BE32-E72D297353CC}">
+              <c16:uniqueId val="{00000000-87CF-4A93-8B1B-F83CDB1C9EAA}"/>
+            </c:ext>
+          </c:extLst>
+        </c:ser>
+        <c:ser>
+          <c:idx val="1"/>
+          <c:order val="1"/>
+          <c:tx>
+            <c:v>Cargo dimensions doubled</c:v>
+          </c:tx>
+          <c:spPr>
+            <a:solidFill>
+              <a:srgbClr val="FFC000"/>
+            </a:solidFill>
+            <a:ln>
+              <a:noFill/>
+            </a:ln>
+            <a:effectLst/>
+          </c:spPr>
+          <c:invertIfNegative val="0"/>
+          <c:cat>
+            <c:strRef>
+              <c:f>'[Experiments (2).xlsx]Arkusz1'!$B$130:$V$130</c:f>
+              <c:strCache>
+                <c:ptCount val="21"/>
+                <c:pt idx="0">
+                  <c:v>A (2x2x4)</c:v>
+                </c:pt>
+                <c:pt idx="1">
+                  <c:v>B (2x3x4)</c:v>
+                </c:pt>
+                <c:pt idx="2">
+                  <c:v>C (3x3x3)</c:v>
+                </c:pt>
+                <c:pt idx="3">
+                  <c:v>Pentomino L</c:v>
+                </c:pt>
+                <c:pt idx="4">
+                  <c:v>Pentomino T</c:v>
+                </c:pt>
+                <c:pt idx="5">
+                  <c:v>Pentomino P</c:v>
+                </c:pt>
+                <c:pt idx="6">
+                  <c:v>Small 1 (1x2x1)</c:v>
+                </c:pt>
+                <c:pt idx="7">
+                  <c:v>Small 2 (1x2x3)</c:v>
+                </c:pt>
+                <c:pt idx="8">
+                  <c:v>Small 3 (2x2x2)</c:v>
+                </c:pt>
+                <c:pt idx="9">
+                  <c:v>Big 1 (4x6x6)</c:v>
+                </c:pt>
+                <c:pt idx="10">
+                  <c:v>Big 2 (4x5x6)</c:v>
+                </c:pt>
+                <c:pt idx="11">
+                  <c:v>Big 3 (5x5x5)</c:v>
+                </c:pt>
+                <c:pt idx="12">
+                  <c:v>Compact 1 (2x2x2)</c:v>
+                </c:pt>
+                <c:pt idx="13">
+                  <c:v>Compact 2 (3x3x3)</c:v>
+                </c:pt>
+                <c:pt idx="14">
+                  <c:v>Compact 3 (4x4x4)</c:v>
+                </c:pt>
+                <c:pt idx="15">
+                  <c:v>Long 1 (5x1x1)</c:v>
+                </c:pt>
+                <c:pt idx="16">
+                  <c:v>Long 2 (6x2x2)</c:v>
+                </c:pt>
+                <c:pt idx="17">
+                  <c:v>Long 3 (8x2x1)</c:v>
+                </c:pt>
+                <c:pt idx="18">
+                  <c:v>Flat 1 (4x5x1)</c:v>
+                </c:pt>
+                <c:pt idx="19">
+                  <c:v>Flat 2 (3x3x1)</c:v>
+                </c:pt>
+                <c:pt idx="20">
+                  <c:v>Flat 3 (6x4x2)</c:v>
+                </c:pt>
+              </c:strCache>
+            </c:strRef>
+          </c:cat>
+          <c:val>
+            <c:numRef>
+              <c:f>'[Experiments (2).xlsx]Arkusz1'!$B$68:$V$68</c:f>
+              <c:numCache>
+                <c:formatCode>General</c:formatCode>
+                <c:ptCount val="21"/>
+                <c:pt idx="0">
+                  <c:v>0.24</c:v>
+                </c:pt>
+                <c:pt idx="1">
+                  <c:v>4.18</c:v>
+                </c:pt>
+                <c:pt idx="2">
+                  <c:v>1.46</c:v>
+                </c:pt>
+                <c:pt idx="3">
+                  <c:v>6.944</c:v>
+                </c:pt>
+                <c:pt idx="4">
+                  <c:v>8.2200000000000006</c:v>
+                </c:pt>
+                <c:pt idx="5">
+                  <c:v>4.43</c:v>
+                </c:pt>
+                <c:pt idx="6">
+                  <c:v>0.36</c:v>
+                </c:pt>
+                <c:pt idx="7">
+                  <c:v>2.464</c:v>
+                </c:pt>
+                <c:pt idx="8">
+                  <c:v>0.02</c:v>
+                </c:pt>
+                <c:pt idx="9">
+                  <c:v>2.96</c:v>
+                </c:pt>
+                <c:pt idx="10">
+                  <c:v>4.96</c:v>
+                </c:pt>
+                <c:pt idx="11">
+                  <c:v>0.36</c:v>
+                </c:pt>
+                <c:pt idx="12">
+                  <c:v>0.02</c:v>
+                </c:pt>
+                <c:pt idx="13">
+                  <c:v>1.48</c:v>
+                </c:pt>
+                <c:pt idx="14">
+                  <c:v>2.82</c:v>
+                </c:pt>
+                <c:pt idx="15">
+                  <c:v>2.98</c:v>
+                </c:pt>
+                <c:pt idx="16">
+                  <c:v>1.02</c:v>
+                </c:pt>
+                <c:pt idx="17">
+                  <c:v>2.76</c:v>
+                </c:pt>
+                <c:pt idx="18">
+                  <c:v>2.77</c:v>
+                </c:pt>
+                <c:pt idx="19">
+                  <c:v>1.55</c:v>
+                </c:pt>
+                <c:pt idx="20">
+                  <c:v>1.35</c:v>
+                </c:pt>
+              </c:numCache>
+            </c:numRef>
+          </c:val>
+          <c:extLst xmlns:c16r2="http://schemas.microsoft.com/office/drawing/2015/06/chart">
+            <c:ext xmlns:c16="http://schemas.microsoft.com/office/drawing/2014/chart" uri="{C3380CC4-5D6E-409C-BE32-E72D297353CC}">
+              <c16:uniqueId val="{00000001-87CF-4A93-8B1B-F83CDB1C9EAA}"/>
+            </c:ext>
+          </c:extLst>
+        </c:ser>
+        <c:ser>
+          <c:idx val="2"/>
+          <c:order val="2"/>
+          <c:tx>
+            <c:v>Cargo dimensions halved</c:v>
+          </c:tx>
+          <c:spPr>
+            <a:solidFill>
+              <a:schemeClr val="accent3"/>
+            </a:solidFill>
+            <a:ln>
+              <a:noFill/>
+            </a:ln>
+            <a:effectLst/>
+          </c:spPr>
+          <c:invertIfNegative val="0"/>
+          <c:cat>
+            <c:strRef>
+              <c:f>'[Experiments (2).xlsx]Arkusz1'!$B$130:$V$130</c:f>
+              <c:strCache>
+                <c:ptCount val="21"/>
+                <c:pt idx="0">
+                  <c:v>A (2x2x4)</c:v>
+                </c:pt>
+                <c:pt idx="1">
+                  <c:v>B (2x3x4)</c:v>
+                </c:pt>
+                <c:pt idx="2">
+                  <c:v>C (3x3x3)</c:v>
+                </c:pt>
+                <c:pt idx="3">
+                  <c:v>Pentomino L</c:v>
+                </c:pt>
+                <c:pt idx="4">
+                  <c:v>Pentomino T</c:v>
+                </c:pt>
+                <c:pt idx="5">
+                  <c:v>Pentomino P</c:v>
+                </c:pt>
+                <c:pt idx="6">
+                  <c:v>Small 1 (1x2x1)</c:v>
+                </c:pt>
+                <c:pt idx="7">
+                  <c:v>Small 2 (1x2x3)</c:v>
+                </c:pt>
+                <c:pt idx="8">
+                  <c:v>Small 3 (2x2x2)</c:v>
+                </c:pt>
+                <c:pt idx="9">
+                  <c:v>Big 1 (4x6x6)</c:v>
+                </c:pt>
+                <c:pt idx="10">
+                  <c:v>Big 2 (4x5x6)</c:v>
+                </c:pt>
+                <c:pt idx="11">
+                  <c:v>Big 3 (5x5x5)</c:v>
+                </c:pt>
+                <c:pt idx="12">
+                  <c:v>Compact 1 (2x2x2)</c:v>
+                </c:pt>
+                <c:pt idx="13">
+                  <c:v>Compact 2 (3x3x3)</c:v>
+                </c:pt>
+                <c:pt idx="14">
+                  <c:v>Compact 3 (4x4x4)</c:v>
+                </c:pt>
+                <c:pt idx="15">
+                  <c:v>Long 1 (5x1x1)</c:v>
+                </c:pt>
+                <c:pt idx="16">
+                  <c:v>Long 2 (6x2x2)</c:v>
+                </c:pt>
+                <c:pt idx="17">
+                  <c:v>Long 3 (8x2x1)</c:v>
+                </c:pt>
+                <c:pt idx="18">
+                  <c:v>Flat 1 (4x5x1)</c:v>
+                </c:pt>
+                <c:pt idx="19">
+                  <c:v>Flat 2 (3x3x1)</c:v>
+                </c:pt>
+                <c:pt idx="20">
+                  <c:v>Flat 3 (6x4x2)</c:v>
+                </c:pt>
+              </c:strCache>
+            </c:strRef>
+          </c:cat>
+          <c:val>
+            <c:numRef>
+              <c:f>'[Experiments (2).xlsx]Arkusz1'!$B$135:$V$135</c:f>
+              <c:numCache>
+                <c:formatCode>General</c:formatCode>
+                <c:ptCount val="21"/>
+                <c:pt idx="0">
+                  <c:v>0</c:v>
+                </c:pt>
+                <c:pt idx="1">
+                  <c:v>0</c:v>
+                </c:pt>
+                <c:pt idx="2">
+                  <c:v>0</c:v>
+                </c:pt>
+                <c:pt idx="3">
+                  <c:v>0</c:v>
+                </c:pt>
+                <c:pt idx="4">
+                  <c:v>0</c:v>
+                </c:pt>
+                <c:pt idx="5">
+                  <c:v>0</c:v>
+                </c:pt>
+                <c:pt idx="6">
+                  <c:v>0</c:v>
+                </c:pt>
+                <c:pt idx="7">
+                  <c:v>0</c:v>
+                </c:pt>
+                <c:pt idx="8">
+                  <c:v>0</c:v>
+                </c:pt>
+                <c:pt idx="9">
+                  <c:v>0</c:v>
+                </c:pt>
+                <c:pt idx="10">
+                  <c:v>0</c:v>
+                </c:pt>
+                <c:pt idx="11">
+                  <c:v>0</c:v>
+                </c:pt>
+                <c:pt idx="12">
+                  <c:v>0</c:v>
+                </c:pt>
+                <c:pt idx="13">
+                  <c:v>0</c:v>
+                </c:pt>
+                <c:pt idx="14">
+                  <c:v>0</c:v>
+                </c:pt>
+                <c:pt idx="15">
+                  <c:v>0</c:v>
+                </c:pt>
+                <c:pt idx="16">
+                  <c:v>0</c:v>
+                </c:pt>
+                <c:pt idx="17">
+                  <c:v>0</c:v>
+                </c:pt>
+                <c:pt idx="18">
+                  <c:v>0</c:v>
+                </c:pt>
+                <c:pt idx="19">
+                  <c:v>0</c:v>
+                </c:pt>
+                <c:pt idx="20">
+                  <c:v>0</c:v>
+                </c:pt>
+              </c:numCache>
+            </c:numRef>
+          </c:val>
+          <c:extLst xmlns:c16r2="http://schemas.microsoft.com/office/drawing/2015/06/chart">
+            <c:ext xmlns:c16="http://schemas.microsoft.com/office/drawing/2014/chart" uri="{C3380CC4-5D6E-409C-BE32-E72D297353CC}">
+              <c16:uniqueId val="{00000002-87CF-4A93-8B1B-F83CDB1C9EAA}"/>
+            </c:ext>
+          </c:extLst>
+        </c:ser>
+        <c:dLbls>
+          <c:showLegendKey val="0"/>
+          <c:showVal val="0"/>
+          <c:showCatName val="0"/>
+          <c:showSerName val="0"/>
+          <c:showPercent val="0"/>
+          <c:showBubbleSize val="0"/>
+        </c:dLbls>
+        <c:gapWidth val="219"/>
+        <c:overlap val="-27"/>
+        <c:axId val="14075072"/>
+        <c:axId val="14074288"/>
+      </c:barChart>
+      <c:catAx>
+        <c:axId val="14075072"/>
+        <c:scaling>
+          <c:orientation val="minMax"/>
+        </c:scaling>
+        <c:delete val="0"/>
+        <c:axPos val="b"/>
+        <c:numFmt formatCode="General" sourceLinked="1"/>
+        <c:majorTickMark val="none"/>
+        <c:minorTickMark val="none"/>
+        <c:tickLblPos val="nextTo"/>
+        <c:spPr>
+          <a:noFill/>
+          <a:ln w="9525" cap="flat" cmpd="sng" algn="ctr">
+            <a:solidFill>
+              <a:schemeClr val="tx1">
+                <a:lumMod val="15000"/>
+                <a:lumOff val="85000"/>
+              </a:schemeClr>
+            </a:solidFill>
+            <a:round/>
+          </a:ln>
+          <a:effectLst/>
+        </c:spPr>
+        <c:txPr>
+          <a:bodyPr rot="-60000000" spcFirstLastPara="1" vertOverflow="ellipsis" vert="horz" wrap="square" anchor="ctr" anchorCtr="1"/>
+          <a:lstStyle/>
+          <a:p>
+            <a:pPr>
+              <a:defRPr sz="1600" b="0" i="0" u="none" strike="noStrike" kern="1200" baseline="0">
+                <a:solidFill>
+                  <a:schemeClr val="tx1">
+                    <a:lumMod val="65000"/>
+                    <a:lumOff val="35000"/>
+                  </a:schemeClr>
+                </a:solidFill>
+                <a:latin typeface="+mn-lt"/>
+                <a:ea typeface="+mn-ea"/>
+                <a:cs typeface="+mn-cs"/>
+              </a:defRPr>
+            </a:pPr>
+            <a:endParaRPr lang="et-EE"/>
+          </a:p>
+        </c:txPr>
+        <c:crossAx val="14074288"/>
+        <c:crosses val="autoZero"/>
+        <c:auto val="1"/>
+        <c:lblAlgn val="ctr"/>
+        <c:lblOffset val="100"/>
+        <c:noMultiLvlLbl val="0"/>
+      </c:catAx>
+      <c:valAx>
+        <c:axId val="14074288"/>
+        <c:scaling>
+          <c:orientation val="minMax"/>
+        </c:scaling>
+        <c:delete val="0"/>
+        <c:axPos val="l"/>
+        <c:majorGridlines>
+          <c:spPr>
+            <a:ln w="9525" cap="flat" cmpd="sng" algn="ctr">
+              <a:solidFill>
+                <a:schemeClr val="tx1">
+                  <a:lumMod val="15000"/>
+                  <a:lumOff val="85000"/>
+                </a:schemeClr>
+              </a:solidFill>
+              <a:round/>
+            </a:ln>
+            <a:effectLst/>
+          </c:spPr>
+        </c:majorGridlines>
+        <c:numFmt formatCode="General" sourceLinked="1"/>
+        <c:majorTickMark val="none"/>
+        <c:minorTickMark val="none"/>
+        <c:tickLblPos val="nextTo"/>
+        <c:spPr>
+          <a:noFill/>
+          <a:ln>
+            <a:noFill/>
+          </a:ln>
+          <a:effectLst/>
+        </c:spPr>
+        <c:txPr>
+          <a:bodyPr rot="-60000000" spcFirstLastPara="1" vertOverflow="ellipsis" vert="horz" wrap="square" anchor="ctr" anchorCtr="1"/>
+          <a:lstStyle/>
+          <a:p>
+            <a:pPr>
+              <a:defRPr sz="1600" b="0" i="0" u="none" strike="noStrike" kern="1200" baseline="0">
+                <a:solidFill>
+                  <a:schemeClr val="tx1">
+                    <a:lumMod val="65000"/>
+                    <a:lumOff val="35000"/>
+                  </a:schemeClr>
+                </a:solidFill>
+                <a:latin typeface="+mn-lt"/>
+                <a:ea typeface="+mn-ea"/>
+                <a:cs typeface="+mn-cs"/>
+              </a:defRPr>
+            </a:pPr>
+            <a:endParaRPr lang="et-EE"/>
+          </a:p>
+        </c:txPr>
+        <c:crossAx val="14075072"/>
+        <c:crosses val="autoZero"/>
+        <c:crossBetween val="between"/>
+      </c:valAx>
+      <c:spPr>
+        <a:noFill/>
+        <a:ln>
+          <a:noFill/>
+        </a:ln>
+        <a:effectLst/>
+      </c:spPr>
+    </c:plotArea>
+    <c:legend>
+      <c:legendPos val="b"/>
+      <c:layout/>
+      <c:overlay val="0"/>
+      <c:spPr>
+        <a:noFill/>
+        <a:ln>
+          <a:noFill/>
+        </a:ln>
+        <a:effectLst/>
+      </c:spPr>
+      <c:txPr>
+        <a:bodyPr rot="0" spcFirstLastPara="1" vertOverflow="ellipsis" vert="horz" wrap="square" anchor="ctr" anchorCtr="1"/>
+        <a:lstStyle/>
+        <a:p>
+          <a:pPr>
+            <a:defRPr sz="1600" b="0" i="0" u="none" strike="noStrike" kern="1200" baseline="0">
+              <a:solidFill>
+                <a:schemeClr val="tx1">
+                  <a:lumMod val="65000"/>
+                  <a:lumOff val="35000"/>
+                </a:schemeClr>
+              </a:solidFill>
+              <a:latin typeface="+mn-lt"/>
+              <a:ea typeface="+mn-ea"/>
+              <a:cs typeface="+mn-cs"/>
+            </a:defRPr>
+          </a:pPr>
+          <a:endParaRPr lang="et-EE"/>
+        </a:p>
+      </c:txPr>
+    </c:legend>
+    <c:plotVisOnly val="1"/>
+    <c:dispBlanksAs val="gap"/>
+    <c:showDLblsOverMax val="0"/>
+  </c:chart>
+  <c:spPr>
+    <a:noFill/>
+    <a:ln>
+      <a:noFill/>
+    </a:ln>
+    <a:effectLst/>
+  </c:spPr>
+  <c:txPr>
+    <a:bodyPr/>
+    <a:lstStyle/>
+    <a:p>
+      <a:pPr>
+        <a:defRPr/>
+      </a:pPr>
+      <a:endParaRPr lang="et-EE"/>
+    </a:p>
+  </c:txPr>
+  <c:externalData r:id="rId3">
+    <c:autoUpdate val="0"/>
+  </c:externalData>
+</c:chartSpace>
+</file>
+
+<file path=ppt/charts/chart4.xml><?xml version="1.0" encoding="utf-8"?>
+<c:chartSpace xmlns:c="http://schemas.openxmlformats.org/drawingml/2006/chart" xmlns:a="http://schemas.openxmlformats.org/drawingml/2006/main" xmlns:r="http://schemas.openxmlformats.org/officeDocument/2006/relationships">
+  <c:date1904 val="0"/>
+  <c:lang val="en-US"/>
+  <c:roundedCorners val="0"/>
+  <mc:AlternateContent xmlns:mc="http://schemas.openxmlformats.org/markup-compatibility/2006">
+    <mc:Choice xmlns:c14="http://schemas.microsoft.com/office/drawing/2007/8/2/chart" Requires="c14">
+      <c14:style val="102"/>
+    </mc:Choice>
+    <mc:Fallback>
+      <c:style val="2"/>
+    </mc:Fallback>
+  </mc:AlternateContent>
+  <c:chart>
+    <c:title>
+      <c:tx>
+        <c:rich>
+          <a:bodyPr/>
+          <a:lstStyle/>
+          <a:p>
+            <a:pPr algn="ctr">
+              <a:defRPr/>
+            </a:pPr>
+            <a:r>
+              <a:rPr lang="en-US" sz="2000" dirty="0"/>
+              <a:t>Score efficiency</a:t>
+            </a:r>
+            <a:endParaRPr lang="en-US" sz="2000" baseline="0" dirty="0"/>
+          </a:p>
+          <a:p>
+            <a:pPr algn="ctr">
+              <a:defRPr/>
+            </a:pPr>
+            <a:r>
+              <a:rPr lang="en-US" sz="2000" b="0" baseline="0" dirty="0"/>
+              <a:t>Percentage of maximum score that certain package type achieves on average</a:t>
+            </a:r>
+            <a:endParaRPr lang="en-US" sz="2000" b="0" dirty="0"/>
+          </a:p>
+        </c:rich>
+      </c:tx>
+      <c:layout>
+        <c:manualLayout>
+          <c:xMode val="edge"/>
+          <c:yMode val="edge"/>
+          <c:x val="0.16205529238489214"/>
+          <c:y val="9.1973462465601459E-3"/>
+        </c:manualLayout>
+      </c:layout>
+      <c:overlay val="0"/>
+    </c:title>
+    <c:autoTitleDeleted val="0"/>
+    <c:plotArea>
+      <c:layout/>
+      <c:barChart>
+        <c:barDir val="col"/>
+        <c:grouping val="clustered"/>
+        <c:varyColors val="0"/>
+        <c:ser>
+          <c:idx val="0"/>
+          <c:order val="0"/>
+          <c:tx>
+            <c:v>Original cargo size</c:v>
+          </c:tx>
+          <c:spPr>
+            <a:solidFill>
+              <a:srgbClr val="0070C0"/>
+            </a:solidFill>
+          </c:spPr>
+          <c:invertIfNegative val="0"/>
+          <c:cat>
+            <c:strRef>
+              <c:f>'[Experiments (2).xlsx]Arkusz1'!$B$130:$V$130</c:f>
+              <c:strCache>
+                <c:ptCount val="21"/>
+                <c:pt idx="0">
+                  <c:v>A (2x2x4)</c:v>
+                </c:pt>
+                <c:pt idx="1">
+                  <c:v>B (2x3x4)</c:v>
+                </c:pt>
+                <c:pt idx="2">
+                  <c:v>C (3x3x3)</c:v>
+                </c:pt>
+                <c:pt idx="3">
+                  <c:v>Pentomino L</c:v>
+                </c:pt>
+                <c:pt idx="4">
+                  <c:v>Pentomino T</c:v>
+                </c:pt>
+                <c:pt idx="5">
+                  <c:v>Pentomino P</c:v>
+                </c:pt>
+                <c:pt idx="6">
+                  <c:v>Small 1 (1x2x1)</c:v>
+                </c:pt>
+                <c:pt idx="7">
+                  <c:v>Small 2 (1x2x3)</c:v>
+                </c:pt>
+                <c:pt idx="8">
+                  <c:v>Small 3 (2x2x2)</c:v>
+                </c:pt>
+                <c:pt idx="9">
+                  <c:v>Big 1 (4x6x6)</c:v>
+                </c:pt>
+                <c:pt idx="10">
+                  <c:v>Big 2 (4x5x6)</c:v>
+                </c:pt>
+                <c:pt idx="11">
+                  <c:v>Big 3 (5x5x5)</c:v>
+                </c:pt>
+                <c:pt idx="12">
+                  <c:v>Compact 1 (2x2x2)</c:v>
+                </c:pt>
+                <c:pt idx="13">
+                  <c:v>Compact 2 (3x3x3)</c:v>
+                </c:pt>
+                <c:pt idx="14">
+                  <c:v>Compact 3 (4x4x4)</c:v>
+                </c:pt>
+                <c:pt idx="15">
+                  <c:v>Long 1 (5x1x1)</c:v>
+                </c:pt>
+                <c:pt idx="16">
+                  <c:v>Long 2 (6x2x2)</c:v>
+                </c:pt>
+                <c:pt idx="17">
+                  <c:v>Long 3 (8x2x1)</c:v>
+                </c:pt>
+                <c:pt idx="18">
+                  <c:v>Flat 1 (4x5x1)</c:v>
+                </c:pt>
+                <c:pt idx="19">
+                  <c:v>Flat 2 (3x3x1)</c:v>
+                </c:pt>
+                <c:pt idx="20">
+                  <c:v>Flat 3 (6x4x2)</c:v>
+                </c:pt>
+              </c:strCache>
+            </c:strRef>
+          </c:cat>
+          <c:val>
+            <c:numRef>
+              <c:f>'[Experiments (2).xlsx]Arkusz1'!$B$15:$V$15</c:f>
+              <c:numCache>
+                <c:formatCode>0%</c:formatCode>
+                <c:ptCount val="21"/>
+                <c:pt idx="0">
+                  <c:v>0.75397590361445788</c:v>
+                </c:pt>
+                <c:pt idx="1">
+                  <c:v>0.74981818181818183</c:v>
+                </c:pt>
+                <c:pt idx="2">
+                  <c:v>0.44</c:v>
+                </c:pt>
+                <c:pt idx="3">
+                  <c:v>0.77053030303030301</c:v>
+                </c:pt>
+                <c:pt idx="4">
+                  <c:v>0.90700757575757573</c:v>
+                </c:pt>
+                <c:pt idx="5">
+                  <c:v>0.66069696969696967</c:v>
+                </c:pt>
+                <c:pt idx="6">
+                  <c:v>0.96310606060606052</c:v>
+                </c:pt>
+                <c:pt idx="7">
+                  <c:v>0.89854545454545454</c:v>
+                </c:pt>
+                <c:pt idx="8">
+                  <c:v>0.77575757575757576</c:v>
+                </c:pt>
+                <c:pt idx="9">
+                  <c:v>0.5</c:v>
+                </c:pt>
+                <c:pt idx="10">
+                  <c:v>0.65636363636363637</c:v>
+                </c:pt>
+                <c:pt idx="11">
+                  <c:v>0.54545454545454541</c:v>
+                </c:pt>
+                <c:pt idx="12">
+                  <c:v>0.77575757575757576</c:v>
+                </c:pt>
+                <c:pt idx="13">
+                  <c:v>0.44897959183673469</c:v>
+                </c:pt>
+                <c:pt idx="14">
+                  <c:v>0.76190476190476186</c:v>
+                </c:pt>
+                <c:pt idx="15">
+                  <c:v>0.93890151515151521</c:v>
+                </c:pt>
+                <c:pt idx="16">
+                  <c:v>0.74636363636363634</c:v>
+                </c:pt>
+                <c:pt idx="17">
+                  <c:v>0.95084337349397596</c:v>
+                </c:pt>
+                <c:pt idx="18">
+                  <c:v>0.86575757575757573</c:v>
+                </c:pt>
+                <c:pt idx="19">
+                  <c:v>0.88863945578231285</c:v>
+                </c:pt>
+                <c:pt idx="20">
+                  <c:v>0.70749999999999991</c:v>
+                </c:pt>
+              </c:numCache>
+            </c:numRef>
+          </c:val>
+        </c:ser>
+        <c:ser>
+          <c:idx val="1"/>
+          <c:order val="1"/>
+          <c:tx>
+            <c:v>Doubled cargo dimensions</c:v>
+          </c:tx>
+          <c:spPr>
+            <a:solidFill>
+              <a:srgbClr val="FFC000"/>
+            </a:solidFill>
+          </c:spPr>
+          <c:invertIfNegative val="0"/>
+          <c:cat>
+            <c:strRef>
+              <c:f>'[Experiments (2).xlsx]Arkusz1'!$B$130:$V$130</c:f>
+              <c:strCache>
+                <c:ptCount val="21"/>
+                <c:pt idx="0">
+                  <c:v>A (2x2x4)</c:v>
+                </c:pt>
+                <c:pt idx="1">
+                  <c:v>B (2x3x4)</c:v>
+                </c:pt>
+                <c:pt idx="2">
+                  <c:v>C (3x3x3)</c:v>
+                </c:pt>
+                <c:pt idx="3">
+                  <c:v>Pentomino L</c:v>
+                </c:pt>
+                <c:pt idx="4">
+                  <c:v>Pentomino T</c:v>
+                </c:pt>
+                <c:pt idx="5">
+                  <c:v>Pentomino P</c:v>
+                </c:pt>
+                <c:pt idx="6">
+                  <c:v>Small 1 (1x2x1)</c:v>
+                </c:pt>
+                <c:pt idx="7">
+                  <c:v>Small 2 (1x2x3)</c:v>
+                </c:pt>
+                <c:pt idx="8">
+                  <c:v>Small 3 (2x2x2)</c:v>
+                </c:pt>
+                <c:pt idx="9">
+                  <c:v>Big 1 (4x6x6)</c:v>
+                </c:pt>
+                <c:pt idx="10">
+                  <c:v>Big 2 (4x5x6)</c:v>
+                </c:pt>
+                <c:pt idx="11">
+                  <c:v>Big 3 (5x5x5)</c:v>
+                </c:pt>
+                <c:pt idx="12">
+                  <c:v>Compact 1 (2x2x2)</c:v>
+                </c:pt>
+                <c:pt idx="13">
+                  <c:v>Compact 2 (3x3x3)</c:v>
+                </c:pt>
+                <c:pt idx="14">
+                  <c:v>Compact 3 (4x4x4)</c:v>
+                </c:pt>
+                <c:pt idx="15">
+                  <c:v>Long 1 (5x1x1)</c:v>
+                </c:pt>
+                <c:pt idx="16">
+                  <c:v>Long 2 (6x2x2)</c:v>
+                </c:pt>
+                <c:pt idx="17">
+                  <c:v>Long 3 (8x2x1)</c:v>
+                </c:pt>
+                <c:pt idx="18">
+                  <c:v>Flat 1 (4x5x1)</c:v>
+                </c:pt>
+                <c:pt idx="19">
+                  <c:v>Flat 2 (3x3x1)</c:v>
+                </c:pt>
+                <c:pt idx="20">
+                  <c:v>Flat 3 (6x4x2)</c:v>
+                </c:pt>
+              </c:strCache>
+            </c:strRef>
+          </c:cat>
+          <c:val>
+            <c:numRef>
+              <c:f>'[Experiments (2).xlsx]Arkusz1'!$B$77:$V$77</c:f>
+              <c:numCache>
+                <c:formatCode>0%</c:formatCode>
+                <c:ptCount val="21"/>
+                <c:pt idx="0">
+                  <c:v>0.96386363636363637</c:v>
+                </c:pt>
+                <c:pt idx="1">
+                  <c:v>0.7948409090909091</c:v>
+                </c:pt>
+                <c:pt idx="2">
+                  <c:v>0.86387434554973819</c:v>
+                </c:pt>
+                <c:pt idx="3">
+                  <c:v>0.76642518939393933</c:v>
+                </c:pt>
+                <c:pt idx="4">
+                  <c:v>0.9146780303030303</c:v>
+                </c:pt>
+                <c:pt idx="5">
+                  <c:v>0.65429545454545457</c:v>
+                </c:pt>
+                <c:pt idx="6">
+                  <c:v>0.95896590909090906</c:v>
+                </c:pt>
+                <c:pt idx="7">
+                  <c:v>0.87467045454545456</c:v>
+                </c:pt>
+                <c:pt idx="8">
+                  <c:v>1</c:v>
+                </c:pt>
+                <c:pt idx="9">
+                  <c:v>0.81837837837837846</c:v>
+                </c:pt>
+                <c:pt idx="10">
+                  <c:v>0.79045454545454552</c:v>
+                </c:pt>
+                <c:pt idx="11">
+                  <c:v>0.91764705882352937</c:v>
+                </c:pt>
+                <c:pt idx="12">
+                  <c:v>1</c:v>
+                </c:pt>
+                <c:pt idx="13">
+                  <c:v>0.84183673469387754</c:v>
+                </c:pt>
+                <c:pt idx="14">
+                  <c:v>0.77575757575757576</c:v>
+                </c:pt>
+                <c:pt idx="15">
+                  <c:v>0.87051136363636361</c:v>
+                </c:pt>
+                <c:pt idx="16">
+                  <c:v>0.92899999999999994</c:v>
+                </c:pt>
+                <c:pt idx="17">
+                  <c:v>0.86075757575757583</c:v>
+                </c:pt>
+                <c:pt idx="18">
+                  <c:v>0.84507575757575759</c:v>
+                </c:pt>
+                <c:pt idx="19">
+                  <c:v>0.86143100511073256</c:v>
+                </c:pt>
+                <c:pt idx="20">
+                  <c:v>0.89736363636363625</c:v>
+                </c:pt>
+              </c:numCache>
+            </c:numRef>
+          </c:val>
+        </c:ser>
+        <c:ser>
+          <c:idx val="2"/>
+          <c:order val="2"/>
+          <c:tx>
+            <c:v>Halved cargo dimensions</c:v>
+          </c:tx>
+          <c:spPr>
+            <a:solidFill>
+              <a:schemeClr val="bg1">
+                <a:lumMod val="65000"/>
+              </a:schemeClr>
+            </a:solidFill>
+          </c:spPr>
+          <c:invertIfNegative val="0"/>
+          <c:cat>
+            <c:strRef>
+              <c:f>'[Experiments (2).xlsx]Arkusz1'!$B$130:$V$130</c:f>
+              <c:strCache>
+                <c:ptCount val="21"/>
+                <c:pt idx="0">
+                  <c:v>A (2x2x4)</c:v>
+                </c:pt>
+                <c:pt idx="1">
+                  <c:v>B (2x3x4)</c:v>
+                </c:pt>
+                <c:pt idx="2">
+                  <c:v>C (3x3x3)</c:v>
+                </c:pt>
+                <c:pt idx="3">
+                  <c:v>Pentomino L</c:v>
+                </c:pt>
+                <c:pt idx="4">
+                  <c:v>Pentomino T</c:v>
+                </c:pt>
+                <c:pt idx="5">
+                  <c:v>Pentomino P</c:v>
+                </c:pt>
+                <c:pt idx="6">
+                  <c:v>Small 1 (1x2x1)</c:v>
+                </c:pt>
+                <c:pt idx="7">
+                  <c:v>Small 2 (1x2x3)</c:v>
+                </c:pt>
+                <c:pt idx="8">
+                  <c:v>Small 3 (2x2x2)</c:v>
+                </c:pt>
+                <c:pt idx="9">
+                  <c:v>Big 1 (4x6x6)</c:v>
+                </c:pt>
+                <c:pt idx="10">
+                  <c:v>Big 2 (4x5x6)</c:v>
+                </c:pt>
+                <c:pt idx="11">
+                  <c:v>Big 3 (5x5x5)</c:v>
+                </c:pt>
+                <c:pt idx="12">
+                  <c:v>Compact 1 (2x2x2)</c:v>
+                </c:pt>
+                <c:pt idx="13">
+                  <c:v>Compact 2 (3x3x3)</c:v>
+                </c:pt>
+                <c:pt idx="14">
+                  <c:v>Compact 3 (4x4x4)</c:v>
+                </c:pt>
+                <c:pt idx="15">
+                  <c:v>Long 1 (5x1x1)</c:v>
+                </c:pt>
+                <c:pt idx="16">
+                  <c:v>Long 2 (6x2x2)</c:v>
+                </c:pt>
+                <c:pt idx="17">
+                  <c:v>Long 3 (8x2x1)</c:v>
+                </c:pt>
+                <c:pt idx="18">
+                  <c:v>Flat 1 (4x5x1)</c:v>
+                </c:pt>
+                <c:pt idx="19">
+                  <c:v>Flat 2 (3x3x1)</c:v>
+                </c:pt>
+                <c:pt idx="20">
+                  <c:v>Flat 3 (6x4x2)</c:v>
+                </c:pt>
+              </c:strCache>
+            </c:strRef>
+          </c:cat>
+          <c:val>
+            <c:numRef>
+              <c:f>'[Experiments (2).xlsx]Arkusz1'!$B$144:$V$144</c:f>
+              <c:numCache>
+                <c:formatCode>0%</c:formatCode>
+                <c:ptCount val="21"/>
+                <c:pt idx="0">
+                  <c:v>0.89124999999999999</c:v>
+                </c:pt>
+                <c:pt idx="1">
+                  <c:v>0.67499999999999993</c:v>
+                </c:pt>
+                <c:pt idx="2">
+                  <c:v>0</c:v>
+                </c:pt>
+                <c:pt idx="3">
+                  <c:v>0.6742307692307693</c:v>
+                </c:pt>
+                <c:pt idx="4">
+                  <c:v>0.6413461538461539</c:v>
+                </c:pt>
+                <c:pt idx="5">
+                  <c:v>0.60523076923076924</c:v>
+                </c:pt>
+                <c:pt idx="6">
+                  <c:v>0.96750000000000003</c:v>
+                </c:pt>
+                <c:pt idx="7">
+                  <c:v>0.85636363636363633</c:v>
+                </c:pt>
+                <c:pt idx="8">
+                  <c:v>1</c:v>
+                </c:pt>
+                <c:pt idx="9">
+                  <c:v>0</c:v>
+                </c:pt>
+                <c:pt idx="10">
+                  <c:v>0</c:v>
+                </c:pt>
+                <c:pt idx="11">
+                  <c:v>0</c:v>
+                </c:pt>
+                <c:pt idx="12">
+                  <c:v>1</c:v>
+                </c:pt>
+                <c:pt idx="13">
+                  <c:v>0</c:v>
+                </c:pt>
+                <c:pt idx="14">
+                  <c:v>0</c:v>
+                </c:pt>
+                <c:pt idx="15">
+                  <c:v>0.91884615384615387</c:v>
+                </c:pt>
+                <c:pt idx="16">
+                  <c:v>0.66666666666666663</c:v>
+                </c:pt>
+                <c:pt idx="17">
+                  <c:v>0.82125000000000004</c:v>
+                </c:pt>
+                <c:pt idx="18">
+                  <c:v>0.75</c:v>
+                </c:pt>
+                <c:pt idx="19">
+                  <c:v>0.66666666666666663</c:v>
+                </c:pt>
+                <c:pt idx="20">
+                  <c:v>0.59666666666666668</c:v>
+                </c:pt>
+              </c:numCache>
+            </c:numRef>
+          </c:val>
+        </c:ser>
+        <c:dLbls>
+          <c:showLegendKey val="0"/>
+          <c:showVal val="0"/>
+          <c:showCatName val="0"/>
+          <c:showSerName val="0"/>
+          <c:showPercent val="0"/>
+          <c:showBubbleSize val="0"/>
+        </c:dLbls>
+        <c:gapWidth val="75"/>
+        <c:axId val="312278280"/>
+        <c:axId val="312275144"/>
+      </c:barChart>
+      <c:catAx>
+        <c:axId val="312278280"/>
+        <c:scaling>
+          <c:orientation val="minMax"/>
+        </c:scaling>
+        <c:delete val="0"/>
+        <c:axPos val="b"/>
+        <c:numFmt formatCode="General" sourceLinked="0"/>
+        <c:majorTickMark val="none"/>
+        <c:minorTickMark val="none"/>
+        <c:tickLblPos val="nextTo"/>
+        <c:txPr>
+          <a:bodyPr/>
+          <a:lstStyle/>
+          <a:p>
+            <a:pPr>
+              <a:defRPr sz="1600"/>
+            </a:pPr>
+            <a:endParaRPr lang="et-EE"/>
+          </a:p>
+        </c:txPr>
+        <c:crossAx val="312275144"/>
+        <c:crosses val="autoZero"/>
+        <c:auto val="1"/>
+        <c:lblAlgn val="ctr"/>
+        <c:lblOffset val="100"/>
+        <c:noMultiLvlLbl val="0"/>
+      </c:catAx>
+      <c:valAx>
+        <c:axId val="312275144"/>
+        <c:scaling>
+          <c:orientation val="minMax"/>
+        </c:scaling>
+        <c:delete val="0"/>
+        <c:axPos val="l"/>
+        <c:majorGridlines/>
+        <c:numFmt formatCode="0%" sourceLinked="1"/>
+        <c:majorTickMark val="none"/>
+        <c:minorTickMark val="none"/>
+        <c:tickLblPos val="nextTo"/>
+        <c:txPr>
+          <a:bodyPr/>
+          <a:lstStyle/>
+          <a:p>
+            <a:pPr>
+              <a:defRPr sz="1600"/>
+            </a:pPr>
+            <a:endParaRPr lang="et-EE"/>
+          </a:p>
+        </c:txPr>
+        <c:crossAx val="312278280"/>
+        <c:crosses val="autoZero"/>
+        <c:crossBetween val="between"/>
+      </c:valAx>
+    </c:plotArea>
+    <c:legend>
+      <c:legendPos val="b"/>
+      <c:layout/>
+      <c:overlay val="0"/>
+      <c:txPr>
+        <a:bodyPr/>
+        <a:lstStyle/>
+        <a:p>
+          <a:pPr>
+            <a:defRPr sz="1600"/>
+          </a:pPr>
+          <a:endParaRPr lang="et-EE"/>
+        </a:p>
+      </c:txPr>
+    </c:legend>
+    <c:plotVisOnly val="1"/>
+    <c:dispBlanksAs val="gap"/>
+    <c:showDLblsOverMax val="0"/>
+  </c:chart>
+  <c:externalData r:id="rId1">
+    <c:autoUpdate val="0"/>
+  </c:externalData>
+</c:chartSpace>
+</file>
+
+<file path=ppt/charts/chart5.xml><?xml version="1.0" encoding="utf-8"?>
 <c:chartSpace xmlns:c="http://schemas.openxmlformats.org/drawingml/2006/chart" xmlns:a="http://schemas.openxmlformats.org/drawingml/2006/main" xmlns:r="http://schemas.openxmlformats.org/officeDocument/2006/relationships">
   <c:date1904 val="0"/>
   <c:lang val="en-US"/>
@@ -2473,7 +4066,7 @@
 </c:chartSpace>
 </file>
 
-<file path=ppt/charts/chart3.xml><?xml version="1.0" encoding="utf-8"?>
+<file path=ppt/charts/chart6.xml><?xml version="1.0" encoding="utf-8"?>
 <c:chartSpace xmlns:c="http://schemas.openxmlformats.org/drawingml/2006/chart" xmlns:a="http://schemas.openxmlformats.org/drawingml/2006/main" xmlns:r="http://schemas.openxmlformats.org/officeDocument/2006/relationships">
   <c:date1904 val="0"/>
   <c:lang val="en-US"/>
@@ -3591,7 +5184,1609 @@
 </cs:colorStyle>
 </file>
 
+<file path=ppt/charts/colors4.xml><?xml version="1.0" encoding="utf-8"?>
+<cs:colorStyle xmlns:cs="http://schemas.microsoft.com/office/drawing/2012/chartStyle" xmlns:a="http://schemas.openxmlformats.org/drawingml/2006/main" meth="cycle" id="10">
+  <a:schemeClr val="accent1"/>
+  <a:schemeClr val="accent2"/>
+  <a:schemeClr val="accent3"/>
+  <a:schemeClr val="accent4"/>
+  <a:schemeClr val="accent5"/>
+  <a:schemeClr val="accent6"/>
+  <cs:variation/>
+  <cs:variation>
+    <a:lumMod val="60000"/>
+  </cs:variation>
+  <cs:variation>
+    <a:lumMod val="80000"/>
+    <a:lumOff val="20000"/>
+  </cs:variation>
+  <cs:variation>
+    <a:lumMod val="80000"/>
+  </cs:variation>
+  <cs:variation>
+    <a:lumMod val="60000"/>
+    <a:lumOff val="40000"/>
+  </cs:variation>
+  <cs:variation>
+    <a:lumMod val="50000"/>
+  </cs:variation>
+  <cs:variation>
+    <a:lumMod val="70000"/>
+    <a:lumOff val="30000"/>
+  </cs:variation>
+  <cs:variation>
+    <a:lumMod val="70000"/>
+  </cs:variation>
+  <cs:variation>
+    <a:lumMod val="50000"/>
+    <a:lumOff val="50000"/>
+  </cs:variation>
+</cs:colorStyle>
+</file>
+
+<file path=ppt/charts/colors5.xml><?xml version="1.0" encoding="utf-8"?>
+<cs:colorStyle xmlns:cs="http://schemas.microsoft.com/office/drawing/2012/chartStyle" xmlns:a="http://schemas.openxmlformats.org/drawingml/2006/main" meth="cycle" id="10">
+  <a:schemeClr val="accent1"/>
+  <a:schemeClr val="accent2"/>
+  <a:schemeClr val="accent3"/>
+  <a:schemeClr val="accent4"/>
+  <a:schemeClr val="accent5"/>
+  <a:schemeClr val="accent6"/>
+  <cs:variation/>
+  <cs:variation>
+    <a:lumMod val="60000"/>
+  </cs:variation>
+  <cs:variation>
+    <a:lumMod val="80000"/>
+    <a:lumOff val="20000"/>
+  </cs:variation>
+  <cs:variation>
+    <a:lumMod val="80000"/>
+  </cs:variation>
+  <cs:variation>
+    <a:lumMod val="60000"/>
+    <a:lumOff val="40000"/>
+  </cs:variation>
+  <cs:variation>
+    <a:lumMod val="50000"/>
+  </cs:variation>
+  <cs:variation>
+    <a:lumMod val="70000"/>
+    <a:lumOff val="30000"/>
+  </cs:variation>
+  <cs:variation>
+    <a:lumMod val="70000"/>
+  </cs:variation>
+  <cs:variation>
+    <a:lumMod val="50000"/>
+    <a:lumOff val="50000"/>
+  </cs:variation>
+</cs:colorStyle>
+</file>
+
 <file path=ppt/charts/style1.xml><?xml version="1.0" encoding="utf-8"?>
+<cs:chartStyle xmlns:cs="http://schemas.microsoft.com/office/drawing/2012/chartStyle" xmlns:a="http://schemas.openxmlformats.org/drawingml/2006/main" id="322">
+  <cs:axisTitle>
+    <cs:lnRef idx="0"/>
+    <cs:fillRef idx="0"/>
+    <cs:effectRef idx="0"/>
+    <cs:fontRef idx="minor">
+      <a:schemeClr val="tx1">
+        <a:lumMod val="65000"/>
+        <a:lumOff val="35000"/>
+      </a:schemeClr>
+    </cs:fontRef>
+    <cs:defRPr sz="1000" kern="1200"/>
+  </cs:axisTitle>
+  <cs:categoryAxis>
+    <cs:lnRef idx="0"/>
+    <cs:fillRef idx="0"/>
+    <cs:effectRef idx="0"/>
+    <cs:fontRef idx="minor">
+      <a:schemeClr val="tx1">
+        <a:lumMod val="65000"/>
+        <a:lumOff val="35000"/>
+      </a:schemeClr>
+    </cs:fontRef>
+    <cs:spPr>
+      <a:ln w="9525" cap="flat" cmpd="sng" algn="ctr">
+        <a:solidFill>
+          <a:schemeClr val="tx1">
+            <a:lumMod val="15000"/>
+            <a:lumOff val="85000"/>
+          </a:schemeClr>
+        </a:solidFill>
+        <a:round/>
+      </a:ln>
+    </cs:spPr>
+    <cs:defRPr sz="900" kern="1200"/>
+  </cs:categoryAxis>
+  <cs:chartArea mods="allowNoFillOverride allowNoLineOverride">
+    <cs:lnRef idx="0"/>
+    <cs:fillRef idx="0"/>
+    <cs:effectRef idx="0"/>
+    <cs:fontRef idx="minor">
+      <a:schemeClr val="tx1"/>
+    </cs:fontRef>
+    <cs:spPr>
+      <a:solidFill>
+        <a:schemeClr val="bg1"/>
+      </a:solidFill>
+      <a:ln w="9525" cap="flat" cmpd="sng" algn="ctr">
+        <a:solidFill>
+          <a:schemeClr val="tx1">
+            <a:lumMod val="15000"/>
+            <a:lumOff val="85000"/>
+          </a:schemeClr>
+        </a:solidFill>
+        <a:round/>
+      </a:ln>
+    </cs:spPr>
+    <cs:defRPr sz="1000" kern="1200"/>
+  </cs:chartArea>
+  <cs:dataLabel>
+    <cs:lnRef idx="0"/>
+    <cs:fillRef idx="0"/>
+    <cs:effectRef idx="0"/>
+    <cs:fontRef idx="minor">
+      <a:schemeClr val="tx1">
+        <a:lumMod val="75000"/>
+        <a:lumOff val="25000"/>
+      </a:schemeClr>
+    </cs:fontRef>
+    <cs:defRPr sz="900" kern="1200"/>
+  </cs:dataLabel>
+  <cs:dataLabelCallout>
+    <cs:lnRef idx="0"/>
+    <cs:fillRef idx="0"/>
+    <cs:effectRef idx="0"/>
+    <cs:fontRef idx="minor">
+      <a:schemeClr val="dk1">
+        <a:lumMod val="65000"/>
+        <a:lumOff val="35000"/>
+      </a:schemeClr>
+    </cs:fontRef>
+    <cs:spPr>
+      <a:solidFill>
+        <a:schemeClr val="lt1"/>
+      </a:solidFill>
+      <a:ln>
+        <a:solidFill>
+          <a:schemeClr val="dk1">
+            <a:lumMod val="25000"/>
+            <a:lumOff val="75000"/>
+          </a:schemeClr>
+        </a:solidFill>
+      </a:ln>
+    </cs:spPr>
+    <cs:defRPr sz="900" kern="1200"/>
+    <cs:bodyPr rot="0" spcFirstLastPara="1" vertOverflow="clip" horzOverflow="clip" vert="horz" wrap="square" lIns="36576" tIns="18288" rIns="36576" bIns="18288" anchor="ctr" anchorCtr="1">
+      <a:spAutoFit/>
+    </cs:bodyPr>
+  </cs:dataLabelCallout>
+  <cs:dataPoint>
+    <cs:lnRef idx="0"/>
+    <cs:fillRef idx="1">
+      <cs:styleClr val="auto"/>
+    </cs:fillRef>
+    <cs:effectRef idx="0"/>
+    <cs:fontRef idx="minor">
+      <a:schemeClr val="tx1"/>
+    </cs:fontRef>
+  </cs:dataPoint>
+  <cs:dataPoint3D>
+    <cs:lnRef idx="0"/>
+    <cs:fillRef idx="1">
+      <cs:styleClr val="auto"/>
+    </cs:fillRef>
+    <cs:effectRef idx="0"/>
+    <cs:fontRef idx="minor">
+      <a:schemeClr val="tx1"/>
+    </cs:fontRef>
+  </cs:dataPoint3D>
+  <cs:dataPointLine>
+    <cs:lnRef idx="0">
+      <cs:styleClr val="auto"/>
+    </cs:lnRef>
+    <cs:fillRef idx="1"/>
+    <cs:effectRef idx="0"/>
+    <cs:fontRef idx="minor">
+      <a:schemeClr val="tx1"/>
+    </cs:fontRef>
+    <cs:spPr>
+      <a:ln w="28575" cap="rnd">
+        <a:solidFill>
+          <a:schemeClr val="phClr"/>
+        </a:solidFill>
+        <a:round/>
+      </a:ln>
+    </cs:spPr>
+  </cs:dataPointLine>
+  <cs:dataPointMarker>
+    <cs:lnRef idx="0">
+      <cs:styleClr val="auto"/>
+    </cs:lnRef>
+    <cs:fillRef idx="1">
+      <cs:styleClr val="auto"/>
+    </cs:fillRef>
+    <cs:effectRef idx="0"/>
+    <cs:fontRef idx="minor">
+      <a:schemeClr val="tx1"/>
+    </cs:fontRef>
+    <cs:spPr>
+      <a:ln w="9525">
+        <a:solidFill>
+          <a:schemeClr val="phClr"/>
+        </a:solidFill>
+      </a:ln>
+    </cs:spPr>
+  </cs:dataPointMarker>
+  <cs:dataPointMarkerLayout symbol="circle" size="5"/>
+  <cs:dataPointWireframe>
+    <cs:lnRef idx="0">
+      <cs:styleClr val="auto"/>
+    </cs:lnRef>
+    <cs:fillRef idx="1"/>
+    <cs:effectRef idx="0"/>
+    <cs:fontRef idx="minor">
+      <a:schemeClr val="tx1"/>
+    </cs:fontRef>
+    <cs:spPr>
+      <a:ln w="9525" cap="rnd">
+        <a:solidFill>
+          <a:schemeClr val="phClr"/>
+        </a:solidFill>
+        <a:round/>
+      </a:ln>
+    </cs:spPr>
+  </cs:dataPointWireframe>
+  <cs:dataTable>
+    <cs:lnRef idx="0"/>
+    <cs:fillRef idx="0"/>
+    <cs:effectRef idx="0"/>
+    <cs:fontRef idx="minor">
+      <a:schemeClr val="tx1">
+        <a:lumMod val="65000"/>
+        <a:lumOff val="35000"/>
+      </a:schemeClr>
+    </cs:fontRef>
+    <cs:spPr>
+      <a:noFill/>
+      <a:ln w="9525" cap="flat" cmpd="sng" algn="ctr">
+        <a:solidFill>
+          <a:schemeClr val="tx1">
+            <a:lumMod val="15000"/>
+            <a:lumOff val="85000"/>
+          </a:schemeClr>
+        </a:solidFill>
+        <a:round/>
+      </a:ln>
+    </cs:spPr>
+    <cs:defRPr sz="900" kern="1200"/>
+  </cs:dataTable>
+  <cs:downBar>
+    <cs:lnRef idx="0"/>
+    <cs:fillRef idx="0"/>
+    <cs:effectRef idx="0"/>
+    <cs:fontRef idx="minor">
+      <a:schemeClr val="tx1"/>
+    </cs:fontRef>
+    <cs:spPr>
+      <a:solidFill>
+        <a:schemeClr val="dk1">
+          <a:lumMod val="75000"/>
+          <a:lumOff val="25000"/>
+        </a:schemeClr>
+      </a:solidFill>
+      <a:ln w="9525" cap="flat" cmpd="sng" algn="ctr">
+        <a:solidFill>
+          <a:schemeClr val="tx1">
+            <a:lumMod val="65000"/>
+            <a:lumOff val="35000"/>
+          </a:schemeClr>
+        </a:solidFill>
+        <a:round/>
+      </a:ln>
+    </cs:spPr>
+  </cs:downBar>
+  <cs:dropLine>
+    <cs:lnRef idx="0"/>
+    <cs:fillRef idx="0"/>
+    <cs:effectRef idx="0"/>
+    <cs:fontRef idx="minor">
+      <a:schemeClr val="tx1"/>
+    </cs:fontRef>
+    <cs:spPr>
+      <a:ln w="9525" cap="flat" cmpd="sng" algn="ctr">
+        <a:solidFill>
+          <a:schemeClr val="tx1">
+            <a:lumMod val="35000"/>
+            <a:lumOff val="65000"/>
+          </a:schemeClr>
+        </a:solidFill>
+        <a:round/>
+      </a:ln>
+    </cs:spPr>
+  </cs:dropLine>
+  <cs:errorBar>
+    <cs:lnRef idx="0"/>
+    <cs:fillRef idx="0"/>
+    <cs:effectRef idx="0"/>
+    <cs:fontRef idx="minor">
+      <a:schemeClr val="tx1"/>
+    </cs:fontRef>
+    <cs:spPr>
+      <a:ln w="9525" cap="flat" cmpd="sng" algn="ctr">
+        <a:solidFill>
+          <a:schemeClr val="tx1">
+            <a:lumMod val="65000"/>
+            <a:lumOff val="35000"/>
+          </a:schemeClr>
+        </a:solidFill>
+        <a:round/>
+      </a:ln>
+    </cs:spPr>
+  </cs:errorBar>
+  <cs:floor>
+    <cs:lnRef idx="0"/>
+    <cs:fillRef idx="0"/>
+    <cs:effectRef idx="0"/>
+    <cs:fontRef idx="minor">
+      <a:schemeClr val="tx1"/>
+    </cs:fontRef>
+    <cs:spPr>
+      <a:noFill/>
+      <a:ln>
+        <a:noFill/>
+      </a:ln>
+    </cs:spPr>
+  </cs:floor>
+  <cs:gridlineMajor>
+    <cs:lnRef idx="0"/>
+    <cs:fillRef idx="0"/>
+    <cs:effectRef idx="0"/>
+    <cs:fontRef idx="minor">
+      <a:schemeClr val="tx1"/>
+    </cs:fontRef>
+    <cs:spPr>
+      <a:ln w="9525" cap="flat" cmpd="sng" algn="ctr">
+        <a:solidFill>
+          <a:schemeClr val="tx1">
+            <a:lumMod val="15000"/>
+            <a:lumOff val="85000"/>
+          </a:schemeClr>
+        </a:solidFill>
+        <a:round/>
+      </a:ln>
+    </cs:spPr>
+  </cs:gridlineMajor>
+  <cs:gridlineMinor>
+    <cs:lnRef idx="0"/>
+    <cs:fillRef idx="0"/>
+    <cs:effectRef idx="0"/>
+    <cs:fontRef idx="minor">
+      <a:schemeClr val="tx1"/>
+    </cs:fontRef>
+    <cs:spPr>
+      <a:ln w="9525" cap="flat" cmpd="sng" algn="ctr">
+        <a:solidFill>
+          <a:schemeClr val="tx1">
+            <a:lumMod val="5000"/>
+            <a:lumOff val="95000"/>
+          </a:schemeClr>
+        </a:solidFill>
+        <a:round/>
+      </a:ln>
+    </cs:spPr>
+  </cs:gridlineMinor>
+  <cs:hiLoLine>
+    <cs:lnRef idx="0"/>
+    <cs:fillRef idx="0"/>
+    <cs:effectRef idx="0"/>
+    <cs:fontRef idx="minor">
+      <a:schemeClr val="tx1"/>
+    </cs:fontRef>
+    <cs:spPr>
+      <a:ln w="9525" cap="flat" cmpd="sng" algn="ctr">
+        <a:solidFill>
+          <a:schemeClr val="tx1">
+            <a:lumMod val="75000"/>
+            <a:lumOff val="25000"/>
+          </a:schemeClr>
+        </a:solidFill>
+        <a:round/>
+      </a:ln>
+    </cs:spPr>
+  </cs:hiLoLine>
+  <cs:leaderLine>
+    <cs:lnRef idx="0"/>
+    <cs:fillRef idx="0"/>
+    <cs:effectRef idx="0"/>
+    <cs:fontRef idx="minor">
+      <a:schemeClr val="tx1"/>
+    </cs:fontRef>
+    <cs:spPr>
+      <a:ln w="9525" cap="flat" cmpd="sng" algn="ctr">
+        <a:solidFill>
+          <a:schemeClr val="tx1">
+            <a:lumMod val="35000"/>
+            <a:lumOff val="65000"/>
+          </a:schemeClr>
+        </a:solidFill>
+        <a:round/>
+      </a:ln>
+    </cs:spPr>
+  </cs:leaderLine>
+  <cs:legend>
+    <cs:lnRef idx="0"/>
+    <cs:fillRef idx="0"/>
+    <cs:effectRef idx="0"/>
+    <cs:fontRef idx="minor">
+      <a:schemeClr val="tx1">
+        <a:lumMod val="65000"/>
+        <a:lumOff val="35000"/>
+      </a:schemeClr>
+    </cs:fontRef>
+    <cs:defRPr sz="900" kern="1200"/>
+  </cs:legend>
+  <cs:plotArea mods="allowNoFillOverride allowNoLineOverride">
+    <cs:lnRef idx="0"/>
+    <cs:fillRef idx="0"/>
+    <cs:effectRef idx="0"/>
+    <cs:fontRef idx="minor">
+      <a:schemeClr val="tx1"/>
+    </cs:fontRef>
+  </cs:plotArea>
+  <cs:plotArea3D mods="allowNoFillOverride allowNoLineOverride">
+    <cs:lnRef idx="0"/>
+    <cs:fillRef idx="0"/>
+    <cs:effectRef idx="0"/>
+    <cs:fontRef idx="minor">
+      <a:schemeClr val="tx1"/>
+    </cs:fontRef>
+  </cs:plotArea3D>
+  <cs:seriesAxis>
+    <cs:lnRef idx="0"/>
+    <cs:fillRef idx="0"/>
+    <cs:effectRef idx="0"/>
+    <cs:fontRef idx="minor">
+      <a:schemeClr val="tx1">
+        <a:lumMod val="65000"/>
+        <a:lumOff val="35000"/>
+      </a:schemeClr>
+    </cs:fontRef>
+    <cs:spPr>
+      <a:ln w="9525" cap="flat" cmpd="sng" algn="ctr">
+        <a:solidFill>
+          <a:schemeClr val="tx1">
+            <a:lumMod val="15000"/>
+            <a:lumOff val="85000"/>
+          </a:schemeClr>
+        </a:solidFill>
+        <a:round/>
+      </a:ln>
+    </cs:spPr>
+    <cs:defRPr sz="900" kern="1200"/>
+  </cs:seriesAxis>
+  <cs:seriesLine>
+    <cs:lnRef idx="0"/>
+    <cs:fillRef idx="0"/>
+    <cs:effectRef idx="0"/>
+    <cs:fontRef idx="minor">
+      <a:schemeClr val="tx1"/>
+    </cs:fontRef>
+    <cs:spPr>
+      <a:ln w="9525" cap="flat" cmpd="sng" algn="ctr">
+        <a:solidFill>
+          <a:schemeClr val="tx1">
+            <a:lumMod val="35000"/>
+            <a:lumOff val="65000"/>
+          </a:schemeClr>
+        </a:solidFill>
+        <a:round/>
+      </a:ln>
+    </cs:spPr>
+  </cs:seriesLine>
+  <cs:title>
+    <cs:lnRef idx="0"/>
+    <cs:fillRef idx="0"/>
+    <cs:effectRef idx="0"/>
+    <cs:fontRef idx="minor">
+      <a:schemeClr val="tx1">
+        <a:lumMod val="65000"/>
+        <a:lumOff val="35000"/>
+      </a:schemeClr>
+    </cs:fontRef>
+    <cs:defRPr sz="1400" b="0" kern="1200" spc="0" baseline="0"/>
+  </cs:title>
+  <cs:trendline>
+    <cs:lnRef idx="0">
+      <cs:styleClr val="auto"/>
+    </cs:lnRef>
+    <cs:fillRef idx="0"/>
+    <cs:effectRef idx="0"/>
+    <cs:fontRef idx="minor">
+      <a:schemeClr val="tx1"/>
+    </cs:fontRef>
+    <cs:spPr>
+      <a:ln w="19050" cap="rnd">
+        <a:solidFill>
+          <a:schemeClr val="phClr"/>
+        </a:solidFill>
+        <a:prstDash val="sysDot"/>
+      </a:ln>
+    </cs:spPr>
+  </cs:trendline>
+  <cs:trendlineLabel>
+    <cs:lnRef idx="0"/>
+    <cs:fillRef idx="0"/>
+    <cs:effectRef idx="0"/>
+    <cs:fontRef idx="minor">
+      <a:schemeClr val="tx1">
+        <a:lumMod val="65000"/>
+        <a:lumOff val="35000"/>
+      </a:schemeClr>
+    </cs:fontRef>
+    <cs:defRPr sz="900" kern="1200"/>
+  </cs:trendlineLabel>
+  <cs:upBar>
+    <cs:lnRef idx="0"/>
+    <cs:fillRef idx="0"/>
+    <cs:effectRef idx="0"/>
+    <cs:fontRef idx="minor">
+      <a:schemeClr val="tx1"/>
+    </cs:fontRef>
+    <cs:spPr>
+      <a:solidFill>
+        <a:schemeClr val="lt1"/>
+      </a:solidFill>
+      <a:ln w="9525" cap="flat" cmpd="sng" algn="ctr">
+        <a:solidFill>
+          <a:schemeClr val="tx1">
+            <a:lumMod val="65000"/>
+            <a:lumOff val="35000"/>
+          </a:schemeClr>
+        </a:solidFill>
+        <a:round/>
+      </a:ln>
+    </cs:spPr>
+  </cs:upBar>
+  <cs:valueAxis>
+    <cs:lnRef idx="0"/>
+    <cs:fillRef idx="0"/>
+    <cs:effectRef idx="0"/>
+    <cs:fontRef idx="minor">
+      <a:schemeClr val="tx1">
+        <a:lumMod val="65000"/>
+        <a:lumOff val="35000"/>
+      </a:schemeClr>
+    </cs:fontRef>
+    <cs:defRPr sz="900" kern="1200"/>
+  </cs:valueAxis>
+  <cs:wall>
+    <cs:lnRef idx="0"/>
+    <cs:fillRef idx="0"/>
+    <cs:effectRef idx="0"/>
+    <cs:fontRef idx="minor">
+      <a:schemeClr val="tx1"/>
+    </cs:fontRef>
+    <cs:spPr>
+      <a:noFill/>
+      <a:ln>
+        <a:noFill/>
+      </a:ln>
+    </cs:spPr>
+  </cs:wall>
+</cs:chartStyle>
+</file>
+
+<file path=ppt/charts/style2.xml><?xml version="1.0" encoding="utf-8"?>
+<cs:chartStyle xmlns:cs="http://schemas.microsoft.com/office/drawing/2012/chartStyle" xmlns:a="http://schemas.openxmlformats.org/drawingml/2006/main" id="201">
+  <cs:axisTitle>
+    <cs:lnRef idx="0"/>
+    <cs:fillRef idx="0"/>
+    <cs:effectRef idx="0"/>
+    <cs:fontRef idx="minor">
+      <a:schemeClr val="tx1">
+        <a:lumMod val="65000"/>
+        <a:lumOff val="35000"/>
+      </a:schemeClr>
+    </cs:fontRef>
+    <cs:defRPr sz="1000" kern="1200"/>
+  </cs:axisTitle>
+  <cs:categoryAxis>
+    <cs:lnRef idx="0"/>
+    <cs:fillRef idx="0"/>
+    <cs:effectRef idx="0"/>
+    <cs:fontRef idx="minor">
+      <a:schemeClr val="tx1">
+        <a:lumMod val="65000"/>
+        <a:lumOff val="35000"/>
+      </a:schemeClr>
+    </cs:fontRef>
+    <cs:spPr>
+      <a:ln w="9525" cap="flat" cmpd="sng" algn="ctr">
+        <a:solidFill>
+          <a:schemeClr val="tx1">
+            <a:lumMod val="15000"/>
+            <a:lumOff val="85000"/>
+          </a:schemeClr>
+        </a:solidFill>
+        <a:round/>
+      </a:ln>
+    </cs:spPr>
+    <cs:defRPr sz="900" kern="1200"/>
+  </cs:categoryAxis>
+  <cs:chartArea mods="allowNoFillOverride allowNoLineOverride">
+    <cs:lnRef idx="0"/>
+    <cs:fillRef idx="0"/>
+    <cs:effectRef idx="0"/>
+    <cs:fontRef idx="minor">
+      <a:schemeClr val="tx1"/>
+    </cs:fontRef>
+    <cs:spPr>
+      <a:solidFill>
+        <a:schemeClr val="bg1"/>
+      </a:solidFill>
+      <a:ln w="9525" cap="flat" cmpd="sng" algn="ctr">
+        <a:solidFill>
+          <a:schemeClr val="tx1">
+            <a:lumMod val="15000"/>
+            <a:lumOff val="85000"/>
+          </a:schemeClr>
+        </a:solidFill>
+        <a:round/>
+      </a:ln>
+    </cs:spPr>
+    <cs:defRPr sz="1000" kern="1200"/>
+  </cs:chartArea>
+  <cs:dataLabel>
+    <cs:lnRef idx="0"/>
+    <cs:fillRef idx="0"/>
+    <cs:effectRef idx="0"/>
+    <cs:fontRef idx="minor">
+      <a:schemeClr val="tx1">
+        <a:lumMod val="75000"/>
+        <a:lumOff val="25000"/>
+      </a:schemeClr>
+    </cs:fontRef>
+    <cs:defRPr sz="900" kern="1200"/>
+  </cs:dataLabel>
+  <cs:dataLabelCallout>
+    <cs:lnRef idx="0"/>
+    <cs:fillRef idx="0"/>
+    <cs:effectRef idx="0"/>
+    <cs:fontRef idx="minor">
+      <a:schemeClr val="dk1">
+        <a:lumMod val="65000"/>
+        <a:lumOff val="35000"/>
+      </a:schemeClr>
+    </cs:fontRef>
+    <cs:spPr>
+      <a:solidFill>
+        <a:schemeClr val="lt1"/>
+      </a:solidFill>
+      <a:ln>
+        <a:solidFill>
+          <a:schemeClr val="dk1">
+            <a:lumMod val="25000"/>
+            <a:lumOff val="75000"/>
+          </a:schemeClr>
+        </a:solidFill>
+      </a:ln>
+    </cs:spPr>
+    <cs:defRPr sz="900" kern="1200"/>
+    <cs:bodyPr rot="0" spcFirstLastPara="1" vertOverflow="clip" horzOverflow="clip" vert="horz" wrap="square" lIns="36576" tIns="18288" rIns="36576" bIns="18288" anchor="ctr" anchorCtr="1">
+      <a:spAutoFit/>
+    </cs:bodyPr>
+  </cs:dataLabelCallout>
+  <cs:dataPoint>
+    <cs:lnRef idx="0"/>
+    <cs:fillRef idx="1">
+      <cs:styleClr val="auto"/>
+    </cs:fillRef>
+    <cs:effectRef idx="0"/>
+    <cs:fontRef idx="minor">
+      <a:schemeClr val="tx1"/>
+    </cs:fontRef>
+  </cs:dataPoint>
+  <cs:dataPoint3D>
+    <cs:lnRef idx="0"/>
+    <cs:fillRef idx="1">
+      <cs:styleClr val="auto"/>
+    </cs:fillRef>
+    <cs:effectRef idx="0"/>
+    <cs:fontRef idx="minor">
+      <a:schemeClr val="tx1"/>
+    </cs:fontRef>
+  </cs:dataPoint3D>
+  <cs:dataPointLine>
+    <cs:lnRef idx="0">
+      <cs:styleClr val="auto"/>
+    </cs:lnRef>
+    <cs:fillRef idx="1"/>
+    <cs:effectRef idx="0"/>
+    <cs:fontRef idx="minor">
+      <a:schemeClr val="tx1"/>
+    </cs:fontRef>
+    <cs:spPr>
+      <a:ln w="28575" cap="rnd">
+        <a:solidFill>
+          <a:schemeClr val="phClr"/>
+        </a:solidFill>
+        <a:round/>
+      </a:ln>
+    </cs:spPr>
+  </cs:dataPointLine>
+  <cs:dataPointMarker>
+    <cs:lnRef idx="0">
+      <cs:styleClr val="auto"/>
+    </cs:lnRef>
+    <cs:fillRef idx="1">
+      <cs:styleClr val="auto"/>
+    </cs:fillRef>
+    <cs:effectRef idx="0"/>
+    <cs:fontRef idx="minor">
+      <a:schemeClr val="tx1"/>
+    </cs:fontRef>
+    <cs:spPr>
+      <a:ln w="9525">
+        <a:solidFill>
+          <a:schemeClr val="phClr"/>
+        </a:solidFill>
+      </a:ln>
+    </cs:spPr>
+  </cs:dataPointMarker>
+  <cs:dataPointMarkerLayout symbol="circle" size="5"/>
+  <cs:dataPointWireframe>
+    <cs:lnRef idx="0">
+      <cs:styleClr val="auto"/>
+    </cs:lnRef>
+    <cs:fillRef idx="1"/>
+    <cs:effectRef idx="0"/>
+    <cs:fontRef idx="minor">
+      <a:schemeClr val="tx1"/>
+    </cs:fontRef>
+    <cs:spPr>
+      <a:ln w="9525" cap="rnd">
+        <a:solidFill>
+          <a:schemeClr val="phClr"/>
+        </a:solidFill>
+        <a:round/>
+      </a:ln>
+    </cs:spPr>
+  </cs:dataPointWireframe>
+  <cs:dataTable>
+    <cs:lnRef idx="0"/>
+    <cs:fillRef idx="0"/>
+    <cs:effectRef idx="0"/>
+    <cs:fontRef idx="minor">
+      <a:schemeClr val="tx1">
+        <a:lumMod val="65000"/>
+        <a:lumOff val="35000"/>
+      </a:schemeClr>
+    </cs:fontRef>
+    <cs:spPr>
+      <a:noFill/>
+      <a:ln w="9525" cap="flat" cmpd="sng" algn="ctr">
+        <a:solidFill>
+          <a:schemeClr val="tx1">
+            <a:lumMod val="15000"/>
+            <a:lumOff val="85000"/>
+          </a:schemeClr>
+        </a:solidFill>
+        <a:round/>
+      </a:ln>
+    </cs:spPr>
+    <cs:defRPr sz="900" kern="1200"/>
+  </cs:dataTable>
+  <cs:downBar>
+    <cs:lnRef idx="0"/>
+    <cs:fillRef idx="0"/>
+    <cs:effectRef idx="0"/>
+    <cs:fontRef idx="minor">
+      <a:schemeClr val="dk1"/>
+    </cs:fontRef>
+    <cs:spPr>
+      <a:solidFill>
+        <a:schemeClr val="dk1">
+          <a:lumMod val="65000"/>
+          <a:lumOff val="35000"/>
+        </a:schemeClr>
+      </a:solidFill>
+      <a:ln w="9525">
+        <a:solidFill>
+          <a:schemeClr val="tx1">
+            <a:lumMod val="65000"/>
+            <a:lumOff val="35000"/>
+          </a:schemeClr>
+        </a:solidFill>
+      </a:ln>
+    </cs:spPr>
+  </cs:downBar>
+  <cs:dropLine>
+    <cs:lnRef idx="0"/>
+    <cs:fillRef idx="0"/>
+    <cs:effectRef idx="0"/>
+    <cs:fontRef idx="minor">
+      <a:schemeClr val="tx1"/>
+    </cs:fontRef>
+    <cs:spPr>
+      <a:ln w="9525" cap="flat" cmpd="sng" algn="ctr">
+        <a:solidFill>
+          <a:schemeClr val="tx1">
+            <a:lumMod val="35000"/>
+            <a:lumOff val="65000"/>
+          </a:schemeClr>
+        </a:solidFill>
+        <a:round/>
+      </a:ln>
+    </cs:spPr>
+  </cs:dropLine>
+  <cs:errorBar>
+    <cs:lnRef idx="0"/>
+    <cs:fillRef idx="0"/>
+    <cs:effectRef idx="0"/>
+    <cs:fontRef idx="minor">
+      <a:schemeClr val="tx1"/>
+    </cs:fontRef>
+    <cs:spPr>
+      <a:ln w="9525" cap="flat" cmpd="sng" algn="ctr">
+        <a:solidFill>
+          <a:schemeClr val="tx1">
+            <a:lumMod val="65000"/>
+            <a:lumOff val="35000"/>
+          </a:schemeClr>
+        </a:solidFill>
+        <a:round/>
+      </a:ln>
+    </cs:spPr>
+  </cs:errorBar>
+  <cs:floor>
+    <cs:lnRef idx="0"/>
+    <cs:fillRef idx="0"/>
+    <cs:effectRef idx="0"/>
+    <cs:fontRef idx="minor">
+      <a:schemeClr val="tx1"/>
+    </cs:fontRef>
+    <cs:spPr>
+      <a:noFill/>
+      <a:ln>
+        <a:noFill/>
+      </a:ln>
+    </cs:spPr>
+  </cs:floor>
+  <cs:gridlineMajor>
+    <cs:lnRef idx="0"/>
+    <cs:fillRef idx="0"/>
+    <cs:effectRef idx="0"/>
+    <cs:fontRef idx="minor">
+      <a:schemeClr val="tx1"/>
+    </cs:fontRef>
+    <cs:spPr>
+      <a:ln w="9525" cap="flat" cmpd="sng" algn="ctr">
+        <a:solidFill>
+          <a:schemeClr val="tx1">
+            <a:lumMod val="15000"/>
+            <a:lumOff val="85000"/>
+          </a:schemeClr>
+        </a:solidFill>
+        <a:round/>
+      </a:ln>
+    </cs:spPr>
+  </cs:gridlineMajor>
+  <cs:gridlineMinor>
+    <cs:lnRef idx="0"/>
+    <cs:fillRef idx="0"/>
+    <cs:effectRef idx="0"/>
+    <cs:fontRef idx="minor">
+      <a:schemeClr val="tx1"/>
+    </cs:fontRef>
+    <cs:spPr>
+      <a:ln w="9525" cap="flat" cmpd="sng" algn="ctr">
+        <a:solidFill>
+          <a:schemeClr val="tx1">
+            <a:lumMod val="5000"/>
+            <a:lumOff val="95000"/>
+          </a:schemeClr>
+        </a:solidFill>
+        <a:round/>
+      </a:ln>
+    </cs:spPr>
+  </cs:gridlineMinor>
+  <cs:hiLoLine>
+    <cs:lnRef idx="0"/>
+    <cs:fillRef idx="0"/>
+    <cs:effectRef idx="0"/>
+    <cs:fontRef idx="minor">
+      <a:schemeClr val="tx1"/>
+    </cs:fontRef>
+    <cs:spPr>
+      <a:ln w="9525" cap="flat" cmpd="sng" algn="ctr">
+        <a:solidFill>
+          <a:schemeClr val="tx1">
+            <a:lumMod val="75000"/>
+            <a:lumOff val="25000"/>
+          </a:schemeClr>
+        </a:solidFill>
+        <a:round/>
+      </a:ln>
+    </cs:spPr>
+  </cs:hiLoLine>
+  <cs:leaderLine>
+    <cs:lnRef idx="0"/>
+    <cs:fillRef idx="0"/>
+    <cs:effectRef idx="0"/>
+    <cs:fontRef idx="minor">
+      <a:schemeClr val="tx1"/>
+    </cs:fontRef>
+    <cs:spPr>
+      <a:ln w="9525" cap="flat" cmpd="sng" algn="ctr">
+        <a:solidFill>
+          <a:schemeClr val="tx1">
+            <a:lumMod val="35000"/>
+            <a:lumOff val="65000"/>
+          </a:schemeClr>
+        </a:solidFill>
+        <a:round/>
+      </a:ln>
+    </cs:spPr>
+  </cs:leaderLine>
+  <cs:legend>
+    <cs:lnRef idx="0"/>
+    <cs:fillRef idx="0"/>
+    <cs:effectRef idx="0"/>
+    <cs:fontRef idx="minor">
+      <a:schemeClr val="tx1">
+        <a:lumMod val="65000"/>
+        <a:lumOff val="35000"/>
+      </a:schemeClr>
+    </cs:fontRef>
+    <cs:defRPr sz="900" kern="1200"/>
+  </cs:legend>
+  <cs:plotArea mods="allowNoFillOverride allowNoLineOverride">
+    <cs:lnRef idx="0"/>
+    <cs:fillRef idx="0"/>
+    <cs:effectRef idx="0"/>
+    <cs:fontRef idx="minor">
+      <a:schemeClr val="tx1"/>
+    </cs:fontRef>
+  </cs:plotArea>
+  <cs:plotArea3D mods="allowNoFillOverride allowNoLineOverride">
+    <cs:lnRef idx="0"/>
+    <cs:fillRef idx="0"/>
+    <cs:effectRef idx="0"/>
+    <cs:fontRef idx="minor">
+      <a:schemeClr val="tx1"/>
+    </cs:fontRef>
+  </cs:plotArea3D>
+  <cs:seriesAxis>
+    <cs:lnRef idx="0"/>
+    <cs:fillRef idx="0"/>
+    <cs:effectRef idx="0"/>
+    <cs:fontRef idx="minor">
+      <a:schemeClr val="tx1">
+        <a:lumMod val="65000"/>
+        <a:lumOff val="35000"/>
+      </a:schemeClr>
+    </cs:fontRef>
+    <cs:defRPr sz="900" kern="1200"/>
+  </cs:seriesAxis>
+  <cs:seriesLine>
+    <cs:lnRef idx="0"/>
+    <cs:fillRef idx="0"/>
+    <cs:effectRef idx="0"/>
+    <cs:fontRef idx="minor">
+      <a:schemeClr val="tx1"/>
+    </cs:fontRef>
+    <cs:spPr>
+      <a:ln w="9525" cap="flat" cmpd="sng" algn="ctr">
+        <a:solidFill>
+          <a:schemeClr val="tx1">
+            <a:lumMod val="35000"/>
+            <a:lumOff val="65000"/>
+          </a:schemeClr>
+        </a:solidFill>
+        <a:round/>
+      </a:ln>
+    </cs:spPr>
+  </cs:seriesLine>
+  <cs:title>
+    <cs:lnRef idx="0"/>
+    <cs:fillRef idx="0"/>
+    <cs:effectRef idx="0"/>
+    <cs:fontRef idx="minor">
+      <a:schemeClr val="tx1">
+        <a:lumMod val="65000"/>
+        <a:lumOff val="35000"/>
+      </a:schemeClr>
+    </cs:fontRef>
+    <cs:defRPr sz="1400" b="0" kern="1200" spc="0" baseline="0"/>
+  </cs:title>
+  <cs:trendline>
+    <cs:lnRef idx="0">
+      <cs:styleClr val="auto"/>
+    </cs:lnRef>
+    <cs:fillRef idx="0"/>
+    <cs:effectRef idx="0"/>
+    <cs:fontRef idx="minor">
+      <a:schemeClr val="tx1"/>
+    </cs:fontRef>
+    <cs:spPr>
+      <a:ln w="19050" cap="rnd">
+        <a:solidFill>
+          <a:schemeClr val="phClr"/>
+        </a:solidFill>
+        <a:prstDash val="sysDot"/>
+      </a:ln>
+    </cs:spPr>
+  </cs:trendline>
+  <cs:trendlineLabel>
+    <cs:lnRef idx="0"/>
+    <cs:fillRef idx="0"/>
+    <cs:effectRef idx="0"/>
+    <cs:fontRef idx="minor">
+      <a:schemeClr val="tx1">
+        <a:lumMod val="65000"/>
+        <a:lumOff val="35000"/>
+      </a:schemeClr>
+    </cs:fontRef>
+    <cs:defRPr sz="900" kern="1200"/>
+  </cs:trendlineLabel>
+  <cs:upBar>
+    <cs:lnRef idx="0"/>
+    <cs:fillRef idx="0"/>
+    <cs:effectRef idx="0"/>
+    <cs:fontRef idx="minor">
+      <a:schemeClr val="dk1"/>
+    </cs:fontRef>
+    <cs:spPr>
+      <a:solidFill>
+        <a:schemeClr val="lt1"/>
+      </a:solidFill>
+      <a:ln w="9525">
+        <a:solidFill>
+          <a:schemeClr val="tx1">
+            <a:lumMod val="15000"/>
+            <a:lumOff val="85000"/>
+          </a:schemeClr>
+        </a:solidFill>
+      </a:ln>
+    </cs:spPr>
+  </cs:upBar>
+  <cs:valueAxis>
+    <cs:lnRef idx="0"/>
+    <cs:fillRef idx="0"/>
+    <cs:effectRef idx="0"/>
+    <cs:fontRef idx="minor">
+      <a:schemeClr val="tx1">
+        <a:lumMod val="65000"/>
+        <a:lumOff val="35000"/>
+      </a:schemeClr>
+    </cs:fontRef>
+    <cs:defRPr sz="900" kern="1200"/>
+  </cs:valueAxis>
+  <cs:wall>
+    <cs:lnRef idx="0"/>
+    <cs:fillRef idx="0"/>
+    <cs:effectRef idx="0"/>
+    <cs:fontRef idx="minor">
+      <a:schemeClr val="tx1"/>
+    </cs:fontRef>
+    <cs:spPr>
+      <a:noFill/>
+      <a:ln>
+        <a:noFill/>
+      </a:ln>
+    </cs:spPr>
+  </cs:wall>
+</cs:chartStyle>
+</file>
+
+<file path=ppt/charts/style3.xml><?xml version="1.0" encoding="utf-8"?>
+<cs:chartStyle xmlns:cs="http://schemas.microsoft.com/office/drawing/2012/chartStyle" xmlns:a="http://schemas.openxmlformats.org/drawingml/2006/main" id="201">
+  <cs:axisTitle>
+    <cs:lnRef idx="0"/>
+    <cs:fillRef idx="0"/>
+    <cs:effectRef idx="0"/>
+    <cs:fontRef idx="minor">
+      <a:schemeClr val="tx1">
+        <a:lumMod val="65000"/>
+        <a:lumOff val="35000"/>
+      </a:schemeClr>
+    </cs:fontRef>
+    <cs:defRPr sz="1000" kern="1200"/>
+  </cs:axisTitle>
+  <cs:categoryAxis>
+    <cs:lnRef idx="0"/>
+    <cs:fillRef idx="0"/>
+    <cs:effectRef idx="0"/>
+    <cs:fontRef idx="minor">
+      <a:schemeClr val="tx1">
+        <a:lumMod val="65000"/>
+        <a:lumOff val="35000"/>
+      </a:schemeClr>
+    </cs:fontRef>
+    <cs:spPr>
+      <a:ln w="9525" cap="flat" cmpd="sng" algn="ctr">
+        <a:solidFill>
+          <a:schemeClr val="tx1">
+            <a:lumMod val="15000"/>
+            <a:lumOff val="85000"/>
+          </a:schemeClr>
+        </a:solidFill>
+        <a:round/>
+      </a:ln>
+    </cs:spPr>
+    <cs:defRPr sz="900" kern="1200"/>
+  </cs:categoryAxis>
+  <cs:chartArea mods="allowNoFillOverride allowNoLineOverride">
+    <cs:lnRef idx="0"/>
+    <cs:fillRef idx="0"/>
+    <cs:effectRef idx="0"/>
+    <cs:fontRef idx="minor">
+      <a:schemeClr val="tx1"/>
+    </cs:fontRef>
+    <cs:spPr>
+      <a:solidFill>
+        <a:schemeClr val="bg1"/>
+      </a:solidFill>
+      <a:ln w="9525" cap="flat" cmpd="sng" algn="ctr">
+        <a:solidFill>
+          <a:schemeClr val="tx1">
+            <a:lumMod val="15000"/>
+            <a:lumOff val="85000"/>
+          </a:schemeClr>
+        </a:solidFill>
+        <a:round/>
+      </a:ln>
+    </cs:spPr>
+    <cs:defRPr sz="1000" kern="1200"/>
+  </cs:chartArea>
+  <cs:dataLabel>
+    <cs:lnRef idx="0"/>
+    <cs:fillRef idx="0"/>
+    <cs:effectRef idx="0"/>
+    <cs:fontRef idx="minor">
+      <a:schemeClr val="tx1">
+        <a:lumMod val="75000"/>
+        <a:lumOff val="25000"/>
+      </a:schemeClr>
+    </cs:fontRef>
+    <cs:defRPr sz="900" kern="1200"/>
+  </cs:dataLabel>
+  <cs:dataLabelCallout>
+    <cs:lnRef idx="0"/>
+    <cs:fillRef idx="0"/>
+    <cs:effectRef idx="0"/>
+    <cs:fontRef idx="minor">
+      <a:schemeClr val="dk1">
+        <a:lumMod val="65000"/>
+        <a:lumOff val="35000"/>
+      </a:schemeClr>
+    </cs:fontRef>
+    <cs:spPr>
+      <a:solidFill>
+        <a:schemeClr val="lt1"/>
+      </a:solidFill>
+      <a:ln>
+        <a:solidFill>
+          <a:schemeClr val="dk1">
+            <a:lumMod val="25000"/>
+            <a:lumOff val="75000"/>
+          </a:schemeClr>
+        </a:solidFill>
+      </a:ln>
+    </cs:spPr>
+    <cs:defRPr sz="900" kern="1200"/>
+    <cs:bodyPr rot="0" spcFirstLastPara="1" vertOverflow="clip" horzOverflow="clip" vert="horz" wrap="square" lIns="36576" tIns="18288" rIns="36576" bIns="18288" anchor="ctr" anchorCtr="1">
+      <a:spAutoFit/>
+    </cs:bodyPr>
+  </cs:dataLabelCallout>
+  <cs:dataPoint>
+    <cs:lnRef idx="0"/>
+    <cs:fillRef idx="1">
+      <cs:styleClr val="auto"/>
+    </cs:fillRef>
+    <cs:effectRef idx="0"/>
+    <cs:fontRef idx="minor">
+      <a:schemeClr val="tx1"/>
+    </cs:fontRef>
+  </cs:dataPoint>
+  <cs:dataPoint3D>
+    <cs:lnRef idx="0"/>
+    <cs:fillRef idx="1">
+      <cs:styleClr val="auto"/>
+    </cs:fillRef>
+    <cs:effectRef idx="0"/>
+    <cs:fontRef idx="minor">
+      <a:schemeClr val="tx1"/>
+    </cs:fontRef>
+  </cs:dataPoint3D>
+  <cs:dataPointLine>
+    <cs:lnRef idx="0">
+      <cs:styleClr val="auto"/>
+    </cs:lnRef>
+    <cs:fillRef idx="1"/>
+    <cs:effectRef idx="0"/>
+    <cs:fontRef idx="minor">
+      <a:schemeClr val="tx1"/>
+    </cs:fontRef>
+    <cs:spPr>
+      <a:ln w="28575" cap="rnd">
+        <a:solidFill>
+          <a:schemeClr val="phClr"/>
+        </a:solidFill>
+        <a:round/>
+      </a:ln>
+    </cs:spPr>
+  </cs:dataPointLine>
+  <cs:dataPointMarker>
+    <cs:lnRef idx="0">
+      <cs:styleClr val="auto"/>
+    </cs:lnRef>
+    <cs:fillRef idx="1">
+      <cs:styleClr val="auto"/>
+    </cs:fillRef>
+    <cs:effectRef idx="0"/>
+    <cs:fontRef idx="minor">
+      <a:schemeClr val="tx1"/>
+    </cs:fontRef>
+    <cs:spPr>
+      <a:ln w="9525">
+        <a:solidFill>
+          <a:schemeClr val="phClr"/>
+        </a:solidFill>
+      </a:ln>
+    </cs:spPr>
+  </cs:dataPointMarker>
+  <cs:dataPointMarkerLayout symbol="circle" size="5"/>
+  <cs:dataPointWireframe>
+    <cs:lnRef idx="0">
+      <cs:styleClr val="auto"/>
+    </cs:lnRef>
+    <cs:fillRef idx="1"/>
+    <cs:effectRef idx="0"/>
+    <cs:fontRef idx="minor">
+      <a:schemeClr val="tx1"/>
+    </cs:fontRef>
+    <cs:spPr>
+      <a:ln w="9525" cap="rnd">
+        <a:solidFill>
+          <a:schemeClr val="phClr"/>
+        </a:solidFill>
+        <a:round/>
+      </a:ln>
+    </cs:spPr>
+  </cs:dataPointWireframe>
+  <cs:dataTable>
+    <cs:lnRef idx="0"/>
+    <cs:fillRef idx="0"/>
+    <cs:effectRef idx="0"/>
+    <cs:fontRef idx="minor">
+      <a:schemeClr val="tx1">
+        <a:lumMod val="65000"/>
+        <a:lumOff val="35000"/>
+      </a:schemeClr>
+    </cs:fontRef>
+    <cs:spPr>
+      <a:noFill/>
+      <a:ln w="9525" cap="flat" cmpd="sng" algn="ctr">
+        <a:solidFill>
+          <a:schemeClr val="tx1">
+            <a:lumMod val="15000"/>
+            <a:lumOff val="85000"/>
+          </a:schemeClr>
+        </a:solidFill>
+        <a:round/>
+      </a:ln>
+    </cs:spPr>
+    <cs:defRPr sz="900" kern="1200"/>
+  </cs:dataTable>
+  <cs:downBar>
+    <cs:lnRef idx="0"/>
+    <cs:fillRef idx="0"/>
+    <cs:effectRef idx="0"/>
+    <cs:fontRef idx="minor">
+      <a:schemeClr val="dk1"/>
+    </cs:fontRef>
+    <cs:spPr>
+      <a:solidFill>
+        <a:schemeClr val="dk1">
+          <a:lumMod val="65000"/>
+          <a:lumOff val="35000"/>
+        </a:schemeClr>
+      </a:solidFill>
+      <a:ln w="9525">
+        <a:solidFill>
+          <a:schemeClr val="tx1">
+            <a:lumMod val="65000"/>
+            <a:lumOff val="35000"/>
+          </a:schemeClr>
+        </a:solidFill>
+      </a:ln>
+    </cs:spPr>
+  </cs:downBar>
+  <cs:dropLine>
+    <cs:lnRef idx="0"/>
+    <cs:fillRef idx="0"/>
+    <cs:effectRef idx="0"/>
+    <cs:fontRef idx="minor">
+      <a:schemeClr val="tx1"/>
+    </cs:fontRef>
+    <cs:spPr>
+      <a:ln w="9525" cap="flat" cmpd="sng" algn="ctr">
+        <a:solidFill>
+          <a:schemeClr val="tx1">
+            <a:lumMod val="35000"/>
+            <a:lumOff val="65000"/>
+          </a:schemeClr>
+        </a:solidFill>
+        <a:round/>
+      </a:ln>
+    </cs:spPr>
+  </cs:dropLine>
+  <cs:errorBar>
+    <cs:lnRef idx="0"/>
+    <cs:fillRef idx="0"/>
+    <cs:effectRef idx="0"/>
+    <cs:fontRef idx="minor">
+      <a:schemeClr val="tx1"/>
+    </cs:fontRef>
+    <cs:spPr>
+      <a:ln w="9525" cap="flat" cmpd="sng" algn="ctr">
+        <a:solidFill>
+          <a:schemeClr val="tx1">
+            <a:lumMod val="65000"/>
+            <a:lumOff val="35000"/>
+          </a:schemeClr>
+        </a:solidFill>
+        <a:round/>
+      </a:ln>
+    </cs:spPr>
+  </cs:errorBar>
+  <cs:floor>
+    <cs:lnRef idx="0"/>
+    <cs:fillRef idx="0"/>
+    <cs:effectRef idx="0"/>
+    <cs:fontRef idx="minor">
+      <a:schemeClr val="tx1"/>
+    </cs:fontRef>
+    <cs:spPr>
+      <a:noFill/>
+      <a:ln>
+        <a:noFill/>
+      </a:ln>
+    </cs:spPr>
+  </cs:floor>
+  <cs:gridlineMajor>
+    <cs:lnRef idx="0"/>
+    <cs:fillRef idx="0"/>
+    <cs:effectRef idx="0"/>
+    <cs:fontRef idx="minor">
+      <a:schemeClr val="tx1"/>
+    </cs:fontRef>
+    <cs:spPr>
+      <a:ln w="9525" cap="flat" cmpd="sng" algn="ctr">
+        <a:solidFill>
+          <a:schemeClr val="tx1">
+            <a:lumMod val="15000"/>
+            <a:lumOff val="85000"/>
+          </a:schemeClr>
+        </a:solidFill>
+        <a:round/>
+      </a:ln>
+    </cs:spPr>
+  </cs:gridlineMajor>
+  <cs:gridlineMinor>
+    <cs:lnRef idx="0"/>
+    <cs:fillRef idx="0"/>
+    <cs:effectRef idx="0"/>
+    <cs:fontRef idx="minor">
+      <a:schemeClr val="tx1"/>
+    </cs:fontRef>
+    <cs:spPr>
+      <a:ln w="9525" cap="flat" cmpd="sng" algn="ctr">
+        <a:solidFill>
+          <a:schemeClr val="tx1">
+            <a:lumMod val="5000"/>
+            <a:lumOff val="95000"/>
+          </a:schemeClr>
+        </a:solidFill>
+        <a:round/>
+      </a:ln>
+    </cs:spPr>
+  </cs:gridlineMinor>
+  <cs:hiLoLine>
+    <cs:lnRef idx="0"/>
+    <cs:fillRef idx="0"/>
+    <cs:effectRef idx="0"/>
+    <cs:fontRef idx="minor">
+      <a:schemeClr val="tx1"/>
+    </cs:fontRef>
+    <cs:spPr>
+      <a:ln w="9525" cap="flat" cmpd="sng" algn="ctr">
+        <a:solidFill>
+          <a:schemeClr val="tx1">
+            <a:lumMod val="75000"/>
+            <a:lumOff val="25000"/>
+          </a:schemeClr>
+        </a:solidFill>
+        <a:round/>
+      </a:ln>
+    </cs:spPr>
+  </cs:hiLoLine>
+  <cs:leaderLine>
+    <cs:lnRef idx="0"/>
+    <cs:fillRef idx="0"/>
+    <cs:effectRef idx="0"/>
+    <cs:fontRef idx="minor">
+      <a:schemeClr val="tx1"/>
+    </cs:fontRef>
+    <cs:spPr>
+      <a:ln w="9525" cap="flat" cmpd="sng" algn="ctr">
+        <a:solidFill>
+          <a:schemeClr val="tx1">
+            <a:lumMod val="35000"/>
+            <a:lumOff val="65000"/>
+          </a:schemeClr>
+        </a:solidFill>
+        <a:round/>
+      </a:ln>
+    </cs:spPr>
+  </cs:leaderLine>
+  <cs:legend>
+    <cs:lnRef idx="0"/>
+    <cs:fillRef idx="0"/>
+    <cs:effectRef idx="0"/>
+    <cs:fontRef idx="minor">
+      <a:schemeClr val="tx1">
+        <a:lumMod val="65000"/>
+        <a:lumOff val="35000"/>
+      </a:schemeClr>
+    </cs:fontRef>
+    <cs:defRPr sz="900" kern="1200"/>
+  </cs:legend>
+  <cs:plotArea mods="allowNoFillOverride allowNoLineOverride">
+    <cs:lnRef idx="0"/>
+    <cs:fillRef idx="0"/>
+    <cs:effectRef idx="0"/>
+    <cs:fontRef idx="minor">
+      <a:schemeClr val="tx1"/>
+    </cs:fontRef>
+  </cs:plotArea>
+  <cs:plotArea3D mods="allowNoFillOverride allowNoLineOverride">
+    <cs:lnRef idx="0"/>
+    <cs:fillRef idx="0"/>
+    <cs:effectRef idx="0"/>
+    <cs:fontRef idx="minor">
+      <a:schemeClr val="tx1"/>
+    </cs:fontRef>
+  </cs:plotArea3D>
+  <cs:seriesAxis>
+    <cs:lnRef idx="0"/>
+    <cs:fillRef idx="0"/>
+    <cs:effectRef idx="0"/>
+    <cs:fontRef idx="minor">
+      <a:schemeClr val="tx1">
+        <a:lumMod val="65000"/>
+        <a:lumOff val="35000"/>
+      </a:schemeClr>
+    </cs:fontRef>
+    <cs:defRPr sz="900" kern="1200"/>
+  </cs:seriesAxis>
+  <cs:seriesLine>
+    <cs:lnRef idx="0"/>
+    <cs:fillRef idx="0"/>
+    <cs:effectRef idx="0"/>
+    <cs:fontRef idx="minor">
+      <a:schemeClr val="tx1"/>
+    </cs:fontRef>
+    <cs:spPr>
+      <a:ln w="9525" cap="flat" cmpd="sng" algn="ctr">
+        <a:solidFill>
+          <a:schemeClr val="tx1">
+            <a:lumMod val="35000"/>
+            <a:lumOff val="65000"/>
+          </a:schemeClr>
+        </a:solidFill>
+        <a:round/>
+      </a:ln>
+    </cs:spPr>
+  </cs:seriesLine>
+  <cs:title>
+    <cs:lnRef idx="0"/>
+    <cs:fillRef idx="0"/>
+    <cs:effectRef idx="0"/>
+    <cs:fontRef idx="minor">
+      <a:schemeClr val="tx1">
+        <a:lumMod val="65000"/>
+        <a:lumOff val="35000"/>
+      </a:schemeClr>
+    </cs:fontRef>
+    <cs:defRPr sz="1400" b="0" kern="1200" spc="0" baseline="0"/>
+  </cs:title>
+  <cs:trendline>
+    <cs:lnRef idx="0">
+      <cs:styleClr val="auto"/>
+    </cs:lnRef>
+    <cs:fillRef idx="0"/>
+    <cs:effectRef idx="0"/>
+    <cs:fontRef idx="minor">
+      <a:schemeClr val="tx1"/>
+    </cs:fontRef>
+    <cs:spPr>
+      <a:ln w="19050" cap="rnd">
+        <a:solidFill>
+          <a:schemeClr val="phClr"/>
+        </a:solidFill>
+        <a:prstDash val="sysDot"/>
+      </a:ln>
+    </cs:spPr>
+  </cs:trendline>
+  <cs:trendlineLabel>
+    <cs:lnRef idx="0"/>
+    <cs:fillRef idx="0"/>
+    <cs:effectRef idx="0"/>
+    <cs:fontRef idx="minor">
+      <a:schemeClr val="tx1">
+        <a:lumMod val="65000"/>
+        <a:lumOff val="35000"/>
+      </a:schemeClr>
+    </cs:fontRef>
+    <cs:defRPr sz="900" kern="1200"/>
+  </cs:trendlineLabel>
+  <cs:upBar>
+    <cs:lnRef idx="0"/>
+    <cs:fillRef idx="0"/>
+    <cs:effectRef idx="0"/>
+    <cs:fontRef idx="minor">
+      <a:schemeClr val="dk1"/>
+    </cs:fontRef>
+    <cs:spPr>
+      <a:solidFill>
+        <a:schemeClr val="lt1"/>
+      </a:solidFill>
+      <a:ln w="9525">
+        <a:solidFill>
+          <a:schemeClr val="tx1">
+            <a:lumMod val="15000"/>
+            <a:lumOff val="85000"/>
+          </a:schemeClr>
+        </a:solidFill>
+      </a:ln>
+    </cs:spPr>
+  </cs:upBar>
+  <cs:valueAxis>
+    <cs:lnRef idx="0"/>
+    <cs:fillRef idx="0"/>
+    <cs:effectRef idx="0"/>
+    <cs:fontRef idx="minor">
+      <a:schemeClr val="tx1">
+        <a:lumMod val="65000"/>
+        <a:lumOff val="35000"/>
+      </a:schemeClr>
+    </cs:fontRef>
+    <cs:defRPr sz="900" kern="1200"/>
+  </cs:valueAxis>
+  <cs:wall>
+    <cs:lnRef idx="0"/>
+    <cs:fillRef idx="0"/>
+    <cs:effectRef idx="0"/>
+    <cs:fontRef idx="minor">
+      <a:schemeClr val="tx1"/>
+    </cs:fontRef>
+    <cs:spPr>
+      <a:noFill/>
+      <a:ln>
+        <a:noFill/>
+      </a:ln>
+    </cs:spPr>
+  </cs:wall>
+</cs:chartStyle>
+</file>
+
+<file path=ppt/charts/style4.xml><?xml version="1.0" encoding="utf-8"?>
 <cs:chartStyle xmlns:cs="http://schemas.microsoft.com/office/drawing/2012/chartStyle" xmlns:a="http://schemas.openxmlformats.org/drawingml/2006/main" id="240">
   <cs:axisTitle>
     <cs:lnRef idx="0"/>
@@ -4107,523 +7302,7 @@
 </cs:chartStyle>
 </file>
 
-<file path=ppt/charts/style2.xml><?xml version="1.0" encoding="utf-8"?>
-<cs:chartStyle xmlns:cs="http://schemas.microsoft.com/office/drawing/2012/chartStyle" xmlns:a="http://schemas.openxmlformats.org/drawingml/2006/main" id="240">
-  <cs:axisTitle>
-    <cs:lnRef idx="0"/>
-    <cs:fillRef idx="0"/>
-    <cs:effectRef idx="0"/>
-    <cs:fontRef idx="minor">
-      <a:schemeClr val="tx1">
-        <a:lumMod val="65000"/>
-        <a:lumOff val="35000"/>
-      </a:schemeClr>
-    </cs:fontRef>
-    <cs:defRPr sz="1000" kern="1200"/>
-  </cs:axisTitle>
-  <cs:categoryAxis>
-    <cs:lnRef idx="0"/>
-    <cs:fillRef idx="0"/>
-    <cs:effectRef idx="0"/>
-    <cs:fontRef idx="minor">
-      <a:schemeClr val="tx1">
-        <a:lumMod val="65000"/>
-        <a:lumOff val="35000"/>
-      </a:schemeClr>
-    </cs:fontRef>
-    <cs:spPr>
-      <a:ln w="9525" cap="flat" cmpd="sng" algn="ctr">
-        <a:solidFill>
-          <a:schemeClr val="tx1">
-            <a:lumMod val="25000"/>
-            <a:lumOff val="75000"/>
-          </a:schemeClr>
-        </a:solidFill>
-        <a:round/>
-      </a:ln>
-    </cs:spPr>
-    <cs:defRPr sz="900" kern="1200"/>
-  </cs:categoryAxis>
-  <cs:chartArea mods="allowNoFillOverride allowNoLineOverride">
-    <cs:lnRef idx="0"/>
-    <cs:fillRef idx="0"/>
-    <cs:effectRef idx="0"/>
-    <cs:fontRef idx="minor">
-      <a:schemeClr val="tx1"/>
-    </cs:fontRef>
-    <cs:spPr>
-      <a:solidFill>
-        <a:schemeClr val="bg1"/>
-      </a:solidFill>
-      <a:ln w="9525" cap="flat" cmpd="sng" algn="ctr">
-        <a:solidFill>
-          <a:schemeClr val="tx1">
-            <a:lumMod val="15000"/>
-            <a:lumOff val="85000"/>
-          </a:schemeClr>
-        </a:solidFill>
-        <a:round/>
-      </a:ln>
-    </cs:spPr>
-    <cs:defRPr sz="1000" kern="1200"/>
-  </cs:chartArea>
-  <cs:dataLabel>
-    <cs:lnRef idx="0"/>
-    <cs:fillRef idx="0"/>
-    <cs:effectRef idx="0"/>
-    <cs:fontRef idx="minor">
-      <a:schemeClr val="tx1">
-        <a:lumMod val="75000"/>
-        <a:lumOff val="25000"/>
-      </a:schemeClr>
-    </cs:fontRef>
-    <cs:defRPr sz="900" kern="1200"/>
-  </cs:dataLabel>
-  <cs:dataLabelCallout>
-    <cs:lnRef idx="0"/>
-    <cs:fillRef idx="0"/>
-    <cs:effectRef idx="0"/>
-    <cs:fontRef idx="minor">
-      <a:schemeClr val="dk1">
-        <a:lumMod val="65000"/>
-        <a:lumOff val="35000"/>
-      </a:schemeClr>
-    </cs:fontRef>
-    <cs:spPr>
-      <a:solidFill>
-        <a:schemeClr val="lt1"/>
-      </a:solidFill>
-      <a:ln>
-        <a:solidFill>
-          <a:schemeClr val="dk1">
-            <a:lumMod val="25000"/>
-            <a:lumOff val="75000"/>
-          </a:schemeClr>
-        </a:solidFill>
-      </a:ln>
-    </cs:spPr>
-    <cs:defRPr sz="900" kern="1200"/>
-    <cs:bodyPr rot="0" spcFirstLastPara="1" vertOverflow="clip" horzOverflow="clip" vert="horz" wrap="square" lIns="36576" tIns="18288" rIns="36576" bIns="18288" anchor="ctr" anchorCtr="1">
-      <a:spAutoFit/>
-    </cs:bodyPr>
-  </cs:dataLabelCallout>
-  <cs:dataPoint>
-    <cs:lnRef idx="0"/>
-    <cs:fillRef idx="1">
-      <cs:styleClr val="auto"/>
-    </cs:fillRef>
-    <cs:effectRef idx="0"/>
-    <cs:fontRef idx="minor">
-      <a:schemeClr val="tx1"/>
-    </cs:fontRef>
-  </cs:dataPoint>
-  <cs:dataPoint3D>
-    <cs:lnRef idx="0"/>
-    <cs:fillRef idx="1">
-      <cs:styleClr val="auto"/>
-    </cs:fillRef>
-    <cs:effectRef idx="0"/>
-    <cs:fontRef idx="minor">
-      <a:schemeClr val="tx1"/>
-    </cs:fontRef>
-  </cs:dataPoint3D>
-  <cs:dataPointLine>
-    <cs:lnRef idx="0">
-      <cs:styleClr val="auto"/>
-    </cs:lnRef>
-    <cs:fillRef idx="1"/>
-    <cs:effectRef idx="0"/>
-    <cs:fontRef idx="minor">
-      <a:schemeClr val="tx1"/>
-    </cs:fontRef>
-    <cs:spPr>
-      <a:ln w="19050" cap="rnd">
-        <a:solidFill>
-          <a:schemeClr val="phClr"/>
-        </a:solidFill>
-        <a:round/>
-      </a:ln>
-    </cs:spPr>
-  </cs:dataPointLine>
-  <cs:dataPointMarker>
-    <cs:lnRef idx="0">
-      <cs:styleClr val="auto"/>
-    </cs:lnRef>
-    <cs:fillRef idx="1">
-      <cs:styleClr val="auto"/>
-    </cs:fillRef>
-    <cs:effectRef idx="0"/>
-    <cs:fontRef idx="minor">
-      <a:schemeClr val="tx1"/>
-    </cs:fontRef>
-    <cs:spPr>
-      <a:ln w="9525">
-        <a:solidFill>
-          <a:schemeClr val="phClr"/>
-        </a:solidFill>
-      </a:ln>
-    </cs:spPr>
-  </cs:dataPointMarker>
-  <cs:dataPointMarkerLayout symbol="circle" size="5"/>
-  <cs:dataPointWireframe>
-    <cs:lnRef idx="0">
-      <cs:styleClr val="auto"/>
-    </cs:lnRef>
-    <cs:fillRef idx="0"/>
-    <cs:effectRef idx="0"/>
-    <cs:fontRef idx="minor">
-      <a:schemeClr val="dk1"/>
-    </cs:fontRef>
-    <cs:spPr>
-      <a:ln w="9525" cap="rnd">
-        <a:solidFill>
-          <a:schemeClr val="phClr"/>
-        </a:solidFill>
-        <a:round/>
-      </a:ln>
-    </cs:spPr>
-  </cs:dataPointWireframe>
-  <cs:dataTable>
-    <cs:lnRef idx="0"/>
-    <cs:fillRef idx="0"/>
-    <cs:effectRef idx="0"/>
-    <cs:fontRef idx="minor">
-      <a:schemeClr val="tx1">
-        <a:lumMod val="65000"/>
-        <a:lumOff val="35000"/>
-      </a:schemeClr>
-    </cs:fontRef>
-    <cs:spPr>
-      <a:noFill/>
-      <a:ln w="9525" cap="flat" cmpd="sng" algn="ctr">
-        <a:solidFill>
-          <a:schemeClr val="tx1">
-            <a:lumMod val="15000"/>
-            <a:lumOff val="85000"/>
-          </a:schemeClr>
-        </a:solidFill>
-        <a:round/>
-      </a:ln>
-    </cs:spPr>
-    <cs:defRPr sz="900" kern="1200"/>
-  </cs:dataTable>
-  <cs:downBar>
-    <cs:lnRef idx="0"/>
-    <cs:fillRef idx="0"/>
-    <cs:effectRef idx="0"/>
-    <cs:fontRef idx="minor">
-      <a:schemeClr val="tx1"/>
-    </cs:fontRef>
-    <cs:spPr>
-      <a:solidFill>
-        <a:schemeClr val="dk1">
-          <a:lumMod val="75000"/>
-          <a:lumOff val="25000"/>
-        </a:schemeClr>
-      </a:solidFill>
-      <a:ln w="9525" cap="flat" cmpd="sng" algn="ctr">
-        <a:solidFill>
-          <a:schemeClr val="tx1">
-            <a:lumMod val="65000"/>
-            <a:lumOff val="35000"/>
-          </a:schemeClr>
-        </a:solidFill>
-        <a:round/>
-      </a:ln>
-    </cs:spPr>
-  </cs:downBar>
-  <cs:dropLine>
-    <cs:lnRef idx="0"/>
-    <cs:fillRef idx="0"/>
-    <cs:effectRef idx="0"/>
-    <cs:fontRef idx="minor">
-      <a:schemeClr val="tx1"/>
-    </cs:fontRef>
-    <cs:spPr>
-      <a:ln w="9525" cap="flat" cmpd="sng" algn="ctr">
-        <a:solidFill>
-          <a:schemeClr val="tx1">
-            <a:lumMod val="35000"/>
-            <a:lumOff val="65000"/>
-          </a:schemeClr>
-        </a:solidFill>
-        <a:round/>
-      </a:ln>
-    </cs:spPr>
-  </cs:dropLine>
-  <cs:errorBar>
-    <cs:lnRef idx="0"/>
-    <cs:fillRef idx="0"/>
-    <cs:effectRef idx="0"/>
-    <cs:fontRef idx="minor">
-      <a:schemeClr val="tx1"/>
-    </cs:fontRef>
-    <cs:spPr>
-      <a:ln w="9525" cap="flat" cmpd="sng" algn="ctr">
-        <a:solidFill>
-          <a:schemeClr val="tx1">
-            <a:lumMod val="65000"/>
-            <a:lumOff val="35000"/>
-          </a:schemeClr>
-        </a:solidFill>
-        <a:round/>
-      </a:ln>
-    </cs:spPr>
-  </cs:errorBar>
-  <cs:floor>
-    <cs:lnRef idx="0"/>
-    <cs:fillRef idx="0"/>
-    <cs:effectRef idx="0"/>
-    <cs:fontRef idx="minor">
-      <a:schemeClr val="tx1"/>
-    </cs:fontRef>
-    <cs:spPr>
-      <a:noFill/>
-      <a:ln>
-        <a:noFill/>
-      </a:ln>
-    </cs:spPr>
-  </cs:floor>
-  <cs:gridlineMajor>
-    <cs:lnRef idx="0"/>
-    <cs:fillRef idx="0"/>
-    <cs:effectRef idx="0"/>
-    <cs:fontRef idx="minor">
-      <a:schemeClr val="tx1"/>
-    </cs:fontRef>
-    <cs:spPr>
-      <a:ln w="9525" cap="flat" cmpd="sng" algn="ctr">
-        <a:solidFill>
-          <a:schemeClr val="tx1">
-            <a:lumMod val="15000"/>
-            <a:lumOff val="85000"/>
-          </a:schemeClr>
-        </a:solidFill>
-        <a:round/>
-      </a:ln>
-    </cs:spPr>
-  </cs:gridlineMajor>
-  <cs:gridlineMinor>
-    <cs:lnRef idx="0"/>
-    <cs:fillRef idx="0"/>
-    <cs:effectRef idx="0"/>
-    <cs:fontRef idx="minor">
-      <a:schemeClr val="tx1"/>
-    </cs:fontRef>
-    <cs:spPr>
-      <a:ln w="9525" cap="flat" cmpd="sng" algn="ctr">
-        <a:solidFill>
-          <a:schemeClr val="tx1">
-            <a:lumMod val="5000"/>
-            <a:lumOff val="95000"/>
-          </a:schemeClr>
-        </a:solidFill>
-        <a:round/>
-      </a:ln>
-    </cs:spPr>
-  </cs:gridlineMinor>
-  <cs:hiLoLine>
-    <cs:lnRef idx="0"/>
-    <cs:fillRef idx="0"/>
-    <cs:effectRef idx="0"/>
-    <cs:fontRef idx="minor">
-      <a:schemeClr val="tx1"/>
-    </cs:fontRef>
-    <cs:spPr>
-      <a:ln w="9525" cap="flat" cmpd="sng" algn="ctr">
-        <a:solidFill>
-          <a:schemeClr val="tx1">
-            <a:lumMod val="50000"/>
-            <a:lumOff val="50000"/>
-          </a:schemeClr>
-        </a:solidFill>
-        <a:round/>
-      </a:ln>
-    </cs:spPr>
-  </cs:hiLoLine>
-  <cs:leaderLine>
-    <cs:lnRef idx="0"/>
-    <cs:fillRef idx="0"/>
-    <cs:effectRef idx="0"/>
-    <cs:fontRef idx="minor">
-      <a:schemeClr val="tx1"/>
-    </cs:fontRef>
-    <cs:spPr>
-      <a:ln w="9525" cap="flat" cmpd="sng" algn="ctr">
-        <a:solidFill>
-          <a:schemeClr val="tx1">
-            <a:lumMod val="35000"/>
-            <a:lumOff val="65000"/>
-          </a:schemeClr>
-        </a:solidFill>
-        <a:round/>
-      </a:ln>
-    </cs:spPr>
-  </cs:leaderLine>
-  <cs:legend>
-    <cs:lnRef idx="0"/>
-    <cs:fillRef idx="0"/>
-    <cs:effectRef idx="0"/>
-    <cs:fontRef idx="minor">
-      <a:schemeClr val="tx1">
-        <a:lumMod val="65000"/>
-        <a:lumOff val="35000"/>
-      </a:schemeClr>
-    </cs:fontRef>
-    <cs:defRPr sz="900" kern="1200"/>
-  </cs:legend>
-  <cs:plotArea mods="allowNoFillOverride allowNoLineOverride">
-    <cs:lnRef idx="0"/>
-    <cs:fillRef idx="0"/>
-    <cs:effectRef idx="0"/>
-    <cs:fontRef idx="minor">
-      <a:schemeClr val="tx1"/>
-    </cs:fontRef>
-  </cs:plotArea>
-  <cs:plotArea3D mods="allowNoFillOverride allowNoLineOverride">
-    <cs:lnRef idx="0"/>
-    <cs:fillRef idx="0"/>
-    <cs:effectRef idx="0"/>
-    <cs:fontRef idx="minor">
-      <a:schemeClr val="tx1"/>
-    </cs:fontRef>
-  </cs:plotArea3D>
-  <cs:seriesAxis>
-    <cs:lnRef idx="0"/>
-    <cs:fillRef idx="0"/>
-    <cs:effectRef idx="0"/>
-    <cs:fontRef idx="minor">
-      <a:schemeClr val="tx1">
-        <a:lumMod val="65000"/>
-        <a:lumOff val="35000"/>
-      </a:schemeClr>
-    </cs:fontRef>
-    <cs:defRPr sz="900" kern="1200"/>
-  </cs:seriesAxis>
-  <cs:seriesLine>
-    <cs:lnRef idx="0"/>
-    <cs:fillRef idx="0"/>
-    <cs:effectRef idx="0"/>
-    <cs:fontRef idx="minor">
-      <a:schemeClr val="tx1"/>
-    </cs:fontRef>
-    <cs:spPr>
-      <a:ln w="9525" cap="flat" cmpd="sng" algn="ctr">
-        <a:solidFill>
-          <a:schemeClr val="tx1">
-            <a:lumMod val="35000"/>
-            <a:lumOff val="65000"/>
-          </a:schemeClr>
-        </a:solidFill>
-        <a:round/>
-      </a:ln>
-    </cs:spPr>
-  </cs:seriesLine>
-  <cs:title>
-    <cs:lnRef idx="0"/>
-    <cs:fillRef idx="0"/>
-    <cs:effectRef idx="0"/>
-    <cs:fontRef idx="minor">
-      <a:schemeClr val="tx1">
-        <a:lumMod val="65000"/>
-        <a:lumOff val="35000"/>
-      </a:schemeClr>
-    </cs:fontRef>
-    <cs:defRPr sz="1400" b="0" kern="1200" spc="0" baseline="0"/>
-  </cs:title>
-  <cs:trendline>
-    <cs:lnRef idx="0">
-      <cs:styleClr val="auto"/>
-    </cs:lnRef>
-    <cs:fillRef idx="0"/>
-    <cs:effectRef idx="0"/>
-    <cs:fontRef idx="minor">
-      <a:schemeClr val="tx1"/>
-    </cs:fontRef>
-    <cs:spPr>
-      <a:ln w="19050" cap="rnd">
-        <a:solidFill>
-          <a:schemeClr val="phClr"/>
-        </a:solidFill>
-        <a:prstDash val="sysDot"/>
-      </a:ln>
-    </cs:spPr>
-  </cs:trendline>
-  <cs:trendlineLabel>
-    <cs:lnRef idx="0"/>
-    <cs:fillRef idx="0"/>
-    <cs:effectRef idx="0"/>
-    <cs:fontRef idx="minor">
-      <a:schemeClr val="tx1">
-        <a:lumMod val="65000"/>
-        <a:lumOff val="35000"/>
-      </a:schemeClr>
-    </cs:fontRef>
-    <cs:defRPr sz="900" kern="1200"/>
-  </cs:trendlineLabel>
-  <cs:upBar>
-    <cs:lnRef idx="0"/>
-    <cs:fillRef idx="0"/>
-    <cs:effectRef idx="0"/>
-    <cs:fontRef idx="minor">
-      <a:schemeClr val="tx1"/>
-    </cs:fontRef>
-    <cs:spPr>
-      <a:solidFill>
-        <a:schemeClr val="lt1"/>
-      </a:solidFill>
-      <a:ln w="9525" cap="flat" cmpd="sng" algn="ctr">
-        <a:solidFill>
-          <a:schemeClr val="tx1">
-            <a:lumMod val="65000"/>
-            <a:lumOff val="35000"/>
-          </a:schemeClr>
-        </a:solidFill>
-        <a:round/>
-      </a:ln>
-    </cs:spPr>
-  </cs:upBar>
-  <cs:valueAxis>
-    <cs:lnRef idx="0"/>
-    <cs:fillRef idx="0"/>
-    <cs:effectRef idx="0"/>
-    <cs:fontRef idx="minor">
-      <a:schemeClr val="tx1">
-        <a:lumMod val="65000"/>
-        <a:lumOff val="35000"/>
-      </a:schemeClr>
-    </cs:fontRef>
-    <cs:spPr>
-      <a:ln w="9525" cap="flat" cmpd="sng" algn="ctr">
-        <a:solidFill>
-          <a:schemeClr val="tx1">
-            <a:lumMod val="25000"/>
-            <a:lumOff val="75000"/>
-          </a:schemeClr>
-        </a:solidFill>
-        <a:round/>
-      </a:ln>
-    </cs:spPr>
-    <cs:defRPr sz="900" kern="1200"/>
-  </cs:valueAxis>
-  <cs:wall>
-    <cs:lnRef idx="0"/>
-    <cs:fillRef idx="0"/>
-    <cs:effectRef idx="0"/>
-    <cs:fontRef idx="minor">
-      <a:schemeClr val="tx1"/>
-    </cs:fontRef>
-    <cs:spPr>
-      <a:noFill/>
-      <a:ln>
-        <a:noFill/>
-      </a:ln>
-    </cs:spPr>
-  </cs:wall>
-</cs:chartStyle>
-</file>
-
-<file path=ppt/charts/style3.xml><?xml version="1.0" encoding="utf-8"?>
+<file path=ppt/charts/style5.xml><?xml version="1.0" encoding="utf-8"?>
 <cs:chartStyle xmlns:cs="http://schemas.microsoft.com/office/drawing/2012/chartStyle" xmlns:a="http://schemas.openxmlformats.org/drawingml/2006/main" id="240">
   <cs:axisTitle>
     <cs:lnRef idx="0"/>
@@ -5143,79 +7822,6 @@
 <c:userShapes xmlns:c="http://schemas.openxmlformats.org/drawingml/2006/chart">
   <cdr:relSizeAnchor xmlns:cdr="http://schemas.openxmlformats.org/drawingml/2006/chartDrawing">
     <cdr:from>
-      <cdr:x>0.83348</cdr:x>
-      <cdr:y>0.5</cdr:y>
-    </cdr:from>
-    <cdr:to>
-      <cdr:x>0.86153</cdr:x>
-      <cdr:y>0.80762</cdr:y>
-    </cdr:to>
-    <cdr:sp macro="" textlink="">
-      <cdr:nvSpPr>
-        <cdr:cNvPr id="2" name="TextBox 1"/>
-        <cdr:cNvSpPr txBox="1"/>
-      </cdr:nvSpPr>
-      <cdr:spPr>
-        <a:xfrm xmlns:a="http://schemas.openxmlformats.org/drawingml/2006/main" rot="16200000">
-          <a:off x="8445333" y="3650196"/>
-          <a:ext cx="1790164" cy="309093"/>
-        </a:xfrm>
-        <a:prstGeom xmlns:a="http://schemas.openxmlformats.org/drawingml/2006/main" prst="rect">
-          <a:avLst/>
-        </a:prstGeom>
-      </cdr:spPr>
-      <cdr:txBody>
-        <a:bodyPr xmlns:a="http://schemas.openxmlformats.org/drawingml/2006/main" vertOverflow="clip" wrap="square" rtlCol="0"/>
-        <a:lstStyle xmlns:a="http://schemas.openxmlformats.org/drawingml/2006/main"/>
-        <a:p xmlns:a="http://schemas.openxmlformats.org/drawingml/2006/main">
-          <a:r>
-            <a:rPr lang="en-US" sz="1600" dirty="0" smtClean="0">
-              <a:solidFill>
-                <a:srgbClr val="FF3300"/>
-              </a:solidFill>
-              <a:latin typeface="Arial" panose="020B0604020202020204" pitchFamily="34" charset="0"/>
-              <a:cs typeface="Arial" panose="020B0604020202020204" pitchFamily="34" charset="0"/>
-            </a:rPr>
-            <a:t>Runtime (in </a:t>
-          </a:r>
-          <a:r>
-            <a:rPr lang="en-US" sz="1600" dirty="0" err="1" smtClean="0">
-              <a:solidFill>
-                <a:srgbClr val="FF3300"/>
-              </a:solidFill>
-              <a:latin typeface="Arial" panose="020B0604020202020204" pitchFamily="34" charset="0"/>
-              <a:cs typeface="Arial" panose="020B0604020202020204" pitchFamily="34" charset="0"/>
-            </a:rPr>
-            <a:t>ms</a:t>
-          </a:r>
-          <a:r>
-            <a:rPr lang="en-US" sz="1600" dirty="0" smtClean="0">
-              <a:solidFill>
-                <a:srgbClr val="FF3300"/>
-              </a:solidFill>
-              <a:latin typeface="Arial" panose="020B0604020202020204" pitchFamily="34" charset="0"/>
-              <a:cs typeface="Arial" panose="020B0604020202020204" pitchFamily="34" charset="0"/>
-            </a:rPr>
-            <a:t>)</a:t>
-          </a:r>
-          <a:endParaRPr lang="et-EE" sz="1600" dirty="0">
-            <a:solidFill>
-              <a:srgbClr val="FF3300"/>
-            </a:solidFill>
-            <a:latin typeface="Arial" panose="020B0604020202020204" pitchFamily="34" charset="0"/>
-            <a:cs typeface="Arial" panose="020B0604020202020204" pitchFamily="34" charset="0"/>
-          </a:endParaRPr>
-        </a:p>
-      </cdr:txBody>
-    </cdr:sp>
-  </cdr:relSizeAnchor>
-</c:userShapes>
-</file>
-
-<file path=ppt/drawings/drawing2.xml><?xml version="1.0" encoding="utf-8"?>
-<c:userShapes xmlns:c="http://schemas.openxmlformats.org/drawingml/2006/chart">
-  <cdr:relSizeAnchor xmlns:cdr="http://schemas.openxmlformats.org/drawingml/2006/chartDrawing">
-    <cdr:from>
       <cdr:x>0.82042</cdr:x>
       <cdr:y>0.29955</cdr:y>
     </cdr:from>
@@ -5740,7 +8346,7 @@
           <a:p>
             <a:fld id="{4E86B24A-68EC-4ACD-81BE-AFA59FF7AC94}" type="slidenum">
               <a:rPr lang="et-EE" smtClean="0"/>
-              <a:t>26</a:t>
+              <a:t>29</a:t>
             </a:fld>
             <a:endParaRPr lang="et-EE"/>
           </a:p>
@@ -9497,56 +12103,6 @@
       </p:grpSpPr>
       <p:sp>
         <p:nvSpPr>
-          <p:cNvPr id="2" name="Title 1"/>
-          <p:cNvSpPr>
-            <a:spLocks noGrp="1"/>
-          </p:cNvSpPr>
-          <p:nvPr>
-            <p:ph type="ctrTitle"/>
-          </p:nvPr>
-        </p:nvSpPr>
-        <p:spPr>
-          <a:xfrm>
-            <a:off x="2216330" y="1737147"/>
-            <a:ext cx="7766936" cy="1646302"/>
-          </a:xfrm>
-        </p:spPr>
-        <p:txBody>
-          <a:bodyPr>
-            <a:noAutofit/>
-          </a:bodyPr>
-          <a:lstStyle/>
-          <a:p>
-            <a:pPr algn="ctr"/>
-            <a:r>
-              <a:rPr lang="en-US" sz="4800" dirty="0" smtClean="0">
-                <a:latin typeface="Arial" panose="020B0604020202020204" pitchFamily="34" charset="0"/>
-                <a:cs typeface="Arial" panose="020B0604020202020204" pitchFamily="34" charset="0"/>
-              </a:rPr>
-              <a:t>The knapsack problem</a:t>
-            </a:r>
-            <a:br>
-              <a:rPr lang="en-US" sz="4800" dirty="0" smtClean="0">
-                <a:latin typeface="Arial" panose="020B0604020202020204" pitchFamily="34" charset="0"/>
-                <a:cs typeface="Arial" panose="020B0604020202020204" pitchFamily="34" charset="0"/>
-              </a:rPr>
-            </a:br>
-            <a:r>
-              <a:rPr lang="en-US" sz="4800" dirty="0" smtClean="0">
-                <a:latin typeface="Arial" panose="020B0604020202020204" pitchFamily="34" charset="0"/>
-                <a:cs typeface="Arial" panose="020B0604020202020204" pitchFamily="34" charset="0"/>
-              </a:rPr>
-              <a:t>(3D)</a:t>
-            </a:r>
-            <a:endParaRPr lang="et-EE" sz="4800" dirty="0">
-              <a:latin typeface="Arial" panose="020B0604020202020204" pitchFamily="34" charset="0"/>
-              <a:cs typeface="Arial" panose="020B0604020202020204" pitchFamily="34" charset="0"/>
-            </a:endParaRPr>
-          </a:p>
-        </p:txBody>
-      </p:sp>
-      <p:sp>
-        <p:nvSpPr>
           <p:cNvPr id="3" name="Subtitle 2"/>
           <p:cNvSpPr>
             <a:spLocks noGrp="1"/>
@@ -9706,6 +12262,151 @@
           </a:p>
           <a:p>
             <a:endParaRPr lang="et-EE" dirty="0"/>
+          </a:p>
+        </p:txBody>
+      </p:sp>
+      <p:sp>
+        <p:nvSpPr>
+          <p:cNvPr id="4" name="Rectangle 3"/>
+          <p:cNvSpPr/>
+          <p:nvPr/>
+        </p:nvSpPr>
+        <p:spPr>
+          <a:xfrm>
+            <a:off x="726141" y="699247"/>
+            <a:ext cx="3342006" cy="4800600"/>
+          </a:xfrm>
+          <a:prstGeom prst="rect">
+            <a:avLst/>
+          </a:prstGeom>
+          <a:solidFill>
+            <a:schemeClr val="bg1"/>
+          </a:solidFill>
+          <a:ln>
+            <a:noFill/>
+          </a:ln>
+        </p:spPr>
+        <p:style>
+          <a:lnRef idx="2">
+            <a:schemeClr val="accent1">
+              <a:shade val="50000"/>
+            </a:schemeClr>
+          </a:lnRef>
+          <a:fillRef idx="1">
+            <a:schemeClr val="accent1"/>
+          </a:fillRef>
+          <a:effectRef idx="0">
+            <a:schemeClr val="accent1"/>
+          </a:effectRef>
+          <a:fontRef idx="minor">
+            <a:schemeClr val="lt1"/>
+          </a:fontRef>
+        </p:style>
+        <p:txBody>
+          <a:bodyPr rtlCol="0" anchor="ctr"/>
+          <a:lstStyle/>
+          <a:p>
+            <a:pPr algn="ctr"/>
+            <a:endParaRPr lang="et-EE"/>
+          </a:p>
+        </p:txBody>
+      </p:sp>
+      <p:sp>
+        <p:nvSpPr>
+          <p:cNvPr id="5" name="Rectangle 4"/>
+          <p:cNvSpPr/>
+          <p:nvPr/>
+        </p:nvSpPr>
+        <p:spPr>
+          <a:xfrm>
+            <a:off x="8119096" y="1402153"/>
+            <a:ext cx="3342006" cy="4800600"/>
+          </a:xfrm>
+          <a:prstGeom prst="rect">
+            <a:avLst/>
+          </a:prstGeom>
+          <a:solidFill>
+            <a:schemeClr val="bg1"/>
+          </a:solidFill>
+          <a:ln>
+            <a:noFill/>
+          </a:ln>
+        </p:spPr>
+        <p:style>
+          <a:lnRef idx="2">
+            <a:schemeClr val="accent1">
+              <a:shade val="50000"/>
+            </a:schemeClr>
+          </a:lnRef>
+          <a:fillRef idx="1">
+            <a:schemeClr val="accent1"/>
+          </a:fillRef>
+          <a:effectRef idx="0">
+            <a:schemeClr val="accent1"/>
+          </a:effectRef>
+          <a:fontRef idx="minor">
+            <a:schemeClr val="lt1"/>
+          </a:fontRef>
+        </p:style>
+        <p:txBody>
+          <a:bodyPr rtlCol="0" anchor="ctr"/>
+          <a:lstStyle/>
+          <a:p>
+            <a:pPr algn="ctr"/>
+            <a:endParaRPr lang="et-EE"/>
+          </a:p>
+        </p:txBody>
+      </p:sp>
+      <p:sp>
+        <p:nvSpPr>
+          <p:cNvPr id="2" name="Title 1"/>
+          <p:cNvSpPr>
+            <a:spLocks noGrp="1"/>
+          </p:cNvSpPr>
+          <p:nvPr>
+            <p:ph type="ctrTitle"/>
+          </p:nvPr>
+        </p:nvSpPr>
+        <p:spPr>
+          <a:xfrm>
+            <a:off x="479862" y="1453245"/>
+            <a:ext cx="11465859" cy="1646302"/>
+          </a:xfrm>
+        </p:spPr>
+        <p:txBody>
+          <a:bodyPr>
+            <a:noAutofit/>
+          </a:bodyPr>
+          <a:lstStyle/>
+          <a:p>
+            <a:pPr algn="ctr"/>
+            <a:r>
+              <a:rPr lang="en-US" dirty="0" smtClean="0">
+                <a:solidFill>
+                  <a:srgbClr val="0070C0"/>
+                </a:solidFill>
+                <a:latin typeface="Arial" panose="020B0604020202020204" pitchFamily="34" charset="0"/>
+                <a:cs typeface="Arial" panose="020B0604020202020204" pitchFamily="34" charset="0"/>
+              </a:rPr>
+              <a:t>Packing cargo space</a:t>
+            </a:r>
+            <a:r>
+              <a:rPr lang="en-US" dirty="0" smtClean="0">
+                <a:solidFill>
+                  <a:srgbClr val="0070C0"/>
+                </a:solidFill>
+                <a:latin typeface="Arial" panose="020B0604020202020204" pitchFamily="34" charset="0"/>
+                <a:cs typeface="Arial" panose="020B0604020202020204" pitchFamily="34" charset="0"/>
+              </a:rPr>
+              <a:t>s efficiently</a:t>
+            </a:r>
+            <a:endParaRPr lang="et-EE" dirty="0">
+              <a:solidFill>
+                <a:srgbClr val="0070C0"/>
+              </a:solidFill>
+              <a:latin typeface="Arial" panose="020B0604020202020204" pitchFamily="34" charset="0"/>
+              <a:cs typeface="Arial" panose="020B0604020202020204" pitchFamily="34" charset="0"/>
+            </a:endParaRPr>
           </a:p>
         </p:txBody>
       </p:sp>
@@ -9770,73 +12471,11 @@
         </p:blipFill>
         <p:spPr>
           <a:xfrm>
-            <a:off x="3119807" y="2071922"/>
-            <a:ext cx="8402492" cy="4472156"/>
+            <a:off x="909940" y="559837"/>
+            <a:ext cx="10612359" cy="5648339"/>
           </a:xfrm>
         </p:spPr>
       </p:pic>
-      <p:sp>
-        <p:nvSpPr>
-          <p:cNvPr id="6" name="TextBox 5"/>
-          <p:cNvSpPr txBox="1"/>
-          <p:nvPr/>
-        </p:nvSpPr>
-        <p:spPr>
-          <a:xfrm>
-            <a:off x="809979" y="686927"/>
-            <a:ext cx="7920122" cy="1384995"/>
-          </a:xfrm>
-          <a:prstGeom prst="rect">
-            <a:avLst/>
-          </a:prstGeom>
-          <a:noFill/>
-        </p:spPr>
-        <p:txBody>
-          <a:bodyPr wrap="square" rtlCol="0">
-            <a:spAutoFit/>
-          </a:bodyPr>
-          <a:lstStyle/>
-          <a:p>
-            <a:pPr marL="285750" indent="-285750">
-              <a:buFont typeface="Arial" panose="020B0604020202020204" pitchFamily="34" charset="0"/>
-              <a:buChar char="•"/>
-            </a:pPr>
-            <a:r>
-              <a:rPr lang="en-US" sz="2800" dirty="0" smtClean="0">
-                <a:latin typeface="Arial" panose="020B0604020202020204" pitchFamily="34" charset="0"/>
-                <a:cs typeface="Arial" panose="020B0604020202020204" pitchFamily="34" charset="0"/>
-              </a:rPr>
-              <a:t>Initial position </a:t>
-            </a:r>
-          </a:p>
-          <a:p>
-            <a:pPr marL="285750" indent="-285750">
-              <a:buFont typeface="Arial" panose="020B0604020202020204" pitchFamily="34" charset="0"/>
-              <a:buChar char="•"/>
-            </a:pPr>
-            <a:r>
-              <a:rPr lang="en-US" sz="2800" dirty="0" smtClean="0">
-                <a:latin typeface="Arial" panose="020B0604020202020204" pitchFamily="34" charset="0"/>
-                <a:cs typeface="Arial" panose="020B0604020202020204" pitchFamily="34" charset="0"/>
-              </a:rPr>
-              <a:t>Is there an overlap at the initial position?</a:t>
-            </a:r>
-          </a:p>
-          <a:p>
-            <a:pPr marL="285750" indent="-285750">
-              <a:buFont typeface="Arial" panose="020B0604020202020204" pitchFamily="34" charset="0"/>
-              <a:buChar char="•"/>
-            </a:pPr>
-            <a:r>
-              <a:rPr lang="en-US" sz="2800" dirty="0" smtClean="0">
-                <a:latin typeface="Arial" panose="020B0604020202020204" pitchFamily="34" charset="0"/>
-                <a:cs typeface="Arial" panose="020B0604020202020204" pitchFamily="34" charset="0"/>
-              </a:rPr>
-              <a:t>Move package</a:t>
-            </a:r>
-          </a:p>
-        </p:txBody>
-      </p:sp>
     </p:spTree>
     <p:extLst>
       <p:ext uri="{BB962C8B-B14F-4D97-AF65-F5344CB8AC3E}">
@@ -9887,7 +12526,7 @@
         <p:spPr>
           <a:xfrm>
             <a:off x="1912551" y="2897746"/>
-            <a:ext cx="9369341" cy="1622739"/>
+            <a:ext cx="10011971" cy="1622739"/>
           </a:xfrm>
         </p:spPr>
         <p:txBody>
@@ -9902,7 +12541,25 @@
                   <a:srgbClr val="0070C0"/>
                 </a:solidFill>
               </a:rPr>
-              <a:t>HILL CLIMBING ALGORITHM</a:t>
+              <a:t>HILL </a:t>
+            </a:r>
+            <a:r>
+              <a:rPr lang="en-US" sz="6000" dirty="0" smtClean="0">
+                <a:solidFill>
+                  <a:srgbClr val="0070C0"/>
+                </a:solidFill>
+                <a:latin typeface="Arial" panose="020B0604020202020204" pitchFamily="34" charset="0"/>
+                <a:cs typeface="Arial" panose="020B0604020202020204" pitchFamily="34" charset="0"/>
+              </a:rPr>
+              <a:t>CLIMBING</a:t>
+            </a:r>
+            <a:r>
+              <a:rPr lang="en-US" sz="6000" dirty="0" smtClean="0">
+                <a:solidFill>
+                  <a:srgbClr val="0070C0"/>
+                </a:solidFill>
+              </a:rPr>
+              <a:t> ALGORITHM</a:t>
             </a:r>
             <a:endParaRPr lang="et-EE" sz="6000" dirty="0">
               <a:solidFill>
@@ -9971,8 +12628,8 @@
         </p:blipFill>
         <p:spPr>
           <a:xfrm>
-            <a:off x="746975" y="457534"/>
-            <a:ext cx="11127346" cy="6427404"/>
+            <a:off x="1101013" y="270922"/>
+            <a:ext cx="10692882" cy="6273156"/>
           </a:xfrm>
           <a:prstGeom prst="rect">
             <a:avLst/>
@@ -10229,13 +12886,13 @@
         </p:nvSpPr>
         <p:spPr>
           <a:xfrm>
-            <a:off x="1868574" y="2885624"/>
-            <a:ext cx="9601200" cy="1485900"/>
+            <a:off x="1364720" y="2904285"/>
+            <a:ext cx="10186577" cy="1485900"/>
           </a:xfrm>
         </p:spPr>
         <p:txBody>
           <a:bodyPr>
-            <a:normAutofit/>
+            <a:normAutofit fontScale="90000"/>
           </a:bodyPr>
           <a:lstStyle/>
           <a:p>
@@ -10244,6 +12901,8 @@
                 <a:solidFill>
                   <a:srgbClr val="0070C0"/>
                 </a:solidFill>
+                <a:latin typeface="Arial" panose="020B0604020202020204" pitchFamily="34" charset="0"/>
+                <a:cs typeface="Arial" panose="020B0604020202020204" pitchFamily="34" charset="0"/>
               </a:rPr>
               <a:t>EXPERIMENTS AND RESULTS</a:t>
             </a:r>
@@ -10251,6 +12910,8 @@
               <a:solidFill>
                 <a:srgbClr val="0070C0"/>
               </a:solidFill>
+              <a:latin typeface="Arial" panose="020B0604020202020204" pitchFamily="34" charset="0"/>
+              <a:cs typeface="Arial" panose="020B0604020202020204" pitchFamily="34" charset="0"/>
             </a:endParaRPr>
           </a:p>
         </p:txBody>
@@ -10292,35 +12953,6 @@
           <a:chExt cx="0" cy="0"/>
         </a:xfrm>
       </p:grpSpPr>
-      <p:pic>
-        <p:nvPicPr>
-          <p:cNvPr id="4" name="Content Placeholder 3"/>
-          <p:cNvPicPr>
-            <a:picLocks noGrp="1" noChangeAspect="1"/>
-          </p:cNvPicPr>
-          <p:nvPr>
-            <p:ph idx="1"/>
-          </p:nvPr>
-        </p:nvPicPr>
-        <p:blipFill>
-          <a:blip r:embed="rId2">
-            <a:extLst>
-              <a:ext uri="{28A0092B-C50C-407E-A947-70E740481C1C}">
-                <a14:useLocalDpi xmlns:a14="http://schemas.microsoft.com/office/drawing/2010/main" val="0"/>
-              </a:ext>
-            </a:extLst>
-          </a:blip>
-          <a:stretch>
-            <a:fillRect/>
-          </a:stretch>
-        </p:blipFill>
-        <p:spPr>
-          <a:xfrm>
-            <a:off x="300783" y="866666"/>
-            <a:ext cx="8838028" cy="6498549"/>
-          </a:xfrm>
-        </p:spPr>
-      </p:pic>
       <p:sp>
         <p:nvSpPr>
           <p:cNvPr id="5" name="TextBox 4"/>
@@ -10351,51 +12983,6 @@
               <a:t>Finding the best total value</a:t>
             </a:r>
             <a:endParaRPr lang="et-EE" sz="1400" b="1" dirty="0">
-              <a:latin typeface="Arial" panose="020B0604020202020204" pitchFamily="34" charset="0"/>
-              <a:cs typeface="Arial" panose="020B0604020202020204" pitchFamily="34" charset="0"/>
-            </a:endParaRPr>
-          </a:p>
-        </p:txBody>
-      </p:sp>
-      <p:sp>
-        <p:nvSpPr>
-          <p:cNvPr id="6" name="TextBox 5"/>
-          <p:cNvSpPr txBox="1"/>
-          <p:nvPr/>
-        </p:nvSpPr>
-        <p:spPr>
-          <a:xfrm>
-            <a:off x="9138811" y="2879699"/>
-            <a:ext cx="2893325" cy="646331"/>
-          </a:xfrm>
-          <a:prstGeom prst="rect">
-            <a:avLst/>
-          </a:prstGeom>
-          <a:noFill/>
-        </p:spPr>
-        <p:txBody>
-          <a:bodyPr wrap="square" rtlCol="0">
-            <a:spAutoFit/>
-          </a:bodyPr>
-          <a:lstStyle/>
-          <a:p>
-            <a:r>
-              <a:rPr lang="en-US" dirty="0" smtClean="0">
-                <a:latin typeface="Arial" panose="020B0604020202020204" pitchFamily="34" charset="0"/>
-                <a:cs typeface="Arial" panose="020B0604020202020204" pitchFamily="34" charset="0"/>
-              </a:rPr>
-              <a:t>30 packages</a:t>
-            </a:r>
-          </a:p>
-          <a:p>
-            <a:r>
-              <a:rPr lang="en-US" dirty="0" smtClean="0">
-                <a:latin typeface="Arial" panose="020B0604020202020204" pitchFamily="34" charset="0"/>
-                <a:cs typeface="Arial" panose="020B0604020202020204" pitchFamily="34" charset="0"/>
-              </a:rPr>
-              <a:t>1000 runs</a:t>
-            </a:r>
-            <a:endParaRPr lang="et-EE" dirty="0">
               <a:latin typeface="Arial" panose="020B0604020202020204" pitchFamily="34" charset="0"/>
               <a:cs typeface="Arial" panose="020B0604020202020204" pitchFamily="34" charset="0"/>
             </a:endParaRPr>
@@ -10440,6 +13027,30 @@
           </a:p>
         </p:txBody>
       </p:sp>
+      <p:pic>
+        <p:nvPicPr>
+          <p:cNvPr id="7" name="Picture 6"/>
+          <p:cNvPicPr>
+            <a:picLocks noChangeAspect="1"/>
+          </p:cNvPicPr>
+          <p:nvPr/>
+        </p:nvPicPr>
+        <p:blipFill>
+          <a:blip r:embed="rId2"/>
+          <a:stretch>
+            <a:fillRect/>
+          </a:stretch>
+        </p:blipFill>
+        <p:spPr>
+          <a:xfrm>
+            <a:off x="1382740" y="944303"/>
+            <a:ext cx="9883588" cy="5913697"/>
+          </a:xfrm>
+          <a:prstGeom prst="rect">
+            <a:avLst/>
+          </a:prstGeom>
+        </p:spPr>
+      </p:pic>
     </p:spTree>
     <p:extLst>
       <p:ext uri="{BB962C8B-B14F-4D97-AF65-F5344CB8AC3E}">
@@ -10479,114 +13090,28 @@
       </p:grpSpPr>
       <p:pic>
         <p:nvPicPr>
-          <p:cNvPr id="4" name="Content Placeholder 3"/>
+          <p:cNvPr id="3" name="Picture 2"/>
           <p:cNvPicPr>
-            <a:picLocks noGrp="1" noChangeAspect="1"/>
+            <a:picLocks noChangeAspect="1"/>
           </p:cNvPicPr>
-          <p:nvPr>
-            <p:ph idx="1"/>
-          </p:nvPr>
+          <p:nvPr/>
         </p:nvPicPr>
         <p:blipFill>
-          <a:blip r:embed="rId2">
-            <a:extLst>
-              <a:ext uri="{28A0092B-C50C-407E-A947-70E740481C1C}">
-                <a14:useLocalDpi xmlns:a14="http://schemas.microsoft.com/office/drawing/2010/main" val="0"/>
-              </a:ext>
-            </a:extLst>
-          </a:blip>
+          <a:blip r:embed="rId2"/>
           <a:stretch>
             <a:fillRect/>
           </a:stretch>
         </p:blipFill>
         <p:spPr>
           <a:xfrm>
-            <a:off x="609647" y="437893"/>
-            <a:ext cx="8621865" cy="6339606"/>
-          </a:xfrm>
-        </p:spPr>
-      </p:pic>
-      <p:sp>
-        <p:nvSpPr>
-          <p:cNvPr id="5" name="TextBox 4"/>
-          <p:cNvSpPr txBox="1"/>
-          <p:nvPr/>
-        </p:nvSpPr>
-        <p:spPr>
-          <a:xfrm>
-            <a:off x="9514847" y="3284531"/>
-            <a:ext cx="3125337" cy="646331"/>
+            <a:off x="773137" y="561735"/>
+            <a:ext cx="11418863" cy="5825618"/>
           </a:xfrm>
           <a:prstGeom prst="rect">
             <a:avLst/>
           </a:prstGeom>
-          <a:noFill/>
         </p:spPr>
-        <p:txBody>
-          <a:bodyPr wrap="square" rtlCol="0">
-            <a:spAutoFit/>
-          </a:bodyPr>
-          <a:lstStyle/>
-          <a:p>
-            <a:r>
-              <a:rPr lang="en-US" dirty="0" smtClean="0">
-                <a:latin typeface="Arial" panose="020B0604020202020204" pitchFamily="34" charset="0"/>
-                <a:cs typeface="Arial" panose="020B0604020202020204" pitchFamily="34" charset="0"/>
-              </a:rPr>
-              <a:t>100 packages</a:t>
-            </a:r>
-          </a:p>
-          <a:p>
-            <a:r>
-              <a:rPr lang="en-US" dirty="0" smtClean="0">
-                <a:latin typeface="Arial" panose="020B0604020202020204" pitchFamily="34" charset="0"/>
-                <a:cs typeface="Arial" panose="020B0604020202020204" pitchFamily="34" charset="0"/>
-              </a:rPr>
-              <a:t>1000 runs</a:t>
-            </a:r>
-            <a:endParaRPr lang="et-EE" dirty="0">
-              <a:latin typeface="Arial" panose="020B0604020202020204" pitchFamily="34" charset="0"/>
-              <a:cs typeface="Arial" panose="020B0604020202020204" pitchFamily="34" charset="0"/>
-            </a:endParaRPr>
-          </a:p>
-        </p:txBody>
-      </p:sp>
-      <p:sp>
-        <p:nvSpPr>
-          <p:cNvPr id="6" name="TextBox 5"/>
-          <p:cNvSpPr txBox="1"/>
-          <p:nvPr/>
-        </p:nvSpPr>
-        <p:spPr>
-          <a:xfrm>
-            <a:off x="3786956" y="1232678"/>
-            <a:ext cx="2729553" cy="307777"/>
-          </a:xfrm>
-          <a:prstGeom prst="rect">
-            <a:avLst/>
-          </a:prstGeom>
-          <a:noFill/>
-        </p:spPr>
-        <p:txBody>
-          <a:bodyPr wrap="square" rtlCol="0">
-            <a:spAutoFit/>
-          </a:bodyPr>
-          <a:lstStyle/>
-          <a:p>
-            <a:r>
-              <a:rPr lang="en-US" sz="1400" b="1" dirty="0" smtClean="0">
-                <a:latin typeface="Arial" panose="020B0604020202020204" pitchFamily="34" charset="0"/>
-                <a:cs typeface="Arial" panose="020B0604020202020204" pitchFamily="34" charset="0"/>
-              </a:rPr>
-              <a:t>Finding the best total value</a:t>
-            </a:r>
-            <a:endParaRPr lang="et-EE" sz="1400" b="1" dirty="0">
-              <a:latin typeface="Arial" panose="020B0604020202020204" pitchFamily="34" charset="0"/>
-              <a:cs typeface="Arial" panose="020B0604020202020204" pitchFamily="34" charset="0"/>
-            </a:endParaRPr>
-          </a:p>
-        </p:txBody>
-      </p:sp>
+      </p:pic>
     </p:spTree>
     <p:extLst>
       <p:ext uri="{BB962C8B-B14F-4D97-AF65-F5344CB8AC3E}">
@@ -10624,126 +13149,94 @@
           <a:chExt cx="0" cy="0"/>
         </a:xfrm>
       </p:grpSpPr>
-      <p:pic>
-        <p:nvPicPr>
-          <p:cNvPr id="4" name="Content Placeholder 3"/>
-          <p:cNvPicPr>
-            <a:picLocks noGrp="1" noChangeAspect="1"/>
-          </p:cNvPicPr>
+      <p:sp>
+        <p:nvSpPr>
+          <p:cNvPr id="3" name="Content Placeholder 2"/>
+          <p:cNvSpPr>
+            <a:spLocks noGrp="1"/>
+          </p:cNvSpPr>
           <p:nvPr>
             <p:ph idx="1"/>
           </p:nvPr>
-        </p:nvPicPr>
-        <p:blipFill>
-          <a:blip r:embed="rId2">
-            <a:extLst>
-              <a:ext uri="{28A0092B-C50C-407E-A947-70E740481C1C}">
-                <a14:useLocalDpi xmlns:a14="http://schemas.microsoft.com/office/drawing/2010/main" val="0"/>
-              </a:ext>
-            </a:extLst>
-          </a:blip>
-          <a:stretch>
-            <a:fillRect/>
-          </a:stretch>
-        </p:blipFill>
-        <p:spPr>
-          <a:xfrm>
-            <a:off x="896522" y="500116"/>
-            <a:ext cx="8646723" cy="6357884"/>
-          </a:xfrm>
-        </p:spPr>
-      </p:pic>
-      <p:sp>
-        <p:nvSpPr>
-          <p:cNvPr id="5" name="TextBox 4"/>
-          <p:cNvSpPr txBox="1"/>
-          <p:nvPr/>
         </p:nvSpPr>
         <p:spPr>
           <a:xfrm>
-            <a:off x="10025276" y="3352159"/>
-            <a:ext cx="1937982" cy="923330"/>
+            <a:off x="804334" y="2410419"/>
+            <a:ext cx="8596668" cy="3880773"/>
           </a:xfrm>
-          <a:prstGeom prst="rect">
-            <a:avLst/>
-          </a:prstGeom>
-          <a:noFill/>
         </p:spPr>
         <p:txBody>
-          <a:bodyPr wrap="square" rtlCol="0">
-            <a:spAutoFit/>
+          <a:bodyPr>
+            <a:normAutofit/>
           </a:bodyPr>
           <a:lstStyle/>
           <a:p>
-            <a:r>
-              <a:rPr lang="en-US" dirty="0">
-                <a:latin typeface="Arial" panose="020B0604020202020204" pitchFamily="34" charset="0"/>
-                <a:cs typeface="Arial" panose="020B0604020202020204" pitchFamily="34" charset="0"/>
-              </a:rPr>
-              <a:t>1</a:t>
-            </a:r>
-            <a:r>
-              <a:rPr lang="en-US" dirty="0" smtClean="0">
-                <a:latin typeface="Arial" panose="020B0604020202020204" pitchFamily="34" charset="0"/>
-                <a:cs typeface="Arial" panose="020B0604020202020204" pitchFamily="34" charset="0"/>
-              </a:rPr>
-              <a:t>0 packages</a:t>
-            </a:r>
-          </a:p>
-          <a:p>
-            <a:r>
-              <a:rPr lang="en-US" dirty="0" smtClean="0">
-                <a:latin typeface="Arial" panose="020B0604020202020204" pitchFamily="34" charset="0"/>
-                <a:cs typeface="Arial" panose="020B0604020202020204" pitchFamily="34" charset="0"/>
-              </a:rPr>
-              <a:t>100000 runs</a:t>
-            </a:r>
-          </a:p>
-          <a:p>
-            <a:endParaRPr lang="et-EE" dirty="0"/>
-          </a:p>
-        </p:txBody>
-      </p:sp>
-      <p:sp>
-        <p:nvSpPr>
-          <p:cNvPr id="6" name="TextBox 5"/>
-          <p:cNvSpPr txBox="1"/>
-          <p:nvPr/>
-        </p:nvSpPr>
-        <p:spPr>
-          <a:xfrm>
-            <a:off x="4148152" y="1254126"/>
-            <a:ext cx="2861532" cy="307777"/>
-          </a:xfrm>
-          <a:prstGeom prst="rect">
-            <a:avLst/>
-          </a:prstGeom>
-          <a:noFill/>
-        </p:spPr>
-        <p:txBody>
-          <a:bodyPr wrap="square" rtlCol="0">
-            <a:spAutoFit/>
-          </a:bodyPr>
-          <a:lstStyle/>
-          <a:p>
-            <a:r>
-              <a:rPr lang="en-US" sz="1400" b="1" dirty="0" smtClean="0">
-                <a:latin typeface="Arial" panose="020B0604020202020204" pitchFamily="34" charset="0"/>
-                <a:cs typeface="Arial" panose="020B0604020202020204" pitchFamily="34" charset="0"/>
-              </a:rPr>
-              <a:t>Packages that remain unused</a:t>
-            </a:r>
-            <a:endParaRPr lang="et-EE" sz="1400" b="1" dirty="0">
+            <a:pPr>
+              <a:buClr>
+                <a:schemeClr val="tx1"/>
+              </a:buClr>
+              <a:buFont typeface="Arial" panose="020B0604020202020204" pitchFamily="34" charset="0"/>
+              <a:buChar char="•"/>
+            </a:pPr>
+            <a:endParaRPr lang="en-US" dirty="0" smtClean="0">
+              <a:solidFill>
+                <a:schemeClr val="tx1"/>
+              </a:solidFill>
               <a:latin typeface="Arial" panose="020B0604020202020204" pitchFamily="34" charset="0"/>
               <a:cs typeface="Arial" panose="020B0604020202020204" pitchFamily="34" charset="0"/>
             </a:endParaRPr>
           </a:p>
+          <a:p>
+            <a:pPr marL="457200" lvl="1" indent="0">
+              <a:buClr>
+                <a:schemeClr val="tx1"/>
+              </a:buClr>
+              <a:buNone/>
+            </a:pPr>
+            <a:endParaRPr lang="en-US" dirty="0" smtClean="0">
+              <a:solidFill>
+                <a:schemeClr val="tx1"/>
+              </a:solidFill>
+              <a:latin typeface="Arial" panose="020B0604020202020204" pitchFamily="34" charset="0"/>
+              <a:cs typeface="Arial" panose="020B0604020202020204" pitchFamily="34" charset="0"/>
+            </a:endParaRPr>
+          </a:p>
         </p:txBody>
       </p:sp>
+      <p:graphicFrame>
+        <p:nvGraphicFramePr>
+          <p:cNvPr id="8" name="Wykres 10">
+            <a:extLst>
+              <a:ext uri="{FF2B5EF4-FFF2-40B4-BE49-F238E27FC236}">
+                <a16:creationId xmlns:xdr="http://schemas.openxmlformats.org/drawingml/2006/spreadsheetDrawing" xmlns:a16="http://schemas.microsoft.com/office/drawing/2014/main" xmlns="" xmlns:lc="http://schemas.openxmlformats.org/drawingml/2006/lockedCanvas" id="{00000000-0008-0000-0000-00000B000000}"/>
+              </a:ext>
+            </a:extLst>
+          </p:cNvPr>
+          <p:cNvGraphicFramePr>
+            <a:graphicFrameLocks/>
+          </p:cNvGraphicFramePr>
+          <p:nvPr>
+            <p:extLst>
+              <p:ext uri="{D42A27DB-BD31-4B8C-83A1-F6EECF244321}">
+                <p14:modId xmlns:p14="http://schemas.microsoft.com/office/powerpoint/2010/main" val="1369424361"/>
+              </p:ext>
+            </p:extLst>
+          </p:nvPr>
+        </p:nvGraphicFramePr>
+        <p:xfrm>
+          <a:off x="1026367" y="317240"/>
+          <a:ext cx="10636898" cy="6291192"/>
+        </p:xfrm>
+        <a:graphic>
+          <a:graphicData uri="http://schemas.openxmlformats.org/drawingml/2006/chart">
+            <c:chart xmlns:c="http://schemas.openxmlformats.org/drawingml/2006/chart" xmlns:r="http://schemas.openxmlformats.org/officeDocument/2006/relationships" r:id="rId2"/>
+          </a:graphicData>
+        </a:graphic>
+      </p:graphicFrame>
     </p:spTree>
     <p:extLst>
       <p:ext uri="{BB962C8B-B14F-4D97-AF65-F5344CB8AC3E}">
-        <p14:creationId xmlns:p14="http://schemas.microsoft.com/office/powerpoint/2010/main" val="4283857054"/>
+        <p14:creationId xmlns:p14="http://schemas.microsoft.com/office/powerpoint/2010/main" val="2763357709"/>
       </p:ext>
     </p:extLst>
   </p:cSld>
@@ -10777,175 +13270,40 @@
           <a:chExt cx="0" cy="0"/>
         </a:xfrm>
       </p:grpSpPr>
-      <p:sp>
-        <p:nvSpPr>
-          <p:cNvPr id="3" name="Content Placeholder 2"/>
-          <p:cNvSpPr>
-            <a:spLocks noGrp="1"/>
-          </p:cNvSpPr>
-          <p:nvPr>
-            <p:ph idx="1"/>
-          </p:nvPr>
-        </p:nvSpPr>
-        <p:spPr>
-          <a:xfrm>
-            <a:off x="804334" y="2410419"/>
-            <a:ext cx="8596668" cy="3880773"/>
-          </a:xfrm>
-        </p:spPr>
-        <p:txBody>
-          <a:bodyPr>
-            <a:normAutofit/>
-          </a:bodyPr>
-          <a:lstStyle/>
-          <a:p>
-            <a:pPr>
-              <a:buClr>
-                <a:schemeClr val="tx1"/>
-              </a:buClr>
-              <a:buFont typeface="Arial" panose="020B0604020202020204" pitchFamily="34" charset="0"/>
-              <a:buChar char="•"/>
-            </a:pPr>
-            <a:endParaRPr lang="en-US" dirty="0" smtClean="0">
-              <a:solidFill>
-                <a:schemeClr val="tx1"/>
-              </a:solidFill>
-              <a:latin typeface="Arial" panose="020B0604020202020204" pitchFamily="34" charset="0"/>
-              <a:cs typeface="Arial" panose="020B0604020202020204" pitchFamily="34" charset="0"/>
-            </a:endParaRPr>
-          </a:p>
-          <a:p>
-            <a:pPr marL="457200" lvl="1" indent="0">
-              <a:buClr>
-                <a:schemeClr val="tx1"/>
-              </a:buClr>
-              <a:buNone/>
-            </a:pPr>
-            <a:endParaRPr lang="en-US" dirty="0" smtClean="0">
-              <a:solidFill>
-                <a:schemeClr val="tx1"/>
-              </a:solidFill>
-              <a:latin typeface="Arial" panose="020B0604020202020204" pitchFamily="34" charset="0"/>
-              <a:cs typeface="Arial" panose="020B0604020202020204" pitchFamily="34" charset="0"/>
-            </a:endParaRPr>
-          </a:p>
-        </p:txBody>
-      </p:sp>
-      <p:pic>
-        <p:nvPicPr>
-          <p:cNvPr id="4" name="Picture 3"/>
-          <p:cNvPicPr>
-            <a:picLocks noChangeAspect="1"/>
-          </p:cNvPicPr>
-          <p:nvPr/>
-        </p:nvPicPr>
-        <p:blipFill>
-          <a:blip r:embed="rId2">
+      <p:graphicFrame>
+        <p:nvGraphicFramePr>
+          <p:cNvPr id="10" name="Wykres 14">
             <a:extLst>
-              <a:ext uri="{28A0092B-C50C-407E-A947-70E740481C1C}">
-                <a14:useLocalDpi xmlns:a14="http://schemas.microsoft.com/office/drawing/2010/main" val="0"/>
+              <a:ext uri="{FF2B5EF4-FFF2-40B4-BE49-F238E27FC236}">
+                <a16:creationId xmlns:xdr="http://schemas.openxmlformats.org/drawingml/2006/spreadsheetDrawing" xmlns:a16="http://schemas.microsoft.com/office/drawing/2014/main" xmlns="" xmlns:lc="http://schemas.openxmlformats.org/drawingml/2006/lockedCanvas" id="{00000000-0008-0000-0000-00000F000000}"/>
               </a:ext>
             </a:extLst>
-          </a:blip>
-          <a:stretch>
-            <a:fillRect/>
-          </a:stretch>
-        </p:blipFill>
-        <p:spPr>
-          <a:xfrm>
-            <a:off x="1123414" y="679236"/>
-            <a:ext cx="8406951" cy="6181582"/>
-          </a:xfrm>
-          <a:prstGeom prst="rect">
-            <a:avLst/>
-          </a:prstGeom>
-        </p:spPr>
-      </p:pic>
-      <p:sp>
-        <p:nvSpPr>
-          <p:cNvPr id="5" name="TextBox 4"/>
-          <p:cNvSpPr txBox="1"/>
-          <p:nvPr/>
-        </p:nvSpPr>
-        <p:spPr>
-          <a:xfrm>
-            <a:off x="9720082" y="3233290"/>
-            <a:ext cx="2101755" cy="646331"/>
-          </a:xfrm>
-          <a:prstGeom prst="rect">
-            <a:avLst/>
-          </a:prstGeom>
-          <a:noFill/>
-        </p:spPr>
-        <p:txBody>
-          <a:bodyPr wrap="square" rtlCol="0">
-            <a:spAutoFit/>
-          </a:bodyPr>
-          <a:lstStyle/>
-          <a:p>
-            <a:r>
-              <a:rPr lang="en-US" dirty="0" smtClean="0">
-                <a:latin typeface="Arial" panose="020B0604020202020204" pitchFamily="34" charset="0"/>
-                <a:cs typeface="Arial" panose="020B0604020202020204" pitchFamily="34" charset="0"/>
-              </a:rPr>
-              <a:t>10 packages</a:t>
-            </a:r>
-          </a:p>
-          <a:p>
-            <a:r>
-              <a:rPr lang="en-US" dirty="0" smtClean="0">
-                <a:latin typeface="Arial" panose="020B0604020202020204" pitchFamily="34" charset="0"/>
-                <a:cs typeface="Arial" panose="020B0604020202020204" pitchFamily="34" charset="0"/>
-              </a:rPr>
-              <a:t>100000 runs</a:t>
-            </a:r>
-            <a:endParaRPr lang="et-EE" dirty="0">
-              <a:latin typeface="Arial" panose="020B0604020202020204" pitchFamily="34" charset="0"/>
-              <a:cs typeface="Arial" panose="020B0604020202020204" pitchFamily="34" charset="0"/>
-            </a:endParaRPr>
-          </a:p>
-        </p:txBody>
-      </p:sp>
-      <p:sp>
-        <p:nvSpPr>
-          <p:cNvPr id="6" name="TextBox 5"/>
-          <p:cNvSpPr txBox="1"/>
-          <p:nvPr/>
-        </p:nvSpPr>
-        <p:spPr>
-          <a:xfrm>
-            <a:off x="4246993" y="1520137"/>
-            <a:ext cx="2715904" cy="307777"/>
-          </a:xfrm>
-          <a:prstGeom prst="rect">
-            <a:avLst/>
-          </a:prstGeom>
-          <a:noFill/>
-        </p:spPr>
-        <p:txBody>
-          <a:bodyPr wrap="square" rtlCol="0">
-            <a:spAutoFit/>
-          </a:bodyPr>
-          <a:lstStyle/>
-          <a:p>
-            <a:r>
-              <a:rPr lang="en-US" sz="1400" b="1" dirty="0" smtClean="0">
-                <a:latin typeface="Arial" panose="020B0604020202020204" pitchFamily="34" charset="0"/>
-                <a:cs typeface="Arial" panose="020B0604020202020204" pitchFamily="34" charset="0"/>
-              </a:rPr>
-              <a:t>Finding the best total value</a:t>
-            </a:r>
-            <a:endParaRPr lang="et-EE" sz="1400" b="1" dirty="0">
-              <a:latin typeface="Arial" panose="020B0604020202020204" pitchFamily="34" charset="0"/>
-              <a:cs typeface="Arial" panose="020B0604020202020204" pitchFamily="34" charset="0"/>
-            </a:endParaRPr>
-          </a:p>
-        </p:txBody>
-      </p:sp>
+          </p:cNvPr>
+          <p:cNvGraphicFramePr>
+            <a:graphicFrameLocks/>
+          </p:cNvGraphicFramePr>
+          <p:nvPr>
+            <p:extLst>
+              <p:ext uri="{D42A27DB-BD31-4B8C-83A1-F6EECF244321}">
+                <p14:modId xmlns:p14="http://schemas.microsoft.com/office/powerpoint/2010/main" val="2337096031"/>
+              </p:ext>
+            </p:extLst>
+          </p:nvPr>
+        </p:nvGraphicFramePr>
+        <p:xfrm>
+          <a:off x="802433" y="783771"/>
+          <a:ext cx="11252718" cy="5635689"/>
+        </p:xfrm>
+        <a:graphic>
+          <a:graphicData uri="http://schemas.openxmlformats.org/drawingml/2006/chart">
+            <c:chart xmlns:c="http://schemas.openxmlformats.org/drawingml/2006/chart" xmlns:r="http://schemas.openxmlformats.org/officeDocument/2006/relationships" r:id="rId2"/>
+          </a:graphicData>
+        </a:graphic>
+      </p:graphicFrame>
     </p:spTree>
     <p:extLst>
       <p:ext uri="{BB962C8B-B14F-4D97-AF65-F5344CB8AC3E}">
-        <p14:creationId xmlns:p14="http://schemas.microsoft.com/office/powerpoint/2010/main" val="2763357709"/>
+        <p14:creationId xmlns:p14="http://schemas.microsoft.com/office/powerpoint/2010/main" val="4283857054"/>
       </p:ext>
     </p:extLst>
   </p:cSld>
@@ -10991,7 +13349,7 @@
         </p:nvSpPr>
         <p:spPr>
           <a:xfrm>
-            <a:off x="942345" y="147918"/>
+            <a:off x="1157915" y="576449"/>
             <a:ext cx="8596668" cy="1320800"/>
           </a:xfrm>
         </p:spPr>
@@ -11194,61 +13552,29 @@
           <a:chExt cx="0" cy="0"/>
         </a:xfrm>
       </p:grpSpPr>
-      <p:sp>
-        <p:nvSpPr>
-          <p:cNvPr id="2" name="Title 1"/>
-          <p:cNvSpPr>
-            <a:spLocks noGrp="1"/>
-          </p:cNvSpPr>
-          <p:nvPr>
-            <p:ph type="title"/>
-          </p:nvPr>
-        </p:nvSpPr>
-        <p:spPr>
-          <a:xfrm>
-            <a:off x="891851" y="237634"/>
-            <a:ext cx="9875520" cy="1356360"/>
-          </a:xfrm>
-        </p:spPr>
-        <p:txBody>
-          <a:bodyPr/>
-          <a:lstStyle/>
-          <a:p>
-            <a:r>
-              <a:rPr lang="en-US" sz="3200" dirty="0" smtClean="0">
-                <a:solidFill>
-                  <a:srgbClr val="0070C0"/>
-                </a:solidFill>
-                <a:cs typeface="Arial" panose="020B0604020202020204" pitchFamily="34" charset="0"/>
-              </a:rPr>
-              <a:t>EXPERIMENTS AND RESULTS (HILL CLIMBING)</a:t>
-            </a:r>
-            <a:endParaRPr lang="et-EE" dirty="0">
-              <a:solidFill>
-                <a:srgbClr val="0070C0"/>
-              </a:solidFill>
-              <a:cs typeface="Arial" panose="020B0604020202020204" pitchFamily="34" charset="0"/>
-            </a:endParaRPr>
-          </a:p>
-        </p:txBody>
-      </p:sp>
       <p:graphicFrame>
         <p:nvGraphicFramePr>
-          <p:cNvPr id="4" name="Chart 3"/>
+          <p:cNvPr id="4" name="Wykres 15">
+            <a:extLst>
+              <a:ext uri="{FF2B5EF4-FFF2-40B4-BE49-F238E27FC236}">
+                <a16:creationId xmlns:xdr="http://schemas.openxmlformats.org/drawingml/2006/spreadsheetDrawing" xmlns:a16="http://schemas.microsoft.com/office/drawing/2014/main" xmlns="" xmlns:lc="http://schemas.openxmlformats.org/drawingml/2006/lockedCanvas" id="{00000000-0008-0000-0000-000010000000}"/>
+              </a:ext>
+            </a:extLst>
+          </p:cNvPr>
           <p:cNvGraphicFramePr>
             <a:graphicFrameLocks/>
           </p:cNvGraphicFramePr>
           <p:nvPr>
             <p:extLst>
               <p:ext uri="{D42A27DB-BD31-4B8C-83A1-F6EECF244321}">
-                <p14:modId xmlns:p14="http://schemas.microsoft.com/office/powerpoint/2010/main" val="3610469724"/>
+                <p14:modId xmlns:p14="http://schemas.microsoft.com/office/powerpoint/2010/main" val="1897182453"/>
               </p:ext>
             </p:extLst>
           </p:nvPr>
         </p:nvGraphicFramePr>
         <p:xfrm>
-          <a:off x="891851" y="759854"/>
-          <a:ext cx="11021107" cy="5819322"/>
+          <a:off x="783771" y="877079"/>
+          <a:ext cx="11234057" cy="5635688"/>
         </p:xfrm>
         <a:graphic>
           <a:graphicData uri="http://schemas.openxmlformats.org/drawingml/2006/chart">
@@ -11259,7 +13585,7 @@
     </p:spTree>
     <p:extLst>
       <p:ext uri="{BB962C8B-B14F-4D97-AF65-F5344CB8AC3E}">
-        <p14:creationId xmlns:p14="http://schemas.microsoft.com/office/powerpoint/2010/main" val="4279248667"/>
+        <p14:creationId xmlns:p14="http://schemas.microsoft.com/office/powerpoint/2010/main" val="1241024917"/>
       </p:ext>
     </p:extLst>
   </p:cSld>
@@ -11293,6 +13619,166 @@
           <a:chExt cx="0" cy="0"/>
         </a:xfrm>
       </p:grpSpPr>
+      <p:graphicFrame>
+        <p:nvGraphicFramePr>
+          <p:cNvPr id="4" name="Chart 3" title="Score efficiency (average percentage of maximum score to achieve for certain type of package)"/>
+          <p:cNvGraphicFramePr>
+            <a:graphicFrameLocks/>
+          </p:cNvGraphicFramePr>
+          <p:nvPr>
+            <p:extLst>
+              <p:ext uri="{D42A27DB-BD31-4B8C-83A1-F6EECF244321}">
+                <p14:modId xmlns:p14="http://schemas.microsoft.com/office/powerpoint/2010/main" val="3645466179"/>
+              </p:ext>
+            </p:extLst>
+          </p:nvPr>
+        </p:nvGraphicFramePr>
+        <p:xfrm>
+          <a:off x="765110" y="765108"/>
+          <a:ext cx="11426890" cy="5859625"/>
+        </p:xfrm>
+        <a:graphic>
+          <a:graphicData uri="http://schemas.openxmlformats.org/drawingml/2006/chart">
+            <c:chart xmlns:c="http://schemas.openxmlformats.org/drawingml/2006/chart" xmlns:r="http://schemas.openxmlformats.org/officeDocument/2006/relationships" r:id="rId2"/>
+          </a:graphicData>
+        </a:graphic>
+      </p:graphicFrame>
+    </p:spTree>
+    <p:extLst>
+      <p:ext uri="{BB962C8B-B14F-4D97-AF65-F5344CB8AC3E}">
+        <p14:creationId xmlns:p14="http://schemas.microsoft.com/office/powerpoint/2010/main" val="2285983471"/>
+      </p:ext>
+    </p:extLst>
+  </p:cSld>
+  <p:clrMapOvr>
+    <a:masterClrMapping/>
+  </p:clrMapOvr>
+  <p:timing>
+    <p:tnLst>
+      <p:par>
+        <p:cTn id="1" dur="indefinite" restart="never" nodeType="tmRoot"/>
+      </p:par>
+    </p:tnLst>
+  </p:timing>
+</p:sld>
+</file>
+
+<file path=ppt/slides/slide22.xml><?xml version="1.0" encoding="utf-8"?>
+<p:sld xmlns:a="http://schemas.openxmlformats.org/drawingml/2006/main" xmlns:r="http://schemas.openxmlformats.org/officeDocument/2006/relationships" xmlns:p="http://schemas.openxmlformats.org/presentationml/2006/main">
+  <p:cSld>
+    <p:spTree>
+      <p:nvGrpSpPr>
+        <p:cNvPr id="1" name=""/>
+        <p:cNvGrpSpPr/>
+        <p:nvPr/>
+      </p:nvGrpSpPr>
+      <p:grpSpPr>
+        <a:xfrm>
+          <a:off x="0" y="0"/>
+          <a:ext cx="0" cy="0"/>
+          <a:chOff x="0" y="0"/>
+          <a:chExt cx="0" cy="0"/>
+        </a:xfrm>
+      </p:grpSpPr>
+      <p:sp>
+        <p:nvSpPr>
+          <p:cNvPr id="2" name="Title 1"/>
+          <p:cNvSpPr>
+            <a:spLocks noGrp="1"/>
+          </p:cNvSpPr>
+          <p:nvPr>
+            <p:ph type="title"/>
+          </p:nvPr>
+        </p:nvSpPr>
+        <p:spPr>
+          <a:xfrm>
+            <a:off x="891851" y="237634"/>
+            <a:ext cx="9875520" cy="1356360"/>
+          </a:xfrm>
+        </p:spPr>
+        <p:txBody>
+          <a:bodyPr/>
+          <a:lstStyle/>
+          <a:p>
+            <a:r>
+              <a:rPr lang="en-US" sz="3200" dirty="0" smtClean="0">
+                <a:solidFill>
+                  <a:srgbClr val="0070C0"/>
+                </a:solidFill>
+                <a:cs typeface="Arial" panose="020B0604020202020204" pitchFamily="34" charset="0"/>
+              </a:rPr>
+              <a:t>EXPERIMENTS AND RESULTS (HILL CLIMBING)</a:t>
+            </a:r>
+            <a:endParaRPr lang="et-EE" dirty="0">
+              <a:solidFill>
+                <a:srgbClr val="0070C0"/>
+              </a:solidFill>
+              <a:cs typeface="Arial" panose="020B0604020202020204" pitchFamily="34" charset="0"/>
+            </a:endParaRPr>
+          </a:p>
+        </p:txBody>
+      </p:sp>
+      <p:pic>
+        <p:nvPicPr>
+          <p:cNvPr id="3" name="Picture 2"/>
+          <p:cNvPicPr>
+            <a:picLocks noChangeAspect="1"/>
+          </p:cNvPicPr>
+          <p:nvPr/>
+        </p:nvPicPr>
+        <p:blipFill>
+          <a:blip r:embed="rId2"/>
+          <a:stretch>
+            <a:fillRect/>
+          </a:stretch>
+        </p:blipFill>
+        <p:spPr>
+          <a:xfrm>
+            <a:off x="891851" y="841169"/>
+            <a:ext cx="10779333" cy="5702690"/>
+          </a:xfrm>
+          <a:prstGeom prst="rect">
+            <a:avLst/>
+          </a:prstGeom>
+        </p:spPr>
+      </p:pic>
+    </p:spTree>
+    <p:extLst>
+      <p:ext uri="{BB962C8B-B14F-4D97-AF65-F5344CB8AC3E}">
+        <p14:creationId xmlns:p14="http://schemas.microsoft.com/office/powerpoint/2010/main" val="4279248667"/>
+      </p:ext>
+    </p:extLst>
+  </p:cSld>
+  <p:clrMapOvr>
+    <a:masterClrMapping/>
+  </p:clrMapOvr>
+  <p:timing>
+    <p:tnLst>
+      <p:par>
+        <p:cTn id="1" dur="indefinite" restart="never" nodeType="tmRoot"/>
+      </p:par>
+    </p:tnLst>
+  </p:timing>
+</p:sld>
+</file>
+
+<file path=ppt/slides/slide23.xml><?xml version="1.0" encoding="utf-8"?>
+<p:sld xmlns:a="http://schemas.openxmlformats.org/drawingml/2006/main" xmlns:r="http://schemas.openxmlformats.org/officeDocument/2006/relationships" xmlns:p="http://schemas.openxmlformats.org/presentationml/2006/main">
+  <p:cSld>
+    <p:spTree>
+      <p:nvGrpSpPr>
+        <p:cNvPr id="1" name=""/>
+        <p:cNvGrpSpPr/>
+        <p:nvPr/>
+      </p:nvGrpSpPr>
+      <p:grpSpPr>
+        <a:xfrm>
+          <a:off x="0" y="0"/>
+          <a:ext cx="0" cy="0"/>
+          <a:chOff x="0" y="0"/>
+          <a:chExt cx="0" cy="0"/>
+        </a:xfrm>
+      </p:grpSpPr>
       <p:sp>
         <p:nvSpPr>
           <p:cNvPr id="3" name="Content Placeholder 2"/>
@@ -11305,12 +13791,14 @@
         </p:nvSpPr>
         <p:spPr>
           <a:xfrm>
-            <a:off x="1008529" y="914400"/>
-            <a:ext cx="10717306" cy="4168588"/>
+            <a:off x="1371600" y="1604865"/>
+            <a:ext cx="9601200" cy="4262535"/>
           </a:xfrm>
         </p:spPr>
         <p:txBody>
-          <a:bodyPr/>
+          <a:bodyPr>
+            <a:normAutofit/>
+          </a:bodyPr>
           <a:lstStyle/>
           <a:p>
             <a:pPr>
@@ -11318,37 +13806,11 @@
               <a:buChar char="•"/>
             </a:pPr>
             <a:r>
-              <a:rPr lang="en-US" sz="4400" dirty="0" smtClean="0">
+              <a:rPr lang="en-US" sz="4000" dirty="0" smtClean="0">
                 <a:latin typeface="Arial" panose="020B0604020202020204" pitchFamily="34" charset="0"/>
                 <a:cs typeface="Arial" panose="020B0604020202020204" pitchFamily="34" charset="0"/>
               </a:rPr>
-              <a:t>Increase in mutation</a:t>
-            </a:r>
-          </a:p>
-          <a:p>
-            <a:pPr lvl="1">
-              <a:buFont typeface="Arial" panose="020B0604020202020204" pitchFamily="34" charset="0"/>
-              <a:buChar char="•"/>
-            </a:pPr>
-            <a:r>
-              <a:rPr lang="en-US" sz="4400" dirty="0" smtClean="0">
-                <a:latin typeface="Arial" panose="020B0604020202020204" pitchFamily="34" charset="0"/>
-                <a:cs typeface="Arial" panose="020B0604020202020204" pitchFamily="34" charset="0"/>
-              </a:rPr>
-              <a:t>Better average value</a:t>
-            </a:r>
-          </a:p>
-          <a:p>
-            <a:pPr lvl="1">
-              <a:buFont typeface="Arial" panose="020B0604020202020204" pitchFamily="34" charset="0"/>
-              <a:buChar char="•"/>
-            </a:pPr>
-            <a:r>
-              <a:rPr lang="en-US" sz="4400" dirty="0" smtClean="0">
-                <a:latin typeface="Arial" panose="020B0604020202020204" pitchFamily="34" charset="0"/>
-                <a:cs typeface="Arial" panose="020B0604020202020204" pitchFamily="34" charset="0"/>
-              </a:rPr>
-              <a:t>Longer runtime</a:t>
+              <a:t>Mutation rate can increase average runtime.</a:t>
             </a:r>
           </a:p>
           <a:p>
@@ -11357,36 +13819,43 @@
               <a:buChar char="•"/>
             </a:pPr>
             <a:r>
-              <a:rPr lang="en-US" sz="4400" dirty="0" smtClean="0">
+              <a:rPr lang="en-US" sz="4000" dirty="0" err="1" smtClean="0">
                 <a:latin typeface="Arial" panose="020B0604020202020204" pitchFamily="34" charset="0"/>
                 <a:cs typeface="Arial" panose="020B0604020202020204" pitchFamily="34" charset="0"/>
               </a:rPr>
-              <a:t>Increasing the </a:t>
-            </a:r>
-            <a:r>
-              <a:rPr lang="en-US" sz="4400" dirty="0" err="1" smtClean="0">
+              <a:t>Neighbourhood</a:t>
+            </a:r>
+            <a:r>
+              <a:rPr lang="en-US" sz="4000" dirty="0" smtClean="0">
                 <a:latin typeface="Arial" panose="020B0604020202020204" pitchFamily="34" charset="0"/>
                 <a:cs typeface="Arial" panose="020B0604020202020204" pitchFamily="34" charset="0"/>
               </a:rPr>
-              <a:t>neighbourhood</a:t>
-            </a:r>
-            <a:r>
-              <a:rPr lang="en-US" sz="4400" dirty="0" smtClean="0">
+              <a:t> size is related to the performance.</a:t>
+            </a:r>
+          </a:p>
+          <a:p>
+            <a:pPr>
+              <a:buFont typeface="Arial" panose="020B0604020202020204" pitchFamily="34" charset="0"/>
+              <a:buChar char="•"/>
+            </a:pPr>
+            <a:r>
+              <a:rPr lang="en-US" sz="4000" dirty="0" smtClean="0">
                 <a:latin typeface="Arial" panose="020B0604020202020204" pitchFamily="34" charset="0"/>
                 <a:cs typeface="Arial" panose="020B0604020202020204" pitchFamily="34" charset="0"/>
               </a:rPr>
-              <a:t> size has no significant affect after a certain point</a:t>
-            </a:r>
-          </a:p>
-          <a:p>
-            <a:endParaRPr lang="et-EE" dirty="0"/>
+              <a:t>Better results with rotation disabled.</a:t>
+            </a:r>
+            <a:endParaRPr lang="et-EE" sz="4000" dirty="0">
+              <a:latin typeface="Arial" panose="020B0604020202020204" pitchFamily="34" charset="0"/>
+              <a:cs typeface="Arial" panose="020B0604020202020204" pitchFamily="34" charset="0"/>
+            </a:endParaRPr>
           </a:p>
         </p:txBody>
       </p:sp>
     </p:spTree>
     <p:extLst>
       <p:ext uri="{BB962C8B-B14F-4D97-AF65-F5344CB8AC3E}">
-        <p14:creationId xmlns:p14="http://schemas.microsoft.com/office/powerpoint/2010/main" val="2632855120"/>
+        <p14:creationId xmlns:p14="http://schemas.microsoft.com/office/powerpoint/2010/main" val="2244298874"/>
       </p:ext>
     </p:extLst>
   </p:cSld>
@@ -11396,7 +13865,68 @@
 </p:sld>
 </file>
 
-<file path=ppt/slides/slide22.xml><?xml version="1.0" encoding="utf-8"?>
+<file path=ppt/slides/slide24.xml><?xml version="1.0" encoding="utf-8"?>
+<p:sld xmlns:a="http://schemas.openxmlformats.org/drawingml/2006/main" xmlns:r="http://schemas.openxmlformats.org/officeDocument/2006/relationships" xmlns:p="http://schemas.openxmlformats.org/presentationml/2006/main">
+  <p:cSld>
+    <p:spTree>
+      <p:nvGrpSpPr>
+        <p:cNvPr id="1" name=""/>
+        <p:cNvGrpSpPr/>
+        <p:nvPr/>
+      </p:nvGrpSpPr>
+      <p:grpSpPr>
+        <a:xfrm>
+          <a:off x="0" y="0"/>
+          <a:ext cx="0" cy="0"/>
+          <a:chOff x="0" y="0"/>
+          <a:chExt cx="0" cy="0"/>
+        </a:xfrm>
+      </p:grpSpPr>
+      <p:pic>
+        <p:nvPicPr>
+          <p:cNvPr id="4" name="Picture 3"/>
+          <p:cNvPicPr>
+            <a:picLocks noChangeAspect="1"/>
+          </p:cNvPicPr>
+          <p:nvPr/>
+        </p:nvPicPr>
+        <p:blipFill>
+          <a:blip r:embed="rId2"/>
+          <a:stretch>
+            <a:fillRect/>
+          </a:stretch>
+        </p:blipFill>
+        <p:spPr>
+          <a:xfrm>
+            <a:off x="901117" y="174811"/>
+            <a:ext cx="11007727" cy="6266330"/>
+          </a:xfrm>
+          <a:prstGeom prst="rect">
+            <a:avLst/>
+          </a:prstGeom>
+        </p:spPr>
+      </p:pic>
+    </p:spTree>
+    <p:extLst>
+      <p:ext uri="{BB962C8B-B14F-4D97-AF65-F5344CB8AC3E}">
+        <p14:creationId xmlns:p14="http://schemas.microsoft.com/office/powerpoint/2010/main" val="2871772002"/>
+      </p:ext>
+    </p:extLst>
+  </p:cSld>
+  <p:clrMapOvr>
+    <a:masterClrMapping/>
+  </p:clrMapOvr>
+  <p:timing>
+    <p:tnLst>
+      <p:par>
+        <p:cTn id="1" dur="indefinite" restart="never" nodeType="tmRoot"/>
+      </p:par>
+    </p:tnLst>
+  </p:timing>
+</p:sld>
+</file>
+
+<file path=ppt/slides/slide25.xml><?xml version="1.0" encoding="utf-8"?>
 <p:sld xmlns:a="http://schemas.openxmlformats.org/drawingml/2006/main" xmlns:r="http://schemas.openxmlformats.org/officeDocument/2006/relationships" xmlns:p="http://schemas.openxmlformats.org/presentationml/2006/main">
   <p:cSld>
     <p:spTree>
@@ -11493,7 +14023,7 @@
 </p:sld>
 </file>
 
-<file path=ppt/slides/slide23.xml><?xml version="1.0" encoding="utf-8"?>
+<file path=ppt/slides/slide26.xml><?xml version="1.0" encoding="utf-8"?>
 <p:sld xmlns:a="http://schemas.openxmlformats.org/drawingml/2006/main" xmlns:r="http://schemas.openxmlformats.org/officeDocument/2006/relationships" xmlns:p="http://schemas.openxmlformats.org/presentationml/2006/main">
   <p:cSld>
     <p:spTree>
@@ -11628,7 +14158,7 @@
 </p:sld>
 </file>
 
-<file path=ppt/slides/slide24.xml><?xml version="1.0" encoding="utf-8"?>
+<file path=ppt/slides/slide27.xml><?xml version="1.0" encoding="utf-8"?>
 <p:sld xmlns:a="http://schemas.openxmlformats.org/drawingml/2006/main" xmlns:r="http://schemas.openxmlformats.org/officeDocument/2006/relationships" xmlns:p="http://schemas.openxmlformats.org/presentationml/2006/main">
   <p:cSld>
     <p:spTree>
@@ -11687,7 +14217,7 @@
 </p:sld>
 </file>
 
-<file path=ppt/slides/slide25.xml><?xml version="1.0" encoding="utf-8"?>
+<file path=ppt/slides/slide28.xml><?xml version="1.0" encoding="utf-8"?>
 <p:sld xmlns:a="http://schemas.openxmlformats.org/drawingml/2006/main" xmlns:r="http://schemas.openxmlformats.org/officeDocument/2006/relationships" xmlns:p="http://schemas.openxmlformats.org/presentationml/2006/main">
   <p:cSld>
     <p:spTree>
@@ -11735,7 +14265,31 @@
                 <a:latin typeface="Arial" panose="020B0604020202020204" pitchFamily="34" charset="0"/>
                 <a:cs typeface="Arial" panose="020B0604020202020204" pitchFamily="34" charset="0"/>
               </a:rPr>
-              <a:t>Increasing the mutation probability decreases the performance of the algorithm (both value and runtime wise)</a:t>
+              <a:t>Increasing the mutation probability </a:t>
+            </a:r>
+            <a:r>
+              <a:rPr lang="en-US" sz="4400" b="1" dirty="0" smtClean="0">
+                <a:solidFill>
+                  <a:srgbClr val="0070C0"/>
+                </a:solidFill>
+                <a:latin typeface="Arial" panose="020B0604020202020204" pitchFamily="34" charset="0"/>
+                <a:cs typeface="Arial" panose="020B0604020202020204" pitchFamily="34" charset="0"/>
+              </a:rPr>
+              <a:t>decreases</a:t>
+            </a:r>
+            <a:r>
+              <a:rPr lang="en-US" sz="4400" b="1" dirty="0" smtClean="0">
+                <a:latin typeface="Arial" panose="020B0604020202020204" pitchFamily="34" charset="0"/>
+                <a:cs typeface="Arial" panose="020B0604020202020204" pitchFamily="34" charset="0"/>
+              </a:rPr>
+              <a:t> </a:t>
+            </a:r>
+            <a:r>
+              <a:rPr lang="en-US" sz="4400" dirty="0" smtClean="0">
+                <a:latin typeface="Arial" panose="020B0604020202020204" pitchFamily="34" charset="0"/>
+                <a:cs typeface="Arial" panose="020B0604020202020204" pitchFamily="34" charset="0"/>
+              </a:rPr>
+              <a:t>the performance of the algorithm (both value and runtime wise)</a:t>
             </a:r>
           </a:p>
           <a:p>
@@ -11748,7 +14302,42 @@
                 <a:latin typeface="Arial" panose="020B0604020202020204" pitchFamily="34" charset="0"/>
                 <a:cs typeface="Arial" panose="020B0604020202020204" pitchFamily="34" charset="0"/>
               </a:rPr>
-              <a:t>This could be due to the way best solution is achieved (no rotations)</a:t>
+              <a:t>This could be due to the way </a:t>
+            </a:r>
+            <a:r>
+              <a:rPr lang="en-US" sz="4400" dirty="0" smtClean="0">
+                <a:latin typeface="Arial" panose="020B0604020202020204" pitchFamily="34" charset="0"/>
+                <a:cs typeface="Arial" panose="020B0604020202020204" pitchFamily="34" charset="0"/>
+              </a:rPr>
+              <a:t>good</a:t>
+            </a:r>
+            <a:r>
+              <a:rPr lang="en-US" sz="4400" dirty="0" smtClean="0">
+                <a:latin typeface="Arial" panose="020B0604020202020204" pitchFamily="34" charset="0"/>
+                <a:cs typeface="Arial" panose="020B0604020202020204" pitchFamily="34" charset="0"/>
+              </a:rPr>
+              <a:t> solutions </a:t>
+            </a:r>
+            <a:r>
+              <a:rPr lang="en-US" sz="4400" dirty="0" smtClean="0">
+                <a:latin typeface="Arial" panose="020B0604020202020204" pitchFamily="34" charset="0"/>
+                <a:cs typeface="Arial" panose="020B0604020202020204" pitchFamily="34" charset="0"/>
+              </a:rPr>
+              <a:t>are</a:t>
+            </a:r>
+            <a:r>
+              <a:rPr lang="en-US" sz="4400" dirty="0" smtClean="0">
+                <a:latin typeface="Arial" panose="020B0604020202020204" pitchFamily="34" charset="0"/>
+                <a:cs typeface="Arial" panose="020B0604020202020204" pitchFamily="34" charset="0"/>
+              </a:rPr>
+              <a:t> </a:t>
+            </a:r>
+            <a:r>
+              <a:rPr lang="en-US" sz="4400" dirty="0" smtClean="0">
+                <a:latin typeface="Arial" panose="020B0604020202020204" pitchFamily="34" charset="0"/>
+                <a:cs typeface="Arial" panose="020B0604020202020204" pitchFamily="34" charset="0"/>
+              </a:rPr>
+              <a:t>achieved (no rotations)</a:t>
             </a:r>
             <a:endParaRPr lang="et-EE" sz="4400" dirty="0">
               <a:latin typeface="Arial" panose="020B0604020202020204" pitchFamily="34" charset="0"/>
@@ -11777,7 +14366,7 @@
 </p:sld>
 </file>
 
-<file path=ppt/slides/slide26.xml><?xml version="1.0" encoding="utf-8"?>
+<file path=ppt/slides/slide29.xml><?xml version="1.0" encoding="utf-8"?>
 <p:sld xmlns:a="http://schemas.openxmlformats.org/drawingml/2006/main" xmlns:r="http://schemas.openxmlformats.org/officeDocument/2006/relationships" xmlns:p="http://schemas.openxmlformats.org/presentationml/2006/main">
   <p:cSld>
     <p:spTree>
@@ -11806,7 +14395,7 @@
         </p:nvSpPr>
         <p:spPr>
           <a:xfrm>
-            <a:off x="1139779" y="2144332"/>
+            <a:off x="841199" y="2144333"/>
             <a:ext cx="9601200" cy="3581400"/>
           </a:xfrm>
         </p:spPr>
@@ -11825,7 +14414,28 @@
                 <a:latin typeface="Arial" panose="020B0604020202020204" pitchFamily="34" charset="0"/>
                 <a:cs typeface="Arial" panose="020B0604020202020204" pitchFamily="34" charset="0"/>
               </a:rPr>
-              <a:t>Experiments with different number of packages and new package types</a:t>
+              <a:t>Experiments with different </a:t>
+            </a:r>
+            <a:r>
+              <a:rPr lang="en-US" sz="4000" dirty="0" smtClean="0">
+                <a:latin typeface="Arial" panose="020B0604020202020204" pitchFamily="34" charset="0"/>
+                <a:cs typeface="Arial" panose="020B0604020202020204" pitchFamily="34" charset="0"/>
+              </a:rPr>
+              <a:t>numbers </a:t>
+            </a:r>
+            <a:r>
+              <a:rPr lang="en-US" sz="4000" dirty="0" smtClean="0">
+                <a:latin typeface="Arial" panose="020B0604020202020204" pitchFamily="34" charset="0"/>
+                <a:cs typeface="Arial" panose="020B0604020202020204" pitchFamily="34" charset="0"/>
+              </a:rPr>
+              <a:t>of packages and new package </a:t>
+            </a:r>
+            <a:r>
+              <a:rPr lang="en-US" sz="4000" dirty="0" smtClean="0">
+                <a:latin typeface="Arial" panose="020B0604020202020204" pitchFamily="34" charset="0"/>
+                <a:cs typeface="Arial" panose="020B0604020202020204" pitchFamily="34" charset="0"/>
+              </a:rPr>
+              <a:t>types (e.g. small, big, long etc.)</a:t>
             </a:r>
           </a:p>
           <a:p>
@@ -11838,7 +14448,7 @@
                 <a:latin typeface="Arial" panose="020B0604020202020204" pitchFamily="34" charset="0"/>
                 <a:cs typeface="Arial" panose="020B0604020202020204" pitchFamily="34" charset="0"/>
               </a:rPr>
-              <a:t>No correlation between performance and certain package shapes</a:t>
+              <a:t>Packages used have similar properties</a:t>
             </a:r>
           </a:p>
           <a:p>
@@ -11851,9 +14461,9 @@
                 <a:latin typeface="Arial" panose="020B0604020202020204" pitchFamily="34" charset="0"/>
                 <a:cs typeface="Arial" panose="020B0604020202020204" pitchFamily="34" charset="0"/>
               </a:rPr>
-              <a:t>Genetic algorithm has the best performance</a:t>
-            </a:r>
-            <a:endParaRPr lang="et-EE" sz="4000" dirty="0">
+              <a:t>All with value 1</a:t>
+            </a:r>
+            <a:endParaRPr lang="en-US" sz="4000" dirty="0" smtClean="0">
               <a:latin typeface="Arial" panose="020B0604020202020204" pitchFamily="34" charset="0"/>
               <a:cs typeface="Arial" panose="020B0604020202020204" pitchFamily="34" charset="0"/>
             </a:endParaRPr>
@@ -11868,8 +14478,8 @@
         </p:nvSpPr>
         <p:spPr>
           <a:xfrm>
-            <a:off x="1596980" y="360609"/>
-            <a:ext cx="5769736" cy="707886"/>
+            <a:off x="841199" y="578565"/>
+            <a:ext cx="9358605" cy="923330"/>
           </a:xfrm>
           <a:prstGeom prst="rect">
             <a:avLst/>
@@ -11883,17 +14493,21 @@
           <a:lstStyle/>
           <a:p>
             <a:r>
-              <a:rPr lang="en-US" sz="4000" dirty="0" smtClean="0">
+              <a:rPr lang="en-US" sz="5400" dirty="0" smtClean="0">
                 <a:solidFill>
                   <a:srgbClr val="0070C0"/>
                 </a:solidFill>
+                <a:latin typeface="Arial" panose="020B0604020202020204" pitchFamily="34" charset="0"/>
+                <a:cs typeface="Arial" panose="020B0604020202020204" pitchFamily="34" charset="0"/>
               </a:rPr>
               <a:t>EXTERNAL FACTORS</a:t>
             </a:r>
-            <a:endParaRPr lang="et-EE" sz="4000" dirty="0">
+            <a:endParaRPr lang="et-EE" sz="5400" dirty="0">
               <a:solidFill>
                 <a:srgbClr val="0070C0"/>
               </a:solidFill>
+              <a:latin typeface="Arial" panose="020B0604020202020204" pitchFamily="34" charset="0"/>
+              <a:cs typeface="Arial" panose="020B0604020202020204" pitchFamily="34" charset="0"/>
             </a:endParaRPr>
           </a:p>
         </p:txBody>
@@ -11902,320 +14516,6 @@
     <p:extLst>
       <p:ext uri="{BB962C8B-B14F-4D97-AF65-F5344CB8AC3E}">
         <p14:creationId xmlns:p14="http://schemas.microsoft.com/office/powerpoint/2010/main" val="4092035555"/>
-      </p:ext>
-    </p:extLst>
-  </p:cSld>
-  <p:clrMapOvr>
-    <a:masterClrMapping/>
-  </p:clrMapOvr>
-  <p:timing>
-    <p:tnLst>
-      <p:par>
-        <p:cTn id="1" dur="indefinite" restart="never" nodeType="tmRoot"/>
-      </p:par>
-    </p:tnLst>
-  </p:timing>
-</p:sld>
-</file>
-
-<file path=ppt/slides/slide27.xml><?xml version="1.0" encoding="utf-8"?>
-<p:sld xmlns:a="http://schemas.openxmlformats.org/drawingml/2006/main" xmlns:r="http://schemas.openxmlformats.org/officeDocument/2006/relationships" xmlns:p="http://schemas.openxmlformats.org/presentationml/2006/main">
-  <p:cSld>
-    <p:spTree>
-      <p:nvGrpSpPr>
-        <p:cNvPr id="1" name=""/>
-        <p:cNvGrpSpPr/>
-        <p:nvPr/>
-      </p:nvGrpSpPr>
-      <p:grpSpPr>
-        <a:xfrm>
-          <a:off x="0" y="0"/>
-          <a:ext cx="0" cy="0"/>
-          <a:chOff x="0" y="0"/>
-          <a:chExt cx="0" cy="0"/>
-        </a:xfrm>
-      </p:grpSpPr>
-      <p:sp>
-        <p:nvSpPr>
-          <p:cNvPr id="2" name="Title 1"/>
-          <p:cNvSpPr>
-            <a:spLocks noGrp="1"/>
-          </p:cNvSpPr>
-          <p:nvPr>
-            <p:ph type="title"/>
-          </p:nvPr>
-        </p:nvSpPr>
-        <p:spPr>
-          <a:xfrm>
-            <a:off x="3947375" y="2952482"/>
-            <a:ext cx="9601200" cy="1485900"/>
-          </a:xfrm>
-        </p:spPr>
-        <p:txBody>
-          <a:bodyPr>
-            <a:normAutofit/>
-          </a:bodyPr>
-          <a:lstStyle/>
-          <a:p>
-            <a:r>
-              <a:rPr lang="en-US" sz="6000" dirty="0" smtClean="0">
-                <a:solidFill>
-                  <a:srgbClr val="0070C0"/>
-                </a:solidFill>
-              </a:rPr>
-              <a:t>CONCLUSIONS</a:t>
-            </a:r>
-            <a:endParaRPr lang="et-EE" sz="6000" dirty="0">
-              <a:solidFill>
-                <a:srgbClr val="0070C0"/>
-              </a:solidFill>
-            </a:endParaRPr>
-          </a:p>
-        </p:txBody>
-      </p:sp>
-    </p:spTree>
-    <p:extLst>
-      <p:ext uri="{BB962C8B-B14F-4D97-AF65-F5344CB8AC3E}">
-        <p14:creationId xmlns:p14="http://schemas.microsoft.com/office/powerpoint/2010/main" val="4220528472"/>
-      </p:ext>
-    </p:extLst>
-  </p:cSld>
-  <p:clrMapOvr>
-    <a:masterClrMapping/>
-  </p:clrMapOvr>
-  <p:timing>
-    <p:tnLst>
-      <p:par>
-        <p:cTn id="1" dur="indefinite" restart="never" nodeType="tmRoot"/>
-      </p:par>
-    </p:tnLst>
-  </p:timing>
-</p:sld>
-</file>
-
-<file path=ppt/slides/slide28.xml><?xml version="1.0" encoding="utf-8"?>
-<p:sld xmlns:a="http://schemas.openxmlformats.org/drawingml/2006/main" xmlns:r="http://schemas.openxmlformats.org/officeDocument/2006/relationships" xmlns:p="http://schemas.openxmlformats.org/presentationml/2006/main">
-  <p:cSld>
-    <p:spTree>
-      <p:nvGrpSpPr>
-        <p:cNvPr id="1" name=""/>
-        <p:cNvGrpSpPr/>
-        <p:nvPr/>
-      </p:nvGrpSpPr>
-      <p:grpSpPr>
-        <a:xfrm>
-          <a:off x="0" y="0"/>
-          <a:ext cx="0" cy="0"/>
-          <a:chOff x="0" y="0"/>
-          <a:chExt cx="0" cy="0"/>
-        </a:xfrm>
-      </p:grpSpPr>
-      <p:sp>
-        <p:nvSpPr>
-          <p:cNvPr id="3" name="Content Placeholder 2"/>
-          <p:cNvSpPr>
-            <a:spLocks noGrp="1"/>
-          </p:cNvSpPr>
-          <p:nvPr>
-            <p:ph idx="1"/>
-          </p:nvPr>
-        </p:nvSpPr>
-        <p:spPr>
-          <a:xfrm>
-            <a:off x="931781" y="358103"/>
-            <a:ext cx="10775115" cy="6377548"/>
-          </a:xfrm>
-        </p:spPr>
-        <p:txBody>
-          <a:bodyPr>
-            <a:normAutofit/>
-          </a:bodyPr>
-          <a:lstStyle/>
-          <a:p>
-            <a:pPr>
-              <a:buClrTx/>
-              <a:buFont typeface="Arial" panose="020B0604020202020204" pitchFamily="34" charset="0"/>
-              <a:buChar char="•"/>
-            </a:pPr>
-            <a:r>
-              <a:rPr lang="en-US" sz="2800" dirty="0" smtClean="0">
-                <a:solidFill>
-                  <a:schemeClr val="tx1"/>
-                </a:solidFill>
-                <a:latin typeface="Arial" panose="020B0604020202020204" pitchFamily="34" charset="0"/>
-                <a:cs typeface="Arial" panose="020B0604020202020204" pitchFamily="34" charset="0"/>
-              </a:rPr>
-              <a:t>Greedy algorithm is the fastest but does not perform as well as other algorithms. </a:t>
-            </a:r>
-          </a:p>
-          <a:p>
-            <a:pPr>
-              <a:buClrTx/>
-              <a:buFont typeface="Arial" panose="020B0604020202020204" pitchFamily="34" charset="0"/>
-              <a:buChar char="•"/>
-            </a:pPr>
-            <a:r>
-              <a:rPr lang="en-US" sz="2800" dirty="0" smtClean="0">
-                <a:solidFill>
-                  <a:schemeClr val="tx1"/>
-                </a:solidFill>
-                <a:latin typeface="Arial" panose="020B0604020202020204" pitchFamily="34" charset="0"/>
-                <a:cs typeface="Arial" panose="020B0604020202020204" pitchFamily="34" charset="0"/>
-              </a:rPr>
-              <a:t>Hill climbing algorithm achieves good results but might get stuck.</a:t>
-            </a:r>
-          </a:p>
-          <a:p>
-            <a:pPr>
-              <a:buClrTx/>
-              <a:buFont typeface="Arial" panose="020B0604020202020204" pitchFamily="34" charset="0"/>
-              <a:buChar char="•"/>
-            </a:pPr>
-            <a:r>
-              <a:rPr lang="en-US" sz="2800" dirty="0" smtClean="0">
-                <a:solidFill>
-                  <a:schemeClr val="tx1"/>
-                </a:solidFill>
-                <a:latin typeface="Arial" panose="020B0604020202020204" pitchFamily="34" charset="0"/>
-                <a:cs typeface="Arial" panose="020B0604020202020204" pitchFamily="34" charset="0"/>
-              </a:rPr>
-              <a:t>Genetic algorithm is time consuming and has a lot of parameters that need to be taken into account (difficult to implement) but it gets closest to the optimal solution.</a:t>
-            </a:r>
-          </a:p>
-          <a:p>
-            <a:pPr>
-              <a:buClrTx/>
-              <a:buFont typeface="Arial" panose="020B0604020202020204" pitchFamily="34" charset="0"/>
-              <a:buChar char="•"/>
-            </a:pPr>
-            <a:endParaRPr lang="en-US" sz="2800" dirty="0" smtClean="0">
-              <a:solidFill>
-                <a:schemeClr val="tx1"/>
-              </a:solidFill>
-              <a:latin typeface="Arial" panose="020B0604020202020204" pitchFamily="34" charset="0"/>
-              <a:cs typeface="Arial" panose="020B0604020202020204" pitchFamily="34" charset="0"/>
-            </a:endParaRPr>
-          </a:p>
-          <a:p>
-            <a:pPr>
-              <a:buClrTx/>
-              <a:buFont typeface="Arial" panose="020B0604020202020204" pitchFamily="34" charset="0"/>
-              <a:buChar char="•"/>
-            </a:pPr>
-            <a:r>
-              <a:rPr lang="en-US" sz="2800" dirty="0" smtClean="0">
-                <a:solidFill>
-                  <a:schemeClr val="tx1"/>
-                </a:solidFill>
-                <a:latin typeface="Arial" panose="020B0604020202020204" pitchFamily="34" charset="0"/>
-                <a:cs typeface="Arial" panose="020B0604020202020204" pitchFamily="34" charset="0"/>
-              </a:rPr>
-              <a:t>CONCLUSIONS: </a:t>
-            </a:r>
-          </a:p>
-          <a:p>
-            <a:pPr lvl="1">
-              <a:buFont typeface="Arial" panose="020B0604020202020204" pitchFamily="34" charset="0"/>
-              <a:buChar char="•"/>
-            </a:pPr>
-            <a:r>
-              <a:rPr lang="en-US" sz="2800" dirty="0" smtClean="0">
-                <a:solidFill>
-                  <a:schemeClr val="tx1"/>
-                </a:solidFill>
-                <a:latin typeface="Arial" panose="020B0604020202020204" pitchFamily="34" charset="0"/>
-                <a:cs typeface="Arial" panose="020B0604020202020204" pitchFamily="34" charset="0"/>
-              </a:rPr>
-              <a:t>For the quickest solution: Greedy algorithm</a:t>
-            </a:r>
-          </a:p>
-          <a:p>
-            <a:pPr lvl="1">
-              <a:buFont typeface="Arial" panose="020B0604020202020204" pitchFamily="34" charset="0"/>
-              <a:buChar char="•"/>
-            </a:pPr>
-            <a:r>
-              <a:rPr lang="en-US" sz="2800" dirty="0">
-                <a:solidFill>
-                  <a:schemeClr val="tx1"/>
-                </a:solidFill>
-                <a:latin typeface="Arial" panose="020B0604020202020204" pitchFamily="34" charset="0"/>
-                <a:cs typeface="Arial" panose="020B0604020202020204" pitchFamily="34" charset="0"/>
-              </a:rPr>
-              <a:t>For reasonably fast and good solutions: Hill Climbing </a:t>
-            </a:r>
-            <a:r>
-              <a:rPr lang="en-US" sz="2800" dirty="0" smtClean="0">
-                <a:solidFill>
-                  <a:schemeClr val="tx1"/>
-                </a:solidFill>
-                <a:latin typeface="Arial" panose="020B0604020202020204" pitchFamily="34" charset="0"/>
-                <a:cs typeface="Arial" panose="020B0604020202020204" pitchFamily="34" charset="0"/>
-              </a:rPr>
-              <a:t>algorithm</a:t>
-            </a:r>
-          </a:p>
-          <a:p>
-            <a:pPr lvl="1">
-              <a:buFont typeface="Arial" panose="020B0604020202020204" pitchFamily="34" charset="0"/>
-              <a:buChar char="•"/>
-            </a:pPr>
-            <a:r>
-              <a:rPr lang="en-US" sz="2800" dirty="0">
-                <a:solidFill>
-                  <a:schemeClr val="tx1"/>
-                </a:solidFill>
-                <a:latin typeface="Arial" panose="020B0604020202020204" pitchFamily="34" charset="0"/>
-                <a:cs typeface="Arial" panose="020B0604020202020204" pitchFamily="34" charset="0"/>
-              </a:rPr>
-              <a:t>For the optimal solution: Genetic Algorithm</a:t>
-            </a:r>
-          </a:p>
-          <a:p>
-            <a:pPr lvl="1">
-              <a:buFont typeface="Arial" panose="020B0604020202020204" pitchFamily="34" charset="0"/>
-              <a:buChar char="•"/>
-            </a:pPr>
-            <a:endParaRPr lang="en-US" dirty="0">
-              <a:solidFill>
-                <a:schemeClr val="tx1"/>
-              </a:solidFill>
-              <a:latin typeface="Arial" panose="020B0604020202020204" pitchFamily="34" charset="0"/>
-              <a:cs typeface="Arial" panose="020B0604020202020204" pitchFamily="34" charset="0"/>
-            </a:endParaRPr>
-          </a:p>
-          <a:p>
-            <a:pPr lvl="1">
-              <a:buFont typeface="Arial" panose="020B0604020202020204" pitchFamily="34" charset="0"/>
-              <a:buChar char="•"/>
-            </a:pPr>
-            <a:endParaRPr lang="en-US" dirty="0" smtClean="0">
-              <a:solidFill>
-                <a:schemeClr val="tx1"/>
-              </a:solidFill>
-              <a:latin typeface="Arial" panose="020B0604020202020204" pitchFamily="34" charset="0"/>
-              <a:cs typeface="Arial" panose="020B0604020202020204" pitchFamily="34" charset="0"/>
-            </a:endParaRPr>
-          </a:p>
-          <a:p>
-            <a:pPr lvl="1">
-              <a:buFont typeface="Arial" panose="020B0604020202020204" pitchFamily="34" charset="0"/>
-              <a:buChar char="•"/>
-            </a:pPr>
-            <a:endParaRPr lang="en-US" dirty="0" smtClean="0">
-              <a:solidFill>
-                <a:schemeClr val="tx1"/>
-              </a:solidFill>
-              <a:latin typeface="Arial" panose="020B0604020202020204" pitchFamily="34" charset="0"/>
-              <a:cs typeface="Arial" panose="020B0604020202020204" pitchFamily="34" charset="0"/>
-            </a:endParaRPr>
-          </a:p>
-        </p:txBody>
-      </p:sp>
-    </p:spTree>
-    <p:extLst>
-      <p:ext uri="{BB962C8B-B14F-4D97-AF65-F5344CB8AC3E}">
-        <p14:creationId xmlns:p14="http://schemas.microsoft.com/office/powerpoint/2010/main" val="1840586329"/>
       </p:ext>
     </p:extLst>
   </p:cSld>
@@ -12267,7 +14567,7 @@
         </p:spPr>
         <p:txBody>
           <a:bodyPr>
-            <a:normAutofit/>
+            <a:normAutofit fontScale="90000"/>
           </a:bodyPr>
           <a:lstStyle/>
           <a:p>
@@ -12276,6 +14576,8 @@
                 <a:solidFill>
                   <a:srgbClr val="0070C0"/>
                 </a:solidFill>
+                <a:latin typeface="Arial" panose="020B0604020202020204" pitchFamily="34" charset="0"/>
+                <a:cs typeface="Arial" panose="020B0604020202020204" pitchFamily="34" charset="0"/>
               </a:rPr>
               <a:t>ASSIGNMENT DESCRIPTION</a:t>
             </a:r>
@@ -12283,6 +14585,8 @@
               <a:solidFill>
                 <a:srgbClr val="0070C0"/>
               </a:solidFill>
+              <a:latin typeface="Arial" panose="020B0604020202020204" pitchFamily="34" charset="0"/>
+              <a:cs typeface="Arial" panose="020B0604020202020204" pitchFamily="34" charset="0"/>
             </a:endParaRPr>
           </a:p>
         </p:txBody>
@@ -12291,6 +14595,562 @@
     <p:extLst>
       <p:ext uri="{BB962C8B-B14F-4D97-AF65-F5344CB8AC3E}">
         <p14:creationId xmlns:p14="http://schemas.microsoft.com/office/powerpoint/2010/main" val="3194488286"/>
+      </p:ext>
+    </p:extLst>
+  </p:cSld>
+  <p:clrMapOvr>
+    <a:masterClrMapping/>
+  </p:clrMapOvr>
+  <p:timing>
+    <p:tnLst>
+      <p:par>
+        <p:cTn id="1" dur="indefinite" restart="never" nodeType="tmRoot"/>
+      </p:par>
+    </p:tnLst>
+  </p:timing>
+</p:sld>
+</file>
+
+<file path=ppt/slides/slide30.xml><?xml version="1.0" encoding="utf-8"?>
+<p:sld xmlns:a="http://schemas.openxmlformats.org/drawingml/2006/main" xmlns:r="http://schemas.openxmlformats.org/officeDocument/2006/relationships" xmlns:p="http://schemas.openxmlformats.org/presentationml/2006/main">
+  <p:cSld>
+    <p:spTree>
+      <p:nvGrpSpPr>
+        <p:cNvPr id="1" name=""/>
+        <p:cNvGrpSpPr/>
+        <p:nvPr/>
+      </p:nvGrpSpPr>
+      <p:grpSpPr>
+        <a:xfrm>
+          <a:off x="0" y="0"/>
+          <a:ext cx="0" cy="0"/>
+          <a:chOff x="0" y="0"/>
+          <a:chExt cx="0" cy="0"/>
+        </a:xfrm>
+      </p:grpSpPr>
+      <p:pic>
+        <p:nvPicPr>
+          <p:cNvPr id="4" name="Grafik 41" descr="E:\Simon\Documents\GitHub\PP3\Report, presentation and related stuff\Table 1.png"/>
+          <p:cNvPicPr/>
+          <p:nvPr/>
+        </p:nvPicPr>
+        <p:blipFill rotWithShape="1">
+          <a:blip r:embed="rId2">
+            <a:extLst>
+              <a:ext uri="{28A0092B-C50C-407E-A947-70E740481C1C}">
+                <a14:useLocalDpi xmlns:a14="http://schemas.microsoft.com/office/drawing/2010/main" val="0"/>
+              </a:ext>
+            </a:extLst>
+          </a:blip>
+          <a:srcRect b="2686"/>
+          <a:stretch/>
+        </p:blipFill>
+        <p:spPr bwMode="auto">
+          <a:xfrm>
+            <a:off x="933061" y="559838"/>
+            <a:ext cx="10954139" cy="5784980"/>
+          </a:xfrm>
+          <a:prstGeom prst="rect">
+            <a:avLst/>
+          </a:prstGeom>
+          <a:noFill/>
+          <a:ln>
+            <a:noFill/>
+          </a:ln>
+          <a:extLst>
+            <a:ext uri="{53640926-AAD7-44D8-BBD7-CCE9431645EC}">
+              <a14:shadowObscured xmlns:a14="http://schemas.microsoft.com/office/drawing/2010/main"/>
+            </a:ext>
+          </a:extLst>
+        </p:spPr>
+      </p:pic>
+      <p:sp>
+        <p:nvSpPr>
+          <p:cNvPr id="5" name="Rectangle 4"/>
+          <p:cNvSpPr/>
+          <p:nvPr/>
+        </p:nvSpPr>
+        <p:spPr>
+          <a:xfrm>
+            <a:off x="933060" y="2015412"/>
+            <a:ext cx="10954139" cy="485192"/>
+          </a:xfrm>
+          <a:prstGeom prst="rect">
+            <a:avLst/>
+          </a:prstGeom>
+          <a:noFill/>
+          <a:ln w="44450">
+            <a:solidFill>
+              <a:srgbClr val="FF0000"/>
+            </a:solidFill>
+          </a:ln>
+        </p:spPr>
+        <p:style>
+          <a:lnRef idx="2">
+            <a:schemeClr val="accent1">
+              <a:shade val="50000"/>
+            </a:schemeClr>
+          </a:lnRef>
+          <a:fillRef idx="1">
+            <a:schemeClr val="accent1"/>
+          </a:fillRef>
+          <a:effectRef idx="0">
+            <a:schemeClr val="accent1"/>
+          </a:effectRef>
+          <a:fontRef idx="minor">
+            <a:schemeClr val="lt1"/>
+          </a:fontRef>
+        </p:style>
+        <p:txBody>
+          <a:bodyPr rtlCol="0" anchor="ctr"/>
+          <a:lstStyle/>
+          <a:p>
+            <a:pPr algn="ctr"/>
+            <a:endParaRPr lang="et-EE"/>
+          </a:p>
+        </p:txBody>
+      </p:sp>
+      <p:sp>
+        <p:nvSpPr>
+          <p:cNvPr id="6" name="Rectangle 5"/>
+          <p:cNvSpPr/>
+          <p:nvPr/>
+        </p:nvSpPr>
+        <p:spPr>
+          <a:xfrm>
+            <a:off x="5635690" y="3396342"/>
+            <a:ext cx="1660849" cy="2916000"/>
+          </a:xfrm>
+          <a:prstGeom prst="rect">
+            <a:avLst/>
+          </a:prstGeom>
+          <a:noFill/>
+          <a:ln w="44450">
+            <a:solidFill>
+              <a:srgbClr val="FF0000"/>
+            </a:solidFill>
+          </a:ln>
+        </p:spPr>
+        <p:style>
+          <a:lnRef idx="2">
+            <a:schemeClr val="accent1">
+              <a:shade val="50000"/>
+            </a:schemeClr>
+          </a:lnRef>
+          <a:fillRef idx="1">
+            <a:schemeClr val="accent1"/>
+          </a:fillRef>
+          <a:effectRef idx="0">
+            <a:schemeClr val="accent1"/>
+          </a:effectRef>
+          <a:fontRef idx="minor">
+            <a:schemeClr val="lt1"/>
+          </a:fontRef>
+        </p:style>
+        <p:txBody>
+          <a:bodyPr rtlCol="0" anchor="ctr"/>
+          <a:lstStyle/>
+          <a:p>
+            <a:pPr algn="ctr"/>
+            <a:endParaRPr lang="et-EE"/>
+          </a:p>
+        </p:txBody>
+      </p:sp>
+    </p:spTree>
+    <p:extLst>
+      <p:ext uri="{BB962C8B-B14F-4D97-AF65-F5344CB8AC3E}">
+        <p14:creationId xmlns:p14="http://schemas.microsoft.com/office/powerpoint/2010/main" val="3099590613"/>
+      </p:ext>
+    </p:extLst>
+  </p:cSld>
+  <p:clrMapOvr>
+    <a:masterClrMapping/>
+  </p:clrMapOvr>
+  <p:timing>
+    <p:tnLst>
+      <p:par>
+        <p:cTn id="1" dur="indefinite" restart="never" nodeType="tmRoot"/>
+      </p:par>
+    </p:tnLst>
+  </p:timing>
+</p:sld>
+</file>
+
+<file path=ppt/slides/slide31.xml><?xml version="1.0" encoding="utf-8"?>
+<p:sld xmlns:a="http://schemas.openxmlformats.org/drawingml/2006/main" xmlns:r="http://schemas.openxmlformats.org/officeDocument/2006/relationships" xmlns:p="http://schemas.openxmlformats.org/presentationml/2006/main">
+  <p:cSld>
+    <p:spTree>
+      <p:nvGrpSpPr>
+        <p:cNvPr id="1" name=""/>
+        <p:cNvGrpSpPr/>
+        <p:nvPr/>
+      </p:nvGrpSpPr>
+      <p:grpSpPr>
+        <a:xfrm>
+          <a:off x="0" y="0"/>
+          <a:ext cx="0" cy="0"/>
+          <a:chOff x="0" y="0"/>
+          <a:chExt cx="0" cy="0"/>
+        </a:xfrm>
+      </p:grpSpPr>
+      <p:sp>
+        <p:nvSpPr>
+          <p:cNvPr id="4" name="Content Placeholder 2"/>
+          <p:cNvSpPr>
+            <a:spLocks noGrp="1"/>
+          </p:cNvSpPr>
+          <p:nvPr>
+            <p:ph idx="1"/>
+          </p:nvPr>
+        </p:nvSpPr>
+        <p:spPr>
+          <a:xfrm>
+            <a:off x="1513003" y="1789769"/>
+            <a:ext cx="9601200" cy="3581400"/>
+          </a:xfrm>
+        </p:spPr>
+        <p:txBody>
+          <a:bodyPr>
+            <a:noAutofit/>
+          </a:bodyPr>
+          <a:lstStyle/>
+          <a:p>
+            <a:pPr>
+              <a:buFont typeface="Arial" panose="020B0604020202020204" pitchFamily="34" charset="0"/>
+              <a:buChar char="•"/>
+            </a:pPr>
+            <a:r>
+              <a:rPr lang="en-US" sz="4000" dirty="0" smtClean="0">
+                <a:latin typeface="Arial" panose="020B0604020202020204" pitchFamily="34" charset="0"/>
+                <a:cs typeface="Arial" panose="020B0604020202020204" pitchFamily="34" charset="0"/>
+              </a:rPr>
+              <a:t>Performance worse tha</a:t>
+            </a:r>
+            <a:r>
+              <a:rPr lang="en-US" sz="4000" dirty="0" smtClean="0">
+                <a:latin typeface="Arial" panose="020B0604020202020204" pitchFamily="34" charset="0"/>
+                <a:cs typeface="Arial" panose="020B0604020202020204" pitchFamily="34" charset="0"/>
+              </a:rPr>
+              <a:t>n with standard packages</a:t>
+            </a:r>
+          </a:p>
+          <a:p>
+            <a:pPr>
+              <a:buFont typeface="Arial" panose="020B0604020202020204" pitchFamily="34" charset="0"/>
+              <a:buChar char="•"/>
+            </a:pPr>
+            <a:r>
+              <a:rPr lang="en-US" sz="4000" dirty="0" smtClean="0">
+                <a:latin typeface="Arial" panose="020B0604020202020204" pitchFamily="34" charset="0"/>
+                <a:cs typeface="Arial" panose="020B0604020202020204" pitchFamily="34" charset="0"/>
+              </a:rPr>
+              <a:t>Still finds good solutions</a:t>
+            </a:r>
+          </a:p>
+          <a:p>
+            <a:pPr>
+              <a:buFont typeface="Arial" panose="020B0604020202020204" pitchFamily="34" charset="0"/>
+              <a:buChar char="•"/>
+            </a:pPr>
+            <a:r>
+              <a:rPr lang="en-US" sz="4000" dirty="0" smtClean="0">
+                <a:latin typeface="Arial" panose="020B0604020202020204" pitchFamily="34" charset="0"/>
+                <a:cs typeface="Arial" panose="020B0604020202020204" pitchFamily="34" charset="0"/>
+              </a:rPr>
+              <a:t>Could probably adapt parameters to fit other packages better</a:t>
+            </a:r>
+            <a:endParaRPr lang="en-US" sz="4000" dirty="0" smtClean="0">
+              <a:latin typeface="Arial" panose="020B0604020202020204" pitchFamily="34" charset="0"/>
+              <a:cs typeface="Arial" panose="020B0604020202020204" pitchFamily="34" charset="0"/>
+            </a:endParaRPr>
+          </a:p>
+        </p:txBody>
+      </p:sp>
+    </p:spTree>
+    <p:extLst>
+      <p:ext uri="{BB962C8B-B14F-4D97-AF65-F5344CB8AC3E}">
+        <p14:creationId xmlns:p14="http://schemas.microsoft.com/office/powerpoint/2010/main" val="1980792131"/>
+      </p:ext>
+    </p:extLst>
+  </p:cSld>
+  <p:clrMapOvr>
+    <a:masterClrMapping/>
+  </p:clrMapOvr>
+  <p:timing>
+    <p:tnLst>
+      <p:par>
+        <p:cTn id="1" dur="indefinite" restart="never" nodeType="tmRoot"/>
+      </p:par>
+    </p:tnLst>
+  </p:timing>
+</p:sld>
+</file>
+
+<file path=ppt/slides/slide32.xml><?xml version="1.0" encoding="utf-8"?>
+<p:sld xmlns:a="http://schemas.openxmlformats.org/drawingml/2006/main" xmlns:r="http://schemas.openxmlformats.org/officeDocument/2006/relationships" xmlns:p="http://schemas.openxmlformats.org/presentationml/2006/main">
+  <p:cSld>
+    <p:spTree>
+      <p:nvGrpSpPr>
+        <p:cNvPr id="1" name=""/>
+        <p:cNvGrpSpPr/>
+        <p:nvPr/>
+      </p:nvGrpSpPr>
+      <p:grpSpPr>
+        <a:xfrm>
+          <a:off x="0" y="0"/>
+          <a:ext cx="0" cy="0"/>
+          <a:chOff x="0" y="0"/>
+          <a:chExt cx="0" cy="0"/>
+        </a:xfrm>
+      </p:grpSpPr>
+      <p:sp>
+        <p:nvSpPr>
+          <p:cNvPr id="2" name="Title 1"/>
+          <p:cNvSpPr>
+            <a:spLocks noGrp="1"/>
+          </p:cNvSpPr>
+          <p:nvPr>
+            <p:ph type="title"/>
+          </p:nvPr>
+        </p:nvSpPr>
+        <p:spPr>
+          <a:xfrm>
+            <a:off x="3947375" y="2952482"/>
+            <a:ext cx="9601200" cy="1485900"/>
+          </a:xfrm>
+        </p:spPr>
+        <p:txBody>
+          <a:bodyPr>
+            <a:normAutofit/>
+          </a:bodyPr>
+          <a:lstStyle/>
+          <a:p>
+            <a:r>
+              <a:rPr lang="en-US" sz="6000" dirty="0" smtClean="0">
+                <a:solidFill>
+                  <a:srgbClr val="0070C0"/>
+                </a:solidFill>
+                <a:latin typeface="Arial" panose="020B0604020202020204" pitchFamily="34" charset="0"/>
+                <a:cs typeface="Arial" panose="020B0604020202020204" pitchFamily="34" charset="0"/>
+              </a:rPr>
+              <a:t>CONCLUSIONS</a:t>
+            </a:r>
+            <a:endParaRPr lang="et-EE" sz="6000" dirty="0">
+              <a:solidFill>
+                <a:srgbClr val="0070C0"/>
+              </a:solidFill>
+              <a:latin typeface="Arial" panose="020B0604020202020204" pitchFamily="34" charset="0"/>
+              <a:cs typeface="Arial" panose="020B0604020202020204" pitchFamily="34" charset="0"/>
+            </a:endParaRPr>
+          </a:p>
+        </p:txBody>
+      </p:sp>
+    </p:spTree>
+    <p:extLst>
+      <p:ext uri="{BB962C8B-B14F-4D97-AF65-F5344CB8AC3E}">
+        <p14:creationId xmlns:p14="http://schemas.microsoft.com/office/powerpoint/2010/main" val="4220528472"/>
+      </p:ext>
+    </p:extLst>
+  </p:cSld>
+  <p:clrMapOvr>
+    <a:masterClrMapping/>
+  </p:clrMapOvr>
+  <p:timing>
+    <p:tnLst>
+      <p:par>
+        <p:cTn id="1" dur="indefinite" restart="never" nodeType="tmRoot"/>
+      </p:par>
+    </p:tnLst>
+  </p:timing>
+</p:sld>
+</file>
+
+<file path=ppt/slides/slide33.xml><?xml version="1.0" encoding="utf-8"?>
+<p:sld xmlns:a="http://schemas.openxmlformats.org/drawingml/2006/main" xmlns:r="http://schemas.openxmlformats.org/officeDocument/2006/relationships" xmlns:p="http://schemas.openxmlformats.org/presentationml/2006/main">
+  <p:cSld>
+    <p:spTree>
+      <p:nvGrpSpPr>
+        <p:cNvPr id="1" name=""/>
+        <p:cNvGrpSpPr/>
+        <p:nvPr/>
+      </p:nvGrpSpPr>
+      <p:grpSpPr>
+        <a:xfrm>
+          <a:off x="0" y="0"/>
+          <a:ext cx="0" cy="0"/>
+          <a:chOff x="0" y="0"/>
+          <a:chExt cx="0" cy="0"/>
+        </a:xfrm>
+      </p:grpSpPr>
+      <p:sp>
+        <p:nvSpPr>
+          <p:cNvPr id="3" name="Content Placeholder 2"/>
+          <p:cNvSpPr>
+            <a:spLocks noGrp="1"/>
+          </p:cNvSpPr>
+          <p:nvPr>
+            <p:ph idx="1"/>
+          </p:nvPr>
+        </p:nvSpPr>
+        <p:spPr>
+          <a:xfrm>
+            <a:off x="931781" y="358103"/>
+            <a:ext cx="10775115" cy="6377548"/>
+          </a:xfrm>
+        </p:spPr>
+        <p:txBody>
+          <a:bodyPr>
+            <a:normAutofit/>
+          </a:bodyPr>
+          <a:lstStyle/>
+          <a:p>
+            <a:pPr>
+              <a:buClrTx/>
+              <a:buFont typeface="Arial" panose="020B0604020202020204" pitchFamily="34" charset="0"/>
+              <a:buChar char="•"/>
+            </a:pPr>
+            <a:endParaRPr lang="en-US" sz="3600" dirty="0" smtClean="0">
+              <a:solidFill>
+                <a:schemeClr val="tx1"/>
+              </a:solidFill>
+              <a:latin typeface="Arial" panose="020B0604020202020204" pitchFamily="34" charset="0"/>
+              <a:cs typeface="Arial" panose="020B0604020202020204" pitchFamily="34" charset="0"/>
+            </a:endParaRPr>
+          </a:p>
+          <a:p>
+            <a:pPr lvl="1">
+              <a:buFont typeface="Arial" panose="020B0604020202020204" pitchFamily="34" charset="0"/>
+              <a:buChar char="•"/>
+            </a:pPr>
+            <a:r>
+              <a:rPr lang="en-US" sz="3600" dirty="0" smtClean="0">
+                <a:solidFill>
+                  <a:schemeClr val="tx1"/>
+                </a:solidFill>
+                <a:latin typeface="Arial" panose="020B0604020202020204" pitchFamily="34" charset="0"/>
+                <a:cs typeface="Arial" panose="020B0604020202020204" pitchFamily="34" charset="0"/>
+              </a:rPr>
+              <a:t>Greedy algorithm is easy to implement and is easy to change</a:t>
+            </a:r>
+          </a:p>
+          <a:p>
+            <a:pPr lvl="1">
+              <a:buFont typeface="Arial" panose="020B0604020202020204" pitchFamily="34" charset="0"/>
+              <a:buChar char="•"/>
+            </a:pPr>
+            <a:r>
+              <a:rPr lang="en-US" sz="3600" dirty="0" smtClean="0">
+                <a:solidFill>
+                  <a:schemeClr val="tx1"/>
+                </a:solidFill>
+                <a:latin typeface="Arial" panose="020B0604020202020204" pitchFamily="34" charset="0"/>
+                <a:cs typeface="Arial" panose="020B0604020202020204" pitchFamily="34" charset="0"/>
+              </a:rPr>
+              <a:t>Hill climbing algorithm is fast and finds a good solution</a:t>
+            </a:r>
+            <a:endParaRPr lang="en-US" sz="3600" dirty="0" smtClean="0">
+              <a:solidFill>
+                <a:schemeClr val="tx1"/>
+              </a:solidFill>
+              <a:latin typeface="Arial" panose="020B0604020202020204" pitchFamily="34" charset="0"/>
+              <a:cs typeface="Arial" panose="020B0604020202020204" pitchFamily="34" charset="0"/>
+            </a:endParaRPr>
+          </a:p>
+          <a:p>
+            <a:pPr lvl="1">
+              <a:buFont typeface="Arial" panose="020B0604020202020204" pitchFamily="34" charset="0"/>
+              <a:buChar char="•"/>
+            </a:pPr>
+            <a:r>
+              <a:rPr lang="en-US" sz="3600" dirty="0" smtClean="0">
+                <a:solidFill>
+                  <a:schemeClr val="tx1"/>
+                </a:solidFill>
+                <a:latin typeface="Arial" panose="020B0604020202020204" pitchFamily="34" charset="0"/>
+                <a:cs typeface="Arial" panose="020B0604020202020204" pitchFamily="34" charset="0"/>
+              </a:rPr>
+              <a:t>Genetic algorithm gets closest to the optimal solution and has a decent runtime</a:t>
+            </a:r>
+          </a:p>
+          <a:p>
+            <a:pPr lvl="1">
+              <a:buFont typeface="Arial" panose="020B0604020202020204" pitchFamily="34" charset="0"/>
+              <a:buChar char="•"/>
+            </a:pPr>
+            <a:r>
+              <a:rPr lang="en-US" sz="3600" dirty="0" smtClean="0">
+                <a:solidFill>
+                  <a:schemeClr val="tx1"/>
+                </a:solidFill>
+                <a:latin typeface="Arial" panose="020B0604020202020204" pitchFamily="34" charset="0"/>
+                <a:cs typeface="Arial" panose="020B0604020202020204" pitchFamily="34" charset="0"/>
+              </a:rPr>
+              <a:t>GA struggles with high amounts of packages and different package types </a:t>
+            </a:r>
+            <a:r>
+              <a:rPr lang="en-US" sz="3600" dirty="0" smtClean="0">
+                <a:solidFill>
+                  <a:schemeClr val="tx1"/>
+                </a:solidFill>
+                <a:latin typeface="Arial" panose="020B0604020202020204" pitchFamily="34" charset="0"/>
+                <a:cs typeface="Arial" panose="020B0604020202020204" pitchFamily="34" charset="0"/>
+                <a:sym typeface="Wingdings" panose="05000000000000000000" pitchFamily="2" charset="2"/>
+              </a:rPr>
+              <a:t> can be improved by changing internal parameters</a:t>
+            </a:r>
+            <a:endParaRPr lang="en-US" sz="3600" dirty="0" smtClean="0">
+              <a:solidFill>
+                <a:schemeClr val="tx1"/>
+              </a:solidFill>
+              <a:latin typeface="Arial" panose="020B0604020202020204" pitchFamily="34" charset="0"/>
+              <a:cs typeface="Arial" panose="020B0604020202020204" pitchFamily="34" charset="0"/>
+            </a:endParaRPr>
+          </a:p>
+          <a:p>
+            <a:pPr lvl="1">
+              <a:buFont typeface="Arial" panose="020B0604020202020204" pitchFamily="34" charset="0"/>
+              <a:buChar char="•"/>
+            </a:pPr>
+            <a:endParaRPr lang="en-US" dirty="0">
+              <a:solidFill>
+                <a:schemeClr val="tx1"/>
+              </a:solidFill>
+              <a:latin typeface="Arial" panose="020B0604020202020204" pitchFamily="34" charset="0"/>
+              <a:cs typeface="Arial" panose="020B0604020202020204" pitchFamily="34" charset="0"/>
+            </a:endParaRPr>
+          </a:p>
+          <a:p>
+            <a:pPr lvl="1">
+              <a:buFont typeface="Arial" panose="020B0604020202020204" pitchFamily="34" charset="0"/>
+              <a:buChar char="•"/>
+            </a:pPr>
+            <a:endParaRPr lang="en-US" dirty="0" smtClean="0">
+              <a:solidFill>
+                <a:schemeClr val="tx1"/>
+              </a:solidFill>
+              <a:latin typeface="Arial" panose="020B0604020202020204" pitchFamily="34" charset="0"/>
+              <a:cs typeface="Arial" panose="020B0604020202020204" pitchFamily="34" charset="0"/>
+            </a:endParaRPr>
+          </a:p>
+          <a:p>
+            <a:pPr lvl="1">
+              <a:buFont typeface="Arial" panose="020B0604020202020204" pitchFamily="34" charset="0"/>
+              <a:buChar char="•"/>
+            </a:pPr>
+            <a:endParaRPr lang="en-US" dirty="0" smtClean="0">
+              <a:solidFill>
+                <a:schemeClr val="tx1"/>
+              </a:solidFill>
+              <a:latin typeface="Arial" panose="020B0604020202020204" pitchFamily="34" charset="0"/>
+              <a:cs typeface="Arial" panose="020B0604020202020204" pitchFamily="34" charset="0"/>
+            </a:endParaRPr>
+          </a:p>
+        </p:txBody>
+      </p:sp>
+    </p:spTree>
+    <p:extLst>
+      <p:ext uri="{BB962C8B-B14F-4D97-AF65-F5344CB8AC3E}">
+        <p14:creationId xmlns:p14="http://schemas.microsoft.com/office/powerpoint/2010/main" val="1840586329"/>
       </p:ext>
     </p:extLst>
   </p:cSld>
@@ -12379,16 +15239,6 @@
               <a:t>Three packages with certain values and a </a:t>
             </a:r>
             <a:r>
-              <a:rPr lang="en-US" sz="2800" dirty="0" err="1" smtClean="0">
-                <a:solidFill>
-                  <a:schemeClr val="tx1"/>
-                </a:solidFill>
-                <a:latin typeface="Arial" panose="020B0604020202020204" pitchFamily="34" charset="0"/>
-                <a:cs typeface="Arial" panose="020B0604020202020204" pitchFamily="34" charset="0"/>
-              </a:rPr>
-              <a:t>cargosace</a:t>
-            </a:r>
-            <a:r>
               <a:rPr lang="en-US" sz="2800" dirty="0" smtClean="0">
                 <a:solidFill>
                   <a:schemeClr val="tx1"/>
@@ -12396,8 +15246,15 @@
                 <a:latin typeface="Arial" panose="020B0604020202020204" pitchFamily="34" charset="0"/>
                 <a:cs typeface="Arial" panose="020B0604020202020204" pitchFamily="34" charset="0"/>
               </a:rPr>
-              <a:t> </a:t>
-            </a:r>
+              <a:t>cargo space </a:t>
+            </a:r>
+            <a:endParaRPr lang="en-US" sz="2800" dirty="0" smtClean="0">
+              <a:solidFill>
+                <a:schemeClr val="tx1"/>
+              </a:solidFill>
+              <a:latin typeface="Arial" panose="020B0604020202020204" pitchFamily="34" charset="0"/>
+              <a:cs typeface="Arial" panose="020B0604020202020204" pitchFamily="34" charset="0"/>
+            </a:endParaRPr>
           </a:p>
           <a:p>
             <a:pPr marL="685800" lvl="1">
@@ -12507,14 +15364,14 @@
               <a:buChar char="•"/>
             </a:pPr>
             <a:r>
-              <a:rPr lang="en-GB" sz="2800" dirty="0" err="1" smtClean="0">
+              <a:rPr lang="en-GB" sz="2800" dirty="0" smtClean="0">
                 <a:solidFill>
                   <a:schemeClr val="tx1"/>
                 </a:solidFill>
                 <a:latin typeface="Arial" panose="020B0604020202020204" pitchFamily="34" charset="0"/>
                 <a:cs typeface="Arial" panose="020B0604020202020204" pitchFamily="34" charset="0"/>
               </a:rPr>
-              <a:t>Cargospace</a:t>
+              <a:t>Cargo space</a:t>
             </a:r>
             <a:r>
               <a:rPr lang="en-GB" sz="2800" dirty="0" smtClean="0">
@@ -12813,26 +15670,32 @@
         </p:nvSpPr>
         <p:spPr>
           <a:xfrm>
-            <a:off x="3895859" y="3222938"/>
+            <a:off x="1936430" y="2980342"/>
             <a:ext cx="9601200" cy="1485900"/>
           </a:xfrm>
         </p:spPr>
         <p:txBody>
-          <a:bodyPr/>
+          <a:bodyPr>
+            <a:normAutofit/>
+          </a:bodyPr>
           <a:lstStyle/>
           <a:p>
             <a:r>
-              <a:rPr lang="en-US" dirty="0" smtClean="0">
+              <a:rPr lang="en-US" sz="6000" dirty="0" smtClean="0">
                 <a:solidFill>
                   <a:srgbClr val="0070C0"/>
                 </a:solidFill>
+                <a:latin typeface="Arial" panose="020B0604020202020204" pitchFamily="34" charset="0"/>
+                <a:cs typeface="Arial" panose="020B0604020202020204" pitchFamily="34" charset="0"/>
               </a:rPr>
               <a:t>ASSIGNMENT RESULTS</a:t>
             </a:r>
-            <a:endParaRPr lang="et-EE" dirty="0">
+            <a:endParaRPr lang="et-EE" sz="6000" dirty="0">
               <a:solidFill>
                 <a:srgbClr val="0070C0"/>
               </a:solidFill>
+              <a:latin typeface="Arial" panose="020B0604020202020204" pitchFamily="34" charset="0"/>
+              <a:cs typeface="Arial" panose="020B0604020202020204" pitchFamily="34" charset="0"/>
             </a:endParaRPr>
           </a:p>
         </p:txBody>
@@ -13094,8 +15957,8 @@
         </p:nvSpPr>
         <p:spPr>
           <a:xfrm>
-            <a:off x="869910" y="345882"/>
-            <a:ext cx="8596668" cy="3880773"/>
+            <a:off x="944554" y="999025"/>
+            <a:ext cx="10177536" cy="3880773"/>
           </a:xfrm>
         </p:spPr>
         <p:txBody>
@@ -13122,16 +15985,6 @@
               <a:t>It is possible to fill the entire </a:t>
             </a:r>
             <a:r>
-              <a:rPr lang="en-US" sz="4000" dirty="0" err="1" smtClean="0">
-                <a:solidFill>
-                  <a:schemeClr val="tx1"/>
-                </a:solidFill>
-                <a:latin typeface="Arial" panose="020B0604020202020204" pitchFamily="34" charset="0"/>
-                <a:cs typeface="Arial" panose="020B0604020202020204" pitchFamily="34" charset="0"/>
-              </a:rPr>
-              <a:t>cargospace</a:t>
-            </a:r>
-            <a:r>
               <a:rPr lang="en-US" sz="4000" dirty="0" smtClean="0">
                 <a:solidFill>
                   <a:schemeClr val="tx1"/>
@@ -13139,7 +15992,17 @@
                 <a:latin typeface="Arial" panose="020B0604020202020204" pitchFamily="34" charset="0"/>
                 <a:cs typeface="Arial" panose="020B0604020202020204" pitchFamily="34" charset="0"/>
               </a:rPr>
-              <a:t> with L,P and/or T packages.</a:t>
+              <a:t>cargo space </a:t>
+            </a:r>
+            <a:r>
+              <a:rPr lang="en-US" sz="4000" dirty="0" smtClean="0">
+                <a:solidFill>
+                  <a:schemeClr val="tx1"/>
+                </a:solidFill>
+                <a:latin typeface="Arial" panose="020B0604020202020204" pitchFamily="34" charset="0"/>
+                <a:cs typeface="Arial" panose="020B0604020202020204" pitchFamily="34" charset="0"/>
+              </a:rPr>
+              <a:t>with L,P and/or T packages.</a:t>
             </a:r>
             <a:endParaRPr lang="en-US" sz="4000" dirty="0">
               <a:latin typeface="Arial" panose="020B0604020202020204" pitchFamily="34" charset="0"/>
@@ -13206,8 +16069,8 @@
         </p:blipFill>
         <p:spPr>
           <a:xfrm>
-            <a:off x="869910" y="4044832"/>
-            <a:ext cx="10815582" cy="2604569"/>
+            <a:off x="936402" y="3820896"/>
+            <a:ext cx="11006782" cy="2710532"/>
           </a:xfrm>
           <a:prstGeom prst="rect">
             <a:avLst/>
@@ -13392,7 +16255,7 @@
         </p:blipFill>
         <p:spPr>
           <a:xfrm>
-            <a:off x="814417" y="1056068"/>
+            <a:off x="870401" y="570876"/>
             <a:ext cx="11137177" cy="5438643"/>
           </a:xfrm>
           <a:prstGeom prst="rect">
